--- a/Documentacao/ModelagemSistema_TemplateInicial.pptx
+++ b/Documentacao/ModelagemSistema_TemplateInicial.pptx
@@ -5,7 +5,7 @@
     <p:sldMasterId id="2147483660" r:id="rId1"/>
   </p:sldMasterIdLst>
   <p:notesMasterIdLst>
-    <p:notesMasterId r:id="rId20"/>
+    <p:notesMasterId r:id="rId21"/>
   </p:notesMasterIdLst>
   <p:sldIdLst>
     <p:sldId id="2561" r:id="rId2"/>
@@ -18,14 +18,15 @@
     <p:sldId id="2580" r:id="rId9"/>
     <p:sldId id="2581" r:id="rId10"/>
     <p:sldId id="2582" r:id="rId11"/>
-    <p:sldId id="2566" r:id="rId12"/>
-    <p:sldId id="2583" r:id="rId13"/>
-    <p:sldId id="2585" r:id="rId14"/>
-    <p:sldId id="2584" r:id="rId15"/>
-    <p:sldId id="2567" r:id="rId16"/>
-    <p:sldId id="2568" r:id="rId17"/>
-    <p:sldId id="2586" r:id="rId18"/>
-    <p:sldId id="2569" r:id="rId19"/>
+    <p:sldId id="2587" r:id="rId12"/>
+    <p:sldId id="2566" r:id="rId13"/>
+    <p:sldId id="2583" r:id="rId14"/>
+    <p:sldId id="2585" r:id="rId15"/>
+    <p:sldId id="2584" r:id="rId16"/>
+    <p:sldId id="2567" r:id="rId17"/>
+    <p:sldId id="2568" r:id="rId18"/>
+    <p:sldId id="2586" r:id="rId19"/>
+    <p:sldId id="2569" r:id="rId20"/>
   </p:sldIdLst>
   <p:sldSz cx="12192000" cy="6858000"/>
   <p:notesSz cx="6858000" cy="9144000"/>
@@ -214,7 +215,7 @@
           <a:p>
             <a:fld id="{93DDA81E-B6DD-4CA0-9C2D-B0C27B95DC2C}" type="datetimeFigureOut">
               <a:rPr lang="pt-BR" smtClean="0"/>
-              <a:t>20/01/2025</a:t>
+              <a:t>22/01/2025</a:t>
             </a:fld>
             <a:endParaRPr lang="pt-BR"/>
           </a:p>
@@ -687,6 +688,117 @@
   <p:cSld>
     <p:spTree>
       <p:nvGrpSpPr>
+        <p:cNvPr id="1" name="">
+          <a:extLst>
+            <a:ext uri="{FF2B5EF4-FFF2-40B4-BE49-F238E27FC236}">
+              <a16:creationId xmlns:a16="http://schemas.microsoft.com/office/drawing/2014/main" id="{8A577B22-1EE7-49D3-2071-2B1B1663A763}"/>
+            </a:ext>
+          </a:extLst>
+        </p:cNvPr>
+        <p:cNvGrpSpPr/>
+        <p:nvPr/>
+      </p:nvGrpSpPr>
+      <p:grpSpPr>
+        <a:xfrm>
+          <a:off x="0" y="0"/>
+          <a:ext cx="0" cy="0"/>
+          <a:chOff x="0" y="0"/>
+          <a:chExt cx="0" cy="0"/>
+        </a:xfrm>
+      </p:grpSpPr>
+      <p:sp>
+        <p:nvSpPr>
+          <p:cNvPr id="2" name="Espaço Reservado para Imagem de Slide 1">
+            <a:extLst>
+              <a:ext uri="{FF2B5EF4-FFF2-40B4-BE49-F238E27FC236}">
+                <a16:creationId xmlns:a16="http://schemas.microsoft.com/office/drawing/2014/main" id="{891C5F19-9F0B-9D28-11B0-FDE2808ABCAD}"/>
+              </a:ext>
+            </a:extLst>
+          </p:cNvPr>
+          <p:cNvSpPr>
+            <a:spLocks noGrp="1" noRot="1" noChangeAspect="1"/>
+          </p:cNvSpPr>
+          <p:nvPr>
+            <p:ph type="sldImg"/>
+          </p:nvPr>
+        </p:nvSpPr>
+        <p:spPr/>
+      </p:sp>
+      <p:sp>
+        <p:nvSpPr>
+          <p:cNvPr id="3" name="Espaço Reservado para Anotações 2">
+            <a:extLst>
+              <a:ext uri="{FF2B5EF4-FFF2-40B4-BE49-F238E27FC236}">
+                <a16:creationId xmlns:a16="http://schemas.microsoft.com/office/drawing/2014/main" id="{E0F7961C-B206-449E-1C65-4F0FB4BA0AF2}"/>
+              </a:ext>
+            </a:extLst>
+          </p:cNvPr>
+          <p:cNvSpPr>
+            <a:spLocks noGrp="1"/>
+          </p:cNvSpPr>
+          <p:nvPr>
+            <p:ph type="body" idx="1"/>
+          </p:nvPr>
+        </p:nvSpPr>
+        <p:spPr/>
+        <p:txBody>
+          <a:bodyPr/>
+          <a:lstStyle/>
+          <a:p>
+            <a:r>
+              <a:rPr lang="pt-BR"/>
+              <a:t>O Diagrama Entidade-Relacionamento (DER) é uma ferramenta visual que descreve a estrutura do banco de dados do sistema. Ele ilustra as principais entidades, seus atributos e os relacionamentos entre elas, ajudando a entender a lógica do banco de dados.</a:t>
+            </a:r>
+          </a:p>
+        </p:txBody>
+      </p:sp>
+      <p:sp>
+        <p:nvSpPr>
+          <p:cNvPr id="4" name="Espaço Reservado para Número de Slide 3">
+            <a:extLst>
+              <a:ext uri="{FF2B5EF4-FFF2-40B4-BE49-F238E27FC236}">
+                <a16:creationId xmlns:a16="http://schemas.microsoft.com/office/drawing/2014/main" id="{27875489-F6BA-266C-AC87-7824780255BB}"/>
+              </a:ext>
+            </a:extLst>
+          </p:cNvPr>
+          <p:cNvSpPr>
+            <a:spLocks noGrp="1"/>
+          </p:cNvSpPr>
+          <p:nvPr>
+            <p:ph type="sldNum" sz="quarter" idx="5"/>
+          </p:nvPr>
+        </p:nvSpPr>
+        <p:spPr/>
+        <p:txBody>
+          <a:bodyPr/>
+          <a:lstStyle/>
+          <a:p>
+            <a:fld id="{92E3E85D-1FC8-4645-A278-0F485466CD94}" type="slidenum">
+              <a:rPr lang="pt-BR" smtClean="0"/>
+              <a:t>11</a:t>
+            </a:fld>
+            <a:endParaRPr lang="pt-BR"/>
+          </a:p>
+        </p:txBody>
+      </p:sp>
+    </p:spTree>
+    <p:extLst>
+      <p:ext uri="{BB962C8B-B14F-4D97-AF65-F5344CB8AC3E}">
+        <p14:creationId xmlns:p14="http://schemas.microsoft.com/office/powerpoint/2010/main" val="4228526868"/>
+      </p:ext>
+    </p:extLst>
+  </p:cSld>
+  <p:clrMapOvr>
+    <a:masterClrMapping/>
+  </p:clrMapOvr>
+</p:notes>
+</file>
+
+<file path=ppt/notesSlides/notesSlide12.xml><?xml version="1.0" encoding="utf-8"?>
+<p:notes xmlns:a="http://schemas.openxmlformats.org/drawingml/2006/main" xmlns:r="http://schemas.openxmlformats.org/officeDocument/2006/relationships" xmlns:p="http://schemas.openxmlformats.org/presentationml/2006/main">
+  <p:cSld>
+    <p:spTree>
+      <p:nvGrpSpPr>
         <p:cNvPr id="1" name=""/>
         <p:cNvGrpSpPr/>
         <p:nvPr/>
@@ -750,7 +862,7 @@
           <a:p>
             <a:fld id="{92E3E85D-1FC8-4645-A278-0F485466CD94}" type="slidenum">
               <a:rPr lang="pt-BR" smtClean="0"/>
-              <a:t>11</a:t>
+              <a:t>12</a:t>
             </a:fld>
             <a:endParaRPr lang="pt-BR"/>
           </a:p>
@@ -769,7 +881,7 @@
 </p:notes>
 </file>
 
-<file path=ppt/notesSlides/notesSlide12.xml><?xml version="1.0" encoding="utf-8"?>
+<file path=ppt/notesSlides/notesSlide13.xml><?xml version="1.0" encoding="utf-8"?>
 <p:notes xmlns:a="http://schemas.openxmlformats.org/drawingml/2006/main" xmlns:r="http://schemas.openxmlformats.org/officeDocument/2006/relationships" xmlns:p="http://schemas.openxmlformats.org/presentationml/2006/main">
   <p:cSld>
     <p:spTree>
@@ -861,7 +973,7 @@
           <a:p>
             <a:fld id="{92E3E85D-1FC8-4645-A278-0F485466CD94}" type="slidenum">
               <a:rPr lang="pt-BR" smtClean="0"/>
-              <a:t>12</a:t>
+              <a:t>13</a:t>
             </a:fld>
             <a:endParaRPr lang="pt-BR"/>
           </a:p>
@@ -871,117 +983,6 @@
     <p:extLst>
       <p:ext uri="{BB962C8B-B14F-4D97-AF65-F5344CB8AC3E}">
         <p14:creationId xmlns:p14="http://schemas.microsoft.com/office/powerpoint/2010/main" val="2995660185"/>
-      </p:ext>
-    </p:extLst>
-  </p:cSld>
-  <p:clrMapOvr>
-    <a:masterClrMapping/>
-  </p:clrMapOvr>
-</p:notes>
-</file>
-
-<file path=ppt/notesSlides/notesSlide13.xml><?xml version="1.0" encoding="utf-8"?>
-<p:notes xmlns:a="http://schemas.openxmlformats.org/drawingml/2006/main" xmlns:r="http://schemas.openxmlformats.org/officeDocument/2006/relationships" xmlns:p="http://schemas.openxmlformats.org/presentationml/2006/main">
-  <p:cSld>
-    <p:spTree>
-      <p:nvGrpSpPr>
-        <p:cNvPr id="1" name="">
-          <a:extLst>
-            <a:ext uri="{FF2B5EF4-FFF2-40B4-BE49-F238E27FC236}">
-              <a16:creationId xmlns:a16="http://schemas.microsoft.com/office/drawing/2014/main" id="{5E758249-486C-768F-A9A2-E1C45FF9A004}"/>
-            </a:ext>
-          </a:extLst>
-        </p:cNvPr>
-        <p:cNvGrpSpPr/>
-        <p:nvPr/>
-      </p:nvGrpSpPr>
-      <p:grpSpPr>
-        <a:xfrm>
-          <a:off x="0" y="0"/>
-          <a:ext cx="0" cy="0"/>
-          <a:chOff x="0" y="0"/>
-          <a:chExt cx="0" cy="0"/>
-        </a:xfrm>
-      </p:grpSpPr>
-      <p:sp>
-        <p:nvSpPr>
-          <p:cNvPr id="2" name="Espaço Reservado para Imagem de Slide 1">
-            <a:extLst>
-              <a:ext uri="{FF2B5EF4-FFF2-40B4-BE49-F238E27FC236}">
-                <a16:creationId xmlns:a16="http://schemas.microsoft.com/office/drawing/2014/main" id="{893D3064-37E2-A08B-B67E-D0BDF678B537}"/>
-              </a:ext>
-            </a:extLst>
-          </p:cNvPr>
-          <p:cNvSpPr>
-            <a:spLocks noGrp="1" noRot="1" noChangeAspect="1"/>
-          </p:cNvSpPr>
-          <p:nvPr>
-            <p:ph type="sldImg"/>
-          </p:nvPr>
-        </p:nvSpPr>
-        <p:spPr/>
-      </p:sp>
-      <p:sp>
-        <p:nvSpPr>
-          <p:cNvPr id="3" name="Espaço Reservado para Anotações 2">
-            <a:extLst>
-              <a:ext uri="{FF2B5EF4-FFF2-40B4-BE49-F238E27FC236}">
-                <a16:creationId xmlns:a16="http://schemas.microsoft.com/office/drawing/2014/main" id="{509255BE-D866-6F4C-1785-B44C4C921F5A}"/>
-              </a:ext>
-            </a:extLst>
-          </p:cNvPr>
-          <p:cNvSpPr>
-            <a:spLocks noGrp="1"/>
-          </p:cNvSpPr>
-          <p:nvPr>
-            <p:ph type="body" idx="1"/>
-          </p:nvPr>
-        </p:nvSpPr>
-        <p:spPr/>
-        <p:txBody>
-          <a:bodyPr/>
-          <a:lstStyle/>
-          <a:p>
-            <a:r>
-              <a:rPr lang="pt-BR"/>
-              <a:t>O Diagrama Entidade-Relacionamento (DER) é uma ferramenta visual que descreve a estrutura do banco de dados do sistema. Ele ilustra as principais entidades, seus atributos e os relacionamentos entre elas, ajudando a entender a lógica do banco de dados.</a:t>
-            </a:r>
-          </a:p>
-        </p:txBody>
-      </p:sp>
-      <p:sp>
-        <p:nvSpPr>
-          <p:cNvPr id="4" name="Espaço Reservado para Número de Slide 3">
-            <a:extLst>
-              <a:ext uri="{FF2B5EF4-FFF2-40B4-BE49-F238E27FC236}">
-                <a16:creationId xmlns:a16="http://schemas.microsoft.com/office/drawing/2014/main" id="{9733254D-078E-0492-BCD8-F2990DC2CCFA}"/>
-              </a:ext>
-            </a:extLst>
-          </p:cNvPr>
-          <p:cNvSpPr>
-            <a:spLocks noGrp="1"/>
-          </p:cNvSpPr>
-          <p:nvPr>
-            <p:ph type="sldNum" sz="quarter" idx="5"/>
-          </p:nvPr>
-        </p:nvSpPr>
-        <p:spPr/>
-        <p:txBody>
-          <a:bodyPr/>
-          <a:lstStyle/>
-          <a:p>
-            <a:fld id="{92E3E85D-1FC8-4645-A278-0F485466CD94}" type="slidenum">
-              <a:rPr lang="pt-BR" smtClean="0"/>
-              <a:t>13</a:t>
-            </a:fld>
-            <a:endParaRPr lang="pt-BR"/>
-          </a:p>
-        </p:txBody>
-      </p:sp>
-    </p:spTree>
-    <p:extLst>
-      <p:ext uri="{BB962C8B-B14F-4D97-AF65-F5344CB8AC3E}">
-        <p14:creationId xmlns:p14="http://schemas.microsoft.com/office/powerpoint/2010/main" val="2310064016"/>
       </p:ext>
     </p:extLst>
   </p:cSld>
@@ -1092,7 +1093,7 @@
     </p:spTree>
     <p:extLst>
       <p:ext uri="{BB962C8B-B14F-4D97-AF65-F5344CB8AC3E}">
-        <p14:creationId xmlns:p14="http://schemas.microsoft.com/office/powerpoint/2010/main" val="2155279237"/>
+        <p14:creationId xmlns:p14="http://schemas.microsoft.com/office/powerpoint/2010/main" val="2310064016"/>
       </p:ext>
     </p:extLst>
   </p:cSld>
@@ -1107,7 +1108,13 @@
   <p:cSld>
     <p:spTree>
       <p:nvGrpSpPr>
-        <p:cNvPr id="1" name=""/>
+        <p:cNvPr id="1" name="">
+          <a:extLst>
+            <a:ext uri="{FF2B5EF4-FFF2-40B4-BE49-F238E27FC236}">
+              <a16:creationId xmlns:a16="http://schemas.microsoft.com/office/drawing/2014/main" id="{5E758249-486C-768F-A9A2-E1C45FF9A004}"/>
+            </a:ext>
+          </a:extLst>
+        </p:cNvPr>
         <p:cNvGrpSpPr/>
         <p:nvPr/>
       </p:nvGrpSpPr>
@@ -1121,7 +1128,13 @@
       </p:grpSpPr>
       <p:sp>
         <p:nvSpPr>
-          <p:cNvPr id="2" name="Espaço Reservado para Imagem de Slide 1"/>
+          <p:cNvPr id="2" name="Espaço Reservado para Imagem de Slide 1">
+            <a:extLst>
+              <a:ext uri="{FF2B5EF4-FFF2-40B4-BE49-F238E27FC236}">
+                <a16:creationId xmlns:a16="http://schemas.microsoft.com/office/drawing/2014/main" id="{893D3064-37E2-A08B-B67E-D0BDF678B537}"/>
+              </a:ext>
+            </a:extLst>
+          </p:cNvPr>
           <p:cNvSpPr>
             <a:spLocks noGrp="1" noRot="1" noChangeAspect="1"/>
           </p:cNvSpPr>
@@ -1133,7 +1146,13 @@
       </p:sp>
       <p:sp>
         <p:nvSpPr>
-          <p:cNvPr id="3" name="Espaço Reservado para Anotações 2"/>
+          <p:cNvPr id="3" name="Espaço Reservado para Anotações 2">
+            <a:extLst>
+              <a:ext uri="{FF2B5EF4-FFF2-40B4-BE49-F238E27FC236}">
+                <a16:creationId xmlns:a16="http://schemas.microsoft.com/office/drawing/2014/main" id="{509255BE-D866-6F4C-1785-B44C4C921F5A}"/>
+              </a:ext>
+            </a:extLst>
+          </p:cNvPr>
           <p:cNvSpPr>
             <a:spLocks noGrp="1"/>
           </p:cNvSpPr>
@@ -1148,14 +1167,20 @@
           <a:p>
             <a:r>
               <a:rPr lang="pt-BR"/>
-              <a:t>Os requisitos funcionais definem as ações que o sistema deve ser capaz de realizar. Neste slide, listaremos os principais requisitos funcionais, incluindo funções como cadastro de usuários, geração de relatórios e consulta de dados.</a:t>
-            </a:r>
-          </a:p>
-        </p:txBody>
-      </p:sp>
-      <p:sp>
-        <p:nvSpPr>
-          <p:cNvPr id="4" name="Espaço Reservado para Número de Slide 3"/>
+              <a:t>O Diagrama Entidade-Relacionamento (DER) é uma ferramenta visual que descreve a estrutura do banco de dados do sistema. Ele ilustra as principais entidades, seus atributos e os relacionamentos entre elas, ajudando a entender a lógica do banco de dados.</a:t>
+            </a:r>
+          </a:p>
+        </p:txBody>
+      </p:sp>
+      <p:sp>
+        <p:nvSpPr>
+          <p:cNvPr id="4" name="Espaço Reservado para Número de Slide 3">
+            <a:extLst>
+              <a:ext uri="{FF2B5EF4-FFF2-40B4-BE49-F238E27FC236}">
+                <a16:creationId xmlns:a16="http://schemas.microsoft.com/office/drawing/2014/main" id="{9733254D-078E-0492-BCD8-F2990DC2CCFA}"/>
+              </a:ext>
+            </a:extLst>
+          </p:cNvPr>
           <p:cNvSpPr>
             <a:spLocks noGrp="1"/>
           </p:cNvSpPr>
@@ -1179,7 +1204,7 @@
     </p:spTree>
     <p:extLst>
       <p:ext uri="{BB962C8B-B14F-4D97-AF65-F5344CB8AC3E}">
-        <p14:creationId xmlns:p14="http://schemas.microsoft.com/office/powerpoint/2010/main" val="3164768469"/>
+        <p14:creationId xmlns:p14="http://schemas.microsoft.com/office/powerpoint/2010/main" val="2155279237"/>
       </p:ext>
     </p:extLst>
   </p:cSld>
@@ -1235,7 +1260,7 @@
           <a:p>
             <a:r>
               <a:rPr lang="pt-BR"/>
-              <a:t>Aqui, detalharemos alguns exemplos de requisitos funcionais, como 'O sistema deve permitir que o usuário faça login com credenciais válidas' e 'O sistema deve gerar relatórios mensais de vendas'. Estes requisitos são cruciais para orientar o desenvolvimento do sistema.</a:t>
+              <a:t>Os requisitos funcionais definem as ações que o sistema deve ser capaz de realizar. Neste slide, listaremos os principais requisitos funcionais, incluindo funções como cadastro de usuários, geração de relatórios e consulta de dados.</a:t>
             </a:r>
           </a:p>
         </p:txBody>
@@ -1266,7 +1291,7 @@
     </p:spTree>
     <p:extLst>
       <p:ext uri="{BB962C8B-B14F-4D97-AF65-F5344CB8AC3E}">
-        <p14:creationId xmlns:p14="http://schemas.microsoft.com/office/powerpoint/2010/main" val="3441075504"/>
+        <p14:creationId xmlns:p14="http://schemas.microsoft.com/office/powerpoint/2010/main" val="3164768469"/>
       </p:ext>
     </p:extLst>
   </p:cSld>
@@ -1353,7 +1378,7 @@
     </p:spTree>
     <p:extLst>
       <p:ext uri="{BB962C8B-B14F-4D97-AF65-F5344CB8AC3E}">
-        <p14:creationId xmlns:p14="http://schemas.microsoft.com/office/powerpoint/2010/main" val="1244176758"/>
+        <p14:creationId xmlns:p14="http://schemas.microsoft.com/office/powerpoint/2010/main" val="3441075504"/>
       </p:ext>
     </p:extLst>
   </p:cSld>
@@ -1409,7 +1434,7 @@
           <a:p>
             <a:r>
               <a:rPr lang="pt-BR"/>
-              <a:t>Os requisitos não funcionais definem as características do sistema, como desempenho, segurança e usabilidade. Neste slide, discutiremos os principais requisitos não funcionais que o sistema deve atender.</a:t>
+              <a:t>Aqui, detalharemos alguns exemplos de requisitos funcionais, como 'O sistema deve permitir que o usuário faça login com credenciais válidas' e 'O sistema deve gerar relatórios mensais de vendas'. Estes requisitos são cruciais para orientar o desenvolvimento do sistema.</a:t>
             </a:r>
           </a:p>
         </p:txBody>
@@ -1432,6 +1457,93 @@
             <a:fld id="{92E3E85D-1FC8-4645-A278-0F485466CD94}" type="slidenum">
               <a:rPr lang="pt-BR" smtClean="0"/>
               <a:t>18</a:t>
+            </a:fld>
+            <a:endParaRPr lang="pt-BR"/>
+          </a:p>
+        </p:txBody>
+      </p:sp>
+    </p:spTree>
+    <p:extLst>
+      <p:ext uri="{BB962C8B-B14F-4D97-AF65-F5344CB8AC3E}">
+        <p14:creationId xmlns:p14="http://schemas.microsoft.com/office/powerpoint/2010/main" val="1244176758"/>
+      </p:ext>
+    </p:extLst>
+  </p:cSld>
+  <p:clrMapOvr>
+    <a:masterClrMapping/>
+  </p:clrMapOvr>
+</p:notes>
+</file>
+
+<file path=ppt/notesSlides/notesSlide19.xml><?xml version="1.0" encoding="utf-8"?>
+<p:notes xmlns:a="http://schemas.openxmlformats.org/drawingml/2006/main" xmlns:r="http://schemas.openxmlformats.org/officeDocument/2006/relationships" xmlns:p="http://schemas.openxmlformats.org/presentationml/2006/main">
+  <p:cSld>
+    <p:spTree>
+      <p:nvGrpSpPr>
+        <p:cNvPr id="1" name=""/>
+        <p:cNvGrpSpPr/>
+        <p:nvPr/>
+      </p:nvGrpSpPr>
+      <p:grpSpPr>
+        <a:xfrm>
+          <a:off x="0" y="0"/>
+          <a:ext cx="0" cy="0"/>
+          <a:chOff x="0" y="0"/>
+          <a:chExt cx="0" cy="0"/>
+        </a:xfrm>
+      </p:grpSpPr>
+      <p:sp>
+        <p:nvSpPr>
+          <p:cNvPr id="2" name="Espaço Reservado para Imagem de Slide 1"/>
+          <p:cNvSpPr>
+            <a:spLocks noGrp="1" noRot="1" noChangeAspect="1"/>
+          </p:cNvSpPr>
+          <p:nvPr>
+            <p:ph type="sldImg"/>
+          </p:nvPr>
+        </p:nvSpPr>
+        <p:spPr/>
+      </p:sp>
+      <p:sp>
+        <p:nvSpPr>
+          <p:cNvPr id="3" name="Espaço Reservado para Anotações 2"/>
+          <p:cNvSpPr>
+            <a:spLocks noGrp="1"/>
+          </p:cNvSpPr>
+          <p:nvPr>
+            <p:ph type="body" idx="1"/>
+          </p:nvPr>
+        </p:nvSpPr>
+        <p:spPr/>
+        <p:txBody>
+          <a:bodyPr/>
+          <a:lstStyle/>
+          <a:p>
+            <a:r>
+              <a:rPr lang="pt-BR"/>
+              <a:t>Os requisitos não funcionais definem as características do sistema, como desempenho, segurança e usabilidade. Neste slide, discutiremos os principais requisitos não funcionais que o sistema deve atender.</a:t>
+            </a:r>
+          </a:p>
+        </p:txBody>
+      </p:sp>
+      <p:sp>
+        <p:nvSpPr>
+          <p:cNvPr id="4" name="Espaço Reservado para Número de Slide 3"/>
+          <p:cNvSpPr>
+            <a:spLocks noGrp="1"/>
+          </p:cNvSpPr>
+          <p:nvPr>
+            <p:ph type="sldNum" sz="quarter" idx="5"/>
+          </p:nvPr>
+        </p:nvSpPr>
+        <p:spPr/>
+        <p:txBody>
+          <a:bodyPr/>
+          <a:lstStyle/>
+          <a:p>
+            <a:fld id="{92E3E85D-1FC8-4645-A278-0F485466CD94}" type="slidenum">
+              <a:rPr lang="pt-BR" smtClean="0"/>
+              <a:t>19</a:t>
             </a:fld>
             <a:endParaRPr lang="pt-BR"/>
           </a:p>
@@ -2443,7 +2555,7 @@
           <a:p>
             <a:fld id="{C128FA71-3A18-48C0-980F-4B68F7F63042}" type="datetime1">
               <a:rPr lang="en-US" smtClean="0"/>
-              <a:t>1/20/2025</a:t>
+              <a:t>1/22/2025</a:t>
             </a:fld>
             <a:endParaRPr lang="en-US"/>
           </a:p>
@@ -2651,7 +2763,7 @@
           <a:p>
             <a:fld id="{7104EDB3-C0E8-45F8-9E1D-1B6C8D1880C0}" type="datetime1">
               <a:rPr lang="en-US" smtClean="0"/>
-              <a:t>1/20/2025</a:t>
+              <a:t>1/22/2025</a:t>
             </a:fld>
             <a:endParaRPr lang="en-US"/>
           </a:p>
@@ -2861,7 +2973,7 @@
           <a:p>
             <a:fld id="{9CF0EC4B-54ED-4041-B552-9BA760FA3DBA}" type="datetime1">
               <a:rPr lang="en-US" smtClean="0"/>
-              <a:t>1/20/2025</a:t>
+              <a:t>1/22/2025</a:t>
             </a:fld>
             <a:endParaRPr lang="en-US"/>
           </a:p>
@@ -3059,7 +3171,7 @@
           <a:p>
             <a:fld id="{51C1210E-201E-4473-82AC-2466F5386C38}" type="datetime1">
               <a:rPr lang="en-US" smtClean="0"/>
-              <a:t>1/20/2025</a:t>
+              <a:t>1/22/2025</a:t>
             </a:fld>
             <a:endParaRPr lang="en-US"/>
           </a:p>
@@ -3337,7 +3449,7 @@
           <a:p>
             <a:fld id="{B01EA198-6CAB-4B8F-B93F-1F9C8C4B6CE7}" type="datetime1">
               <a:rPr lang="en-US" smtClean="0"/>
-              <a:t>1/20/2025</a:t>
+              <a:t>1/22/2025</a:t>
             </a:fld>
             <a:endParaRPr lang="en-US"/>
           </a:p>
@@ -3609,7 +3721,7 @@
           <a:p>
             <a:fld id="{CA06041F-4525-44D5-AA4F-332294BF1F56}" type="datetime1">
               <a:rPr lang="en-US" smtClean="0"/>
-              <a:t>1/20/2025</a:t>
+              <a:t>1/22/2025</a:t>
             </a:fld>
             <a:endParaRPr lang="en-US"/>
           </a:p>
@@ -4033,7 +4145,7 @@
           <a:p>
             <a:fld id="{F9557091-BBDF-4EB9-BA6B-2BB67AC4FC0F}" type="datetime1">
               <a:rPr lang="en-US" smtClean="0"/>
-              <a:t>1/20/2025</a:t>
+              <a:t>1/22/2025</a:t>
             </a:fld>
             <a:endParaRPr lang="en-US"/>
           </a:p>
@@ -4174,7 +4286,7 @@
           <a:p>
             <a:fld id="{2D6B226B-77A6-410C-9796-083F278E0125}" type="datetime1">
               <a:rPr lang="en-US" smtClean="0"/>
-              <a:t>1/20/2025</a:t>
+              <a:t>1/22/2025</a:t>
             </a:fld>
             <a:endParaRPr lang="en-US"/>
           </a:p>
@@ -4287,7 +4399,7 @@
           <a:p>
             <a:fld id="{A23A578B-D289-4C40-8593-3D356C49DA58}" type="datetime1">
               <a:rPr lang="en-US" smtClean="0"/>
-              <a:t>1/20/2025</a:t>
+              <a:t>1/22/2025</a:t>
             </a:fld>
             <a:endParaRPr lang="en-US"/>
           </a:p>
@@ -4606,7 +4718,7 @@
           <a:p>
             <a:fld id="{713DFAE3-14DB-48A7-A80F-80DDB072CE3D}" type="datetime1">
               <a:rPr lang="en-US" smtClean="0"/>
-              <a:t>1/20/2025</a:t>
+              <a:t>1/22/2025</a:t>
             </a:fld>
             <a:endParaRPr lang="en-US"/>
           </a:p>
@@ -4900,7 +5012,7 @@
           <a:p>
             <a:fld id="{92C5EAEF-6478-4102-8F5D-A5FE9FC97ACB}" type="datetime1">
               <a:rPr lang="en-US" smtClean="0"/>
-              <a:t>1/20/2025</a:t>
+              <a:t>1/22/2025</a:t>
             </a:fld>
             <a:endParaRPr lang="en-US"/>
           </a:p>
@@ -5141,7 +5253,7 @@
           <a:p>
             <a:fld id="{67F45AC6-C491-4585-A584-9CE2AF7D5500}" type="datetime1">
               <a:rPr lang="en-US" smtClean="0"/>
-              <a:t>1/20/2025</a:t>
+              <a:t>1/22/2025</a:t>
             </a:fld>
             <a:endParaRPr lang="en-US"/>
           </a:p>
@@ -5571,7 +5683,7 @@
                 <a16:creationId xmlns:a16="http://schemas.microsoft.com/office/drawing/2014/main" id="{6E448DB1-4196-18A6-15DA-C72635C1B11E}"/>
               </a:ext>
               <a:ext uri="{C183D7F6-B498-43B3-948B-1728B52AA6E4}">
-                <adec:decorative xmlns:adec="http://schemas.microsoft.com/office/drawing/2017/decorative" xmlns="" val="1"/>
+                <adec:decorative xmlns="" xmlns:adec="http://schemas.microsoft.com/office/drawing/2017/decorative" val="1"/>
               </a:ext>
             </a:extLst>
           </p:cNvPr>
@@ -5679,7 +5791,7 @@
                 <a16:creationId xmlns:a16="http://schemas.microsoft.com/office/drawing/2014/main" id="{76A10D8F-D463-70E5-239B-17AD65EF433D}"/>
               </a:ext>
               <a:ext uri="{C183D7F6-B498-43B3-948B-1728B52AA6E4}">
-                <adec:decorative xmlns:adec="http://schemas.microsoft.com/office/drawing/2017/decorative" xmlns="" val="1"/>
+                <adec:decorative xmlns="" xmlns:adec="http://schemas.microsoft.com/office/drawing/2017/decorative" val="1"/>
               </a:ext>
             </a:extLst>
           </p:cNvPr>
@@ -6140,7 +6252,7 @@
                 <a16:creationId xmlns:a16="http://schemas.microsoft.com/office/drawing/2014/main" id="{74EA76C7-8C08-E029-0E79-750B71C94A62}"/>
               </a:ext>
               <a:ext uri="{C183D7F6-B498-43B3-948B-1728B52AA6E4}">
-                <adec:decorative xmlns:adec="http://schemas.microsoft.com/office/drawing/2017/decorative" xmlns="" val="1"/>
+                <adec:decorative xmlns="" xmlns:adec="http://schemas.microsoft.com/office/drawing/2017/decorative" val="1"/>
               </a:ext>
             </a:extLst>
           </p:cNvPr>
@@ -6279,7 +6391,7 @@
             <p:ph sz="half" idx="2"/>
             <p:extLst>
               <p:ext uri="{E7BDC344-281C-4309-B0C6-D0EE65EED2A8}">
-                <p202:designPr xmlns:p202="http://schemas.microsoft.com/office/powerpoint/2020/02/main" xmlns="">
+                <p202:designPr xmlns="" xmlns:p202="http://schemas.microsoft.com/office/powerpoint/2020/02/main">
                   <p202:designTagLst>
                     <p202:designTag name="ARCH:1:CLS" val="InformationBlock"/>
                     <p202:designTag name="ARCH:1:VSVAR" val="TitledTextBox"/>
@@ -6549,6 +6661,689 @@
     </p:bg>
     <p:spTree>
       <p:nvGrpSpPr>
+        <p:cNvPr id="1" name="">
+          <a:extLst>
+            <a:ext uri="{FF2B5EF4-FFF2-40B4-BE49-F238E27FC236}">
+              <a16:creationId xmlns:a16="http://schemas.microsoft.com/office/drawing/2014/main" id="{D42A7F83-F982-A2B6-8BDD-90AB35D5F33D}"/>
+            </a:ext>
+          </a:extLst>
+        </p:cNvPr>
+        <p:cNvGrpSpPr/>
+        <p:nvPr/>
+      </p:nvGrpSpPr>
+      <p:grpSpPr>
+        <a:xfrm>
+          <a:off x="0" y="0"/>
+          <a:ext cx="0" cy="0"/>
+          <a:chOff x="0" y="0"/>
+          <a:chExt cx="0" cy="0"/>
+        </a:xfrm>
+      </p:grpSpPr>
+      <p:sp useBgFill="1">
+        <p:nvSpPr>
+          <p:cNvPr id="10" name="Rectangle 9">
+            <a:extLst>
+              <a:ext uri="{FF2B5EF4-FFF2-40B4-BE49-F238E27FC236}">
+                <a16:creationId xmlns:a16="http://schemas.microsoft.com/office/drawing/2014/main" id="{74EA76C7-8C08-E029-0E79-750B71C94A62}"/>
+              </a:ext>
+              <a:ext uri="{C183D7F6-B498-43B3-948B-1728B52AA6E4}">
+                <adec:decorative xmlns="" xmlns:adec="http://schemas.microsoft.com/office/drawing/2017/decorative" val="1"/>
+              </a:ext>
+            </a:extLst>
+          </p:cNvPr>
+          <p:cNvSpPr>
+            <a:spLocks noGrp="1" noRot="1" noChangeAspect="1" noMove="1" noResize="1" noEditPoints="1" noAdjustHandles="1" noChangeArrowheads="1" noChangeShapeType="1" noTextEdit="1"/>
+          </p:cNvSpPr>
+          <p:nvPr>
+            <p:extLst>
+              <p:ext uri="{386F3935-93C4-4BCD-93E2-E3B085C9AB24}">
+                <p16:designElem xmlns:p16="http://schemas.microsoft.com/office/powerpoint/2015/main" val="1"/>
+              </p:ext>
+            </p:extLst>
+          </p:nvPr>
+        </p:nvSpPr>
+        <p:spPr>
+          <a:xfrm>
+            <a:off x="0" y="0"/>
+            <a:ext cx="12192000" cy="6858000"/>
+          </a:xfrm>
+          <a:prstGeom prst="rect">
+            <a:avLst/>
+          </a:prstGeom>
+          <a:ln w="12700" cap="flat" cmpd="sng" algn="ctr">
+            <a:noFill/>
+            <a:prstDash val="solid"/>
+            <a:miter lim="800000"/>
+          </a:ln>
+          <a:effectLst/>
+          <a:extLst>
+            <a:ext uri="{91240B29-F687-4F45-9708-019B960494DF}">
+              <a14:hiddenLine xmlns:a14="http://schemas.microsoft.com/office/drawing/2010/main" w="12700" cap="flat" cmpd="sng" algn="ctr">
+                <a:solidFill>
+                  <a:schemeClr val="accent1">
+                    <a:shade val="15000"/>
+                  </a:schemeClr>
+                </a:solidFill>
+                <a:prstDash val="solid"/>
+                <a:miter lim="800000"/>
+              </a14:hiddenLine>
+            </a:ext>
+          </a:extLst>
+        </p:spPr>
+        <p:style>
+          <a:lnRef idx="2">
+            <a:schemeClr val="accent1">
+              <a:shade val="15000"/>
+            </a:schemeClr>
+          </a:lnRef>
+          <a:fillRef idx="1">
+            <a:schemeClr val="accent1"/>
+          </a:fillRef>
+          <a:effectRef idx="0">
+            <a:schemeClr val="accent1"/>
+          </a:effectRef>
+          <a:fontRef idx="minor">
+            <a:schemeClr val="lt1"/>
+          </a:fontRef>
+        </p:style>
+        <p:txBody>
+          <a:bodyPr rtlCol="0" anchor="ctr"/>
+          <a:lstStyle/>
+          <a:p>
+            <a:pPr algn="ctr"/>
+            <a:endParaRPr lang="en-US"/>
+          </a:p>
+        </p:txBody>
+      </p:sp>
+      <p:sp>
+        <p:nvSpPr>
+          <p:cNvPr id="7" name="Retângulo 6"/>
+          <p:cNvSpPr/>
+          <p:nvPr/>
+        </p:nvSpPr>
+        <p:spPr>
+          <a:xfrm>
+            <a:off x="1817511" y="2257778"/>
+            <a:ext cx="1817511" cy="1524000"/>
+          </a:xfrm>
+          <a:prstGeom prst="rect">
+            <a:avLst/>
+          </a:prstGeom>
+        </p:spPr>
+        <p:style>
+          <a:lnRef idx="2">
+            <a:schemeClr val="accent1">
+              <a:shade val="50000"/>
+            </a:schemeClr>
+          </a:lnRef>
+          <a:fillRef idx="1">
+            <a:schemeClr val="accent1"/>
+          </a:fillRef>
+          <a:effectRef idx="0">
+            <a:schemeClr val="accent1"/>
+          </a:effectRef>
+          <a:fontRef idx="minor">
+            <a:schemeClr val="lt1"/>
+          </a:fontRef>
+        </p:style>
+        <p:txBody>
+          <a:bodyPr rtlCol="0" anchor="ctr"/>
+          <a:lstStyle/>
+          <a:p>
+            <a:pPr algn="ctr"/>
+            <a:r>
+              <a:rPr lang="pt-BR" dirty="0" err="1" smtClean="0"/>
+              <a:t>BackEnd</a:t>
+            </a:r>
+            <a:endParaRPr lang="pt-BR" dirty="0"/>
+          </a:p>
+        </p:txBody>
+      </p:sp>
+      <p:sp>
+        <p:nvSpPr>
+          <p:cNvPr id="8" name="Retângulo 7"/>
+          <p:cNvSpPr/>
+          <p:nvPr/>
+        </p:nvSpPr>
+        <p:spPr>
+          <a:xfrm>
+            <a:off x="7631289" y="2257778"/>
+            <a:ext cx="1817511" cy="1524000"/>
+          </a:xfrm>
+          <a:prstGeom prst="rect">
+            <a:avLst/>
+          </a:prstGeom>
+        </p:spPr>
+        <p:style>
+          <a:lnRef idx="2">
+            <a:schemeClr val="accent1">
+              <a:shade val="50000"/>
+            </a:schemeClr>
+          </a:lnRef>
+          <a:fillRef idx="1">
+            <a:schemeClr val="accent1"/>
+          </a:fillRef>
+          <a:effectRef idx="0">
+            <a:schemeClr val="accent1"/>
+          </a:effectRef>
+          <a:fontRef idx="minor">
+            <a:schemeClr val="lt1"/>
+          </a:fontRef>
+        </p:style>
+        <p:txBody>
+          <a:bodyPr rtlCol="0" anchor="ctr"/>
+          <a:lstStyle/>
+          <a:p>
+            <a:pPr algn="ctr"/>
+            <a:r>
+              <a:rPr lang="pt-BR" dirty="0" smtClean="0"/>
+              <a:t>Front</a:t>
+            </a:r>
+            <a:endParaRPr lang="pt-BR" dirty="0"/>
+          </a:p>
+        </p:txBody>
+      </p:sp>
+      <p:sp>
+        <p:nvSpPr>
+          <p:cNvPr id="9" name="Retângulo 8"/>
+          <p:cNvSpPr/>
+          <p:nvPr/>
+        </p:nvSpPr>
+        <p:spPr>
+          <a:xfrm>
+            <a:off x="1927947" y="4893733"/>
+            <a:ext cx="928142" cy="1524000"/>
+          </a:xfrm>
+          <a:prstGeom prst="rect">
+            <a:avLst/>
+          </a:prstGeom>
+        </p:spPr>
+        <p:style>
+          <a:lnRef idx="2">
+            <a:schemeClr val="accent1">
+              <a:shade val="50000"/>
+            </a:schemeClr>
+          </a:lnRef>
+          <a:fillRef idx="1">
+            <a:schemeClr val="accent1"/>
+          </a:fillRef>
+          <a:effectRef idx="0">
+            <a:schemeClr val="accent1"/>
+          </a:effectRef>
+          <a:fontRef idx="minor">
+            <a:schemeClr val="lt1"/>
+          </a:fontRef>
+        </p:style>
+        <p:txBody>
+          <a:bodyPr rtlCol="0" anchor="ctr"/>
+          <a:lstStyle/>
+          <a:p>
+            <a:pPr algn="ctr"/>
+            <a:r>
+              <a:rPr lang="pt-BR" dirty="0" smtClean="0"/>
+              <a:t>DB</a:t>
+            </a:r>
+            <a:endParaRPr lang="pt-BR" dirty="0"/>
+          </a:p>
+        </p:txBody>
+      </p:sp>
+      <p:sp>
+        <p:nvSpPr>
+          <p:cNvPr id="11" name="Elipse 10"/>
+          <p:cNvSpPr/>
+          <p:nvPr/>
+        </p:nvSpPr>
+        <p:spPr>
+          <a:xfrm>
+            <a:off x="4818298" y="2393244"/>
+            <a:ext cx="1512711" cy="1388534"/>
+          </a:xfrm>
+          <a:prstGeom prst="ellipse">
+            <a:avLst/>
+          </a:prstGeom>
+        </p:spPr>
+        <p:style>
+          <a:lnRef idx="2">
+            <a:schemeClr val="accent1">
+              <a:shade val="50000"/>
+            </a:schemeClr>
+          </a:lnRef>
+          <a:fillRef idx="1">
+            <a:schemeClr val="accent1"/>
+          </a:fillRef>
+          <a:effectRef idx="0">
+            <a:schemeClr val="accent1"/>
+          </a:effectRef>
+          <a:fontRef idx="minor">
+            <a:schemeClr val="lt1"/>
+          </a:fontRef>
+        </p:style>
+        <p:txBody>
+          <a:bodyPr rtlCol="0" anchor="ctr"/>
+          <a:lstStyle/>
+          <a:p>
+            <a:pPr algn="ctr"/>
+            <a:r>
+              <a:rPr lang="pt-BR" dirty="0" smtClean="0"/>
+              <a:t>API</a:t>
+            </a:r>
+            <a:endParaRPr lang="pt-BR" dirty="0"/>
+          </a:p>
+        </p:txBody>
+      </p:sp>
+      <p:cxnSp>
+        <p:nvCxnSpPr>
+          <p:cNvPr id="12" name="Conector de Seta Reta 11"/>
+          <p:cNvCxnSpPr/>
+          <p:nvPr/>
+        </p:nvCxnSpPr>
+        <p:spPr>
+          <a:xfrm flipH="1">
+            <a:off x="6536267" y="3150530"/>
+            <a:ext cx="1016000" cy="0"/>
+          </a:xfrm>
+          <a:prstGeom prst="straightConnector1">
+            <a:avLst/>
+          </a:prstGeom>
+          <a:ln>
+            <a:tailEnd type="triangle"/>
+          </a:ln>
+        </p:spPr>
+        <p:style>
+          <a:lnRef idx="1">
+            <a:schemeClr val="accent1"/>
+          </a:lnRef>
+          <a:fillRef idx="0">
+            <a:schemeClr val="accent1"/>
+          </a:fillRef>
+          <a:effectRef idx="0">
+            <a:schemeClr val="accent1"/>
+          </a:effectRef>
+          <a:fontRef idx="minor">
+            <a:schemeClr val="tx1"/>
+          </a:fontRef>
+        </p:style>
+      </p:cxnSp>
+      <p:cxnSp>
+        <p:nvCxnSpPr>
+          <p:cNvPr id="13" name="Conector de Seta Reta 12"/>
+          <p:cNvCxnSpPr/>
+          <p:nvPr/>
+        </p:nvCxnSpPr>
+        <p:spPr>
+          <a:xfrm>
+            <a:off x="6513689" y="3533422"/>
+            <a:ext cx="880533" cy="0"/>
+          </a:xfrm>
+          <a:prstGeom prst="straightConnector1">
+            <a:avLst/>
+          </a:prstGeom>
+          <a:ln>
+            <a:tailEnd type="triangle"/>
+          </a:ln>
+        </p:spPr>
+        <p:style>
+          <a:lnRef idx="1">
+            <a:schemeClr val="accent1"/>
+          </a:lnRef>
+          <a:fillRef idx="0">
+            <a:schemeClr val="accent1"/>
+          </a:fillRef>
+          <a:effectRef idx="0">
+            <a:schemeClr val="accent1"/>
+          </a:effectRef>
+          <a:fontRef idx="minor">
+            <a:schemeClr val="tx1"/>
+          </a:fontRef>
+        </p:style>
+      </p:cxnSp>
+      <p:cxnSp>
+        <p:nvCxnSpPr>
+          <p:cNvPr id="14" name="Conector de Seta Reta 13"/>
+          <p:cNvCxnSpPr/>
+          <p:nvPr/>
+        </p:nvCxnSpPr>
+        <p:spPr>
+          <a:xfrm flipH="1" flipV="1">
+            <a:off x="3872089" y="2912533"/>
+            <a:ext cx="632178" cy="22578"/>
+          </a:xfrm>
+          <a:prstGeom prst="straightConnector1">
+            <a:avLst/>
+          </a:prstGeom>
+          <a:ln>
+            <a:tailEnd type="triangle"/>
+          </a:ln>
+        </p:spPr>
+        <p:style>
+          <a:lnRef idx="1">
+            <a:schemeClr val="accent1"/>
+          </a:lnRef>
+          <a:fillRef idx="0">
+            <a:schemeClr val="accent1"/>
+          </a:fillRef>
+          <a:effectRef idx="0">
+            <a:schemeClr val="accent1"/>
+          </a:effectRef>
+          <a:fontRef idx="minor">
+            <a:schemeClr val="tx1"/>
+          </a:fontRef>
+        </p:style>
+      </p:cxnSp>
+      <p:cxnSp>
+        <p:nvCxnSpPr>
+          <p:cNvPr id="15" name="Conector de Seta Reta 14"/>
+          <p:cNvCxnSpPr/>
+          <p:nvPr/>
+        </p:nvCxnSpPr>
+        <p:spPr>
+          <a:xfrm flipV="1">
+            <a:off x="3910571" y="3251200"/>
+            <a:ext cx="725047" cy="45156"/>
+          </a:xfrm>
+          <a:prstGeom prst="straightConnector1">
+            <a:avLst/>
+          </a:prstGeom>
+          <a:ln>
+            <a:tailEnd type="triangle"/>
+          </a:ln>
+        </p:spPr>
+        <p:style>
+          <a:lnRef idx="1">
+            <a:schemeClr val="accent1"/>
+          </a:lnRef>
+          <a:fillRef idx="0">
+            <a:schemeClr val="accent1"/>
+          </a:fillRef>
+          <a:effectRef idx="0">
+            <a:schemeClr val="accent1"/>
+          </a:effectRef>
+          <a:fontRef idx="minor">
+            <a:schemeClr val="tx1"/>
+          </a:fontRef>
+        </p:style>
+      </p:cxnSp>
+      <p:cxnSp>
+        <p:nvCxnSpPr>
+          <p:cNvPr id="16" name="Conector de Seta Reta 15"/>
+          <p:cNvCxnSpPr/>
+          <p:nvPr/>
+        </p:nvCxnSpPr>
+        <p:spPr>
+          <a:xfrm>
+            <a:off x="2392018" y="3984978"/>
+            <a:ext cx="0" cy="733778"/>
+          </a:xfrm>
+          <a:prstGeom prst="straightConnector1">
+            <a:avLst/>
+          </a:prstGeom>
+          <a:ln>
+            <a:tailEnd type="triangle"/>
+          </a:ln>
+        </p:spPr>
+        <p:style>
+          <a:lnRef idx="1">
+            <a:schemeClr val="accent1"/>
+          </a:lnRef>
+          <a:fillRef idx="0">
+            <a:schemeClr val="accent1"/>
+          </a:fillRef>
+          <a:effectRef idx="0">
+            <a:schemeClr val="accent1"/>
+          </a:effectRef>
+          <a:fontRef idx="minor">
+            <a:schemeClr val="tx1"/>
+          </a:fontRef>
+        </p:style>
+      </p:cxnSp>
+      <p:cxnSp>
+        <p:nvCxnSpPr>
+          <p:cNvPr id="17" name="Conector de Seta Reta 16"/>
+          <p:cNvCxnSpPr/>
+          <p:nvPr/>
+        </p:nvCxnSpPr>
+        <p:spPr>
+          <a:xfrm flipV="1">
+            <a:off x="2630311" y="4018844"/>
+            <a:ext cx="11289" cy="733778"/>
+          </a:xfrm>
+          <a:prstGeom prst="straightConnector1">
+            <a:avLst/>
+          </a:prstGeom>
+          <a:ln>
+            <a:tailEnd type="triangle"/>
+          </a:ln>
+        </p:spPr>
+        <p:style>
+          <a:lnRef idx="1">
+            <a:schemeClr val="accent1"/>
+          </a:lnRef>
+          <a:fillRef idx="0">
+            <a:schemeClr val="accent1"/>
+          </a:fillRef>
+          <a:effectRef idx="0">
+            <a:schemeClr val="accent1"/>
+          </a:effectRef>
+          <a:fontRef idx="minor">
+            <a:schemeClr val="tx1"/>
+          </a:fontRef>
+        </p:style>
+      </p:cxnSp>
+      <p:sp>
+        <p:nvSpPr>
+          <p:cNvPr id="18" name="Título 1">
+            <a:extLst>
+              <a:ext uri="{FF2B5EF4-FFF2-40B4-BE49-F238E27FC236}">
+                <a16:creationId xmlns:a16="http://schemas.microsoft.com/office/drawing/2014/main" id="{F08859EF-E25E-52C0-C024-DE22738F8749}"/>
+              </a:ext>
+            </a:extLst>
+          </p:cNvPr>
+          <p:cNvSpPr txBox="1">
+            <a:spLocks/>
+          </p:cNvSpPr>
+          <p:nvPr/>
+        </p:nvSpPr>
+        <p:spPr>
+          <a:xfrm>
+            <a:off x="676938" y="818187"/>
+            <a:ext cx="5916168" cy="1527048"/>
+          </a:xfrm>
+          <a:prstGeom prst="rect">
+            <a:avLst/>
+          </a:prstGeom>
+        </p:spPr>
+        <p:txBody>
+          <a:bodyPr vert="horz" lIns="91440" tIns="45720" rIns="91440" bIns="45720" rtlCol="0" anchor="b">
+            <a:normAutofit/>
+          </a:bodyPr>
+          <a:lstStyle>
+            <a:lvl1pPr algn="l" defTabSz="914400" rtl="0" eaLnBrk="1" latinLnBrk="0" hangingPunct="1">
+              <a:lnSpc>
+                <a:spcPct val="90000"/>
+              </a:lnSpc>
+              <a:spcBef>
+                <a:spcPct val="0"/>
+              </a:spcBef>
+              <a:buNone/>
+              <a:defRPr sz="3600" b="1" kern="1200">
+                <a:solidFill>
+                  <a:schemeClr val="tx1"/>
+                </a:solidFill>
+                <a:latin typeface="+mj-lt"/>
+                <a:ea typeface="+mj-ea"/>
+                <a:cs typeface="+mj-cs"/>
+              </a:defRPr>
+            </a:lvl1pPr>
+          </a:lstStyle>
+          <a:p>
+            <a:r>
+              <a:rPr lang="en-US" sz="2200" dirty="0" smtClean="0"/>
+              <a:t>C# . ASP.NET Core</a:t>
+            </a:r>
+          </a:p>
+          <a:p>
+            <a:r>
+              <a:rPr lang="en-US" sz="2200" dirty="0" smtClean="0"/>
+              <a:t>.NET 7</a:t>
+            </a:r>
+            <a:endParaRPr lang="en-US" sz="2200" dirty="0"/>
+          </a:p>
+        </p:txBody>
+      </p:sp>
+      <p:sp>
+        <p:nvSpPr>
+          <p:cNvPr id="19" name="Título 1">
+            <a:extLst>
+              <a:ext uri="{FF2B5EF4-FFF2-40B4-BE49-F238E27FC236}">
+                <a16:creationId xmlns:a16="http://schemas.microsoft.com/office/drawing/2014/main" id="{F08859EF-E25E-52C0-C024-DE22738F8749}"/>
+              </a:ext>
+            </a:extLst>
+          </p:cNvPr>
+          <p:cNvSpPr txBox="1">
+            <a:spLocks/>
+          </p:cNvSpPr>
+          <p:nvPr/>
+        </p:nvSpPr>
+        <p:spPr>
+          <a:xfrm>
+            <a:off x="3094381" y="4432187"/>
+            <a:ext cx="5916168" cy="1527048"/>
+          </a:xfrm>
+          <a:prstGeom prst="rect">
+            <a:avLst/>
+          </a:prstGeom>
+        </p:spPr>
+        <p:txBody>
+          <a:bodyPr vert="horz" lIns="91440" tIns="45720" rIns="91440" bIns="45720" rtlCol="0" anchor="b">
+            <a:normAutofit/>
+          </a:bodyPr>
+          <a:lstStyle>
+            <a:lvl1pPr algn="l" defTabSz="914400" rtl="0" eaLnBrk="1" latinLnBrk="0" hangingPunct="1">
+              <a:lnSpc>
+                <a:spcPct val="90000"/>
+              </a:lnSpc>
+              <a:spcBef>
+                <a:spcPct val="0"/>
+              </a:spcBef>
+              <a:buNone/>
+              <a:defRPr sz="3600" b="1" kern="1200">
+                <a:solidFill>
+                  <a:schemeClr val="tx1"/>
+                </a:solidFill>
+                <a:latin typeface="+mj-lt"/>
+                <a:ea typeface="+mj-ea"/>
+                <a:cs typeface="+mj-cs"/>
+              </a:defRPr>
+            </a:lvl1pPr>
+          </a:lstStyle>
+          <a:p>
+            <a:r>
+              <a:rPr lang="en-US" sz="2200" dirty="0" smtClean="0"/>
+              <a:t>SQL Server</a:t>
+            </a:r>
+            <a:endParaRPr lang="en-US" sz="2200" dirty="0"/>
+          </a:p>
+        </p:txBody>
+      </p:sp>
+      <p:sp>
+        <p:nvSpPr>
+          <p:cNvPr id="20" name="Título 1">
+            <a:extLst>
+              <a:ext uri="{FF2B5EF4-FFF2-40B4-BE49-F238E27FC236}">
+                <a16:creationId xmlns:a16="http://schemas.microsoft.com/office/drawing/2014/main" id="{F08859EF-E25E-52C0-C024-DE22738F8749}"/>
+              </a:ext>
+            </a:extLst>
+          </p:cNvPr>
+          <p:cNvSpPr txBox="1">
+            <a:spLocks/>
+          </p:cNvSpPr>
+          <p:nvPr/>
+        </p:nvSpPr>
+        <p:spPr>
+          <a:xfrm>
+            <a:off x="7660015" y="595489"/>
+            <a:ext cx="2291032" cy="1527048"/>
+          </a:xfrm>
+          <a:prstGeom prst="rect">
+            <a:avLst/>
+          </a:prstGeom>
+        </p:spPr>
+        <p:txBody>
+          <a:bodyPr vert="horz" lIns="91440" tIns="45720" rIns="91440" bIns="45720" rtlCol="0" anchor="b">
+            <a:normAutofit/>
+          </a:bodyPr>
+          <a:lstStyle>
+            <a:lvl1pPr algn="l" defTabSz="914400" rtl="0" eaLnBrk="1" latinLnBrk="0" hangingPunct="1">
+              <a:lnSpc>
+                <a:spcPct val="90000"/>
+              </a:lnSpc>
+              <a:spcBef>
+                <a:spcPct val="0"/>
+              </a:spcBef>
+              <a:buNone/>
+              <a:defRPr sz="3600" b="1" kern="1200">
+                <a:solidFill>
+                  <a:schemeClr val="tx1"/>
+                </a:solidFill>
+                <a:latin typeface="+mj-lt"/>
+                <a:ea typeface="+mj-ea"/>
+                <a:cs typeface="+mj-cs"/>
+              </a:defRPr>
+            </a:lvl1pPr>
+          </a:lstStyle>
+          <a:p>
+            <a:r>
+              <a:rPr lang="en-US" sz="2200" dirty="0" smtClean="0"/>
+              <a:t>HTML, CSS, JS, React </a:t>
+            </a:r>
+            <a:r>
+              <a:rPr lang="en-US" sz="2200" dirty="0" err="1" smtClean="0"/>
+              <a:t>ou</a:t>
+            </a:r>
+            <a:r>
+              <a:rPr lang="en-US" sz="2200" dirty="0" smtClean="0"/>
+              <a:t> Angular</a:t>
+            </a:r>
+            <a:endParaRPr lang="en-US" sz="2200" dirty="0"/>
+          </a:p>
+        </p:txBody>
+      </p:sp>
+    </p:spTree>
+    <p:extLst>
+      <p:ext uri="{BB962C8B-B14F-4D97-AF65-F5344CB8AC3E}">
+        <p14:creationId xmlns:p14="http://schemas.microsoft.com/office/powerpoint/2010/main" val="1661957025"/>
+      </p:ext>
+    </p:extLst>
+  </p:cSld>
+  <p:clrMapOvr>
+    <a:masterClrMapping/>
+  </p:clrMapOvr>
+  <p:transition>
+    <p:fade/>
+  </p:transition>
+  <p:timing>
+    <p:tnLst>
+      <p:par>
+        <p:cTn id="1" dur="indefinite" restart="never" nodeType="tmRoot"/>
+      </p:par>
+    </p:tnLst>
+  </p:timing>
+</p:sld>
+</file>
+
+<file path=ppt/slides/slide12.xml><?xml version="1.0" encoding="utf-8"?>
+<p:sld xmlns:a="http://schemas.openxmlformats.org/drawingml/2006/main" xmlns:r="http://schemas.openxmlformats.org/officeDocument/2006/relationships" xmlns:p="http://schemas.openxmlformats.org/presentationml/2006/main">
+  <p:cSld>
+    <p:bg>
+      <p:bgPr>
+        <a:solidFill>
+          <a:schemeClr val="bg1"/>
+        </a:solidFill>
+        <a:effectLst/>
+      </p:bgPr>
+    </p:bg>
+    <p:spTree>
+      <p:nvGrpSpPr>
         <p:cNvPr id="1" name=""/>
         <p:cNvGrpSpPr/>
         <p:nvPr/>
@@ -6569,7 +7364,7 @@
                 <a16:creationId xmlns:a16="http://schemas.microsoft.com/office/drawing/2014/main" id="{5E8D3B17-7638-DFD3-18E4-8A6D611749CF}"/>
               </a:ext>
               <a:ext uri="{C183D7F6-B498-43B3-948B-1728B52AA6E4}">
-                <adec:decorative xmlns:adec="http://schemas.microsoft.com/office/drawing/2017/decorative" xmlns="" val="1"/>
+                <adec:decorative xmlns="" xmlns:adec="http://schemas.microsoft.com/office/drawing/2017/decorative" val="1"/>
               </a:ext>
             </a:extLst>
           </p:cNvPr>
@@ -6965,7 +7760,7 @@
 </p:sld>
 </file>
 
-<file path=ppt/slides/slide12.xml><?xml version="1.0" encoding="utf-8"?>
+<file path=ppt/slides/slide13.xml><?xml version="1.0" encoding="utf-8"?>
 <p:sld xmlns:a="http://schemas.openxmlformats.org/drawingml/2006/main" xmlns:r="http://schemas.openxmlformats.org/officeDocument/2006/relationships" xmlns:p="http://schemas.openxmlformats.org/presentationml/2006/main">
   <p:cSld>
     <p:bg>
@@ -7004,7 +7799,7 @@
                 <a16:creationId xmlns:a16="http://schemas.microsoft.com/office/drawing/2014/main" id="{B8ADE68D-5E75-5D63-4B8C-6BEFCE9D06E3}"/>
               </a:ext>
               <a:ext uri="{C183D7F6-B498-43B3-948B-1728B52AA6E4}">
-                <adec:decorative xmlns:adec="http://schemas.microsoft.com/office/drawing/2017/decorative" xmlns="" val="1"/>
+                <adec:decorative xmlns="" xmlns:adec="http://schemas.microsoft.com/office/drawing/2017/decorative" val="1"/>
               </a:ext>
             </a:extLst>
           </p:cNvPr>
@@ -7410,7 +8205,6 @@
               <a:rPr lang="pt-BR" dirty="0"/>
               <a:t>N</a:t>
             </a:r>
-            <a:endParaRPr lang="pt-BR" dirty="0"/>
           </a:p>
         </p:txBody>
       </p:sp>
@@ -7437,7 +8231,7 @@
 </p:sld>
 </file>
 
-<file path=ppt/slides/slide13.xml><?xml version="1.0" encoding="utf-8"?>
+<file path=ppt/slides/slide14.xml><?xml version="1.0" encoding="utf-8"?>
 <p:sld xmlns:a="http://schemas.openxmlformats.org/drawingml/2006/main" xmlns:r="http://schemas.openxmlformats.org/officeDocument/2006/relationships" xmlns:p="http://schemas.openxmlformats.org/presentationml/2006/main">
   <p:cSld>
     <p:bg>
@@ -7476,7 +8270,7 @@
                 <a16:creationId xmlns:a16="http://schemas.microsoft.com/office/drawing/2014/main" id="{8450EF29-A29A-9417-2B09-074C04064425}"/>
               </a:ext>
               <a:ext uri="{C183D7F6-B498-43B3-948B-1728B52AA6E4}">
-                <adec:decorative xmlns:adec="http://schemas.microsoft.com/office/drawing/2017/decorative" xmlns="" val="1"/>
+                <adec:decorative xmlns="" xmlns:adec="http://schemas.microsoft.com/office/drawing/2017/decorative" val="1"/>
               </a:ext>
             </a:extLst>
           </p:cNvPr>
@@ -8129,7 +8923,7 @@
 </p:sld>
 </file>
 
-<file path=ppt/slides/slide14.xml><?xml version="1.0" encoding="utf-8"?>
+<file path=ppt/slides/slide15.xml><?xml version="1.0" encoding="utf-8"?>
 <p:sld xmlns:a="http://schemas.openxmlformats.org/drawingml/2006/main" xmlns:r="http://schemas.openxmlformats.org/officeDocument/2006/relationships" xmlns:p="http://schemas.openxmlformats.org/presentationml/2006/main">
   <p:cSld>
     <p:bg>
@@ -8168,7 +8962,7 @@
                 <a16:creationId xmlns:a16="http://schemas.microsoft.com/office/drawing/2014/main" id="{8450EF29-A29A-9417-2B09-074C04064425}"/>
               </a:ext>
               <a:ext uri="{C183D7F6-B498-43B3-948B-1728B52AA6E4}">
-                <adec:decorative xmlns:adec="http://schemas.microsoft.com/office/drawing/2017/decorative" xmlns="" val="1"/>
+                <adec:decorative xmlns="" xmlns:adec="http://schemas.microsoft.com/office/drawing/2017/decorative" val="1"/>
               </a:ext>
             </a:extLst>
           </p:cNvPr>
@@ -8786,7 +9580,7 @@
 </p:sld>
 </file>
 
-<file path=ppt/slides/slide15.xml><?xml version="1.0" encoding="utf-8"?>
+<file path=ppt/slides/slide16.xml><?xml version="1.0" encoding="utf-8"?>
 <p:sld xmlns:a="http://schemas.openxmlformats.org/drawingml/2006/main" xmlns:r="http://schemas.openxmlformats.org/officeDocument/2006/relationships" xmlns:p="http://schemas.openxmlformats.org/presentationml/2006/main">
   <p:cSld>
     <p:bg>
@@ -8819,7 +9613,7 @@
                 <a16:creationId xmlns:a16="http://schemas.microsoft.com/office/drawing/2014/main" id="{5E8D3B17-7638-DFD3-18E4-8A6D611749CF}"/>
               </a:ext>
               <a:ext uri="{C183D7F6-B498-43B3-948B-1728B52AA6E4}">
-                <adec:decorative xmlns:adec="http://schemas.microsoft.com/office/drawing/2017/decorative" xmlns="" val="1"/>
+                <adec:decorative xmlns="" xmlns:adec="http://schemas.microsoft.com/office/drawing/2017/decorative" val="1"/>
               </a:ext>
             </a:extLst>
           </p:cNvPr>
@@ -8946,7 +9740,7 @@
 </p:sld>
 </file>
 
-<file path=ppt/slides/slide16.xml><?xml version="1.0" encoding="utf-8"?>
+<file path=ppt/slides/slide17.xml><?xml version="1.0" encoding="utf-8"?>
 <p:sld xmlns:a="http://schemas.openxmlformats.org/drawingml/2006/main" xmlns:r="http://schemas.openxmlformats.org/officeDocument/2006/relationships" xmlns:p="http://schemas.openxmlformats.org/presentationml/2006/main">
   <p:cSld>
     <p:bg>
@@ -8979,7 +9773,7 @@
                 <a16:creationId xmlns:a16="http://schemas.microsoft.com/office/drawing/2014/main" id="{5E8D3B17-7638-DFD3-18E4-8A6D611749CF}"/>
               </a:ext>
               <a:ext uri="{C183D7F6-B498-43B3-948B-1728B52AA6E4}">
-                <adec:decorative xmlns:adec="http://schemas.microsoft.com/office/drawing/2017/decorative" xmlns="" val="1"/>
+                <adec:decorative xmlns="" xmlns:adec="http://schemas.microsoft.com/office/drawing/2017/decorative" val="1"/>
               </a:ext>
             </a:extLst>
           </p:cNvPr>
@@ -9190,7 +9984,7 @@
 </p:sld>
 </file>
 
-<file path=ppt/slides/slide17.xml><?xml version="1.0" encoding="utf-8"?>
+<file path=ppt/slides/slide18.xml><?xml version="1.0" encoding="utf-8"?>
 <p:sld xmlns:a="http://schemas.openxmlformats.org/drawingml/2006/main" xmlns:r="http://schemas.openxmlformats.org/officeDocument/2006/relationships" xmlns:p="http://schemas.openxmlformats.org/presentationml/2006/main">
   <p:cSld>
     <p:bg>
@@ -9223,7 +10017,7 @@
                 <a16:creationId xmlns:a16="http://schemas.microsoft.com/office/drawing/2014/main" id="{5E8D3B17-7638-DFD3-18E4-8A6D611749CF}"/>
               </a:ext>
               <a:ext uri="{C183D7F6-B498-43B3-948B-1728B52AA6E4}">
-                <adec:decorative xmlns:adec="http://schemas.microsoft.com/office/drawing/2017/decorative" xmlns="" val="1"/>
+                <adec:decorative xmlns="" xmlns:adec="http://schemas.microsoft.com/office/drawing/2017/decorative" val="1"/>
               </a:ext>
             </a:extLst>
           </p:cNvPr>
@@ -10057,7 +10851,7 @@
 </p:sld>
 </file>
 
-<file path=ppt/slides/slide18.xml><?xml version="1.0" encoding="utf-8"?>
+<file path=ppt/slides/slide19.xml><?xml version="1.0" encoding="utf-8"?>
 <p:sld xmlns:a="http://schemas.openxmlformats.org/drawingml/2006/main" xmlns:r="http://schemas.openxmlformats.org/officeDocument/2006/relationships" xmlns:p="http://schemas.openxmlformats.org/presentationml/2006/main">
   <p:cSld>
     <p:bg>
@@ -10090,7 +10884,7 @@
                 <a16:creationId xmlns:a16="http://schemas.microsoft.com/office/drawing/2014/main" id="{5E8D3B17-7638-DFD3-18E4-8A6D611749CF}"/>
               </a:ext>
               <a:ext uri="{C183D7F6-B498-43B3-948B-1728B52AA6E4}">
-                <adec:decorative xmlns:adec="http://schemas.microsoft.com/office/drawing/2017/decorative" xmlns="" val="1"/>
+                <adec:decorative xmlns="" xmlns:adec="http://schemas.microsoft.com/office/drawing/2017/decorative" val="1"/>
               </a:ext>
             </a:extLst>
           </p:cNvPr>
@@ -10227,7 +11021,7 @@
             <p:ph sz="half" idx="2"/>
             <p:extLst>
               <p:ext uri="{E7BDC344-281C-4309-B0C6-D0EE65EED2A8}">
-                <p202:designPr xmlns:p202="http://schemas.microsoft.com/office/powerpoint/2020/02/main" xmlns="">
+                <p202:designPr xmlns="" xmlns:p202="http://schemas.microsoft.com/office/powerpoint/2020/02/main">
                   <p202:designTagLst>
                     <p202:designTag name="ARCH:1:CLS" val="InformationBlock"/>
                     <p202:designTag name="ARCH:1:VSVAR" val="TitledTextBox"/>
@@ -10453,7 +11247,7 @@
                 <a16:creationId xmlns:a16="http://schemas.microsoft.com/office/drawing/2014/main" id="{5E8D3B17-7638-DFD3-18E4-8A6D611749CF}"/>
               </a:ext>
               <a:ext uri="{C183D7F6-B498-43B3-948B-1728B52AA6E4}">
-                <adec:decorative xmlns:adec="http://schemas.microsoft.com/office/drawing/2017/decorative" xmlns="" val="1"/>
+                <adec:decorative xmlns="" xmlns:adec="http://schemas.microsoft.com/office/drawing/2017/decorative" val="1"/>
               </a:ext>
             </a:extLst>
           </p:cNvPr>
@@ -10662,7 +11456,7 @@
             <p:ph sz="half" idx="2"/>
             <p:extLst>
               <p:ext uri="{E7BDC344-281C-4309-B0C6-D0EE65EED2A8}">
-                <p202:designPr xmlns:p202="http://schemas.microsoft.com/office/powerpoint/2020/02/main" xmlns="">
+                <p202:designPr xmlns="" xmlns:p202="http://schemas.microsoft.com/office/powerpoint/2020/02/main">
                   <p202:designTagLst>
                     <p202:designTag name="ARCH:1:CLS" val="InformationBlock"/>
                     <p202:designTag name="ARCH:1:VSVAR" val="TitledTextBox"/>
@@ -10914,7 +11708,7 @@
                 <a16:creationId xmlns:a16="http://schemas.microsoft.com/office/drawing/2014/main" id="{5E8D3B17-7638-DFD3-18E4-8A6D611749CF}"/>
               </a:ext>
               <a:ext uri="{C183D7F6-B498-43B3-948B-1728B52AA6E4}">
-                <adec:decorative xmlns:adec="http://schemas.microsoft.com/office/drawing/2017/decorative" xmlns="" val="1"/>
+                <adec:decorative xmlns="" xmlns:adec="http://schemas.microsoft.com/office/drawing/2017/decorative" val="1"/>
               </a:ext>
             </a:extLst>
           </p:cNvPr>
@@ -11041,7 +11835,7 @@
             <p:ph sz="half" idx="2"/>
             <p:extLst>
               <p:ext uri="{E7BDC344-281C-4309-B0C6-D0EE65EED2A8}">
-                <p202:designPr xmlns:p202="http://schemas.microsoft.com/office/powerpoint/2020/02/main" xmlns="">
+                <p202:designPr xmlns="" xmlns:p202="http://schemas.microsoft.com/office/powerpoint/2020/02/main">
                   <p202:designTagLst>
                     <p202:designTag name="ARCH:1:CLS" val="InformationBlock"/>
                     <p202:designTag name="ARCH:1:VSVAR" val="TitledTextBox"/>
@@ -11358,7 +12152,7 @@
                 <a16:creationId xmlns:a16="http://schemas.microsoft.com/office/drawing/2014/main" id="{E1D40FB4-97DC-F5FF-9E7A-C10E078A1532}"/>
               </a:ext>
               <a:ext uri="{C183D7F6-B498-43B3-948B-1728B52AA6E4}">
-                <adec:decorative xmlns:adec="http://schemas.microsoft.com/office/drawing/2017/decorative" xmlns="" val="1"/>
+                <adec:decorative xmlns="" xmlns:adec="http://schemas.microsoft.com/office/drawing/2017/decorative" val="1"/>
               </a:ext>
             </a:extLst>
           </p:cNvPr>
@@ -11488,7 +12282,7 @@
             <p:ph sz="half" idx="2"/>
             <p:extLst>
               <p:ext uri="{E7BDC344-281C-4309-B0C6-D0EE65EED2A8}">
-                <p202:designPr xmlns:p202="http://schemas.microsoft.com/office/powerpoint/2020/02/main" xmlns="">
+                <p202:designPr xmlns="" xmlns:p202="http://schemas.microsoft.com/office/powerpoint/2020/02/main">
                   <p202:designTagLst>
                     <p202:designTag name="ARCH:1:CLS" val="InformationBlock"/>
                     <p202:designTag name="ARCH:1:VSVAR" val="TitledTextBox"/>
@@ -11746,7 +12540,7 @@
                 <a16:creationId xmlns:a16="http://schemas.microsoft.com/office/drawing/2014/main" id="{A51D6A68-C3BD-3399-CCA8-A7290FC8E09C}"/>
               </a:ext>
               <a:ext uri="{C183D7F6-B498-43B3-948B-1728B52AA6E4}">
-                <adec:decorative xmlns:adec="http://schemas.microsoft.com/office/drawing/2017/decorative" xmlns="" val="1"/>
+                <adec:decorative xmlns="" xmlns:adec="http://schemas.microsoft.com/office/drawing/2017/decorative" val="1"/>
               </a:ext>
             </a:extLst>
           </p:cNvPr>
@@ -11874,7 +12668,7 @@
             <p:ph sz="half" idx="2"/>
             <p:extLst>
               <p:ext uri="{E7BDC344-281C-4309-B0C6-D0EE65EED2A8}">
-                <p202:designPr xmlns:p202="http://schemas.microsoft.com/office/powerpoint/2020/02/main" xmlns="">
+                <p202:designPr xmlns="" xmlns:p202="http://schemas.microsoft.com/office/powerpoint/2020/02/main">
                   <p202:designTagLst>
                     <p202:designTag name="ARCH:1:CLS" val="InformationBlock"/>
                     <p202:designTag name="ARCH:1:VSVAR" val="TitledTextBox"/>
@@ -12132,7 +12926,7 @@
                 <a16:creationId xmlns:a16="http://schemas.microsoft.com/office/drawing/2014/main" id="{7F39A533-5E9C-439F-5CF1-06FFAB778C1F}"/>
               </a:ext>
               <a:ext uri="{C183D7F6-B498-43B3-948B-1728B52AA6E4}">
-                <adec:decorative xmlns:adec="http://schemas.microsoft.com/office/drawing/2017/decorative" xmlns="" val="1"/>
+                <adec:decorative xmlns="" xmlns:adec="http://schemas.microsoft.com/office/drawing/2017/decorative" val="1"/>
               </a:ext>
             </a:extLst>
           </p:cNvPr>
@@ -12260,7 +13054,7 @@
             <p:ph sz="half" idx="2"/>
             <p:extLst>
               <p:ext uri="{E7BDC344-281C-4309-B0C6-D0EE65EED2A8}">
-                <p202:designPr xmlns:p202="http://schemas.microsoft.com/office/powerpoint/2020/02/main" xmlns="">
+                <p202:designPr xmlns="" xmlns:p202="http://schemas.microsoft.com/office/powerpoint/2020/02/main">
                   <p202:designTagLst>
                     <p202:designTag name="ARCH:1:CLS" val="InformationBlock"/>
                     <p202:designTag name="ARCH:1:VSVAR" val="TitledTextBox"/>
@@ -12533,7 +13327,7 @@
                 <a16:creationId xmlns:a16="http://schemas.microsoft.com/office/drawing/2014/main" id="{A82A2D76-411A-C189-4AD9-642686996848}"/>
               </a:ext>
               <a:ext uri="{C183D7F6-B498-43B3-948B-1728B52AA6E4}">
-                <adec:decorative xmlns:adec="http://schemas.microsoft.com/office/drawing/2017/decorative" xmlns="" val="1"/>
+                <adec:decorative xmlns="" xmlns:adec="http://schemas.microsoft.com/office/drawing/2017/decorative" val="1"/>
               </a:ext>
             </a:extLst>
           </p:cNvPr>
@@ -12661,7 +13455,7 @@
             <p:ph sz="half" idx="2"/>
             <p:extLst>
               <p:ext uri="{E7BDC344-281C-4309-B0C6-D0EE65EED2A8}">
-                <p202:designPr xmlns:p202="http://schemas.microsoft.com/office/powerpoint/2020/02/main" xmlns="">
+                <p202:designPr xmlns="" xmlns:p202="http://schemas.microsoft.com/office/powerpoint/2020/02/main">
                   <p202:designTagLst>
                     <p202:designTag name="ARCH:1:CLS" val="InformationBlock"/>
                     <p202:designTag name="ARCH:1:VSVAR" val="TitledTextBox"/>
@@ -12922,7 +13716,7 @@
                 <a16:creationId xmlns:a16="http://schemas.microsoft.com/office/drawing/2014/main" id="{E482AA53-DA69-E258-8B64-8F8CE86FCDD4}"/>
               </a:ext>
               <a:ext uri="{C183D7F6-B498-43B3-948B-1728B52AA6E4}">
-                <adec:decorative xmlns:adec="http://schemas.microsoft.com/office/drawing/2017/decorative" xmlns="" val="1"/>
+                <adec:decorative xmlns="" xmlns:adec="http://schemas.microsoft.com/office/drawing/2017/decorative" val="1"/>
               </a:ext>
             </a:extLst>
           </p:cNvPr>
@@ -13050,7 +13844,7 @@
             <p:ph sz="half" idx="2"/>
             <p:extLst>
               <p:ext uri="{E7BDC344-281C-4309-B0C6-D0EE65EED2A8}">
-                <p202:designPr xmlns:p202="http://schemas.microsoft.com/office/powerpoint/2020/02/main" xmlns="">
+                <p202:designPr xmlns="" xmlns:p202="http://schemas.microsoft.com/office/powerpoint/2020/02/main">
                   <p202:designTagLst>
                     <p202:designTag name="ARCH:1:CLS" val="InformationBlock"/>
                     <p202:designTag name="ARCH:1:VSVAR" val="TitledTextBox"/>
@@ -13326,7 +14120,7 @@
                 <a16:creationId xmlns:a16="http://schemas.microsoft.com/office/drawing/2014/main" id="{5C27E16A-554C-D4AC-900E-AA69DDAEDE03}"/>
               </a:ext>
               <a:ext uri="{C183D7F6-B498-43B3-948B-1728B52AA6E4}">
-                <adec:decorative xmlns:adec="http://schemas.microsoft.com/office/drawing/2017/decorative" xmlns="" val="1"/>
+                <adec:decorative xmlns="" xmlns:adec="http://schemas.microsoft.com/office/drawing/2017/decorative" val="1"/>
               </a:ext>
             </a:extLst>
           </p:cNvPr>
@@ -13454,7 +14248,7 @@
             <p:ph sz="half" idx="2"/>
             <p:extLst>
               <p:ext uri="{E7BDC344-281C-4309-B0C6-D0EE65EED2A8}">
-                <p202:designPr xmlns:p202="http://schemas.microsoft.com/office/powerpoint/2020/02/main" xmlns="">
+                <p202:designPr xmlns="" xmlns:p202="http://schemas.microsoft.com/office/powerpoint/2020/02/main">
                   <p202:designTagLst>
                     <p202:designTag name="ARCH:1:CLS" val="InformationBlock"/>
                     <p202:designTag name="ARCH:1:VSVAR" val="TitledTextBox"/>

--- a/Documentacao/ModelagemSistema_TemplateInicial.pptx
+++ b/Documentacao/ModelagemSistema_TemplateInicial.pptx
@@ -215,7 +215,7 @@
           <a:p>
             <a:fld id="{93DDA81E-B6DD-4CA0-9C2D-B0C27B95DC2C}" type="datetimeFigureOut">
               <a:rPr lang="pt-BR" smtClean="0"/>
-              <a:t>22/01/2025</a:t>
+              <a:t>24/01/2025</a:t>
             </a:fld>
             <a:endParaRPr lang="pt-BR"/>
           </a:p>
@@ -2555,7 +2555,7 @@
           <a:p>
             <a:fld id="{C128FA71-3A18-48C0-980F-4B68F7F63042}" type="datetime1">
               <a:rPr lang="en-US" smtClean="0"/>
-              <a:t>1/22/2025</a:t>
+              <a:t>1/24/2025</a:t>
             </a:fld>
             <a:endParaRPr lang="en-US"/>
           </a:p>
@@ -2763,7 +2763,7 @@
           <a:p>
             <a:fld id="{7104EDB3-C0E8-45F8-9E1D-1B6C8D1880C0}" type="datetime1">
               <a:rPr lang="en-US" smtClean="0"/>
-              <a:t>1/22/2025</a:t>
+              <a:t>1/24/2025</a:t>
             </a:fld>
             <a:endParaRPr lang="en-US"/>
           </a:p>
@@ -2973,7 +2973,7 @@
           <a:p>
             <a:fld id="{9CF0EC4B-54ED-4041-B552-9BA760FA3DBA}" type="datetime1">
               <a:rPr lang="en-US" smtClean="0"/>
-              <a:t>1/22/2025</a:t>
+              <a:t>1/24/2025</a:t>
             </a:fld>
             <a:endParaRPr lang="en-US"/>
           </a:p>
@@ -3171,7 +3171,7 @@
           <a:p>
             <a:fld id="{51C1210E-201E-4473-82AC-2466F5386C38}" type="datetime1">
               <a:rPr lang="en-US" smtClean="0"/>
-              <a:t>1/22/2025</a:t>
+              <a:t>1/24/2025</a:t>
             </a:fld>
             <a:endParaRPr lang="en-US"/>
           </a:p>
@@ -3449,7 +3449,7 @@
           <a:p>
             <a:fld id="{B01EA198-6CAB-4B8F-B93F-1F9C8C4B6CE7}" type="datetime1">
               <a:rPr lang="en-US" smtClean="0"/>
-              <a:t>1/22/2025</a:t>
+              <a:t>1/24/2025</a:t>
             </a:fld>
             <a:endParaRPr lang="en-US"/>
           </a:p>
@@ -3721,7 +3721,7 @@
           <a:p>
             <a:fld id="{CA06041F-4525-44D5-AA4F-332294BF1F56}" type="datetime1">
               <a:rPr lang="en-US" smtClean="0"/>
-              <a:t>1/22/2025</a:t>
+              <a:t>1/24/2025</a:t>
             </a:fld>
             <a:endParaRPr lang="en-US"/>
           </a:p>
@@ -4145,7 +4145,7 @@
           <a:p>
             <a:fld id="{F9557091-BBDF-4EB9-BA6B-2BB67AC4FC0F}" type="datetime1">
               <a:rPr lang="en-US" smtClean="0"/>
-              <a:t>1/22/2025</a:t>
+              <a:t>1/24/2025</a:t>
             </a:fld>
             <a:endParaRPr lang="en-US"/>
           </a:p>
@@ -4286,7 +4286,7 @@
           <a:p>
             <a:fld id="{2D6B226B-77A6-410C-9796-083F278E0125}" type="datetime1">
               <a:rPr lang="en-US" smtClean="0"/>
-              <a:t>1/22/2025</a:t>
+              <a:t>1/24/2025</a:t>
             </a:fld>
             <a:endParaRPr lang="en-US"/>
           </a:p>
@@ -4399,7 +4399,7 @@
           <a:p>
             <a:fld id="{A23A578B-D289-4C40-8593-3D356C49DA58}" type="datetime1">
               <a:rPr lang="en-US" smtClean="0"/>
-              <a:t>1/22/2025</a:t>
+              <a:t>1/24/2025</a:t>
             </a:fld>
             <a:endParaRPr lang="en-US"/>
           </a:p>
@@ -4718,7 +4718,7 @@
           <a:p>
             <a:fld id="{713DFAE3-14DB-48A7-A80F-80DDB072CE3D}" type="datetime1">
               <a:rPr lang="en-US" smtClean="0"/>
-              <a:t>1/22/2025</a:t>
+              <a:t>1/24/2025</a:t>
             </a:fld>
             <a:endParaRPr lang="en-US"/>
           </a:p>
@@ -5012,7 +5012,7 @@
           <a:p>
             <a:fld id="{92C5EAEF-6478-4102-8F5D-A5FE9FC97ACB}" type="datetime1">
               <a:rPr lang="en-US" smtClean="0"/>
-              <a:t>1/22/2025</a:t>
+              <a:t>1/24/2025</a:t>
             </a:fld>
             <a:endParaRPr lang="en-US"/>
           </a:p>
@@ -5253,7 +5253,7 @@
           <a:p>
             <a:fld id="{67F45AC6-C491-4585-A584-9CE2AF7D5500}" type="datetime1">
               <a:rPr lang="en-US" smtClean="0"/>
-              <a:t>1/22/2025</a:t>
+              <a:t>1/24/2025</a:t>
             </a:fld>
             <a:endParaRPr lang="en-US"/>
           </a:p>
@@ -5683,7 +5683,7 @@
                 <a16:creationId xmlns:a16="http://schemas.microsoft.com/office/drawing/2014/main" id="{6E448DB1-4196-18A6-15DA-C72635C1B11E}"/>
               </a:ext>
               <a:ext uri="{C183D7F6-B498-43B3-948B-1728B52AA6E4}">
-                <adec:decorative xmlns="" xmlns:adec="http://schemas.microsoft.com/office/drawing/2017/decorative" val="1"/>
+                <adec:decorative xmlns:adec="http://schemas.microsoft.com/office/drawing/2017/decorative" xmlns="" val="1"/>
               </a:ext>
             </a:extLst>
           </p:cNvPr>
@@ -5791,7 +5791,7 @@
                 <a16:creationId xmlns:a16="http://schemas.microsoft.com/office/drawing/2014/main" id="{76A10D8F-D463-70E5-239B-17AD65EF433D}"/>
               </a:ext>
               <a:ext uri="{C183D7F6-B498-43B3-948B-1728B52AA6E4}">
-                <adec:decorative xmlns="" xmlns:adec="http://schemas.microsoft.com/office/drawing/2017/decorative" val="1"/>
+                <adec:decorative xmlns:adec="http://schemas.microsoft.com/office/drawing/2017/decorative" xmlns="" val="1"/>
               </a:ext>
             </a:extLst>
           </p:cNvPr>
@@ -6252,7 +6252,7 @@
                 <a16:creationId xmlns:a16="http://schemas.microsoft.com/office/drawing/2014/main" id="{74EA76C7-8C08-E029-0E79-750B71C94A62}"/>
               </a:ext>
               <a:ext uri="{C183D7F6-B498-43B3-948B-1728B52AA6E4}">
-                <adec:decorative xmlns="" xmlns:adec="http://schemas.microsoft.com/office/drawing/2017/decorative" val="1"/>
+                <adec:decorative xmlns:adec="http://schemas.microsoft.com/office/drawing/2017/decorative" xmlns="" val="1"/>
               </a:ext>
             </a:extLst>
           </p:cNvPr>
@@ -6391,7 +6391,7 @@
             <p:ph sz="half" idx="2"/>
             <p:extLst>
               <p:ext uri="{E7BDC344-281C-4309-B0C6-D0EE65EED2A8}">
-                <p202:designPr xmlns="" xmlns:p202="http://schemas.microsoft.com/office/powerpoint/2020/02/main">
+                <p202:designPr xmlns:p202="http://schemas.microsoft.com/office/powerpoint/2020/02/main" xmlns="">
                   <p202:designTagLst>
                     <p202:designTag name="ARCH:1:CLS" val="InformationBlock"/>
                     <p202:designTag name="ARCH:1:VSVAR" val="TitledTextBox"/>
@@ -6687,7 +6687,7 @@
                 <a16:creationId xmlns:a16="http://schemas.microsoft.com/office/drawing/2014/main" id="{74EA76C7-8C08-E029-0E79-750B71C94A62}"/>
               </a:ext>
               <a:ext uri="{C183D7F6-B498-43B3-948B-1728B52AA6E4}">
-                <adec:decorative xmlns="" xmlns:adec="http://schemas.microsoft.com/office/drawing/2017/decorative" val="1"/>
+                <adec:decorative xmlns:adec="http://schemas.microsoft.com/office/drawing/2017/decorative" xmlns="" val="1"/>
               </a:ext>
             </a:extLst>
           </p:cNvPr>
@@ -6851,8 +6851,8 @@
         </p:nvSpPr>
         <p:spPr>
           <a:xfrm>
-            <a:off x="1927947" y="4893733"/>
-            <a:ext cx="928142" cy="1524000"/>
+            <a:off x="1939849" y="4855649"/>
+            <a:ext cx="3964240" cy="1524000"/>
           </a:xfrm>
           <a:prstGeom prst="rect">
             <a:avLst/>
@@ -6879,10 +6879,6 @@
           <a:lstStyle/>
           <a:p>
             <a:pPr algn="ctr"/>
-            <a:r>
-              <a:rPr lang="pt-BR" dirty="0" smtClean="0"/>
-              <a:t>DB</a:t>
-            </a:r>
             <a:endParaRPr lang="pt-BR" dirty="0"/>
           </a:p>
         </p:txBody>
@@ -7206,7 +7202,7 @@
         </p:nvSpPr>
         <p:spPr>
           <a:xfrm>
-            <a:off x="3094381" y="4432187"/>
+            <a:off x="1783644" y="5340801"/>
             <a:ext cx="5916168" cy="1527048"/>
           </a:xfrm>
           <a:prstGeom prst="rect">
@@ -7305,6 +7301,94 @@
               <a:t> Angular</a:t>
             </a:r>
             <a:endParaRPr lang="en-US" sz="2200" dirty="0"/>
+          </a:p>
+        </p:txBody>
+      </p:sp>
+      <p:sp>
+        <p:nvSpPr>
+          <p:cNvPr id="22" name="Retângulo 21"/>
+          <p:cNvSpPr/>
+          <p:nvPr/>
+        </p:nvSpPr>
+        <p:spPr>
+          <a:xfrm>
+            <a:off x="2092249" y="5008049"/>
+            <a:ext cx="1396018" cy="581107"/>
+          </a:xfrm>
+          <a:prstGeom prst="rect">
+            <a:avLst/>
+          </a:prstGeom>
+        </p:spPr>
+        <p:style>
+          <a:lnRef idx="2">
+            <a:schemeClr val="accent2">
+              <a:shade val="50000"/>
+            </a:schemeClr>
+          </a:lnRef>
+          <a:fillRef idx="1">
+            <a:schemeClr val="accent2"/>
+          </a:fillRef>
+          <a:effectRef idx="0">
+            <a:schemeClr val="accent2"/>
+          </a:effectRef>
+          <a:fontRef idx="minor">
+            <a:schemeClr val="lt1"/>
+          </a:fontRef>
+        </p:style>
+        <p:txBody>
+          <a:bodyPr rtlCol="0" anchor="ctr"/>
+          <a:lstStyle/>
+          <a:p>
+            <a:pPr algn="ctr"/>
+            <a:r>
+              <a:rPr lang="pt-BR" dirty="0" smtClean="0"/>
+              <a:t>Categoria</a:t>
+            </a:r>
+            <a:endParaRPr lang="pt-BR" dirty="0"/>
+          </a:p>
+        </p:txBody>
+      </p:sp>
+      <p:sp>
+        <p:nvSpPr>
+          <p:cNvPr id="23" name="Retângulo 22"/>
+          <p:cNvSpPr/>
+          <p:nvPr/>
+        </p:nvSpPr>
+        <p:spPr>
+          <a:xfrm>
+            <a:off x="3688119" y="5036542"/>
+            <a:ext cx="1396018" cy="581107"/>
+          </a:xfrm>
+          <a:prstGeom prst="rect">
+            <a:avLst/>
+          </a:prstGeom>
+        </p:spPr>
+        <p:style>
+          <a:lnRef idx="2">
+            <a:schemeClr val="accent2">
+              <a:shade val="50000"/>
+            </a:schemeClr>
+          </a:lnRef>
+          <a:fillRef idx="1">
+            <a:schemeClr val="accent2"/>
+          </a:fillRef>
+          <a:effectRef idx="0">
+            <a:schemeClr val="accent2"/>
+          </a:effectRef>
+          <a:fontRef idx="minor">
+            <a:schemeClr val="lt1"/>
+          </a:fontRef>
+        </p:style>
+        <p:txBody>
+          <a:bodyPr rtlCol="0" anchor="ctr"/>
+          <a:lstStyle/>
+          <a:p>
+            <a:pPr algn="ctr"/>
+            <a:r>
+              <a:rPr lang="pt-BR" dirty="0" smtClean="0"/>
+              <a:t>Produto</a:t>
+            </a:r>
+            <a:endParaRPr lang="pt-BR" dirty="0"/>
           </a:p>
         </p:txBody>
       </p:sp>
@@ -7364,7 +7448,7 @@
                 <a16:creationId xmlns:a16="http://schemas.microsoft.com/office/drawing/2014/main" id="{5E8D3B17-7638-DFD3-18E4-8A6D611749CF}"/>
               </a:ext>
               <a:ext uri="{C183D7F6-B498-43B3-948B-1728B52AA6E4}">
-                <adec:decorative xmlns="" xmlns:adec="http://schemas.microsoft.com/office/drawing/2017/decorative" val="1"/>
+                <adec:decorative xmlns:adec="http://schemas.microsoft.com/office/drawing/2017/decorative" xmlns="" val="1"/>
               </a:ext>
             </a:extLst>
           </p:cNvPr>
@@ -7799,7 +7883,7 @@
                 <a16:creationId xmlns:a16="http://schemas.microsoft.com/office/drawing/2014/main" id="{B8ADE68D-5E75-5D63-4B8C-6BEFCE9D06E3}"/>
               </a:ext>
               <a:ext uri="{C183D7F6-B498-43B3-948B-1728B52AA6E4}">
-                <adec:decorative xmlns="" xmlns:adec="http://schemas.microsoft.com/office/drawing/2017/decorative" val="1"/>
+                <adec:decorative xmlns:adec="http://schemas.microsoft.com/office/drawing/2017/decorative" xmlns="" val="1"/>
               </a:ext>
             </a:extLst>
           </p:cNvPr>
@@ -7885,13 +7969,13 @@
         </p:nvSpPr>
         <p:spPr>
           <a:xfrm>
-            <a:off x="468503" y="-214884"/>
-            <a:ext cx="10517176" cy="1527048"/>
+            <a:off x="429010" y="164470"/>
+            <a:ext cx="10517176" cy="463685"/>
           </a:xfrm>
         </p:spPr>
         <p:txBody>
           <a:bodyPr vert="horz" lIns="91440" tIns="45720" rIns="91440" bIns="45720" rtlCol="0" anchor="b">
-            <a:normAutofit/>
+            <a:normAutofit fontScale="90000"/>
           </a:bodyPr>
           <a:lstStyle/>
           <a:p>
@@ -7930,7 +8014,7 @@
         <p:spPr>
           <a:xfrm>
             <a:off x="3442951" y="4073931"/>
-            <a:ext cx="1687133" cy="888642"/>
+            <a:ext cx="2424448" cy="888642"/>
           </a:xfrm>
           <a:prstGeom prst="rect">
             <a:avLst/>
@@ -7978,7 +8062,7 @@
         </p:nvSpPr>
         <p:spPr>
           <a:xfrm>
-            <a:off x="1229932" y="1804037"/>
+            <a:off x="1207393" y="1775057"/>
             <a:ext cx="1687133" cy="888642"/>
           </a:xfrm>
           <a:prstGeom prst="rect">
@@ -8188,6 +8272,1262 @@
         <p:spPr>
           <a:xfrm>
             <a:off x="2807056" y="4657538"/>
+            <a:ext cx="1931832" cy="369332"/>
+          </a:xfrm>
+          <a:prstGeom prst="rect">
+            <a:avLst/>
+          </a:prstGeom>
+          <a:noFill/>
+        </p:spPr>
+        <p:txBody>
+          <a:bodyPr wrap="square">
+            <a:spAutoFit/>
+          </a:bodyPr>
+          <a:lstStyle/>
+          <a:p>
+            <a:r>
+              <a:rPr lang="pt-BR" dirty="0"/>
+              <a:t>N</a:t>
+            </a:r>
+          </a:p>
+        </p:txBody>
+      </p:sp>
+      <p:sp>
+        <p:nvSpPr>
+          <p:cNvPr id="11" name="Retângulo 10">
+            <a:extLst>
+              <a:ext uri="{FF2B5EF4-FFF2-40B4-BE49-F238E27FC236}">
+                <a16:creationId xmlns:a16="http://schemas.microsoft.com/office/drawing/2014/main" id="{39E8B432-F54E-ED48-B2A1-9E05B0A0AC60}"/>
+              </a:ext>
+            </a:extLst>
+          </p:cNvPr>
+          <p:cNvSpPr/>
+          <p:nvPr/>
+        </p:nvSpPr>
+        <p:spPr>
+          <a:xfrm>
+            <a:off x="7325791" y="2296594"/>
+            <a:ext cx="2190742" cy="888642"/>
+          </a:xfrm>
+          <a:prstGeom prst="rect">
+            <a:avLst/>
+          </a:prstGeom>
+        </p:spPr>
+        <p:style>
+          <a:lnRef idx="2">
+            <a:schemeClr val="accent1">
+              <a:shade val="15000"/>
+            </a:schemeClr>
+          </a:lnRef>
+          <a:fillRef idx="1">
+            <a:schemeClr val="accent1"/>
+          </a:fillRef>
+          <a:effectRef idx="0">
+            <a:schemeClr val="accent1"/>
+          </a:effectRef>
+          <a:fontRef idx="minor">
+            <a:schemeClr val="lt1"/>
+          </a:fontRef>
+        </p:style>
+        <p:txBody>
+          <a:bodyPr rtlCol="0" anchor="ctr"/>
+          <a:lstStyle/>
+          <a:p>
+            <a:pPr algn="ctr"/>
+            <a:r>
+              <a:rPr lang="pt-BR" dirty="0" smtClean="0"/>
+              <a:t>ENTRADA</a:t>
+            </a:r>
+            <a:endParaRPr lang="pt-BR" dirty="0"/>
+          </a:p>
+        </p:txBody>
+      </p:sp>
+      <p:sp>
+        <p:nvSpPr>
+          <p:cNvPr id="12" name="Retângulo 11">
+            <a:extLst>
+              <a:ext uri="{FF2B5EF4-FFF2-40B4-BE49-F238E27FC236}">
+                <a16:creationId xmlns:a16="http://schemas.microsoft.com/office/drawing/2014/main" id="{39E8B432-F54E-ED48-B2A1-9E05B0A0AC60}"/>
+              </a:ext>
+            </a:extLst>
+          </p:cNvPr>
+          <p:cNvSpPr/>
+          <p:nvPr/>
+        </p:nvSpPr>
+        <p:spPr>
+          <a:xfrm>
+            <a:off x="7506662" y="5748917"/>
+            <a:ext cx="2226656" cy="888642"/>
+          </a:xfrm>
+          <a:prstGeom prst="rect">
+            <a:avLst/>
+          </a:prstGeom>
+        </p:spPr>
+        <p:style>
+          <a:lnRef idx="2">
+            <a:schemeClr val="accent1">
+              <a:shade val="15000"/>
+            </a:schemeClr>
+          </a:lnRef>
+          <a:fillRef idx="1">
+            <a:schemeClr val="accent1"/>
+          </a:fillRef>
+          <a:effectRef idx="0">
+            <a:schemeClr val="accent1"/>
+          </a:effectRef>
+          <a:fontRef idx="minor">
+            <a:schemeClr val="lt1"/>
+          </a:fontRef>
+        </p:style>
+        <p:txBody>
+          <a:bodyPr rtlCol="0" anchor="ctr"/>
+          <a:lstStyle/>
+          <a:p>
+            <a:pPr algn="ctr"/>
+            <a:r>
+              <a:rPr lang="pt-BR" dirty="0" smtClean="0"/>
+              <a:t>SAIDA</a:t>
+            </a:r>
+            <a:endParaRPr lang="pt-BR" dirty="0"/>
+          </a:p>
+        </p:txBody>
+      </p:sp>
+      <p:sp>
+        <p:nvSpPr>
+          <p:cNvPr id="13" name="Retângulo 12">
+            <a:extLst>
+              <a:ext uri="{FF2B5EF4-FFF2-40B4-BE49-F238E27FC236}">
+                <a16:creationId xmlns:a16="http://schemas.microsoft.com/office/drawing/2014/main" id="{39E8B432-F54E-ED48-B2A1-9E05B0A0AC60}"/>
+              </a:ext>
+            </a:extLst>
+          </p:cNvPr>
+          <p:cNvSpPr/>
+          <p:nvPr/>
+        </p:nvSpPr>
+        <p:spPr>
+          <a:xfrm>
+            <a:off x="3509353" y="2278576"/>
+            <a:ext cx="2358046" cy="888642"/>
+          </a:xfrm>
+          <a:prstGeom prst="rect">
+            <a:avLst/>
+          </a:prstGeom>
+        </p:spPr>
+        <p:style>
+          <a:lnRef idx="2">
+            <a:schemeClr val="accent1">
+              <a:shade val="15000"/>
+            </a:schemeClr>
+          </a:lnRef>
+          <a:fillRef idx="1">
+            <a:schemeClr val="accent1"/>
+          </a:fillRef>
+          <a:effectRef idx="0">
+            <a:schemeClr val="accent1"/>
+          </a:effectRef>
+          <a:fontRef idx="minor">
+            <a:schemeClr val="lt1"/>
+          </a:fontRef>
+        </p:style>
+        <p:txBody>
+          <a:bodyPr rtlCol="0" anchor="ctr"/>
+          <a:lstStyle/>
+          <a:p>
+            <a:pPr algn="ctr"/>
+            <a:r>
+              <a:rPr lang="pt-BR" dirty="0" smtClean="0"/>
+              <a:t>ITENSENTRADA</a:t>
+            </a:r>
+            <a:endParaRPr lang="pt-BR" dirty="0"/>
+          </a:p>
+        </p:txBody>
+      </p:sp>
+      <p:sp>
+        <p:nvSpPr>
+          <p:cNvPr id="15" name="Retângulo 14">
+            <a:extLst>
+              <a:ext uri="{FF2B5EF4-FFF2-40B4-BE49-F238E27FC236}">
+                <a16:creationId xmlns:a16="http://schemas.microsoft.com/office/drawing/2014/main" id="{39E8B432-F54E-ED48-B2A1-9E05B0A0AC60}"/>
+              </a:ext>
+            </a:extLst>
+          </p:cNvPr>
+          <p:cNvSpPr/>
+          <p:nvPr/>
+        </p:nvSpPr>
+        <p:spPr>
+          <a:xfrm>
+            <a:off x="9206363" y="201028"/>
+            <a:ext cx="2190742" cy="888642"/>
+          </a:xfrm>
+          <a:prstGeom prst="rect">
+            <a:avLst/>
+          </a:prstGeom>
+        </p:spPr>
+        <p:style>
+          <a:lnRef idx="2">
+            <a:schemeClr val="accent1">
+              <a:shade val="15000"/>
+            </a:schemeClr>
+          </a:lnRef>
+          <a:fillRef idx="1">
+            <a:schemeClr val="accent1"/>
+          </a:fillRef>
+          <a:effectRef idx="0">
+            <a:schemeClr val="accent1"/>
+          </a:effectRef>
+          <a:fontRef idx="minor">
+            <a:schemeClr val="lt1"/>
+          </a:fontRef>
+        </p:style>
+        <p:txBody>
+          <a:bodyPr rtlCol="0" anchor="ctr"/>
+          <a:lstStyle/>
+          <a:p>
+            <a:pPr algn="ctr"/>
+            <a:r>
+              <a:rPr lang="pt-BR" dirty="0" smtClean="0"/>
+              <a:t>FORNECEDOR</a:t>
+            </a:r>
+            <a:endParaRPr lang="pt-BR" dirty="0"/>
+          </a:p>
+        </p:txBody>
+      </p:sp>
+      <p:sp>
+        <p:nvSpPr>
+          <p:cNvPr id="16" name="Retângulo 15">
+            <a:extLst>
+              <a:ext uri="{FF2B5EF4-FFF2-40B4-BE49-F238E27FC236}">
+                <a16:creationId xmlns:a16="http://schemas.microsoft.com/office/drawing/2014/main" id="{39E8B432-F54E-ED48-B2A1-9E05B0A0AC60}"/>
+              </a:ext>
+            </a:extLst>
+          </p:cNvPr>
+          <p:cNvSpPr/>
+          <p:nvPr/>
+        </p:nvSpPr>
+        <p:spPr>
+          <a:xfrm>
+            <a:off x="3476152" y="5869286"/>
+            <a:ext cx="2358046" cy="888642"/>
+          </a:xfrm>
+          <a:prstGeom prst="rect">
+            <a:avLst/>
+          </a:prstGeom>
+        </p:spPr>
+        <p:style>
+          <a:lnRef idx="2">
+            <a:schemeClr val="accent1">
+              <a:shade val="15000"/>
+            </a:schemeClr>
+          </a:lnRef>
+          <a:fillRef idx="1">
+            <a:schemeClr val="accent1"/>
+          </a:fillRef>
+          <a:effectRef idx="0">
+            <a:schemeClr val="accent1"/>
+          </a:effectRef>
+          <a:fontRef idx="minor">
+            <a:schemeClr val="lt1"/>
+          </a:fontRef>
+        </p:style>
+        <p:txBody>
+          <a:bodyPr rtlCol="0" anchor="ctr"/>
+          <a:lstStyle/>
+          <a:p>
+            <a:pPr algn="ctr"/>
+            <a:r>
+              <a:rPr lang="pt-BR" dirty="0" smtClean="0"/>
+              <a:t>ITENSSAIDA</a:t>
+            </a:r>
+            <a:endParaRPr lang="pt-BR" dirty="0"/>
+          </a:p>
+        </p:txBody>
+      </p:sp>
+      <p:sp>
+        <p:nvSpPr>
+          <p:cNvPr id="21" name="Retângulo 20">
+            <a:extLst>
+              <a:ext uri="{FF2B5EF4-FFF2-40B4-BE49-F238E27FC236}">
+                <a16:creationId xmlns:a16="http://schemas.microsoft.com/office/drawing/2014/main" id="{39E8B432-F54E-ED48-B2A1-9E05B0A0AC60}"/>
+              </a:ext>
+            </a:extLst>
+          </p:cNvPr>
+          <p:cNvSpPr/>
+          <p:nvPr/>
+        </p:nvSpPr>
+        <p:spPr>
+          <a:xfrm>
+            <a:off x="9581212" y="3953562"/>
+            <a:ext cx="2226656" cy="888642"/>
+          </a:xfrm>
+          <a:prstGeom prst="rect">
+            <a:avLst/>
+          </a:prstGeom>
+        </p:spPr>
+        <p:style>
+          <a:lnRef idx="2">
+            <a:schemeClr val="accent1">
+              <a:shade val="15000"/>
+            </a:schemeClr>
+          </a:lnRef>
+          <a:fillRef idx="1">
+            <a:schemeClr val="accent1"/>
+          </a:fillRef>
+          <a:effectRef idx="0">
+            <a:schemeClr val="accent1"/>
+          </a:effectRef>
+          <a:fontRef idx="minor">
+            <a:schemeClr val="lt1"/>
+          </a:fontRef>
+        </p:style>
+        <p:txBody>
+          <a:bodyPr rtlCol="0" anchor="ctr"/>
+          <a:lstStyle/>
+          <a:p>
+            <a:pPr algn="ctr"/>
+            <a:r>
+              <a:rPr lang="pt-BR" dirty="0" smtClean="0"/>
+              <a:t>SECRETARIA</a:t>
+            </a:r>
+            <a:endParaRPr lang="pt-BR" dirty="0"/>
+          </a:p>
+        </p:txBody>
+      </p:sp>
+      <p:sp>
+        <p:nvSpPr>
+          <p:cNvPr id="22" name="Losango 21">
+            <a:extLst>
+              <a:ext uri="{FF2B5EF4-FFF2-40B4-BE49-F238E27FC236}">
+                <a16:creationId xmlns:a16="http://schemas.microsoft.com/office/drawing/2014/main" id="{A0589B58-71D4-387F-B6FD-C4BBFC5DFE56}"/>
+              </a:ext>
+            </a:extLst>
+          </p:cNvPr>
+          <p:cNvSpPr/>
+          <p:nvPr/>
+        </p:nvSpPr>
+        <p:spPr>
+          <a:xfrm>
+            <a:off x="4262369" y="5131559"/>
+            <a:ext cx="785611" cy="647904"/>
+          </a:xfrm>
+          <a:prstGeom prst="diamond">
+            <a:avLst/>
+          </a:prstGeom>
+        </p:spPr>
+        <p:style>
+          <a:lnRef idx="2">
+            <a:schemeClr val="accent1">
+              <a:shade val="15000"/>
+            </a:schemeClr>
+          </a:lnRef>
+          <a:fillRef idx="1">
+            <a:schemeClr val="accent1"/>
+          </a:fillRef>
+          <a:effectRef idx="0">
+            <a:schemeClr val="accent1"/>
+          </a:effectRef>
+          <a:fontRef idx="minor">
+            <a:schemeClr val="lt1"/>
+          </a:fontRef>
+        </p:style>
+        <p:txBody>
+          <a:bodyPr rtlCol="0" anchor="ctr"/>
+          <a:lstStyle/>
+          <a:p>
+            <a:pPr algn="ctr"/>
+            <a:endParaRPr lang="pt-BR" dirty="0"/>
+          </a:p>
+        </p:txBody>
+      </p:sp>
+      <p:sp>
+        <p:nvSpPr>
+          <p:cNvPr id="23" name="Losango 22">
+            <a:extLst>
+              <a:ext uri="{FF2B5EF4-FFF2-40B4-BE49-F238E27FC236}">
+                <a16:creationId xmlns:a16="http://schemas.microsoft.com/office/drawing/2014/main" id="{A0589B58-71D4-387F-B6FD-C4BBFC5DFE56}"/>
+              </a:ext>
+            </a:extLst>
+          </p:cNvPr>
+          <p:cNvSpPr/>
+          <p:nvPr/>
+        </p:nvSpPr>
+        <p:spPr>
+          <a:xfrm>
+            <a:off x="6254858" y="5989655"/>
+            <a:ext cx="785611" cy="647904"/>
+          </a:xfrm>
+          <a:prstGeom prst="diamond">
+            <a:avLst/>
+          </a:prstGeom>
+        </p:spPr>
+        <p:style>
+          <a:lnRef idx="2">
+            <a:schemeClr val="accent1">
+              <a:shade val="15000"/>
+            </a:schemeClr>
+          </a:lnRef>
+          <a:fillRef idx="1">
+            <a:schemeClr val="accent1"/>
+          </a:fillRef>
+          <a:effectRef idx="0">
+            <a:schemeClr val="accent1"/>
+          </a:effectRef>
+          <a:fontRef idx="minor">
+            <a:schemeClr val="lt1"/>
+          </a:fontRef>
+        </p:style>
+        <p:txBody>
+          <a:bodyPr rtlCol="0" anchor="ctr"/>
+          <a:lstStyle/>
+          <a:p>
+            <a:pPr algn="ctr"/>
+            <a:endParaRPr lang="pt-BR" dirty="0"/>
+          </a:p>
+        </p:txBody>
+      </p:sp>
+      <p:sp>
+        <p:nvSpPr>
+          <p:cNvPr id="24" name="Losango 23">
+            <a:extLst>
+              <a:ext uri="{FF2B5EF4-FFF2-40B4-BE49-F238E27FC236}">
+                <a16:creationId xmlns:a16="http://schemas.microsoft.com/office/drawing/2014/main" id="{A0589B58-71D4-387F-B6FD-C4BBFC5DFE56}"/>
+              </a:ext>
+            </a:extLst>
+          </p:cNvPr>
+          <p:cNvSpPr/>
+          <p:nvPr/>
+        </p:nvSpPr>
+        <p:spPr>
+          <a:xfrm>
+            <a:off x="10301734" y="5612760"/>
+            <a:ext cx="785611" cy="647904"/>
+          </a:xfrm>
+          <a:prstGeom prst="diamond">
+            <a:avLst/>
+          </a:prstGeom>
+        </p:spPr>
+        <p:style>
+          <a:lnRef idx="2">
+            <a:schemeClr val="accent1">
+              <a:shade val="15000"/>
+            </a:schemeClr>
+          </a:lnRef>
+          <a:fillRef idx="1">
+            <a:schemeClr val="accent1"/>
+          </a:fillRef>
+          <a:effectRef idx="0">
+            <a:schemeClr val="accent1"/>
+          </a:effectRef>
+          <a:fontRef idx="minor">
+            <a:schemeClr val="lt1"/>
+          </a:fontRef>
+        </p:style>
+        <p:txBody>
+          <a:bodyPr rtlCol="0" anchor="ctr"/>
+          <a:lstStyle/>
+          <a:p>
+            <a:pPr algn="ctr"/>
+            <a:endParaRPr lang="pt-BR" dirty="0"/>
+          </a:p>
+        </p:txBody>
+      </p:sp>
+      <p:sp>
+        <p:nvSpPr>
+          <p:cNvPr id="25" name="Losango 24">
+            <a:extLst>
+              <a:ext uri="{FF2B5EF4-FFF2-40B4-BE49-F238E27FC236}">
+                <a16:creationId xmlns:a16="http://schemas.microsoft.com/office/drawing/2014/main" id="{A0589B58-71D4-387F-B6FD-C4BBFC5DFE56}"/>
+              </a:ext>
+            </a:extLst>
+          </p:cNvPr>
+          <p:cNvSpPr/>
+          <p:nvPr/>
+        </p:nvSpPr>
+        <p:spPr>
+          <a:xfrm>
+            <a:off x="10160575" y="2354237"/>
+            <a:ext cx="785611" cy="647904"/>
+          </a:xfrm>
+          <a:prstGeom prst="diamond">
+            <a:avLst/>
+          </a:prstGeom>
+        </p:spPr>
+        <p:style>
+          <a:lnRef idx="2">
+            <a:schemeClr val="accent1">
+              <a:shade val="15000"/>
+            </a:schemeClr>
+          </a:lnRef>
+          <a:fillRef idx="1">
+            <a:schemeClr val="accent1"/>
+          </a:fillRef>
+          <a:effectRef idx="0">
+            <a:schemeClr val="accent1"/>
+          </a:effectRef>
+          <a:fontRef idx="minor">
+            <a:schemeClr val="lt1"/>
+          </a:fontRef>
+        </p:style>
+        <p:txBody>
+          <a:bodyPr rtlCol="0" anchor="ctr"/>
+          <a:lstStyle/>
+          <a:p>
+            <a:pPr algn="ctr"/>
+            <a:endParaRPr lang="pt-BR" dirty="0"/>
+          </a:p>
+        </p:txBody>
+      </p:sp>
+      <p:sp>
+        <p:nvSpPr>
+          <p:cNvPr id="26" name="Losango 25">
+            <a:extLst>
+              <a:ext uri="{FF2B5EF4-FFF2-40B4-BE49-F238E27FC236}">
+                <a16:creationId xmlns:a16="http://schemas.microsoft.com/office/drawing/2014/main" id="{A0589B58-71D4-387F-B6FD-C4BBFC5DFE56}"/>
+              </a:ext>
+            </a:extLst>
+          </p:cNvPr>
+          <p:cNvSpPr/>
+          <p:nvPr/>
+        </p:nvSpPr>
+        <p:spPr>
+          <a:xfrm>
+            <a:off x="6060807" y="2416963"/>
+            <a:ext cx="785611" cy="647904"/>
+          </a:xfrm>
+          <a:prstGeom prst="diamond">
+            <a:avLst/>
+          </a:prstGeom>
+        </p:spPr>
+        <p:style>
+          <a:lnRef idx="2">
+            <a:schemeClr val="accent1">
+              <a:shade val="15000"/>
+            </a:schemeClr>
+          </a:lnRef>
+          <a:fillRef idx="1">
+            <a:schemeClr val="accent1"/>
+          </a:fillRef>
+          <a:effectRef idx="0">
+            <a:schemeClr val="accent1"/>
+          </a:effectRef>
+          <a:fontRef idx="minor">
+            <a:schemeClr val="lt1"/>
+          </a:fontRef>
+        </p:style>
+        <p:txBody>
+          <a:bodyPr rtlCol="0" anchor="ctr"/>
+          <a:lstStyle/>
+          <a:p>
+            <a:pPr algn="ctr"/>
+            <a:endParaRPr lang="pt-BR" dirty="0"/>
+          </a:p>
+        </p:txBody>
+      </p:sp>
+      <p:cxnSp>
+        <p:nvCxnSpPr>
+          <p:cNvPr id="27" name="Conector reto 26">
+            <a:extLst>
+              <a:ext uri="{FF2B5EF4-FFF2-40B4-BE49-F238E27FC236}">
+                <a16:creationId xmlns:a16="http://schemas.microsoft.com/office/drawing/2014/main" id="{6BF6B5B1-6280-4467-738C-9F23631C322C}"/>
+              </a:ext>
+            </a:extLst>
+          </p:cNvPr>
+          <p:cNvCxnSpPr/>
+          <p:nvPr/>
+        </p:nvCxnSpPr>
+        <p:spPr>
+          <a:xfrm flipV="1">
+            <a:off x="5846701" y="2749793"/>
+            <a:ext cx="1601924" cy="1"/>
+          </a:xfrm>
+          <a:prstGeom prst="line">
+            <a:avLst/>
+          </a:prstGeom>
+        </p:spPr>
+        <p:style>
+          <a:lnRef idx="1">
+            <a:schemeClr val="accent1"/>
+          </a:lnRef>
+          <a:fillRef idx="0">
+            <a:schemeClr val="accent1"/>
+          </a:fillRef>
+          <a:effectRef idx="0">
+            <a:schemeClr val="accent1"/>
+          </a:effectRef>
+          <a:fontRef idx="minor">
+            <a:schemeClr val="tx1"/>
+          </a:fontRef>
+        </p:style>
+      </p:cxnSp>
+      <p:cxnSp>
+        <p:nvCxnSpPr>
+          <p:cNvPr id="28" name="Conector reto 27">
+            <a:extLst>
+              <a:ext uri="{FF2B5EF4-FFF2-40B4-BE49-F238E27FC236}">
+                <a16:creationId xmlns:a16="http://schemas.microsoft.com/office/drawing/2014/main" id="{6BF6B5B1-6280-4467-738C-9F23631C322C}"/>
+              </a:ext>
+            </a:extLst>
+          </p:cNvPr>
+          <p:cNvCxnSpPr/>
+          <p:nvPr/>
+        </p:nvCxnSpPr>
+        <p:spPr>
+          <a:xfrm flipV="1">
+            <a:off x="5723867" y="6313607"/>
+            <a:ext cx="1782795" cy="2"/>
+          </a:xfrm>
+          <a:prstGeom prst="line">
+            <a:avLst/>
+          </a:prstGeom>
+        </p:spPr>
+        <p:style>
+          <a:lnRef idx="1">
+            <a:schemeClr val="accent1"/>
+          </a:lnRef>
+          <a:fillRef idx="0">
+            <a:schemeClr val="accent1"/>
+          </a:fillRef>
+          <a:effectRef idx="0">
+            <a:schemeClr val="accent1"/>
+          </a:effectRef>
+          <a:fontRef idx="minor">
+            <a:schemeClr val="tx1"/>
+          </a:fontRef>
+        </p:style>
+      </p:cxnSp>
+      <p:cxnSp>
+        <p:nvCxnSpPr>
+          <p:cNvPr id="29" name="Conector reto 28">
+            <a:extLst>
+              <a:ext uri="{FF2B5EF4-FFF2-40B4-BE49-F238E27FC236}">
+                <a16:creationId xmlns:a16="http://schemas.microsoft.com/office/drawing/2014/main" id="{6BF6B5B1-6280-4467-738C-9F23631C322C}"/>
+              </a:ext>
+            </a:extLst>
+          </p:cNvPr>
+          <p:cNvCxnSpPr/>
+          <p:nvPr/>
+        </p:nvCxnSpPr>
+        <p:spPr>
+          <a:xfrm flipV="1">
+            <a:off x="9017559" y="6064918"/>
+            <a:ext cx="1782795" cy="2"/>
+          </a:xfrm>
+          <a:prstGeom prst="line">
+            <a:avLst/>
+          </a:prstGeom>
+        </p:spPr>
+        <p:style>
+          <a:lnRef idx="1">
+            <a:schemeClr val="accent1"/>
+          </a:lnRef>
+          <a:fillRef idx="0">
+            <a:schemeClr val="accent1"/>
+          </a:fillRef>
+          <a:effectRef idx="0">
+            <a:schemeClr val="accent1"/>
+          </a:effectRef>
+          <a:fontRef idx="minor">
+            <a:schemeClr val="tx1"/>
+          </a:fontRef>
+        </p:style>
+      </p:cxnSp>
+      <p:cxnSp>
+        <p:nvCxnSpPr>
+          <p:cNvPr id="30" name="Conector reto 29">
+            <a:extLst>
+              <a:ext uri="{FF2B5EF4-FFF2-40B4-BE49-F238E27FC236}">
+                <a16:creationId xmlns:a16="http://schemas.microsoft.com/office/drawing/2014/main" id="{6BF6B5B1-6280-4467-738C-9F23631C322C}"/>
+              </a:ext>
+            </a:extLst>
+          </p:cNvPr>
+          <p:cNvCxnSpPr/>
+          <p:nvPr/>
+        </p:nvCxnSpPr>
+        <p:spPr>
+          <a:xfrm flipH="1" flipV="1">
+            <a:off x="10673987" y="4364412"/>
+            <a:ext cx="1" cy="1501621"/>
+          </a:xfrm>
+          <a:prstGeom prst="line">
+            <a:avLst/>
+          </a:prstGeom>
+        </p:spPr>
+        <p:style>
+          <a:lnRef idx="1">
+            <a:schemeClr val="accent1"/>
+          </a:lnRef>
+          <a:fillRef idx="0">
+            <a:schemeClr val="accent1"/>
+          </a:fillRef>
+          <a:effectRef idx="0">
+            <a:schemeClr val="accent1"/>
+          </a:effectRef>
+          <a:fontRef idx="minor">
+            <a:schemeClr val="tx1"/>
+          </a:fontRef>
+        </p:style>
+      </p:cxnSp>
+      <p:cxnSp>
+        <p:nvCxnSpPr>
+          <p:cNvPr id="31" name="Conector reto 30">
+            <a:extLst>
+              <a:ext uri="{FF2B5EF4-FFF2-40B4-BE49-F238E27FC236}">
+                <a16:creationId xmlns:a16="http://schemas.microsoft.com/office/drawing/2014/main" id="{6BF6B5B1-6280-4467-738C-9F23631C322C}"/>
+              </a:ext>
+            </a:extLst>
+          </p:cNvPr>
+          <p:cNvCxnSpPr>
+            <a:stCxn id="25" idx="2"/>
+          </p:cNvCxnSpPr>
+          <p:nvPr/>
+        </p:nvCxnSpPr>
+        <p:spPr>
+          <a:xfrm flipV="1">
+            <a:off x="10553381" y="1127717"/>
+            <a:ext cx="0" cy="1874424"/>
+          </a:xfrm>
+          <a:prstGeom prst="line">
+            <a:avLst/>
+          </a:prstGeom>
+        </p:spPr>
+        <p:style>
+          <a:lnRef idx="1">
+            <a:schemeClr val="accent1"/>
+          </a:lnRef>
+          <a:fillRef idx="0">
+            <a:schemeClr val="accent1"/>
+          </a:fillRef>
+          <a:effectRef idx="0">
+            <a:schemeClr val="accent1"/>
+          </a:effectRef>
+          <a:fontRef idx="minor">
+            <a:schemeClr val="tx1"/>
+          </a:fontRef>
+        </p:style>
+      </p:cxnSp>
+      <p:cxnSp>
+        <p:nvCxnSpPr>
+          <p:cNvPr id="32" name="Conector reto 31">
+            <a:extLst>
+              <a:ext uri="{FF2B5EF4-FFF2-40B4-BE49-F238E27FC236}">
+                <a16:creationId xmlns:a16="http://schemas.microsoft.com/office/drawing/2014/main" id="{6BF6B5B1-6280-4467-738C-9F23631C322C}"/>
+              </a:ext>
+            </a:extLst>
+          </p:cNvPr>
+          <p:cNvCxnSpPr/>
+          <p:nvPr/>
+        </p:nvCxnSpPr>
+        <p:spPr>
+          <a:xfrm flipV="1">
+            <a:off x="8958309" y="2693046"/>
+            <a:ext cx="1601924" cy="1"/>
+          </a:xfrm>
+          <a:prstGeom prst="line">
+            <a:avLst/>
+          </a:prstGeom>
+        </p:spPr>
+        <p:style>
+          <a:lnRef idx="1">
+            <a:schemeClr val="accent1"/>
+          </a:lnRef>
+          <a:fillRef idx="0">
+            <a:schemeClr val="accent1"/>
+          </a:fillRef>
+          <a:effectRef idx="0">
+            <a:schemeClr val="accent1"/>
+          </a:effectRef>
+          <a:fontRef idx="minor">
+            <a:schemeClr val="tx1"/>
+          </a:fontRef>
+        </p:style>
+      </p:cxnSp>
+      <p:sp>
+        <p:nvSpPr>
+          <p:cNvPr id="34" name="Losango 33">
+            <a:extLst>
+              <a:ext uri="{FF2B5EF4-FFF2-40B4-BE49-F238E27FC236}">
+                <a16:creationId xmlns:a16="http://schemas.microsoft.com/office/drawing/2014/main" id="{A0589B58-71D4-387F-B6FD-C4BBFC5DFE56}"/>
+              </a:ext>
+            </a:extLst>
+          </p:cNvPr>
+          <p:cNvSpPr/>
+          <p:nvPr/>
+        </p:nvSpPr>
+        <p:spPr>
+          <a:xfrm>
+            <a:off x="4262369" y="3296622"/>
+            <a:ext cx="785611" cy="647904"/>
+          </a:xfrm>
+          <a:prstGeom prst="diamond">
+            <a:avLst/>
+          </a:prstGeom>
+        </p:spPr>
+        <p:style>
+          <a:lnRef idx="2">
+            <a:schemeClr val="accent1">
+              <a:shade val="15000"/>
+            </a:schemeClr>
+          </a:lnRef>
+          <a:fillRef idx="1">
+            <a:schemeClr val="accent1"/>
+          </a:fillRef>
+          <a:effectRef idx="0">
+            <a:schemeClr val="accent1"/>
+          </a:effectRef>
+          <a:fontRef idx="minor">
+            <a:schemeClr val="lt1"/>
+          </a:fontRef>
+        </p:style>
+        <p:txBody>
+          <a:bodyPr rtlCol="0" anchor="ctr"/>
+          <a:lstStyle/>
+          <a:p>
+            <a:pPr algn="ctr"/>
+            <a:endParaRPr lang="pt-BR" dirty="0"/>
+          </a:p>
+        </p:txBody>
+      </p:sp>
+      <p:cxnSp>
+        <p:nvCxnSpPr>
+          <p:cNvPr id="35" name="Conector reto 34">
+            <a:extLst>
+              <a:ext uri="{FF2B5EF4-FFF2-40B4-BE49-F238E27FC236}">
+                <a16:creationId xmlns:a16="http://schemas.microsoft.com/office/drawing/2014/main" id="{6BF6B5B1-6280-4467-738C-9F23631C322C}"/>
+              </a:ext>
+            </a:extLst>
+          </p:cNvPr>
+          <p:cNvCxnSpPr/>
+          <p:nvPr/>
+        </p:nvCxnSpPr>
+        <p:spPr>
+          <a:xfrm flipH="1" flipV="1">
+            <a:off x="4637567" y="2722897"/>
+            <a:ext cx="6853" cy="3096803"/>
+          </a:xfrm>
+          <a:prstGeom prst="line">
+            <a:avLst/>
+          </a:prstGeom>
+        </p:spPr>
+        <p:style>
+          <a:lnRef idx="1">
+            <a:schemeClr val="accent1"/>
+          </a:lnRef>
+          <a:fillRef idx="0">
+            <a:schemeClr val="accent1"/>
+          </a:fillRef>
+          <a:effectRef idx="0">
+            <a:schemeClr val="accent1"/>
+          </a:effectRef>
+          <a:fontRef idx="minor">
+            <a:schemeClr val="tx1"/>
+          </a:fontRef>
+        </p:style>
+      </p:cxnSp>
+      <p:sp>
+        <p:nvSpPr>
+          <p:cNvPr id="36" name="CaixaDeTexto 35">
+            <a:extLst>
+              <a:ext uri="{FF2B5EF4-FFF2-40B4-BE49-F238E27FC236}">
+                <a16:creationId xmlns:a16="http://schemas.microsoft.com/office/drawing/2014/main" id="{0B3999CC-C262-EF20-322E-845F60C54B47}"/>
+              </a:ext>
+            </a:extLst>
+          </p:cNvPr>
+          <p:cNvSpPr txBox="1"/>
+          <p:nvPr/>
+        </p:nvSpPr>
+        <p:spPr>
+          <a:xfrm>
+            <a:off x="5001636" y="5496701"/>
+            <a:ext cx="1931832" cy="369332"/>
+          </a:xfrm>
+          <a:prstGeom prst="rect">
+            <a:avLst/>
+          </a:prstGeom>
+          <a:noFill/>
+        </p:spPr>
+        <p:txBody>
+          <a:bodyPr wrap="square">
+            <a:spAutoFit/>
+          </a:bodyPr>
+          <a:lstStyle/>
+          <a:p>
+            <a:r>
+              <a:rPr lang="pt-BR" dirty="0"/>
+              <a:t>N</a:t>
+            </a:r>
+          </a:p>
+        </p:txBody>
+      </p:sp>
+      <p:sp>
+        <p:nvSpPr>
+          <p:cNvPr id="37" name="CaixaDeTexto 36">
+            <a:extLst>
+              <a:ext uri="{FF2B5EF4-FFF2-40B4-BE49-F238E27FC236}">
+                <a16:creationId xmlns:a16="http://schemas.microsoft.com/office/drawing/2014/main" id="{0B3999CC-C262-EF20-322E-845F60C54B47}"/>
+              </a:ext>
+            </a:extLst>
+          </p:cNvPr>
+          <p:cNvSpPr txBox="1"/>
+          <p:nvPr/>
+        </p:nvSpPr>
+        <p:spPr>
+          <a:xfrm>
+            <a:off x="4963235" y="4952310"/>
+            <a:ext cx="1931832" cy="369332"/>
+          </a:xfrm>
+          <a:prstGeom prst="rect">
+            <a:avLst/>
+          </a:prstGeom>
+          <a:noFill/>
+        </p:spPr>
+        <p:txBody>
+          <a:bodyPr wrap="square">
+            <a:spAutoFit/>
+          </a:bodyPr>
+          <a:lstStyle/>
+          <a:p>
+            <a:r>
+              <a:rPr lang="pt-BR" dirty="0" smtClean="0"/>
+              <a:t>1</a:t>
+            </a:r>
+            <a:endParaRPr lang="pt-BR" dirty="0"/>
+          </a:p>
+        </p:txBody>
+      </p:sp>
+      <p:sp>
+        <p:nvSpPr>
+          <p:cNvPr id="38" name="CaixaDeTexto 37">
+            <a:extLst>
+              <a:ext uri="{FF2B5EF4-FFF2-40B4-BE49-F238E27FC236}">
+                <a16:creationId xmlns:a16="http://schemas.microsoft.com/office/drawing/2014/main" id="{0B3999CC-C262-EF20-322E-845F60C54B47}"/>
+              </a:ext>
+            </a:extLst>
+          </p:cNvPr>
+          <p:cNvSpPr txBox="1"/>
+          <p:nvPr/>
+        </p:nvSpPr>
+        <p:spPr>
+          <a:xfrm>
+            <a:off x="4984861" y="3777427"/>
+            <a:ext cx="1931832" cy="369332"/>
+          </a:xfrm>
+          <a:prstGeom prst="rect">
+            <a:avLst/>
+          </a:prstGeom>
+          <a:noFill/>
+        </p:spPr>
+        <p:txBody>
+          <a:bodyPr wrap="square">
+            <a:spAutoFit/>
+          </a:bodyPr>
+          <a:lstStyle/>
+          <a:p>
+            <a:r>
+              <a:rPr lang="pt-BR" dirty="0" smtClean="0"/>
+              <a:t>1</a:t>
+            </a:r>
+            <a:endParaRPr lang="pt-BR" dirty="0"/>
+          </a:p>
+        </p:txBody>
+      </p:sp>
+      <p:sp>
+        <p:nvSpPr>
+          <p:cNvPr id="39" name="CaixaDeTexto 38">
+            <a:extLst>
+              <a:ext uri="{FF2B5EF4-FFF2-40B4-BE49-F238E27FC236}">
+                <a16:creationId xmlns:a16="http://schemas.microsoft.com/office/drawing/2014/main" id="{0B3999CC-C262-EF20-322E-845F60C54B47}"/>
+              </a:ext>
+            </a:extLst>
+          </p:cNvPr>
+          <p:cNvSpPr txBox="1"/>
+          <p:nvPr/>
+        </p:nvSpPr>
+        <p:spPr>
+          <a:xfrm>
+            <a:off x="4868282" y="3210052"/>
+            <a:ext cx="1931832" cy="369332"/>
+          </a:xfrm>
+          <a:prstGeom prst="rect">
+            <a:avLst/>
+          </a:prstGeom>
+          <a:noFill/>
+        </p:spPr>
+        <p:txBody>
+          <a:bodyPr wrap="square">
+            <a:spAutoFit/>
+          </a:bodyPr>
+          <a:lstStyle/>
+          <a:p>
+            <a:r>
+              <a:rPr lang="pt-BR" dirty="0"/>
+              <a:t>N</a:t>
+            </a:r>
+          </a:p>
+        </p:txBody>
+      </p:sp>
+      <p:sp>
+        <p:nvSpPr>
+          <p:cNvPr id="40" name="CaixaDeTexto 39">
+            <a:extLst>
+              <a:ext uri="{FF2B5EF4-FFF2-40B4-BE49-F238E27FC236}">
+                <a16:creationId xmlns:a16="http://schemas.microsoft.com/office/drawing/2014/main" id="{0B3999CC-C262-EF20-322E-845F60C54B47}"/>
+              </a:ext>
+            </a:extLst>
+          </p:cNvPr>
+          <p:cNvSpPr txBox="1"/>
+          <p:nvPr/>
+        </p:nvSpPr>
+        <p:spPr>
+          <a:xfrm>
+            <a:off x="7119778" y="5931624"/>
+            <a:ext cx="1931832" cy="369332"/>
+          </a:xfrm>
+          <a:prstGeom prst="rect">
+            <a:avLst/>
+          </a:prstGeom>
+          <a:noFill/>
+        </p:spPr>
+        <p:txBody>
+          <a:bodyPr wrap="square">
+            <a:spAutoFit/>
+          </a:bodyPr>
+          <a:lstStyle/>
+          <a:p>
+            <a:r>
+              <a:rPr lang="pt-BR" dirty="0" smtClean="0"/>
+              <a:t>1</a:t>
+            </a:r>
+            <a:endParaRPr lang="pt-BR" dirty="0"/>
+          </a:p>
+        </p:txBody>
+      </p:sp>
+      <p:sp>
+        <p:nvSpPr>
+          <p:cNvPr id="41" name="CaixaDeTexto 40">
+            <a:extLst>
+              <a:ext uri="{FF2B5EF4-FFF2-40B4-BE49-F238E27FC236}">
+                <a16:creationId xmlns:a16="http://schemas.microsoft.com/office/drawing/2014/main" id="{0B3999CC-C262-EF20-322E-845F60C54B47}"/>
+              </a:ext>
+            </a:extLst>
+          </p:cNvPr>
+          <p:cNvSpPr txBox="1"/>
+          <p:nvPr/>
+        </p:nvSpPr>
+        <p:spPr>
+          <a:xfrm>
+            <a:off x="5846701" y="5979716"/>
+            <a:ext cx="1931832" cy="369332"/>
+          </a:xfrm>
+          <a:prstGeom prst="rect">
+            <a:avLst/>
+          </a:prstGeom>
+          <a:noFill/>
+        </p:spPr>
+        <p:txBody>
+          <a:bodyPr wrap="square">
+            <a:spAutoFit/>
+          </a:bodyPr>
+          <a:lstStyle/>
+          <a:p>
+            <a:r>
+              <a:rPr lang="pt-BR" dirty="0"/>
+              <a:t>N</a:t>
+            </a:r>
+          </a:p>
+        </p:txBody>
+      </p:sp>
+      <p:sp>
+        <p:nvSpPr>
+          <p:cNvPr id="42" name="CaixaDeTexto 41">
+            <a:extLst>
+              <a:ext uri="{FF2B5EF4-FFF2-40B4-BE49-F238E27FC236}">
+                <a16:creationId xmlns:a16="http://schemas.microsoft.com/office/drawing/2014/main" id="{0B3999CC-C262-EF20-322E-845F60C54B47}"/>
+              </a:ext>
+            </a:extLst>
+          </p:cNvPr>
+          <p:cNvSpPr txBox="1"/>
+          <p:nvPr/>
+        </p:nvSpPr>
+        <p:spPr>
+          <a:xfrm>
+            <a:off x="5846701" y="2408153"/>
+            <a:ext cx="1931832" cy="369332"/>
+          </a:xfrm>
+          <a:prstGeom prst="rect">
+            <a:avLst/>
+          </a:prstGeom>
+          <a:noFill/>
+        </p:spPr>
+        <p:txBody>
+          <a:bodyPr wrap="square">
+            <a:spAutoFit/>
+          </a:bodyPr>
+          <a:lstStyle/>
+          <a:p>
+            <a:r>
+              <a:rPr lang="pt-BR" dirty="0"/>
+              <a:t>N</a:t>
+            </a:r>
+          </a:p>
+        </p:txBody>
+      </p:sp>
+      <p:sp>
+        <p:nvSpPr>
+          <p:cNvPr id="43" name="CaixaDeTexto 42">
+            <a:extLst>
+              <a:ext uri="{FF2B5EF4-FFF2-40B4-BE49-F238E27FC236}">
+                <a16:creationId xmlns:a16="http://schemas.microsoft.com/office/drawing/2014/main" id="{0B3999CC-C262-EF20-322E-845F60C54B47}"/>
+              </a:ext>
+            </a:extLst>
+          </p:cNvPr>
+          <p:cNvSpPr txBox="1"/>
+          <p:nvPr/>
+        </p:nvSpPr>
+        <p:spPr>
+          <a:xfrm>
+            <a:off x="6989781" y="2448197"/>
+            <a:ext cx="1931832" cy="369332"/>
+          </a:xfrm>
+          <a:prstGeom prst="rect">
+            <a:avLst/>
+          </a:prstGeom>
+          <a:noFill/>
+        </p:spPr>
+        <p:txBody>
+          <a:bodyPr wrap="square">
+            <a:spAutoFit/>
+          </a:bodyPr>
+          <a:lstStyle/>
+          <a:p>
+            <a:r>
+              <a:rPr lang="pt-BR" dirty="0" smtClean="0"/>
+              <a:t>1</a:t>
+            </a:r>
+            <a:endParaRPr lang="pt-BR" dirty="0"/>
+          </a:p>
+        </p:txBody>
+      </p:sp>
+      <p:sp>
+        <p:nvSpPr>
+          <p:cNvPr id="44" name="CaixaDeTexto 43">
+            <a:extLst>
+              <a:ext uri="{FF2B5EF4-FFF2-40B4-BE49-F238E27FC236}">
+                <a16:creationId xmlns:a16="http://schemas.microsoft.com/office/drawing/2014/main" id="{0B3999CC-C262-EF20-322E-845F60C54B47}"/>
+              </a:ext>
+            </a:extLst>
+          </p:cNvPr>
+          <p:cNvSpPr txBox="1"/>
+          <p:nvPr/>
+        </p:nvSpPr>
+        <p:spPr>
+          <a:xfrm>
+            <a:off x="10225476" y="1063199"/>
+            <a:ext cx="1931832" cy="369332"/>
+          </a:xfrm>
+          <a:prstGeom prst="rect">
+            <a:avLst/>
+          </a:prstGeom>
+          <a:noFill/>
+        </p:spPr>
+        <p:txBody>
+          <a:bodyPr wrap="square">
+            <a:spAutoFit/>
+          </a:bodyPr>
+          <a:lstStyle/>
+          <a:p>
+            <a:r>
+              <a:rPr lang="pt-BR" dirty="0" smtClean="0"/>
+              <a:t>1</a:t>
+            </a:r>
+            <a:endParaRPr lang="pt-BR" dirty="0"/>
+          </a:p>
+        </p:txBody>
+      </p:sp>
+      <p:sp>
+        <p:nvSpPr>
+          <p:cNvPr id="45" name="CaixaDeTexto 44">
+            <a:extLst>
+              <a:ext uri="{FF2B5EF4-FFF2-40B4-BE49-F238E27FC236}">
+                <a16:creationId xmlns:a16="http://schemas.microsoft.com/office/drawing/2014/main" id="{0B3999CC-C262-EF20-322E-845F60C54B47}"/>
+              </a:ext>
+            </a:extLst>
+          </p:cNvPr>
+          <p:cNvSpPr txBox="1"/>
+          <p:nvPr/>
+        </p:nvSpPr>
+        <p:spPr>
+          <a:xfrm>
+            <a:off x="9477945" y="2290472"/>
+            <a:ext cx="1931832" cy="369332"/>
+          </a:xfrm>
+          <a:prstGeom prst="rect">
+            <a:avLst/>
+          </a:prstGeom>
+          <a:noFill/>
+        </p:spPr>
+        <p:txBody>
+          <a:bodyPr wrap="square">
+            <a:spAutoFit/>
+          </a:bodyPr>
+          <a:lstStyle/>
+          <a:p>
+            <a:r>
+              <a:rPr lang="pt-BR" dirty="0"/>
+              <a:t>N</a:t>
+            </a:r>
+          </a:p>
+        </p:txBody>
+      </p:sp>
+      <p:sp>
+        <p:nvSpPr>
+          <p:cNvPr id="46" name="CaixaDeTexto 45">
+            <a:extLst>
+              <a:ext uri="{FF2B5EF4-FFF2-40B4-BE49-F238E27FC236}">
+                <a16:creationId xmlns:a16="http://schemas.microsoft.com/office/drawing/2014/main" id="{0B3999CC-C262-EF20-322E-845F60C54B47}"/>
+              </a:ext>
+            </a:extLst>
+          </p:cNvPr>
+          <p:cNvSpPr txBox="1"/>
+          <p:nvPr/>
+        </p:nvSpPr>
+        <p:spPr>
+          <a:xfrm>
+            <a:off x="10800354" y="4925030"/>
+            <a:ext cx="1931832" cy="369332"/>
+          </a:xfrm>
+          <a:prstGeom prst="rect">
+            <a:avLst/>
+          </a:prstGeom>
+          <a:noFill/>
+        </p:spPr>
+        <p:txBody>
+          <a:bodyPr wrap="square">
+            <a:spAutoFit/>
+          </a:bodyPr>
+          <a:lstStyle/>
+          <a:p>
+            <a:r>
+              <a:rPr lang="pt-BR" dirty="0" smtClean="0"/>
+              <a:t>1</a:t>
+            </a:r>
+            <a:endParaRPr lang="pt-BR" dirty="0"/>
+          </a:p>
+        </p:txBody>
+      </p:sp>
+      <p:sp>
+        <p:nvSpPr>
+          <p:cNvPr id="47" name="CaixaDeTexto 46">
+            <a:extLst>
+              <a:ext uri="{FF2B5EF4-FFF2-40B4-BE49-F238E27FC236}">
+                <a16:creationId xmlns:a16="http://schemas.microsoft.com/office/drawing/2014/main" id="{0B3999CC-C262-EF20-322E-845F60C54B47}"/>
+              </a:ext>
+            </a:extLst>
+          </p:cNvPr>
+          <p:cNvSpPr txBox="1"/>
+          <p:nvPr/>
+        </p:nvSpPr>
+        <p:spPr>
+          <a:xfrm>
+            <a:off x="9708071" y="6103810"/>
             <a:ext cx="1931832" cy="369332"/>
           </a:xfrm>
           <a:prstGeom prst="rect">
@@ -8270,7 +9610,7 @@
                 <a16:creationId xmlns:a16="http://schemas.microsoft.com/office/drawing/2014/main" id="{8450EF29-A29A-9417-2B09-074C04064425}"/>
               </a:ext>
               <a:ext uri="{C183D7F6-B498-43B3-948B-1728B52AA6E4}">
-                <adec:decorative xmlns="" xmlns:adec="http://schemas.microsoft.com/office/drawing/2017/decorative" val="1"/>
+                <adec:decorative xmlns:adec="http://schemas.microsoft.com/office/drawing/2017/decorative" xmlns="" val="1"/>
               </a:ext>
             </a:extLst>
           </p:cNvPr>
@@ -8962,7 +10302,7 @@
                 <a16:creationId xmlns:a16="http://schemas.microsoft.com/office/drawing/2014/main" id="{8450EF29-A29A-9417-2B09-074C04064425}"/>
               </a:ext>
               <a:ext uri="{C183D7F6-B498-43B3-948B-1728B52AA6E4}">
-                <adec:decorative xmlns="" xmlns:adec="http://schemas.microsoft.com/office/drawing/2017/decorative" val="1"/>
+                <adec:decorative xmlns:adec="http://schemas.microsoft.com/office/drawing/2017/decorative" xmlns="" val="1"/>
               </a:ext>
             </a:extLst>
           </p:cNvPr>
@@ -9613,7 +10953,7 @@
                 <a16:creationId xmlns:a16="http://schemas.microsoft.com/office/drawing/2014/main" id="{5E8D3B17-7638-DFD3-18E4-8A6D611749CF}"/>
               </a:ext>
               <a:ext uri="{C183D7F6-B498-43B3-948B-1728B52AA6E4}">
-                <adec:decorative xmlns="" xmlns:adec="http://schemas.microsoft.com/office/drawing/2017/decorative" val="1"/>
+                <adec:decorative xmlns:adec="http://schemas.microsoft.com/office/drawing/2017/decorative" xmlns="" val="1"/>
               </a:ext>
             </a:extLst>
           </p:cNvPr>
@@ -9773,7 +11113,7 @@
                 <a16:creationId xmlns:a16="http://schemas.microsoft.com/office/drawing/2014/main" id="{5E8D3B17-7638-DFD3-18E4-8A6D611749CF}"/>
               </a:ext>
               <a:ext uri="{C183D7F6-B498-43B3-948B-1728B52AA6E4}">
-                <adec:decorative xmlns="" xmlns:adec="http://schemas.microsoft.com/office/drawing/2017/decorative" val="1"/>
+                <adec:decorative xmlns:adec="http://schemas.microsoft.com/office/drawing/2017/decorative" xmlns="" val="1"/>
               </a:ext>
             </a:extLst>
           </p:cNvPr>
@@ -10017,7 +11357,7 @@
                 <a16:creationId xmlns:a16="http://schemas.microsoft.com/office/drawing/2014/main" id="{5E8D3B17-7638-DFD3-18E4-8A6D611749CF}"/>
               </a:ext>
               <a:ext uri="{C183D7F6-B498-43B3-948B-1728B52AA6E4}">
-                <adec:decorative xmlns="" xmlns:adec="http://schemas.microsoft.com/office/drawing/2017/decorative" val="1"/>
+                <adec:decorative xmlns:adec="http://schemas.microsoft.com/office/drawing/2017/decorative" xmlns="" val="1"/>
               </a:ext>
             </a:extLst>
           </p:cNvPr>
@@ -10884,7 +12224,7 @@
                 <a16:creationId xmlns:a16="http://schemas.microsoft.com/office/drawing/2014/main" id="{5E8D3B17-7638-DFD3-18E4-8A6D611749CF}"/>
               </a:ext>
               <a:ext uri="{C183D7F6-B498-43B3-948B-1728B52AA6E4}">
-                <adec:decorative xmlns="" xmlns:adec="http://schemas.microsoft.com/office/drawing/2017/decorative" val="1"/>
+                <adec:decorative xmlns:adec="http://schemas.microsoft.com/office/drawing/2017/decorative" xmlns="" val="1"/>
               </a:ext>
             </a:extLst>
           </p:cNvPr>
@@ -11021,7 +12361,7 @@
             <p:ph sz="half" idx="2"/>
             <p:extLst>
               <p:ext uri="{E7BDC344-281C-4309-B0C6-D0EE65EED2A8}">
-                <p202:designPr xmlns="" xmlns:p202="http://schemas.microsoft.com/office/powerpoint/2020/02/main">
+                <p202:designPr xmlns:p202="http://schemas.microsoft.com/office/powerpoint/2020/02/main" xmlns="">
                   <p202:designTagLst>
                     <p202:designTag name="ARCH:1:CLS" val="InformationBlock"/>
                     <p202:designTag name="ARCH:1:VSVAR" val="TitledTextBox"/>
@@ -11247,7 +12587,7 @@
                 <a16:creationId xmlns:a16="http://schemas.microsoft.com/office/drawing/2014/main" id="{5E8D3B17-7638-DFD3-18E4-8A6D611749CF}"/>
               </a:ext>
               <a:ext uri="{C183D7F6-B498-43B3-948B-1728B52AA6E4}">
-                <adec:decorative xmlns="" xmlns:adec="http://schemas.microsoft.com/office/drawing/2017/decorative" val="1"/>
+                <adec:decorative xmlns:adec="http://schemas.microsoft.com/office/drawing/2017/decorative" xmlns="" val="1"/>
               </a:ext>
             </a:extLst>
           </p:cNvPr>
@@ -11456,7 +12796,7 @@
             <p:ph sz="half" idx="2"/>
             <p:extLst>
               <p:ext uri="{E7BDC344-281C-4309-B0C6-D0EE65EED2A8}">
-                <p202:designPr xmlns="" xmlns:p202="http://schemas.microsoft.com/office/powerpoint/2020/02/main">
+                <p202:designPr xmlns:p202="http://schemas.microsoft.com/office/powerpoint/2020/02/main" xmlns="">
                   <p202:designTagLst>
                     <p202:designTag name="ARCH:1:CLS" val="InformationBlock"/>
                     <p202:designTag name="ARCH:1:VSVAR" val="TitledTextBox"/>
@@ -11708,7 +13048,7 @@
                 <a16:creationId xmlns:a16="http://schemas.microsoft.com/office/drawing/2014/main" id="{5E8D3B17-7638-DFD3-18E4-8A6D611749CF}"/>
               </a:ext>
               <a:ext uri="{C183D7F6-B498-43B3-948B-1728B52AA6E4}">
-                <adec:decorative xmlns="" xmlns:adec="http://schemas.microsoft.com/office/drawing/2017/decorative" val="1"/>
+                <adec:decorative xmlns:adec="http://schemas.microsoft.com/office/drawing/2017/decorative" xmlns="" val="1"/>
               </a:ext>
             </a:extLst>
           </p:cNvPr>
@@ -11835,7 +13175,7 @@
             <p:ph sz="half" idx="2"/>
             <p:extLst>
               <p:ext uri="{E7BDC344-281C-4309-B0C6-D0EE65EED2A8}">
-                <p202:designPr xmlns="" xmlns:p202="http://schemas.microsoft.com/office/powerpoint/2020/02/main">
+                <p202:designPr xmlns:p202="http://schemas.microsoft.com/office/powerpoint/2020/02/main" xmlns="">
                   <p202:designTagLst>
                     <p202:designTag name="ARCH:1:CLS" val="InformationBlock"/>
                     <p202:designTag name="ARCH:1:VSVAR" val="TitledTextBox"/>
@@ -12152,7 +13492,7 @@
                 <a16:creationId xmlns:a16="http://schemas.microsoft.com/office/drawing/2014/main" id="{E1D40FB4-97DC-F5FF-9E7A-C10E078A1532}"/>
               </a:ext>
               <a:ext uri="{C183D7F6-B498-43B3-948B-1728B52AA6E4}">
-                <adec:decorative xmlns="" xmlns:adec="http://schemas.microsoft.com/office/drawing/2017/decorative" val="1"/>
+                <adec:decorative xmlns:adec="http://schemas.microsoft.com/office/drawing/2017/decorative" xmlns="" val="1"/>
               </a:ext>
             </a:extLst>
           </p:cNvPr>
@@ -12282,7 +13622,7 @@
             <p:ph sz="half" idx="2"/>
             <p:extLst>
               <p:ext uri="{E7BDC344-281C-4309-B0C6-D0EE65EED2A8}">
-                <p202:designPr xmlns="" xmlns:p202="http://schemas.microsoft.com/office/powerpoint/2020/02/main">
+                <p202:designPr xmlns:p202="http://schemas.microsoft.com/office/powerpoint/2020/02/main" xmlns="">
                   <p202:designTagLst>
                     <p202:designTag name="ARCH:1:CLS" val="InformationBlock"/>
                     <p202:designTag name="ARCH:1:VSVAR" val="TitledTextBox"/>
@@ -12540,7 +13880,7 @@
                 <a16:creationId xmlns:a16="http://schemas.microsoft.com/office/drawing/2014/main" id="{A51D6A68-C3BD-3399-CCA8-A7290FC8E09C}"/>
               </a:ext>
               <a:ext uri="{C183D7F6-B498-43B3-948B-1728B52AA6E4}">
-                <adec:decorative xmlns="" xmlns:adec="http://schemas.microsoft.com/office/drawing/2017/decorative" val="1"/>
+                <adec:decorative xmlns:adec="http://schemas.microsoft.com/office/drawing/2017/decorative" xmlns="" val="1"/>
               </a:ext>
             </a:extLst>
           </p:cNvPr>
@@ -12668,7 +14008,7 @@
             <p:ph sz="half" idx="2"/>
             <p:extLst>
               <p:ext uri="{E7BDC344-281C-4309-B0C6-D0EE65EED2A8}">
-                <p202:designPr xmlns="" xmlns:p202="http://schemas.microsoft.com/office/powerpoint/2020/02/main">
+                <p202:designPr xmlns:p202="http://schemas.microsoft.com/office/powerpoint/2020/02/main" xmlns="">
                   <p202:designTagLst>
                     <p202:designTag name="ARCH:1:CLS" val="InformationBlock"/>
                     <p202:designTag name="ARCH:1:VSVAR" val="TitledTextBox"/>
@@ -12926,7 +14266,7 @@
                 <a16:creationId xmlns:a16="http://schemas.microsoft.com/office/drawing/2014/main" id="{7F39A533-5E9C-439F-5CF1-06FFAB778C1F}"/>
               </a:ext>
               <a:ext uri="{C183D7F6-B498-43B3-948B-1728B52AA6E4}">
-                <adec:decorative xmlns="" xmlns:adec="http://schemas.microsoft.com/office/drawing/2017/decorative" val="1"/>
+                <adec:decorative xmlns:adec="http://schemas.microsoft.com/office/drawing/2017/decorative" xmlns="" val="1"/>
               </a:ext>
             </a:extLst>
           </p:cNvPr>
@@ -13054,7 +14394,7 @@
             <p:ph sz="half" idx="2"/>
             <p:extLst>
               <p:ext uri="{E7BDC344-281C-4309-B0C6-D0EE65EED2A8}">
-                <p202:designPr xmlns="" xmlns:p202="http://schemas.microsoft.com/office/powerpoint/2020/02/main">
+                <p202:designPr xmlns:p202="http://schemas.microsoft.com/office/powerpoint/2020/02/main" xmlns="">
                   <p202:designTagLst>
                     <p202:designTag name="ARCH:1:CLS" val="InformationBlock"/>
                     <p202:designTag name="ARCH:1:VSVAR" val="TitledTextBox"/>
@@ -13327,7 +14667,7 @@
                 <a16:creationId xmlns:a16="http://schemas.microsoft.com/office/drawing/2014/main" id="{A82A2D76-411A-C189-4AD9-642686996848}"/>
               </a:ext>
               <a:ext uri="{C183D7F6-B498-43B3-948B-1728B52AA6E4}">
-                <adec:decorative xmlns="" xmlns:adec="http://schemas.microsoft.com/office/drawing/2017/decorative" val="1"/>
+                <adec:decorative xmlns:adec="http://schemas.microsoft.com/office/drawing/2017/decorative" xmlns="" val="1"/>
               </a:ext>
             </a:extLst>
           </p:cNvPr>
@@ -13455,7 +14795,7 @@
             <p:ph sz="half" idx="2"/>
             <p:extLst>
               <p:ext uri="{E7BDC344-281C-4309-B0C6-D0EE65EED2A8}">
-                <p202:designPr xmlns="" xmlns:p202="http://schemas.microsoft.com/office/powerpoint/2020/02/main">
+                <p202:designPr xmlns:p202="http://schemas.microsoft.com/office/powerpoint/2020/02/main" xmlns="">
                   <p202:designTagLst>
                     <p202:designTag name="ARCH:1:CLS" val="InformationBlock"/>
                     <p202:designTag name="ARCH:1:VSVAR" val="TitledTextBox"/>
@@ -13716,7 +15056,7 @@
                 <a16:creationId xmlns:a16="http://schemas.microsoft.com/office/drawing/2014/main" id="{E482AA53-DA69-E258-8B64-8F8CE86FCDD4}"/>
               </a:ext>
               <a:ext uri="{C183D7F6-B498-43B3-948B-1728B52AA6E4}">
-                <adec:decorative xmlns="" xmlns:adec="http://schemas.microsoft.com/office/drawing/2017/decorative" val="1"/>
+                <adec:decorative xmlns:adec="http://schemas.microsoft.com/office/drawing/2017/decorative" xmlns="" val="1"/>
               </a:ext>
             </a:extLst>
           </p:cNvPr>
@@ -13844,7 +15184,7 @@
             <p:ph sz="half" idx="2"/>
             <p:extLst>
               <p:ext uri="{E7BDC344-281C-4309-B0C6-D0EE65EED2A8}">
-                <p202:designPr xmlns="" xmlns:p202="http://schemas.microsoft.com/office/powerpoint/2020/02/main">
+                <p202:designPr xmlns:p202="http://schemas.microsoft.com/office/powerpoint/2020/02/main" xmlns="">
                   <p202:designTagLst>
                     <p202:designTag name="ARCH:1:CLS" val="InformationBlock"/>
                     <p202:designTag name="ARCH:1:VSVAR" val="TitledTextBox"/>
@@ -14120,7 +15460,7 @@
                 <a16:creationId xmlns:a16="http://schemas.microsoft.com/office/drawing/2014/main" id="{5C27E16A-554C-D4AC-900E-AA69DDAEDE03}"/>
               </a:ext>
               <a:ext uri="{C183D7F6-B498-43B3-948B-1728B52AA6E4}">
-                <adec:decorative xmlns="" xmlns:adec="http://schemas.microsoft.com/office/drawing/2017/decorative" val="1"/>
+                <adec:decorative xmlns:adec="http://schemas.microsoft.com/office/drawing/2017/decorative" xmlns="" val="1"/>
               </a:ext>
             </a:extLst>
           </p:cNvPr>
@@ -14248,7 +15588,7 @@
             <p:ph sz="half" idx="2"/>
             <p:extLst>
               <p:ext uri="{E7BDC344-281C-4309-B0C6-D0EE65EED2A8}">
-                <p202:designPr xmlns="" xmlns:p202="http://schemas.microsoft.com/office/powerpoint/2020/02/main">
+                <p202:designPr xmlns:p202="http://schemas.microsoft.com/office/powerpoint/2020/02/main" xmlns="">
                   <p202:designTagLst>
                     <p202:designTag name="ARCH:1:CLS" val="InformationBlock"/>
                     <p202:designTag name="ARCH:1:VSVAR" val="TitledTextBox"/>

--- a/Documentacao/ModelagemSistema_TemplateInicial.pptx
+++ b/Documentacao/ModelagemSistema_TemplateInicial.pptx
@@ -5683,7 +5683,7 @@
                 <a16:creationId xmlns:a16="http://schemas.microsoft.com/office/drawing/2014/main" id="{6E448DB1-4196-18A6-15DA-C72635C1B11E}"/>
               </a:ext>
               <a:ext uri="{C183D7F6-B498-43B3-948B-1728B52AA6E4}">
-                <adec:decorative xmlns:adec="http://schemas.microsoft.com/office/drawing/2017/decorative" xmlns="" val="1"/>
+                <adec:decorative xmlns="" xmlns:adec="http://schemas.microsoft.com/office/drawing/2017/decorative" val="1"/>
               </a:ext>
             </a:extLst>
           </p:cNvPr>
@@ -5791,7 +5791,7 @@
                 <a16:creationId xmlns:a16="http://schemas.microsoft.com/office/drawing/2014/main" id="{76A10D8F-D463-70E5-239B-17AD65EF433D}"/>
               </a:ext>
               <a:ext uri="{C183D7F6-B498-43B3-948B-1728B52AA6E4}">
-                <adec:decorative xmlns:adec="http://schemas.microsoft.com/office/drawing/2017/decorative" xmlns="" val="1"/>
+                <adec:decorative xmlns="" xmlns:adec="http://schemas.microsoft.com/office/drawing/2017/decorative" val="1"/>
               </a:ext>
             </a:extLst>
           </p:cNvPr>
@@ -6252,7 +6252,7 @@
                 <a16:creationId xmlns:a16="http://schemas.microsoft.com/office/drawing/2014/main" id="{74EA76C7-8C08-E029-0E79-750B71C94A62}"/>
               </a:ext>
               <a:ext uri="{C183D7F6-B498-43B3-948B-1728B52AA6E4}">
-                <adec:decorative xmlns:adec="http://schemas.microsoft.com/office/drawing/2017/decorative" xmlns="" val="1"/>
+                <adec:decorative xmlns="" xmlns:adec="http://schemas.microsoft.com/office/drawing/2017/decorative" val="1"/>
               </a:ext>
             </a:extLst>
           </p:cNvPr>
@@ -6391,7 +6391,7 @@
             <p:ph sz="half" idx="2"/>
             <p:extLst>
               <p:ext uri="{E7BDC344-281C-4309-B0C6-D0EE65EED2A8}">
-                <p202:designPr xmlns:p202="http://schemas.microsoft.com/office/powerpoint/2020/02/main" xmlns="">
+                <p202:designPr xmlns="" xmlns:p202="http://schemas.microsoft.com/office/powerpoint/2020/02/main">
                   <p202:designTagLst>
                     <p202:designTag name="ARCH:1:CLS" val="InformationBlock"/>
                     <p202:designTag name="ARCH:1:VSVAR" val="TitledTextBox"/>
@@ -6687,7 +6687,7 @@
                 <a16:creationId xmlns:a16="http://schemas.microsoft.com/office/drawing/2014/main" id="{74EA76C7-8C08-E029-0E79-750B71C94A62}"/>
               </a:ext>
               <a:ext uri="{C183D7F6-B498-43B3-948B-1728B52AA6E4}">
-                <adec:decorative xmlns:adec="http://schemas.microsoft.com/office/drawing/2017/decorative" xmlns="" val="1"/>
+                <adec:decorative xmlns="" xmlns:adec="http://schemas.microsoft.com/office/drawing/2017/decorative" val="1"/>
               </a:ext>
             </a:extLst>
           </p:cNvPr>
@@ -7448,7 +7448,7 @@
                 <a16:creationId xmlns:a16="http://schemas.microsoft.com/office/drawing/2014/main" id="{5E8D3B17-7638-DFD3-18E4-8A6D611749CF}"/>
               </a:ext>
               <a:ext uri="{C183D7F6-B498-43B3-948B-1728B52AA6E4}">
-                <adec:decorative xmlns:adec="http://schemas.microsoft.com/office/drawing/2017/decorative" xmlns="" val="1"/>
+                <adec:decorative xmlns="" xmlns:adec="http://schemas.microsoft.com/office/drawing/2017/decorative" val="1"/>
               </a:ext>
             </a:extLst>
           </p:cNvPr>
@@ -7883,7 +7883,7 @@
                 <a16:creationId xmlns:a16="http://schemas.microsoft.com/office/drawing/2014/main" id="{B8ADE68D-5E75-5D63-4B8C-6BEFCE9D06E3}"/>
               </a:ext>
               <a:ext uri="{C183D7F6-B498-43B3-948B-1728B52AA6E4}">
-                <adec:decorative xmlns:adec="http://schemas.microsoft.com/office/drawing/2017/decorative" xmlns="" val="1"/>
+                <adec:decorative xmlns="" xmlns:adec="http://schemas.microsoft.com/office/drawing/2017/decorative" val="1"/>
               </a:ext>
             </a:extLst>
           </p:cNvPr>
@@ -8013,7 +8013,7 @@
         </p:nvSpPr>
         <p:spPr>
           <a:xfrm>
-            <a:off x="3442951" y="4073931"/>
+            <a:off x="3318773" y="4037373"/>
             <a:ext cx="2424448" cy="888642"/>
           </a:xfrm>
           <a:prstGeom prst="rect">
@@ -8062,7 +8062,7 @@
         </p:nvSpPr>
         <p:spPr>
           <a:xfrm>
-            <a:off x="1207393" y="1775057"/>
+            <a:off x="1083215" y="1738499"/>
             <a:ext cx="1687133" cy="888642"/>
           </a:xfrm>
           <a:prstGeom prst="rect">
@@ -8111,7 +8111,7 @@
         </p:nvSpPr>
         <p:spPr>
           <a:xfrm>
-            <a:off x="1658156" y="4194300"/>
+            <a:off x="1533978" y="4157742"/>
             <a:ext cx="785611" cy="647904"/>
           </a:xfrm>
           <a:prstGeom prst="diamond">
@@ -8160,7 +8160,7 @@
         </p:nvCxnSpPr>
         <p:spPr>
           <a:xfrm>
-            <a:off x="2443767" y="4518252"/>
+            <a:off x="2319589" y="4481694"/>
             <a:ext cx="999184" cy="0"/>
           </a:xfrm>
           <a:prstGeom prst="straightConnector1">
@@ -8199,7 +8199,7 @@
         </p:nvCxnSpPr>
         <p:spPr>
           <a:xfrm flipH="1" flipV="1">
-            <a:off x="2050960" y="2678189"/>
+            <a:off x="1926782" y="2641631"/>
             <a:ext cx="1" cy="1501621"/>
           </a:xfrm>
           <a:prstGeom prst="line">
@@ -8235,7 +8235,7 @@
         </p:nvSpPr>
         <p:spPr>
           <a:xfrm>
-            <a:off x="1267494" y="2722897"/>
+            <a:off x="1143316" y="2686339"/>
             <a:ext cx="1931832" cy="369332"/>
           </a:xfrm>
           <a:prstGeom prst="rect">
@@ -8271,7 +8271,7 @@
         </p:nvSpPr>
         <p:spPr>
           <a:xfrm>
-            <a:off x="2807056" y="4657538"/>
+            <a:off x="2682878" y="4620980"/>
             <a:ext cx="1931832" cy="369332"/>
           </a:xfrm>
           <a:prstGeom prst="rect">
@@ -8306,7 +8306,7 @@
         </p:nvSpPr>
         <p:spPr>
           <a:xfrm>
-            <a:off x="7325791" y="2296594"/>
+            <a:off x="7201613" y="2260036"/>
             <a:ext cx="2190742" cy="888642"/>
           </a:xfrm>
           <a:prstGeom prst="rect">
@@ -8356,7 +8356,7 @@
         </p:nvSpPr>
         <p:spPr>
           <a:xfrm>
-            <a:off x="7506662" y="5748917"/>
+            <a:off x="7382484" y="5712359"/>
             <a:ext cx="2226656" cy="888642"/>
           </a:xfrm>
           <a:prstGeom prst="rect">
@@ -8406,7 +8406,7 @@
         </p:nvSpPr>
         <p:spPr>
           <a:xfrm>
-            <a:off x="3509353" y="2278576"/>
+            <a:off x="3385175" y="2242018"/>
             <a:ext cx="2358046" cy="888642"/>
           </a:xfrm>
           <a:prstGeom prst="rect">
@@ -8456,7 +8456,7 @@
         </p:nvSpPr>
         <p:spPr>
           <a:xfrm>
-            <a:off x="9206363" y="201028"/>
+            <a:off x="9082185" y="164470"/>
             <a:ext cx="2190742" cy="888642"/>
           </a:xfrm>
           <a:prstGeom prst="rect">
@@ -8556,7 +8556,7 @@
         </p:nvSpPr>
         <p:spPr>
           <a:xfrm>
-            <a:off x="9581212" y="3953562"/>
+            <a:off x="9457034" y="3917004"/>
             <a:ext cx="2226656" cy="888642"/>
           </a:xfrm>
           <a:prstGeom prst="rect">
@@ -8606,7 +8606,7 @@
         </p:nvSpPr>
         <p:spPr>
           <a:xfrm>
-            <a:off x="4262369" y="5131559"/>
+            <a:off x="4138191" y="5095001"/>
             <a:ext cx="785611" cy="647904"/>
           </a:xfrm>
           <a:prstGeom prst="diamond">
@@ -8652,7 +8652,7 @@
         </p:nvSpPr>
         <p:spPr>
           <a:xfrm>
-            <a:off x="6254858" y="5989655"/>
+            <a:off x="6130680" y="5953097"/>
             <a:ext cx="785611" cy="647904"/>
           </a:xfrm>
           <a:prstGeom prst="diamond">
@@ -8698,7 +8698,7 @@
         </p:nvSpPr>
         <p:spPr>
           <a:xfrm>
-            <a:off x="10301734" y="5612760"/>
+            <a:off x="10177556" y="5576202"/>
             <a:ext cx="785611" cy="647904"/>
           </a:xfrm>
           <a:prstGeom prst="diamond">
@@ -8744,7 +8744,7 @@
         </p:nvSpPr>
         <p:spPr>
           <a:xfrm>
-            <a:off x="10160575" y="2354237"/>
+            <a:off x="10036397" y="2317679"/>
             <a:ext cx="785611" cy="647904"/>
           </a:xfrm>
           <a:prstGeom prst="diamond">
@@ -8790,7 +8790,7 @@
         </p:nvSpPr>
         <p:spPr>
           <a:xfrm>
-            <a:off x="6060807" y="2416963"/>
+            <a:off x="5936629" y="2380405"/>
             <a:ext cx="785611" cy="647904"/>
           </a:xfrm>
           <a:prstGeom prst="diamond">
@@ -8836,7 +8836,7 @@
         </p:nvCxnSpPr>
         <p:spPr>
           <a:xfrm flipV="1">
-            <a:off x="5846701" y="2749793"/>
+            <a:off x="5722523" y="2713235"/>
             <a:ext cx="1601924" cy="1"/>
           </a:xfrm>
           <a:prstGeom prst="line">
@@ -8872,7 +8872,7 @@
         </p:nvCxnSpPr>
         <p:spPr>
           <a:xfrm flipV="1">
-            <a:off x="5723867" y="6313607"/>
+            <a:off x="5599689" y="6277049"/>
             <a:ext cx="1782795" cy="2"/>
           </a:xfrm>
           <a:prstGeom prst="line">
@@ -8908,7 +8908,7 @@
         </p:nvCxnSpPr>
         <p:spPr>
           <a:xfrm flipV="1">
-            <a:off x="9017559" y="6064918"/>
+            <a:off x="8893381" y="6028360"/>
             <a:ext cx="1782795" cy="2"/>
           </a:xfrm>
           <a:prstGeom prst="line">
@@ -8944,7 +8944,7 @@
         </p:nvCxnSpPr>
         <p:spPr>
           <a:xfrm flipH="1" flipV="1">
-            <a:off x="10673987" y="4364412"/>
+            <a:off x="10549809" y="4327854"/>
             <a:ext cx="1" cy="1501621"/>
           </a:xfrm>
           <a:prstGeom prst="line">
@@ -8982,7 +8982,7 @@
         </p:nvCxnSpPr>
         <p:spPr>
           <a:xfrm flipV="1">
-            <a:off x="10553381" y="1127717"/>
+            <a:off x="10429203" y="1091159"/>
             <a:ext cx="0" cy="1874424"/>
           </a:xfrm>
           <a:prstGeom prst="line">
@@ -9018,7 +9018,7 @@
         </p:nvCxnSpPr>
         <p:spPr>
           <a:xfrm flipV="1">
-            <a:off x="8958309" y="2693046"/>
+            <a:off x="8834131" y="2656488"/>
             <a:ext cx="1601924" cy="1"/>
           </a:xfrm>
           <a:prstGeom prst="line">
@@ -9054,7 +9054,7 @@
         </p:nvSpPr>
         <p:spPr>
           <a:xfrm>
-            <a:off x="4262369" y="3296622"/>
+            <a:off x="4138191" y="3260064"/>
             <a:ext cx="785611" cy="647904"/>
           </a:xfrm>
           <a:prstGeom prst="diamond">
@@ -9100,7 +9100,7 @@
         </p:nvCxnSpPr>
         <p:spPr>
           <a:xfrm flipH="1" flipV="1">
-            <a:off x="4637567" y="2722897"/>
+            <a:off x="4513389" y="2686339"/>
             <a:ext cx="6853" cy="3096803"/>
           </a:xfrm>
           <a:prstGeom prst="line">
@@ -9136,7 +9136,7 @@
         </p:nvSpPr>
         <p:spPr>
           <a:xfrm>
-            <a:off x="5001636" y="5496701"/>
+            <a:off x="4877458" y="5460143"/>
             <a:ext cx="1931832" cy="369332"/>
           </a:xfrm>
           <a:prstGeom prst="rect">
@@ -9171,7 +9171,7 @@
         </p:nvSpPr>
         <p:spPr>
           <a:xfrm>
-            <a:off x="4963235" y="4952310"/>
+            <a:off x="4839057" y="4915752"/>
             <a:ext cx="1931832" cy="369332"/>
           </a:xfrm>
           <a:prstGeom prst="rect">
@@ -9207,7 +9207,7 @@
         </p:nvSpPr>
         <p:spPr>
           <a:xfrm>
-            <a:off x="4984861" y="3777427"/>
+            <a:off x="4860683" y="3740869"/>
             <a:ext cx="1931832" cy="369332"/>
           </a:xfrm>
           <a:prstGeom prst="rect">
@@ -9243,7 +9243,7 @@
         </p:nvSpPr>
         <p:spPr>
           <a:xfrm>
-            <a:off x="4868282" y="3210052"/>
+            <a:off x="4744104" y="3173494"/>
             <a:ext cx="1931832" cy="369332"/>
           </a:xfrm>
           <a:prstGeom prst="rect">
@@ -9278,7 +9278,7 @@
         </p:nvSpPr>
         <p:spPr>
           <a:xfrm>
-            <a:off x="7119778" y="5931624"/>
+            <a:off x="6995600" y="5895066"/>
             <a:ext cx="1931832" cy="369332"/>
           </a:xfrm>
           <a:prstGeom prst="rect">
@@ -9314,7 +9314,7 @@
         </p:nvSpPr>
         <p:spPr>
           <a:xfrm>
-            <a:off x="5846701" y="5979716"/>
+            <a:off x="5722523" y="5943158"/>
             <a:ext cx="1931832" cy="369332"/>
           </a:xfrm>
           <a:prstGeom prst="rect">
@@ -9349,7 +9349,7 @@
         </p:nvSpPr>
         <p:spPr>
           <a:xfrm>
-            <a:off x="5846701" y="2408153"/>
+            <a:off x="5722523" y="2371595"/>
             <a:ext cx="1931832" cy="369332"/>
           </a:xfrm>
           <a:prstGeom prst="rect">
@@ -9384,7 +9384,7 @@
         </p:nvSpPr>
         <p:spPr>
           <a:xfrm>
-            <a:off x="6989781" y="2448197"/>
+            <a:off x="6865603" y="2411639"/>
             <a:ext cx="1931832" cy="369332"/>
           </a:xfrm>
           <a:prstGeom prst="rect">
@@ -9420,7 +9420,7 @@
         </p:nvSpPr>
         <p:spPr>
           <a:xfrm>
-            <a:off x="10225476" y="1063199"/>
+            <a:off x="10101298" y="1026641"/>
             <a:ext cx="1931832" cy="369332"/>
           </a:xfrm>
           <a:prstGeom prst="rect">
@@ -9456,7 +9456,7 @@
         </p:nvSpPr>
         <p:spPr>
           <a:xfrm>
-            <a:off x="9477945" y="2290472"/>
+            <a:off x="9353767" y="2253914"/>
             <a:ext cx="1931832" cy="369332"/>
           </a:xfrm>
           <a:prstGeom prst="rect">
@@ -9527,7 +9527,7 @@
         </p:nvSpPr>
         <p:spPr>
           <a:xfrm>
-            <a:off x="9708071" y="6103810"/>
+            <a:off x="9583893" y="6067252"/>
             <a:ext cx="1931832" cy="369332"/>
           </a:xfrm>
           <a:prstGeom prst="rect">
@@ -9610,7 +9610,7 @@
                 <a16:creationId xmlns:a16="http://schemas.microsoft.com/office/drawing/2014/main" id="{8450EF29-A29A-9417-2B09-074C04064425}"/>
               </a:ext>
               <a:ext uri="{C183D7F6-B498-43B3-948B-1728B52AA6E4}">
-                <adec:decorative xmlns:adec="http://schemas.microsoft.com/office/drawing/2017/decorative" xmlns="" val="1"/>
+                <adec:decorative xmlns="" xmlns:adec="http://schemas.microsoft.com/office/drawing/2017/decorative" val="1"/>
               </a:ext>
             </a:extLst>
           </p:cNvPr>
@@ -10302,7 +10302,7 @@
                 <a16:creationId xmlns:a16="http://schemas.microsoft.com/office/drawing/2014/main" id="{8450EF29-A29A-9417-2B09-074C04064425}"/>
               </a:ext>
               <a:ext uri="{C183D7F6-B498-43B3-948B-1728B52AA6E4}">
-                <adec:decorative xmlns:adec="http://schemas.microsoft.com/office/drawing/2017/decorative" xmlns="" val="1"/>
+                <adec:decorative xmlns="" xmlns:adec="http://schemas.microsoft.com/office/drawing/2017/decorative" val="1"/>
               </a:ext>
             </a:extLst>
           </p:cNvPr>
@@ -10953,7 +10953,7 @@
                 <a16:creationId xmlns:a16="http://schemas.microsoft.com/office/drawing/2014/main" id="{5E8D3B17-7638-DFD3-18E4-8A6D611749CF}"/>
               </a:ext>
               <a:ext uri="{C183D7F6-B498-43B3-948B-1728B52AA6E4}">
-                <adec:decorative xmlns:adec="http://schemas.microsoft.com/office/drawing/2017/decorative" xmlns="" val="1"/>
+                <adec:decorative xmlns="" xmlns:adec="http://schemas.microsoft.com/office/drawing/2017/decorative" val="1"/>
               </a:ext>
             </a:extLst>
           </p:cNvPr>
@@ -11113,7 +11113,7 @@
                 <a16:creationId xmlns:a16="http://schemas.microsoft.com/office/drawing/2014/main" id="{5E8D3B17-7638-DFD3-18E4-8A6D611749CF}"/>
               </a:ext>
               <a:ext uri="{C183D7F6-B498-43B3-948B-1728B52AA6E4}">
-                <adec:decorative xmlns:adec="http://schemas.microsoft.com/office/drawing/2017/decorative" xmlns="" val="1"/>
+                <adec:decorative xmlns="" xmlns:adec="http://schemas.microsoft.com/office/drawing/2017/decorative" val="1"/>
               </a:ext>
             </a:extLst>
           </p:cNvPr>
@@ -11357,7 +11357,7 @@
                 <a16:creationId xmlns:a16="http://schemas.microsoft.com/office/drawing/2014/main" id="{5E8D3B17-7638-DFD3-18E4-8A6D611749CF}"/>
               </a:ext>
               <a:ext uri="{C183D7F6-B498-43B3-948B-1728B52AA6E4}">
-                <adec:decorative xmlns:adec="http://schemas.microsoft.com/office/drawing/2017/decorative" xmlns="" val="1"/>
+                <adec:decorative xmlns="" xmlns:adec="http://schemas.microsoft.com/office/drawing/2017/decorative" val="1"/>
               </a:ext>
             </a:extLst>
           </p:cNvPr>
@@ -12224,7 +12224,7 @@
                 <a16:creationId xmlns:a16="http://schemas.microsoft.com/office/drawing/2014/main" id="{5E8D3B17-7638-DFD3-18E4-8A6D611749CF}"/>
               </a:ext>
               <a:ext uri="{C183D7F6-B498-43B3-948B-1728B52AA6E4}">
-                <adec:decorative xmlns:adec="http://schemas.microsoft.com/office/drawing/2017/decorative" xmlns="" val="1"/>
+                <adec:decorative xmlns="" xmlns:adec="http://schemas.microsoft.com/office/drawing/2017/decorative" val="1"/>
               </a:ext>
             </a:extLst>
           </p:cNvPr>
@@ -12361,7 +12361,7 @@
             <p:ph sz="half" idx="2"/>
             <p:extLst>
               <p:ext uri="{E7BDC344-281C-4309-B0C6-D0EE65EED2A8}">
-                <p202:designPr xmlns:p202="http://schemas.microsoft.com/office/powerpoint/2020/02/main" xmlns="">
+                <p202:designPr xmlns="" xmlns:p202="http://schemas.microsoft.com/office/powerpoint/2020/02/main">
                   <p202:designTagLst>
                     <p202:designTag name="ARCH:1:CLS" val="InformationBlock"/>
                     <p202:designTag name="ARCH:1:VSVAR" val="TitledTextBox"/>
@@ -12587,7 +12587,7 @@
                 <a16:creationId xmlns:a16="http://schemas.microsoft.com/office/drawing/2014/main" id="{5E8D3B17-7638-DFD3-18E4-8A6D611749CF}"/>
               </a:ext>
               <a:ext uri="{C183D7F6-B498-43B3-948B-1728B52AA6E4}">
-                <adec:decorative xmlns:adec="http://schemas.microsoft.com/office/drawing/2017/decorative" xmlns="" val="1"/>
+                <adec:decorative xmlns="" xmlns:adec="http://schemas.microsoft.com/office/drawing/2017/decorative" val="1"/>
               </a:ext>
             </a:extLst>
           </p:cNvPr>
@@ -12796,7 +12796,7 @@
             <p:ph sz="half" idx="2"/>
             <p:extLst>
               <p:ext uri="{E7BDC344-281C-4309-B0C6-D0EE65EED2A8}">
-                <p202:designPr xmlns:p202="http://schemas.microsoft.com/office/powerpoint/2020/02/main" xmlns="">
+                <p202:designPr xmlns="" xmlns:p202="http://schemas.microsoft.com/office/powerpoint/2020/02/main">
                   <p202:designTagLst>
                     <p202:designTag name="ARCH:1:CLS" val="InformationBlock"/>
                     <p202:designTag name="ARCH:1:VSVAR" val="TitledTextBox"/>
@@ -13048,7 +13048,7 @@
                 <a16:creationId xmlns:a16="http://schemas.microsoft.com/office/drawing/2014/main" id="{5E8D3B17-7638-DFD3-18E4-8A6D611749CF}"/>
               </a:ext>
               <a:ext uri="{C183D7F6-B498-43B3-948B-1728B52AA6E4}">
-                <adec:decorative xmlns:adec="http://schemas.microsoft.com/office/drawing/2017/decorative" xmlns="" val="1"/>
+                <adec:decorative xmlns="" xmlns:adec="http://schemas.microsoft.com/office/drawing/2017/decorative" val="1"/>
               </a:ext>
             </a:extLst>
           </p:cNvPr>
@@ -13175,7 +13175,7 @@
             <p:ph sz="half" idx="2"/>
             <p:extLst>
               <p:ext uri="{E7BDC344-281C-4309-B0C6-D0EE65EED2A8}">
-                <p202:designPr xmlns:p202="http://schemas.microsoft.com/office/powerpoint/2020/02/main" xmlns="">
+                <p202:designPr xmlns="" xmlns:p202="http://schemas.microsoft.com/office/powerpoint/2020/02/main">
                   <p202:designTagLst>
                     <p202:designTag name="ARCH:1:CLS" val="InformationBlock"/>
                     <p202:designTag name="ARCH:1:VSVAR" val="TitledTextBox"/>
@@ -13492,7 +13492,7 @@
                 <a16:creationId xmlns:a16="http://schemas.microsoft.com/office/drawing/2014/main" id="{E1D40FB4-97DC-F5FF-9E7A-C10E078A1532}"/>
               </a:ext>
               <a:ext uri="{C183D7F6-B498-43B3-948B-1728B52AA6E4}">
-                <adec:decorative xmlns:adec="http://schemas.microsoft.com/office/drawing/2017/decorative" xmlns="" val="1"/>
+                <adec:decorative xmlns="" xmlns:adec="http://schemas.microsoft.com/office/drawing/2017/decorative" val="1"/>
               </a:ext>
             </a:extLst>
           </p:cNvPr>
@@ -13622,7 +13622,7 @@
             <p:ph sz="half" idx="2"/>
             <p:extLst>
               <p:ext uri="{E7BDC344-281C-4309-B0C6-D0EE65EED2A8}">
-                <p202:designPr xmlns:p202="http://schemas.microsoft.com/office/powerpoint/2020/02/main" xmlns="">
+                <p202:designPr xmlns="" xmlns:p202="http://schemas.microsoft.com/office/powerpoint/2020/02/main">
                   <p202:designTagLst>
                     <p202:designTag name="ARCH:1:CLS" val="InformationBlock"/>
                     <p202:designTag name="ARCH:1:VSVAR" val="TitledTextBox"/>
@@ -13880,7 +13880,7 @@
                 <a16:creationId xmlns:a16="http://schemas.microsoft.com/office/drawing/2014/main" id="{A51D6A68-C3BD-3399-CCA8-A7290FC8E09C}"/>
               </a:ext>
               <a:ext uri="{C183D7F6-B498-43B3-948B-1728B52AA6E4}">
-                <adec:decorative xmlns:adec="http://schemas.microsoft.com/office/drawing/2017/decorative" xmlns="" val="1"/>
+                <adec:decorative xmlns="" xmlns:adec="http://schemas.microsoft.com/office/drawing/2017/decorative" val="1"/>
               </a:ext>
             </a:extLst>
           </p:cNvPr>
@@ -14008,7 +14008,7 @@
             <p:ph sz="half" idx="2"/>
             <p:extLst>
               <p:ext uri="{E7BDC344-281C-4309-B0C6-D0EE65EED2A8}">
-                <p202:designPr xmlns:p202="http://schemas.microsoft.com/office/powerpoint/2020/02/main" xmlns="">
+                <p202:designPr xmlns="" xmlns:p202="http://schemas.microsoft.com/office/powerpoint/2020/02/main">
                   <p202:designTagLst>
                     <p202:designTag name="ARCH:1:CLS" val="InformationBlock"/>
                     <p202:designTag name="ARCH:1:VSVAR" val="TitledTextBox"/>
@@ -14266,7 +14266,7 @@
                 <a16:creationId xmlns:a16="http://schemas.microsoft.com/office/drawing/2014/main" id="{7F39A533-5E9C-439F-5CF1-06FFAB778C1F}"/>
               </a:ext>
               <a:ext uri="{C183D7F6-B498-43B3-948B-1728B52AA6E4}">
-                <adec:decorative xmlns:adec="http://schemas.microsoft.com/office/drawing/2017/decorative" xmlns="" val="1"/>
+                <adec:decorative xmlns="" xmlns:adec="http://schemas.microsoft.com/office/drawing/2017/decorative" val="1"/>
               </a:ext>
             </a:extLst>
           </p:cNvPr>
@@ -14394,7 +14394,7 @@
             <p:ph sz="half" idx="2"/>
             <p:extLst>
               <p:ext uri="{E7BDC344-281C-4309-B0C6-D0EE65EED2A8}">
-                <p202:designPr xmlns:p202="http://schemas.microsoft.com/office/powerpoint/2020/02/main" xmlns="">
+                <p202:designPr xmlns="" xmlns:p202="http://schemas.microsoft.com/office/powerpoint/2020/02/main">
                   <p202:designTagLst>
                     <p202:designTag name="ARCH:1:CLS" val="InformationBlock"/>
                     <p202:designTag name="ARCH:1:VSVAR" val="TitledTextBox"/>
@@ -14667,7 +14667,7 @@
                 <a16:creationId xmlns:a16="http://schemas.microsoft.com/office/drawing/2014/main" id="{A82A2D76-411A-C189-4AD9-642686996848}"/>
               </a:ext>
               <a:ext uri="{C183D7F6-B498-43B3-948B-1728B52AA6E4}">
-                <adec:decorative xmlns:adec="http://schemas.microsoft.com/office/drawing/2017/decorative" xmlns="" val="1"/>
+                <adec:decorative xmlns="" xmlns:adec="http://schemas.microsoft.com/office/drawing/2017/decorative" val="1"/>
               </a:ext>
             </a:extLst>
           </p:cNvPr>
@@ -14795,7 +14795,7 @@
             <p:ph sz="half" idx="2"/>
             <p:extLst>
               <p:ext uri="{E7BDC344-281C-4309-B0C6-D0EE65EED2A8}">
-                <p202:designPr xmlns:p202="http://schemas.microsoft.com/office/powerpoint/2020/02/main" xmlns="">
+                <p202:designPr xmlns="" xmlns:p202="http://schemas.microsoft.com/office/powerpoint/2020/02/main">
                   <p202:designTagLst>
                     <p202:designTag name="ARCH:1:CLS" val="InformationBlock"/>
                     <p202:designTag name="ARCH:1:VSVAR" val="TitledTextBox"/>
@@ -15056,7 +15056,7 @@
                 <a16:creationId xmlns:a16="http://schemas.microsoft.com/office/drawing/2014/main" id="{E482AA53-DA69-E258-8B64-8F8CE86FCDD4}"/>
               </a:ext>
               <a:ext uri="{C183D7F6-B498-43B3-948B-1728B52AA6E4}">
-                <adec:decorative xmlns:adec="http://schemas.microsoft.com/office/drawing/2017/decorative" xmlns="" val="1"/>
+                <adec:decorative xmlns="" xmlns:adec="http://schemas.microsoft.com/office/drawing/2017/decorative" val="1"/>
               </a:ext>
             </a:extLst>
           </p:cNvPr>
@@ -15184,7 +15184,7 @@
             <p:ph sz="half" idx="2"/>
             <p:extLst>
               <p:ext uri="{E7BDC344-281C-4309-B0C6-D0EE65EED2A8}">
-                <p202:designPr xmlns:p202="http://schemas.microsoft.com/office/powerpoint/2020/02/main" xmlns="">
+                <p202:designPr xmlns="" xmlns:p202="http://schemas.microsoft.com/office/powerpoint/2020/02/main">
                   <p202:designTagLst>
                     <p202:designTag name="ARCH:1:CLS" val="InformationBlock"/>
                     <p202:designTag name="ARCH:1:VSVAR" val="TitledTextBox"/>
@@ -15460,7 +15460,7 @@
                 <a16:creationId xmlns:a16="http://schemas.microsoft.com/office/drawing/2014/main" id="{5C27E16A-554C-D4AC-900E-AA69DDAEDE03}"/>
               </a:ext>
               <a:ext uri="{C183D7F6-B498-43B3-948B-1728B52AA6E4}">
-                <adec:decorative xmlns:adec="http://schemas.microsoft.com/office/drawing/2017/decorative" xmlns="" val="1"/>
+                <adec:decorative xmlns="" xmlns:adec="http://schemas.microsoft.com/office/drawing/2017/decorative" val="1"/>
               </a:ext>
             </a:extLst>
           </p:cNvPr>
@@ -15588,7 +15588,7 @@
             <p:ph sz="half" idx="2"/>
             <p:extLst>
               <p:ext uri="{E7BDC344-281C-4309-B0C6-D0EE65EED2A8}">
-                <p202:designPr xmlns:p202="http://schemas.microsoft.com/office/powerpoint/2020/02/main" xmlns="">
+                <p202:designPr xmlns="" xmlns:p202="http://schemas.microsoft.com/office/powerpoint/2020/02/main">
                   <p202:designTagLst>
                     <p202:designTag name="ARCH:1:CLS" val="InformationBlock"/>
                     <p202:designTag name="ARCH:1:VSVAR" val="TitledTextBox"/>

--- a/Documentacao/ModelagemSistema_TemplateInicial.pptx
+++ b/Documentacao/ModelagemSistema_TemplateInicial.pptx
@@ -5,7 +5,7 @@
     <p:sldMasterId id="2147483660" r:id="rId1"/>
   </p:sldMasterIdLst>
   <p:notesMasterIdLst>
-    <p:notesMasterId r:id="rId21"/>
+    <p:notesMasterId r:id="rId23"/>
   </p:notesMasterIdLst>
   <p:sldIdLst>
     <p:sldId id="2561" r:id="rId2"/>
@@ -26,7 +26,9 @@
     <p:sldId id="2567" r:id="rId17"/>
     <p:sldId id="2568" r:id="rId18"/>
     <p:sldId id="2586" r:id="rId19"/>
-    <p:sldId id="2569" r:id="rId20"/>
+    <p:sldId id="2589" r:id="rId20"/>
+    <p:sldId id="2588" r:id="rId21"/>
+    <p:sldId id="2569" r:id="rId22"/>
   </p:sldIdLst>
   <p:sldSz cx="12192000" cy="6858000"/>
   <p:notesSz cx="6858000" cy="9144000"/>
@@ -215,7 +217,7 @@
           <a:p>
             <a:fld id="{93DDA81E-B6DD-4CA0-9C2D-B0C27B95DC2C}" type="datetimeFigureOut">
               <a:rPr lang="pt-BR" smtClean="0"/>
-              <a:t>24/01/2025</a:t>
+              <a:t>25/01/2025</a:t>
             </a:fld>
             <a:endParaRPr lang="pt-BR"/>
           </a:p>
@@ -1521,7 +1523,7 @@
           <a:p>
             <a:r>
               <a:rPr lang="pt-BR"/>
-              <a:t>Os requisitos não funcionais definem as características do sistema, como desempenho, segurança e usabilidade. Neste slide, discutiremos os principais requisitos não funcionais que o sistema deve atender.</a:t>
+              <a:t>Aqui, detalharemos alguns exemplos de requisitos funcionais, como 'O sistema deve permitir que o usuário faça login com credenciais válidas' e 'O sistema deve gerar relatórios mensais de vendas'. Estes requisitos são cruciais para orientar o desenvolvimento do sistema.</a:t>
             </a:r>
           </a:p>
         </p:txBody>
@@ -1552,7 +1554,7 @@
     </p:spTree>
     <p:extLst>
       <p:ext uri="{BB962C8B-B14F-4D97-AF65-F5344CB8AC3E}">
-        <p14:creationId xmlns:p14="http://schemas.microsoft.com/office/powerpoint/2010/main" val="3553580278"/>
+        <p14:creationId xmlns:p14="http://schemas.microsoft.com/office/powerpoint/2010/main" val="3040480131"/>
       </p:ext>
     </p:extLst>
   </p:cSld>
@@ -1640,6 +1642,180 @@
     <p:extLst>
       <p:ext uri="{BB962C8B-B14F-4D97-AF65-F5344CB8AC3E}">
         <p14:creationId xmlns:p14="http://schemas.microsoft.com/office/powerpoint/2010/main" val="1972842961"/>
+      </p:ext>
+    </p:extLst>
+  </p:cSld>
+  <p:clrMapOvr>
+    <a:masterClrMapping/>
+  </p:clrMapOvr>
+</p:notes>
+</file>
+
+<file path=ppt/notesSlides/notesSlide20.xml><?xml version="1.0" encoding="utf-8"?>
+<p:notes xmlns:a="http://schemas.openxmlformats.org/drawingml/2006/main" xmlns:r="http://schemas.openxmlformats.org/officeDocument/2006/relationships" xmlns:p="http://schemas.openxmlformats.org/presentationml/2006/main">
+  <p:cSld>
+    <p:spTree>
+      <p:nvGrpSpPr>
+        <p:cNvPr id="1" name=""/>
+        <p:cNvGrpSpPr/>
+        <p:nvPr/>
+      </p:nvGrpSpPr>
+      <p:grpSpPr>
+        <a:xfrm>
+          <a:off x="0" y="0"/>
+          <a:ext cx="0" cy="0"/>
+          <a:chOff x="0" y="0"/>
+          <a:chExt cx="0" cy="0"/>
+        </a:xfrm>
+      </p:grpSpPr>
+      <p:sp>
+        <p:nvSpPr>
+          <p:cNvPr id="2" name="Espaço Reservado para Imagem de Slide 1"/>
+          <p:cNvSpPr>
+            <a:spLocks noGrp="1" noRot="1" noChangeAspect="1"/>
+          </p:cNvSpPr>
+          <p:nvPr>
+            <p:ph type="sldImg"/>
+          </p:nvPr>
+        </p:nvSpPr>
+        <p:spPr/>
+      </p:sp>
+      <p:sp>
+        <p:nvSpPr>
+          <p:cNvPr id="3" name="Espaço Reservado para Anotações 2"/>
+          <p:cNvSpPr>
+            <a:spLocks noGrp="1"/>
+          </p:cNvSpPr>
+          <p:nvPr>
+            <p:ph type="body" idx="1"/>
+          </p:nvPr>
+        </p:nvSpPr>
+        <p:spPr/>
+        <p:txBody>
+          <a:bodyPr/>
+          <a:lstStyle/>
+          <a:p>
+            <a:r>
+              <a:rPr lang="pt-BR"/>
+              <a:t>Aqui, detalharemos alguns exemplos de requisitos funcionais, como 'O sistema deve permitir que o usuário faça login com credenciais válidas' e 'O sistema deve gerar relatórios mensais de vendas'. Estes requisitos são cruciais para orientar o desenvolvimento do sistema.</a:t>
+            </a:r>
+          </a:p>
+        </p:txBody>
+      </p:sp>
+      <p:sp>
+        <p:nvSpPr>
+          <p:cNvPr id="4" name="Espaço Reservado para Número de Slide 3"/>
+          <p:cNvSpPr>
+            <a:spLocks noGrp="1"/>
+          </p:cNvSpPr>
+          <p:nvPr>
+            <p:ph type="sldNum" sz="quarter" idx="5"/>
+          </p:nvPr>
+        </p:nvSpPr>
+        <p:spPr/>
+        <p:txBody>
+          <a:bodyPr/>
+          <a:lstStyle/>
+          <a:p>
+            <a:fld id="{92E3E85D-1FC8-4645-A278-0F485466CD94}" type="slidenum">
+              <a:rPr lang="pt-BR" smtClean="0"/>
+              <a:t>20</a:t>
+            </a:fld>
+            <a:endParaRPr lang="pt-BR"/>
+          </a:p>
+        </p:txBody>
+      </p:sp>
+    </p:spTree>
+    <p:extLst>
+      <p:ext uri="{BB962C8B-B14F-4D97-AF65-F5344CB8AC3E}">
+        <p14:creationId xmlns:p14="http://schemas.microsoft.com/office/powerpoint/2010/main" val="68550778"/>
+      </p:ext>
+    </p:extLst>
+  </p:cSld>
+  <p:clrMapOvr>
+    <a:masterClrMapping/>
+  </p:clrMapOvr>
+</p:notes>
+</file>
+
+<file path=ppt/notesSlides/notesSlide21.xml><?xml version="1.0" encoding="utf-8"?>
+<p:notes xmlns:a="http://schemas.openxmlformats.org/drawingml/2006/main" xmlns:r="http://schemas.openxmlformats.org/officeDocument/2006/relationships" xmlns:p="http://schemas.openxmlformats.org/presentationml/2006/main">
+  <p:cSld>
+    <p:spTree>
+      <p:nvGrpSpPr>
+        <p:cNvPr id="1" name=""/>
+        <p:cNvGrpSpPr/>
+        <p:nvPr/>
+      </p:nvGrpSpPr>
+      <p:grpSpPr>
+        <a:xfrm>
+          <a:off x="0" y="0"/>
+          <a:ext cx="0" cy="0"/>
+          <a:chOff x="0" y="0"/>
+          <a:chExt cx="0" cy="0"/>
+        </a:xfrm>
+      </p:grpSpPr>
+      <p:sp>
+        <p:nvSpPr>
+          <p:cNvPr id="2" name="Espaço Reservado para Imagem de Slide 1"/>
+          <p:cNvSpPr>
+            <a:spLocks noGrp="1" noRot="1" noChangeAspect="1"/>
+          </p:cNvSpPr>
+          <p:nvPr>
+            <p:ph type="sldImg"/>
+          </p:nvPr>
+        </p:nvSpPr>
+        <p:spPr/>
+      </p:sp>
+      <p:sp>
+        <p:nvSpPr>
+          <p:cNvPr id="3" name="Espaço Reservado para Anotações 2"/>
+          <p:cNvSpPr>
+            <a:spLocks noGrp="1"/>
+          </p:cNvSpPr>
+          <p:nvPr>
+            <p:ph type="body" idx="1"/>
+          </p:nvPr>
+        </p:nvSpPr>
+        <p:spPr/>
+        <p:txBody>
+          <a:bodyPr/>
+          <a:lstStyle/>
+          <a:p>
+            <a:r>
+              <a:rPr lang="pt-BR"/>
+              <a:t>Os requisitos não funcionais definem as características do sistema, como desempenho, segurança e usabilidade. Neste slide, discutiremos os principais requisitos não funcionais que o sistema deve atender.</a:t>
+            </a:r>
+          </a:p>
+        </p:txBody>
+      </p:sp>
+      <p:sp>
+        <p:nvSpPr>
+          <p:cNvPr id="4" name="Espaço Reservado para Número de Slide 3"/>
+          <p:cNvSpPr>
+            <a:spLocks noGrp="1"/>
+          </p:cNvSpPr>
+          <p:nvPr>
+            <p:ph type="sldNum" sz="quarter" idx="5"/>
+          </p:nvPr>
+        </p:nvSpPr>
+        <p:spPr/>
+        <p:txBody>
+          <a:bodyPr/>
+          <a:lstStyle/>
+          <a:p>
+            <a:fld id="{92E3E85D-1FC8-4645-A278-0F485466CD94}" type="slidenum">
+              <a:rPr lang="pt-BR" smtClean="0"/>
+              <a:t>21</a:t>
+            </a:fld>
+            <a:endParaRPr lang="pt-BR"/>
+          </a:p>
+        </p:txBody>
+      </p:sp>
+    </p:spTree>
+    <p:extLst>
+      <p:ext uri="{BB962C8B-B14F-4D97-AF65-F5344CB8AC3E}">
+        <p14:creationId xmlns:p14="http://schemas.microsoft.com/office/powerpoint/2010/main" val="3553580278"/>
       </p:ext>
     </p:extLst>
   </p:cSld>
@@ -2555,7 +2731,7 @@
           <a:p>
             <a:fld id="{C128FA71-3A18-48C0-980F-4B68F7F63042}" type="datetime1">
               <a:rPr lang="en-US" smtClean="0"/>
-              <a:t>1/24/2025</a:t>
+              <a:t>1/25/2025</a:t>
             </a:fld>
             <a:endParaRPr lang="en-US"/>
           </a:p>
@@ -2763,7 +2939,7 @@
           <a:p>
             <a:fld id="{7104EDB3-C0E8-45F8-9E1D-1B6C8D1880C0}" type="datetime1">
               <a:rPr lang="en-US" smtClean="0"/>
-              <a:t>1/24/2025</a:t>
+              <a:t>1/25/2025</a:t>
             </a:fld>
             <a:endParaRPr lang="en-US"/>
           </a:p>
@@ -2973,7 +3149,7 @@
           <a:p>
             <a:fld id="{9CF0EC4B-54ED-4041-B552-9BA760FA3DBA}" type="datetime1">
               <a:rPr lang="en-US" smtClean="0"/>
-              <a:t>1/24/2025</a:t>
+              <a:t>1/25/2025</a:t>
             </a:fld>
             <a:endParaRPr lang="en-US"/>
           </a:p>
@@ -3171,7 +3347,7 @@
           <a:p>
             <a:fld id="{51C1210E-201E-4473-82AC-2466F5386C38}" type="datetime1">
               <a:rPr lang="en-US" smtClean="0"/>
-              <a:t>1/24/2025</a:t>
+              <a:t>1/25/2025</a:t>
             </a:fld>
             <a:endParaRPr lang="en-US"/>
           </a:p>
@@ -3449,7 +3625,7 @@
           <a:p>
             <a:fld id="{B01EA198-6CAB-4B8F-B93F-1F9C8C4B6CE7}" type="datetime1">
               <a:rPr lang="en-US" smtClean="0"/>
-              <a:t>1/24/2025</a:t>
+              <a:t>1/25/2025</a:t>
             </a:fld>
             <a:endParaRPr lang="en-US"/>
           </a:p>
@@ -3721,7 +3897,7 @@
           <a:p>
             <a:fld id="{CA06041F-4525-44D5-AA4F-332294BF1F56}" type="datetime1">
               <a:rPr lang="en-US" smtClean="0"/>
-              <a:t>1/24/2025</a:t>
+              <a:t>1/25/2025</a:t>
             </a:fld>
             <a:endParaRPr lang="en-US"/>
           </a:p>
@@ -4145,7 +4321,7 @@
           <a:p>
             <a:fld id="{F9557091-BBDF-4EB9-BA6B-2BB67AC4FC0F}" type="datetime1">
               <a:rPr lang="en-US" smtClean="0"/>
-              <a:t>1/24/2025</a:t>
+              <a:t>1/25/2025</a:t>
             </a:fld>
             <a:endParaRPr lang="en-US"/>
           </a:p>
@@ -4286,7 +4462,7 @@
           <a:p>
             <a:fld id="{2D6B226B-77A6-410C-9796-083F278E0125}" type="datetime1">
               <a:rPr lang="en-US" smtClean="0"/>
-              <a:t>1/24/2025</a:t>
+              <a:t>1/25/2025</a:t>
             </a:fld>
             <a:endParaRPr lang="en-US"/>
           </a:p>
@@ -4399,7 +4575,7 @@
           <a:p>
             <a:fld id="{A23A578B-D289-4C40-8593-3D356C49DA58}" type="datetime1">
               <a:rPr lang="en-US" smtClean="0"/>
-              <a:t>1/24/2025</a:t>
+              <a:t>1/25/2025</a:t>
             </a:fld>
             <a:endParaRPr lang="en-US"/>
           </a:p>
@@ -4718,7 +4894,7 @@
           <a:p>
             <a:fld id="{713DFAE3-14DB-48A7-A80F-80DDB072CE3D}" type="datetime1">
               <a:rPr lang="en-US" smtClean="0"/>
-              <a:t>1/24/2025</a:t>
+              <a:t>1/25/2025</a:t>
             </a:fld>
             <a:endParaRPr lang="en-US"/>
           </a:p>
@@ -5012,7 +5188,7 @@
           <a:p>
             <a:fld id="{92C5EAEF-6478-4102-8F5D-A5FE9FC97ACB}" type="datetime1">
               <a:rPr lang="en-US" smtClean="0"/>
-              <a:t>1/24/2025</a:t>
+              <a:t>1/25/2025</a:t>
             </a:fld>
             <a:endParaRPr lang="en-US"/>
           </a:p>
@@ -5253,7 +5429,7 @@
           <a:p>
             <a:fld id="{67F45AC6-C491-4585-A584-9CE2AF7D5500}" type="datetime1">
               <a:rPr lang="en-US" smtClean="0"/>
-              <a:t>1/24/2025</a:t>
+              <a:t>1/25/2025</a:t>
             </a:fld>
             <a:endParaRPr lang="en-US"/>
           </a:p>
@@ -5683,7 +5859,7 @@
                 <a16:creationId xmlns:a16="http://schemas.microsoft.com/office/drawing/2014/main" id="{6E448DB1-4196-18A6-15DA-C72635C1B11E}"/>
               </a:ext>
               <a:ext uri="{C183D7F6-B498-43B3-948B-1728B52AA6E4}">
-                <adec:decorative xmlns="" xmlns:adec="http://schemas.microsoft.com/office/drawing/2017/decorative" val="1"/>
+                <adec:decorative xmlns:adec="http://schemas.microsoft.com/office/drawing/2017/decorative" xmlns="" val="1"/>
               </a:ext>
             </a:extLst>
           </p:cNvPr>
@@ -5791,7 +5967,7 @@
                 <a16:creationId xmlns:a16="http://schemas.microsoft.com/office/drawing/2014/main" id="{76A10D8F-D463-70E5-239B-17AD65EF433D}"/>
               </a:ext>
               <a:ext uri="{C183D7F6-B498-43B3-948B-1728B52AA6E4}">
-                <adec:decorative xmlns="" xmlns:adec="http://schemas.microsoft.com/office/drawing/2017/decorative" val="1"/>
+                <adec:decorative xmlns:adec="http://schemas.microsoft.com/office/drawing/2017/decorative" xmlns="" val="1"/>
               </a:ext>
             </a:extLst>
           </p:cNvPr>
@@ -6252,7 +6428,7 @@
                 <a16:creationId xmlns:a16="http://schemas.microsoft.com/office/drawing/2014/main" id="{74EA76C7-8C08-E029-0E79-750B71C94A62}"/>
               </a:ext>
               <a:ext uri="{C183D7F6-B498-43B3-948B-1728B52AA6E4}">
-                <adec:decorative xmlns="" xmlns:adec="http://schemas.microsoft.com/office/drawing/2017/decorative" val="1"/>
+                <adec:decorative xmlns:adec="http://schemas.microsoft.com/office/drawing/2017/decorative" xmlns="" val="1"/>
               </a:ext>
             </a:extLst>
           </p:cNvPr>
@@ -6391,7 +6567,7 @@
             <p:ph sz="half" idx="2"/>
             <p:extLst>
               <p:ext uri="{E7BDC344-281C-4309-B0C6-D0EE65EED2A8}">
-                <p202:designPr xmlns="" xmlns:p202="http://schemas.microsoft.com/office/powerpoint/2020/02/main">
+                <p202:designPr xmlns:p202="http://schemas.microsoft.com/office/powerpoint/2020/02/main" xmlns="">
                   <p202:designTagLst>
                     <p202:designTag name="ARCH:1:CLS" val="InformationBlock"/>
                     <p202:designTag name="ARCH:1:VSVAR" val="TitledTextBox"/>
@@ -6687,7 +6863,7 @@
                 <a16:creationId xmlns:a16="http://schemas.microsoft.com/office/drawing/2014/main" id="{74EA76C7-8C08-E029-0E79-750B71C94A62}"/>
               </a:ext>
               <a:ext uri="{C183D7F6-B498-43B3-948B-1728B52AA6E4}">
-                <adec:decorative xmlns="" xmlns:adec="http://schemas.microsoft.com/office/drawing/2017/decorative" val="1"/>
+                <adec:decorative xmlns:adec="http://schemas.microsoft.com/office/drawing/2017/decorative" xmlns="" val="1"/>
               </a:ext>
             </a:extLst>
           </p:cNvPr>
@@ -7448,7 +7624,7 @@
                 <a16:creationId xmlns:a16="http://schemas.microsoft.com/office/drawing/2014/main" id="{5E8D3B17-7638-DFD3-18E4-8A6D611749CF}"/>
               </a:ext>
               <a:ext uri="{C183D7F6-B498-43B3-948B-1728B52AA6E4}">
-                <adec:decorative xmlns="" xmlns:adec="http://schemas.microsoft.com/office/drawing/2017/decorative" val="1"/>
+                <adec:decorative xmlns:adec="http://schemas.microsoft.com/office/drawing/2017/decorative" xmlns="" val="1"/>
               </a:ext>
             </a:extLst>
           </p:cNvPr>
@@ -7883,7 +8059,7 @@
                 <a16:creationId xmlns:a16="http://schemas.microsoft.com/office/drawing/2014/main" id="{B8ADE68D-5E75-5D63-4B8C-6BEFCE9D06E3}"/>
               </a:ext>
               <a:ext uri="{C183D7F6-B498-43B3-948B-1728B52AA6E4}">
-                <adec:decorative xmlns="" xmlns:adec="http://schemas.microsoft.com/office/drawing/2017/decorative" val="1"/>
+                <adec:decorative xmlns:adec="http://schemas.microsoft.com/office/drawing/2017/decorative" xmlns="" val="1"/>
               </a:ext>
             </a:extLst>
           </p:cNvPr>
@@ -9610,7 +9786,7 @@
                 <a16:creationId xmlns:a16="http://schemas.microsoft.com/office/drawing/2014/main" id="{8450EF29-A29A-9417-2B09-074C04064425}"/>
               </a:ext>
               <a:ext uri="{C183D7F6-B498-43B3-948B-1728B52AA6E4}">
-                <adec:decorative xmlns="" xmlns:adec="http://schemas.microsoft.com/office/drawing/2017/decorative" val="1"/>
+                <adec:decorative xmlns:adec="http://schemas.microsoft.com/office/drawing/2017/decorative" xmlns="" val="1"/>
               </a:ext>
             </a:extLst>
           </p:cNvPr>
@@ -10302,7 +10478,7 @@
                 <a16:creationId xmlns:a16="http://schemas.microsoft.com/office/drawing/2014/main" id="{8450EF29-A29A-9417-2B09-074C04064425}"/>
               </a:ext>
               <a:ext uri="{C183D7F6-B498-43B3-948B-1728B52AA6E4}">
-                <adec:decorative xmlns="" xmlns:adec="http://schemas.microsoft.com/office/drawing/2017/decorative" val="1"/>
+                <adec:decorative xmlns:adec="http://schemas.microsoft.com/office/drawing/2017/decorative" xmlns="" val="1"/>
               </a:ext>
             </a:extLst>
           </p:cNvPr>
@@ -10953,7 +11129,7 @@
                 <a16:creationId xmlns:a16="http://schemas.microsoft.com/office/drawing/2014/main" id="{5E8D3B17-7638-DFD3-18E4-8A6D611749CF}"/>
               </a:ext>
               <a:ext uri="{C183D7F6-B498-43B3-948B-1728B52AA6E4}">
-                <adec:decorative xmlns="" xmlns:adec="http://schemas.microsoft.com/office/drawing/2017/decorative" val="1"/>
+                <adec:decorative xmlns:adec="http://schemas.microsoft.com/office/drawing/2017/decorative" xmlns="" val="1"/>
               </a:ext>
             </a:extLst>
           </p:cNvPr>
@@ -11113,7 +11289,7 @@
                 <a16:creationId xmlns:a16="http://schemas.microsoft.com/office/drawing/2014/main" id="{5E8D3B17-7638-DFD3-18E4-8A6D611749CF}"/>
               </a:ext>
               <a:ext uri="{C183D7F6-B498-43B3-948B-1728B52AA6E4}">
-                <adec:decorative xmlns="" xmlns:adec="http://schemas.microsoft.com/office/drawing/2017/decorative" val="1"/>
+                <adec:decorative xmlns:adec="http://schemas.microsoft.com/office/drawing/2017/decorative" xmlns="" val="1"/>
               </a:ext>
             </a:extLst>
           </p:cNvPr>
@@ -11357,7 +11533,7 @@
                 <a16:creationId xmlns:a16="http://schemas.microsoft.com/office/drawing/2014/main" id="{5E8D3B17-7638-DFD3-18E4-8A6D611749CF}"/>
               </a:ext>
               <a:ext uri="{C183D7F6-B498-43B3-948B-1728B52AA6E4}">
-                <adec:decorative xmlns="" xmlns:adec="http://schemas.microsoft.com/office/drawing/2017/decorative" val="1"/>
+                <adec:decorative xmlns:adec="http://schemas.microsoft.com/office/drawing/2017/decorative" xmlns="" val="1"/>
               </a:ext>
             </a:extLst>
           </p:cNvPr>
@@ -11484,7 +11660,40 @@
                 <a:ea typeface="+mj-ea"/>
                 <a:cs typeface="+mj-cs"/>
               </a:rPr>
-              <a:t>Produto</a:t>
+              <a:t>Categoria</a:t>
+            </a:r>
+            <a:r>
+              <a:rPr lang="en-US" b="0" kern="1200" dirty="0" smtClean="0">
+                <a:solidFill>
+                  <a:schemeClr val="tx1"/>
+                </a:solidFill>
+                <a:latin typeface="+mj-lt"/>
+                <a:ea typeface="+mj-ea"/>
+                <a:cs typeface="+mj-cs"/>
+              </a:rPr>
+              <a:t> (</a:t>
+            </a:r>
+            <a:r>
+              <a:rPr lang="en-US" b="0" kern="1200" dirty="0" err="1" smtClean="0">
+                <a:solidFill>
+                  <a:schemeClr val="tx1"/>
+                </a:solidFill>
+                <a:latin typeface="+mj-lt"/>
+                <a:ea typeface="+mj-ea"/>
+                <a:cs typeface="+mj-cs"/>
+              </a:rPr>
+              <a:t>lista</a:t>
+            </a:r>
+            <a:r>
+              <a:rPr lang="en-US" b="0" kern="1200" dirty="0" smtClean="0">
+                <a:solidFill>
+                  <a:schemeClr val="tx1"/>
+                </a:solidFill>
+                <a:latin typeface="+mj-lt"/>
+                <a:ea typeface="+mj-ea"/>
+                <a:cs typeface="+mj-cs"/>
+              </a:rPr>
+              <a:t>)</a:t>
             </a:r>
             <a:endParaRPr lang="en-US" b="0" kern="1200" dirty="0">
               <a:solidFill>
@@ -11559,7 +11768,7 @@
         </p:nvSpPr>
         <p:spPr>
           <a:xfrm>
-            <a:off x="1044222" y="1224844"/>
+            <a:off x="999067" y="1224844"/>
             <a:ext cx="10193866" cy="5317067"/>
           </a:xfrm>
           <a:prstGeom prst="rect">
@@ -11635,7 +11844,7 @@
         </p:nvSpPr>
         <p:spPr>
           <a:xfrm>
-            <a:off x="10803466" y="1255888"/>
+            <a:off x="10820399" y="1319049"/>
             <a:ext cx="293511" cy="302204"/>
           </a:xfrm>
           <a:prstGeom prst="ellipse">
@@ -11679,7 +11888,7 @@
         </p:nvSpPr>
         <p:spPr>
           <a:xfrm>
-            <a:off x="2689946" y="2201558"/>
+            <a:off x="1363860" y="2550550"/>
             <a:ext cx="1735298" cy="389467"/>
           </a:xfrm>
           <a:prstGeom prst="rect">
@@ -11730,13 +11939,452 @@
         </p:nvSpPr>
         <p:spPr>
           <a:xfrm>
-            <a:off x="1557459" y="1063977"/>
-            <a:ext cx="5916168" cy="1527048"/>
+            <a:off x="1363860" y="2562520"/>
+            <a:ext cx="5916168" cy="365528"/>
           </a:xfrm>
           <a:prstGeom prst="rect">
             <a:avLst/>
           </a:prstGeom>
         </p:spPr>
+        <p:txBody>
+          <a:bodyPr vert="horz" lIns="91440" tIns="45720" rIns="91440" bIns="45720" rtlCol="0" anchor="b">
+            <a:normAutofit lnSpcReduction="10000"/>
+          </a:bodyPr>
+          <a:lstStyle>
+            <a:lvl1pPr algn="l" defTabSz="914400" rtl="0" eaLnBrk="1" latinLnBrk="0" hangingPunct="1">
+              <a:lnSpc>
+                <a:spcPct val="90000"/>
+              </a:lnSpc>
+              <a:spcBef>
+                <a:spcPct val="0"/>
+              </a:spcBef>
+              <a:buNone/>
+              <a:defRPr sz="3600" b="1" kern="1200">
+                <a:solidFill>
+                  <a:schemeClr val="tx1"/>
+                </a:solidFill>
+                <a:latin typeface="+mj-lt"/>
+                <a:ea typeface="+mj-ea"/>
+                <a:cs typeface="+mj-cs"/>
+              </a:defRPr>
+            </a:lvl1pPr>
+          </a:lstStyle>
+          <a:p>
+            <a:r>
+              <a:rPr lang="en-US" sz="2000" b="0" dirty="0" err="1" smtClean="0"/>
+              <a:t>Código</a:t>
+            </a:r>
+            <a:endParaRPr lang="en-US" sz="2000" b="0" dirty="0"/>
+          </a:p>
+        </p:txBody>
+      </p:sp>
+      <p:sp>
+        <p:nvSpPr>
+          <p:cNvPr id="17" name="Retângulo Arredondado 16"/>
+          <p:cNvSpPr/>
+          <p:nvPr/>
+        </p:nvSpPr>
+        <p:spPr>
+          <a:xfrm>
+            <a:off x="1363860" y="1911172"/>
+            <a:ext cx="1190625" cy="314325"/>
+          </a:xfrm>
+          <a:prstGeom prst="roundRect">
+            <a:avLst/>
+          </a:prstGeom>
+        </p:spPr>
+        <p:style>
+          <a:lnRef idx="2">
+            <a:schemeClr val="accent1">
+              <a:shade val="50000"/>
+            </a:schemeClr>
+          </a:lnRef>
+          <a:fillRef idx="1">
+            <a:schemeClr val="accent1"/>
+          </a:fillRef>
+          <a:effectRef idx="0">
+            <a:schemeClr val="accent1"/>
+          </a:effectRef>
+          <a:fontRef idx="minor">
+            <a:schemeClr val="lt1"/>
+          </a:fontRef>
+        </p:style>
+        <p:txBody>
+          <a:bodyPr rtlCol="0" anchor="ctr"/>
+          <a:lstStyle/>
+          <a:p>
+            <a:pPr algn="ctr"/>
+            <a:r>
+              <a:rPr lang="pt-BR" dirty="0" smtClean="0"/>
+              <a:t>Novo</a:t>
+            </a:r>
+            <a:endParaRPr lang="pt-BR" dirty="0"/>
+          </a:p>
+        </p:txBody>
+      </p:sp>
+      <p:sp>
+        <p:nvSpPr>
+          <p:cNvPr id="19" name="Retângulo Arredondado 18"/>
+          <p:cNvSpPr/>
+          <p:nvPr/>
+        </p:nvSpPr>
+        <p:spPr>
+          <a:xfrm>
+            <a:off x="5140384" y="4822916"/>
+            <a:ext cx="1190625" cy="314325"/>
+          </a:xfrm>
+          <a:prstGeom prst="roundRect">
+            <a:avLst/>
+          </a:prstGeom>
+          <a:solidFill>
+            <a:srgbClr val="00B0F0"/>
+          </a:solidFill>
+        </p:spPr>
+        <p:style>
+          <a:lnRef idx="2">
+            <a:schemeClr val="accent1">
+              <a:shade val="50000"/>
+            </a:schemeClr>
+          </a:lnRef>
+          <a:fillRef idx="1">
+            <a:schemeClr val="accent1"/>
+          </a:fillRef>
+          <a:effectRef idx="0">
+            <a:schemeClr val="accent1"/>
+          </a:effectRef>
+          <a:fontRef idx="minor">
+            <a:schemeClr val="lt1"/>
+          </a:fontRef>
+        </p:style>
+        <p:txBody>
+          <a:bodyPr rtlCol="0" anchor="ctr"/>
+          <a:lstStyle/>
+          <a:p>
+            <a:pPr algn="ctr"/>
+            <a:r>
+              <a:rPr lang="pt-BR" dirty="0" smtClean="0"/>
+              <a:t>Voltar</a:t>
+            </a:r>
+            <a:endParaRPr lang="pt-BR" dirty="0"/>
+          </a:p>
+        </p:txBody>
+      </p:sp>
+      <p:sp>
+        <p:nvSpPr>
+          <p:cNvPr id="20" name="Retângulo 19"/>
+          <p:cNvSpPr/>
+          <p:nvPr/>
+        </p:nvSpPr>
+        <p:spPr>
+          <a:xfrm>
+            <a:off x="3099159" y="2554776"/>
+            <a:ext cx="4803064" cy="389467"/>
+          </a:xfrm>
+          <a:prstGeom prst="rect">
+            <a:avLst/>
+          </a:prstGeom>
+          <a:solidFill>
+            <a:schemeClr val="bg1">
+              <a:lumMod val="85000"/>
+            </a:schemeClr>
+          </a:solidFill>
+        </p:spPr>
+        <p:style>
+          <a:lnRef idx="2">
+            <a:schemeClr val="accent6"/>
+          </a:lnRef>
+          <a:fillRef idx="1">
+            <a:schemeClr val="lt1"/>
+          </a:fillRef>
+          <a:effectRef idx="0">
+            <a:schemeClr val="accent6"/>
+          </a:effectRef>
+          <a:fontRef idx="minor">
+            <a:schemeClr val="dk1"/>
+          </a:fontRef>
+        </p:style>
+        <p:txBody>
+          <a:bodyPr rtlCol="0" anchor="ctr"/>
+          <a:lstStyle/>
+          <a:p>
+            <a:r>
+              <a:rPr lang="pt-BR" dirty="0" smtClean="0"/>
+              <a:t>Descrição</a:t>
+            </a:r>
+            <a:endParaRPr lang="pt-BR" dirty="0"/>
+          </a:p>
+        </p:txBody>
+      </p:sp>
+      <p:sp>
+        <p:nvSpPr>
+          <p:cNvPr id="22" name="Retângulo 21"/>
+          <p:cNvSpPr/>
+          <p:nvPr/>
+        </p:nvSpPr>
+        <p:spPr>
+          <a:xfrm>
+            <a:off x="7902223" y="2553295"/>
+            <a:ext cx="1735298" cy="389467"/>
+          </a:xfrm>
+          <a:prstGeom prst="rect">
+            <a:avLst/>
+          </a:prstGeom>
+          <a:solidFill>
+            <a:schemeClr val="bg1">
+              <a:lumMod val="85000"/>
+            </a:schemeClr>
+          </a:solidFill>
+        </p:spPr>
+        <p:style>
+          <a:lnRef idx="2">
+            <a:schemeClr val="accent6"/>
+          </a:lnRef>
+          <a:fillRef idx="1">
+            <a:schemeClr val="lt1"/>
+          </a:fillRef>
+          <a:effectRef idx="0">
+            <a:schemeClr val="accent6"/>
+          </a:effectRef>
+          <a:fontRef idx="minor">
+            <a:schemeClr val="dk1"/>
+          </a:fontRef>
+        </p:style>
+        <p:txBody>
+          <a:bodyPr rtlCol="0" anchor="ctr"/>
+          <a:lstStyle/>
+          <a:p>
+            <a:pPr algn="ctr"/>
+            <a:r>
+              <a:rPr lang="pt-BR" dirty="0" smtClean="0"/>
+              <a:t>Opções</a:t>
+            </a:r>
+            <a:endParaRPr lang="pt-BR" dirty="0"/>
+          </a:p>
+        </p:txBody>
+      </p:sp>
+      <p:sp>
+        <p:nvSpPr>
+          <p:cNvPr id="23" name="Retângulo 22"/>
+          <p:cNvSpPr/>
+          <p:nvPr/>
+        </p:nvSpPr>
+        <p:spPr>
+          <a:xfrm>
+            <a:off x="1363860" y="2949412"/>
+            <a:ext cx="1735298" cy="389467"/>
+          </a:xfrm>
+          <a:prstGeom prst="rect">
+            <a:avLst/>
+          </a:prstGeom>
+        </p:spPr>
+        <p:style>
+          <a:lnRef idx="2">
+            <a:schemeClr val="dk1"/>
+          </a:lnRef>
+          <a:fillRef idx="1">
+            <a:schemeClr val="lt1"/>
+          </a:fillRef>
+          <a:effectRef idx="0">
+            <a:schemeClr val="dk1"/>
+          </a:effectRef>
+          <a:fontRef idx="minor">
+            <a:schemeClr val="dk1"/>
+          </a:fontRef>
+        </p:style>
+        <p:txBody>
+          <a:bodyPr rtlCol="0" anchor="ctr"/>
+          <a:lstStyle/>
+          <a:p>
+            <a:pPr algn="ctr"/>
+            <a:endParaRPr lang="pt-BR" dirty="0"/>
+          </a:p>
+        </p:txBody>
+      </p:sp>
+      <p:sp>
+        <p:nvSpPr>
+          <p:cNvPr id="24" name="Título 1">
+            <a:extLst>
+              <a:ext uri="{FF2B5EF4-FFF2-40B4-BE49-F238E27FC236}">
+                <a16:creationId xmlns:a16="http://schemas.microsoft.com/office/drawing/2014/main" id="{52C8C7F8-6A55-1DF8-3A33-F776C9F854B3}"/>
+              </a:ext>
+            </a:extLst>
+          </p:cNvPr>
+          <p:cNvSpPr txBox="1">
+            <a:spLocks/>
+          </p:cNvSpPr>
+          <p:nvPr/>
+        </p:nvSpPr>
+        <p:spPr>
+          <a:xfrm>
+            <a:off x="1363860" y="2961382"/>
+            <a:ext cx="5916168" cy="365528"/>
+          </a:xfrm>
+          <a:prstGeom prst="rect">
+            <a:avLst/>
+          </a:prstGeom>
+        </p:spPr>
+        <p:style>
+          <a:lnRef idx="2">
+            <a:schemeClr val="dk1"/>
+          </a:lnRef>
+          <a:fillRef idx="1">
+            <a:schemeClr val="lt1"/>
+          </a:fillRef>
+          <a:effectRef idx="0">
+            <a:schemeClr val="dk1"/>
+          </a:effectRef>
+          <a:fontRef idx="minor">
+            <a:schemeClr val="dk1"/>
+          </a:fontRef>
+        </p:style>
+        <p:txBody>
+          <a:bodyPr vert="horz" lIns="91440" tIns="45720" rIns="91440" bIns="45720" rtlCol="0" anchor="b">
+            <a:normAutofit lnSpcReduction="10000"/>
+          </a:bodyPr>
+          <a:lstStyle>
+            <a:lvl1pPr algn="l" defTabSz="914400" rtl="0" eaLnBrk="1" latinLnBrk="0" hangingPunct="1">
+              <a:lnSpc>
+                <a:spcPct val="90000"/>
+              </a:lnSpc>
+              <a:spcBef>
+                <a:spcPct val="0"/>
+              </a:spcBef>
+              <a:buNone/>
+              <a:defRPr sz="3600" b="1" kern="1200">
+                <a:solidFill>
+                  <a:schemeClr val="tx1"/>
+                </a:solidFill>
+                <a:latin typeface="+mj-lt"/>
+                <a:ea typeface="+mj-ea"/>
+                <a:cs typeface="+mj-cs"/>
+              </a:defRPr>
+            </a:lvl1pPr>
+          </a:lstStyle>
+          <a:p>
+            <a:r>
+              <a:rPr lang="en-US" sz="2000" b="0" dirty="0" smtClean="0"/>
+              <a:t>01</a:t>
+            </a:r>
+            <a:endParaRPr lang="en-US" sz="2000" b="0" dirty="0"/>
+          </a:p>
+        </p:txBody>
+      </p:sp>
+      <p:sp>
+        <p:nvSpPr>
+          <p:cNvPr id="25" name="Retângulo 24"/>
+          <p:cNvSpPr/>
+          <p:nvPr/>
+        </p:nvSpPr>
+        <p:spPr>
+          <a:xfrm>
+            <a:off x="3099159" y="2953638"/>
+            <a:ext cx="4803064" cy="389467"/>
+          </a:xfrm>
+          <a:prstGeom prst="rect">
+            <a:avLst/>
+          </a:prstGeom>
+        </p:spPr>
+        <p:style>
+          <a:lnRef idx="2">
+            <a:schemeClr val="dk1"/>
+          </a:lnRef>
+          <a:fillRef idx="1">
+            <a:schemeClr val="lt1"/>
+          </a:fillRef>
+          <a:effectRef idx="0">
+            <a:schemeClr val="dk1"/>
+          </a:effectRef>
+          <a:fontRef idx="minor">
+            <a:schemeClr val="dk1"/>
+          </a:fontRef>
+        </p:style>
+        <p:txBody>
+          <a:bodyPr rtlCol="0" anchor="ctr"/>
+          <a:lstStyle/>
+          <a:p>
+            <a:r>
+              <a:rPr lang="pt-BR" dirty="0" smtClean="0"/>
+              <a:t>Alimentos</a:t>
+            </a:r>
+            <a:endParaRPr lang="pt-BR" dirty="0"/>
+          </a:p>
+        </p:txBody>
+      </p:sp>
+      <p:sp>
+        <p:nvSpPr>
+          <p:cNvPr id="26" name="Retângulo 25"/>
+          <p:cNvSpPr/>
+          <p:nvPr/>
+        </p:nvSpPr>
+        <p:spPr>
+          <a:xfrm>
+            <a:off x="7902223" y="2941017"/>
+            <a:ext cx="1735298" cy="402088"/>
+          </a:xfrm>
+          <a:prstGeom prst="rect">
+            <a:avLst/>
+          </a:prstGeom>
+        </p:spPr>
+        <p:style>
+          <a:lnRef idx="2">
+            <a:schemeClr val="dk1"/>
+          </a:lnRef>
+          <a:fillRef idx="1">
+            <a:schemeClr val="lt1"/>
+          </a:fillRef>
+          <a:effectRef idx="0">
+            <a:schemeClr val="dk1"/>
+          </a:effectRef>
+          <a:fontRef idx="minor">
+            <a:schemeClr val="dk1"/>
+          </a:fontRef>
+        </p:style>
+        <p:txBody>
+          <a:bodyPr rtlCol="0" anchor="ctr"/>
+          <a:lstStyle/>
+          <a:p>
+            <a:pPr algn="ctr"/>
+            <a:endParaRPr lang="pt-BR" dirty="0"/>
+          </a:p>
+        </p:txBody>
+      </p:sp>
+      <p:sp>
+        <p:nvSpPr>
+          <p:cNvPr id="27" name="Título 1">
+            <a:extLst>
+              <a:ext uri="{FF2B5EF4-FFF2-40B4-BE49-F238E27FC236}">
+                <a16:creationId xmlns:a16="http://schemas.microsoft.com/office/drawing/2014/main" id="{52C8C7F8-6A55-1DF8-3A33-F776C9F854B3}"/>
+              </a:ext>
+            </a:extLst>
+          </p:cNvPr>
+          <p:cNvSpPr txBox="1">
+            <a:spLocks/>
+          </p:cNvSpPr>
+          <p:nvPr/>
+        </p:nvSpPr>
+        <p:spPr>
+          <a:xfrm>
+            <a:off x="1363860" y="3374388"/>
+            <a:ext cx="5916168" cy="405262"/>
+          </a:xfrm>
+          <a:prstGeom prst="rect">
+            <a:avLst/>
+          </a:prstGeom>
+        </p:spPr>
+        <p:style>
+          <a:lnRef idx="2">
+            <a:schemeClr val="dk1"/>
+          </a:lnRef>
+          <a:fillRef idx="1">
+            <a:schemeClr val="lt1"/>
+          </a:fillRef>
+          <a:effectRef idx="0">
+            <a:schemeClr val="dk1"/>
+          </a:effectRef>
+          <a:fontRef idx="minor">
+            <a:schemeClr val="dk1"/>
+          </a:fontRef>
+        </p:style>
         <p:txBody>
           <a:bodyPr vert="horz" lIns="91440" tIns="45720" rIns="91440" bIns="45720" rtlCol="0" anchor="b">
             <a:normAutofit/>
@@ -11762,8 +12410,8 @@
           </a:lstStyle>
           <a:p>
             <a:r>
-              <a:rPr lang="en-US" sz="2000" b="0" dirty="0" err="1" smtClean="0"/>
-              <a:t>Código</a:t>
+              <a:rPr lang="en-US" sz="2000" b="0" dirty="0" smtClean="0"/>
+              <a:t>02</a:t>
             </a:r>
             <a:endParaRPr lang="en-US" sz="2000" b="0" dirty="0"/>
           </a:p>
@@ -11771,191 +12419,28 @@
       </p:sp>
       <p:sp>
         <p:nvSpPr>
-          <p:cNvPr id="13" name="Título 1">
-            <a:extLst>
-              <a:ext uri="{FF2B5EF4-FFF2-40B4-BE49-F238E27FC236}">
-                <a16:creationId xmlns:a16="http://schemas.microsoft.com/office/drawing/2014/main" id="{52C8C7F8-6A55-1DF8-3A33-F776C9F854B3}"/>
-              </a:ext>
-            </a:extLst>
-          </p:cNvPr>
-          <p:cNvSpPr txBox="1">
-            <a:spLocks/>
-          </p:cNvSpPr>
+          <p:cNvPr id="28" name="Retângulo 27"/>
+          <p:cNvSpPr/>
           <p:nvPr/>
         </p:nvSpPr>
         <p:spPr>
           <a:xfrm>
-            <a:off x="1286538" y="2580272"/>
-            <a:ext cx="5916168" cy="550334"/>
+            <a:off x="3099159" y="3366644"/>
+            <a:ext cx="4803064" cy="389467"/>
           </a:xfrm>
           <a:prstGeom prst="rect">
             <a:avLst/>
           </a:prstGeom>
         </p:spPr>
-        <p:txBody>
-          <a:bodyPr vert="horz" lIns="91440" tIns="45720" rIns="91440" bIns="45720" rtlCol="0" anchor="b">
-            <a:normAutofit/>
-          </a:bodyPr>
-          <a:lstStyle>
-            <a:lvl1pPr algn="l" defTabSz="914400" rtl="0" eaLnBrk="1" latinLnBrk="0" hangingPunct="1">
-              <a:lnSpc>
-                <a:spcPct val="90000"/>
-              </a:lnSpc>
-              <a:spcBef>
-                <a:spcPct val="0"/>
-              </a:spcBef>
-              <a:buNone/>
-              <a:defRPr sz="3600" b="1" kern="1200">
-                <a:solidFill>
-                  <a:schemeClr val="tx1"/>
-                </a:solidFill>
-                <a:latin typeface="+mj-lt"/>
-                <a:ea typeface="+mj-ea"/>
-                <a:cs typeface="+mj-cs"/>
-              </a:defRPr>
-            </a:lvl1pPr>
-          </a:lstStyle>
-          <a:p>
-            <a:r>
-              <a:rPr lang="en-US" sz="2000" b="0" dirty="0" err="1" smtClean="0"/>
-              <a:t>Descrição</a:t>
-            </a:r>
-            <a:endParaRPr lang="en-US" sz="2000" b="0" dirty="0"/>
-          </a:p>
-        </p:txBody>
-      </p:sp>
-      <p:sp>
-        <p:nvSpPr>
-          <p:cNvPr id="14" name="Retângulo 13"/>
-          <p:cNvSpPr/>
-          <p:nvPr/>
-        </p:nvSpPr>
-        <p:spPr>
-          <a:xfrm>
-            <a:off x="2689945" y="2730386"/>
-            <a:ext cx="5325165" cy="389467"/>
-          </a:xfrm>
-          <a:prstGeom prst="rect">
-            <a:avLst/>
-          </a:prstGeom>
-          <a:solidFill>
-            <a:srgbClr val="92D050"/>
-          </a:solidFill>
-        </p:spPr>
         <p:style>
           <a:lnRef idx="2">
-            <a:schemeClr val="accent1">
-              <a:shade val="50000"/>
-            </a:schemeClr>
-          </a:lnRef>
-          <a:fillRef idx="1">
-            <a:schemeClr val="accent1"/>
-          </a:fillRef>
-          <a:effectRef idx="0">
-            <a:schemeClr val="accent1"/>
-          </a:effectRef>
-          <a:fontRef idx="minor">
-            <a:schemeClr val="lt1"/>
-          </a:fontRef>
-        </p:style>
-        <p:txBody>
-          <a:bodyPr rtlCol="0" anchor="ctr"/>
-          <a:lstStyle/>
-          <a:p>
-            <a:r>
-              <a:rPr lang="pt-BR" dirty="0" smtClean="0"/>
-              <a:t>Café </a:t>
-            </a:r>
-            <a:r>
-              <a:rPr lang="pt-BR" dirty="0" err="1" smtClean="0"/>
-              <a:t>Estan</a:t>
-            </a:r>
-            <a:endParaRPr lang="pt-BR" dirty="0"/>
-          </a:p>
-        </p:txBody>
-      </p:sp>
-      <p:sp>
-        <p:nvSpPr>
-          <p:cNvPr id="15" name="Título 1">
-            <a:extLst>
-              <a:ext uri="{FF2B5EF4-FFF2-40B4-BE49-F238E27FC236}">
-                <a16:creationId xmlns:a16="http://schemas.microsoft.com/office/drawing/2014/main" id="{52C8C7F8-6A55-1DF8-3A33-F776C9F854B3}"/>
-              </a:ext>
-            </a:extLst>
-          </p:cNvPr>
-          <p:cNvSpPr txBox="1">
-            <a:spLocks/>
-          </p:cNvSpPr>
-          <p:nvPr/>
-        </p:nvSpPr>
-        <p:spPr>
-          <a:xfrm>
-            <a:off x="1467160" y="3119853"/>
-            <a:ext cx="5916168" cy="550334"/>
-          </a:xfrm>
-          <a:prstGeom prst="rect">
-            <a:avLst/>
-          </a:prstGeom>
-        </p:spPr>
-        <p:txBody>
-          <a:bodyPr vert="horz" lIns="91440" tIns="45720" rIns="91440" bIns="45720" rtlCol="0" anchor="b">
-            <a:normAutofit/>
-          </a:bodyPr>
-          <a:lstStyle>
-            <a:lvl1pPr algn="l" defTabSz="914400" rtl="0" eaLnBrk="1" latinLnBrk="0" hangingPunct="1">
-              <a:lnSpc>
-                <a:spcPct val="90000"/>
-              </a:lnSpc>
-              <a:spcBef>
-                <a:spcPct val="0"/>
-              </a:spcBef>
-              <a:buNone/>
-              <a:defRPr sz="3600" b="1" kern="1200">
-                <a:solidFill>
-                  <a:schemeClr val="tx1"/>
-                </a:solidFill>
-                <a:latin typeface="+mj-lt"/>
-                <a:ea typeface="+mj-ea"/>
-                <a:cs typeface="+mj-cs"/>
-              </a:defRPr>
-            </a:lvl1pPr>
-          </a:lstStyle>
-          <a:p>
-            <a:r>
-              <a:rPr lang="en-US" sz="2000" b="0" dirty="0" err="1" smtClean="0"/>
-              <a:t>Unidade</a:t>
-            </a:r>
-            <a:endParaRPr lang="en-US" sz="2000" b="0" dirty="0"/>
-          </a:p>
-        </p:txBody>
-      </p:sp>
-      <p:sp>
-        <p:nvSpPr>
-          <p:cNvPr id="16" name="Retângulo 15"/>
-          <p:cNvSpPr/>
-          <p:nvPr/>
-        </p:nvSpPr>
-        <p:spPr>
-          <a:xfrm>
-            <a:off x="2689946" y="3265308"/>
-            <a:ext cx="1735298" cy="389467"/>
-          </a:xfrm>
-          <a:prstGeom prst="rect">
-            <a:avLst/>
-          </a:prstGeom>
-          <a:solidFill>
-            <a:schemeClr val="bg1"/>
-          </a:solidFill>
-        </p:spPr>
-        <p:style>
-          <a:lnRef idx="2">
-            <a:schemeClr val="accent6"/>
+            <a:schemeClr val="dk1"/>
           </a:lnRef>
           <a:fillRef idx="1">
             <a:schemeClr val="lt1"/>
           </a:fillRef>
           <a:effectRef idx="0">
-            <a:schemeClr val="accent6"/>
+            <a:schemeClr val="dk1"/>
           </a:effectRef>
           <a:fontRef idx="minor">
             <a:schemeClr val="dk1"/>
@@ -11965,40 +12450,41 @@
           <a:bodyPr rtlCol="0" anchor="ctr"/>
           <a:lstStyle/>
           <a:p>
-            <a:pPr algn="ctr"/>
+            <a:r>
+              <a:rPr lang="pt-BR" dirty="0" smtClean="0"/>
+              <a:t>Alimentos</a:t>
+            </a:r>
             <a:endParaRPr lang="pt-BR" dirty="0"/>
           </a:p>
         </p:txBody>
       </p:sp>
       <p:sp>
         <p:nvSpPr>
-          <p:cNvPr id="9" name="Triângulo isósceles 8"/>
+          <p:cNvPr id="29" name="Retângulo 28"/>
           <p:cNvSpPr/>
           <p:nvPr/>
         </p:nvSpPr>
         <p:spPr>
-          <a:xfrm rot="10800000">
-            <a:off x="4188178" y="3318281"/>
-            <a:ext cx="237066" cy="283520"/>
-          </a:xfrm>
-          <a:prstGeom prst="triangle">
+          <a:xfrm>
+            <a:off x="7902223" y="3354023"/>
+            <a:ext cx="1735298" cy="402088"/>
+          </a:xfrm>
+          <a:prstGeom prst="rect">
             <a:avLst/>
           </a:prstGeom>
         </p:spPr>
         <p:style>
           <a:lnRef idx="2">
-            <a:schemeClr val="dk1">
-              <a:shade val="50000"/>
-            </a:schemeClr>
+            <a:schemeClr val="dk1"/>
           </a:lnRef>
           <a:fillRef idx="1">
-            <a:schemeClr val="dk1"/>
+            <a:schemeClr val="lt1"/>
           </a:fillRef>
           <a:effectRef idx="0">
             <a:schemeClr val="dk1"/>
           </a:effectRef>
           <a:fontRef idx="minor">
-            <a:schemeClr val="lt1"/>
+            <a:schemeClr val="dk1"/>
           </a:fontRef>
         </p:style>
         <p:txBody>
@@ -12006,172 +12492,7 @@
           <a:lstStyle/>
           <a:p>
             <a:pPr algn="ctr"/>
-            <a:endParaRPr lang="pt-BR"/>
-          </a:p>
-        </p:txBody>
-      </p:sp>
-      <p:sp>
-        <p:nvSpPr>
-          <p:cNvPr id="17" name="Retângulo Arredondado 16"/>
-          <p:cNvSpPr/>
-          <p:nvPr/>
-        </p:nvSpPr>
-        <p:spPr>
-          <a:xfrm>
-            <a:off x="6953249" y="5048250"/>
-            <a:ext cx="1190625" cy="314325"/>
-          </a:xfrm>
-          <a:prstGeom prst="roundRect">
-            <a:avLst/>
-          </a:prstGeom>
-        </p:spPr>
-        <p:style>
-          <a:lnRef idx="2">
-            <a:schemeClr val="accent1">
-              <a:shade val="50000"/>
-            </a:schemeClr>
-          </a:lnRef>
-          <a:fillRef idx="1">
-            <a:schemeClr val="accent1"/>
-          </a:fillRef>
-          <a:effectRef idx="0">
-            <a:schemeClr val="accent1"/>
-          </a:effectRef>
-          <a:fontRef idx="minor">
-            <a:schemeClr val="lt1"/>
-          </a:fontRef>
-        </p:style>
-        <p:txBody>
-          <a:bodyPr rtlCol="0" anchor="ctr"/>
-          <a:lstStyle/>
-          <a:p>
-            <a:pPr algn="ctr"/>
-            <a:r>
-              <a:rPr lang="pt-BR" dirty="0" smtClean="0"/>
-              <a:t>Salvar</a:t>
-            </a:r>
             <a:endParaRPr lang="pt-BR" dirty="0"/>
-          </a:p>
-        </p:txBody>
-      </p:sp>
-      <p:sp>
-        <p:nvSpPr>
-          <p:cNvPr id="18" name="Retângulo Arredondado 17"/>
-          <p:cNvSpPr/>
-          <p:nvPr/>
-        </p:nvSpPr>
-        <p:spPr>
-          <a:xfrm>
-            <a:off x="5735696" y="5048249"/>
-            <a:ext cx="1190625" cy="314325"/>
-          </a:xfrm>
-          <a:prstGeom prst="roundRect">
-            <a:avLst/>
-          </a:prstGeom>
-        </p:spPr>
-        <p:style>
-          <a:lnRef idx="2">
-            <a:schemeClr val="accent3">
-              <a:shade val="50000"/>
-            </a:schemeClr>
-          </a:lnRef>
-          <a:fillRef idx="1">
-            <a:schemeClr val="accent3"/>
-          </a:fillRef>
-          <a:effectRef idx="0">
-            <a:schemeClr val="accent3"/>
-          </a:effectRef>
-          <a:fontRef idx="minor">
-            <a:schemeClr val="lt1"/>
-          </a:fontRef>
-        </p:style>
-        <p:txBody>
-          <a:bodyPr rtlCol="0" anchor="ctr"/>
-          <a:lstStyle/>
-          <a:p>
-            <a:pPr algn="ctr"/>
-            <a:r>
-              <a:rPr lang="pt-BR" dirty="0" smtClean="0"/>
-              <a:t>Cancelar</a:t>
-            </a:r>
-            <a:endParaRPr lang="pt-BR" dirty="0"/>
-          </a:p>
-        </p:txBody>
-      </p:sp>
-      <p:sp>
-        <p:nvSpPr>
-          <p:cNvPr id="19" name="Retângulo Arredondado 18"/>
-          <p:cNvSpPr/>
-          <p:nvPr/>
-        </p:nvSpPr>
-        <p:spPr>
-          <a:xfrm>
-            <a:off x="4425244" y="5048248"/>
-            <a:ext cx="1190625" cy="314325"/>
-          </a:xfrm>
-          <a:prstGeom prst="roundRect">
-            <a:avLst/>
-          </a:prstGeom>
-          <a:solidFill>
-            <a:srgbClr val="00B0F0"/>
-          </a:solidFill>
-        </p:spPr>
-        <p:style>
-          <a:lnRef idx="2">
-            <a:schemeClr val="accent1">
-              <a:shade val="50000"/>
-            </a:schemeClr>
-          </a:lnRef>
-          <a:fillRef idx="1">
-            <a:schemeClr val="accent1"/>
-          </a:fillRef>
-          <a:effectRef idx="0">
-            <a:schemeClr val="accent1"/>
-          </a:effectRef>
-          <a:fontRef idx="minor">
-            <a:schemeClr val="lt1"/>
-          </a:fontRef>
-        </p:style>
-        <p:txBody>
-          <a:bodyPr rtlCol="0" anchor="ctr"/>
-          <a:lstStyle/>
-          <a:p>
-            <a:pPr algn="ctr"/>
-            <a:r>
-              <a:rPr lang="pt-BR" dirty="0" smtClean="0"/>
-              <a:t>Voltar</a:t>
-            </a:r>
-            <a:endParaRPr lang="pt-BR" dirty="0"/>
-          </a:p>
-        </p:txBody>
-      </p:sp>
-      <p:sp>
-        <p:nvSpPr>
-          <p:cNvPr id="21" name="CaixaDeTexto 20"/>
-          <p:cNvSpPr txBox="1"/>
-          <p:nvPr/>
-        </p:nvSpPr>
-        <p:spPr>
-          <a:xfrm>
-            <a:off x="9415640" y="3205335"/>
-            <a:ext cx="1781175" cy="1169551"/>
-          </a:xfrm>
-          <a:prstGeom prst="rect">
-            <a:avLst/>
-          </a:prstGeom>
-          <a:noFill/>
-        </p:spPr>
-        <p:txBody>
-          <a:bodyPr wrap="square" rtlCol="0">
-            <a:spAutoFit/>
-          </a:bodyPr>
-          <a:lstStyle/>
-          <a:p>
-            <a:r>
-              <a:rPr lang="pt-BR" sz="1400" dirty="0" smtClean="0"/>
-              <a:t>Quando em modo edição e o cursor estiver no campo o fundo deve ficar verde.</a:t>
-            </a:r>
-            <a:endParaRPr lang="pt-BR" sz="1400" dirty="0"/>
           </a:p>
         </p:txBody>
       </p:sp>
@@ -12224,7 +12545,7 @@
                 <a16:creationId xmlns:a16="http://schemas.microsoft.com/office/drawing/2014/main" id="{5E8D3B17-7638-DFD3-18E4-8A6D611749CF}"/>
               </a:ext>
               <a:ext uri="{C183D7F6-B498-43B3-948B-1728B52AA6E4}">
-                <adec:decorative xmlns="" xmlns:adec="http://schemas.microsoft.com/office/drawing/2017/decorative" val="1"/>
+                <adec:decorative xmlns:adec="http://schemas.microsoft.com/office/drawing/2017/decorative" xmlns="" val="1"/>
               </a:ext>
             </a:extLst>
           </p:cNvPr>
@@ -12297,7 +12618,7 @@
           <p:cNvPr id="2" name="Título 1">
             <a:extLst>
               <a:ext uri="{FF2B5EF4-FFF2-40B4-BE49-F238E27FC236}">
-                <a16:creationId xmlns:a16="http://schemas.microsoft.com/office/drawing/2014/main" id="{37D9284D-EDF1-4C67-C63F-C7E773F77885}"/>
+                <a16:creationId xmlns:a16="http://schemas.microsoft.com/office/drawing/2014/main" id="{52C8C7F8-6A55-1DF8-3A33-F776C9F854B3}"/>
               </a:ext>
             </a:extLst>
           </p:cNvPr>
@@ -12310,8 +12631,770 @@
         </p:nvSpPr>
         <p:spPr>
           <a:xfrm>
-            <a:off x="803353" y="138594"/>
-            <a:ext cx="10336871" cy="1527048"/>
+            <a:off x="2917771" y="-695454"/>
+            <a:ext cx="5916168" cy="1527048"/>
+          </a:xfrm>
+        </p:spPr>
+        <p:txBody>
+          <a:bodyPr vert="horz" lIns="91440" tIns="45720" rIns="91440" bIns="45720" rtlCol="0" anchor="b">
+            <a:normAutofit/>
+          </a:bodyPr>
+          <a:lstStyle/>
+          <a:p>
+            <a:r>
+              <a:rPr lang="en-US" b="0" kern="1200" dirty="0" err="1" smtClean="0">
+                <a:solidFill>
+                  <a:schemeClr val="tx1"/>
+                </a:solidFill>
+                <a:latin typeface="+mj-lt"/>
+                <a:ea typeface="+mj-ea"/>
+                <a:cs typeface="+mj-cs"/>
+              </a:rPr>
+              <a:t>Tela</a:t>
+            </a:r>
+            <a:r>
+              <a:rPr lang="en-US" b="0" kern="1200" dirty="0" smtClean="0">
+                <a:solidFill>
+                  <a:schemeClr val="tx1"/>
+                </a:solidFill>
+                <a:latin typeface="+mj-lt"/>
+                <a:ea typeface="+mj-ea"/>
+                <a:cs typeface="+mj-cs"/>
+              </a:rPr>
+              <a:t> </a:t>
+            </a:r>
+            <a:r>
+              <a:rPr lang="en-US" b="0" kern="1200" dirty="0" err="1" smtClean="0">
+                <a:solidFill>
+                  <a:schemeClr val="tx1"/>
+                </a:solidFill>
+                <a:latin typeface="+mj-lt"/>
+                <a:ea typeface="+mj-ea"/>
+                <a:cs typeface="+mj-cs"/>
+              </a:rPr>
+              <a:t>Categoria</a:t>
+            </a:r>
+            <a:endParaRPr lang="en-US" b="0" kern="1200" dirty="0">
+              <a:solidFill>
+                <a:schemeClr val="tx1"/>
+              </a:solidFill>
+              <a:latin typeface="+mj-lt"/>
+              <a:ea typeface="+mj-ea"/>
+              <a:cs typeface="+mj-cs"/>
+            </a:endParaRPr>
+          </a:p>
+        </p:txBody>
+      </p:sp>
+      <p:sp>
+        <p:nvSpPr>
+          <p:cNvPr id="7" name="Título 1">
+            <a:extLst>
+              <a:ext uri="{FF2B5EF4-FFF2-40B4-BE49-F238E27FC236}">
+                <a16:creationId xmlns:a16="http://schemas.microsoft.com/office/drawing/2014/main" id="{F08859EF-E25E-52C0-C024-DE22738F8749}"/>
+              </a:ext>
+            </a:extLst>
+          </p:cNvPr>
+          <p:cNvSpPr txBox="1">
+            <a:spLocks/>
+          </p:cNvSpPr>
+          <p:nvPr/>
+        </p:nvSpPr>
+        <p:spPr>
+          <a:xfrm>
+            <a:off x="414841" y="-695454"/>
+            <a:ext cx="5916168" cy="1527048"/>
+          </a:xfrm>
+          <a:prstGeom prst="rect">
+            <a:avLst/>
+          </a:prstGeom>
+        </p:spPr>
+        <p:txBody>
+          <a:bodyPr vert="horz" lIns="91440" tIns="45720" rIns="91440" bIns="45720" rtlCol="0" anchor="b">
+            <a:normAutofit/>
+          </a:bodyPr>
+          <a:lstStyle>
+            <a:lvl1pPr algn="l" defTabSz="914400" rtl="0" eaLnBrk="1" latinLnBrk="0" hangingPunct="1">
+              <a:lnSpc>
+                <a:spcPct val="90000"/>
+              </a:lnSpc>
+              <a:spcBef>
+                <a:spcPct val="0"/>
+              </a:spcBef>
+              <a:buNone/>
+              <a:defRPr sz="3600" b="1" kern="1200">
+                <a:solidFill>
+                  <a:schemeClr val="tx1"/>
+                </a:solidFill>
+                <a:latin typeface="+mj-lt"/>
+                <a:ea typeface="+mj-ea"/>
+                <a:cs typeface="+mj-cs"/>
+              </a:defRPr>
+            </a:lvl1pPr>
+          </a:lstStyle>
+          <a:p>
+            <a:r>
+              <a:rPr lang="en-US" dirty="0"/>
+              <a:t>Wireframe</a:t>
+            </a:r>
+          </a:p>
+        </p:txBody>
+      </p:sp>
+      <p:sp>
+        <p:nvSpPr>
+          <p:cNvPr id="4" name="Retângulo 3"/>
+          <p:cNvSpPr/>
+          <p:nvPr/>
+        </p:nvSpPr>
+        <p:spPr>
+          <a:xfrm>
+            <a:off x="1044222" y="1224844"/>
+            <a:ext cx="10193866" cy="5317067"/>
+          </a:xfrm>
+          <a:prstGeom prst="rect">
+            <a:avLst/>
+          </a:prstGeom>
+        </p:spPr>
+        <p:style>
+          <a:lnRef idx="2">
+            <a:schemeClr val="accent1"/>
+          </a:lnRef>
+          <a:fillRef idx="1">
+            <a:schemeClr val="lt1"/>
+          </a:fillRef>
+          <a:effectRef idx="0">
+            <a:schemeClr val="accent1"/>
+          </a:effectRef>
+          <a:fontRef idx="minor">
+            <a:schemeClr val="dk1"/>
+          </a:fontRef>
+        </p:style>
+        <p:txBody>
+          <a:bodyPr rtlCol="0" anchor="ctr"/>
+          <a:lstStyle/>
+          <a:p>
+            <a:pPr algn="ctr"/>
+            <a:endParaRPr lang="pt-BR" dirty="0"/>
+          </a:p>
+        </p:txBody>
+      </p:sp>
+      <p:sp>
+        <p:nvSpPr>
+          <p:cNvPr id="8" name="Retângulo 7"/>
+          <p:cNvSpPr/>
+          <p:nvPr/>
+        </p:nvSpPr>
+        <p:spPr>
+          <a:xfrm>
+            <a:off x="1044222" y="1224844"/>
+            <a:ext cx="10193866" cy="389467"/>
+          </a:xfrm>
+          <a:prstGeom prst="rect">
+            <a:avLst/>
+          </a:prstGeom>
+        </p:spPr>
+        <p:style>
+          <a:lnRef idx="2">
+            <a:schemeClr val="accent6"/>
+          </a:lnRef>
+          <a:fillRef idx="1">
+            <a:schemeClr val="lt1"/>
+          </a:fillRef>
+          <a:effectRef idx="0">
+            <a:schemeClr val="accent6"/>
+          </a:effectRef>
+          <a:fontRef idx="minor">
+            <a:schemeClr val="dk1"/>
+          </a:fontRef>
+        </p:style>
+        <p:txBody>
+          <a:bodyPr rtlCol="0" anchor="ctr"/>
+          <a:lstStyle/>
+          <a:p>
+            <a:pPr algn="ctr"/>
+            <a:endParaRPr lang="pt-BR" dirty="0"/>
+          </a:p>
+        </p:txBody>
+      </p:sp>
+      <p:sp>
+        <p:nvSpPr>
+          <p:cNvPr id="6" name="Elipse 5"/>
+          <p:cNvSpPr/>
+          <p:nvPr/>
+        </p:nvSpPr>
+        <p:spPr>
+          <a:xfrm>
+            <a:off x="10803466" y="1255888"/>
+            <a:ext cx="293511" cy="302204"/>
+          </a:xfrm>
+          <a:prstGeom prst="ellipse">
+            <a:avLst/>
+          </a:prstGeom>
+        </p:spPr>
+        <p:style>
+          <a:lnRef idx="2">
+            <a:schemeClr val="accent3">
+              <a:shade val="50000"/>
+            </a:schemeClr>
+          </a:lnRef>
+          <a:fillRef idx="1">
+            <a:schemeClr val="accent3"/>
+          </a:fillRef>
+          <a:effectRef idx="0">
+            <a:schemeClr val="accent3"/>
+          </a:effectRef>
+          <a:fontRef idx="minor">
+            <a:schemeClr val="lt1"/>
+          </a:fontRef>
+        </p:style>
+        <p:txBody>
+          <a:bodyPr rtlCol="0" anchor="ctr"/>
+          <a:lstStyle/>
+          <a:p>
+            <a:pPr algn="ctr"/>
+            <a:r>
+              <a:rPr lang="pt-BR" dirty="0" smtClean="0"/>
+              <a:t>x</a:t>
+            </a:r>
+            <a:endParaRPr lang="pt-BR" dirty="0"/>
+          </a:p>
+        </p:txBody>
+      </p:sp>
+      <p:sp>
+        <p:nvSpPr>
+          <p:cNvPr id="11" name="Retângulo 10"/>
+          <p:cNvSpPr/>
+          <p:nvPr/>
+        </p:nvSpPr>
+        <p:spPr>
+          <a:xfrm>
+            <a:off x="2689946" y="2201558"/>
+            <a:ext cx="1735298" cy="389467"/>
+          </a:xfrm>
+          <a:prstGeom prst="rect">
+            <a:avLst/>
+          </a:prstGeom>
+          <a:solidFill>
+            <a:schemeClr val="bg1">
+              <a:lumMod val="85000"/>
+            </a:schemeClr>
+          </a:solidFill>
+        </p:spPr>
+        <p:style>
+          <a:lnRef idx="2">
+            <a:schemeClr val="accent6"/>
+          </a:lnRef>
+          <a:fillRef idx="1">
+            <a:schemeClr val="lt1"/>
+          </a:fillRef>
+          <a:effectRef idx="0">
+            <a:schemeClr val="accent6"/>
+          </a:effectRef>
+          <a:fontRef idx="minor">
+            <a:schemeClr val="dk1"/>
+          </a:fontRef>
+        </p:style>
+        <p:txBody>
+          <a:bodyPr rtlCol="0" anchor="ctr"/>
+          <a:lstStyle/>
+          <a:p>
+            <a:pPr algn="ctr"/>
+            <a:endParaRPr lang="pt-BR" dirty="0"/>
+          </a:p>
+        </p:txBody>
+      </p:sp>
+      <p:sp>
+        <p:nvSpPr>
+          <p:cNvPr id="12" name="Título 1">
+            <a:extLst>
+              <a:ext uri="{FF2B5EF4-FFF2-40B4-BE49-F238E27FC236}">
+                <a16:creationId xmlns:a16="http://schemas.microsoft.com/office/drawing/2014/main" id="{52C8C7F8-6A55-1DF8-3A33-F776C9F854B3}"/>
+              </a:ext>
+            </a:extLst>
+          </p:cNvPr>
+          <p:cNvSpPr txBox="1">
+            <a:spLocks/>
+          </p:cNvSpPr>
+          <p:nvPr/>
+        </p:nvSpPr>
+        <p:spPr>
+          <a:xfrm>
+            <a:off x="1557459" y="1063977"/>
+            <a:ext cx="5916168" cy="1527048"/>
+          </a:xfrm>
+          <a:prstGeom prst="rect">
+            <a:avLst/>
+          </a:prstGeom>
+        </p:spPr>
+        <p:txBody>
+          <a:bodyPr vert="horz" lIns="91440" tIns="45720" rIns="91440" bIns="45720" rtlCol="0" anchor="b">
+            <a:normAutofit/>
+          </a:bodyPr>
+          <a:lstStyle>
+            <a:lvl1pPr algn="l" defTabSz="914400" rtl="0" eaLnBrk="1" latinLnBrk="0" hangingPunct="1">
+              <a:lnSpc>
+                <a:spcPct val="90000"/>
+              </a:lnSpc>
+              <a:spcBef>
+                <a:spcPct val="0"/>
+              </a:spcBef>
+              <a:buNone/>
+              <a:defRPr sz="3600" b="1" kern="1200">
+                <a:solidFill>
+                  <a:schemeClr val="tx1"/>
+                </a:solidFill>
+                <a:latin typeface="+mj-lt"/>
+                <a:ea typeface="+mj-ea"/>
+                <a:cs typeface="+mj-cs"/>
+              </a:defRPr>
+            </a:lvl1pPr>
+          </a:lstStyle>
+          <a:p>
+            <a:r>
+              <a:rPr lang="en-US" sz="2000" b="0" dirty="0" err="1" smtClean="0"/>
+              <a:t>Código</a:t>
+            </a:r>
+            <a:endParaRPr lang="en-US" sz="2000" b="0" dirty="0"/>
+          </a:p>
+        </p:txBody>
+      </p:sp>
+      <p:sp>
+        <p:nvSpPr>
+          <p:cNvPr id="13" name="Título 1">
+            <a:extLst>
+              <a:ext uri="{FF2B5EF4-FFF2-40B4-BE49-F238E27FC236}">
+                <a16:creationId xmlns:a16="http://schemas.microsoft.com/office/drawing/2014/main" id="{52C8C7F8-6A55-1DF8-3A33-F776C9F854B3}"/>
+              </a:ext>
+            </a:extLst>
+          </p:cNvPr>
+          <p:cNvSpPr txBox="1">
+            <a:spLocks/>
+          </p:cNvSpPr>
+          <p:nvPr/>
+        </p:nvSpPr>
+        <p:spPr>
+          <a:xfrm>
+            <a:off x="1286538" y="2580272"/>
+            <a:ext cx="5916168" cy="550334"/>
+          </a:xfrm>
+          <a:prstGeom prst="rect">
+            <a:avLst/>
+          </a:prstGeom>
+        </p:spPr>
+        <p:txBody>
+          <a:bodyPr vert="horz" lIns="91440" tIns="45720" rIns="91440" bIns="45720" rtlCol="0" anchor="b">
+            <a:normAutofit/>
+          </a:bodyPr>
+          <a:lstStyle>
+            <a:lvl1pPr algn="l" defTabSz="914400" rtl="0" eaLnBrk="1" latinLnBrk="0" hangingPunct="1">
+              <a:lnSpc>
+                <a:spcPct val="90000"/>
+              </a:lnSpc>
+              <a:spcBef>
+                <a:spcPct val="0"/>
+              </a:spcBef>
+              <a:buNone/>
+              <a:defRPr sz="3600" b="1" kern="1200">
+                <a:solidFill>
+                  <a:schemeClr val="tx1"/>
+                </a:solidFill>
+                <a:latin typeface="+mj-lt"/>
+                <a:ea typeface="+mj-ea"/>
+                <a:cs typeface="+mj-cs"/>
+              </a:defRPr>
+            </a:lvl1pPr>
+          </a:lstStyle>
+          <a:p>
+            <a:r>
+              <a:rPr lang="en-US" sz="2000" b="0" dirty="0" err="1" smtClean="0"/>
+              <a:t>Descrição</a:t>
+            </a:r>
+            <a:endParaRPr lang="en-US" sz="2000" b="0" dirty="0"/>
+          </a:p>
+        </p:txBody>
+      </p:sp>
+      <p:sp>
+        <p:nvSpPr>
+          <p:cNvPr id="14" name="Retângulo 13"/>
+          <p:cNvSpPr/>
+          <p:nvPr/>
+        </p:nvSpPr>
+        <p:spPr>
+          <a:xfrm>
+            <a:off x="2689945" y="2730386"/>
+            <a:ext cx="5325165" cy="389467"/>
+          </a:xfrm>
+          <a:prstGeom prst="rect">
+            <a:avLst/>
+          </a:prstGeom>
+          <a:solidFill>
+            <a:srgbClr val="92D050"/>
+          </a:solidFill>
+        </p:spPr>
+        <p:style>
+          <a:lnRef idx="2">
+            <a:schemeClr val="accent1">
+              <a:shade val="50000"/>
+            </a:schemeClr>
+          </a:lnRef>
+          <a:fillRef idx="1">
+            <a:schemeClr val="accent1"/>
+          </a:fillRef>
+          <a:effectRef idx="0">
+            <a:schemeClr val="accent1"/>
+          </a:effectRef>
+          <a:fontRef idx="minor">
+            <a:schemeClr val="lt1"/>
+          </a:fontRef>
+        </p:style>
+        <p:txBody>
+          <a:bodyPr rtlCol="0" anchor="ctr"/>
+          <a:lstStyle/>
+          <a:p>
+            <a:r>
+              <a:rPr lang="pt-BR" dirty="0" smtClean="0"/>
+              <a:t>Café </a:t>
+            </a:r>
+            <a:r>
+              <a:rPr lang="pt-BR" dirty="0" err="1" smtClean="0"/>
+              <a:t>Estan</a:t>
+            </a:r>
+            <a:endParaRPr lang="pt-BR" dirty="0"/>
+          </a:p>
+        </p:txBody>
+      </p:sp>
+      <p:sp>
+        <p:nvSpPr>
+          <p:cNvPr id="17" name="Retângulo Arredondado 16"/>
+          <p:cNvSpPr/>
+          <p:nvPr/>
+        </p:nvSpPr>
+        <p:spPr>
+          <a:xfrm>
+            <a:off x="6953249" y="5048250"/>
+            <a:ext cx="1190625" cy="314325"/>
+          </a:xfrm>
+          <a:prstGeom prst="roundRect">
+            <a:avLst/>
+          </a:prstGeom>
+        </p:spPr>
+        <p:style>
+          <a:lnRef idx="2">
+            <a:schemeClr val="accent1">
+              <a:shade val="50000"/>
+            </a:schemeClr>
+          </a:lnRef>
+          <a:fillRef idx="1">
+            <a:schemeClr val="accent1"/>
+          </a:fillRef>
+          <a:effectRef idx="0">
+            <a:schemeClr val="accent1"/>
+          </a:effectRef>
+          <a:fontRef idx="minor">
+            <a:schemeClr val="lt1"/>
+          </a:fontRef>
+        </p:style>
+        <p:txBody>
+          <a:bodyPr rtlCol="0" anchor="ctr"/>
+          <a:lstStyle/>
+          <a:p>
+            <a:pPr algn="ctr"/>
+            <a:r>
+              <a:rPr lang="pt-BR" dirty="0" smtClean="0"/>
+              <a:t>Salvar</a:t>
+            </a:r>
+            <a:endParaRPr lang="pt-BR" dirty="0"/>
+          </a:p>
+        </p:txBody>
+      </p:sp>
+      <p:sp>
+        <p:nvSpPr>
+          <p:cNvPr id="18" name="Retângulo Arredondado 17"/>
+          <p:cNvSpPr/>
+          <p:nvPr/>
+        </p:nvSpPr>
+        <p:spPr>
+          <a:xfrm>
+            <a:off x="5735696" y="5048249"/>
+            <a:ext cx="1190625" cy="314325"/>
+          </a:xfrm>
+          <a:prstGeom prst="roundRect">
+            <a:avLst/>
+          </a:prstGeom>
+        </p:spPr>
+        <p:style>
+          <a:lnRef idx="2">
+            <a:schemeClr val="accent3">
+              <a:shade val="50000"/>
+            </a:schemeClr>
+          </a:lnRef>
+          <a:fillRef idx="1">
+            <a:schemeClr val="accent3"/>
+          </a:fillRef>
+          <a:effectRef idx="0">
+            <a:schemeClr val="accent3"/>
+          </a:effectRef>
+          <a:fontRef idx="minor">
+            <a:schemeClr val="lt1"/>
+          </a:fontRef>
+        </p:style>
+        <p:txBody>
+          <a:bodyPr rtlCol="0" anchor="ctr"/>
+          <a:lstStyle/>
+          <a:p>
+            <a:pPr algn="ctr"/>
+            <a:r>
+              <a:rPr lang="pt-BR" dirty="0" smtClean="0"/>
+              <a:t>Cancelar</a:t>
+            </a:r>
+            <a:endParaRPr lang="pt-BR" dirty="0"/>
+          </a:p>
+        </p:txBody>
+      </p:sp>
+      <p:sp>
+        <p:nvSpPr>
+          <p:cNvPr id="19" name="Retângulo Arredondado 18"/>
+          <p:cNvSpPr/>
+          <p:nvPr/>
+        </p:nvSpPr>
+        <p:spPr>
+          <a:xfrm>
+            <a:off x="4425244" y="5048248"/>
+            <a:ext cx="1190625" cy="314325"/>
+          </a:xfrm>
+          <a:prstGeom prst="roundRect">
+            <a:avLst/>
+          </a:prstGeom>
+          <a:solidFill>
+            <a:srgbClr val="00B0F0"/>
+          </a:solidFill>
+        </p:spPr>
+        <p:style>
+          <a:lnRef idx="2">
+            <a:schemeClr val="accent1">
+              <a:shade val="50000"/>
+            </a:schemeClr>
+          </a:lnRef>
+          <a:fillRef idx="1">
+            <a:schemeClr val="accent1"/>
+          </a:fillRef>
+          <a:effectRef idx="0">
+            <a:schemeClr val="accent1"/>
+          </a:effectRef>
+          <a:fontRef idx="minor">
+            <a:schemeClr val="lt1"/>
+          </a:fontRef>
+        </p:style>
+        <p:txBody>
+          <a:bodyPr rtlCol="0" anchor="ctr"/>
+          <a:lstStyle/>
+          <a:p>
+            <a:pPr algn="ctr"/>
+            <a:r>
+              <a:rPr lang="pt-BR" dirty="0" smtClean="0"/>
+              <a:t>Voltar</a:t>
+            </a:r>
+            <a:endParaRPr lang="pt-BR" dirty="0"/>
+          </a:p>
+        </p:txBody>
+      </p:sp>
+      <p:sp>
+        <p:nvSpPr>
+          <p:cNvPr id="21" name="CaixaDeTexto 20"/>
+          <p:cNvSpPr txBox="1"/>
+          <p:nvPr/>
+        </p:nvSpPr>
+        <p:spPr>
+          <a:xfrm>
+            <a:off x="9415640" y="3205335"/>
+            <a:ext cx="1781175" cy="1169551"/>
+          </a:xfrm>
+          <a:prstGeom prst="rect">
+            <a:avLst/>
+          </a:prstGeom>
+          <a:noFill/>
+        </p:spPr>
+        <p:txBody>
+          <a:bodyPr wrap="square" rtlCol="0">
+            <a:spAutoFit/>
+          </a:bodyPr>
+          <a:lstStyle/>
+          <a:p>
+            <a:r>
+              <a:rPr lang="pt-BR" sz="1400" dirty="0" smtClean="0"/>
+              <a:t>Quando em modo edição e o cursor estiver no campo o fundo deve ficar verde.</a:t>
+            </a:r>
+            <a:endParaRPr lang="pt-BR" sz="1400" dirty="0"/>
+          </a:p>
+        </p:txBody>
+      </p:sp>
+    </p:spTree>
+    <p:extLst>
+      <p:ext uri="{BB962C8B-B14F-4D97-AF65-F5344CB8AC3E}">
+        <p14:creationId xmlns:p14="http://schemas.microsoft.com/office/powerpoint/2010/main" val="2054591216"/>
+      </p:ext>
+    </p:extLst>
+  </p:cSld>
+  <p:clrMapOvr>
+    <a:masterClrMapping/>
+  </p:clrMapOvr>
+  <p:transition>
+    <p:fade/>
+  </p:transition>
+</p:sld>
+</file>
+
+<file path=ppt/slides/slide2.xml><?xml version="1.0" encoding="utf-8"?>
+<p:sld xmlns:a="http://schemas.openxmlformats.org/drawingml/2006/main" xmlns:r="http://schemas.openxmlformats.org/officeDocument/2006/relationships" xmlns:p="http://schemas.openxmlformats.org/presentationml/2006/main">
+  <p:cSld>
+    <p:bg>
+      <p:bgPr>
+        <a:solidFill>
+          <a:schemeClr val="bg1"/>
+        </a:solidFill>
+        <a:effectLst/>
+      </p:bgPr>
+    </p:bg>
+    <p:spTree>
+      <p:nvGrpSpPr>
+        <p:cNvPr id="1" name=""/>
+        <p:cNvGrpSpPr/>
+        <p:nvPr/>
+      </p:nvGrpSpPr>
+      <p:grpSpPr>
+        <a:xfrm>
+          <a:off x="0" y="0"/>
+          <a:ext cx="0" cy="0"/>
+          <a:chOff x="0" y="0"/>
+          <a:chExt cx="0" cy="0"/>
+        </a:xfrm>
+      </p:grpSpPr>
+      <p:sp useBgFill="1">
+        <p:nvSpPr>
+          <p:cNvPr id="10" name="Rectangle 9">
+            <a:extLst>
+              <a:ext uri="{FF2B5EF4-FFF2-40B4-BE49-F238E27FC236}">
+                <a16:creationId xmlns:a16="http://schemas.microsoft.com/office/drawing/2014/main" id="{5E8D3B17-7638-DFD3-18E4-8A6D611749CF}"/>
+              </a:ext>
+              <a:ext uri="{C183D7F6-B498-43B3-948B-1728B52AA6E4}">
+                <adec:decorative xmlns:adec="http://schemas.microsoft.com/office/drawing/2017/decorative" xmlns="" val="1"/>
+              </a:ext>
+            </a:extLst>
+          </p:cNvPr>
+          <p:cNvSpPr>
+            <a:spLocks noGrp="1" noRot="1" noChangeAspect="1" noMove="1" noResize="1" noEditPoints="1" noAdjustHandles="1" noChangeArrowheads="1" noChangeShapeType="1" noTextEdit="1"/>
+          </p:cNvSpPr>
+          <p:nvPr>
+            <p:extLst>
+              <p:ext uri="{386F3935-93C4-4BCD-93E2-E3B085C9AB24}">
+                <p16:designElem xmlns:p16="http://schemas.microsoft.com/office/powerpoint/2015/main" val="1"/>
+              </p:ext>
+            </p:extLst>
+          </p:nvPr>
+        </p:nvSpPr>
+        <p:spPr>
+          <a:xfrm>
+            <a:off x="0" y="0"/>
+            <a:ext cx="12192000" cy="6858000"/>
+          </a:xfrm>
+          <a:prstGeom prst="rect">
+            <a:avLst/>
+          </a:prstGeom>
+          <a:ln w="12700" cap="flat" cmpd="sng" algn="ctr">
+            <a:noFill/>
+            <a:prstDash val="solid"/>
+            <a:miter lim="800000"/>
+          </a:ln>
+          <a:effectLst/>
+          <a:extLst>
+            <a:ext uri="{91240B29-F687-4F45-9708-019B960494DF}">
+              <a14:hiddenLine xmlns:a14="http://schemas.microsoft.com/office/drawing/2010/main" w="12700" cap="flat" cmpd="sng" algn="ctr">
+                <a:solidFill>
+                  <a:schemeClr val="accent1">
+                    <a:shade val="15000"/>
+                  </a:schemeClr>
+                </a:solidFill>
+                <a:prstDash val="solid"/>
+                <a:miter lim="800000"/>
+              </a14:hiddenLine>
+            </a:ext>
+          </a:extLst>
+        </p:spPr>
+        <p:style>
+          <a:lnRef idx="2">
+            <a:schemeClr val="accent1">
+              <a:shade val="15000"/>
+            </a:schemeClr>
+          </a:lnRef>
+          <a:fillRef idx="1">
+            <a:schemeClr val="accent1"/>
+          </a:fillRef>
+          <a:effectRef idx="0">
+            <a:schemeClr val="accent1"/>
+          </a:effectRef>
+          <a:fontRef idx="minor">
+            <a:schemeClr val="lt1"/>
+          </a:fontRef>
+        </p:style>
+        <p:txBody>
+          <a:bodyPr rtlCol="0" anchor="ctr"/>
+          <a:lstStyle/>
+          <a:p>
+            <a:pPr algn="ctr"/>
+            <a:endParaRPr lang="en-US"/>
+          </a:p>
+        </p:txBody>
+      </p:sp>
+      <p:pic>
+        <p:nvPicPr>
+          <p:cNvPr id="5" name="Espaço Reservado para Conteúdo 4" descr="Ilustração 3D.">
+            <a:extLst>
+              <a:ext uri="{FF2B5EF4-FFF2-40B4-BE49-F238E27FC236}">
+                <a16:creationId xmlns:a16="http://schemas.microsoft.com/office/drawing/2014/main" id="{5AE52070-2197-4C47-AD66-664AE4BABC6B}"/>
+              </a:ext>
+            </a:extLst>
+          </p:cNvPr>
+          <p:cNvPicPr>
+            <a:picLocks noGrp="1" noChangeAspect="1"/>
+          </p:cNvPicPr>
+          <p:nvPr>
+            <p:ph sz="half" idx="1"/>
+          </p:nvPr>
+        </p:nvPicPr>
+        <p:blipFill>
+          <a:blip r:embed="rId3"/>
+          <a:srcRect r="46300"/>
+          <a:stretch/>
+        </p:blipFill>
+        <p:spPr>
+          <a:xfrm>
+            <a:off x="20" y="10"/>
+            <a:ext cx="4910308" cy="6857990"/>
+          </a:xfrm>
+          <a:prstGeom prst="rect">
+            <a:avLst/>
+          </a:prstGeom>
+        </p:spPr>
+      </p:pic>
+      <p:sp>
+        <p:nvSpPr>
+          <p:cNvPr id="2" name="Título 1">
+            <a:extLst>
+              <a:ext uri="{FF2B5EF4-FFF2-40B4-BE49-F238E27FC236}">
+                <a16:creationId xmlns:a16="http://schemas.microsoft.com/office/drawing/2014/main" id="{9804F46E-89A6-0254-3C0B-A8EFB0256F1C}"/>
+              </a:ext>
+            </a:extLst>
+          </p:cNvPr>
+          <p:cNvSpPr>
+            <a:spLocks noGrp="1"/>
+          </p:cNvSpPr>
+          <p:nvPr>
+            <p:ph type="title"/>
+          </p:nvPr>
+        </p:nvSpPr>
+        <p:spPr>
+          <a:xfrm>
+            <a:off x="5568537" y="-419907"/>
+            <a:ext cx="5916168" cy="1527048"/>
           </a:xfrm>
         </p:spPr>
         <p:txBody>
@@ -12329,7 +13412,7 @@
                 <a:ea typeface="+mj-ea"/>
                 <a:cs typeface="+mj-cs"/>
               </a:rPr>
-              <a:t>Diagrama</a:t>
+              <a:t>Introdução</a:t>
             </a:r>
             <a:r>
               <a:rPr lang="en-US" b="1" kern="1200" dirty="0">
@@ -12340,8 +13423,49 @@
                 <a:ea typeface="+mj-ea"/>
                 <a:cs typeface="+mj-cs"/>
               </a:rPr>
-              <a:t> UML</a:t>
-            </a:r>
+              <a:t> </a:t>
+            </a:r>
+            <a:r>
+              <a:rPr lang="en-US" b="1" kern="1200" dirty="0" err="1">
+                <a:solidFill>
+                  <a:schemeClr val="tx1"/>
+                </a:solidFill>
+                <a:latin typeface="+mj-lt"/>
+                <a:ea typeface="+mj-ea"/>
+                <a:cs typeface="+mj-cs"/>
+              </a:rPr>
+              <a:t>ao</a:t>
+            </a:r>
+            <a:r>
+              <a:rPr lang="en-US" b="1" kern="1200" dirty="0">
+                <a:solidFill>
+                  <a:schemeClr val="tx1"/>
+                </a:solidFill>
+                <a:latin typeface="+mj-lt"/>
+                <a:ea typeface="+mj-ea"/>
+                <a:cs typeface="+mj-cs"/>
+              </a:rPr>
+              <a:t> </a:t>
+            </a:r>
+            <a:r>
+              <a:rPr lang="en-US" b="1" kern="1200" dirty="0" err="1">
+                <a:solidFill>
+                  <a:schemeClr val="tx1"/>
+                </a:solidFill>
+                <a:latin typeface="+mj-lt"/>
+                <a:ea typeface="+mj-ea"/>
+                <a:cs typeface="+mj-cs"/>
+              </a:rPr>
+              <a:t>projeto</a:t>
+            </a:r>
+            <a:endParaRPr lang="en-US" b="1" kern="1200" dirty="0">
+              <a:solidFill>
+                <a:schemeClr val="tx1"/>
+              </a:solidFill>
+              <a:latin typeface="+mj-lt"/>
+              <a:ea typeface="+mj-ea"/>
+              <a:cs typeface="+mj-cs"/>
+            </a:endParaRPr>
           </a:p>
         </p:txBody>
       </p:sp>
@@ -12350,7 +13474,7 @@
           <p:cNvPr id="4" name="Espaço Reservado para Conteúdo 3">
             <a:extLst>
               <a:ext uri="{FF2B5EF4-FFF2-40B4-BE49-F238E27FC236}">
-                <a16:creationId xmlns:a16="http://schemas.microsoft.com/office/drawing/2014/main" id="{14470043-6B1C-57FC-4F15-0FAD899F9E73}"/>
+                <a16:creationId xmlns:a16="http://schemas.microsoft.com/office/drawing/2014/main" id="{A2724719-90E6-28A0-6F62-77C265C4C375}"/>
               </a:ext>
             </a:extLst>
           </p:cNvPr>
@@ -12361,7 +13485,7 @@
             <p:ph sz="half" idx="2"/>
             <p:extLst>
               <p:ext uri="{E7BDC344-281C-4309-B0C6-D0EE65EED2A8}">
-                <p202:designPr xmlns="" xmlns:p202="http://schemas.microsoft.com/office/powerpoint/2020/02/main">
+                <p202:designPr xmlns:p202="http://schemas.microsoft.com/office/powerpoint/2020/02/main" xmlns="">
                   <p202:designTagLst>
                     <p202:designTag name="ARCH:1:CLS" val="InformationBlock"/>
                     <p202:designTag name="ARCH:1:VSVAR" val="TitledTextBox"/>
@@ -12373,8 +13497,8 @@
         </p:nvSpPr>
         <p:spPr>
           <a:xfrm>
-            <a:off x="919262" y="1905189"/>
-            <a:ext cx="11032331" cy="4095078"/>
+            <a:off x="5568537" y="2214282"/>
+            <a:ext cx="5916168" cy="4095078"/>
           </a:xfrm>
         </p:spPr>
         <p:txBody>
@@ -12391,11 +13515,37 @@
             </a:pPr>
             <a:r>
               <a:rPr lang="pt-BR" sz="1400" b="1" dirty="0"/>
-              <a:t>Usar um diagrama UML: pode ser de atividade,</a:t>
-            </a:r>
+              <a:t>Objetivo do Projeto</a:t>
+            </a:r>
+          </a:p>
+          <a:p>
+            <a:pPr marL="0" lvl="1" indent="0">
+              <a:buNone/>
+            </a:pPr>
             <a:r>
               <a:rPr lang="pt-BR" sz="1400" dirty="0"/>
-              <a:t> estado</a:t>
+              <a:t>O objetivo principal do projeto é desenvolver um sistema que atenda de forma eficaz às necessidades dos usuários de um sistema de Almoxarifado</a:t>
+            </a:r>
+          </a:p>
+          <a:p>
+            <a:pPr marL="0" indent="0">
+              <a:spcBef>
+                <a:spcPts val="2500"/>
+              </a:spcBef>
+              <a:buNone/>
+            </a:pPr>
+            <a:r>
+              <a:rPr lang="pt-BR" sz="1400" b="1" dirty="0"/>
+              <a:t>Escopo do Projeto</a:t>
+            </a:r>
+          </a:p>
+          <a:p>
+            <a:pPr marL="0" lvl="1" indent="0">
+              <a:buNone/>
+            </a:pPr>
+            <a:r>
+              <a:rPr lang="pt-BR" sz="1400" dirty="0"/>
+              <a:t>O escopo do projeto abrange todas as funcionalidades e requisitos que o sistema deve atender, garantindo uma entrega completa e eficiente.</a:t>
             </a:r>
           </a:p>
         </p:txBody>
@@ -12403,7 +13553,7 @@
     </p:spTree>
     <p:extLst>
       <p:ext uri="{BB962C8B-B14F-4D97-AF65-F5344CB8AC3E}">
-        <p14:creationId xmlns:p14="http://schemas.microsoft.com/office/powerpoint/2010/main" val="3395640204"/>
+        <p14:creationId xmlns:p14="http://schemas.microsoft.com/office/powerpoint/2010/main" val="1739451752"/>
       </p:ext>
     </p:extLst>
   </p:cSld>
@@ -12554,7 +13704,7 @@
 </p:sld>
 </file>
 
-<file path=ppt/slides/slide2.xml><?xml version="1.0" encoding="utf-8"?>
+<file path=ppt/slides/slide20.xml><?xml version="1.0" encoding="utf-8"?>
 <p:sld xmlns:a="http://schemas.openxmlformats.org/drawingml/2006/main" xmlns:r="http://schemas.openxmlformats.org/officeDocument/2006/relationships" xmlns:p="http://schemas.openxmlformats.org/presentationml/2006/main">
   <p:cSld>
     <p:bg>
@@ -12587,7 +13737,7 @@
                 <a16:creationId xmlns:a16="http://schemas.microsoft.com/office/drawing/2014/main" id="{5E8D3B17-7638-DFD3-18E4-8A6D611749CF}"/>
               </a:ext>
               <a:ext uri="{C183D7F6-B498-43B3-948B-1728B52AA6E4}">
-                <adec:decorative xmlns="" xmlns:adec="http://schemas.microsoft.com/office/drawing/2017/decorative" val="1"/>
+                <adec:decorative xmlns:adec="http://schemas.microsoft.com/office/drawing/2017/decorative" xmlns="" val="1"/>
               </a:ext>
             </a:extLst>
           </p:cNvPr>
@@ -12655,43 +13805,879 @@
           </a:p>
         </p:txBody>
       </p:sp>
-      <p:pic>
-        <p:nvPicPr>
-          <p:cNvPr id="5" name="Espaço Reservado para Conteúdo 4" descr="Ilustração 3D.">
-            <a:extLst>
-              <a:ext uri="{FF2B5EF4-FFF2-40B4-BE49-F238E27FC236}">
-                <a16:creationId xmlns:a16="http://schemas.microsoft.com/office/drawing/2014/main" id="{5AE52070-2197-4C47-AD66-664AE4BABC6B}"/>
-              </a:ext>
-            </a:extLst>
-          </p:cNvPr>
-          <p:cNvPicPr>
-            <a:picLocks noGrp="1" noChangeAspect="1"/>
-          </p:cNvPicPr>
-          <p:nvPr>
-            <p:ph sz="half" idx="1"/>
-          </p:nvPr>
-        </p:nvPicPr>
-        <p:blipFill>
-          <a:blip r:embed="rId3"/>
-          <a:srcRect r="46300"/>
-          <a:stretch/>
-        </p:blipFill>
+      <p:sp>
+        <p:nvSpPr>
+          <p:cNvPr id="2" name="Título 1">
+            <a:extLst>
+              <a:ext uri="{FF2B5EF4-FFF2-40B4-BE49-F238E27FC236}">
+                <a16:creationId xmlns:a16="http://schemas.microsoft.com/office/drawing/2014/main" id="{52C8C7F8-6A55-1DF8-3A33-F776C9F854B3}"/>
+              </a:ext>
+            </a:extLst>
+          </p:cNvPr>
+          <p:cNvSpPr>
+            <a:spLocks noGrp="1"/>
+          </p:cNvSpPr>
+          <p:nvPr>
+            <p:ph type="title"/>
+          </p:nvPr>
+        </p:nvSpPr>
         <p:spPr>
           <a:xfrm>
-            <a:off x="20" y="10"/>
-            <a:ext cx="4910308" cy="6857990"/>
+            <a:off x="2917771" y="-695454"/>
+            <a:ext cx="5916168" cy="1527048"/>
+          </a:xfrm>
+        </p:spPr>
+        <p:txBody>
+          <a:bodyPr vert="horz" lIns="91440" tIns="45720" rIns="91440" bIns="45720" rtlCol="0" anchor="b">
+            <a:normAutofit/>
+          </a:bodyPr>
+          <a:lstStyle/>
+          <a:p>
+            <a:r>
+              <a:rPr lang="en-US" b="0" kern="1200" dirty="0" err="1" smtClean="0">
+                <a:solidFill>
+                  <a:schemeClr val="tx1"/>
+                </a:solidFill>
+                <a:latin typeface="+mj-lt"/>
+                <a:ea typeface="+mj-ea"/>
+                <a:cs typeface="+mj-cs"/>
+              </a:rPr>
+              <a:t>Tela</a:t>
+            </a:r>
+            <a:r>
+              <a:rPr lang="en-US" b="0" kern="1200" dirty="0" smtClean="0">
+                <a:solidFill>
+                  <a:schemeClr val="tx1"/>
+                </a:solidFill>
+                <a:latin typeface="+mj-lt"/>
+                <a:ea typeface="+mj-ea"/>
+                <a:cs typeface="+mj-cs"/>
+              </a:rPr>
+              <a:t> </a:t>
+            </a:r>
+            <a:r>
+              <a:rPr lang="en-US" b="0" kern="1200" dirty="0" err="1" smtClean="0">
+                <a:solidFill>
+                  <a:schemeClr val="tx1"/>
+                </a:solidFill>
+                <a:latin typeface="+mj-lt"/>
+                <a:ea typeface="+mj-ea"/>
+                <a:cs typeface="+mj-cs"/>
+              </a:rPr>
+              <a:t>Produto</a:t>
+            </a:r>
+            <a:endParaRPr lang="en-US" b="0" kern="1200" dirty="0">
+              <a:solidFill>
+                <a:schemeClr val="tx1"/>
+              </a:solidFill>
+              <a:latin typeface="+mj-lt"/>
+              <a:ea typeface="+mj-ea"/>
+              <a:cs typeface="+mj-cs"/>
+            </a:endParaRPr>
+          </a:p>
+        </p:txBody>
+      </p:sp>
+      <p:sp>
+        <p:nvSpPr>
+          <p:cNvPr id="7" name="Título 1">
+            <a:extLst>
+              <a:ext uri="{FF2B5EF4-FFF2-40B4-BE49-F238E27FC236}">
+                <a16:creationId xmlns:a16="http://schemas.microsoft.com/office/drawing/2014/main" id="{F08859EF-E25E-52C0-C024-DE22738F8749}"/>
+              </a:ext>
+            </a:extLst>
+          </p:cNvPr>
+          <p:cNvSpPr txBox="1">
+            <a:spLocks/>
+          </p:cNvSpPr>
+          <p:nvPr/>
+        </p:nvSpPr>
+        <p:spPr>
+          <a:xfrm>
+            <a:off x="414841" y="-695454"/>
+            <a:ext cx="5916168" cy="1527048"/>
           </a:xfrm>
           <a:prstGeom prst="rect">
             <a:avLst/>
           </a:prstGeom>
         </p:spPr>
-      </p:pic>
+        <p:txBody>
+          <a:bodyPr vert="horz" lIns="91440" tIns="45720" rIns="91440" bIns="45720" rtlCol="0" anchor="b">
+            <a:normAutofit/>
+          </a:bodyPr>
+          <a:lstStyle>
+            <a:lvl1pPr algn="l" defTabSz="914400" rtl="0" eaLnBrk="1" latinLnBrk="0" hangingPunct="1">
+              <a:lnSpc>
+                <a:spcPct val="90000"/>
+              </a:lnSpc>
+              <a:spcBef>
+                <a:spcPct val="0"/>
+              </a:spcBef>
+              <a:buNone/>
+              <a:defRPr sz="3600" b="1" kern="1200">
+                <a:solidFill>
+                  <a:schemeClr val="tx1"/>
+                </a:solidFill>
+                <a:latin typeface="+mj-lt"/>
+                <a:ea typeface="+mj-ea"/>
+                <a:cs typeface="+mj-cs"/>
+              </a:defRPr>
+            </a:lvl1pPr>
+          </a:lstStyle>
+          <a:p>
+            <a:r>
+              <a:rPr lang="en-US" dirty="0"/>
+              <a:t>Wireframe</a:t>
+            </a:r>
+          </a:p>
+        </p:txBody>
+      </p:sp>
+      <p:sp>
+        <p:nvSpPr>
+          <p:cNvPr id="4" name="Retângulo 3"/>
+          <p:cNvSpPr/>
+          <p:nvPr/>
+        </p:nvSpPr>
+        <p:spPr>
+          <a:xfrm>
+            <a:off x="1044222" y="1224844"/>
+            <a:ext cx="10193866" cy="5317067"/>
+          </a:xfrm>
+          <a:prstGeom prst="rect">
+            <a:avLst/>
+          </a:prstGeom>
+        </p:spPr>
+        <p:style>
+          <a:lnRef idx="2">
+            <a:schemeClr val="accent1"/>
+          </a:lnRef>
+          <a:fillRef idx="1">
+            <a:schemeClr val="lt1"/>
+          </a:fillRef>
+          <a:effectRef idx="0">
+            <a:schemeClr val="accent1"/>
+          </a:effectRef>
+          <a:fontRef idx="minor">
+            <a:schemeClr val="dk1"/>
+          </a:fontRef>
+        </p:style>
+        <p:txBody>
+          <a:bodyPr rtlCol="0" anchor="ctr"/>
+          <a:lstStyle/>
+          <a:p>
+            <a:pPr algn="ctr"/>
+            <a:endParaRPr lang="pt-BR" dirty="0"/>
+          </a:p>
+        </p:txBody>
+      </p:sp>
+      <p:sp>
+        <p:nvSpPr>
+          <p:cNvPr id="8" name="Retângulo 7"/>
+          <p:cNvSpPr/>
+          <p:nvPr/>
+        </p:nvSpPr>
+        <p:spPr>
+          <a:xfrm>
+            <a:off x="1044222" y="1224844"/>
+            <a:ext cx="10193866" cy="389467"/>
+          </a:xfrm>
+          <a:prstGeom prst="rect">
+            <a:avLst/>
+          </a:prstGeom>
+        </p:spPr>
+        <p:style>
+          <a:lnRef idx="2">
+            <a:schemeClr val="accent6"/>
+          </a:lnRef>
+          <a:fillRef idx="1">
+            <a:schemeClr val="lt1"/>
+          </a:fillRef>
+          <a:effectRef idx="0">
+            <a:schemeClr val="accent6"/>
+          </a:effectRef>
+          <a:fontRef idx="minor">
+            <a:schemeClr val="dk1"/>
+          </a:fontRef>
+        </p:style>
+        <p:txBody>
+          <a:bodyPr rtlCol="0" anchor="ctr"/>
+          <a:lstStyle/>
+          <a:p>
+            <a:pPr algn="ctr"/>
+            <a:endParaRPr lang="pt-BR" dirty="0"/>
+          </a:p>
+        </p:txBody>
+      </p:sp>
+      <p:sp>
+        <p:nvSpPr>
+          <p:cNvPr id="6" name="Elipse 5"/>
+          <p:cNvSpPr/>
+          <p:nvPr/>
+        </p:nvSpPr>
+        <p:spPr>
+          <a:xfrm>
+            <a:off x="10803466" y="1255888"/>
+            <a:ext cx="293511" cy="302204"/>
+          </a:xfrm>
+          <a:prstGeom prst="ellipse">
+            <a:avLst/>
+          </a:prstGeom>
+        </p:spPr>
+        <p:style>
+          <a:lnRef idx="2">
+            <a:schemeClr val="accent3">
+              <a:shade val="50000"/>
+            </a:schemeClr>
+          </a:lnRef>
+          <a:fillRef idx="1">
+            <a:schemeClr val="accent3"/>
+          </a:fillRef>
+          <a:effectRef idx="0">
+            <a:schemeClr val="accent3"/>
+          </a:effectRef>
+          <a:fontRef idx="minor">
+            <a:schemeClr val="lt1"/>
+          </a:fontRef>
+        </p:style>
+        <p:txBody>
+          <a:bodyPr rtlCol="0" anchor="ctr"/>
+          <a:lstStyle/>
+          <a:p>
+            <a:pPr algn="ctr"/>
+            <a:r>
+              <a:rPr lang="pt-BR" dirty="0" smtClean="0"/>
+              <a:t>x</a:t>
+            </a:r>
+            <a:endParaRPr lang="pt-BR" dirty="0"/>
+          </a:p>
+        </p:txBody>
+      </p:sp>
+      <p:sp>
+        <p:nvSpPr>
+          <p:cNvPr id="11" name="Retângulo 10"/>
+          <p:cNvSpPr/>
+          <p:nvPr/>
+        </p:nvSpPr>
+        <p:spPr>
+          <a:xfrm>
+            <a:off x="2689946" y="2201558"/>
+            <a:ext cx="1735298" cy="389467"/>
+          </a:xfrm>
+          <a:prstGeom prst="rect">
+            <a:avLst/>
+          </a:prstGeom>
+          <a:solidFill>
+            <a:schemeClr val="bg1">
+              <a:lumMod val="85000"/>
+            </a:schemeClr>
+          </a:solidFill>
+        </p:spPr>
+        <p:style>
+          <a:lnRef idx="2">
+            <a:schemeClr val="accent6"/>
+          </a:lnRef>
+          <a:fillRef idx="1">
+            <a:schemeClr val="lt1"/>
+          </a:fillRef>
+          <a:effectRef idx="0">
+            <a:schemeClr val="accent6"/>
+          </a:effectRef>
+          <a:fontRef idx="minor">
+            <a:schemeClr val="dk1"/>
+          </a:fontRef>
+        </p:style>
+        <p:txBody>
+          <a:bodyPr rtlCol="0" anchor="ctr"/>
+          <a:lstStyle/>
+          <a:p>
+            <a:pPr algn="ctr"/>
+            <a:endParaRPr lang="pt-BR" dirty="0"/>
+          </a:p>
+        </p:txBody>
+      </p:sp>
+      <p:sp>
+        <p:nvSpPr>
+          <p:cNvPr id="12" name="Título 1">
+            <a:extLst>
+              <a:ext uri="{FF2B5EF4-FFF2-40B4-BE49-F238E27FC236}">
+                <a16:creationId xmlns:a16="http://schemas.microsoft.com/office/drawing/2014/main" id="{52C8C7F8-6A55-1DF8-3A33-F776C9F854B3}"/>
+              </a:ext>
+            </a:extLst>
+          </p:cNvPr>
+          <p:cNvSpPr txBox="1">
+            <a:spLocks/>
+          </p:cNvSpPr>
+          <p:nvPr/>
+        </p:nvSpPr>
+        <p:spPr>
+          <a:xfrm>
+            <a:off x="1557459" y="1063977"/>
+            <a:ext cx="5916168" cy="1527048"/>
+          </a:xfrm>
+          <a:prstGeom prst="rect">
+            <a:avLst/>
+          </a:prstGeom>
+        </p:spPr>
+        <p:txBody>
+          <a:bodyPr vert="horz" lIns="91440" tIns="45720" rIns="91440" bIns="45720" rtlCol="0" anchor="b">
+            <a:normAutofit/>
+          </a:bodyPr>
+          <a:lstStyle>
+            <a:lvl1pPr algn="l" defTabSz="914400" rtl="0" eaLnBrk="1" latinLnBrk="0" hangingPunct="1">
+              <a:lnSpc>
+                <a:spcPct val="90000"/>
+              </a:lnSpc>
+              <a:spcBef>
+                <a:spcPct val="0"/>
+              </a:spcBef>
+              <a:buNone/>
+              <a:defRPr sz="3600" b="1" kern="1200">
+                <a:solidFill>
+                  <a:schemeClr val="tx1"/>
+                </a:solidFill>
+                <a:latin typeface="+mj-lt"/>
+                <a:ea typeface="+mj-ea"/>
+                <a:cs typeface="+mj-cs"/>
+              </a:defRPr>
+            </a:lvl1pPr>
+          </a:lstStyle>
+          <a:p>
+            <a:r>
+              <a:rPr lang="en-US" sz="2000" b="0" dirty="0" err="1" smtClean="0"/>
+              <a:t>Código</a:t>
+            </a:r>
+            <a:endParaRPr lang="en-US" sz="2000" b="0" dirty="0"/>
+          </a:p>
+        </p:txBody>
+      </p:sp>
+      <p:sp>
+        <p:nvSpPr>
+          <p:cNvPr id="13" name="Título 1">
+            <a:extLst>
+              <a:ext uri="{FF2B5EF4-FFF2-40B4-BE49-F238E27FC236}">
+                <a16:creationId xmlns:a16="http://schemas.microsoft.com/office/drawing/2014/main" id="{52C8C7F8-6A55-1DF8-3A33-F776C9F854B3}"/>
+              </a:ext>
+            </a:extLst>
+          </p:cNvPr>
+          <p:cNvSpPr txBox="1">
+            <a:spLocks/>
+          </p:cNvSpPr>
+          <p:nvPr/>
+        </p:nvSpPr>
+        <p:spPr>
+          <a:xfrm>
+            <a:off x="1286538" y="2580272"/>
+            <a:ext cx="5916168" cy="550334"/>
+          </a:xfrm>
+          <a:prstGeom prst="rect">
+            <a:avLst/>
+          </a:prstGeom>
+        </p:spPr>
+        <p:txBody>
+          <a:bodyPr vert="horz" lIns="91440" tIns="45720" rIns="91440" bIns="45720" rtlCol="0" anchor="b">
+            <a:normAutofit/>
+          </a:bodyPr>
+          <a:lstStyle>
+            <a:lvl1pPr algn="l" defTabSz="914400" rtl="0" eaLnBrk="1" latinLnBrk="0" hangingPunct="1">
+              <a:lnSpc>
+                <a:spcPct val="90000"/>
+              </a:lnSpc>
+              <a:spcBef>
+                <a:spcPct val="0"/>
+              </a:spcBef>
+              <a:buNone/>
+              <a:defRPr sz="3600" b="1" kern="1200">
+                <a:solidFill>
+                  <a:schemeClr val="tx1"/>
+                </a:solidFill>
+                <a:latin typeface="+mj-lt"/>
+                <a:ea typeface="+mj-ea"/>
+                <a:cs typeface="+mj-cs"/>
+              </a:defRPr>
+            </a:lvl1pPr>
+          </a:lstStyle>
+          <a:p>
+            <a:r>
+              <a:rPr lang="en-US" sz="2000" b="0" dirty="0" err="1" smtClean="0"/>
+              <a:t>Descrição</a:t>
+            </a:r>
+            <a:endParaRPr lang="en-US" sz="2000" b="0" dirty="0"/>
+          </a:p>
+        </p:txBody>
+      </p:sp>
+      <p:sp>
+        <p:nvSpPr>
+          <p:cNvPr id="14" name="Retângulo 13"/>
+          <p:cNvSpPr/>
+          <p:nvPr/>
+        </p:nvSpPr>
+        <p:spPr>
+          <a:xfrm>
+            <a:off x="2689945" y="2730386"/>
+            <a:ext cx="5325165" cy="389467"/>
+          </a:xfrm>
+          <a:prstGeom prst="rect">
+            <a:avLst/>
+          </a:prstGeom>
+          <a:solidFill>
+            <a:srgbClr val="92D050"/>
+          </a:solidFill>
+        </p:spPr>
+        <p:style>
+          <a:lnRef idx="2">
+            <a:schemeClr val="accent1">
+              <a:shade val="50000"/>
+            </a:schemeClr>
+          </a:lnRef>
+          <a:fillRef idx="1">
+            <a:schemeClr val="accent1"/>
+          </a:fillRef>
+          <a:effectRef idx="0">
+            <a:schemeClr val="accent1"/>
+          </a:effectRef>
+          <a:fontRef idx="minor">
+            <a:schemeClr val="lt1"/>
+          </a:fontRef>
+        </p:style>
+        <p:txBody>
+          <a:bodyPr rtlCol="0" anchor="ctr"/>
+          <a:lstStyle/>
+          <a:p>
+            <a:r>
+              <a:rPr lang="pt-BR" dirty="0" smtClean="0"/>
+              <a:t>Café </a:t>
+            </a:r>
+            <a:r>
+              <a:rPr lang="pt-BR" dirty="0" err="1" smtClean="0"/>
+              <a:t>Estan</a:t>
+            </a:r>
+            <a:endParaRPr lang="pt-BR" dirty="0"/>
+          </a:p>
+        </p:txBody>
+      </p:sp>
+      <p:sp>
+        <p:nvSpPr>
+          <p:cNvPr id="15" name="Título 1">
+            <a:extLst>
+              <a:ext uri="{FF2B5EF4-FFF2-40B4-BE49-F238E27FC236}">
+                <a16:creationId xmlns:a16="http://schemas.microsoft.com/office/drawing/2014/main" id="{52C8C7F8-6A55-1DF8-3A33-F776C9F854B3}"/>
+              </a:ext>
+            </a:extLst>
+          </p:cNvPr>
+          <p:cNvSpPr txBox="1">
+            <a:spLocks/>
+          </p:cNvSpPr>
+          <p:nvPr/>
+        </p:nvSpPr>
+        <p:spPr>
+          <a:xfrm>
+            <a:off x="1467160" y="3119853"/>
+            <a:ext cx="5916168" cy="550334"/>
+          </a:xfrm>
+          <a:prstGeom prst="rect">
+            <a:avLst/>
+          </a:prstGeom>
+        </p:spPr>
+        <p:txBody>
+          <a:bodyPr vert="horz" lIns="91440" tIns="45720" rIns="91440" bIns="45720" rtlCol="0" anchor="b">
+            <a:normAutofit/>
+          </a:bodyPr>
+          <a:lstStyle>
+            <a:lvl1pPr algn="l" defTabSz="914400" rtl="0" eaLnBrk="1" latinLnBrk="0" hangingPunct="1">
+              <a:lnSpc>
+                <a:spcPct val="90000"/>
+              </a:lnSpc>
+              <a:spcBef>
+                <a:spcPct val="0"/>
+              </a:spcBef>
+              <a:buNone/>
+              <a:defRPr sz="3600" b="1" kern="1200">
+                <a:solidFill>
+                  <a:schemeClr val="tx1"/>
+                </a:solidFill>
+                <a:latin typeface="+mj-lt"/>
+                <a:ea typeface="+mj-ea"/>
+                <a:cs typeface="+mj-cs"/>
+              </a:defRPr>
+            </a:lvl1pPr>
+          </a:lstStyle>
+          <a:p>
+            <a:r>
+              <a:rPr lang="en-US" sz="2000" b="0" dirty="0" err="1" smtClean="0"/>
+              <a:t>Unidade</a:t>
+            </a:r>
+            <a:endParaRPr lang="en-US" sz="2000" b="0" dirty="0"/>
+          </a:p>
+        </p:txBody>
+      </p:sp>
+      <p:sp>
+        <p:nvSpPr>
+          <p:cNvPr id="16" name="Retângulo 15"/>
+          <p:cNvSpPr/>
+          <p:nvPr/>
+        </p:nvSpPr>
+        <p:spPr>
+          <a:xfrm>
+            <a:off x="2689946" y="3265308"/>
+            <a:ext cx="1735298" cy="389467"/>
+          </a:xfrm>
+          <a:prstGeom prst="rect">
+            <a:avLst/>
+          </a:prstGeom>
+          <a:solidFill>
+            <a:schemeClr val="bg1"/>
+          </a:solidFill>
+        </p:spPr>
+        <p:style>
+          <a:lnRef idx="2">
+            <a:schemeClr val="accent6"/>
+          </a:lnRef>
+          <a:fillRef idx="1">
+            <a:schemeClr val="lt1"/>
+          </a:fillRef>
+          <a:effectRef idx="0">
+            <a:schemeClr val="accent6"/>
+          </a:effectRef>
+          <a:fontRef idx="minor">
+            <a:schemeClr val="dk1"/>
+          </a:fontRef>
+        </p:style>
+        <p:txBody>
+          <a:bodyPr rtlCol="0" anchor="ctr"/>
+          <a:lstStyle/>
+          <a:p>
+            <a:pPr algn="ctr"/>
+            <a:endParaRPr lang="pt-BR" dirty="0"/>
+          </a:p>
+        </p:txBody>
+      </p:sp>
+      <p:sp>
+        <p:nvSpPr>
+          <p:cNvPr id="9" name="Triângulo isósceles 8"/>
+          <p:cNvSpPr/>
+          <p:nvPr/>
+        </p:nvSpPr>
+        <p:spPr>
+          <a:xfrm rot="10800000">
+            <a:off x="4188178" y="3318281"/>
+            <a:ext cx="237066" cy="283520"/>
+          </a:xfrm>
+          <a:prstGeom prst="triangle">
+            <a:avLst/>
+          </a:prstGeom>
+        </p:spPr>
+        <p:style>
+          <a:lnRef idx="2">
+            <a:schemeClr val="dk1">
+              <a:shade val="50000"/>
+            </a:schemeClr>
+          </a:lnRef>
+          <a:fillRef idx="1">
+            <a:schemeClr val="dk1"/>
+          </a:fillRef>
+          <a:effectRef idx="0">
+            <a:schemeClr val="dk1"/>
+          </a:effectRef>
+          <a:fontRef idx="minor">
+            <a:schemeClr val="lt1"/>
+          </a:fontRef>
+        </p:style>
+        <p:txBody>
+          <a:bodyPr rtlCol="0" anchor="ctr"/>
+          <a:lstStyle/>
+          <a:p>
+            <a:pPr algn="ctr"/>
+            <a:endParaRPr lang="pt-BR"/>
+          </a:p>
+        </p:txBody>
+      </p:sp>
+      <p:sp>
+        <p:nvSpPr>
+          <p:cNvPr id="17" name="Retângulo Arredondado 16"/>
+          <p:cNvSpPr/>
+          <p:nvPr/>
+        </p:nvSpPr>
+        <p:spPr>
+          <a:xfrm>
+            <a:off x="6953249" y="5048250"/>
+            <a:ext cx="1190625" cy="314325"/>
+          </a:xfrm>
+          <a:prstGeom prst="roundRect">
+            <a:avLst/>
+          </a:prstGeom>
+        </p:spPr>
+        <p:style>
+          <a:lnRef idx="2">
+            <a:schemeClr val="accent1">
+              <a:shade val="50000"/>
+            </a:schemeClr>
+          </a:lnRef>
+          <a:fillRef idx="1">
+            <a:schemeClr val="accent1"/>
+          </a:fillRef>
+          <a:effectRef idx="0">
+            <a:schemeClr val="accent1"/>
+          </a:effectRef>
+          <a:fontRef idx="minor">
+            <a:schemeClr val="lt1"/>
+          </a:fontRef>
+        </p:style>
+        <p:txBody>
+          <a:bodyPr rtlCol="0" anchor="ctr"/>
+          <a:lstStyle/>
+          <a:p>
+            <a:pPr algn="ctr"/>
+            <a:r>
+              <a:rPr lang="pt-BR" dirty="0" smtClean="0"/>
+              <a:t>Salvar</a:t>
+            </a:r>
+            <a:endParaRPr lang="pt-BR" dirty="0"/>
+          </a:p>
+        </p:txBody>
+      </p:sp>
+      <p:sp>
+        <p:nvSpPr>
+          <p:cNvPr id="18" name="Retângulo Arredondado 17"/>
+          <p:cNvSpPr/>
+          <p:nvPr/>
+        </p:nvSpPr>
+        <p:spPr>
+          <a:xfrm>
+            <a:off x="5735696" y="5048249"/>
+            <a:ext cx="1190625" cy="314325"/>
+          </a:xfrm>
+          <a:prstGeom prst="roundRect">
+            <a:avLst/>
+          </a:prstGeom>
+        </p:spPr>
+        <p:style>
+          <a:lnRef idx="2">
+            <a:schemeClr val="accent3">
+              <a:shade val="50000"/>
+            </a:schemeClr>
+          </a:lnRef>
+          <a:fillRef idx="1">
+            <a:schemeClr val="accent3"/>
+          </a:fillRef>
+          <a:effectRef idx="0">
+            <a:schemeClr val="accent3"/>
+          </a:effectRef>
+          <a:fontRef idx="minor">
+            <a:schemeClr val="lt1"/>
+          </a:fontRef>
+        </p:style>
+        <p:txBody>
+          <a:bodyPr rtlCol="0" anchor="ctr"/>
+          <a:lstStyle/>
+          <a:p>
+            <a:pPr algn="ctr"/>
+            <a:r>
+              <a:rPr lang="pt-BR" dirty="0" smtClean="0"/>
+              <a:t>Cancelar</a:t>
+            </a:r>
+            <a:endParaRPr lang="pt-BR" dirty="0"/>
+          </a:p>
+        </p:txBody>
+      </p:sp>
+      <p:sp>
+        <p:nvSpPr>
+          <p:cNvPr id="19" name="Retângulo Arredondado 18"/>
+          <p:cNvSpPr/>
+          <p:nvPr/>
+        </p:nvSpPr>
+        <p:spPr>
+          <a:xfrm>
+            <a:off x="4425244" y="5048248"/>
+            <a:ext cx="1190625" cy="314325"/>
+          </a:xfrm>
+          <a:prstGeom prst="roundRect">
+            <a:avLst/>
+          </a:prstGeom>
+          <a:solidFill>
+            <a:srgbClr val="00B0F0"/>
+          </a:solidFill>
+        </p:spPr>
+        <p:style>
+          <a:lnRef idx="2">
+            <a:schemeClr val="accent1">
+              <a:shade val="50000"/>
+            </a:schemeClr>
+          </a:lnRef>
+          <a:fillRef idx="1">
+            <a:schemeClr val="accent1"/>
+          </a:fillRef>
+          <a:effectRef idx="0">
+            <a:schemeClr val="accent1"/>
+          </a:effectRef>
+          <a:fontRef idx="minor">
+            <a:schemeClr val="lt1"/>
+          </a:fontRef>
+        </p:style>
+        <p:txBody>
+          <a:bodyPr rtlCol="0" anchor="ctr"/>
+          <a:lstStyle/>
+          <a:p>
+            <a:pPr algn="ctr"/>
+            <a:r>
+              <a:rPr lang="pt-BR" dirty="0" smtClean="0"/>
+              <a:t>Voltar</a:t>
+            </a:r>
+            <a:endParaRPr lang="pt-BR" dirty="0"/>
+          </a:p>
+        </p:txBody>
+      </p:sp>
+      <p:sp>
+        <p:nvSpPr>
+          <p:cNvPr id="21" name="CaixaDeTexto 20"/>
+          <p:cNvSpPr txBox="1"/>
+          <p:nvPr/>
+        </p:nvSpPr>
+        <p:spPr>
+          <a:xfrm>
+            <a:off x="9415640" y="3205335"/>
+            <a:ext cx="1781175" cy="1169551"/>
+          </a:xfrm>
+          <a:prstGeom prst="rect">
+            <a:avLst/>
+          </a:prstGeom>
+          <a:noFill/>
+        </p:spPr>
+        <p:txBody>
+          <a:bodyPr wrap="square" rtlCol="0">
+            <a:spAutoFit/>
+          </a:bodyPr>
+          <a:lstStyle/>
+          <a:p>
+            <a:r>
+              <a:rPr lang="pt-BR" sz="1400" dirty="0" smtClean="0"/>
+              <a:t>Quando em modo edição e o cursor estiver no campo o fundo deve ficar verde.</a:t>
+            </a:r>
+            <a:endParaRPr lang="pt-BR" sz="1400" dirty="0"/>
+          </a:p>
+        </p:txBody>
+      </p:sp>
+    </p:spTree>
+    <p:extLst>
+      <p:ext uri="{BB962C8B-B14F-4D97-AF65-F5344CB8AC3E}">
+        <p14:creationId xmlns:p14="http://schemas.microsoft.com/office/powerpoint/2010/main" val="1358796605"/>
+      </p:ext>
+    </p:extLst>
+  </p:cSld>
+  <p:clrMapOvr>
+    <a:masterClrMapping/>
+  </p:clrMapOvr>
+  <p:transition>
+    <p:fade/>
+  </p:transition>
+</p:sld>
+</file>
+
+<file path=ppt/slides/slide21.xml><?xml version="1.0" encoding="utf-8"?>
+<p:sld xmlns:a="http://schemas.openxmlformats.org/drawingml/2006/main" xmlns:r="http://schemas.openxmlformats.org/officeDocument/2006/relationships" xmlns:p="http://schemas.openxmlformats.org/presentationml/2006/main">
+  <p:cSld>
+    <p:bg>
+      <p:bgPr>
+        <a:solidFill>
+          <a:schemeClr val="bg1"/>
+        </a:solidFill>
+        <a:effectLst/>
+      </p:bgPr>
+    </p:bg>
+    <p:spTree>
+      <p:nvGrpSpPr>
+        <p:cNvPr id="1" name=""/>
+        <p:cNvGrpSpPr/>
+        <p:nvPr/>
+      </p:nvGrpSpPr>
+      <p:grpSpPr>
+        <a:xfrm>
+          <a:off x="0" y="0"/>
+          <a:ext cx="0" cy="0"/>
+          <a:chOff x="0" y="0"/>
+          <a:chExt cx="0" cy="0"/>
+        </a:xfrm>
+      </p:grpSpPr>
+      <p:sp useBgFill="1">
+        <p:nvSpPr>
+          <p:cNvPr id="10" name="Rectangle 9">
+            <a:extLst>
+              <a:ext uri="{FF2B5EF4-FFF2-40B4-BE49-F238E27FC236}">
+                <a16:creationId xmlns:a16="http://schemas.microsoft.com/office/drawing/2014/main" id="{5E8D3B17-7638-DFD3-18E4-8A6D611749CF}"/>
+              </a:ext>
+              <a:ext uri="{C183D7F6-B498-43B3-948B-1728B52AA6E4}">
+                <adec:decorative xmlns:adec="http://schemas.microsoft.com/office/drawing/2017/decorative" xmlns="" val="1"/>
+              </a:ext>
+            </a:extLst>
+          </p:cNvPr>
+          <p:cNvSpPr>
+            <a:spLocks noGrp="1" noRot="1" noChangeAspect="1" noMove="1" noResize="1" noEditPoints="1" noAdjustHandles="1" noChangeArrowheads="1" noChangeShapeType="1" noTextEdit="1"/>
+          </p:cNvSpPr>
+          <p:nvPr>
+            <p:extLst>
+              <p:ext uri="{386F3935-93C4-4BCD-93E2-E3B085C9AB24}">
+                <p16:designElem xmlns:p16="http://schemas.microsoft.com/office/powerpoint/2015/main" val="1"/>
+              </p:ext>
+            </p:extLst>
+          </p:nvPr>
+        </p:nvSpPr>
+        <p:spPr>
+          <a:xfrm>
+            <a:off x="0" y="0"/>
+            <a:ext cx="12192000" cy="6858000"/>
+          </a:xfrm>
+          <a:prstGeom prst="rect">
+            <a:avLst/>
+          </a:prstGeom>
+          <a:ln w="12700" cap="flat" cmpd="sng" algn="ctr">
+            <a:noFill/>
+            <a:prstDash val="solid"/>
+            <a:miter lim="800000"/>
+          </a:ln>
+          <a:effectLst/>
+          <a:extLst>
+            <a:ext uri="{91240B29-F687-4F45-9708-019B960494DF}">
+              <a14:hiddenLine xmlns:a14="http://schemas.microsoft.com/office/drawing/2010/main" w="12700" cap="flat" cmpd="sng" algn="ctr">
+                <a:solidFill>
+                  <a:schemeClr val="accent1">
+                    <a:shade val="15000"/>
+                  </a:schemeClr>
+                </a:solidFill>
+                <a:prstDash val="solid"/>
+                <a:miter lim="800000"/>
+              </a14:hiddenLine>
+            </a:ext>
+          </a:extLst>
+        </p:spPr>
+        <p:style>
+          <a:lnRef idx="2">
+            <a:schemeClr val="accent1">
+              <a:shade val="15000"/>
+            </a:schemeClr>
+          </a:lnRef>
+          <a:fillRef idx="1">
+            <a:schemeClr val="accent1"/>
+          </a:fillRef>
+          <a:effectRef idx="0">
+            <a:schemeClr val="accent1"/>
+          </a:effectRef>
+          <a:fontRef idx="minor">
+            <a:schemeClr val="lt1"/>
+          </a:fontRef>
+        </p:style>
+        <p:txBody>
+          <a:bodyPr rtlCol="0" anchor="ctr"/>
+          <a:lstStyle/>
+          <a:p>
+            <a:pPr algn="ctr"/>
+            <a:endParaRPr lang="en-US"/>
+          </a:p>
+        </p:txBody>
+      </p:sp>
       <p:sp>
         <p:nvSpPr>
           <p:cNvPr id="2" name="Título 1">
             <a:extLst>
               <a:ext uri="{FF2B5EF4-FFF2-40B4-BE49-F238E27FC236}">
-                <a16:creationId xmlns:a16="http://schemas.microsoft.com/office/drawing/2014/main" id="{9804F46E-89A6-0254-3C0B-A8EFB0256F1C}"/>
+                <a16:creationId xmlns:a16="http://schemas.microsoft.com/office/drawing/2014/main" id="{37D9284D-EDF1-4C67-C63F-C7E773F77885}"/>
               </a:ext>
             </a:extLst>
           </p:cNvPr>
@@ -12704,8 +14690,8 @@
         </p:nvSpPr>
         <p:spPr>
           <a:xfrm>
-            <a:off x="5568537" y="-419907"/>
-            <a:ext cx="5916168" cy="1527048"/>
+            <a:off x="803353" y="138594"/>
+            <a:ext cx="10336871" cy="1527048"/>
           </a:xfrm>
         </p:spPr>
         <p:txBody>
@@ -12723,7 +14709,7 @@
                 <a:ea typeface="+mj-ea"/>
                 <a:cs typeface="+mj-cs"/>
               </a:rPr>
-              <a:t>Introdução</a:t>
+              <a:t>Diagrama</a:t>
             </a:r>
             <a:r>
               <a:rPr lang="en-US" b="1" kern="1200" dirty="0">
@@ -12734,49 +14720,8 @@
                 <a:ea typeface="+mj-ea"/>
                 <a:cs typeface="+mj-cs"/>
               </a:rPr>
-              <a:t> </a:t>
-            </a:r>
-            <a:r>
-              <a:rPr lang="en-US" b="1" kern="1200" dirty="0" err="1">
-                <a:solidFill>
-                  <a:schemeClr val="tx1"/>
-                </a:solidFill>
-                <a:latin typeface="+mj-lt"/>
-                <a:ea typeface="+mj-ea"/>
-                <a:cs typeface="+mj-cs"/>
-              </a:rPr>
-              <a:t>ao</a:t>
-            </a:r>
-            <a:r>
-              <a:rPr lang="en-US" b="1" kern="1200" dirty="0">
-                <a:solidFill>
-                  <a:schemeClr val="tx1"/>
-                </a:solidFill>
-                <a:latin typeface="+mj-lt"/>
-                <a:ea typeface="+mj-ea"/>
-                <a:cs typeface="+mj-cs"/>
-              </a:rPr>
-              <a:t> </a:t>
-            </a:r>
-            <a:r>
-              <a:rPr lang="en-US" b="1" kern="1200" dirty="0" err="1">
-                <a:solidFill>
-                  <a:schemeClr val="tx1"/>
-                </a:solidFill>
-                <a:latin typeface="+mj-lt"/>
-                <a:ea typeface="+mj-ea"/>
-                <a:cs typeface="+mj-cs"/>
-              </a:rPr>
-              <a:t>projeto</a:t>
-            </a:r>
-            <a:endParaRPr lang="en-US" b="1" kern="1200" dirty="0">
-              <a:solidFill>
-                <a:schemeClr val="tx1"/>
-              </a:solidFill>
-              <a:latin typeface="+mj-lt"/>
-              <a:ea typeface="+mj-ea"/>
-              <a:cs typeface="+mj-cs"/>
-            </a:endParaRPr>
+              <a:t> UML</a:t>
+            </a:r>
           </a:p>
         </p:txBody>
       </p:sp>
@@ -12785,7 +14730,7 @@
           <p:cNvPr id="4" name="Espaço Reservado para Conteúdo 3">
             <a:extLst>
               <a:ext uri="{FF2B5EF4-FFF2-40B4-BE49-F238E27FC236}">
-                <a16:creationId xmlns:a16="http://schemas.microsoft.com/office/drawing/2014/main" id="{A2724719-90E6-28A0-6F62-77C265C4C375}"/>
+                <a16:creationId xmlns:a16="http://schemas.microsoft.com/office/drawing/2014/main" id="{14470043-6B1C-57FC-4F15-0FAD899F9E73}"/>
               </a:ext>
             </a:extLst>
           </p:cNvPr>
@@ -12796,7 +14741,7 @@
             <p:ph sz="half" idx="2"/>
             <p:extLst>
               <p:ext uri="{E7BDC344-281C-4309-B0C6-D0EE65EED2A8}">
-                <p202:designPr xmlns="" xmlns:p202="http://schemas.microsoft.com/office/powerpoint/2020/02/main">
+                <p202:designPr xmlns:p202="http://schemas.microsoft.com/office/powerpoint/2020/02/main" xmlns="">
                   <p202:designTagLst>
                     <p202:designTag name="ARCH:1:CLS" val="InformationBlock"/>
                     <p202:designTag name="ARCH:1:VSVAR" val="TitledTextBox"/>
@@ -12808,8 +14753,8 @@
         </p:nvSpPr>
         <p:spPr>
           <a:xfrm>
-            <a:off x="5568537" y="2214282"/>
-            <a:ext cx="5916168" cy="4095078"/>
+            <a:off x="919262" y="1905189"/>
+            <a:ext cx="11032331" cy="4095078"/>
           </a:xfrm>
         </p:spPr>
         <p:txBody>
@@ -12826,37 +14771,11 @@
             </a:pPr>
             <a:r>
               <a:rPr lang="pt-BR" sz="1400" b="1" dirty="0"/>
-              <a:t>Objetivo do Projeto</a:t>
-            </a:r>
-          </a:p>
-          <a:p>
-            <a:pPr marL="0" lvl="1" indent="0">
-              <a:buNone/>
-            </a:pPr>
+              <a:t>Usar um diagrama UML: pode ser de atividade,</a:t>
+            </a:r>
             <a:r>
               <a:rPr lang="pt-BR" sz="1400" dirty="0"/>
-              <a:t>O objetivo principal do projeto é desenvolver um sistema que atenda de forma eficaz às necessidades dos usuários de um sistema de Almoxarifado</a:t>
-            </a:r>
-          </a:p>
-          <a:p>
-            <a:pPr marL="0" indent="0">
-              <a:spcBef>
-                <a:spcPts val="2500"/>
-              </a:spcBef>
-              <a:buNone/>
-            </a:pPr>
-            <a:r>
-              <a:rPr lang="pt-BR" sz="1400" b="1" dirty="0"/>
-              <a:t>Escopo do Projeto</a:t>
-            </a:r>
-          </a:p>
-          <a:p>
-            <a:pPr marL="0" lvl="1" indent="0">
-              <a:buNone/>
-            </a:pPr>
-            <a:r>
-              <a:rPr lang="pt-BR" sz="1400" dirty="0"/>
-              <a:t>O escopo do projeto abrange todas as funcionalidades e requisitos que o sistema deve atender, garantindo uma entrega completa e eficiente.</a:t>
+              <a:t> estado</a:t>
             </a:r>
           </a:p>
         </p:txBody>
@@ -12864,7 +14783,7 @@
     </p:spTree>
     <p:extLst>
       <p:ext uri="{BB962C8B-B14F-4D97-AF65-F5344CB8AC3E}">
-        <p14:creationId xmlns:p14="http://schemas.microsoft.com/office/powerpoint/2010/main" val="1739451752"/>
+        <p14:creationId xmlns:p14="http://schemas.microsoft.com/office/powerpoint/2010/main" val="3395640204"/>
       </p:ext>
     </p:extLst>
   </p:cSld>
@@ -13048,7 +14967,7 @@
                 <a16:creationId xmlns:a16="http://schemas.microsoft.com/office/drawing/2014/main" id="{5E8D3B17-7638-DFD3-18E4-8A6D611749CF}"/>
               </a:ext>
               <a:ext uri="{C183D7F6-B498-43B3-948B-1728B52AA6E4}">
-                <adec:decorative xmlns="" xmlns:adec="http://schemas.microsoft.com/office/drawing/2017/decorative" val="1"/>
+                <adec:decorative xmlns:adec="http://schemas.microsoft.com/office/drawing/2017/decorative" xmlns="" val="1"/>
               </a:ext>
             </a:extLst>
           </p:cNvPr>
@@ -13175,7 +15094,7 @@
             <p:ph sz="half" idx="2"/>
             <p:extLst>
               <p:ext uri="{E7BDC344-281C-4309-B0C6-D0EE65EED2A8}">
-                <p202:designPr xmlns="" xmlns:p202="http://schemas.microsoft.com/office/powerpoint/2020/02/main">
+                <p202:designPr xmlns:p202="http://schemas.microsoft.com/office/powerpoint/2020/02/main" xmlns="">
                   <p202:designTagLst>
                     <p202:designTag name="ARCH:1:CLS" val="InformationBlock"/>
                     <p202:designTag name="ARCH:1:VSVAR" val="TitledTextBox"/>
@@ -13492,7 +15411,7 @@
                 <a16:creationId xmlns:a16="http://schemas.microsoft.com/office/drawing/2014/main" id="{E1D40FB4-97DC-F5FF-9E7A-C10E078A1532}"/>
               </a:ext>
               <a:ext uri="{C183D7F6-B498-43B3-948B-1728B52AA6E4}">
-                <adec:decorative xmlns="" xmlns:adec="http://schemas.microsoft.com/office/drawing/2017/decorative" val="1"/>
+                <adec:decorative xmlns:adec="http://schemas.microsoft.com/office/drawing/2017/decorative" xmlns="" val="1"/>
               </a:ext>
             </a:extLst>
           </p:cNvPr>
@@ -13622,7 +15541,7 @@
             <p:ph sz="half" idx="2"/>
             <p:extLst>
               <p:ext uri="{E7BDC344-281C-4309-B0C6-D0EE65EED2A8}">
-                <p202:designPr xmlns="" xmlns:p202="http://schemas.microsoft.com/office/powerpoint/2020/02/main">
+                <p202:designPr xmlns:p202="http://schemas.microsoft.com/office/powerpoint/2020/02/main" xmlns="">
                   <p202:designTagLst>
                     <p202:designTag name="ARCH:1:CLS" val="InformationBlock"/>
                     <p202:designTag name="ARCH:1:VSVAR" val="TitledTextBox"/>
@@ -13880,7 +15799,7 @@
                 <a16:creationId xmlns:a16="http://schemas.microsoft.com/office/drawing/2014/main" id="{A51D6A68-C3BD-3399-CCA8-A7290FC8E09C}"/>
               </a:ext>
               <a:ext uri="{C183D7F6-B498-43B3-948B-1728B52AA6E4}">
-                <adec:decorative xmlns="" xmlns:adec="http://schemas.microsoft.com/office/drawing/2017/decorative" val="1"/>
+                <adec:decorative xmlns:adec="http://schemas.microsoft.com/office/drawing/2017/decorative" xmlns="" val="1"/>
               </a:ext>
             </a:extLst>
           </p:cNvPr>
@@ -14008,7 +15927,7 @@
             <p:ph sz="half" idx="2"/>
             <p:extLst>
               <p:ext uri="{E7BDC344-281C-4309-B0C6-D0EE65EED2A8}">
-                <p202:designPr xmlns="" xmlns:p202="http://schemas.microsoft.com/office/powerpoint/2020/02/main">
+                <p202:designPr xmlns:p202="http://schemas.microsoft.com/office/powerpoint/2020/02/main" xmlns="">
                   <p202:designTagLst>
                     <p202:designTag name="ARCH:1:CLS" val="InformationBlock"/>
                     <p202:designTag name="ARCH:1:VSVAR" val="TitledTextBox"/>
@@ -14266,7 +16185,7 @@
                 <a16:creationId xmlns:a16="http://schemas.microsoft.com/office/drawing/2014/main" id="{7F39A533-5E9C-439F-5CF1-06FFAB778C1F}"/>
               </a:ext>
               <a:ext uri="{C183D7F6-B498-43B3-948B-1728B52AA6E4}">
-                <adec:decorative xmlns="" xmlns:adec="http://schemas.microsoft.com/office/drawing/2017/decorative" val="1"/>
+                <adec:decorative xmlns:adec="http://schemas.microsoft.com/office/drawing/2017/decorative" xmlns="" val="1"/>
               </a:ext>
             </a:extLst>
           </p:cNvPr>
@@ -14394,7 +16313,7 @@
             <p:ph sz="half" idx="2"/>
             <p:extLst>
               <p:ext uri="{E7BDC344-281C-4309-B0C6-D0EE65EED2A8}">
-                <p202:designPr xmlns="" xmlns:p202="http://schemas.microsoft.com/office/powerpoint/2020/02/main">
+                <p202:designPr xmlns:p202="http://schemas.microsoft.com/office/powerpoint/2020/02/main" xmlns="">
                   <p202:designTagLst>
                     <p202:designTag name="ARCH:1:CLS" val="InformationBlock"/>
                     <p202:designTag name="ARCH:1:VSVAR" val="TitledTextBox"/>
@@ -14667,7 +16586,7 @@
                 <a16:creationId xmlns:a16="http://schemas.microsoft.com/office/drawing/2014/main" id="{A82A2D76-411A-C189-4AD9-642686996848}"/>
               </a:ext>
               <a:ext uri="{C183D7F6-B498-43B3-948B-1728B52AA6E4}">
-                <adec:decorative xmlns="" xmlns:adec="http://schemas.microsoft.com/office/drawing/2017/decorative" val="1"/>
+                <adec:decorative xmlns:adec="http://schemas.microsoft.com/office/drawing/2017/decorative" xmlns="" val="1"/>
               </a:ext>
             </a:extLst>
           </p:cNvPr>
@@ -14795,7 +16714,7 @@
             <p:ph sz="half" idx="2"/>
             <p:extLst>
               <p:ext uri="{E7BDC344-281C-4309-B0C6-D0EE65EED2A8}">
-                <p202:designPr xmlns="" xmlns:p202="http://schemas.microsoft.com/office/powerpoint/2020/02/main">
+                <p202:designPr xmlns:p202="http://schemas.microsoft.com/office/powerpoint/2020/02/main" xmlns="">
                   <p202:designTagLst>
                     <p202:designTag name="ARCH:1:CLS" val="InformationBlock"/>
                     <p202:designTag name="ARCH:1:VSVAR" val="TitledTextBox"/>
@@ -15056,7 +16975,7 @@
                 <a16:creationId xmlns:a16="http://schemas.microsoft.com/office/drawing/2014/main" id="{E482AA53-DA69-E258-8B64-8F8CE86FCDD4}"/>
               </a:ext>
               <a:ext uri="{C183D7F6-B498-43B3-948B-1728B52AA6E4}">
-                <adec:decorative xmlns="" xmlns:adec="http://schemas.microsoft.com/office/drawing/2017/decorative" val="1"/>
+                <adec:decorative xmlns:adec="http://schemas.microsoft.com/office/drawing/2017/decorative" xmlns="" val="1"/>
               </a:ext>
             </a:extLst>
           </p:cNvPr>
@@ -15184,7 +17103,7 @@
             <p:ph sz="half" idx="2"/>
             <p:extLst>
               <p:ext uri="{E7BDC344-281C-4309-B0C6-D0EE65EED2A8}">
-                <p202:designPr xmlns="" xmlns:p202="http://schemas.microsoft.com/office/powerpoint/2020/02/main">
+                <p202:designPr xmlns:p202="http://schemas.microsoft.com/office/powerpoint/2020/02/main" xmlns="">
                   <p202:designTagLst>
                     <p202:designTag name="ARCH:1:CLS" val="InformationBlock"/>
                     <p202:designTag name="ARCH:1:VSVAR" val="TitledTextBox"/>
@@ -15460,7 +17379,7 @@
                 <a16:creationId xmlns:a16="http://schemas.microsoft.com/office/drawing/2014/main" id="{5C27E16A-554C-D4AC-900E-AA69DDAEDE03}"/>
               </a:ext>
               <a:ext uri="{C183D7F6-B498-43B3-948B-1728B52AA6E4}">
-                <adec:decorative xmlns="" xmlns:adec="http://schemas.microsoft.com/office/drawing/2017/decorative" val="1"/>
+                <adec:decorative xmlns:adec="http://schemas.microsoft.com/office/drawing/2017/decorative" xmlns="" val="1"/>
               </a:ext>
             </a:extLst>
           </p:cNvPr>
@@ -15588,7 +17507,7 @@
             <p:ph sz="half" idx="2"/>
             <p:extLst>
               <p:ext uri="{E7BDC344-281C-4309-B0C6-D0EE65EED2A8}">
-                <p202:designPr xmlns="" xmlns:p202="http://schemas.microsoft.com/office/powerpoint/2020/02/main">
+                <p202:designPr xmlns:p202="http://schemas.microsoft.com/office/powerpoint/2020/02/main" xmlns="">
                   <p202:designTagLst>
                     <p202:designTag name="ARCH:1:CLS" val="InformationBlock"/>
                     <p202:designTag name="ARCH:1:VSVAR" val="TitledTextBox"/>

--- a/Documentacao/ModelagemSistema_TemplateInicial.pptx
+++ b/Documentacao/ModelagemSistema_TemplateInicial.pptx
@@ -21,8 +21,8 @@
     <p:sldId id="2587" r:id="rId12"/>
     <p:sldId id="2566" r:id="rId13"/>
     <p:sldId id="2583" r:id="rId14"/>
-    <p:sldId id="2585" r:id="rId15"/>
-    <p:sldId id="2584" r:id="rId16"/>
+    <p:sldId id="2584" r:id="rId15"/>
+    <p:sldId id="2585" r:id="rId16"/>
     <p:sldId id="2567" r:id="rId17"/>
     <p:sldId id="2568" r:id="rId18"/>
     <p:sldId id="2586" r:id="rId19"/>
@@ -217,7 +217,7 @@
           <a:p>
             <a:fld id="{93DDA81E-B6DD-4CA0-9C2D-B0C27B95DC2C}" type="datetimeFigureOut">
               <a:rPr lang="pt-BR" smtClean="0"/>
-              <a:t>25/01/2025</a:t>
+              <a:t>27/01/2025</a:t>
             </a:fld>
             <a:endParaRPr lang="pt-BR"/>
           </a:p>
@@ -1095,7 +1095,7 @@
     </p:spTree>
     <p:extLst>
       <p:ext uri="{BB962C8B-B14F-4D97-AF65-F5344CB8AC3E}">
-        <p14:creationId xmlns:p14="http://schemas.microsoft.com/office/powerpoint/2010/main" val="2310064016"/>
+        <p14:creationId xmlns:p14="http://schemas.microsoft.com/office/powerpoint/2010/main" val="2155279237"/>
       </p:ext>
     </p:extLst>
   </p:cSld>
@@ -1206,7 +1206,7 @@
     </p:spTree>
     <p:extLst>
       <p:ext uri="{BB962C8B-B14F-4D97-AF65-F5344CB8AC3E}">
-        <p14:creationId xmlns:p14="http://schemas.microsoft.com/office/powerpoint/2010/main" val="2155279237"/>
+        <p14:creationId xmlns:p14="http://schemas.microsoft.com/office/powerpoint/2010/main" val="2310064016"/>
       </p:ext>
     </p:extLst>
   </p:cSld>
@@ -2731,7 +2731,7 @@
           <a:p>
             <a:fld id="{C128FA71-3A18-48C0-980F-4B68F7F63042}" type="datetime1">
               <a:rPr lang="en-US" smtClean="0"/>
-              <a:t>1/25/2025</a:t>
+              <a:t>1/27/2025</a:t>
             </a:fld>
             <a:endParaRPr lang="en-US"/>
           </a:p>
@@ -2939,7 +2939,7 @@
           <a:p>
             <a:fld id="{7104EDB3-C0E8-45F8-9E1D-1B6C8D1880C0}" type="datetime1">
               <a:rPr lang="en-US" smtClean="0"/>
-              <a:t>1/25/2025</a:t>
+              <a:t>1/27/2025</a:t>
             </a:fld>
             <a:endParaRPr lang="en-US"/>
           </a:p>
@@ -3149,7 +3149,7 @@
           <a:p>
             <a:fld id="{9CF0EC4B-54ED-4041-B552-9BA760FA3DBA}" type="datetime1">
               <a:rPr lang="en-US" smtClean="0"/>
-              <a:t>1/25/2025</a:t>
+              <a:t>1/27/2025</a:t>
             </a:fld>
             <a:endParaRPr lang="en-US"/>
           </a:p>
@@ -3347,7 +3347,7 @@
           <a:p>
             <a:fld id="{51C1210E-201E-4473-82AC-2466F5386C38}" type="datetime1">
               <a:rPr lang="en-US" smtClean="0"/>
-              <a:t>1/25/2025</a:t>
+              <a:t>1/27/2025</a:t>
             </a:fld>
             <a:endParaRPr lang="en-US"/>
           </a:p>
@@ -3625,7 +3625,7 @@
           <a:p>
             <a:fld id="{B01EA198-6CAB-4B8F-B93F-1F9C8C4B6CE7}" type="datetime1">
               <a:rPr lang="en-US" smtClean="0"/>
-              <a:t>1/25/2025</a:t>
+              <a:t>1/27/2025</a:t>
             </a:fld>
             <a:endParaRPr lang="en-US"/>
           </a:p>
@@ -3897,7 +3897,7 @@
           <a:p>
             <a:fld id="{CA06041F-4525-44D5-AA4F-332294BF1F56}" type="datetime1">
               <a:rPr lang="en-US" smtClean="0"/>
-              <a:t>1/25/2025</a:t>
+              <a:t>1/27/2025</a:t>
             </a:fld>
             <a:endParaRPr lang="en-US"/>
           </a:p>
@@ -4321,7 +4321,7 @@
           <a:p>
             <a:fld id="{F9557091-BBDF-4EB9-BA6B-2BB67AC4FC0F}" type="datetime1">
               <a:rPr lang="en-US" smtClean="0"/>
-              <a:t>1/25/2025</a:t>
+              <a:t>1/27/2025</a:t>
             </a:fld>
             <a:endParaRPr lang="en-US"/>
           </a:p>
@@ -4462,7 +4462,7 @@
           <a:p>
             <a:fld id="{2D6B226B-77A6-410C-9796-083F278E0125}" type="datetime1">
               <a:rPr lang="en-US" smtClean="0"/>
-              <a:t>1/25/2025</a:t>
+              <a:t>1/27/2025</a:t>
             </a:fld>
             <a:endParaRPr lang="en-US"/>
           </a:p>
@@ -4575,7 +4575,7 @@
           <a:p>
             <a:fld id="{A23A578B-D289-4C40-8593-3D356C49DA58}" type="datetime1">
               <a:rPr lang="en-US" smtClean="0"/>
-              <a:t>1/25/2025</a:t>
+              <a:t>1/27/2025</a:t>
             </a:fld>
             <a:endParaRPr lang="en-US"/>
           </a:p>
@@ -4894,7 +4894,7 @@
           <a:p>
             <a:fld id="{713DFAE3-14DB-48A7-A80F-80DDB072CE3D}" type="datetime1">
               <a:rPr lang="en-US" smtClean="0"/>
-              <a:t>1/25/2025</a:t>
+              <a:t>1/27/2025</a:t>
             </a:fld>
             <a:endParaRPr lang="en-US"/>
           </a:p>
@@ -5188,7 +5188,7 @@
           <a:p>
             <a:fld id="{92C5EAEF-6478-4102-8F5D-A5FE9FC97ACB}" type="datetime1">
               <a:rPr lang="en-US" smtClean="0"/>
-              <a:t>1/25/2025</a:t>
+              <a:t>1/27/2025</a:t>
             </a:fld>
             <a:endParaRPr lang="en-US"/>
           </a:p>
@@ -5429,7 +5429,7 @@
           <a:p>
             <a:fld id="{67F45AC6-C491-4585-A584-9CE2AF7D5500}" type="datetime1">
               <a:rPr lang="en-US" smtClean="0"/>
-              <a:t>1/25/2025</a:t>
+              <a:t>1/27/2025</a:t>
             </a:fld>
             <a:endParaRPr lang="en-US"/>
           </a:p>
@@ -5859,7 +5859,7 @@
                 <a16:creationId xmlns:a16="http://schemas.microsoft.com/office/drawing/2014/main" id="{6E448DB1-4196-18A6-15DA-C72635C1B11E}"/>
               </a:ext>
               <a:ext uri="{C183D7F6-B498-43B3-948B-1728B52AA6E4}">
-                <adec:decorative xmlns:adec="http://schemas.microsoft.com/office/drawing/2017/decorative" xmlns="" val="1"/>
+                <adec:decorative xmlns="" xmlns:adec="http://schemas.microsoft.com/office/drawing/2017/decorative" val="1"/>
               </a:ext>
             </a:extLst>
           </p:cNvPr>
@@ -5967,7 +5967,7 @@
                 <a16:creationId xmlns:a16="http://schemas.microsoft.com/office/drawing/2014/main" id="{76A10D8F-D463-70E5-239B-17AD65EF433D}"/>
               </a:ext>
               <a:ext uri="{C183D7F6-B498-43B3-948B-1728B52AA6E4}">
-                <adec:decorative xmlns:adec="http://schemas.microsoft.com/office/drawing/2017/decorative" xmlns="" val="1"/>
+                <adec:decorative xmlns="" xmlns:adec="http://schemas.microsoft.com/office/drawing/2017/decorative" val="1"/>
               </a:ext>
             </a:extLst>
           </p:cNvPr>
@@ -6428,7 +6428,7 @@
                 <a16:creationId xmlns:a16="http://schemas.microsoft.com/office/drawing/2014/main" id="{74EA76C7-8C08-E029-0E79-750B71C94A62}"/>
               </a:ext>
               <a:ext uri="{C183D7F6-B498-43B3-948B-1728B52AA6E4}">
-                <adec:decorative xmlns:adec="http://schemas.microsoft.com/office/drawing/2017/decorative" xmlns="" val="1"/>
+                <adec:decorative xmlns="" xmlns:adec="http://schemas.microsoft.com/office/drawing/2017/decorative" val="1"/>
               </a:ext>
             </a:extLst>
           </p:cNvPr>
@@ -6567,7 +6567,7 @@
             <p:ph sz="half" idx="2"/>
             <p:extLst>
               <p:ext uri="{E7BDC344-281C-4309-B0C6-D0EE65EED2A8}">
-                <p202:designPr xmlns:p202="http://schemas.microsoft.com/office/powerpoint/2020/02/main" xmlns="">
+                <p202:designPr xmlns="" xmlns:p202="http://schemas.microsoft.com/office/powerpoint/2020/02/main">
                   <p202:designTagLst>
                     <p202:designTag name="ARCH:1:CLS" val="InformationBlock"/>
                     <p202:designTag name="ARCH:1:VSVAR" val="TitledTextBox"/>
@@ -6863,7 +6863,7 @@
                 <a16:creationId xmlns:a16="http://schemas.microsoft.com/office/drawing/2014/main" id="{74EA76C7-8C08-E029-0E79-750B71C94A62}"/>
               </a:ext>
               <a:ext uri="{C183D7F6-B498-43B3-948B-1728B52AA6E4}">
-                <adec:decorative xmlns:adec="http://schemas.microsoft.com/office/drawing/2017/decorative" xmlns="" val="1"/>
+                <adec:decorative xmlns="" xmlns:adec="http://schemas.microsoft.com/office/drawing/2017/decorative" val="1"/>
               </a:ext>
             </a:extLst>
           </p:cNvPr>
@@ -7624,7 +7624,7 @@
                 <a16:creationId xmlns:a16="http://schemas.microsoft.com/office/drawing/2014/main" id="{5E8D3B17-7638-DFD3-18E4-8A6D611749CF}"/>
               </a:ext>
               <a:ext uri="{C183D7F6-B498-43B3-948B-1728B52AA6E4}">
-                <adec:decorative xmlns:adec="http://schemas.microsoft.com/office/drawing/2017/decorative" xmlns="" val="1"/>
+                <adec:decorative xmlns="" xmlns:adec="http://schemas.microsoft.com/office/drawing/2017/decorative" val="1"/>
               </a:ext>
             </a:extLst>
           </p:cNvPr>
@@ -8059,7 +8059,7 @@
                 <a16:creationId xmlns:a16="http://schemas.microsoft.com/office/drawing/2014/main" id="{B8ADE68D-5E75-5D63-4B8C-6BEFCE9D06E3}"/>
               </a:ext>
               <a:ext uri="{C183D7F6-B498-43B3-948B-1728B52AA6E4}">
-                <adec:decorative xmlns:adec="http://schemas.microsoft.com/office/drawing/2017/decorative" xmlns="" val="1"/>
+                <adec:decorative xmlns="" xmlns:adec="http://schemas.microsoft.com/office/drawing/2017/decorative" val="1"/>
               </a:ext>
             </a:extLst>
           </p:cNvPr>
@@ -8732,7 +8732,7 @@
         </p:nvSpPr>
         <p:spPr>
           <a:xfrm>
-            <a:off x="9457034" y="3917004"/>
+            <a:off x="9457034" y="3962159"/>
             <a:ext cx="2226656" cy="888642"/>
           </a:xfrm>
           <a:prstGeom prst="rect">
@@ -9786,7 +9786,664 @@
                 <a16:creationId xmlns:a16="http://schemas.microsoft.com/office/drawing/2014/main" id="{8450EF29-A29A-9417-2B09-074C04064425}"/>
               </a:ext>
               <a:ext uri="{C183D7F6-B498-43B3-948B-1728B52AA6E4}">
-                <adec:decorative xmlns:adec="http://schemas.microsoft.com/office/drawing/2017/decorative" xmlns="" val="1"/>
+                <adec:decorative xmlns="" xmlns:adec="http://schemas.microsoft.com/office/drawing/2017/decorative" val="1"/>
+              </a:ext>
+            </a:extLst>
+          </p:cNvPr>
+          <p:cNvSpPr>
+            <a:spLocks noGrp="1" noRot="1" noChangeAspect="1" noMove="1" noResize="1" noEditPoints="1" noAdjustHandles="1" noChangeArrowheads="1" noChangeShapeType="1" noTextEdit="1"/>
+          </p:cNvSpPr>
+          <p:nvPr>
+            <p:extLst>
+              <p:ext uri="{386F3935-93C4-4BCD-93E2-E3B085C9AB24}">
+                <p16:designElem xmlns:p16="http://schemas.microsoft.com/office/powerpoint/2015/main" val="1"/>
+              </p:ext>
+            </p:extLst>
+          </p:nvPr>
+        </p:nvSpPr>
+        <p:spPr>
+          <a:xfrm>
+            <a:off x="0" y="0"/>
+            <a:ext cx="12192000" cy="6858000"/>
+          </a:xfrm>
+          <a:prstGeom prst="rect">
+            <a:avLst/>
+          </a:prstGeom>
+          <a:ln w="12700" cap="flat" cmpd="sng" algn="ctr">
+            <a:noFill/>
+            <a:prstDash val="solid"/>
+            <a:miter lim="800000"/>
+          </a:ln>
+          <a:effectLst/>
+          <a:extLst>
+            <a:ext uri="{91240B29-F687-4F45-9708-019B960494DF}">
+              <a14:hiddenLine xmlns:a14="http://schemas.microsoft.com/office/drawing/2010/main" w="12700" cap="flat" cmpd="sng" algn="ctr">
+                <a:solidFill>
+                  <a:schemeClr val="accent1">
+                    <a:shade val="15000"/>
+                  </a:schemeClr>
+                </a:solidFill>
+                <a:prstDash val="solid"/>
+                <a:miter lim="800000"/>
+              </a14:hiddenLine>
+            </a:ext>
+          </a:extLst>
+        </p:spPr>
+        <p:style>
+          <a:lnRef idx="2">
+            <a:schemeClr val="accent1">
+              <a:shade val="15000"/>
+            </a:schemeClr>
+          </a:lnRef>
+          <a:fillRef idx="1">
+            <a:schemeClr val="accent1"/>
+          </a:fillRef>
+          <a:effectRef idx="0">
+            <a:schemeClr val="accent1"/>
+          </a:effectRef>
+          <a:fontRef idx="minor">
+            <a:schemeClr val="lt1"/>
+          </a:fontRef>
+        </p:style>
+        <p:txBody>
+          <a:bodyPr rtlCol="0" anchor="ctr"/>
+          <a:lstStyle/>
+          <a:p>
+            <a:pPr algn="ctr"/>
+            <a:endParaRPr lang="en-US"/>
+          </a:p>
+        </p:txBody>
+      </p:sp>
+      <p:sp>
+        <p:nvSpPr>
+          <p:cNvPr id="2" name="Título 1">
+            <a:extLst>
+              <a:ext uri="{FF2B5EF4-FFF2-40B4-BE49-F238E27FC236}">
+                <a16:creationId xmlns:a16="http://schemas.microsoft.com/office/drawing/2014/main" id="{4088EF13-93E0-2A25-DAC4-430EED1B9C18}"/>
+              </a:ext>
+            </a:extLst>
+          </p:cNvPr>
+          <p:cNvSpPr>
+            <a:spLocks noGrp="1"/>
+          </p:cNvSpPr>
+          <p:nvPr>
+            <p:ph type="title"/>
+          </p:nvPr>
+        </p:nvSpPr>
+        <p:spPr>
+          <a:xfrm>
+            <a:off x="468503" y="0"/>
+            <a:ext cx="10517176" cy="1527048"/>
+          </a:xfrm>
+        </p:spPr>
+        <p:txBody>
+          <a:bodyPr vert="horz" lIns="91440" tIns="45720" rIns="91440" bIns="45720" rtlCol="0" anchor="b">
+            <a:normAutofit/>
+          </a:bodyPr>
+          <a:lstStyle/>
+          <a:p>
+            <a:pPr>
+              <a:spcBef>
+                <a:spcPts val="2500"/>
+              </a:spcBef>
+            </a:pPr>
+            <a:r>
+              <a:rPr lang="pt-BR" dirty="0">
+                <a:latin typeface="Arial" panose="020B0604020202020204" pitchFamily="34" charset="0"/>
+                <a:cs typeface="Arial" panose="020B0604020202020204" pitchFamily="34" charset="0"/>
+              </a:rPr>
+              <a:t>DICIONÁRIO DE </a:t>
+            </a:r>
+            <a:r>
+              <a:rPr lang="pt-BR" dirty="0" smtClean="0">
+                <a:latin typeface="Arial" panose="020B0604020202020204" pitchFamily="34" charset="0"/>
+                <a:cs typeface="Arial" panose="020B0604020202020204" pitchFamily="34" charset="0"/>
+              </a:rPr>
+              <a:t>DADOS </a:t>
+            </a:r>
+            <a:r>
+              <a:rPr lang="pt-BR" dirty="0">
+                <a:latin typeface="Arial" panose="020B0604020202020204" pitchFamily="34" charset="0"/>
+                <a:cs typeface="Arial" panose="020B0604020202020204" pitchFamily="34" charset="0"/>
+              </a:rPr>
+              <a:t>[</a:t>
+            </a:r>
+            <a:r>
+              <a:rPr lang="pt-BR" dirty="0" smtClean="0">
+                <a:latin typeface="Arial" panose="020B0604020202020204" pitchFamily="34" charset="0"/>
+                <a:cs typeface="Arial" panose="020B0604020202020204" pitchFamily="34" charset="0"/>
+              </a:rPr>
+              <a:t>R01]</a:t>
+            </a:r>
+            <a:endParaRPr lang="pt-BR" sz="3600" dirty="0">
+              <a:latin typeface="Arial" panose="020B0604020202020204" pitchFamily="34" charset="0"/>
+              <a:cs typeface="Arial" panose="020B0604020202020204" pitchFamily="34" charset="0"/>
+            </a:endParaRPr>
+          </a:p>
+        </p:txBody>
+      </p:sp>
+      <p:graphicFrame>
+        <p:nvGraphicFramePr>
+          <p:cNvPr id="9" name="Espaço Reservado para Conteúdo 8">
+            <a:extLst>
+              <a:ext uri="{FF2B5EF4-FFF2-40B4-BE49-F238E27FC236}">
+                <a16:creationId xmlns:a16="http://schemas.microsoft.com/office/drawing/2014/main" id="{AE6A2ECC-39B2-D582-178A-3B96D8FBBBF5}"/>
+              </a:ext>
+            </a:extLst>
+          </p:cNvPr>
+          <p:cNvGraphicFramePr>
+            <a:graphicFrameLocks noGrp="1"/>
+          </p:cNvGraphicFramePr>
+          <p:nvPr>
+            <p:ph sz="half" idx="2"/>
+            <p:extLst>
+              <p:ext uri="{D42A27DB-BD31-4B8C-83A1-F6EECF244321}">
+                <p14:modId xmlns:p14="http://schemas.microsoft.com/office/powerpoint/2010/main" val="937165206"/>
+              </p:ext>
+            </p:extLst>
+          </p:nvPr>
+        </p:nvGraphicFramePr>
+        <p:xfrm>
+          <a:off x="566670" y="2250628"/>
+          <a:ext cx="10071279" cy="2966720"/>
+        </p:xfrm>
+        <a:graphic>
+          <a:graphicData uri="http://schemas.openxmlformats.org/drawingml/2006/table">
+            <a:tbl>
+              <a:tblPr firstRow="1" bandRow="1">
+                <a:tableStyleId>{5C22544A-7EE6-4342-B048-85BDC9FD1C3A}</a:tableStyleId>
+              </a:tblPr>
+              <a:tblGrid>
+                <a:gridCol w="3357093">
+                  <a:extLst>
+                    <a:ext uri="{9D8B030D-6E8A-4147-A177-3AD203B41FA5}">
+                      <a16:colId xmlns:a16="http://schemas.microsoft.com/office/drawing/2014/main" val="1759235190"/>
+                    </a:ext>
+                  </a:extLst>
+                </a:gridCol>
+                <a:gridCol w="3357093">
+                  <a:extLst>
+                    <a:ext uri="{9D8B030D-6E8A-4147-A177-3AD203B41FA5}">
+                      <a16:colId xmlns:a16="http://schemas.microsoft.com/office/drawing/2014/main" val="2611790632"/>
+                    </a:ext>
+                  </a:extLst>
+                </a:gridCol>
+                <a:gridCol w="3357093">
+                  <a:extLst>
+                    <a:ext uri="{9D8B030D-6E8A-4147-A177-3AD203B41FA5}">
+                      <a16:colId xmlns:a16="http://schemas.microsoft.com/office/drawing/2014/main" val="2783851260"/>
+                    </a:ext>
+                  </a:extLst>
+                </a:gridCol>
+              </a:tblGrid>
+              <a:tr h="370840">
+                <a:tc>
+                  <a:txBody>
+                    <a:bodyPr/>
+                    <a:lstStyle/>
+                    <a:p>
+                      <a:r>
+                        <a:rPr lang="pt-BR" dirty="0"/>
+                        <a:t>Campo</a:t>
+                      </a:r>
+                    </a:p>
+                  </a:txBody>
+                  <a:tcPr/>
+                </a:tc>
+                <a:tc>
+                  <a:txBody>
+                    <a:bodyPr/>
+                    <a:lstStyle/>
+                    <a:p>
+                      <a:r>
+                        <a:rPr lang="pt-BR" dirty="0"/>
+                        <a:t>Tipo de Dados</a:t>
+                      </a:r>
+                    </a:p>
+                  </a:txBody>
+                  <a:tcPr/>
+                </a:tc>
+                <a:tc>
+                  <a:txBody>
+                    <a:bodyPr/>
+                    <a:lstStyle/>
+                    <a:p>
+                      <a:r>
+                        <a:rPr lang="pt-BR" dirty="0"/>
+                        <a:t>OBS</a:t>
+                      </a:r>
+                    </a:p>
+                  </a:txBody>
+                  <a:tcPr/>
+                </a:tc>
+                <a:extLst>
+                  <a:ext uri="{0D108BD9-81ED-4DB2-BD59-A6C34878D82A}">
+                    <a16:rowId xmlns:a16="http://schemas.microsoft.com/office/drawing/2014/main" val="996086151"/>
+                  </a:ext>
+                </a:extLst>
+              </a:tr>
+              <a:tr h="370840">
+                <a:tc>
+                  <a:txBody>
+                    <a:bodyPr/>
+                    <a:lstStyle/>
+                    <a:p>
+                      <a:r>
+                        <a:rPr lang="pt-BR" dirty="0" err="1" smtClean="0"/>
+                        <a:t>Codigo</a:t>
+                      </a:r>
+                      <a:endParaRPr lang="pt-BR" dirty="0"/>
+                    </a:p>
+                  </a:txBody>
+                  <a:tcPr/>
+                </a:tc>
+                <a:tc>
+                  <a:txBody>
+                    <a:bodyPr/>
+                    <a:lstStyle/>
+                    <a:p>
+                      <a:r>
+                        <a:rPr lang="pt-BR" dirty="0" err="1"/>
+                        <a:t>Int</a:t>
+                      </a:r>
+                      <a:endParaRPr lang="pt-BR" dirty="0"/>
+                    </a:p>
+                  </a:txBody>
+                  <a:tcPr/>
+                </a:tc>
+                <a:tc>
+                  <a:txBody>
+                    <a:bodyPr/>
+                    <a:lstStyle/>
+                    <a:p>
+                      <a:r>
+                        <a:rPr lang="pt-BR" dirty="0"/>
+                        <a:t>Chave Primária</a:t>
+                      </a:r>
+                    </a:p>
+                  </a:txBody>
+                  <a:tcPr/>
+                </a:tc>
+                <a:extLst>
+                  <a:ext uri="{0D108BD9-81ED-4DB2-BD59-A6C34878D82A}">
+                    <a16:rowId xmlns:a16="http://schemas.microsoft.com/office/drawing/2014/main" val="1004326904"/>
+                  </a:ext>
+                </a:extLst>
+              </a:tr>
+              <a:tr h="370840">
+                <a:tc>
+                  <a:txBody>
+                    <a:bodyPr/>
+                    <a:lstStyle/>
+                    <a:p>
+                      <a:r>
+                        <a:rPr lang="pt-BR" dirty="0" err="1" smtClean="0"/>
+                        <a:t>Descricao</a:t>
+                      </a:r>
+                      <a:endParaRPr lang="pt-BR" dirty="0"/>
+                    </a:p>
+                  </a:txBody>
+                  <a:tcPr/>
+                </a:tc>
+                <a:tc>
+                  <a:txBody>
+                    <a:bodyPr/>
+                    <a:lstStyle/>
+                    <a:p>
+                      <a:r>
+                        <a:rPr lang="pt-BR" dirty="0" err="1" smtClean="0"/>
+                        <a:t>Varchar</a:t>
+                      </a:r>
+                      <a:r>
+                        <a:rPr lang="pt-BR" dirty="0" smtClean="0"/>
+                        <a:t>(100)</a:t>
+                      </a:r>
+                      <a:endParaRPr lang="pt-BR" dirty="0"/>
+                    </a:p>
+                  </a:txBody>
+                  <a:tcPr/>
+                </a:tc>
+                <a:tc>
+                  <a:txBody>
+                    <a:bodyPr/>
+                    <a:lstStyle/>
+                    <a:p>
+                      <a:endParaRPr lang="pt-BR" dirty="0"/>
+                    </a:p>
+                  </a:txBody>
+                  <a:tcPr/>
+                </a:tc>
+                <a:extLst>
+                  <a:ext uri="{0D108BD9-81ED-4DB2-BD59-A6C34878D82A}">
+                    <a16:rowId xmlns:a16="http://schemas.microsoft.com/office/drawing/2014/main" val="1354368322"/>
+                  </a:ext>
+                </a:extLst>
+              </a:tr>
+              <a:tr h="370840">
+                <a:tc>
+                  <a:txBody>
+                    <a:bodyPr/>
+                    <a:lstStyle/>
+                    <a:p>
+                      <a:endParaRPr lang="pt-BR" dirty="0"/>
+                    </a:p>
+                  </a:txBody>
+                  <a:tcPr/>
+                </a:tc>
+                <a:tc>
+                  <a:txBody>
+                    <a:bodyPr/>
+                    <a:lstStyle/>
+                    <a:p>
+                      <a:endParaRPr lang="pt-BR" dirty="0"/>
+                    </a:p>
+                  </a:txBody>
+                  <a:tcPr/>
+                </a:tc>
+                <a:tc>
+                  <a:txBody>
+                    <a:bodyPr/>
+                    <a:lstStyle/>
+                    <a:p>
+                      <a:endParaRPr lang="pt-BR" dirty="0"/>
+                    </a:p>
+                  </a:txBody>
+                  <a:tcPr/>
+                </a:tc>
+                <a:extLst>
+                  <a:ext uri="{0D108BD9-81ED-4DB2-BD59-A6C34878D82A}">
+                    <a16:rowId xmlns:a16="http://schemas.microsoft.com/office/drawing/2014/main" val="275426533"/>
+                  </a:ext>
+                </a:extLst>
+              </a:tr>
+              <a:tr h="370840">
+                <a:tc>
+                  <a:txBody>
+                    <a:bodyPr/>
+                    <a:lstStyle/>
+                    <a:p>
+                      <a:endParaRPr lang="pt-BR" dirty="0"/>
+                    </a:p>
+                  </a:txBody>
+                  <a:tcPr/>
+                </a:tc>
+                <a:tc>
+                  <a:txBody>
+                    <a:bodyPr/>
+                    <a:lstStyle/>
+                    <a:p>
+                      <a:endParaRPr lang="pt-BR" dirty="0"/>
+                    </a:p>
+                  </a:txBody>
+                  <a:tcPr/>
+                </a:tc>
+                <a:tc>
+                  <a:txBody>
+                    <a:bodyPr/>
+                    <a:lstStyle/>
+                    <a:p>
+                      <a:endParaRPr lang="pt-BR" dirty="0"/>
+                    </a:p>
+                  </a:txBody>
+                  <a:tcPr/>
+                </a:tc>
+                <a:extLst>
+                  <a:ext uri="{0D108BD9-81ED-4DB2-BD59-A6C34878D82A}">
+                    <a16:rowId xmlns:a16="http://schemas.microsoft.com/office/drawing/2014/main" val="2790910923"/>
+                  </a:ext>
+                </a:extLst>
+              </a:tr>
+              <a:tr h="370840">
+                <a:tc>
+                  <a:txBody>
+                    <a:bodyPr/>
+                    <a:lstStyle/>
+                    <a:p>
+                      <a:endParaRPr lang="pt-BR" dirty="0"/>
+                    </a:p>
+                  </a:txBody>
+                  <a:tcPr/>
+                </a:tc>
+                <a:tc>
+                  <a:txBody>
+                    <a:bodyPr/>
+                    <a:lstStyle/>
+                    <a:p>
+                      <a:endParaRPr lang="pt-BR" dirty="0"/>
+                    </a:p>
+                  </a:txBody>
+                  <a:tcPr/>
+                </a:tc>
+                <a:tc>
+                  <a:txBody>
+                    <a:bodyPr/>
+                    <a:lstStyle/>
+                    <a:p>
+                      <a:endParaRPr lang="pt-BR" dirty="0"/>
+                    </a:p>
+                  </a:txBody>
+                  <a:tcPr/>
+                </a:tc>
+                <a:extLst>
+                  <a:ext uri="{0D108BD9-81ED-4DB2-BD59-A6C34878D82A}">
+                    <a16:rowId xmlns:a16="http://schemas.microsoft.com/office/drawing/2014/main" val="1929395480"/>
+                  </a:ext>
+                </a:extLst>
+              </a:tr>
+              <a:tr h="370840">
+                <a:tc>
+                  <a:txBody>
+                    <a:bodyPr/>
+                    <a:lstStyle/>
+                    <a:p>
+                      <a:endParaRPr lang="pt-BR" dirty="0"/>
+                    </a:p>
+                  </a:txBody>
+                  <a:tcPr/>
+                </a:tc>
+                <a:tc>
+                  <a:txBody>
+                    <a:bodyPr/>
+                    <a:lstStyle/>
+                    <a:p>
+                      <a:endParaRPr lang="pt-BR" dirty="0"/>
+                    </a:p>
+                  </a:txBody>
+                  <a:tcPr/>
+                </a:tc>
+                <a:tc>
+                  <a:txBody>
+                    <a:bodyPr/>
+                    <a:lstStyle/>
+                    <a:p>
+                      <a:endParaRPr lang="pt-BR" dirty="0"/>
+                    </a:p>
+                  </a:txBody>
+                  <a:tcPr/>
+                </a:tc>
+                <a:extLst>
+                  <a:ext uri="{0D108BD9-81ED-4DB2-BD59-A6C34878D82A}">
+                    <a16:rowId xmlns:a16="http://schemas.microsoft.com/office/drawing/2014/main" val="2940149528"/>
+                  </a:ext>
+                </a:extLst>
+              </a:tr>
+              <a:tr h="370840">
+                <a:tc>
+                  <a:txBody>
+                    <a:bodyPr/>
+                    <a:lstStyle/>
+                    <a:p>
+                      <a:endParaRPr lang="pt-BR" dirty="0"/>
+                    </a:p>
+                  </a:txBody>
+                  <a:tcPr/>
+                </a:tc>
+                <a:tc>
+                  <a:txBody>
+                    <a:bodyPr/>
+                    <a:lstStyle/>
+                    <a:p>
+                      <a:endParaRPr lang="pt-BR" dirty="0"/>
+                    </a:p>
+                  </a:txBody>
+                  <a:tcPr/>
+                </a:tc>
+                <a:tc>
+                  <a:txBody>
+                    <a:bodyPr/>
+                    <a:lstStyle/>
+                    <a:p>
+                      <a:endParaRPr lang="pt-BR" dirty="0"/>
+                    </a:p>
+                  </a:txBody>
+                  <a:tcPr/>
+                </a:tc>
+                <a:extLst>
+                  <a:ext uri="{0D108BD9-81ED-4DB2-BD59-A6C34878D82A}">
+                    <a16:rowId xmlns:a16="http://schemas.microsoft.com/office/drawing/2014/main" val="1116382274"/>
+                  </a:ext>
+                </a:extLst>
+              </a:tr>
+            </a:tbl>
+          </a:graphicData>
+        </a:graphic>
+      </p:graphicFrame>
+      <p:sp>
+        <p:nvSpPr>
+          <p:cNvPr id="11" name="Título 1">
+            <a:extLst>
+              <a:ext uri="{FF2B5EF4-FFF2-40B4-BE49-F238E27FC236}">
+                <a16:creationId xmlns:a16="http://schemas.microsoft.com/office/drawing/2014/main" id="{0229AC0A-F8EF-158B-5D49-B06E1612EEDE}"/>
+              </a:ext>
+            </a:extLst>
+          </p:cNvPr>
+          <p:cNvSpPr txBox="1">
+            <a:spLocks/>
+          </p:cNvSpPr>
+          <p:nvPr/>
+        </p:nvSpPr>
+        <p:spPr>
+          <a:xfrm>
+            <a:off x="468503" y="763524"/>
+            <a:ext cx="10517176" cy="1527048"/>
+          </a:xfrm>
+          <a:prstGeom prst="rect">
+            <a:avLst/>
+          </a:prstGeom>
+        </p:spPr>
+        <p:txBody>
+          <a:bodyPr vert="horz" lIns="91440" tIns="45720" rIns="91440" bIns="45720" rtlCol="0" anchor="b">
+            <a:normAutofit/>
+          </a:bodyPr>
+          <a:lstStyle>
+            <a:lvl1pPr algn="l" defTabSz="914400" rtl="0" eaLnBrk="1" latinLnBrk="0" hangingPunct="1">
+              <a:lnSpc>
+                <a:spcPct val="90000"/>
+              </a:lnSpc>
+              <a:spcBef>
+                <a:spcPct val="0"/>
+              </a:spcBef>
+              <a:buNone/>
+              <a:defRPr sz="3600" b="1" kern="1200">
+                <a:solidFill>
+                  <a:schemeClr val="tx1"/>
+                </a:solidFill>
+                <a:latin typeface="+mj-lt"/>
+                <a:ea typeface="+mj-ea"/>
+                <a:cs typeface="+mj-cs"/>
+              </a:defRPr>
+            </a:lvl1pPr>
+          </a:lstStyle>
+          <a:p>
+            <a:pPr>
+              <a:spcBef>
+                <a:spcPts val="2500"/>
+              </a:spcBef>
+            </a:pPr>
+            <a:r>
+              <a:rPr lang="pt-BR" sz="1600" dirty="0">
+                <a:latin typeface="Arial" panose="020B0604020202020204" pitchFamily="34" charset="0"/>
+                <a:cs typeface="Arial" panose="020B0604020202020204" pitchFamily="34" charset="0"/>
+              </a:rPr>
+              <a:t>Tabela </a:t>
+            </a:r>
+            <a:r>
+              <a:rPr lang="pt-BR" sz="1600" dirty="0" smtClean="0">
+                <a:latin typeface="Arial" panose="020B0604020202020204" pitchFamily="34" charset="0"/>
+                <a:cs typeface="Arial" panose="020B0604020202020204" pitchFamily="34" charset="0"/>
+              </a:rPr>
+              <a:t>Categoria</a:t>
+            </a:r>
+            <a:endParaRPr lang="pt-BR" sz="1600" dirty="0">
+              <a:latin typeface="Arial" panose="020B0604020202020204" pitchFamily="34" charset="0"/>
+              <a:cs typeface="Arial" panose="020B0604020202020204" pitchFamily="34" charset="0"/>
+            </a:endParaRPr>
+          </a:p>
+        </p:txBody>
+      </p:sp>
+    </p:spTree>
+    <p:extLst>
+      <p:ext uri="{BB962C8B-B14F-4D97-AF65-F5344CB8AC3E}">
+        <p14:creationId xmlns:p14="http://schemas.microsoft.com/office/powerpoint/2010/main" val="1422481085"/>
+      </p:ext>
+    </p:extLst>
+  </p:cSld>
+  <p:clrMapOvr>
+    <a:masterClrMapping/>
+  </p:clrMapOvr>
+  <p:transition>
+    <p:fade/>
+  </p:transition>
+  <p:timing>
+    <p:tnLst>
+      <p:par>
+        <p:cTn id="1" dur="indefinite" restart="never" nodeType="tmRoot"/>
+      </p:par>
+    </p:tnLst>
+  </p:timing>
+</p:sld>
+</file>
+
+<file path=ppt/slides/slide15.xml><?xml version="1.0" encoding="utf-8"?>
+<p:sld xmlns:a="http://schemas.openxmlformats.org/drawingml/2006/main" xmlns:r="http://schemas.openxmlformats.org/officeDocument/2006/relationships" xmlns:p="http://schemas.openxmlformats.org/presentationml/2006/main">
+  <p:cSld>
+    <p:bg>
+      <p:bgPr>
+        <a:solidFill>
+          <a:schemeClr val="bg1"/>
+        </a:solidFill>
+        <a:effectLst/>
+      </p:bgPr>
+    </p:bg>
+    <p:spTree>
+      <p:nvGrpSpPr>
+        <p:cNvPr id="1" name="">
+          <a:extLst>
+            <a:ext uri="{FF2B5EF4-FFF2-40B4-BE49-F238E27FC236}">
+              <a16:creationId xmlns:a16="http://schemas.microsoft.com/office/drawing/2014/main" id="{ABC8E265-4279-B925-FBC6-668AF72F0DCF}"/>
+            </a:ext>
+          </a:extLst>
+        </p:cNvPr>
+        <p:cNvGrpSpPr/>
+        <p:nvPr/>
+      </p:nvGrpSpPr>
+      <p:grpSpPr>
+        <a:xfrm>
+          <a:off x="0" y="0"/>
+          <a:ext cx="0" cy="0"/>
+          <a:chOff x="0" y="0"/>
+          <a:chExt cx="0" cy="0"/>
+        </a:xfrm>
+      </p:grpSpPr>
+      <p:sp useBgFill="1">
+        <p:nvSpPr>
+          <p:cNvPr id="10" name="Rectangle 9">
+            <a:extLst>
+              <a:ext uri="{FF2B5EF4-FFF2-40B4-BE49-F238E27FC236}">
+                <a16:creationId xmlns:a16="http://schemas.microsoft.com/office/drawing/2014/main" id="{8450EF29-A29A-9417-2B09-074C04064425}"/>
+              </a:ext>
+              <a:ext uri="{C183D7F6-B498-43B3-948B-1728B52AA6E4}">
+                <adec:decorative xmlns="" xmlns:adec="http://schemas.microsoft.com/office/drawing/2017/decorative" val="1"/>
               </a:ext>
             </a:extLst>
           </p:cNvPr>
@@ -10439,663 +11096,6 @@
 </p:sld>
 </file>
 
-<file path=ppt/slides/slide15.xml><?xml version="1.0" encoding="utf-8"?>
-<p:sld xmlns:a="http://schemas.openxmlformats.org/drawingml/2006/main" xmlns:r="http://schemas.openxmlformats.org/officeDocument/2006/relationships" xmlns:p="http://schemas.openxmlformats.org/presentationml/2006/main">
-  <p:cSld>
-    <p:bg>
-      <p:bgPr>
-        <a:solidFill>
-          <a:schemeClr val="bg1"/>
-        </a:solidFill>
-        <a:effectLst/>
-      </p:bgPr>
-    </p:bg>
-    <p:spTree>
-      <p:nvGrpSpPr>
-        <p:cNvPr id="1" name="">
-          <a:extLst>
-            <a:ext uri="{FF2B5EF4-FFF2-40B4-BE49-F238E27FC236}">
-              <a16:creationId xmlns:a16="http://schemas.microsoft.com/office/drawing/2014/main" id="{ABC8E265-4279-B925-FBC6-668AF72F0DCF}"/>
-            </a:ext>
-          </a:extLst>
-        </p:cNvPr>
-        <p:cNvGrpSpPr/>
-        <p:nvPr/>
-      </p:nvGrpSpPr>
-      <p:grpSpPr>
-        <a:xfrm>
-          <a:off x="0" y="0"/>
-          <a:ext cx="0" cy="0"/>
-          <a:chOff x="0" y="0"/>
-          <a:chExt cx="0" cy="0"/>
-        </a:xfrm>
-      </p:grpSpPr>
-      <p:sp useBgFill="1">
-        <p:nvSpPr>
-          <p:cNvPr id="10" name="Rectangle 9">
-            <a:extLst>
-              <a:ext uri="{FF2B5EF4-FFF2-40B4-BE49-F238E27FC236}">
-                <a16:creationId xmlns:a16="http://schemas.microsoft.com/office/drawing/2014/main" id="{8450EF29-A29A-9417-2B09-074C04064425}"/>
-              </a:ext>
-              <a:ext uri="{C183D7F6-B498-43B3-948B-1728B52AA6E4}">
-                <adec:decorative xmlns:adec="http://schemas.microsoft.com/office/drawing/2017/decorative" xmlns="" val="1"/>
-              </a:ext>
-            </a:extLst>
-          </p:cNvPr>
-          <p:cNvSpPr>
-            <a:spLocks noGrp="1" noRot="1" noChangeAspect="1" noMove="1" noResize="1" noEditPoints="1" noAdjustHandles="1" noChangeArrowheads="1" noChangeShapeType="1" noTextEdit="1"/>
-          </p:cNvSpPr>
-          <p:nvPr>
-            <p:extLst>
-              <p:ext uri="{386F3935-93C4-4BCD-93E2-E3B085C9AB24}">
-                <p16:designElem xmlns:p16="http://schemas.microsoft.com/office/powerpoint/2015/main" val="1"/>
-              </p:ext>
-            </p:extLst>
-          </p:nvPr>
-        </p:nvSpPr>
-        <p:spPr>
-          <a:xfrm>
-            <a:off x="0" y="0"/>
-            <a:ext cx="12192000" cy="6858000"/>
-          </a:xfrm>
-          <a:prstGeom prst="rect">
-            <a:avLst/>
-          </a:prstGeom>
-          <a:ln w="12700" cap="flat" cmpd="sng" algn="ctr">
-            <a:noFill/>
-            <a:prstDash val="solid"/>
-            <a:miter lim="800000"/>
-          </a:ln>
-          <a:effectLst/>
-          <a:extLst>
-            <a:ext uri="{91240B29-F687-4F45-9708-019B960494DF}">
-              <a14:hiddenLine xmlns:a14="http://schemas.microsoft.com/office/drawing/2010/main" w="12700" cap="flat" cmpd="sng" algn="ctr">
-                <a:solidFill>
-                  <a:schemeClr val="accent1">
-                    <a:shade val="15000"/>
-                  </a:schemeClr>
-                </a:solidFill>
-                <a:prstDash val="solid"/>
-                <a:miter lim="800000"/>
-              </a14:hiddenLine>
-            </a:ext>
-          </a:extLst>
-        </p:spPr>
-        <p:style>
-          <a:lnRef idx="2">
-            <a:schemeClr val="accent1">
-              <a:shade val="15000"/>
-            </a:schemeClr>
-          </a:lnRef>
-          <a:fillRef idx="1">
-            <a:schemeClr val="accent1"/>
-          </a:fillRef>
-          <a:effectRef idx="0">
-            <a:schemeClr val="accent1"/>
-          </a:effectRef>
-          <a:fontRef idx="minor">
-            <a:schemeClr val="lt1"/>
-          </a:fontRef>
-        </p:style>
-        <p:txBody>
-          <a:bodyPr rtlCol="0" anchor="ctr"/>
-          <a:lstStyle/>
-          <a:p>
-            <a:pPr algn="ctr"/>
-            <a:endParaRPr lang="en-US"/>
-          </a:p>
-        </p:txBody>
-      </p:sp>
-      <p:sp>
-        <p:nvSpPr>
-          <p:cNvPr id="2" name="Título 1">
-            <a:extLst>
-              <a:ext uri="{FF2B5EF4-FFF2-40B4-BE49-F238E27FC236}">
-                <a16:creationId xmlns:a16="http://schemas.microsoft.com/office/drawing/2014/main" id="{4088EF13-93E0-2A25-DAC4-430EED1B9C18}"/>
-              </a:ext>
-            </a:extLst>
-          </p:cNvPr>
-          <p:cNvSpPr>
-            <a:spLocks noGrp="1"/>
-          </p:cNvSpPr>
-          <p:nvPr>
-            <p:ph type="title"/>
-          </p:nvPr>
-        </p:nvSpPr>
-        <p:spPr>
-          <a:xfrm>
-            <a:off x="468503" y="0"/>
-            <a:ext cx="10517176" cy="1527048"/>
-          </a:xfrm>
-        </p:spPr>
-        <p:txBody>
-          <a:bodyPr vert="horz" lIns="91440" tIns="45720" rIns="91440" bIns="45720" rtlCol="0" anchor="b">
-            <a:normAutofit/>
-          </a:bodyPr>
-          <a:lstStyle/>
-          <a:p>
-            <a:pPr>
-              <a:spcBef>
-                <a:spcPts val="2500"/>
-              </a:spcBef>
-            </a:pPr>
-            <a:r>
-              <a:rPr lang="pt-BR" dirty="0">
-                <a:latin typeface="Arial" panose="020B0604020202020204" pitchFamily="34" charset="0"/>
-                <a:cs typeface="Arial" panose="020B0604020202020204" pitchFamily="34" charset="0"/>
-              </a:rPr>
-              <a:t>DICIONÁRIO DE </a:t>
-            </a:r>
-            <a:r>
-              <a:rPr lang="pt-BR" dirty="0" smtClean="0">
-                <a:latin typeface="Arial" panose="020B0604020202020204" pitchFamily="34" charset="0"/>
-                <a:cs typeface="Arial" panose="020B0604020202020204" pitchFamily="34" charset="0"/>
-              </a:rPr>
-              <a:t>DADOS </a:t>
-            </a:r>
-            <a:r>
-              <a:rPr lang="pt-BR" dirty="0">
-                <a:latin typeface="Arial" panose="020B0604020202020204" pitchFamily="34" charset="0"/>
-                <a:cs typeface="Arial" panose="020B0604020202020204" pitchFamily="34" charset="0"/>
-              </a:rPr>
-              <a:t>[</a:t>
-            </a:r>
-            <a:r>
-              <a:rPr lang="pt-BR" dirty="0" smtClean="0">
-                <a:latin typeface="Arial" panose="020B0604020202020204" pitchFamily="34" charset="0"/>
-                <a:cs typeface="Arial" panose="020B0604020202020204" pitchFamily="34" charset="0"/>
-              </a:rPr>
-              <a:t>R01]</a:t>
-            </a:r>
-            <a:endParaRPr lang="pt-BR" sz="3600" dirty="0">
-              <a:latin typeface="Arial" panose="020B0604020202020204" pitchFamily="34" charset="0"/>
-              <a:cs typeface="Arial" panose="020B0604020202020204" pitchFamily="34" charset="0"/>
-            </a:endParaRPr>
-          </a:p>
-        </p:txBody>
-      </p:sp>
-      <p:graphicFrame>
-        <p:nvGraphicFramePr>
-          <p:cNvPr id="9" name="Espaço Reservado para Conteúdo 8">
-            <a:extLst>
-              <a:ext uri="{FF2B5EF4-FFF2-40B4-BE49-F238E27FC236}">
-                <a16:creationId xmlns:a16="http://schemas.microsoft.com/office/drawing/2014/main" id="{AE6A2ECC-39B2-D582-178A-3B96D8FBBBF5}"/>
-              </a:ext>
-            </a:extLst>
-          </p:cNvPr>
-          <p:cNvGraphicFramePr>
-            <a:graphicFrameLocks noGrp="1"/>
-          </p:cNvGraphicFramePr>
-          <p:nvPr>
-            <p:ph sz="half" idx="2"/>
-            <p:extLst>
-              <p:ext uri="{D42A27DB-BD31-4B8C-83A1-F6EECF244321}">
-                <p14:modId xmlns:p14="http://schemas.microsoft.com/office/powerpoint/2010/main" val="937165206"/>
-              </p:ext>
-            </p:extLst>
-          </p:nvPr>
-        </p:nvGraphicFramePr>
-        <p:xfrm>
-          <a:off x="566670" y="2250628"/>
-          <a:ext cx="10071279" cy="2966720"/>
-        </p:xfrm>
-        <a:graphic>
-          <a:graphicData uri="http://schemas.openxmlformats.org/drawingml/2006/table">
-            <a:tbl>
-              <a:tblPr firstRow="1" bandRow="1">
-                <a:tableStyleId>{5C22544A-7EE6-4342-B048-85BDC9FD1C3A}</a:tableStyleId>
-              </a:tblPr>
-              <a:tblGrid>
-                <a:gridCol w="3357093">
-                  <a:extLst>
-                    <a:ext uri="{9D8B030D-6E8A-4147-A177-3AD203B41FA5}">
-                      <a16:colId xmlns:a16="http://schemas.microsoft.com/office/drawing/2014/main" val="1759235190"/>
-                    </a:ext>
-                  </a:extLst>
-                </a:gridCol>
-                <a:gridCol w="3357093">
-                  <a:extLst>
-                    <a:ext uri="{9D8B030D-6E8A-4147-A177-3AD203B41FA5}">
-                      <a16:colId xmlns:a16="http://schemas.microsoft.com/office/drawing/2014/main" val="2611790632"/>
-                    </a:ext>
-                  </a:extLst>
-                </a:gridCol>
-                <a:gridCol w="3357093">
-                  <a:extLst>
-                    <a:ext uri="{9D8B030D-6E8A-4147-A177-3AD203B41FA5}">
-                      <a16:colId xmlns:a16="http://schemas.microsoft.com/office/drawing/2014/main" val="2783851260"/>
-                    </a:ext>
-                  </a:extLst>
-                </a:gridCol>
-              </a:tblGrid>
-              <a:tr h="370840">
-                <a:tc>
-                  <a:txBody>
-                    <a:bodyPr/>
-                    <a:lstStyle/>
-                    <a:p>
-                      <a:r>
-                        <a:rPr lang="pt-BR" dirty="0"/>
-                        <a:t>Campo</a:t>
-                      </a:r>
-                    </a:p>
-                  </a:txBody>
-                  <a:tcPr/>
-                </a:tc>
-                <a:tc>
-                  <a:txBody>
-                    <a:bodyPr/>
-                    <a:lstStyle/>
-                    <a:p>
-                      <a:r>
-                        <a:rPr lang="pt-BR" dirty="0"/>
-                        <a:t>Tipo de Dados</a:t>
-                      </a:r>
-                    </a:p>
-                  </a:txBody>
-                  <a:tcPr/>
-                </a:tc>
-                <a:tc>
-                  <a:txBody>
-                    <a:bodyPr/>
-                    <a:lstStyle/>
-                    <a:p>
-                      <a:r>
-                        <a:rPr lang="pt-BR" dirty="0"/>
-                        <a:t>OBS</a:t>
-                      </a:r>
-                    </a:p>
-                  </a:txBody>
-                  <a:tcPr/>
-                </a:tc>
-                <a:extLst>
-                  <a:ext uri="{0D108BD9-81ED-4DB2-BD59-A6C34878D82A}">
-                    <a16:rowId xmlns:a16="http://schemas.microsoft.com/office/drawing/2014/main" val="996086151"/>
-                  </a:ext>
-                </a:extLst>
-              </a:tr>
-              <a:tr h="370840">
-                <a:tc>
-                  <a:txBody>
-                    <a:bodyPr/>
-                    <a:lstStyle/>
-                    <a:p>
-                      <a:r>
-                        <a:rPr lang="pt-BR" dirty="0" err="1" smtClean="0"/>
-                        <a:t>Codigo</a:t>
-                      </a:r>
-                      <a:endParaRPr lang="pt-BR" dirty="0"/>
-                    </a:p>
-                  </a:txBody>
-                  <a:tcPr/>
-                </a:tc>
-                <a:tc>
-                  <a:txBody>
-                    <a:bodyPr/>
-                    <a:lstStyle/>
-                    <a:p>
-                      <a:r>
-                        <a:rPr lang="pt-BR" dirty="0" err="1"/>
-                        <a:t>Int</a:t>
-                      </a:r>
-                      <a:endParaRPr lang="pt-BR" dirty="0"/>
-                    </a:p>
-                  </a:txBody>
-                  <a:tcPr/>
-                </a:tc>
-                <a:tc>
-                  <a:txBody>
-                    <a:bodyPr/>
-                    <a:lstStyle/>
-                    <a:p>
-                      <a:r>
-                        <a:rPr lang="pt-BR" dirty="0"/>
-                        <a:t>Chave Primária</a:t>
-                      </a:r>
-                    </a:p>
-                  </a:txBody>
-                  <a:tcPr/>
-                </a:tc>
-                <a:extLst>
-                  <a:ext uri="{0D108BD9-81ED-4DB2-BD59-A6C34878D82A}">
-                    <a16:rowId xmlns:a16="http://schemas.microsoft.com/office/drawing/2014/main" val="1004326904"/>
-                  </a:ext>
-                </a:extLst>
-              </a:tr>
-              <a:tr h="370840">
-                <a:tc>
-                  <a:txBody>
-                    <a:bodyPr/>
-                    <a:lstStyle/>
-                    <a:p>
-                      <a:r>
-                        <a:rPr lang="pt-BR" dirty="0" err="1" smtClean="0"/>
-                        <a:t>Descricao</a:t>
-                      </a:r>
-                      <a:endParaRPr lang="pt-BR" dirty="0"/>
-                    </a:p>
-                  </a:txBody>
-                  <a:tcPr/>
-                </a:tc>
-                <a:tc>
-                  <a:txBody>
-                    <a:bodyPr/>
-                    <a:lstStyle/>
-                    <a:p>
-                      <a:r>
-                        <a:rPr lang="pt-BR" dirty="0" err="1" smtClean="0"/>
-                        <a:t>Varchar</a:t>
-                      </a:r>
-                      <a:r>
-                        <a:rPr lang="pt-BR" dirty="0" smtClean="0"/>
-                        <a:t>(100)</a:t>
-                      </a:r>
-                      <a:endParaRPr lang="pt-BR" dirty="0"/>
-                    </a:p>
-                  </a:txBody>
-                  <a:tcPr/>
-                </a:tc>
-                <a:tc>
-                  <a:txBody>
-                    <a:bodyPr/>
-                    <a:lstStyle/>
-                    <a:p>
-                      <a:endParaRPr lang="pt-BR" dirty="0"/>
-                    </a:p>
-                  </a:txBody>
-                  <a:tcPr/>
-                </a:tc>
-                <a:extLst>
-                  <a:ext uri="{0D108BD9-81ED-4DB2-BD59-A6C34878D82A}">
-                    <a16:rowId xmlns:a16="http://schemas.microsoft.com/office/drawing/2014/main" val="1354368322"/>
-                  </a:ext>
-                </a:extLst>
-              </a:tr>
-              <a:tr h="370840">
-                <a:tc>
-                  <a:txBody>
-                    <a:bodyPr/>
-                    <a:lstStyle/>
-                    <a:p>
-                      <a:endParaRPr lang="pt-BR" dirty="0"/>
-                    </a:p>
-                  </a:txBody>
-                  <a:tcPr/>
-                </a:tc>
-                <a:tc>
-                  <a:txBody>
-                    <a:bodyPr/>
-                    <a:lstStyle/>
-                    <a:p>
-                      <a:endParaRPr lang="pt-BR" dirty="0"/>
-                    </a:p>
-                  </a:txBody>
-                  <a:tcPr/>
-                </a:tc>
-                <a:tc>
-                  <a:txBody>
-                    <a:bodyPr/>
-                    <a:lstStyle/>
-                    <a:p>
-                      <a:endParaRPr lang="pt-BR" dirty="0"/>
-                    </a:p>
-                  </a:txBody>
-                  <a:tcPr/>
-                </a:tc>
-                <a:extLst>
-                  <a:ext uri="{0D108BD9-81ED-4DB2-BD59-A6C34878D82A}">
-                    <a16:rowId xmlns:a16="http://schemas.microsoft.com/office/drawing/2014/main" val="275426533"/>
-                  </a:ext>
-                </a:extLst>
-              </a:tr>
-              <a:tr h="370840">
-                <a:tc>
-                  <a:txBody>
-                    <a:bodyPr/>
-                    <a:lstStyle/>
-                    <a:p>
-                      <a:endParaRPr lang="pt-BR" dirty="0"/>
-                    </a:p>
-                  </a:txBody>
-                  <a:tcPr/>
-                </a:tc>
-                <a:tc>
-                  <a:txBody>
-                    <a:bodyPr/>
-                    <a:lstStyle/>
-                    <a:p>
-                      <a:endParaRPr lang="pt-BR" dirty="0"/>
-                    </a:p>
-                  </a:txBody>
-                  <a:tcPr/>
-                </a:tc>
-                <a:tc>
-                  <a:txBody>
-                    <a:bodyPr/>
-                    <a:lstStyle/>
-                    <a:p>
-                      <a:endParaRPr lang="pt-BR" dirty="0"/>
-                    </a:p>
-                  </a:txBody>
-                  <a:tcPr/>
-                </a:tc>
-                <a:extLst>
-                  <a:ext uri="{0D108BD9-81ED-4DB2-BD59-A6C34878D82A}">
-                    <a16:rowId xmlns:a16="http://schemas.microsoft.com/office/drawing/2014/main" val="2790910923"/>
-                  </a:ext>
-                </a:extLst>
-              </a:tr>
-              <a:tr h="370840">
-                <a:tc>
-                  <a:txBody>
-                    <a:bodyPr/>
-                    <a:lstStyle/>
-                    <a:p>
-                      <a:endParaRPr lang="pt-BR" dirty="0"/>
-                    </a:p>
-                  </a:txBody>
-                  <a:tcPr/>
-                </a:tc>
-                <a:tc>
-                  <a:txBody>
-                    <a:bodyPr/>
-                    <a:lstStyle/>
-                    <a:p>
-                      <a:endParaRPr lang="pt-BR" dirty="0"/>
-                    </a:p>
-                  </a:txBody>
-                  <a:tcPr/>
-                </a:tc>
-                <a:tc>
-                  <a:txBody>
-                    <a:bodyPr/>
-                    <a:lstStyle/>
-                    <a:p>
-                      <a:endParaRPr lang="pt-BR" dirty="0"/>
-                    </a:p>
-                  </a:txBody>
-                  <a:tcPr/>
-                </a:tc>
-                <a:extLst>
-                  <a:ext uri="{0D108BD9-81ED-4DB2-BD59-A6C34878D82A}">
-                    <a16:rowId xmlns:a16="http://schemas.microsoft.com/office/drawing/2014/main" val="1929395480"/>
-                  </a:ext>
-                </a:extLst>
-              </a:tr>
-              <a:tr h="370840">
-                <a:tc>
-                  <a:txBody>
-                    <a:bodyPr/>
-                    <a:lstStyle/>
-                    <a:p>
-                      <a:endParaRPr lang="pt-BR" dirty="0"/>
-                    </a:p>
-                  </a:txBody>
-                  <a:tcPr/>
-                </a:tc>
-                <a:tc>
-                  <a:txBody>
-                    <a:bodyPr/>
-                    <a:lstStyle/>
-                    <a:p>
-                      <a:endParaRPr lang="pt-BR" dirty="0"/>
-                    </a:p>
-                  </a:txBody>
-                  <a:tcPr/>
-                </a:tc>
-                <a:tc>
-                  <a:txBody>
-                    <a:bodyPr/>
-                    <a:lstStyle/>
-                    <a:p>
-                      <a:endParaRPr lang="pt-BR" dirty="0"/>
-                    </a:p>
-                  </a:txBody>
-                  <a:tcPr/>
-                </a:tc>
-                <a:extLst>
-                  <a:ext uri="{0D108BD9-81ED-4DB2-BD59-A6C34878D82A}">
-                    <a16:rowId xmlns:a16="http://schemas.microsoft.com/office/drawing/2014/main" val="2940149528"/>
-                  </a:ext>
-                </a:extLst>
-              </a:tr>
-              <a:tr h="370840">
-                <a:tc>
-                  <a:txBody>
-                    <a:bodyPr/>
-                    <a:lstStyle/>
-                    <a:p>
-                      <a:endParaRPr lang="pt-BR" dirty="0"/>
-                    </a:p>
-                  </a:txBody>
-                  <a:tcPr/>
-                </a:tc>
-                <a:tc>
-                  <a:txBody>
-                    <a:bodyPr/>
-                    <a:lstStyle/>
-                    <a:p>
-                      <a:endParaRPr lang="pt-BR" dirty="0"/>
-                    </a:p>
-                  </a:txBody>
-                  <a:tcPr/>
-                </a:tc>
-                <a:tc>
-                  <a:txBody>
-                    <a:bodyPr/>
-                    <a:lstStyle/>
-                    <a:p>
-                      <a:endParaRPr lang="pt-BR" dirty="0"/>
-                    </a:p>
-                  </a:txBody>
-                  <a:tcPr/>
-                </a:tc>
-                <a:extLst>
-                  <a:ext uri="{0D108BD9-81ED-4DB2-BD59-A6C34878D82A}">
-                    <a16:rowId xmlns:a16="http://schemas.microsoft.com/office/drawing/2014/main" val="1116382274"/>
-                  </a:ext>
-                </a:extLst>
-              </a:tr>
-            </a:tbl>
-          </a:graphicData>
-        </a:graphic>
-      </p:graphicFrame>
-      <p:sp>
-        <p:nvSpPr>
-          <p:cNvPr id="11" name="Título 1">
-            <a:extLst>
-              <a:ext uri="{FF2B5EF4-FFF2-40B4-BE49-F238E27FC236}">
-                <a16:creationId xmlns:a16="http://schemas.microsoft.com/office/drawing/2014/main" id="{0229AC0A-F8EF-158B-5D49-B06E1612EEDE}"/>
-              </a:ext>
-            </a:extLst>
-          </p:cNvPr>
-          <p:cNvSpPr txBox="1">
-            <a:spLocks/>
-          </p:cNvSpPr>
-          <p:nvPr/>
-        </p:nvSpPr>
-        <p:spPr>
-          <a:xfrm>
-            <a:off x="468503" y="763524"/>
-            <a:ext cx="10517176" cy="1527048"/>
-          </a:xfrm>
-          <a:prstGeom prst="rect">
-            <a:avLst/>
-          </a:prstGeom>
-        </p:spPr>
-        <p:txBody>
-          <a:bodyPr vert="horz" lIns="91440" tIns="45720" rIns="91440" bIns="45720" rtlCol="0" anchor="b">
-            <a:normAutofit/>
-          </a:bodyPr>
-          <a:lstStyle>
-            <a:lvl1pPr algn="l" defTabSz="914400" rtl="0" eaLnBrk="1" latinLnBrk="0" hangingPunct="1">
-              <a:lnSpc>
-                <a:spcPct val="90000"/>
-              </a:lnSpc>
-              <a:spcBef>
-                <a:spcPct val="0"/>
-              </a:spcBef>
-              <a:buNone/>
-              <a:defRPr sz="3600" b="1" kern="1200">
-                <a:solidFill>
-                  <a:schemeClr val="tx1"/>
-                </a:solidFill>
-                <a:latin typeface="+mj-lt"/>
-                <a:ea typeface="+mj-ea"/>
-                <a:cs typeface="+mj-cs"/>
-              </a:defRPr>
-            </a:lvl1pPr>
-          </a:lstStyle>
-          <a:p>
-            <a:pPr>
-              <a:spcBef>
-                <a:spcPts val="2500"/>
-              </a:spcBef>
-            </a:pPr>
-            <a:r>
-              <a:rPr lang="pt-BR" sz="1600" dirty="0">
-                <a:latin typeface="Arial" panose="020B0604020202020204" pitchFamily="34" charset="0"/>
-                <a:cs typeface="Arial" panose="020B0604020202020204" pitchFamily="34" charset="0"/>
-              </a:rPr>
-              <a:t>Tabela </a:t>
-            </a:r>
-            <a:r>
-              <a:rPr lang="pt-BR" sz="1600" dirty="0" smtClean="0">
-                <a:latin typeface="Arial" panose="020B0604020202020204" pitchFamily="34" charset="0"/>
-                <a:cs typeface="Arial" panose="020B0604020202020204" pitchFamily="34" charset="0"/>
-              </a:rPr>
-              <a:t>Categoria</a:t>
-            </a:r>
-            <a:endParaRPr lang="pt-BR" sz="1600" dirty="0">
-              <a:latin typeface="Arial" panose="020B0604020202020204" pitchFamily="34" charset="0"/>
-              <a:cs typeface="Arial" panose="020B0604020202020204" pitchFamily="34" charset="0"/>
-            </a:endParaRPr>
-          </a:p>
-        </p:txBody>
-      </p:sp>
-    </p:spTree>
-    <p:extLst>
-      <p:ext uri="{BB962C8B-B14F-4D97-AF65-F5344CB8AC3E}">
-        <p14:creationId xmlns:p14="http://schemas.microsoft.com/office/powerpoint/2010/main" val="1422481085"/>
-      </p:ext>
-    </p:extLst>
-  </p:cSld>
-  <p:clrMapOvr>
-    <a:masterClrMapping/>
-  </p:clrMapOvr>
-  <p:transition>
-    <p:fade/>
-  </p:transition>
-  <p:timing>
-    <p:tnLst>
-      <p:par>
-        <p:cTn id="1" dur="indefinite" restart="never" nodeType="tmRoot"/>
-      </p:par>
-    </p:tnLst>
-  </p:timing>
-</p:sld>
-</file>
-
 <file path=ppt/slides/slide16.xml><?xml version="1.0" encoding="utf-8"?>
 <p:sld xmlns:a="http://schemas.openxmlformats.org/drawingml/2006/main" xmlns:r="http://schemas.openxmlformats.org/officeDocument/2006/relationships" xmlns:p="http://schemas.openxmlformats.org/presentationml/2006/main">
   <p:cSld>
@@ -11129,7 +11129,7 @@
                 <a16:creationId xmlns:a16="http://schemas.microsoft.com/office/drawing/2014/main" id="{5E8D3B17-7638-DFD3-18E4-8A6D611749CF}"/>
               </a:ext>
               <a:ext uri="{C183D7F6-B498-43B3-948B-1728B52AA6E4}">
-                <adec:decorative xmlns:adec="http://schemas.microsoft.com/office/drawing/2017/decorative" xmlns="" val="1"/>
+                <adec:decorative xmlns="" xmlns:adec="http://schemas.microsoft.com/office/drawing/2017/decorative" val="1"/>
               </a:ext>
             </a:extLst>
           </p:cNvPr>
@@ -11289,7 +11289,7 @@
                 <a16:creationId xmlns:a16="http://schemas.microsoft.com/office/drawing/2014/main" id="{5E8D3B17-7638-DFD3-18E4-8A6D611749CF}"/>
               </a:ext>
               <a:ext uri="{C183D7F6-B498-43B3-948B-1728B52AA6E4}">
-                <adec:decorative xmlns:adec="http://schemas.microsoft.com/office/drawing/2017/decorative" xmlns="" val="1"/>
+                <adec:decorative xmlns="" xmlns:adec="http://schemas.microsoft.com/office/drawing/2017/decorative" val="1"/>
               </a:ext>
             </a:extLst>
           </p:cNvPr>
@@ -11533,7 +11533,7 @@
                 <a16:creationId xmlns:a16="http://schemas.microsoft.com/office/drawing/2014/main" id="{5E8D3B17-7638-DFD3-18E4-8A6D611749CF}"/>
               </a:ext>
               <a:ext uri="{C183D7F6-B498-43B3-948B-1728B52AA6E4}">
-                <adec:decorative xmlns:adec="http://schemas.microsoft.com/office/drawing/2017/decorative" xmlns="" val="1"/>
+                <adec:decorative xmlns="" xmlns:adec="http://schemas.microsoft.com/office/drawing/2017/decorative" val="1"/>
               </a:ext>
             </a:extLst>
           </p:cNvPr>
@@ -12545,7 +12545,7 @@
                 <a16:creationId xmlns:a16="http://schemas.microsoft.com/office/drawing/2014/main" id="{5E8D3B17-7638-DFD3-18E4-8A6D611749CF}"/>
               </a:ext>
               <a:ext uri="{C183D7F6-B498-43B3-948B-1728B52AA6E4}">
-                <adec:decorative xmlns:adec="http://schemas.microsoft.com/office/drawing/2017/decorative" xmlns="" val="1"/>
+                <adec:decorative xmlns="" xmlns:adec="http://schemas.microsoft.com/office/drawing/2017/decorative" val="1"/>
               </a:ext>
             </a:extLst>
           </p:cNvPr>
@@ -13276,7 +13276,7 @@
                 <a16:creationId xmlns:a16="http://schemas.microsoft.com/office/drawing/2014/main" id="{5E8D3B17-7638-DFD3-18E4-8A6D611749CF}"/>
               </a:ext>
               <a:ext uri="{C183D7F6-B498-43B3-948B-1728B52AA6E4}">
-                <adec:decorative xmlns:adec="http://schemas.microsoft.com/office/drawing/2017/decorative" xmlns="" val="1"/>
+                <adec:decorative xmlns="" xmlns:adec="http://schemas.microsoft.com/office/drawing/2017/decorative" val="1"/>
               </a:ext>
             </a:extLst>
           </p:cNvPr>
@@ -13485,7 +13485,7 @@
             <p:ph sz="half" idx="2"/>
             <p:extLst>
               <p:ext uri="{E7BDC344-281C-4309-B0C6-D0EE65EED2A8}">
-                <p202:designPr xmlns:p202="http://schemas.microsoft.com/office/powerpoint/2020/02/main" xmlns="">
+                <p202:designPr xmlns="" xmlns:p202="http://schemas.microsoft.com/office/powerpoint/2020/02/main">
                   <p202:designTagLst>
                     <p202:designTag name="ARCH:1:CLS" val="InformationBlock"/>
                     <p202:designTag name="ARCH:1:VSVAR" val="TitledTextBox"/>
@@ -13737,7 +13737,7 @@
                 <a16:creationId xmlns:a16="http://schemas.microsoft.com/office/drawing/2014/main" id="{5E8D3B17-7638-DFD3-18E4-8A6D611749CF}"/>
               </a:ext>
               <a:ext uri="{C183D7F6-B498-43B3-948B-1728B52AA6E4}">
-                <adec:decorative xmlns:adec="http://schemas.microsoft.com/office/drawing/2017/decorative" xmlns="" val="1"/>
+                <adec:decorative xmlns="" xmlns:adec="http://schemas.microsoft.com/office/drawing/2017/decorative" val="1"/>
               </a:ext>
             </a:extLst>
           </p:cNvPr>
@@ -14604,7 +14604,7 @@
                 <a16:creationId xmlns:a16="http://schemas.microsoft.com/office/drawing/2014/main" id="{5E8D3B17-7638-DFD3-18E4-8A6D611749CF}"/>
               </a:ext>
               <a:ext uri="{C183D7F6-B498-43B3-948B-1728B52AA6E4}">
-                <adec:decorative xmlns:adec="http://schemas.microsoft.com/office/drawing/2017/decorative" xmlns="" val="1"/>
+                <adec:decorative xmlns="" xmlns:adec="http://schemas.microsoft.com/office/drawing/2017/decorative" val="1"/>
               </a:ext>
             </a:extLst>
           </p:cNvPr>
@@ -14741,7 +14741,7 @@
             <p:ph sz="half" idx="2"/>
             <p:extLst>
               <p:ext uri="{E7BDC344-281C-4309-B0C6-D0EE65EED2A8}">
-                <p202:designPr xmlns:p202="http://schemas.microsoft.com/office/powerpoint/2020/02/main" xmlns="">
+                <p202:designPr xmlns="" xmlns:p202="http://schemas.microsoft.com/office/powerpoint/2020/02/main">
                   <p202:designTagLst>
                     <p202:designTag name="ARCH:1:CLS" val="InformationBlock"/>
                     <p202:designTag name="ARCH:1:VSVAR" val="TitledTextBox"/>
@@ -14967,7 +14967,7 @@
                 <a16:creationId xmlns:a16="http://schemas.microsoft.com/office/drawing/2014/main" id="{5E8D3B17-7638-DFD3-18E4-8A6D611749CF}"/>
               </a:ext>
               <a:ext uri="{C183D7F6-B498-43B3-948B-1728B52AA6E4}">
-                <adec:decorative xmlns:adec="http://schemas.microsoft.com/office/drawing/2017/decorative" xmlns="" val="1"/>
+                <adec:decorative xmlns="" xmlns:adec="http://schemas.microsoft.com/office/drawing/2017/decorative" val="1"/>
               </a:ext>
             </a:extLst>
           </p:cNvPr>
@@ -15094,7 +15094,7 @@
             <p:ph sz="half" idx="2"/>
             <p:extLst>
               <p:ext uri="{E7BDC344-281C-4309-B0C6-D0EE65EED2A8}">
-                <p202:designPr xmlns:p202="http://schemas.microsoft.com/office/powerpoint/2020/02/main" xmlns="">
+                <p202:designPr xmlns="" xmlns:p202="http://schemas.microsoft.com/office/powerpoint/2020/02/main">
                   <p202:designTagLst>
                     <p202:designTag name="ARCH:1:CLS" val="InformationBlock"/>
                     <p202:designTag name="ARCH:1:VSVAR" val="TitledTextBox"/>
@@ -15411,7 +15411,7 @@
                 <a16:creationId xmlns:a16="http://schemas.microsoft.com/office/drawing/2014/main" id="{E1D40FB4-97DC-F5FF-9E7A-C10E078A1532}"/>
               </a:ext>
               <a:ext uri="{C183D7F6-B498-43B3-948B-1728B52AA6E4}">
-                <adec:decorative xmlns:adec="http://schemas.microsoft.com/office/drawing/2017/decorative" xmlns="" val="1"/>
+                <adec:decorative xmlns="" xmlns:adec="http://schemas.microsoft.com/office/drawing/2017/decorative" val="1"/>
               </a:ext>
             </a:extLst>
           </p:cNvPr>
@@ -15541,7 +15541,7 @@
             <p:ph sz="half" idx="2"/>
             <p:extLst>
               <p:ext uri="{E7BDC344-281C-4309-B0C6-D0EE65EED2A8}">
-                <p202:designPr xmlns:p202="http://schemas.microsoft.com/office/powerpoint/2020/02/main" xmlns="">
+                <p202:designPr xmlns="" xmlns:p202="http://schemas.microsoft.com/office/powerpoint/2020/02/main">
                   <p202:designTagLst>
                     <p202:designTag name="ARCH:1:CLS" val="InformationBlock"/>
                     <p202:designTag name="ARCH:1:VSVAR" val="TitledTextBox"/>
@@ -15799,7 +15799,7 @@
                 <a16:creationId xmlns:a16="http://schemas.microsoft.com/office/drawing/2014/main" id="{A51D6A68-C3BD-3399-CCA8-A7290FC8E09C}"/>
               </a:ext>
               <a:ext uri="{C183D7F6-B498-43B3-948B-1728B52AA6E4}">
-                <adec:decorative xmlns:adec="http://schemas.microsoft.com/office/drawing/2017/decorative" xmlns="" val="1"/>
+                <adec:decorative xmlns="" xmlns:adec="http://schemas.microsoft.com/office/drawing/2017/decorative" val="1"/>
               </a:ext>
             </a:extLst>
           </p:cNvPr>
@@ -15927,7 +15927,7 @@
             <p:ph sz="half" idx="2"/>
             <p:extLst>
               <p:ext uri="{E7BDC344-281C-4309-B0C6-D0EE65EED2A8}">
-                <p202:designPr xmlns:p202="http://schemas.microsoft.com/office/powerpoint/2020/02/main" xmlns="">
+                <p202:designPr xmlns="" xmlns:p202="http://schemas.microsoft.com/office/powerpoint/2020/02/main">
                   <p202:designTagLst>
                     <p202:designTag name="ARCH:1:CLS" val="InformationBlock"/>
                     <p202:designTag name="ARCH:1:VSVAR" val="TitledTextBox"/>
@@ -16185,7 +16185,7 @@
                 <a16:creationId xmlns:a16="http://schemas.microsoft.com/office/drawing/2014/main" id="{7F39A533-5E9C-439F-5CF1-06FFAB778C1F}"/>
               </a:ext>
               <a:ext uri="{C183D7F6-B498-43B3-948B-1728B52AA6E4}">
-                <adec:decorative xmlns:adec="http://schemas.microsoft.com/office/drawing/2017/decorative" xmlns="" val="1"/>
+                <adec:decorative xmlns="" xmlns:adec="http://schemas.microsoft.com/office/drawing/2017/decorative" val="1"/>
               </a:ext>
             </a:extLst>
           </p:cNvPr>
@@ -16313,7 +16313,7 @@
             <p:ph sz="half" idx="2"/>
             <p:extLst>
               <p:ext uri="{E7BDC344-281C-4309-B0C6-D0EE65EED2A8}">
-                <p202:designPr xmlns:p202="http://schemas.microsoft.com/office/powerpoint/2020/02/main" xmlns="">
+                <p202:designPr xmlns="" xmlns:p202="http://schemas.microsoft.com/office/powerpoint/2020/02/main">
                   <p202:designTagLst>
                     <p202:designTag name="ARCH:1:CLS" val="InformationBlock"/>
                     <p202:designTag name="ARCH:1:VSVAR" val="TitledTextBox"/>
@@ -16586,7 +16586,7 @@
                 <a16:creationId xmlns:a16="http://schemas.microsoft.com/office/drawing/2014/main" id="{A82A2D76-411A-C189-4AD9-642686996848}"/>
               </a:ext>
               <a:ext uri="{C183D7F6-B498-43B3-948B-1728B52AA6E4}">
-                <adec:decorative xmlns:adec="http://schemas.microsoft.com/office/drawing/2017/decorative" xmlns="" val="1"/>
+                <adec:decorative xmlns="" xmlns:adec="http://schemas.microsoft.com/office/drawing/2017/decorative" val="1"/>
               </a:ext>
             </a:extLst>
           </p:cNvPr>
@@ -16714,7 +16714,7 @@
             <p:ph sz="half" idx="2"/>
             <p:extLst>
               <p:ext uri="{E7BDC344-281C-4309-B0C6-D0EE65EED2A8}">
-                <p202:designPr xmlns:p202="http://schemas.microsoft.com/office/powerpoint/2020/02/main" xmlns="">
+                <p202:designPr xmlns="" xmlns:p202="http://schemas.microsoft.com/office/powerpoint/2020/02/main">
                   <p202:designTagLst>
                     <p202:designTag name="ARCH:1:CLS" val="InformationBlock"/>
                     <p202:designTag name="ARCH:1:VSVAR" val="TitledTextBox"/>
@@ -16975,7 +16975,7 @@
                 <a16:creationId xmlns:a16="http://schemas.microsoft.com/office/drawing/2014/main" id="{E482AA53-DA69-E258-8B64-8F8CE86FCDD4}"/>
               </a:ext>
               <a:ext uri="{C183D7F6-B498-43B3-948B-1728B52AA6E4}">
-                <adec:decorative xmlns:adec="http://schemas.microsoft.com/office/drawing/2017/decorative" xmlns="" val="1"/>
+                <adec:decorative xmlns="" xmlns:adec="http://schemas.microsoft.com/office/drawing/2017/decorative" val="1"/>
               </a:ext>
             </a:extLst>
           </p:cNvPr>
@@ -17103,7 +17103,7 @@
             <p:ph sz="half" idx="2"/>
             <p:extLst>
               <p:ext uri="{E7BDC344-281C-4309-B0C6-D0EE65EED2A8}">
-                <p202:designPr xmlns:p202="http://schemas.microsoft.com/office/powerpoint/2020/02/main" xmlns="">
+                <p202:designPr xmlns="" xmlns:p202="http://schemas.microsoft.com/office/powerpoint/2020/02/main">
                   <p202:designTagLst>
                     <p202:designTag name="ARCH:1:CLS" val="InformationBlock"/>
                     <p202:designTag name="ARCH:1:VSVAR" val="TitledTextBox"/>
@@ -17379,7 +17379,7 @@
                 <a16:creationId xmlns:a16="http://schemas.microsoft.com/office/drawing/2014/main" id="{5C27E16A-554C-D4AC-900E-AA69DDAEDE03}"/>
               </a:ext>
               <a:ext uri="{C183D7F6-B498-43B3-948B-1728B52AA6E4}">
-                <adec:decorative xmlns:adec="http://schemas.microsoft.com/office/drawing/2017/decorative" xmlns="" val="1"/>
+                <adec:decorative xmlns="" xmlns:adec="http://schemas.microsoft.com/office/drawing/2017/decorative" val="1"/>
               </a:ext>
             </a:extLst>
           </p:cNvPr>
@@ -17507,7 +17507,7 @@
             <p:ph sz="half" idx="2"/>
             <p:extLst>
               <p:ext uri="{E7BDC344-281C-4309-B0C6-D0EE65EED2A8}">
-                <p202:designPr xmlns:p202="http://schemas.microsoft.com/office/powerpoint/2020/02/main" xmlns="">
+                <p202:designPr xmlns="" xmlns:p202="http://schemas.microsoft.com/office/powerpoint/2020/02/main">
                   <p202:designTagLst>
                     <p202:designTag name="ARCH:1:CLS" val="InformationBlock"/>
                     <p202:designTag name="ARCH:1:VSVAR" val="TitledTextBox"/>

--- a/Documentacao/ModelagemSistema_TemplateInicial.pptx
+++ b/Documentacao/ModelagemSistema_TemplateInicial.pptx
@@ -5,7 +5,7 @@
     <p:sldMasterId id="2147483660" r:id="rId1"/>
   </p:sldMasterIdLst>
   <p:notesMasterIdLst>
-    <p:notesMasterId r:id="rId23"/>
+    <p:notesMasterId r:id="rId24"/>
   </p:notesMasterIdLst>
   <p:sldIdLst>
     <p:sldId id="2561" r:id="rId2"/>
@@ -21,14 +21,15 @@
     <p:sldId id="2587" r:id="rId12"/>
     <p:sldId id="2566" r:id="rId13"/>
     <p:sldId id="2583" r:id="rId14"/>
-    <p:sldId id="2584" r:id="rId15"/>
-    <p:sldId id="2585" r:id="rId16"/>
-    <p:sldId id="2567" r:id="rId17"/>
-    <p:sldId id="2568" r:id="rId18"/>
-    <p:sldId id="2586" r:id="rId19"/>
-    <p:sldId id="2589" r:id="rId20"/>
-    <p:sldId id="2588" r:id="rId21"/>
-    <p:sldId id="2569" r:id="rId22"/>
+    <p:sldId id="2590" r:id="rId15"/>
+    <p:sldId id="2584" r:id="rId16"/>
+    <p:sldId id="2585" r:id="rId17"/>
+    <p:sldId id="2567" r:id="rId18"/>
+    <p:sldId id="2568" r:id="rId19"/>
+    <p:sldId id="2586" r:id="rId20"/>
+    <p:sldId id="2589" r:id="rId21"/>
+    <p:sldId id="2588" r:id="rId22"/>
+    <p:sldId id="2569" r:id="rId23"/>
   </p:sldIdLst>
   <p:sldSz cx="12192000" cy="6858000"/>
   <p:notesSz cx="6858000" cy="9144000"/>
@@ -217,7 +218,7 @@
           <a:p>
             <a:fld id="{93DDA81E-B6DD-4CA0-9C2D-B0C27B95DC2C}" type="datetimeFigureOut">
               <a:rPr lang="pt-BR" smtClean="0"/>
-              <a:t>27/01/2025</a:t>
+              <a:t>03/02/2025</a:t>
             </a:fld>
             <a:endParaRPr lang="pt-BR"/>
           </a:p>
@@ -1086,7 +1087,7 @@
           <a:p>
             <a:fld id="{92E3E85D-1FC8-4645-A278-0F485466CD94}" type="slidenum">
               <a:rPr lang="pt-BR" smtClean="0"/>
-              <a:t>14</a:t>
+              <a:t>15</a:t>
             </a:fld>
             <a:endParaRPr lang="pt-BR"/>
           </a:p>
@@ -1197,7 +1198,7 @@
           <a:p>
             <a:fld id="{92E3E85D-1FC8-4645-A278-0F485466CD94}" type="slidenum">
               <a:rPr lang="pt-BR" smtClean="0"/>
-              <a:t>15</a:t>
+              <a:t>16</a:t>
             </a:fld>
             <a:endParaRPr lang="pt-BR"/>
           </a:p>
@@ -1284,7 +1285,7 @@
           <a:p>
             <a:fld id="{92E3E85D-1FC8-4645-A278-0F485466CD94}" type="slidenum">
               <a:rPr lang="pt-BR" smtClean="0"/>
-              <a:t>16</a:t>
+              <a:t>17</a:t>
             </a:fld>
             <a:endParaRPr lang="pt-BR"/>
           </a:p>
@@ -1371,7 +1372,7 @@
           <a:p>
             <a:fld id="{92E3E85D-1FC8-4645-A278-0F485466CD94}" type="slidenum">
               <a:rPr lang="pt-BR" smtClean="0"/>
-              <a:t>17</a:t>
+              <a:t>18</a:t>
             </a:fld>
             <a:endParaRPr lang="pt-BR"/>
           </a:p>
@@ -1458,7 +1459,7 @@
           <a:p>
             <a:fld id="{92E3E85D-1FC8-4645-A278-0F485466CD94}" type="slidenum">
               <a:rPr lang="pt-BR" smtClean="0"/>
-              <a:t>18</a:t>
+              <a:t>19</a:t>
             </a:fld>
             <a:endParaRPr lang="pt-BR"/>
           </a:p>
@@ -1545,7 +1546,7 @@
           <a:p>
             <a:fld id="{92E3E85D-1FC8-4645-A278-0F485466CD94}" type="slidenum">
               <a:rPr lang="pt-BR" smtClean="0"/>
-              <a:t>19</a:t>
+              <a:t>20</a:t>
             </a:fld>
             <a:endParaRPr lang="pt-BR"/>
           </a:p>
@@ -1719,7 +1720,7 @@
           <a:p>
             <a:fld id="{92E3E85D-1FC8-4645-A278-0F485466CD94}" type="slidenum">
               <a:rPr lang="pt-BR" smtClean="0"/>
-              <a:t>20</a:t>
+              <a:t>21</a:t>
             </a:fld>
             <a:endParaRPr lang="pt-BR"/>
           </a:p>
@@ -1806,7 +1807,7 @@
           <a:p>
             <a:fld id="{92E3E85D-1FC8-4645-A278-0F485466CD94}" type="slidenum">
               <a:rPr lang="pt-BR" smtClean="0"/>
-              <a:t>21</a:t>
+              <a:t>22</a:t>
             </a:fld>
             <a:endParaRPr lang="pt-BR"/>
           </a:p>
@@ -2731,7 +2732,7 @@
           <a:p>
             <a:fld id="{C128FA71-3A18-48C0-980F-4B68F7F63042}" type="datetime1">
               <a:rPr lang="en-US" smtClean="0"/>
-              <a:t>1/27/2025</a:t>
+              <a:t>2/3/2025</a:t>
             </a:fld>
             <a:endParaRPr lang="en-US"/>
           </a:p>
@@ -2939,7 +2940,7 @@
           <a:p>
             <a:fld id="{7104EDB3-C0E8-45F8-9E1D-1B6C8D1880C0}" type="datetime1">
               <a:rPr lang="en-US" smtClean="0"/>
-              <a:t>1/27/2025</a:t>
+              <a:t>2/3/2025</a:t>
             </a:fld>
             <a:endParaRPr lang="en-US"/>
           </a:p>
@@ -3149,7 +3150,7 @@
           <a:p>
             <a:fld id="{9CF0EC4B-54ED-4041-B552-9BA760FA3DBA}" type="datetime1">
               <a:rPr lang="en-US" smtClean="0"/>
-              <a:t>1/27/2025</a:t>
+              <a:t>2/3/2025</a:t>
             </a:fld>
             <a:endParaRPr lang="en-US"/>
           </a:p>
@@ -3347,7 +3348,7 @@
           <a:p>
             <a:fld id="{51C1210E-201E-4473-82AC-2466F5386C38}" type="datetime1">
               <a:rPr lang="en-US" smtClean="0"/>
-              <a:t>1/27/2025</a:t>
+              <a:t>2/3/2025</a:t>
             </a:fld>
             <a:endParaRPr lang="en-US"/>
           </a:p>
@@ -3625,7 +3626,7 @@
           <a:p>
             <a:fld id="{B01EA198-6CAB-4B8F-B93F-1F9C8C4B6CE7}" type="datetime1">
               <a:rPr lang="en-US" smtClean="0"/>
-              <a:t>1/27/2025</a:t>
+              <a:t>2/3/2025</a:t>
             </a:fld>
             <a:endParaRPr lang="en-US"/>
           </a:p>
@@ -3897,7 +3898,7 @@
           <a:p>
             <a:fld id="{CA06041F-4525-44D5-AA4F-332294BF1F56}" type="datetime1">
               <a:rPr lang="en-US" smtClean="0"/>
-              <a:t>1/27/2025</a:t>
+              <a:t>2/3/2025</a:t>
             </a:fld>
             <a:endParaRPr lang="en-US"/>
           </a:p>
@@ -4321,7 +4322,7 @@
           <a:p>
             <a:fld id="{F9557091-BBDF-4EB9-BA6B-2BB67AC4FC0F}" type="datetime1">
               <a:rPr lang="en-US" smtClean="0"/>
-              <a:t>1/27/2025</a:t>
+              <a:t>2/3/2025</a:t>
             </a:fld>
             <a:endParaRPr lang="en-US"/>
           </a:p>
@@ -4462,7 +4463,7 @@
           <a:p>
             <a:fld id="{2D6B226B-77A6-410C-9796-083F278E0125}" type="datetime1">
               <a:rPr lang="en-US" smtClean="0"/>
-              <a:t>1/27/2025</a:t>
+              <a:t>2/3/2025</a:t>
             </a:fld>
             <a:endParaRPr lang="en-US"/>
           </a:p>
@@ -4575,7 +4576,7 @@
           <a:p>
             <a:fld id="{A23A578B-D289-4C40-8593-3D356C49DA58}" type="datetime1">
               <a:rPr lang="en-US" smtClean="0"/>
-              <a:t>1/27/2025</a:t>
+              <a:t>2/3/2025</a:t>
             </a:fld>
             <a:endParaRPr lang="en-US"/>
           </a:p>
@@ -4894,7 +4895,7 @@
           <a:p>
             <a:fld id="{713DFAE3-14DB-48A7-A80F-80DDB072CE3D}" type="datetime1">
               <a:rPr lang="en-US" smtClean="0"/>
-              <a:t>1/27/2025</a:t>
+              <a:t>2/3/2025</a:t>
             </a:fld>
             <a:endParaRPr lang="en-US"/>
           </a:p>
@@ -5188,7 +5189,7 @@
           <a:p>
             <a:fld id="{92C5EAEF-6478-4102-8F5D-A5FE9FC97ACB}" type="datetime1">
               <a:rPr lang="en-US" smtClean="0"/>
-              <a:t>1/27/2025</a:t>
+              <a:t>2/3/2025</a:t>
             </a:fld>
             <a:endParaRPr lang="en-US"/>
           </a:p>
@@ -5429,7 +5430,7 @@
           <a:p>
             <a:fld id="{67F45AC6-C491-4585-A584-9CE2AF7D5500}" type="datetime1">
               <a:rPr lang="en-US" smtClean="0"/>
-              <a:t>1/27/2025</a:t>
+              <a:t>2/3/2025</a:t>
             </a:fld>
             <a:endParaRPr lang="en-US"/>
           </a:p>
@@ -5859,7 +5860,7 @@
                 <a16:creationId xmlns:a16="http://schemas.microsoft.com/office/drawing/2014/main" id="{6E448DB1-4196-18A6-15DA-C72635C1B11E}"/>
               </a:ext>
               <a:ext uri="{C183D7F6-B498-43B3-948B-1728B52AA6E4}">
-                <adec:decorative xmlns="" xmlns:adec="http://schemas.microsoft.com/office/drawing/2017/decorative" val="1"/>
+                <adec:decorative xmlns:adec="http://schemas.microsoft.com/office/drawing/2017/decorative" xmlns="" val="1"/>
               </a:ext>
             </a:extLst>
           </p:cNvPr>
@@ -5967,7 +5968,7 @@
                 <a16:creationId xmlns:a16="http://schemas.microsoft.com/office/drawing/2014/main" id="{76A10D8F-D463-70E5-239B-17AD65EF433D}"/>
               </a:ext>
               <a:ext uri="{C183D7F6-B498-43B3-948B-1728B52AA6E4}">
-                <adec:decorative xmlns="" xmlns:adec="http://schemas.microsoft.com/office/drawing/2017/decorative" val="1"/>
+                <adec:decorative xmlns:adec="http://schemas.microsoft.com/office/drawing/2017/decorative" xmlns="" val="1"/>
               </a:ext>
             </a:extLst>
           </p:cNvPr>
@@ -6428,7 +6429,7 @@
                 <a16:creationId xmlns:a16="http://schemas.microsoft.com/office/drawing/2014/main" id="{74EA76C7-8C08-E029-0E79-750B71C94A62}"/>
               </a:ext>
               <a:ext uri="{C183D7F6-B498-43B3-948B-1728B52AA6E4}">
-                <adec:decorative xmlns="" xmlns:adec="http://schemas.microsoft.com/office/drawing/2017/decorative" val="1"/>
+                <adec:decorative xmlns:adec="http://schemas.microsoft.com/office/drawing/2017/decorative" xmlns="" val="1"/>
               </a:ext>
             </a:extLst>
           </p:cNvPr>
@@ -6567,7 +6568,7 @@
             <p:ph sz="half" idx="2"/>
             <p:extLst>
               <p:ext uri="{E7BDC344-281C-4309-B0C6-D0EE65EED2A8}">
-                <p202:designPr xmlns="" xmlns:p202="http://schemas.microsoft.com/office/powerpoint/2020/02/main">
+                <p202:designPr xmlns:p202="http://schemas.microsoft.com/office/powerpoint/2020/02/main" xmlns="">
                   <p202:designTagLst>
                     <p202:designTag name="ARCH:1:CLS" val="InformationBlock"/>
                     <p202:designTag name="ARCH:1:VSVAR" val="TitledTextBox"/>
@@ -6863,7 +6864,7 @@
                 <a16:creationId xmlns:a16="http://schemas.microsoft.com/office/drawing/2014/main" id="{74EA76C7-8C08-E029-0E79-750B71C94A62}"/>
               </a:ext>
               <a:ext uri="{C183D7F6-B498-43B3-948B-1728B52AA6E4}">
-                <adec:decorative xmlns="" xmlns:adec="http://schemas.microsoft.com/office/drawing/2017/decorative" val="1"/>
+                <adec:decorative xmlns:adec="http://schemas.microsoft.com/office/drawing/2017/decorative" xmlns="" val="1"/>
               </a:ext>
             </a:extLst>
           </p:cNvPr>
@@ -7624,7 +7625,7 @@
                 <a16:creationId xmlns:a16="http://schemas.microsoft.com/office/drawing/2014/main" id="{5E8D3B17-7638-DFD3-18E4-8A6D611749CF}"/>
               </a:ext>
               <a:ext uri="{C183D7F6-B498-43B3-948B-1728B52AA6E4}">
-                <adec:decorative xmlns="" xmlns:adec="http://schemas.microsoft.com/office/drawing/2017/decorative" val="1"/>
+                <adec:decorative xmlns:adec="http://schemas.microsoft.com/office/drawing/2017/decorative" xmlns="" val="1"/>
               </a:ext>
             </a:extLst>
           </p:cNvPr>
@@ -8059,7 +8060,7 @@
                 <a16:creationId xmlns:a16="http://schemas.microsoft.com/office/drawing/2014/main" id="{B8ADE68D-5E75-5D63-4B8C-6BEFCE9D06E3}"/>
               </a:ext>
               <a:ext uri="{C183D7F6-B498-43B3-948B-1728B52AA6E4}">
-                <adec:decorative xmlns="" xmlns:adec="http://schemas.microsoft.com/office/drawing/2017/decorative" val="1"/>
+                <adec:decorative xmlns:adec="http://schemas.microsoft.com/office/drawing/2017/decorative" xmlns="" val="1"/>
               </a:ext>
             </a:extLst>
           </p:cNvPr>
@@ -9748,6 +9749,991 @@
 </file>
 
 <file path=ppt/slides/slide14.xml><?xml version="1.0" encoding="utf-8"?>
+<p:sld xmlns:a="http://schemas.openxmlformats.org/drawingml/2006/main" xmlns:r="http://schemas.openxmlformats.org/officeDocument/2006/relationships" xmlns:p="http://schemas.openxmlformats.org/presentationml/2006/main">
+  <p:cSld>
+    <p:spTree>
+      <p:nvGrpSpPr>
+        <p:cNvPr id="1" name=""/>
+        <p:cNvGrpSpPr/>
+        <p:nvPr/>
+      </p:nvGrpSpPr>
+      <p:grpSpPr>
+        <a:xfrm>
+          <a:off x="0" y="0"/>
+          <a:ext cx="0" cy="0"/>
+          <a:chOff x="0" y="0"/>
+          <a:chExt cx="0" cy="0"/>
+        </a:xfrm>
+      </p:grpSpPr>
+      <p:sp>
+        <p:nvSpPr>
+          <p:cNvPr id="8" name="AutoShape 8" descr="data:image/jpeg;base64,/9j/4AAQSkZJRgABAQAAAQABAAD/2wCEAAkGBxAHDw8TBxEPEhAQEBUQERUOEhAPEBIQFxEWFxURFRUYHSggGB0lGxcVITEhJSkrLi4uGB8zODMsNygzLisBCgoKDQ0ODg0NDisZFRkrLS03KysrKysrKysrKzcrKysrKzcrLSsrKysrKysrKysrKysrKysrKysrKysrKysrK//AABEIAOEA4QMBIgACEQEDEQH/xAAbAAEAAwEBAQEAAAAAAAAAAAAABAUGAwECB//EADoQAQACAQEEBQoFAwQDAAAAAAABAgMEBRExURIhMkFxBhMUImGBkaGxwUJSYqLRM3LhgpLw8TRDU//EABYBAQEBAAAAAAAAAAAAAAAAAAABAv/EABYRAQEBAAAAAAAAAAAAAAAAAAABEf/aAAwDAQACEQMRAD8A/cQAAAAAAAAAAAAAAAAAAAAAAAAAAAAAAAAAAAAAAAAAAAAAAAAAAAAAAAAAAAAAAAAAAAAABB1u1cOj6stt9vy09a3+PeptT5S3t/41K1jnf1p+EA04xGXa+oy9rJaP7d1foj21eS3ayZJ8b2/kTW/GAjVZK9nJkjwvb+XfFtXUYuzlv/q3W+oa3Ay2n8pMlP69a2j2erP8LjR7aw6rdEW6NuV+r4TwkVYgAAAAAAAAAAAAAAAAAAh7T2hXZ9N9+u09mvfM/wAA66vV00delqJ3R3c5nlEd7L7R25k1W+MO+lPZ2p8Z+0IGs1V9ZabZ53z3cojlEOAgAqAAAAAALHZ+2Mui3Rv6VPy27vCe5qtBtDHr678M9ccaz2oYR0wZrae0WwzMWjhMCv0EVux9q12hG626MkR1x3TH5oWSKAAAAAAAAAAAAAA4a3VV0dLXy8I7u+Z7ohiNZqray83zcZ4R3RHdEJ/lDr/S8nRpPqY53Rym3fP2/wC1SIAKgAADpjw3yf062n+2sz9Acx1vp74+3S8eNbQ5AAAAA6YctsFotindas74ltdl6+Nfji0dVo6rRyn+GGTtka6dBliZ7E+reP08/dxFbceRO/g9RQAAAAAAAAABB2zq/Q8NrV7U+rX+6e/3Rvn3JzMeVmfpXx0jhWOlPjPVH0+YKEBWQAB102ntqbRXFG+flEc5c2p2Zo40lIie3brtPt5e5FfGj2Vj026bx07c7R1e6E8EUQ9Xs7Hqu1HRt+avVPv5pgDI63R20dt2ThPCY4TCO1+s00auk1v7p5T3SyV6TjmYvxid0+MKj5AVAAGv8m9X6Rh6Nu1jno/6fw/ePctmQ8ms/ms8RPDJWa++OuPpPxa9GgAAAAAAAAABiNt5PO6jLPK3R+Ebm3YDWT0suSeeS0/ukSuICoAAlbLx+dzY4nh0t/wjf9msZfYtujnpv798ftlqEqwARQABmtu4+hmmY/FWLe/h9mlZ7yhtvy19lI+srCqoBWQAHbSZPM5Mdvy3rPzb9+dS/Q8U9KtZ5xE/JFj6AFAAAAAAAAGA1cdHJkjlktH7pb9h9s4/NajLH6ul8ev7iVCAVAAH3hyThtW1eNZifg2GLJGasWpwtG+GMWeyNo+i+pm7Ez1T+Wf4RY0Y8rMWjfXrieG7rh6igAPJndxZLXZ/Scl7RwmerwjqhY7Y2nF4nHp53x+K0d/6YUyxKAKgABL9CxR0a1jlER8mC02Pzt6Vj8Vor8ZfoCLAAUAAAAAAAAZbyrwdDLS8cL13T41/xMfBqVdt7S+lYLdHtU9evu4x8N4MWArIAA9rE2ndWJmZ7o65WGz9lW1W62X1afut4R91/ptLTSxuw1iPbxmfGUXGZ0+sy6Kd1JmOdbR1fDuWOPb3/wBMf+232mFtn01NR/WrE+PH4oN9iYrdmbx4TE/WAcL7fj/14/jb/Cv1W0cur6rTuifw06on7ytq7DxR2pvPjMR9ITdPo8em/o1iJ58Z+MgyV6TjndeJieUxMS+Wyz4K6iN2asTHt7vCe5R6/Y84t9tNvtXvj8UeHM0xUgKgACz8ncHntRWe6kTefpHzlslL5L6XzOKb245J6v7Y4fPf8l0jQAAAAAAAAAAADF7b0PoWWejHqX9avs51938K5u9paKuvxzW/VPGs8rc2Iz4bae01zRutWd0wqVzXOyNmec3X1MdXGtZ7/wBU+xG2RovS778nYrx9s91WmQAEUAAAAABUbX2Z53ffTx63G0R+L2x7fqoG2Z/bmi81PnMUerafWjlbn71RUpWztJOuyVpXhPXaeVY4z/zmj1rN5iKRMzM7oiOMzybLYuzvQKev27ddp5cqx4KJ9KRjiIpG6IjdEcoh9AigAAAAAAAAAAACt2xsuNoV303RkrHqz3T+mfYsgFTo9N6HStO+O17bd8u6ZkxxfijXxzTjwQfAAAAAAAAD4zYoz1mt+Fo3OtKTfspOPFFPEFZsXY0aL18+62Tu5Vj2e1bgoAAAAAAAAAAAAAAAAAA5XwRbh1ONsExw60sBBmsxxiXie83AgvYiZ4Qm7noIlcNp9ni6008R2ut2AeRG7g9AAAAAAAAAAAAAAAAAAAAAAAAAAAAAAAAAAAAAAAAAAAAAAAAAAAAAAAAAAAAAAAAAAAAAAAAAAAAAAAAAAAAAAAAAAAAAAAAAAAAAH//Z"/>
+          <p:cNvSpPr>
+            <a:spLocks noChangeAspect="1" noChangeArrowheads="1"/>
+          </p:cNvSpPr>
+          <p:nvPr/>
+        </p:nvSpPr>
+        <p:spPr bwMode="auto">
+          <a:xfrm>
+            <a:off x="155575" y="-144463"/>
+            <a:ext cx="304800" cy="304801"/>
+          </a:xfrm>
+          <a:prstGeom prst="rect">
+            <a:avLst/>
+          </a:prstGeom>
+          <a:noFill/>
+          <a:extLst>
+            <a:ext uri="{909E8E84-426E-40DD-AFC4-6F175D3DCCD1}">
+              <a14:hiddenFill xmlns:a14="http://schemas.microsoft.com/office/drawing/2010/main">
+                <a:solidFill>
+                  <a:srgbClr val="FFFFFF"/>
+                </a:solidFill>
+              </a14:hiddenFill>
+            </a:ext>
+          </a:extLst>
+        </p:spPr>
+        <p:txBody>
+          <a:bodyPr vert="horz" wrap="square" lIns="91440" tIns="45720" rIns="91440" bIns="45720" numCol="1" anchor="t" anchorCtr="0" compatLnSpc="1">
+            <a:prstTxWarp prst="textNoShape">
+              <a:avLst/>
+            </a:prstTxWarp>
+          </a:bodyPr>
+          <a:lstStyle/>
+          <a:p>
+            <a:endParaRPr lang="pt-BR"/>
+          </a:p>
+        </p:txBody>
+      </p:sp>
+      <p:pic>
+        <p:nvPicPr>
+          <p:cNvPr id="9" name="Imagem 8"/>
+          <p:cNvPicPr>
+            <a:picLocks noChangeAspect="1"/>
+          </p:cNvPicPr>
+          <p:nvPr/>
+        </p:nvPicPr>
+        <p:blipFill>
+          <a:blip r:embed="rId2"/>
+          <a:stretch>
+            <a:fillRect/>
+          </a:stretch>
+        </p:blipFill>
+        <p:spPr>
+          <a:xfrm>
+            <a:off x="259853" y="1774358"/>
+            <a:ext cx="1328107" cy="1047865"/>
+          </a:xfrm>
+          <a:prstGeom prst="rect">
+            <a:avLst/>
+          </a:prstGeom>
+        </p:spPr>
+      </p:pic>
+      <p:sp>
+        <p:nvSpPr>
+          <p:cNvPr id="10" name="Retângulo 9"/>
+          <p:cNvSpPr/>
+          <p:nvPr/>
+        </p:nvSpPr>
+        <p:spPr>
+          <a:xfrm>
+            <a:off x="1783943" y="1202108"/>
+            <a:ext cx="2427111" cy="2607733"/>
+          </a:xfrm>
+          <a:prstGeom prst="rect">
+            <a:avLst/>
+          </a:prstGeom>
+        </p:spPr>
+        <p:style>
+          <a:lnRef idx="2">
+            <a:schemeClr val="dk1"/>
+          </a:lnRef>
+          <a:fillRef idx="1">
+            <a:schemeClr val="lt1"/>
+          </a:fillRef>
+          <a:effectRef idx="0">
+            <a:schemeClr val="dk1"/>
+          </a:effectRef>
+          <a:fontRef idx="minor">
+            <a:schemeClr val="dk1"/>
+          </a:fontRef>
+        </p:style>
+        <p:txBody>
+          <a:bodyPr rtlCol="0" anchor="ctr"/>
+          <a:lstStyle/>
+          <a:p>
+            <a:pPr algn="ctr"/>
+            <a:endParaRPr lang="pt-BR"/>
+          </a:p>
+        </p:txBody>
+      </p:sp>
+      <p:cxnSp>
+        <p:nvCxnSpPr>
+          <p:cNvPr id="13" name="Conector de Seta Reta 12"/>
+          <p:cNvCxnSpPr/>
+          <p:nvPr/>
+        </p:nvCxnSpPr>
+        <p:spPr>
+          <a:xfrm>
+            <a:off x="1083734" y="2201334"/>
+            <a:ext cx="970844" cy="96956"/>
+          </a:xfrm>
+          <a:prstGeom prst="straightConnector1">
+            <a:avLst/>
+          </a:prstGeom>
+          <a:ln>
+            <a:tailEnd type="triangle"/>
+          </a:ln>
+        </p:spPr>
+        <p:style>
+          <a:lnRef idx="1">
+            <a:schemeClr val="accent1"/>
+          </a:lnRef>
+          <a:fillRef idx="0">
+            <a:schemeClr val="accent1"/>
+          </a:fillRef>
+          <a:effectRef idx="0">
+            <a:schemeClr val="accent1"/>
+          </a:effectRef>
+          <a:fontRef idx="minor">
+            <a:schemeClr val="tx1"/>
+          </a:fontRef>
+        </p:style>
+      </p:cxnSp>
+      <p:sp>
+        <p:nvSpPr>
+          <p:cNvPr id="14" name="CaixaDeTexto 13"/>
+          <p:cNvSpPr txBox="1"/>
+          <p:nvPr/>
+        </p:nvSpPr>
+        <p:spPr>
+          <a:xfrm>
+            <a:off x="1938804" y="2363158"/>
+            <a:ext cx="1900099" cy="369332"/>
+          </a:xfrm>
+          <a:prstGeom prst="rect">
+            <a:avLst/>
+          </a:prstGeom>
+          <a:noFill/>
+        </p:spPr>
+        <p:txBody>
+          <a:bodyPr wrap="square" rtlCol="0">
+            <a:spAutoFit/>
+          </a:bodyPr>
+          <a:lstStyle/>
+          <a:p>
+            <a:r>
+              <a:rPr lang="pt-BR" dirty="0" smtClean="0"/>
+              <a:t>FRONT END</a:t>
+            </a:r>
+            <a:endParaRPr lang="pt-BR" dirty="0"/>
+          </a:p>
+        </p:txBody>
+      </p:sp>
+      <p:sp>
+        <p:nvSpPr>
+          <p:cNvPr id="15" name="Retângulo 14"/>
+          <p:cNvSpPr/>
+          <p:nvPr/>
+        </p:nvSpPr>
+        <p:spPr>
+          <a:xfrm>
+            <a:off x="4907705" y="1074447"/>
+            <a:ext cx="6505361" cy="3812321"/>
+          </a:xfrm>
+          <a:prstGeom prst="rect">
+            <a:avLst/>
+          </a:prstGeom>
+        </p:spPr>
+        <p:style>
+          <a:lnRef idx="2">
+            <a:schemeClr val="accent1">
+              <a:shade val="50000"/>
+            </a:schemeClr>
+          </a:lnRef>
+          <a:fillRef idx="1">
+            <a:schemeClr val="accent1"/>
+          </a:fillRef>
+          <a:effectRef idx="0">
+            <a:schemeClr val="accent1"/>
+          </a:effectRef>
+          <a:fontRef idx="minor">
+            <a:schemeClr val="lt1"/>
+          </a:fontRef>
+        </p:style>
+        <p:txBody>
+          <a:bodyPr rtlCol="0" anchor="ctr"/>
+          <a:lstStyle/>
+          <a:p>
+            <a:pPr algn="ctr"/>
+            <a:endParaRPr lang="pt-BR" dirty="0"/>
+          </a:p>
+        </p:txBody>
+      </p:sp>
+      <p:sp>
+        <p:nvSpPr>
+          <p:cNvPr id="16" name="Elipse 15"/>
+          <p:cNvSpPr/>
+          <p:nvPr/>
+        </p:nvSpPr>
+        <p:spPr>
+          <a:xfrm>
+            <a:off x="3535290" y="1745499"/>
+            <a:ext cx="1661250" cy="1510709"/>
+          </a:xfrm>
+          <a:prstGeom prst="ellipse">
+            <a:avLst/>
+          </a:prstGeom>
+        </p:spPr>
+        <p:style>
+          <a:lnRef idx="2">
+            <a:schemeClr val="accent1">
+              <a:shade val="50000"/>
+            </a:schemeClr>
+          </a:lnRef>
+          <a:fillRef idx="1">
+            <a:schemeClr val="accent1"/>
+          </a:fillRef>
+          <a:effectRef idx="0">
+            <a:schemeClr val="accent1"/>
+          </a:effectRef>
+          <a:fontRef idx="minor">
+            <a:schemeClr val="lt1"/>
+          </a:fontRef>
+        </p:style>
+        <p:txBody>
+          <a:bodyPr rtlCol="0" anchor="ctr"/>
+          <a:lstStyle/>
+          <a:p>
+            <a:pPr algn="ctr"/>
+            <a:r>
+              <a:rPr lang="pt-BR" dirty="0" err="1" smtClean="0"/>
+              <a:t>Endpoint</a:t>
+            </a:r>
+            <a:endParaRPr lang="pt-BR" dirty="0"/>
+          </a:p>
+        </p:txBody>
+      </p:sp>
+      <p:sp>
+        <p:nvSpPr>
+          <p:cNvPr id="17" name="CaixaDeTexto 16"/>
+          <p:cNvSpPr txBox="1"/>
+          <p:nvPr/>
+        </p:nvSpPr>
+        <p:spPr>
+          <a:xfrm>
+            <a:off x="2023237" y="1628161"/>
+            <a:ext cx="1220984" cy="369332"/>
+          </a:xfrm>
+          <a:prstGeom prst="rect">
+            <a:avLst/>
+          </a:prstGeom>
+          <a:noFill/>
+        </p:spPr>
+        <p:txBody>
+          <a:bodyPr wrap="square" rtlCol="0">
+            <a:spAutoFit/>
+          </a:bodyPr>
+          <a:lstStyle/>
+          <a:p>
+            <a:r>
+              <a:rPr lang="pt-BR" dirty="0" smtClean="0"/>
+              <a:t>Categoria</a:t>
+            </a:r>
+            <a:endParaRPr lang="pt-BR" dirty="0"/>
+          </a:p>
+        </p:txBody>
+      </p:sp>
+      <p:sp>
+        <p:nvSpPr>
+          <p:cNvPr id="19" name="Retângulo 18"/>
+          <p:cNvSpPr/>
+          <p:nvPr/>
+        </p:nvSpPr>
+        <p:spPr>
+          <a:xfrm>
+            <a:off x="3900695" y="1956544"/>
+            <a:ext cx="1007089" cy="279621"/>
+          </a:xfrm>
+          <a:prstGeom prst="rect">
+            <a:avLst/>
+          </a:prstGeom>
+        </p:spPr>
+        <p:style>
+          <a:lnRef idx="1">
+            <a:schemeClr val="accent6"/>
+          </a:lnRef>
+          <a:fillRef idx="2">
+            <a:schemeClr val="accent6"/>
+          </a:fillRef>
+          <a:effectRef idx="1">
+            <a:schemeClr val="accent6"/>
+          </a:effectRef>
+          <a:fontRef idx="minor">
+            <a:schemeClr val="dk1"/>
+          </a:fontRef>
+        </p:style>
+        <p:txBody>
+          <a:bodyPr rtlCol="0" anchor="ctr"/>
+          <a:lstStyle/>
+          <a:p>
+            <a:pPr algn="ctr"/>
+            <a:r>
+              <a:rPr lang="pt-BR" dirty="0" smtClean="0"/>
+              <a:t>POST</a:t>
+            </a:r>
+            <a:endParaRPr lang="pt-BR" dirty="0"/>
+          </a:p>
+        </p:txBody>
+      </p:sp>
+      <p:sp>
+        <p:nvSpPr>
+          <p:cNvPr id="20" name="Retângulo Arredondado 19"/>
+          <p:cNvSpPr/>
+          <p:nvPr/>
+        </p:nvSpPr>
+        <p:spPr>
+          <a:xfrm>
+            <a:off x="3095234" y="5136726"/>
+            <a:ext cx="756356" cy="1580445"/>
+          </a:xfrm>
+          <a:prstGeom prst="roundRect">
+            <a:avLst/>
+          </a:prstGeom>
+        </p:spPr>
+        <p:style>
+          <a:lnRef idx="2">
+            <a:schemeClr val="accent1">
+              <a:shade val="50000"/>
+            </a:schemeClr>
+          </a:lnRef>
+          <a:fillRef idx="1">
+            <a:schemeClr val="accent1"/>
+          </a:fillRef>
+          <a:effectRef idx="0">
+            <a:schemeClr val="accent1"/>
+          </a:effectRef>
+          <a:fontRef idx="minor">
+            <a:schemeClr val="lt1"/>
+          </a:fontRef>
+        </p:style>
+        <p:txBody>
+          <a:bodyPr rtlCol="0" anchor="ctr"/>
+          <a:lstStyle/>
+          <a:p>
+            <a:pPr algn="ctr"/>
+            <a:r>
+              <a:rPr lang="pt-BR" dirty="0" smtClean="0"/>
+              <a:t>DB</a:t>
+            </a:r>
+            <a:endParaRPr lang="pt-BR" dirty="0"/>
+          </a:p>
+        </p:txBody>
+      </p:sp>
+      <p:sp>
+        <p:nvSpPr>
+          <p:cNvPr id="21" name="CaixaDeTexto 20"/>
+          <p:cNvSpPr txBox="1"/>
+          <p:nvPr/>
+        </p:nvSpPr>
+        <p:spPr>
+          <a:xfrm>
+            <a:off x="10272891" y="6347839"/>
+            <a:ext cx="1572424" cy="369332"/>
+          </a:xfrm>
+          <a:prstGeom prst="rect">
+            <a:avLst/>
+          </a:prstGeom>
+          <a:noFill/>
+        </p:spPr>
+        <p:txBody>
+          <a:bodyPr wrap="square" rtlCol="0">
+            <a:spAutoFit/>
+          </a:bodyPr>
+          <a:lstStyle/>
+          <a:p>
+            <a:r>
+              <a:rPr lang="pt-BR" dirty="0" smtClean="0"/>
+              <a:t>SQL Server</a:t>
+            </a:r>
+            <a:endParaRPr lang="pt-BR" dirty="0"/>
+          </a:p>
+        </p:txBody>
+      </p:sp>
+      <p:sp>
+        <p:nvSpPr>
+          <p:cNvPr id="28" name="CaixaDeTexto 27"/>
+          <p:cNvSpPr txBox="1"/>
+          <p:nvPr/>
+        </p:nvSpPr>
+        <p:spPr>
+          <a:xfrm>
+            <a:off x="5915378" y="714659"/>
+            <a:ext cx="4222043" cy="369332"/>
+          </a:xfrm>
+          <a:prstGeom prst="rect">
+            <a:avLst/>
+          </a:prstGeom>
+          <a:noFill/>
+        </p:spPr>
+        <p:txBody>
+          <a:bodyPr wrap="square" rtlCol="0">
+            <a:spAutoFit/>
+          </a:bodyPr>
+          <a:lstStyle/>
+          <a:p>
+            <a:r>
+              <a:rPr lang="pt-BR" dirty="0" err="1" smtClean="0"/>
+              <a:t>BackEnd</a:t>
+            </a:r>
+            <a:r>
+              <a:rPr lang="pt-BR" dirty="0" smtClean="0"/>
+              <a:t> [Asp.NET Core]</a:t>
+            </a:r>
+            <a:endParaRPr lang="pt-BR" dirty="0"/>
+          </a:p>
+        </p:txBody>
+      </p:sp>
+      <p:sp>
+        <p:nvSpPr>
+          <p:cNvPr id="31" name="Retângulo 30"/>
+          <p:cNvSpPr/>
+          <p:nvPr/>
+        </p:nvSpPr>
+        <p:spPr>
+          <a:xfrm>
+            <a:off x="5426415" y="1486530"/>
+            <a:ext cx="2257777" cy="1826319"/>
+          </a:xfrm>
+          <a:prstGeom prst="rect">
+            <a:avLst/>
+          </a:prstGeom>
+        </p:spPr>
+        <p:style>
+          <a:lnRef idx="2">
+            <a:schemeClr val="accent2">
+              <a:shade val="50000"/>
+            </a:schemeClr>
+          </a:lnRef>
+          <a:fillRef idx="1">
+            <a:schemeClr val="accent2"/>
+          </a:fillRef>
+          <a:effectRef idx="0">
+            <a:schemeClr val="accent2"/>
+          </a:effectRef>
+          <a:fontRef idx="minor">
+            <a:schemeClr val="lt1"/>
+          </a:fontRef>
+        </p:style>
+        <p:txBody>
+          <a:bodyPr rtlCol="0" anchor="ctr"/>
+          <a:lstStyle/>
+          <a:p>
+            <a:pPr algn="ctr"/>
+            <a:endParaRPr lang="pt-BR"/>
+          </a:p>
+        </p:txBody>
+      </p:sp>
+      <p:sp>
+        <p:nvSpPr>
+          <p:cNvPr id="32" name="CaixaDeTexto 31"/>
+          <p:cNvSpPr txBox="1"/>
+          <p:nvPr/>
+        </p:nvSpPr>
+        <p:spPr>
+          <a:xfrm>
+            <a:off x="5432653" y="1622957"/>
+            <a:ext cx="2257777" cy="369332"/>
+          </a:xfrm>
+          <a:prstGeom prst="rect">
+            <a:avLst/>
+          </a:prstGeom>
+          <a:noFill/>
+        </p:spPr>
+        <p:txBody>
+          <a:bodyPr wrap="square" rtlCol="0">
+            <a:spAutoFit/>
+          </a:bodyPr>
+          <a:lstStyle/>
+          <a:p>
+            <a:r>
+              <a:rPr lang="pt-BR" dirty="0" err="1" smtClean="0"/>
+              <a:t>CategoriaController</a:t>
+            </a:r>
+            <a:endParaRPr lang="pt-BR" dirty="0"/>
+          </a:p>
+        </p:txBody>
+      </p:sp>
+      <p:sp>
+        <p:nvSpPr>
+          <p:cNvPr id="33" name="Retângulo 32"/>
+          <p:cNvSpPr/>
+          <p:nvPr/>
+        </p:nvSpPr>
+        <p:spPr>
+          <a:xfrm>
+            <a:off x="5893191" y="1967127"/>
+            <a:ext cx="1608667" cy="1249055"/>
+          </a:xfrm>
+          <a:prstGeom prst="rect">
+            <a:avLst/>
+          </a:prstGeom>
+        </p:spPr>
+        <p:style>
+          <a:lnRef idx="2">
+            <a:schemeClr val="accent2">
+              <a:shade val="50000"/>
+            </a:schemeClr>
+          </a:lnRef>
+          <a:fillRef idx="1">
+            <a:schemeClr val="accent2"/>
+          </a:fillRef>
+          <a:effectRef idx="0">
+            <a:schemeClr val="accent2"/>
+          </a:effectRef>
+          <a:fontRef idx="minor">
+            <a:schemeClr val="lt1"/>
+          </a:fontRef>
+        </p:style>
+        <p:txBody>
+          <a:bodyPr rtlCol="0" anchor="ctr"/>
+          <a:lstStyle/>
+          <a:p>
+            <a:pPr algn="ctr"/>
+            <a:endParaRPr lang="pt-BR"/>
+          </a:p>
+        </p:txBody>
+      </p:sp>
+      <p:sp>
+        <p:nvSpPr>
+          <p:cNvPr id="34" name="CaixaDeTexto 33"/>
+          <p:cNvSpPr txBox="1"/>
+          <p:nvPr/>
+        </p:nvSpPr>
+        <p:spPr>
+          <a:xfrm>
+            <a:off x="6127811" y="2044300"/>
+            <a:ext cx="1367591" cy="307777"/>
+          </a:xfrm>
+          <a:prstGeom prst="rect">
+            <a:avLst/>
+          </a:prstGeom>
+          <a:noFill/>
+        </p:spPr>
+        <p:txBody>
+          <a:bodyPr wrap="square" rtlCol="0">
+            <a:spAutoFit/>
+          </a:bodyPr>
+          <a:lstStyle/>
+          <a:p>
+            <a:r>
+              <a:rPr lang="pt-BR" sz="1400" dirty="0" err="1" smtClean="0"/>
+              <a:t>CriarCategoria</a:t>
+            </a:r>
+            <a:endParaRPr lang="pt-BR" sz="1400" dirty="0"/>
+          </a:p>
+        </p:txBody>
+      </p:sp>
+      <p:sp>
+        <p:nvSpPr>
+          <p:cNvPr id="36" name="Fluxograma: Dados 35"/>
+          <p:cNvSpPr/>
+          <p:nvPr/>
+        </p:nvSpPr>
+        <p:spPr>
+          <a:xfrm>
+            <a:off x="3535290" y="5246556"/>
+            <a:ext cx="2015065" cy="1122244"/>
+          </a:xfrm>
+          <a:prstGeom prst="flowChartInputOutput">
+            <a:avLst/>
+          </a:prstGeom>
+        </p:spPr>
+        <p:style>
+          <a:lnRef idx="2">
+            <a:schemeClr val="accent1">
+              <a:shade val="50000"/>
+            </a:schemeClr>
+          </a:lnRef>
+          <a:fillRef idx="1">
+            <a:schemeClr val="accent1"/>
+          </a:fillRef>
+          <a:effectRef idx="0">
+            <a:schemeClr val="accent1"/>
+          </a:effectRef>
+          <a:fontRef idx="minor">
+            <a:schemeClr val="lt1"/>
+          </a:fontRef>
+        </p:style>
+        <p:txBody>
+          <a:bodyPr rtlCol="0" anchor="ctr"/>
+          <a:lstStyle/>
+          <a:p>
+            <a:pPr algn="ctr"/>
+            <a:r>
+              <a:rPr lang="pt-BR" dirty="0" smtClean="0"/>
+              <a:t>Pacote SQL | EF </a:t>
+            </a:r>
+            <a:endParaRPr lang="pt-BR" dirty="0"/>
+          </a:p>
+        </p:txBody>
+      </p:sp>
+      <p:sp>
+        <p:nvSpPr>
+          <p:cNvPr id="41" name="CaixaDeTexto 40"/>
+          <p:cNvSpPr txBox="1"/>
+          <p:nvPr/>
+        </p:nvSpPr>
+        <p:spPr>
+          <a:xfrm>
+            <a:off x="3724083" y="6368800"/>
+            <a:ext cx="2944914" cy="369332"/>
+          </a:xfrm>
+          <a:prstGeom prst="rect">
+            <a:avLst/>
+          </a:prstGeom>
+          <a:noFill/>
+        </p:spPr>
+        <p:txBody>
+          <a:bodyPr wrap="square" rtlCol="0">
+            <a:spAutoFit/>
+          </a:bodyPr>
+          <a:lstStyle/>
+          <a:p>
+            <a:r>
+              <a:rPr lang="pt-BR" dirty="0" err="1" smtClean="0"/>
+              <a:t>Entity</a:t>
+            </a:r>
+            <a:r>
+              <a:rPr lang="pt-BR" dirty="0" smtClean="0"/>
+              <a:t> framework</a:t>
+            </a:r>
+            <a:endParaRPr lang="pt-BR" dirty="0"/>
+          </a:p>
+        </p:txBody>
+      </p:sp>
+      <p:sp>
+        <p:nvSpPr>
+          <p:cNvPr id="43" name="Retângulo 42"/>
+          <p:cNvSpPr/>
+          <p:nvPr/>
+        </p:nvSpPr>
+        <p:spPr>
+          <a:xfrm>
+            <a:off x="8600054" y="1447278"/>
+            <a:ext cx="2094387" cy="750910"/>
+          </a:xfrm>
+          <a:prstGeom prst="rect">
+            <a:avLst/>
+          </a:prstGeom>
+        </p:spPr>
+        <p:style>
+          <a:lnRef idx="2">
+            <a:schemeClr val="accent2">
+              <a:shade val="50000"/>
+            </a:schemeClr>
+          </a:lnRef>
+          <a:fillRef idx="1">
+            <a:schemeClr val="accent2"/>
+          </a:fillRef>
+          <a:effectRef idx="0">
+            <a:schemeClr val="accent2"/>
+          </a:effectRef>
+          <a:fontRef idx="minor">
+            <a:schemeClr val="lt1"/>
+          </a:fontRef>
+        </p:style>
+        <p:txBody>
+          <a:bodyPr rtlCol="0" anchor="ctr"/>
+          <a:lstStyle/>
+          <a:p>
+            <a:pPr algn="ctr"/>
+            <a:r>
+              <a:rPr lang="pt-BR"/>
+              <a:t>appsettings.json</a:t>
+            </a:r>
+          </a:p>
+        </p:txBody>
+      </p:sp>
+      <p:sp>
+        <p:nvSpPr>
+          <p:cNvPr id="45" name="Retângulo 44"/>
+          <p:cNvSpPr/>
+          <p:nvPr/>
+        </p:nvSpPr>
+        <p:spPr>
+          <a:xfrm>
+            <a:off x="8518358" y="2492291"/>
+            <a:ext cx="2996309" cy="1826319"/>
+          </a:xfrm>
+          <a:prstGeom prst="rect">
+            <a:avLst/>
+          </a:prstGeom>
+        </p:spPr>
+        <p:style>
+          <a:lnRef idx="2">
+            <a:schemeClr val="accent2">
+              <a:shade val="50000"/>
+            </a:schemeClr>
+          </a:lnRef>
+          <a:fillRef idx="1">
+            <a:schemeClr val="accent2"/>
+          </a:fillRef>
+          <a:effectRef idx="0">
+            <a:schemeClr val="accent2"/>
+          </a:effectRef>
+          <a:fontRef idx="minor">
+            <a:schemeClr val="lt1"/>
+          </a:fontRef>
+        </p:style>
+        <p:txBody>
+          <a:bodyPr rtlCol="0" anchor="ctr"/>
+          <a:lstStyle/>
+          <a:p>
+            <a:pPr algn="ctr"/>
+            <a:endParaRPr lang="pt-BR"/>
+          </a:p>
+        </p:txBody>
+      </p:sp>
+      <p:sp>
+        <p:nvSpPr>
+          <p:cNvPr id="46" name="CaixaDeTexto 45"/>
+          <p:cNvSpPr txBox="1"/>
+          <p:nvPr/>
+        </p:nvSpPr>
+        <p:spPr>
+          <a:xfrm>
+            <a:off x="8578370" y="2437765"/>
+            <a:ext cx="1367591" cy="307777"/>
+          </a:xfrm>
+          <a:prstGeom prst="rect">
+            <a:avLst/>
+          </a:prstGeom>
+          <a:noFill/>
+        </p:spPr>
+        <p:txBody>
+          <a:bodyPr wrap="square" rtlCol="0">
+            <a:spAutoFit/>
+          </a:bodyPr>
+          <a:lstStyle/>
+          <a:p>
+            <a:r>
+              <a:rPr lang="pt-BR" sz="1400" dirty="0" err="1" smtClean="0"/>
+              <a:t>Repositorio</a:t>
+            </a:r>
+            <a:endParaRPr lang="pt-BR" sz="1400" dirty="0"/>
+          </a:p>
+        </p:txBody>
+      </p:sp>
+      <p:cxnSp>
+        <p:nvCxnSpPr>
+          <p:cNvPr id="47" name="Conector de Seta Reta 46"/>
+          <p:cNvCxnSpPr/>
+          <p:nvPr/>
+        </p:nvCxnSpPr>
+        <p:spPr>
+          <a:xfrm>
+            <a:off x="7399033" y="2389287"/>
+            <a:ext cx="1301527" cy="1238978"/>
+          </a:xfrm>
+          <a:prstGeom prst="straightConnector1">
+            <a:avLst/>
+          </a:prstGeom>
+          <a:ln>
+            <a:solidFill>
+              <a:schemeClr val="bg1"/>
+            </a:solidFill>
+            <a:tailEnd type="triangle"/>
+          </a:ln>
+        </p:spPr>
+        <p:style>
+          <a:lnRef idx="1">
+            <a:schemeClr val="accent1"/>
+          </a:lnRef>
+          <a:fillRef idx="0">
+            <a:schemeClr val="accent1"/>
+          </a:fillRef>
+          <a:effectRef idx="0">
+            <a:schemeClr val="accent1"/>
+          </a:effectRef>
+          <a:fontRef idx="minor">
+            <a:schemeClr val="tx1"/>
+          </a:fontRef>
+        </p:style>
+      </p:cxnSp>
+      <p:cxnSp>
+        <p:nvCxnSpPr>
+          <p:cNvPr id="49" name="Conector de Seta Reta 48"/>
+          <p:cNvCxnSpPr/>
+          <p:nvPr/>
+        </p:nvCxnSpPr>
+        <p:spPr>
+          <a:xfrm flipH="1">
+            <a:off x="5550355" y="4099316"/>
+            <a:ext cx="3350550" cy="1432668"/>
+          </a:xfrm>
+          <a:prstGeom prst="straightConnector1">
+            <a:avLst/>
+          </a:prstGeom>
+          <a:ln w="57150">
+            <a:solidFill>
+              <a:schemeClr val="tx1"/>
+            </a:solidFill>
+            <a:tailEnd type="triangle"/>
+          </a:ln>
+        </p:spPr>
+        <p:style>
+          <a:lnRef idx="1">
+            <a:schemeClr val="accent1"/>
+          </a:lnRef>
+          <a:fillRef idx="0">
+            <a:schemeClr val="accent1"/>
+          </a:fillRef>
+          <a:effectRef idx="0">
+            <a:schemeClr val="accent1"/>
+          </a:effectRef>
+          <a:fontRef idx="minor">
+            <a:schemeClr val="tx1"/>
+          </a:fontRef>
+        </p:style>
+      </p:cxnSp>
+      <p:sp>
+        <p:nvSpPr>
+          <p:cNvPr id="51" name="Retângulo 50"/>
+          <p:cNvSpPr/>
+          <p:nvPr/>
+        </p:nvSpPr>
+        <p:spPr>
+          <a:xfrm>
+            <a:off x="8824034" y="2909437"/>
+            <a:ext cx="1728101" cy="544663"/>
+          </a:xfrm>
+          <a:prstGeom prst="rect">
+            <a:avLst/>
+          </a:prstGeom>
+        </p:spPr>
+        <p:style>
+          <a:lnRef idx="2">
+            <a:schemeClr val="accent2">
+              <a:shade val="50000"/>
+            </a:schemeClr>
+          </a:lnRef>
+          <a:fillRef idx="1">
+            <a:schemeClr val="accent2"/>
+          </a:fillRef>
+          <a:effectRef idx="0">
+            <a:schemeClr val="accent2"/>
+          </a:effectRef>
+          <a:fontRef idx="minor">
+            <a:schemeClr val="lt1"/>
+          </a:fontRef>
+        </p:style>
+        <p:txBody>
+          <a:bodyPr rtlCol="0" anchor="ctr"/>
+          <a:lstStyle/>
+          <a:p>
+            <a:pPr algn="ctr"/>
+            <a:r>
+              <a:rPr lang="pt-BR" dirty="0" err="1" smtClean="0"/>
+              <a:t>Context.cs</a:t>
+            </a:r>
+            <a:endParaRPr lang="pt-BR" dirty="0"/>
+          </a:p>
+        </p:txBody>
+      </p:sp>
+      <p:cxnSp>
+        <p:nvCxnSpPr>
+          <p:cNvPr id="52" name="Conector de Seta Reta 51"/>
+          <p:cNvCxnSpPr/>
+          <p:nvPr/>
+        </p:nvCxnSpPr>
+        <p:spPr>
+          <a:xfrm flipH="1" flipV="1">
+            <a:off x="9798756" y="2110294"/>
+            <a:ext cx="36577" cy="696644"/>
+          </a:xfrm>
+          <a:prstGeom prst="straightConnector1">
+            <a:avLst/>
+          </a:prstGeom>
+          <a:ln>
+            <a:solidFill>
+              <a:schemeClr val="bg1"/>
+            </a:solidFill>
+            <a:tailEnd type="triangle"/>
+          </a:ln>
+        </p:spPr>
+        <p:style>
+          <a:lnRef idx="1">
+            <a:schemeClr val="accent1"/>
+          </a:lnRef>
+          <a:fillRef idx="0">
+            <a:schemeClr val="accent1"/>
+          </a:fillRef>
+          <a:effectRef idx="0">
+            <a:schemeClr val="accent1"/>
+          </a:effectRef>
+          <a:fontRef idx="minor">
+            <a:schemeClr val="tx1"/>
+          </a:fontRef>
+        </p:style>
+      </p:cxnSp>
+      <p:sp>
+        <p:nvSpPr>
+          <p:cNvPr id="55" name="Retângulo 54"/>
+          <p:cNvSpPr/>
+          <p:nvPr/>
+        </p:nvSpPr>
+        <p:spPr>
+          <a:xfrm>
+            <a:off x="8824034" y="3619444"/>
+            <a:ext cx="2369521" cy="544663"/>
+          </a:xfrm>
+          <a:prstGeom prst="rect">
+            <a:avLst/>
+          </a:prstGeom>
+        </p:spPr>
+        <p:style>
+          <a:lnRef idx="2">
+            <a:schemeClr val="accent2">
+              <a:shade val="50000"/>
+            </a:schemeClr>
+          </a:lnRef>
+          <a:fillRef idx="1">
+            <a:schemeClr val="accent2"/>
+          </a:fillRef>
+          <a:effectRef idx="0">
+            <a:schemeClr val="accent2"/>
+          </a:effectRef>
+          <a:fontRef idx="minor">
+            <a:schemeClr val="lt1"/>
+          </a:fontRef>
+        </p:style>
+        <p:txBody>
+          <a:bodyPr rtlCol="0" anchor="ctr"/>
+          <a:lstStyle/>
+          <a:p>
+            <a:pPr algn="ctr"/>
+            <a:r>
+              <a:rPr lang="pt-BR" dirty="0" err="1" smtClean="0"/>
+              <a:t>CategoriaRepositorio</a:t>
+            </a:r>
+            <a:endParaRPr lang="pt-BR" dirty="0"/>
+          </a:p>
+        </p:txBody>
+      </p:sp>
+    </p:spTree>
+    <p:extLst>
+      <p:ext uri="{BB962C8B-B14F-4D97-AF65-F5344CB8AC3E}">
+        <p14:creationId xmlns:p14="http://schemas.microsoft.com/office/powerpoint/2010/main" val="1446495121"/>
+      </p:ext>
+    </p:extLst>
+  </p:cSld>
+  <p:clrMapOvr>
+    <a:masterClrMapping/>
+  </p:clrMapOvr>
+</p:sld>
+</file>
+
+<file path=ppt/slides/slide15.xml><?xml version="1.0" encoding="utf-8"?>
 <p:sld xmlns:a="http://schemas.openxmlformats.org/drawingml/2006/main" xmlns:r="http://schemas.openxmlformats.org/officeDocument/2006/relationships" xmlns:p="http://schemas.openxmlformats.org/presentationml/2006/main">
   <p:cSld>
     <p:bg>
@@ -9786,7 +10772,7 @@
                 <a16:creationId xmlns:a16="http://schemas.microsoft.com/office/drawing/2014/main" id="{8450EF29-A29A-9417-2B09-074C04064425}"/>
               </a:ext>
               <a:ext uri="{C183D7F6-B498-43B3-948B-1728B52AA6E4}">
-                <adec:decorative xmlns="" xmlns:adec="http://schemas.microsoft.com/office/drawing/2017/decorative" val="1"/>
+                <adec:decorative xmlns:adec="http://schemas.microsoft.com/office/drawing/2017/decorative" xmlns="" val="1"/>
               </a:ext>
             </a:extLst>
           </p:cNvPr>
@@ -10404,7 +11390,7 @@
 </p:sld>
 </file>
 
-<file path=ppt/slides/slide15.xml><?xml version="1.0" encoding="utf-8"?>
+<file path=ppt/slides/slide16.xml><?xml version="1.0" encoding="utf-8"?>
 <p:sld xmlns:a="http://schemas.openxmlformats.org/drawingml/2006/main" xmlns:r="http://schemas.openxmlformats.org/officeDocument/2006/relationships" xmlns:p="http://schemas.openxmlformats.org/presentationml/2006/main">
   <p:cSld>
     <p:bg>
@@ -10443,7 +11429,7 @@
                 <a16:creationId xmlns:a16="http://schemas.microsoft.com/office/drawing/2014/main" id="{8450EF29-A29A-9417-2B09-074C04064425}"/>
               </a:ext>
               <a:ext uri="{C183D7F6-B498-43B3-948B-1728B52AA6E4}">
-                <adec:decorative xmlns="" xmlns:adec="http://schemas.microsoft.com/office/drawing/2017/decorative" val="1"/>
+                <adec:decorative xmlns:adec="http://schemas.microsoft.com/office/drawing/2017/decorative" xmlns="" val="1"/>
               </a:ext>
             </a:extLst>
           </p:cNvPr>
@@ -11096,166 +12082,6 @@
 </p:sld>
 </file>
 
-<file path=ppt/slides/slide16.xml><?xml version="1.0" encoding="utf-8"?>
-<p:sld xmlns:a="http://schemas.openxmlformats.org/drawingml/2006/main" xmlns:r="http://schemas.openxmlformats.org/officeDocument/2006/relationships" xmlns:p="http://schemas.openxmlformats.org/presentationml/2006/main">
-  <p:cSld>
-    <p:bg>
-      <p:bgPr>
-        <a:solidFill>
-          <a:schemeClr val="bg1"/>
-        </a:solidFill>
-        <a:effectLst/>
-      </p:bgPr>
-    </p:bg>
-    <p:spTree>
-      <p:nvGrpSpPr>
-        <p:cNvPr id="1" name=""/>
-        <p:cNvGrpSpPr/>
-        <p:nvPr/>
-      </p:nvGrpSpPr>
-      <p:grpSpPr>
-        <a:xfrm>
-          <a:off x="0" y="0"/>
-          <a:ext cx="0" cy="0"/>
-          <a:chOff x="0" y="0"/>
-          <a:chExt cx="0" cy="0"/>
-        </a:xfrm>
-      </p:grpSpPr>
-      <p:sp useBgFill="1">
-        <p:nvSpPr>
-          <p:cNvPr id="10" name="Rectangle 9">
-            <a:extLst>
-              <a:ext uri="{FF2B5EF4-FFF2-40B4-BE49-F238E27FC236}">
-                <a16:creationId xmlns:a16="http://schemas.microsoft.com/office/drawing/2014/main" id="{5E8D3B17-7638-DFD3-18E4-8A6D611749CF}"/>
-              </a:ext>
-              <a:ext uri="{C183D7F6-B498-43B3-948B-1728B52AA6E4}">
-                <adec:decorative xmlns="" xmlns:adec="http://schemas.microsoft.com/office/drawing/2017/decorative" val="1"/>
-              </a:ext>
-            </a:extLst>
-          </p:cNvPr>
-          <p:cNvSpPr>
-            <a:spLocks noGrp="1" noRot="1" noChangeAspect="1" noMove="1" noResize="1" noEditPoints="1" noAdjustHandles="1" noChangeArrowheads="1" noChangeShapeType="1" noTextEdit="1"/>
-          </p:cNvSpPr>
-          <p:nvPr>
-            <p:extLst>
-              <p:ext uri="{386F3935-93C4-4BCD-93E2-E3B085C9AB24}">
-                <p16:designElem xmlns:p16="http://schemas.microsoft.com/office/powerpoint/2015/main" val="1"/>
-              </p:ext>
-            </p:extLst>
-          </p:nvPr>
-        </p:nvSpPr>
-        <p:spPr>
-          <a:xfrm>
-            <a:off x="0" y="0"/>
-            <a:ext cx="12192000" cy="6858000"/>
-          </a:xfrm>
-          <a:prstGeom prst="rect">
-            <a:avLst/>
-          </a:prstGeom>
-          <a:ln w="12700" cap="flat" cmpd="sng" algn="ctr">
-            <a:noFill/>
-            <a:prstDash val="solid"/>
-            <a:miter lim="800000"/>
-          </a:ln>
-          <a:effectLst/>
-          <a:extLst>
-            <a:ext uri="{91240B29-F687-4F45-9708-019B960494DF}">
-              <a14:hiddenLine xmlns:a14="http://schemas.microsoft.com/office/drawing/2010/main" w="12700" cap="flat" cmpd="sng" algn="ctr">
-                <a:solidFill>
-                  <a:schemeClr val="accent1">
-                    <a:shade val="15000"/>
-                  </a:schemeClr>
-                </a:solidFill>
-                <a:prstDash val="solid"/>
-                <a:miter lim="800000"/>
-              </a14:hiddenLine>
-            </a:ext>
-          </a:extLst>
-        </p:spPr>
-        <p:style>
-          <a:lnRef idx="2">
-            <a:schemeClr val="accent1">
-              <a:shade val="15000"/>
-            </a:schemeClr>
-          </a:lnRef>
-          <a:fillRef idx="1">
-            <a:schemeClr val="accent1"/>
-          </a:fillRef>
-          <a:effectRef idx="0">
-            <a:schemeClr val="accent1"/>
-          </a:effectRef>
-          <a:fontRef idx="minor">
-            <a:schemeClr val="lt1"/>
-          </a:fontRef>
-        </p:style>
-        <p:txBody>
-          <a:bodyPr rtlCol="0" anchor="ctr"/>
-          <a:lstStyle/>
-          <a:p>
-            <a:pPr algn="ctr"/>
-            <a:endParaRPr lang="en-US"/>
-          </a:p>
-        </p:txBody>
-      </p:sp>
-      <p:sp>
-        <p:nvSpPr>
-          <p:cNvPr id="2" name="Título 1">
-            <a:extLst>
-              <a:ext uri="{FF2B5EF4-FFF2-40B4-BE49-F238E27FC236}">
-                <a16:creationId xmlns:a16="http://schemas.microsoft.com/office/drawing/2014/main" id="{D4CDB794-FD66-B57C-5DB2-D14CF7301A4E}"/>
-              </a:ext>
-            </a:extLst>
-          </p:cNvPr>
-          <p:cNvSpPr>
-            <a:spLocks noGrp="1"/>
-          </p:cNvSpPr>
-          <p:nvPr>
-            <p:ph type="title"/>
-          </p:nvPr>
-        </p:nvSpPr>
-        <p:spPr>
-          <a:xfrm>
-            <a:off x="1022295" y="2665927"/>
-            <a:ext cx="5916168" cy="919938"/>
-          </a:xfrm>
-        </p:spPr>
-        <p:txBody>
-          <a:bodyPr vert="horz" lIns="91440" tIns="45720" rIns="91440" bIns="45720" rtlCol="0" anchor="b">
-            <a:normAutofit/>
-          </a:bodyPr>
-          <a:lstStyle/>
-          <a:p>
-            <a:r>
-              <a:rPr lang="en-US" dirty="0"/>
-              <a:t>Wireframe</a:t>
-            </a:r>
-            <a:endParaRPr lang="en-US" b="1" kern="1200" dirty="0">
-              <a:solidFill>
-                <a:schemeClr val="tx1"/>
-              </a:solidFill>
-              <a:latin typeface="+mj-lt"/>
-              <a:ea typeface="+mj-ea"/>
-              <a:cs typeface="+mj-cs"/>
-            </a:endParaRPr>
-          </a:p>
-        </p:txBody>
-      </p:sp>
-    </p:spTree>
-    <p:extLst>
-      <p:ext uri="{BB962C8B-B14F-4D97-AF65-F5344CB8AC3E}">
-        <p14:creationId xmlns:p14="http://schemas.microsoft.com/office/powerpoint/2010/main" val="827370966"/>
-      </p:ext>
-    </p:extLst>
-  </p:cSld>
-  <p:clrMapOvr>
-    <a:masterClrMapping/>
-  </p:clrMapOvr>
-  <p:transition>
-    <p:fade/>
-  </p:transition>
-</p:sld>
-</file>
-
 <file path=ppt/slides/slide17.xml><?xml version="1.0" encoding="utf-8"?>
 <p:sld xmlns:a="http://schemas.openxmlformats.org/drawingml/2006/main" xmlns:r="http://schemas.openxmlformats.org/officeDocument/2006/relationships" xmlns:p="http://schemas.openxmlformats.org/presentationml/2006/main">
   <p:cSld>
@@ -11289,7 +12115,7 @@
                 <a16:creationId xmlns:a16="http://schemas.microsoft.com/office/drawing/2014/main" id="{5E8D3B17-7638-DFD3-18E4-8A6D611749CF}"/>
               </a:ext>
               <a:ext uri="{C183D7F6-B498-43B3-948B-1728B52AA6E4}">
-                <adec:decorative xmlns="" xmlns:adec="http://schemas.microsoft.com/office/drawing/2017/decorative" val="1"/>
+                <adec:decorative xmlns:adec="http://schemas.microsoft.com/office/drawing/2017/decorative" xmlns="" val="1"/>
               </a:ext>
             </a:extLst>
           </p:cNvPr>
@@ -11357,43 +12183,12 @@
           </a:p>
         </p:txBody>
       </p:sp>
-      <p:pic>
-        <p:nvPicPr>
-          <p:cNvPr id="5" name="Espaço Reservado para Conteúdo 4" descr="Formulário web de login">
-            <a:extLst>
-              <a:ext uri="{FF2B5EF4-FFF2-40B4-BE49-F238E27FC236}">
-                <a16:creationId xmlns:a16="http://schemas.microsoft.com/office/drawing/2014/main" id="{9574661C-9C71-44C7-9C38-D5812FB73B79}"/>
-              </a:ext>
-            </a:extLst>
-          </p:cNvPr>
-          <p:cNvPicPr>
-            <a:picLocks noGrp="1" noChangeAspect="1"/>
-          </p:cNvPicPr>
-          <p:nvPr>
-            <p:ph sz="half" idx="1"/>
-          </p:nvPr>
-        </p:nvPicPr>
-        <p:blipFill>
-          <a:blip r:embed="rId3"/>
-          <a:srcRect l="27263" r="22617" b="1"/>
-          <a:stretch/>
-        </p:blipFill>
-        <p:spPr>
-          <a:xfrm>
-            <a:off x="1403817" y="1133346"/>
-            <a:ext cx="3748431" cy="5235252"/>
-          </a:xfrm>
-          <a:prstGeom prst="rect">
-            <a:avLst/>
-          </a:prstGeom>
-        </p:spPr>
-      </p:pic>
       <p:sp>
         <p:nvSpPr>
           <p:cNvPr id="2" name="Título 1">
             <a:extLst>
               <a:ext uri="{FF2B5EF4-FFF2-40B4-BE49-F238E27FC236}">
-                <a16:creationId xmlns:a16="http://schemas.microsoft.com/office/drawing/2014/main" id="{52C8C7F8-6A55-1DF8-3A33-F776C9F854B3}"/>
+                <a16:creationId xmlns:a16="http://schemas.microsoft.com/office/drawing/2014/main" id="{D4CDB794-FD66-B57C-5DB2-D14CF7301A4E}"/>
               </a:ext>
             </a:extLst>
           </p:cNvPr>
@@ -11406,8 +12201,8 @@
         </p:nvSpPr>
         <p:spPr>
           <a:xfrm>
-            <a:off x="5209415" y="218946"/>
-            <a:ext cx="5916168" cy="1527048"/>
+            <a:off x="1022295" y="2665927"/>
+            <a:ext cx="5916168" cy="919938"/>
           </a:xfrm>
         </p:spPr>
         <p:txBody>
@@ -11417,77 +12212,24 @@
           <a:lstStyle/>
           <a:p>
             <a:r>
-              <a:rPr lang="en-US" b="0" kern="1200" dirty="0">
-                <a:solidFill>
-                  <a:schemeClr val="tx1"/>
-                </a:solidFill>
-                <a:latin typeface="+mj-lt"/>
-                <a:ea typeface="+mj-ea"/>
-                <a:cs typeface="+mj-cs"/>
-              </a:rPr>
-              <a:t>Tela de Login</a:t>
-            </a:r>
-          </a:p>
-        </p:txBody>
-      </p:sp>
-      <p:sp>
-        <p:nvSpPr>
-          <p:cNvPr id="7" name="Título 1">
-            <a:extLst>
-              <a:ext uri="{FF2B5EF4-FFF2-40B4-BE49-F238E27FC236}">
-                <a16:creationId xmlns:a16="http://schemas.microsoft.com/office/drawing/2014/main" id="{F08859EF-E25E-52C0-C024-DE22738F8749}"/>
-              </a:ext>
-            </a:extLst>
-          </p:cNvPr>
-          <p:cNvSpPr txBox="1">
-            <a:spLocks/>
-          </p:cNvSpPr>
-          <p:nvPr/>
-        </p:nvSpPr>
-        <p:spPr>
-          <a:xfrm>
-            <a:off x="414841" y="-695454"/>
-            <a:ext cx="5916168" cy="1527048"/>
-          </a:xfrm>
-          <a:prstGeom prst="rect">
-            <a:avLst/>
-          </a:prstGeom>
-        </p:spPr>
-        <p:txBody>
-          <a:bodyPr vert="horz" lIns="91440" tIns="45720" rIns="91440" bIns="45720" rtlCol="0" anchor="b">
-            <a:normAutofit/>
-          </a:bodyPr>
-          <a:lstStyle>
-            <a:lvl1pPr algn="l" defTabSz="914400" rtl="0" eaLnBrk="1" latinLnBrk="0" hangingPunct="1">
-              <a:lnSpc>
-                <a:spcPct val="90000"/>
-              </a:lnSpc>
-              <a:spcBef>
-                <a:spcPct val="0"/>
-              </a:spcBef>
-              <a:buNone/>
-              <a:defRPr sz="3600" b="1" kern="1200">
-                <a:solidFill>
-                  <a:schemeClr val="tx1"/>
-                </a:solidFill>
-                <a:latin typeface="+mj-lt"/>
-                <a:ea typeface="+mj-ea"/>
-                <a:cs typeface="+mj-cs"/>
-              </a:defRPr>
-            </a:lvl1pPr>
-          </a:lstStyle>
-          <a:p>
-            <a:r>
               <a:rPr lang="en-US" dirty="0"/>
               <a:t>Wireframe</a:t>
             </a:r>
+            <a:endParaRPr lang="en-US" b="1" kern="1200" dirty="0">
+              <a:solidFill>
+                <a:schemeClr val="tx1"/>
+              </a:solidFill>
+              <a:latin typeface="+mj-lt"/>
+              <a:ea typeface="+mj-ea"/>
+              <a:cs typeface="+mj-cs"/>
+            </a:endParaRPr>
           </a:p>
         </p:txBody>
       </p:sp>
     </p:spTree>
     <p:extLst>
       <p:ext uri="{BB962C8B-B14F-4D97-AF65-F5344CB8AC3E}">
-        <p14:creationId xmlns:p14="http://schemas.microsoft.com/office/powerpoint/2010/main" val="1037557683"/>
+        <p14:creationId xmlns:p14="http://schemas.microsoft.com/office/powerpoint/2010/main" val="827370966"/>
       </p:ext>
     </p:extLst>
   </p:cSld>
@@ -11533,7 +12275,7 @@
                 <a16:creationId xmlns:a16="http://schemas.microsoft.com/office/drawing/2014/main" id="{5E8D3B17-7638-DFD3-18E4-8A6D611749CF}"/>
               </a:ext>
               <a:ext uri="{C183D7F6-B498-43B3-948B-1728B52AA6E4}">
-                <adec:decorative xmlns="" xmlns:adec="http://schemas.microsoft.com/office/drawing/2017/decorative" val="1"/>
+                <adec:decorative xmlns:adec="http://schemas.microsoft.com/office/drawing/2017/decorative" xmlns="" val="1"/>
               </a:ext>
             </a:extLst>
           </p:cNvPr>
@@ -11601,6 +12343,37 @@
           </a:p>
         </p:txBody>
       </p:sp>
+      <p:pic>
+        <p:nvPicPr>
+          <p:cNvPr id="5" name="Espaço Reservado para Conteúdo 4" descr="Formulário web de login">
+            <a:extLst>
+              <a:ext uri="{FF2B5EF4-FFF2-40B4-BE49-F238E27FC236}">
+                <a16:creationId xmlns:a16="http://schemas.microsoft.com/office/drawing/2014/main" id="{9574661C-9C71-44C7-9C38-D5812FB73B79}"/>
+              </a:ext>
+            </a:extLst>
+          </p:cNvPr>
+          <p:cNvPicPr>
+            <a:picLocks noGrp="1" noChangeAspect="1"/>
+          </p:cNvPicPr>
+          <p:nvPr>
+            <p:ph sz="half" idx="1"/>
+          </p:nvPr>
+        </p:nvPicPr>
+        <p:blipFill>
+          <a:blip r:embed="rId3"/>
+          <a:srcRect l="27263" r="22617" b="1"/>
+          <a:stretch/>
+        </p:blipFill>
+        <p:spPr>
+          <a:xfrm>
+            <a:off x="1403817" y="1133346"/>
+            <a:ext cx="3748431" cy="5235252"/>
+          </a:xfrm>
+          <a:prstGeom prst="rect">
+            <a:avLst/>
+          </a:prstGeom>
+        </p:spPr>
+      </p:pic>
       <p:sp>
         <p:nvSpPr>
           <p:cNvPr id="2" name="Título 1">
@@ -11619,7 +12392,7 @@
         </p:nvSpPr>
         <p:spPr>
           <a:xfrm>
-            <a:off x="2917771" y="-695454"/>
+            <a:off x="5209415" y="218946"/>
             <a:ext cx="5916168" cy="1527048"/>
           </a:xfrm>
         </p:spPr>
@@ -11630,7 +12403,7 @@
           <a:lstStyle/>
           <a:p>
             <a:r>
-              <a:rPr lang="en-US" b="0" kern="1200" dirty="0" err="1" smtClean="0">
+              <a:rPr lang="en-US" b="0" kern="1200" dirty="0">
                 <a:solidFill>
                   <a:schemeClr val="tx1"/>
                 </a:solidFill>
@@ -11638,71 +12411,8 @@
                 <a:ea typeface="+mj-ea"/>
                 <a:cs typeface="+mj-cs"/>
               </a:rPr>
-              <a:t>Tela</a:t>
-            </a:r>
-            <a:r>
-              <a:rPr lang="en-US" b="0" kern="1200" dirty="0" smtClean="0">
-                <a:solidFill>
-                  <a:schemeClr val="tx1"/>
-                </a:solidFill>
-                <a:latin typeface="+mj-lt"/>
-                <a:ea typeface="+mj-ea"/>
-                <a:cs typeface="+mj-cs"/>
-              </a:rPr>
-              <a:t> </a:t>
-            </a:r>
-            <a:r>
-              <a:rPr lang="en-US" b="0" kern="1200" dirty="0" err="1" smtClean="0">
-                <a:solidFill>
-                  <a:schemeClr val="tx1"/>
-                </a:solidFill>
-                <a:latin typeface="+mj-lt"/>
-                <a:ea typeface="+mj-ea"/>
-                <a:cs typeface="+mj-cs"/>
-              </a:rPr>
-              <a:t>Categoria</a:t>
-            </a:r>
-            <a:r>
-              <a:rPr lang="en-US" b="0" kern="1200" dirty="0" smtClean="0">
-                <a:solidFill>
-                  <a:schemeClr val="tx1"/>
-                </a:solidFill>
-                <a:latin typeface="+mj-lt"/>
-                <a:ea typeface="+mj-ea"/>
-                <a:cs typeface="+mj-cs"/>
-              </a:rPr>
-              <a:t> (</a:t>
-            </a:r>
-            <a:r>
-              <a:rPr lang="en-US" b="0" kern="1200" dirty="0" err="1" smtClean="0">
-                <a:solidFill>
-                  <a:schemeClr val="tx1"/>
-                </a:solidFill>
-                <a:latin typeface="+mj-lt"/>
-                <a:ea typeface="+mj-ea"/>
-                <a:cs typeface="+mj-cs"/>
-              </a:rPr>
-              <a:t>lista</a:t>
-            </a:r>
-            <a:r>
-              <a:rPr lang="en-US" b="0" kern="1200" dirty="0" smtClean="0">
-                <a:solidFill>
-                  <a:schemeClr val="tx1"/>
-                </a:solidFill>
-                <a:latin typeface="+mj-lt"/>
-                <a:ea typeface="+mj-ea"/>
-                <a:cs typeface="+mj-cs"/>
-              </a:rPr>
-              <a:t>)</a:t>
-            </a:r>
-            <a:endParaRPr lang="en-US" b="0" kern="1200" dirty="0">
-              <a:solidFill>
-                <a:schemeClr val="tx1"/>
-              </a:solidFill>
-              <a:latin typeface="+mj-lt"/>
-              <a:ea typeface="+mj-ea"/>
-              <a:cs typeface="+mj-cs"/>
-            </a:endParaRPr>
+              <a:t>Tela de Login</a:t>
+            </a:r>
           </a:p>
         </p:txBody>
       </p:sp>
@@ -11760,746 +12470,10 @@
           </a:p>
         </p:txBody>
       </p:sp>
-      <p:sp>
-        <p:nvSpPr>
-          <p:cNvPr id="4" name="Retângulo 3"/>
-          <p:cNvSpPr/>
-          <p:nvPr/>
-        </p:nvSpPr>
-        <p:spPr>
-          <a:xfrm>
-            <a:off x="999067" y="1224844"/>
-            <a:ext cx="10193866" cy="5317067"/>
-          </a:xfrm>
-          <a:prstGeom prst="rect">
-            <a:avLst/>
-          </a:prstGeom>
-        </p:spPr>
-        <p:style>
-          <a:lnRef idx="2">
-            <a:schemeClr val="accent1"/>
-          </a:lnRef>
-          <a:fillRef idx="1">
-            <a:schemeClr val="lt1"/>
-          </a:fillRef>
-          <a:effectRef idx="0">
-            <a:schemeClr val="accent1"/>
-          </a:effectRef>
-          <a:fontRef idx="minor">
-            <a:schemeClr val="dk1"/>
-          </a:fontRef>
-        </p:style>
-        <p:txBody>
-          <a:bodyPr rtlCol="0" anchor="ctr"/>
-          <a:lstStyle/>
-          <a:p>
-            <a:pPr algn="ctr"/>
-            <a:endParaRPr lang="pt-BR" dirty="0"/>
-          </a:p>
-        </p:txBody>
-      </p:sp>
-      <p:sp>
-        <p:nvSpPr>
-          <p:cNvPr id="8" name="Retângulo 7"/>
-          <p:cNvSpPr/>
-          <p:nvPr/>
-        </p:nvSpPr>
-        <p:spPr>
-          <a:xfrm>
-            <a:off x="1044222" y="1224844"/>
-            <a:ext cx="10193866" cy="389467"/>
-          </a:xfrm>
-          <a:prstGeom prst="rect">
-            <a:avLst/>
-          </a:prstGeom>
-        </p:spPr>
-        <p:style>
-          <a:lnRef idx="2">
-            <a:schemeClr val="accent6"/>
-          </a:lnRef>
-          <a:fillRef idx="1">
-            <a:schemeClr val="lt1"/>
-          </a:fillRef>
-          <a:effectRef idx="0">
-            <a:schemeClr val="accent6"/>
-          </a:effectRef>
-          <a:fontRef idx="minor">
-            <a:schemeClr val="dk1"/>
-          </a:fontRef>
-        </p:style>
-        <p:txBody>
-          <a:bodyPr rtlCol="0" anchor="ctr"/>
-          <a:lstStyle/>
-          <a:p>
-            <a:pPr algn="ctr"/>
-            <a:endParaRPr lang="pt-BR" dirty="0"/>
-          </a:p>
-        </p:txBody>
-      </p:sp>
-      <p:sp>
-        <p:nvSpPr>
-          <p:cNvPr id="6" name="Elipse 5"/>
-          <p:cNvSpPr/>
-          <p:nvPr/>
-        </p:nvSpPr>
-        <p:spPr>
-          <a:xfrm>
-            <a:off x="10820399" y="1319049"/>
-            <a:ext cx="293511" cy="302204"/>
-          </a:xfrm>
-          <a:prstGeom prst="ellipse">
-            <a:avLst/>
-          </a:prstGeom>
-        </p:spPr>
-        <p:style>
-          <a:lnRef idx="2">
-            <a:schemeClr val="accent3">
-              <a:shade val="50000"/>
-            </a:schemeClr>
-          </a:lnRef>
-          <a:fillRef idx="1">
-            <a:schemeClr val="accent3"/>
-          </a:fillRef>
-          <a:effectRef idx="0">
-            <a:schemeClr val="accent3"/>
-          </a:effectRef>
-          <a:fontRef idx="minor">
-            <a:schemeClr val="lt1"/>
-          </a:fontRef>
-        </p:style>
-        <p:txBody>
-          <a:bodyPr rtlCol="0" anchor="ctr"/>
-          <a:lstStyle/>
-          <a:p>
-            <a:pPr algn="ctr"/>
-            <a:r>
-              <a:rPr lang="pt-BR" dirty="0" smtClean="0"/>
-              <a:t>x</a:t>
-            </a:r>
-            <a:endParaRPr lang="pt-BR" dirty="0"/>
-          </a:p>
-        </p:txBody>
-      </p:sp>
-      <p:sp>
-        <p:nvSpPr>
-          <p:cNvPr id="11" name="Retângulo 10"/>
-          <p:cNvSpPr/>
-          <p:nvPr/>
-        </p:nvSpPr>
-        <p:spPr>
-          <a:xfrm>
-            <a:off x="1363860" y="2550550"/>
-            <a:ext cx="1735298" cy="389467"/>
-          </a:xfrm>
-          <a:prstGeom prst="rect">
-            <a:avLst/>
-          </a:prstGeom>
-          <a:solidFill>
-            <a:schemeClr val="bg1">
-              <a:lumMod val="85000"/>
-            </a:schemeClr>
-          </a:solidFill>
-        </p:spPr>
-        <p:style>
-          <a:lnRef idx="2">
-            <a:schemeClr val="accent6"/>
-          </a:lnRef>
-          <a:fillRef idx="1">
-            <a:schemeClr val="lt1"/>
-          </a:fillRef>
-          <a:effectRef idx="0">
-            <a:schemeClr val="accent6"/>
-          </a:effectRef>
-          <a:fontRef idx="minor">
-            <a:schemeClr val="dk1"/>
-          </a:fontRef>
-        </p:style>
-        <p:txBody>
-          <a:bodyPr rtlCol="0" anchor="ctr"/>
-          <a:lstStyle/>
-          <a:p>
-            <a:pPr algn="ctr"/>
-            <a:endParaRPr lang="pt-BR" dirty="0"/>
-          </a:p>
-        </p:txBody>
-      </p:sp>
-      <p:sp>
-        <p:nvSpPr>
-          <p:cNvPr id="12" name="Título 1">
-            <a:extLst>
-              <a:ext uri="{FF2B5EF4-FFF2-40B4-BE49-F238E27FC236}">
-                <a16:creationId xmlns:a16="http://schemas.microsoft.com/office/drawing/2014/main" id="{52C8C7F8-6A55-1DF8-3A33-F776C9F854B3}"/>
-              </a:ext>
-            </a:extLst>
-          </p:cNvPr>
-          <p:cNvSpPr txBox="1">
-            <a:spLocks/>
-          </p:cNvSpPr>
-          <p:nvPr/>
-        </p:nvSpPr>
-        <p:spPr>
-          <a:xfrm>
-            <a:off x="1363860" y="2562520"/>
-            <a:ext cx="5916168" cy="365528"/>
-          </a:xfrm>
-          <a:prstGeom prst="rect">
-            <a:avLst/>
-          </a:prstGeom>
-        </p:spPr>
-        <p:txBody>
-          <a:bodyPr vert="horz" lIns="91440" tIns="45720" rIns="91440" bIns="45720" rtlCol="0" anchor="b">
-            <a:normAutofit lnSpcReduction="10000"/>
-          </a:bodyPr>
-          <a:lstStyle>
-            <a:lvl1pPr algn="l" defTabSz="914400" rtl="0" eaLnBrk="1" latinLnBrk="0" hangingPunct="1">
-              <a:lnSpc>
-                <a:spcPct val="90000"/>
-              </a:lnSpc>
-              <a:spcBef>
-                <a:spcPct val="0"/>
-              </a:spcBef>
-              <a:buNone/>
-              <a:defRPr sz="3600" b="1" kern="1200">
-                <a:solidFill>
-                  <a:schemeClr val="tx1"/>
-                </a:solidFill>
-                <a:latin typeface="+mj-lt"/>
-                <a:ea typeface="+mj-ea"/>
-                <a:cs typeface="+mj-cs"/>
-              </a:defRPr>
-            </a:lvl1pPr>
-          </a:lstStyle>
-          <a:p>
-            <a:r>
-              <a:rPr lang="en-US" sz="2000" b="0" dirty="0" err="1" smtClean="0"/>
-              <a:t>Código</a:t>
-            </a:r>
-            <a:endParaRPr lang="en-US" sz="2000" b="0" dirty="0"/>
-          </a:p>
-        </p:txBody>
-      </p:sp>
-      <p:sp>
-        <p:nvSpPr>
-          <p:cNvPr id="17" name="Retângulo Arredondado 16"/>
-          <p:cNvSpPr/>
-          <p:nvPr/>
-        </p:nvSpPr>
-        <p:spPr>
-          <a:xfrm>
-            <a:off x="1363860" y="1911172"/>
-            <a:ext cx="1190625" cy="314325"/>
-          </a:xfrm>
-          <a:prstGeom prst="roundRect">
-            <a:avLst/>
-          </a:prstGeom>
-        </p:spPr>
-        <p:style>
-          <a:lnRef idx="2">
-            <a:schemeClr val="accent1">
-              <a:shade val="50000"/>
-            </a:schemeClr>
-          </a:lnRef>
-          <a:fillRef idx="1">
-            <a:schemeClr val="accent1"/>
-          </a:fillRef>
-          <a:effectRef idx="0">
-            <a:schemeClr val="accent1"/>
-          </a:effectRef>
-          <a:fontRef idx="minor">
-            <a:schemeClr val="lt1"/>
-          </a:fontRef>
-        </p:style>
-        <p:txBody>
-          <a:bodyPr rtlCol="0" anchor="ctr"/>
-          <a:lstStyle/>
-          <a:p>
-            <a:pPr algn="ctr"/>
-            <a:r>
-              <a:rPr lang="pt-BR" dirty="0" smtClean="0"/>
-              <a:t>Novo</a:t>
-            </a:r>
-            <a:endParaRPr lang="pt-BR" dirty="0"/>
-          </a:p>
-        </p:txBody>
-      </p:sp>
-      <p:sp>
-        <p:nvSpPr>
-          <p:cNvPr id="19" name="Retângulo Arredondado 18"/>
-          <p:cNvSpPr/>
-          <p:nvPr/>
-        </p:nvSpPr>
-        <p:spPr>
-          <a:xfrm>
-            <a:off x="5140384" y="4822916"/>
-            <a:ext cx="1190625" cy="314325"/>
-          </a:xfrm>
-          <a:prstGeom prst="roundRect">
-            <a:avLst/>
-          </a:prstGeom>
-          <a:solidFill>
-            <a:srgbClr val="00B0F0"/>
-          </a:solidFill>
-        </p:spPr>
-        <p:style>
-          <a:lnRef idx="2">
-            <a:schemeClr val="accent1">
-              <a:shade val="50000"/>
-            </a:schemeClr>
-          </a:lnRef>
-          <a:fillRef idx="1">
-            <a:schemeClr val="accent1"/>
-          </a:fillRef>
-          <a:effectRef idx="0">
-            <a:schemeClr val="accent1"/>
-          </a:effectRef>
-          <a:fontRef idx="minor">
-            <a:schemeClr val="lt1"/>
-          </a:fontRef>
-        </p:style>
-        <p:txBody>
-          <a:bodyPr rtlCol="0" anchor="ctr"/>
-          <a:lstStyle/>
-          <a:p>
-            <a:pPr algn="ctr"/>
-            <a:r>
-              <a:rPr lang="pt-BR" dirty="0" smtClean="0"/>
-              <a:t>Voltar</a:t>
-            </a:r>
-            <a:endParaRPr lang="pt-BR" dirty="0"/>
-          </a:p>
-        </p:txBody>
-      </p:sp>
-      <p:sp>
-        <p:nvSpPr>
-          <p:cNvPr id="20" name="Retângulo 19"/>
-          <p:cNvSpPr/>
-          <p:nvPr/>
-        </p:nvSpPr>
-        <p:spPr>
-          <a:xfrm>
-            <a:off x="3099159" y="2554776"/>
-            <a:ext cx="4803064" cy="389467"/>
-          </a:xfrm>
-          <a:prstGeom prst="rect">
-            <a:avLst/>
-          </a:prstGeom>
-          <a:solidFill>
-            <a:schemeClr val="bg1">
-              <a:lumMod val="85000"/>
-            </a:schemeClr>
-          </a:solidFill>
-        </p:spPr>
-        <p:style>
-          <a:lnRef idx="2">
-            <a:schemeClr val="accent6"/>
-          </a:lnRef>
-          <a:fillRef idx="1">
-            <a:schemeClr val="lt1"/>
-          </a:fillRef>
-          <a:effectRef idx="0">
-            <a:schemeClr val="accent6"/>
-          </a:effectRef>
-          <a:fontRef idx="minor">
-            <a:schemeClr val="dk1"/>
-          </a:fontRef>
-        </p:style>
-        <p:txBody>
-          <a:bodyPr rtlCol="0" anchor="ctr"/>
-          <a:lstStyle/>
-          <a:p>
-            <a:r>
-              <a:rPr lang="pt-BR" dirty="0" smtClean="0"/>
-              <a:t>Descrição</a:t>
-            </a:r>
-            <a:endParaRPr lang="pt-BR" dirty="0"/>
-          </a:p>
-        </p:txBody>
-      </p:sp>
-      <p:sp>
-        <p:nvSpPr>
-          <p:cNvPr id="22" name="Retângulo 21"/>
-          <p:cNvSpPr/>
-          <p:nvPr/>
-        </p:nvSpPr>
-        <p:spPr>
-          <a:xfrm>
-            <a:off x="7902223" y="2553295"/>
-            <a:ext cx="1735298" cy="389467"/>
-          </a:xfrm>
-          <a:prstGeom prst="rect">
-            <a:avLst/>
-          </a:prstGeom>
-          <a:solidFill>
-            <a:schemeClr val="bg1">
-              <a:lumMod val="85000"/>
-            </a:schemeClr>
-          </a:solidFill>
-        </p:spPr>
-        <p:style>
-          <a:lnRef idx="2">
-            <a:schemeClr val="accent6"/>
-          </a:lnRef>
-          <a:fillRef idx="1">
-            <a:schemeClr val="lt1"/>
-          </a:fillRef>
-          <a:effectRef idx="0">
-            <a:schemeClr val="accent6"/>
-          </a:effectRef>
-          <a:fontRef idx="minor">
-            <a:schemeClr val="dk1"/>
-          </a:fontRef>
-        </p:style>
-        <p:txBody>
-          <a:bodyPr rtlCol="0" anchor="ctr"/>
-          <a:lstStyle/>
-          <a:p>
-            <a:pPr algn="ctr"/>
-            <a:r>
-              <a:rPr lang="pt-BR" dirty="0" smtClean="0"/>
-              <a:t>Opções</a:t>
-            </a:r>
-            <a:endParaRPr lang="pt-BR" dirty="0"/>
-          </a:p>
-        </p:txBody>
-      </p:sp>
-      <p:sp>
-        <p:nvSpPr>
-          <p:cNvPr id="23" name="Retângulo 22"/>
-          <p:cNvSpPr/>
-          <p:nvPr/>
-        </p:nvSpPr>
-        <p:spPr>
-          <a:xfrm>
-            <a:off x="1363860" y="2949412"/>
-            <a:ext cx="1735298" cy="389467"/>
-          </a:xfrm>
-          <a:prstGeom prst="rect">
-            <a:avLst/>
-          </a:prstGeom>
-        </p:spPr>
-        <p:style>
-          <a:lnRef idx="2">
-            <a:schemeClr val="dk1"/>
-          </a:lnRef>
-          <a:fillRef idx="1">
-            <a:schemeClr val="lt1"/>
-          </a:fillRef>
-          <a:effectRef idx="0">
-            <a:schemeClr val="dk1"/>
-          </a:effectRef>
-          <a:fontRef idx="minor">
-            <a:schemeClr val="dk1"/>
-          </a:fontRef>
-        </p:style>
-        <p:txBody>
-          <a:bodyPr rtlCol="0" anchor="ctr"/>
-          <a:lstStyle/>
-          <a:p>
-            <a:pPr algn="ctr"/>
-            <a:endParaRPr lang="pt-BR" dirty="0"/>
-          </a:p>
-        </p:txBody>
-      </p:sp>
-      <p:sp>
-        <p:nvSpPr>
-          <p:cNvPr id="24" name="Título 1">
-            <a:extLst>
-              <a:ext uri="{FF2B5EF4-FFF2-40B4-BE49-F238E27FC236}">
-                <a16:creationId xmlns:a16="http://schemas.microsoft.com/office/drawing/2014/main" id="{52C8C7F8-6A55-1DF8-3A33-F776C9F854B3}"/>
-              </a:ext>
-            </a:extLst>
-          </p:cNvPr>
-          <p:cNvSpPr txBox="1">
-            <a:spLocks/>
-          </p:cNvSpPr>
-          <p:nvPr/>
-        </p:nvSpPr>
-        <p:spPr>
-          <a:xfrm>
-            <a:off x="1363860" y="2961382"/>
-            <a:ext cx="5916168" cy="365528"/>
-          </a:xfrm>
-          <a:prstGeom prst="rect">
-            <a:avLst/>
-          </a:prstGeom>
-        </p:spPr>
-        <p:style>
-          <a:lnRef idx="2">
-            <a:schemeClr val="dk1"/>
-          </a:lnRef>
-          <a:fillRef idx="1">
-            <a:schemeClr val="lt1"/>
-          </a:fillRef>
-          <a:effectRef idx="0">
-            <a:schemeClr val="dk1"/>
-          </a:effectRef>
-          <a:fontRef idx="minor">
-            <a:schemeClr val="dk1"/>
-          </a:fontRef>
-        </p:style>
-        <p:txBody>
-          <a:bodyPr vert="horz" lIns="91440" tIns="45720" rIns="91440" bIns="45720" rtlCol="0" anchor="b">
-            <a:normAutofit lnSpcReduction="10000"/>
-          </a:bodyPr>
-          <a:lstStyle>
-            <a:lvl1pPr algn="l" defTabSz="914400" rtl="0" eaLnBrk="1" latinLnBrk="0" hangingPunct="1">
-              <a:lnSpc>
-                <a:spcPct val="90000"/>
-              </a:lnSpc>
-              <a:spcBef>
-                <a:spcPct val="0"/>
-              </a:spcBef>
-              <a:buNone/>
-              <a:defRPr sz="3600" b="1" kern="1200">
-                <a:solidFill>
-                  <a:schemeClr val="tx1"/>
-                </a:solidFill>
-                <a:latin typeface="+mj-lt"/>
-                <a:ea typeface="+mj-ea"/>
-                <a:cs typeface="+mj-cs"/>
-              </a:defRPr>
-            </a:lvl1pPr>
-          </a:lstStyle>
-          <a:p>
-            <a:r>
-              <a:rPr lang="en-US" sz="2000" b="0" dirty="0" smtClean="0"/>
-              <a:t>01</a:t>
-            </a:r>
-            <a:endParaRPr lang="en-US" sz="2000" b="0" dirty="0"/>
-          </a:p>
-        </p:txBody>
-      </p:sp>
-      <p:sp>
-        <p:nvSpPr>
-          <p:cNvPr id="25" name="Retângulo 24"/>
-          <p:cNvSpPr/>
-          <p:nvPr/>
-        </p:nvSpPr>
-        <p:spPr>
-          <a:xfrm>
-            <a:off x="3099159" y="2953638"/>
-            <a:ext cx="4803064" cy="389467"/>
-          </a:xfrm>
-          <a:prstGeom prst="rect">
-            <a:avLst/>
-          </a:prstGeom>
-        </p:spPr>
-        <p:style>
-          <a:lnRef idx="2">
-            <a:schemeClr val="dk1"/>
-          </a:lnRef>
-          <a:fillRef idx="1">
-            <a:schemeClr val="lt1"/>
-          </a:fillRef>
-          <a:effectRef idx="0">
-            <a:schemeClr val="dk1"/>
-          </a:effectRef>
-          <a:fontRef idx="minor">
-            <a:schemeClr val="dk1"/>
-          </a:fontRef>
-        </p:style>
-        <p:txBody>
-          <a:bodyPr rtlCol="0" anchor="ctr"/>
-          <a:lstStyle/>
-          <a:p>
-            <a:r>
-              <a:rPr lang="pt-BR" dirty="0" smtClean="0"/>
-              <a:t>Alimentos</a:t>
-            </a:r>
-            <a:endParaRPr lang="pt-BR" dirty="0"/>
-          </a:p>
-        </p:txBody>
-      </p:sp>
-      <p:sp>
-        <p:nvSpPr>
-          <p:cNvPr id="26" name="Retângulo 25"/>
-          <p:cNvSpPr/>
-          <p:nvPr/>
-        </p:nvSpPr>
-        <p:spPr>
-          <a:xfrm>
-            <a:off x="7902223" y="2941017"/>
-            <a:ext cx="1735298" cy="402088"/>
-          </a:xfrm>
-          <a:prstGeom prst="rect">
-            <a:avLst/>
-          </a:prstGeom>
-        </p:spPr>
-        <p:style>
-          <a:lnRef idx="2">
-            <a:schemeClr val="dk1"/>
-          </a:lnRef>
-          <a:fillRef idx="1">
-            <a:schemeClr val="lt1"/>
-          </a:fillRef>
-          <a:effectRef idx="0">
-            <a:schemeClr val="dk1"/>
-          </a:effectRef>
-          <a:fontRef idx="minor">
-            <a:schemeClr val="dk1"/>
-          </a:fontRef>
-        </p:style>
-        <p:txBody>
-          <a:bodyPr rtlCol="0" anchor="ctr"/>
-          <a:lstStyle/>
-          <a:p>
-            <a:pPr algn="ctr"/>
-            <a:endParaRPr lang="pt-BR" dirty="0"/>
-          </a:p>
-        </p:txBody>
-      </p:sp>
-      <p:sp>
-        <p:nvSpPr>
-          <p:cNvPr id="27" name="Título 1">
-            <a:extLst>
-              <a:ext uri="{FF2B5EF4-FFF2-40B4-BE49-F238E27FC236}">
-                <a16:creationId xmlns:a16="http://schemas.microsoft.com/office/drawing/2014/main" id="{52C8C7F8-6A55-1DF8-3A33-F776C9F854B3}"/>
-              </a:ext>
-            </a:extLst>
-          </p:cNvPr>
-          <p:cNvSpPr txBox="1">
-            <a:spLocks/>
-          </p:cNvSpPr>
-          <p:nvPr/>
-        </p:nvSpPr>
-        <p:spPr>
-          <a:xfrm>
-            <a:off x="1363860" y="3374388"/>
-            <a:ext cx="5916168" cy="405262"/>
-          </a:xfrm>
-          <a:prstGeom prst="rect">
-            <a:avLst/>
-          </a:prstGeom>
-        </p:spPr>
-        <p:style>
-          <a:lnRef idx="2">
-            <a:schemeClr val="dk1"/>
-          </a:lnRef>
-          <a:fillRef idx="1">
-            <a:schemeClr val="lt1"/>
-          </a:fillRef>
-          <a:effectRef idx="0">
-            <a:schemeClr val="dk1"/>
-          </a:effectRef>
-          <a:fontRef idx="minor">
-            <a:schemeClr val="dk1"/>
-          </a:fontRef>
-        </p:style>
-        <p:txBody>
-          <a:bodyPr vert="horz" lIns="91440" tIns="45720" rIns="91440" bIns="45720" rtlCol="0" anchor="b">
-            <a:normAutofit/>
-          </a:bodyPr>
-          <a:lstStyle>
-            <a:lvl1pPr algn="l" defTabSz="914400" rtl="0" eaLnBrk="1" latinLnBrk="0" hangingPunct="1">
-              <a:lnSpc>
-                <a:spcPct val="90000"/>
-              </a:lnSpc>
-              <a:spcBef>
-                <a:spcPct val="0"/>
-              </a:spcBef>
-              <a:buNone/>
-              <a:defRPr sz="3600" b="1" kern="1200">
-                <a:solidFill>
-                  <a:schemeClr val="tx1"/>
-                </a:solidFill>
-                <a:latin typeface="+mj-lt"/>
-                <a:ea typeface="+mj-ea"/>
-                <a:cs typeface="+mj-cs"/>
-              </a:defRPr>
-            </a:lvl1pPr>
-          </a:lstStyle>
-          <a:p>
-            <a:r>
-              <a:rPr lang="en-US" sz="2000" b="0" dirty="0" smtClean="0"/>
-              <a:t>02</a:t>
-            </a:r>
-            <a:endParaRPr lang="en-US" sz="2000" b="0" dirty="0"/>
-          </a:p>
-        </p:txBody>
-      </p:sp>
-      <p:sp>
-        <p:nvSpPr>
-          <p:cNvPr id="28" name="Retângulo 27"/>
-          <p:cNvSpPr/>
-          <p:nvPr/>
-        </p:nvSpPr>
-        <p:spPr>
-          <a:xfrm>
-            <a:off x="3099159" y="3366644"/>
-            <a:ext cx="4803064" cy="389467"/>
-          </a:xfrm>
-          <a:prstGeom prst="rect">
-            <a:avLst/>
-          </a:prstGeom>
-        </p:spPr>
-        <p:style>
-          <a:lnRef idx="2">
-            <a:schemeClr val="dk1"/>
-          </a:lnRef>
-          <a:fillRef idx="1">
-            <a:schemeClr val="lt1"/>
-          </a:fillRef>
-          <a:effectRef idx="0">
-            <a:schemeClr val="dk1"/>
-          </a:effectRef>
-          <a:fontRef idx="minor">
-            <a:schemeClr val="dk1"/>
-          </a:fontRef>
-        </p:style>
-        <p:txBody>
-          <a:bodyPr rtlCol="0" anchor="ctr"/>
-          <a:lstStyle/>
-          <a:p>
-            <a:r>
-              <a:rPr lang="pt-BR" dirty="0" smtClean="0"/>
-              <a:t>Alimentos</a:t>
-            </a:r>
-            <a:endParaRPr lang="pt-BR" dirty="0"/>
-          </a:p>
-        </p:txBody>
-      </p:sp>
-      <p:sp>
-        <p:nvSpPr>
-          <p:cNvPr id="29" name="Retângulo 28"/>
-          <p:cNvSpPr/>
-          <p:nvPr/>
-        </p:nvSpPr>
-        <p:spPr>
-          <a:xfrm>
-            <a:off x="7902223" y="3354023"/>
-            <a:ext cx="1735298" cy="402088"/>
-          </a:xfrm>
-          <a:prstGeom prst="rect">
-            <a:avLst/>
-          </a:prstGeom>
-        </p:spPr>
-        <p:style>
-          <a:lnRef idx="2">
-            <a:schemeClr val="dk1"/>
-          </a:lnRef>
-          <a:fillRef idx="1">
-            <a:schemeClr val="lt1"/>
-          </a:fillRef>
-          <a:effectRef idx="0">
-            <a:schemeClr val="dk1"/>
-          </a:effectRef>
-          <a:fontRef idx="minor">
-            <a:schemeClr val="dk1"/>
-          </a:fontRef>
-        </p:style>
-        <p:txBody>
-          <a:bodyPr rtlCol="0" anchor="ctr"/>
-          <a:lstStyle/>
-          <a:p>
-            <a:pPr algn="ctr"/>
-            <a:endParaRPr lang="pt-BR" dirty="0"/>
-          </a:p>
-        </p:txBody>
-      </p:sp>
     </p:spTree>
     <p:extLst>
       <p:ext uri="{BB962C8B-B14F-4D97-AF65-F5344CB8AC3E}">
-        <p14:creationId xmlns:p14="http://schemas.microsoft.com/office/powerpoint/2010/main" val="1636696538"/>
+        <p14:creationId xmlns:p14="http://schemas.microsoft.com/office/powerpoint/2010/main" val="1037557683"/>
       </p:ext>
     </p:extLst>
   </p:cSld>
@@ -12545,7 +12519,7 @@
                 <a16:creationId xmlns:a16="http://schemas.microsoft.com/office/drawing/2014/main" id="{5E8D3B17-7638-DFD3-18E4-8A6D611749CF}"/>
               </a:ext>
               <a:ext uri="{C183D7F6-B498-43B3-948B-1728B52AA6E4}">
-                <adec:decorative xmlns="" xmlns:adec="http://schemas.microsoft.com/office/drawing/2017/decorative" val="1"/>
+                <adec:decorative xmlns:adec="http://schemas.microsoft.com/office/drawing/2017/decorative" xmlns="" val="1"/>
               </a:ext>
             </a:extLst>
           </p:cNvPr>
@@ -12674,6 +12648,39 @@
               </a:rPr>
               <a:t>Categoria</a:t>
             </a:r>
+            <a:r>
+              <a:rPr lang="en-US" b="0" kern="1200" dirty="0" smtClean="0">
+                <a:solidFill>
+                  <a:schemeClr val="tx1"/>
+                </a:solidFill>
+                <a:latin typeface="+mj-lt"/>
+                <a:ea typeface="+mj-ea"/>
+                <a:cs typeface="+mj-cs"/>
+              </a:rPr>
+              <a:t> (</a:t>
+            </a:r>
+            <a:r>
+              <a:rPr lang="en-US" b="0" kern="1200" dirty="0" err="1" smtClean="0">
+                <a:solidFill>
+                  <a:schemeClr val="tx1"/>
+                </a:solidFill>
+                <a:latin typeface="+mj-lt"/>
+                <a:ea typeface="+mj-ea"/>
+                <a:cs typeface="+mj-cs"/>
+              </a:rPr>
+              <a:t>lista</a:t>
+            </a:r>
+            <a:r>
+              <a:rPr lang="en-US" b="0" kern="1200" dirty="0" smtClean="0">
+                <a:solidFill>
+                  <a:schemeClr val="tx1"/>
+                </a:solidFill>
+                <a:latin typeface="+mj-lt"/>
+                <a:ea typeface="+mj-ea"/>
+                <a:cs typeface="+mj-cs"/>
+              </a:rPr>
+              <a:t>)</a:t>
+            </a:r>
             <a:endParaRPr lang="en-US" b="0" kern="1200" dirty="0">
               <a:solidFill>
                 <a:schemeClr val="tx1"/>
@@ -12747,7 +12754,7 @@
         </p:nvSpPr>
         <p:spPr>
           <a:xfrm>
-            <a:off x="1044222" y="1224844"/>
+            <a:off x="999067" y="1224844"/>
             <a:ext cx="10193866" cy="5317067"/>
           </a:xfrm>
           <a:prstGeom prst="rect">
@@ -12823,7 +12830,7 @@
         </p:nvSpPr>
         <p:spPr>
           <a:xfrm>
-            <a:off x="10803466" y="1255888"/>
+            <a:off x="10820399" y="1319049"/>
             <a:ext cx="293511" cy="302204"/>
           </a:xfrm>
           <a:prstGeom prst="ellipse">
@@ -12867,7 +12874,7 @@
         </p:nvSpPr>
         <p:spPr>
           <a:xfrm>
-            <a:off x="2689946" y="2201558"/>
+            <a:off x="1363860" y="2550550"/>
             <a:ext cx="1735298" cy="389467"/>
           </a:xfrm>
           <a:prstGeom prst="rect">
@@ -12918,13 +12925,452 @@
         </p:nvSpPr>
         <p:spPr>
           <a:xfrm>
-            <a:off x="1557459" y="1063977"/>
-            <a:ext cx="5916168" cy="1527048"/>
+            <a:off x="1363860" y="2562520"/>
+            <a:ext cx="5916168" cy="365528"/>
           </a:xfrm>
           <a:prstGeom prst="rect">
             <a:avLst/>
           </a:prstGeom>
         </p:spPr>
+        <p:txBody>
+          <a:bodyPr vert="horz" lIns="91440" tIns="45720" rIns="91440" bIns="45720" rtlCol="0" anchor="b">
+            <a:normAutofit lnSpcReduction="10000"/>
+          </a:bodyPr>
+          <a:lstStyle>
+            <a:lvl1pPr algn="l" defTabSz="914400" rtl="0" eaLnBrk="1" latinLnBrk="0" hangingPunct="1">
+              <a:lnSpc>
+                <a:spcPct val="90000"/>
+              </a:lnSpc>
+              <a:spcBef>
+                <a:spcPct val="0"/>
+              </a:spcBef>
+              <a:buNone/>
+              <a:defRPr sz="3600" b="1" kern="1200">
+                <a:solidFill>
+                  <a:schemeClr val="tx1"/>
+                </a:solidFill>
+                <a:latin typeface="+mj-lt"/>
+                <a:ea typeface="+mj-ea"/>
+                <a:cs typeface="+mj-cs"/>
+              </a:defRPr>
+            </a:lvl1pPr>
+          </a:lstStyle>
+          <a:p>
+            <a:r>
+              <a:rPr lang="en-US" sz="2000" b="0" dirty="0" err="1" smtClean="0"/>
+              <a:t>Código</a:t>
+            </a:r>
+            <a:endParaRPr lang="en-US" sz="2000" b="0" dirty="0"/>
+          </a:p>
+        </p:txBody>
+      </p:sp>
+      <p:sp>
+        <p:nvSpPr>
+          <p:cNvPr id="17" name="Retângulo Arredondado 16"/>
+          <p:cNvSpPr/>
+          <p:nvPr/>
+        </p:nvSpPr>
+        <p:spPr>
+          <a:xfrm>
+            <a:off x="1363860" y="1911172"/>
+            <a:ext cx="1190625" cy="314325"/>
+          </a:xfrm>
+          <a:prstGeom prst="roundRect">
+            <a:avLst/>
+          </a:prstGeom>
+        </p:spPr>
+        <p:style>
+          <a:lnRef idx="2">
+            <a:schemeClr val="accent1">
+              <a:shade val="50000"/>
+            </a:schemeClr>
+          </a:lnRef>
+          <a:fillRef idx="1">
+            <a:schemeClr val="accent1"/>
+          </a:fillRef>
+          <a:effectRef idx="0">
+            <a:schemeClr val="accent1"/>
+          </a:effectRef>
+          <a:fontRef idx="minor">
+            <a:schemeClr val="lt1"/>
+          </a:fontRef>
+        </p:style>
+        <p:txBody>
+          <a:bodyPr rtlCol="0" anchor="ctr"/>
+          <a:lstStyle/>
+          <a:p>
+            <a:pPr algn="ctr"/>
+            <a:r>
+              <a:rPr lang="pt-BR" dirty="0" smtClean="0"/>
+              <a:t>Novo</a:t>
+            </a:r>
+            <a:endParaRPr lang="pt-BR" dirty="0"/>
+          </a:p>
+        </p:txBody>
+      </p:sp>
+      <p:sp>
+        <p:nvSpPr>
+          <p:cNvPr id="19" name="Retângulo Arredondado 18"/>
+          <p:cNvSpPr/>
+          <p:nvPr/>
+        </p:nvSpPr>
+        <p:spPr>
+          <a:xfrm>
+            <a:off x="5140384" y="4822916"/>
+            <a:ext cx="1190625" cy="314325"/>
+          </a:xfrm>
+          <a:prstGeom prst="roundRect">
+            <a:avLst/>
+          </a:prstGeom>
+          <a:solidFill>
+            <a:srgbClr val="00B0F0"/>
+          </a:solidFill>
+        </p:spPr>
+        <p:style>
+          <a:lnRef idx="2">
+            <a:schemeClr val="accent1">
+              <a:shade val="50000"/>
+            </a:schemeClr>
+          </a:lnRef>
+          <a:fillRef idx="1">
+            <a:schemeClr val="accent1"/>
+          </a:fillRef>
+          <a:effectRef idx="0">
+            <a:schemeClr val="accent1"/>
+          </a:effectRef>
+          <a:fontRef idx="minor">
+            <a:schemeClr val="lt1"/>
+          </a:fontRef>
+        </p:style>
+        <p:txBody>
+          <a:bodyPr rtlCol="0" anchor="ctr"/>
+          <a:lstStyle/>
+          <a:p>
+            <a:pPr algn="ctr"/>
+            <a:r>
+              <a:rPr lang="pt-BR" dirty="0" smtClean="0"/>
+              <a:t>Voltar</a:t>
+            </a:r>
+            <a:endParaRPr lang="pt-BR" dirty="0"/>
+          </a:p>
+        </p:txBody>
+      </p:sp>
+      <p:sp>
+        <p:nvSpPr>
+          <p:cNvPr id="20" name="Retângulo 19"/>
+          <p:cNvSpPr/>
+          <p:nvPr/>
+        </p:nvSpPr>
+        <p:spPr>
+          <a:xfrm>
+            <a:off x="3099159" y="2554776"/>
+            <a:ext cx="4803064" cy="389467"/>
+          </a:xfrm>
+          <a:prstGeom prst="rect">
+            <a:avLst/>
+          </a:prstGeom>
+          <a:solidFill>
+            <a:schemeClr val="bg1">
+              <a:lumMod val="85000"/>
+            </a:schemeClr>
+          </a:solidFill>
+        </p:spPr>
+        <p:style>
+          <a:lnRef idx="2">
+            <a:schemeClr val="accent6"/>
+          </a:lnRef>
+          <a:fillRef idx="1">
+            <a:schemeClr val="lt1"/>
+          </a:fillRef>
+          <a:effectRef idx="0">
+            <a:schemeClr val="accent6"/>
+          </a:effectRef>
+          <a:fontRef idx="minor">
+            <a:schemeClr val="dk1"/>
+          </a:fontRef>
+        </p:style>
+        <p:txBody>
+          <a:bodyPr rtlCol="0" anchor="ctr"/>
+          <a:lstStyle/>
+          <a:p>
+            <a:r>
+              <a:rPr lang="pt-BR" dirty="0" smtClean="0"/>
+              <a:t>Descrição</a:t>
+            </a:r>
+            <a:endParaRPr lang="pt-BR" dirty="0"/>
+          </a:p>
+        </p:txBody>
+      </p:sp>
+      <p:sp>
+        <p:nvSpPr>
+          <p:cNvPr id="22" name="Retângulo 21"/>
+          <p:cNvSpPr/>
+          <p:nvPr/>
+        </p:nvSpPr>
+        <p:spPr>
+          <a:xfrm>
+            <a:off x="7902223" y="2553295"/>
+            <a:ext cx="1735298" cy="389467"/>
+          </a:xfrm>
+          <a:prstGeom prst="rect">
+            <a:avLst/>
+          </a:prstGeom>
+          <a:solidFill>
+            <a:schemeClr val="bg1">
+              <a:lumMod val="85000"/>
+            </a:schemeClr>
+          </a:solidFill>
+        </p:spPr>
+        <p:style>
+          <a:lnRef idx="2">
+            <a:schemeClr val="accent6"/>
+          </a:lnRef>
+          <a:fillRef idx="1">
+            <a:schemeClr val="lt1"/>
+          </a:fillRef>
+          <a:effectRef idx="0">
+            <a:schemeClr val="accent6"/>
+          </a:effectRef>
+          <a:fontRef idx="minor">
+            <a:schemeClr val="dk1"/>
+          </a:fontRef>
+        </p:style>
+        <p:txBody>
+          <a:bodyPr rtlCol="0" anchor="ctr"/>
+          <a:lstStyle/>
+          <a:p>
+            <a:pPr algn="ctr"/>
+            <a:r>
+              <a:rPr lang="pt-BR" dirty="0" smtClean="0"/>
+              <a:t>Opções</a:t>
+            </a:r>
+            <a:endParaRPr lang="pt-BR" dirty="0"/>
+          </a:p>
+        </p:txBody>
+      </p:sp>
+      <p:sp>
+        <p:nvSpPr>
+          <p:cNvPr id="23" name="Retângulo 22"/>
+          <p:cNvSpPr/>
+          <p:nvPr/>
+        </p:nvSpPr>
+        <p:spPr>
+          <a:xfrm>
+            <a:off x="1363860" y="2949412"/>
+            <a:ext cx="1735298" cy="389467"/>
+          </a:xfrm>
+          <a:prstGeom prst="rect">
+            <a:avLst/>
+          </a:prstGeom>
+        </p:spPr>
+        <p:style>
+          <a:lnRef idx="2">
+            <a:schemeClr val="dk1"/>
+          </a:lnRef>
+          <a:fillRef idx="1">
+            <a:schemeClr val="lt1"/>
+          </a:fillRef>
+          <a:effectRef idx="0">
+            <a:schemeClr val="dk1"/>
+          </a:effectRef>
+          <a:fontRef idx="minor">
+            <a:schemeClr val="dk1"/>
+          </a:fontRef>
+        </p:style>
+        <p:txBody>
+          <a:bodyPr rtlCol="0" anchor="ctr"/>
+          <a:lstStyle/>
+          <a:p>
+            <a:pPr algn="ctr"/>
+            <a:endParaRPr lang="pt-BR" dirty="0"/>
+          </a:p>
+        </p:txBody>
+      </p:sp>
+      <p:sp>
+        <p:nvSpPr>
+          <p:cNvPr id="24" name="Título 1">
+            <a:extLst>
+              <a:ext uri="{FF2B5EF4-FFF2-40B4-BE49-F238E27FC236}">
+                <a16:creationId xmlns:a16="http://schemas.microsoft.com/office/drawing/2014/main" id="{52C8C7F8-6A55-1DF8-3A33-F776C9F854B3}"/>
+              </a:ext>
+            </a:extLst>
+          </p:cNvPr>
+          <p:cNvSpPr txBox="1">
+            <a:spLocks/>
+          </p:cNvSpPr>
+          <p:nvPr/>
+        </p:nvSpPr>
+        <p:spPr>
+          <a:xfrm>
+            <a:off x="1363860" y="2961382"/>
+            <a:ext cx="5916168" cy="365528"/>
+          </a:xfrm>
+          <a:prstGeom prst="rect">
+            <a:avLst/>
+          </a:prstGeom>
+        </p:spPr>
+        <p:style>
+          <a:lnRef idx="2">
+            <a:schemeClr val="dk1"/>
+          </a:lnRef>
+          <a:fillRef idx="1">
+            <a:schemeClr val="lt1"/>
+          </a:fillRef>
+          <a:effectRef idx="0">
+            <a:schemeClr val="dk1"/>
+          </a:effectRef>
+          <a:fontRef idx="minor">
+            <a:schemeClr val="dk1"/>
+          </a:fontRef>
+        </p:style>
+        <p:txBody>
+          <a:bodyPr vert="horz" lIns="91440" tIns="45720" rIns="91440" bIns="45720" rtlCol="0" anchor="b">
+            <a:normAutofit lnSpcReduction="10000"/>
+          </a:bodyPr>
+          <a:lstStyle>
+            <a:lvl1pPr algn="l" defTabSz="914400" rtl="0" eaLnBrk="1" latinLnBrk="0" hangingPunct="1">
+              <a:lnSpc>
+                <a:spcPct val="90000"/>
+              </a:lnSpc>
+              <a:spcBef>
+                <a:spcPct val="0"/>
+              </a:spcBef>
+              <a:buNone/>
+              <a:defRPr sz="3600" b="1" kern="1200">
+                <a:solidFill>
+                  <a:schemeClr val="tx1"/>
+                </a:solidFill>
+                <a:latin typeface="+mj-lt"/>
+                <a:ea typeface="+mj-ea"/>
+                <a:cs typeface="+mj-cs"/>
+              </a:defRPr>
+            </a:lvl1pPr>
+          </a:lstStyle>
+          <a:p>
+            <a:r>
+              <a:rPr lang="en-US" sz="2000" b="0" dirty="0" smtClean="0"/>
+              <a:t>01</a:t>
+            </a:r>
+            <a:endParaRPr lang="en-US" sz="2000" b="0" dirty="0"/>
+          </a:p>
+        </p:txBody>
+      </p:sp>
+      <p:sp>
+        <p:nvSpPr>
+          <p:cNvPr id="25" name="Retângulo 24"/>
+          <p:cNvSpPr/>
+          <p:nvPr/>
+        </p:nvSpPr>
+        <p:spPr>
+          <a:xfrm>
+            <a:off x="3099159" y="2953638"/>
+            <a:ext cx="4803064" cy="389467"/>
+          </a:xfrm>
+          <a:prstGeom prst="rect">
+            <a:avLst/>
+          </a:prstGeom>
+        </p:spPr>
+        <p:style>
+          <a:lnRef idx="2">
+            <a:schemeClr val="dk1"/>
+          </a:lnRef>
+          <a:fillRef idx="1">
+            <a:schemeClr val="lt1"/>
+          </a:fillRef>
+          <a:effectRef idx="0">
+            <a:schemeClr val="dk1"/>
+          </a:effectRef>
+          <a:fontRef idx="minor">
+            <a:schemeClr val="dk1"/>
+          </a:fontRef>
+        </p:style>
+        <p:txBody>
+          <a:bodyPr rtlCol="0" anchor="ctr"/>
+          <a:lstStyle/>
+          <a:p>
+            <a:r>
+              <a:rPr lang="pt-BR" dirty="0" smtClean="0"/>
+              <a:t>Alimentos</a:t>
+            </a:r>
+            <a:endParaRPr lang="pt-BR" dirty="0"/>
+          </a:p>
+        </p:txBody>
+      </p:sp>
+      <p:sp>
+        <p:nvSpPr>
+          <p:cNvPr id="26" name="Retângulo 25"/>
+          <p:cNvSpPr/>
+          <p:nvPr/>
+        </p:nvSpPr>
+        <p:spPr>
+          <a:xfrm>
+            <a:off x="7902223" y="2941017"/>
+            <a:ext cx="1735298" cy="402088"/>
+          </a:xfrm>
+          <a:prstGeom prst="rect">
+            <a:avLst/>
+          </a:prstGeom>
+        </p:spPr>
+        <p:style>
+          <a:lnRef idx="2">
+            <a:schemeClr val="dk1"/>
+          </a:lnRef>
+          <a:fillRef idx="1">
+            <a:schemeClr val="lt1"/>
+          </a:fillRef>
+          <a:effectRef idx="0">
+            <a:schemeClr val="dk1"/>
+          </a:effectRef>
+          <a:fontRef idx="minor">
+            <a:schemeClr val="dk1"/>
+          </a:fontRef>
+        </p:style>
+        <p:txBody>
+          <a:bodyPr rtlCol="0" anchor="ctr"/>
+          <a:lstStyle/>
+          <a:p>
+            <a:pPr algn="ctr"/>
+            <a:endParaRPr lang="pt-BR" dirty="0"/>
+          </a:p>
+        </p:txBody>
+      </p:sp>
+      <p:sp>
+        <p:nvSpPr>
+          <p:cNvPr id="27" name="Título 1">
+            <a:extLst>
+              <a:ext uri="{FF2B5EF4-FFF2-40B4-BE49-F238E27FC236}">
+                <a16:creationId xmlns:a16="http://schemas.microsoft.com/office/drawing/2014/main" id="{52C8C7F8-6A55-1DF8-3A33-F776C9F854B3}"/>
+              </a:ext>
+            </a:extLst>
+          </p:cNvPr>
+          <p:cNvSpPr txBox="1">
+            <a:spLocks/>
+          </p:cNvSpPr>
+          <p:nvPr/>
+        </p:nvSpPr>
+        <p:spPr>
+          <a:xfrm>
+            <a:off x="1363860" y="3374388"/>
+            <a:ext cx="5916168" cy="405262"/>
+          </a:xfrm>
+          <a:prstGeom prst="rect">
+            <a:avLst/>
+          </a:prstGeom>
+        </p:spPr>
+        <p:style>
+          <a:lnRef idx="2">
+            <a:schemeClr val="dk1"/>
+          </a:lnRef>
+          <a:fillRef idx="1">
+            <a:schemeClr val="lt1"/>
+          </a:fillRef>
+          <a:effectRef idx="0">
+            <a:schemeClr val="dk1"/>
+          </a:effectRef>
+          <a:fontRef idx="minor">
+            <a:schemeClr val="dk1"/>
+          </a:fontRef>
+        </p:style>
         <p:txBody>
           <a:bodyPr vert="horz" lIns="91440" tIns="45720" rIns="91440" bIns="45720" rtlCol="0" anchor="b">
             <a:normAutofit/>
@@ -12950,8 +13396,8 @@
           </a:lstStyle>
           <a:p>
             <a:r>
-              <a:rPr lang="en-US" sz="2000" b="0" dirty="0" err="1" smtClean="0"/>
-              <a:t>Código</a:t>
+              <a:rPr lang="en-US" sz="2000" b="0" dirty="0" smtClean="0"/>
+              <a:t>02</a:t>
             </a:r>
             <a:endParaRPr lang="en-US" sz="2000" b="0" dirty="0"/>
           </a:p>
@@ -12959,278 +13405,87 @@
       </p:sp>
       <p:sp>
         <p:nvSpPr>
-          <p:cNvPr id="13" name="Título 1">
-            <a:extLst>
-              <a:ext uri="{FF2B5EF4-FFF2-40B4-BE49-F238E27FC236}">
-                <a16:creationId xmlns:a16="http://schemas.microsoft.com/office/drawing/2014/main" id="{52C8C7F8-6A55-1DF8-3A33-F776C9F854B3}"/>
-              </a:ext>
-            </a:extLst>
-          </p:cNvPr>
-          <p:cNvSpPr txBox="1">
-            <a:spLocks/>
-          </p:cNvSpPr>
+          <p:cNvPr id="28" name="Retângulo 27"/>
+          <p:cNvSpPr/>
           <p:nvPr/>
         </p:nvSpPr>
         <p:spPr>
           <a:xfrm>
-            <a:off x="1286538" y="2580272"/>
-            <a:ext cx="5916168" cy="550334"/>
+            <a:off x="3099159" y="3366644"/>
+            <a:ext cx="4803064" cy="389467"/>
           </a:xfrm>
           <a:prstGeom prst="rect">
             <a:avLst/>
           </a:prstGeom>
         </p:spPr>
-        <p:txBody>
-          <a:bodyPr vert="horz" lIns="91440" tIns="45720" rIns="91440" bIns="45720" rtlCol="0" anchor="b">
-            <a:normAutofit/>
-          </a:bodyPr>
-          <a:lstStyle>
-            <a:lvl1pPr algn="l" defTabSz="914400" rtl="0" eaLnBrk="1" latinLnBrk="0" hangingPunct="1">
-              <a:lnSpc>
-                <a:spcPct val="90000"/>
-              </a:lnSpc>
-              <a:spcBef>
-                <a:spcPct val="0"/>
-              </a:spcBef>
-              <a:buNone/>
-              <a:defRPr sz="3600" b="1" kern="1200">
-                <a:solidFill>
-                  <a:schemeClr val="tx1"/>
-                </a:solidFill>
-                <a:latin typeface="+mj-lt"/>
-                <a:ea typeface="+mj-ea"/>
-                <a:cs typeface="+mj-cs"/>
-              </a:defRPr>
-            </a:lvl1pPr>
-          </a:lstStyle>
-          <a:p>
-            <a:r>
-              <a:rPr lang="en-US" sz="2000" b="0" dirty="0" err="1" smtClean="0"/>
-              <a:t>Descrição</a:t>
-            </a:r>
-            <a:endParaRPr lang="en-US" sz="2000" b="0" dirty="0"/>
-          </a:p>
-        </p:txBody>
-      </p:sp>
-      <p:sp>
-        <p:nvSpPr>
-          <p:cNvPr id="14" name="Retângulo 13"/>
+        <p:style>
+          <a:lnRef idx="2">
+            <a:schemeClr val="dk1"/>
+          </a:lnRef>
+          <a:fillRef idx="1">
+            <a:schemeClr val="lt1"/>
+          </a:fillRef>
+          <a:effectRef idx="0">
+            <a:schemeClr val="dk1"/>
+          </a:effectRef>
+          <a:fontRef idx="minor">
+            <a:schemeClr val="dk1"/>
+          </a:fontRef>
+        </p:style>
+        <p:txBody>
+          <a:bodyPr rtlCol="0" anchor="ctr"/>
+          <a:lstStyle/>
+          <a:p>
+            <a:r>
+              <a:rPr lang="pt-BR" dirty="0" smtClean="0"/>
+              <a:t>Alimentos</a:t>
+            </a:r>
+            <a:endParaRPr lang="pt-BR" dirty="0"/>
+          </a:p>
+        </p:txBody>
+      </p:sp>
+      <p:sp>
+        <p:nvSpPr>
+          <p:cNvPr id="29" name="Retângulo 28"/>
           <p:cNvSpPr/>
           <p:nvPr/>
         </p:nvSpPr>
         <p:spPr>
           <a:xfrm>
-            <a:off x="2689945" y="2730386"/>
-            <a:ext cx="5325165" cy="389467"/>
+            <a:off x="7902223" y="3354023"/>
+            <a:ext cx="1735298" cy="402088"/>
           </a:xfrm>
           <a:prstGeom prst="rect">
             <a:avLst/>
           </a:prstGeom>
-          <a:solidFill>
-            <a:srgbClr val="92D050"/>
-          </a:solidFill>
         </p:spPr>
         <p:style>
           <a:lnRef idx="2">
-            <a:schemeClr val="accent1">
-              <a:shade val="50000"/>
-            </a:schemeClr>
+            <a:schemeClr val="dk1"/>
           </a:lnRef>
           <a:fillRef idx="1">
-            <a:schemeClr val="accent1"/>
+            <a:schemeClr val="lt1"/>
           </a:fillRef>
           <a:effectRef idx="0">
-            <a:schemeClr val="accent1"/>
+            <a:schemeClr val="dk1"/>
           </a:effectRef>
           <a:fontRef idx="minor">
-            <a:schemeClr val="lt1"/>
+            <a:schemeClr val="dk1"/>
           </a:fontRef>
         </p:style>
         <p:txBody>
           <a:bodyPr rtlCol="0" anchor="ctr"/>
           <a:lstStyle/>
           <a:p>
-            <a:r>
-              <a:rPr lang="pt-BR" dirty="0" smtClean="0"/>
-              <a:t>Café </a:t>
-            </a:r>
-            <a:r>
-              <a:rPr lang="pt-BR" dirty="0" err="1" smtClean="0"/>
-              <a:t>Estan</a:t>
-            </a:r>
+            <a:pPr algn="ctr"/>
             <a:endParaRPr lang="pt-BR" dirty="0"/>
-          </a:p>
-        </p:txBody>
-      </p:sp>
-      <p:sp>
-        <p:nvSpPr>
-          <p:cNvPr id="17" name="Retângulo Arredondado 16"/>
-          <p:cNvSpPr/>
-          <p:nvPr/>
-        </p:nvSpPr>
-        <p:spPr>
-          <a:xfrm>
-            <a:off x="6953249" y="5048250"/>
-            <a:ext cx="1190625" cy="314325"/>
-          </a:xfrm>
-          <a:prstGeom prst="roundRect">
-            <a:avLst/>
-          </a:prstGeom>
-        </p:spPr>
-        <p:style>
-          <a:lnRef idx="2">
-            <a:schemeClr val="accent1">
-              <a:shade val="50000"/>
-            </a:schemeClr>
-          </a:lnRef>
-          <a:fillRef idx="1">
-            <a:schemeClr val="accent1"/>
-          </a:fillRef>
-          <a:effectRef idx="0">
-            <a:schemeClr val="accent1"/>
-          </a:effectRef>
-          <a:fontRef idx="minor">
-            <a:schemeClr val="lt1"/>
-          </a:fontRef>
-        </p:style>
-        <p:txBody>
-          <a:bodyPr rtlCol="0" anchor="ctr"/>
-          <a:lstStyle/>
-          <a:p>
-            <a:pPr algn="ctr"/>
-            <a:r>
-              <a:rPr lang="pt-BR" dirty="0" smtClean="0"/>
-              <a:t>Salvar</a:t>
-            </a:r>
-            <a:endParaRPr lang="pt-BR" dirty="0"/>
-          </a:p>
-        </p:txBody>
-      </p:sp>
-      <p:sp>
-        <p:nvSpPr>
-          <p:cNvPr id="18" name="Retângulo Arredondado 17"/>
-          <p:cNvSpPr/>
-          <p:nvPr/>
-        </p:nvSpPr>
-        <p:spPr>
-          <a:xfrm>
-            <a:off x="5735696" y="5048249"/>
-            <a:ext cx="1190625" cy="314325"/>
-          </a:xfrm>
-          <a:prstGeom prst="roundRect">
-            <a:avLst/>
-          </a:prstGeom>
-        </p:spPr>
-        <p:style>
-          <a:lnRef idx="2">
-            <a:schemeClr val="accent3">
-              <a:shade val="50000"/>
-            </a:schemeClr>
-          </a:lnRef>
-          <a:fillRef idx="1">
-            <a:schemeClr val="accent3"/>
-          </a:fillRef>
-          <a:effectRef idx="0">
-            <a:schemeClr val="accent3"/>
-          </a:effectRef>
-          <a:fontRef idx="minor">
-            <a:schemeClr val="lt1"/>
-          </a:fontRef>
-        </p:style>
-        <p:txBody>
-          <a:bodyPr rtlCol="0" anchor="ctr"/>
-          <a:lstStyle/>
-          <a:p>
-            <a:pPr algn="ctr"/>
-            <a:r>
-              <a:rPr lang="pt-BR" dirty="0" smtClean="0"/>
-              <a:t>Cancelar</a:t>
-            </a:r>
-            <a:endParaRPr lang="pt-BR" dirty="0"/>
-          </a:p>
-        </p:txBody>
-      </p:sp>
-      <p:sp>
-        <p:nvSpPr>
-          <p:cNvPr id="19" name="Retângulo Arredondado 18"/>
-          <p:cNvSpPr/>
-          <p:nvPr/>
-        </p:nvSpPr>
-        <p:spPr>
-          <a:xfrm>
-            <a:off x="4425244" y="5048248"/>
-            <a:ext cx="1190625" cy="314325"/>
-          </a:xfrm>
-          <a:prstGeom prst="roundRect">
-            <a:avLst/>
-          </a:prstGeom>
-          <a:solidFill>
-            <a:srgbClr val="00B0F0"/>
-          </a:solidFill>
-        </p:spPr>
-        <p:style>
-          <a:lnRef idx="2">
-            <a:schemeClr val="accent1">
-              <a:shade val="50000"/>
-            </a:schemeClr>
-          </a:lnRef>
-          <a:fillRef idx="1">
-            <a:schemeClr val="accent1"/>
-          </a:fillRef>
-          <a:effectRef idx="0">
-            <a:schemeClr val="accent1"/>
-          </a:effectRef>
-          <a:fontRef idx="minor">
-            <a:schemeClr val="lt1"/>
-          </a:fontRef>
-        </p:style>
-        <p:txBody>
-          <a:bodyPr rtlCol="0" anchor="ctr"/>
-          <a:lstStyle/>
-          <a:p>
-            <a:pPr algn="ctr"/>
-            <a:r>
-              <a:rPr lang="pt-BR" dirty="0" smtClean="0"/>
-              <a:t>Voltar</a:t>
-            </a:r>
-            <a:endParaRPr lang="pt-BR" dirty="0"/>
-          </a:p>
-        </p:txBody>
-      </p:sp>
-      <p:sp>
-        <p:nvSpPr>
-          <p:cNvPr id="21" name="CaixaDeTexto 20"/>
-          <p:cNvSpPr txBox="1"/>
-          <p:nvPr/>
-        </p:nvSpPr>
-        <p:spPr>
-          <a:xfrm>
-            <a:off x="9415640" y="3205335"/>
-            <a:ext cx="1781175" cy="1169551"/>
-          </a:xfrm>
-          <a:prstGeom prst="rect">
-            <a:avLst/>
-          </a:prstGeom>
-          <a:noFill/>
-        </p:spPr>
-        <p:txBody>
-          <a:bodyPr wrap="square" rtlCol="0">
-            <a:spAutoFit/>
-          </a:bodyPr>
-          <a:lstStyle/>
-          <a:p>
-            <a:r>
-              <a:rPr lang="pt-BR" sz="1400" dirty="0" smtClean="0"/>
-              <a:t>Quando em modo edição e o cursor estiver no campo o fundo deve ficar verde.</a:t>
-            </a:r>
-            <a:endParaRPr lang="pt-BR" sz="1400" dirty="0"/>
           </a:p>
         </p:txBody>
       </p:sp>
     </p:spTree>
     <p:extLst>
       <p:ext uri="{BB962C8B-B14F-4D97-AF65-F5344CB8AC3E}">
-        <p14:creationId xmlns:p14="http://schemas.microsoft.com/office/powerpoint/2010/main" val="2054591216"/>
+        <p14:creationId xmlns:p14="http://schemas.microsoft.com/office/powerpoint/2010/main" val="1636696538"/>
       </p:ext>
     </p:extLst>
   </p:cSld>
@@ -13276,7 +13531,7 @@
                 <a16:creationId xmlns:a16="http://schemas.microsoft.com/office/drawing/2014/main" id="{5E8D3B17-7638-DFD3-18E4-8A6D611749CF}"/>
               </a:ext>
               <a:ext uri="{C183D7F6-B498-43B3-948B-1728B52AA6E4}">
-                <adec:decorative xmlns="" xmlns:adec="http://schemas.microsoft.com/office/drawing/2017/decorative" val="1"/>
+                <adec:decorative xmlns:adec="http://schemas.microsoft.com/office/drawing/2017/decorative" xmlns="" val="1"/>
               </a:ext>
             </a:extLst>
           </p:cNvPr>
@@ -13485,7 +13740,7 @@
             <p:ph sz="half" idx="2"/>
             <p:extLst>
               <p:ext uri="{E7BDC344-281C-4309-B0C6-D0EE65EED2A8}">
-                <p202:designPr xmlns="" xmlns:p202="http://schemas.microsoft.com/office/powerpoint/2020/02/main">
+                <p202:designPr xmlns:p202="http://schemas.microsoft.com/office/powerpoint/2020/02/main" xmlns="">
                   <p202:designTagLst>
                     <p202:designTag name="ARCH:1:CLS" val="InformationBlock"/>
                     <p202:designTag name="ARCH:1:VSVAR" val="TitledTextBox"/>
@@ -13737,7 +13992,7 @@
                 <a16:creationId xmlns:a16="http://schemas.microsoft.com/office/drawing/2014/main" id="{5E8D3B17-7638-DFD3-18E4-8A6D611749CF}"/>
               </a:ext>
               <a:ext uri="{C183D7F6-B498-43B3-948B-1728B52AA6E4}">
-                <adec:decorative xmlns="" xmlns:adec="http://schemas.microsoft.com/office/drawing/2017/decorative" val="1"/>
+                <adec:decorative xmlns:adec="http://schemas.microsoft.com/office/drawing/2017/decorative" xmlns="" val="1"/>
               </a:ext>
             </a:extLst>
           </p:cNvPr>
@@ -13864,7 +14119,7 @@
                 <a:ea typeface="+mj-ea"/>
                 <a:cs typeface="+mj-cs"/>
               </a:rPr>
-              <a:t>Produto</a:t>
+              <a:t>Categoria</a:t>
             </a:r>
             <a:endParaRPr lang="en-US" b="0" kern="1200" dirty="0">
               <a:solidFill>
@@ -14256,142 +14511,6 @@
       </p:sp>
       <p:sp>
         <p:nvSpPr>
-          <p:cNvPr id="15" name="Título 1">
-            <a:extLst>
-              <a:ext uri="{FF2B5EF4-FFF2-40B4-BE49-F238E27FC236}">
-                <a16:creationId xmlns:a16="http://schemas.microsoft.com/office/drawing/2014/main" id="{52C8C7F8-6A55-1DF8-3A33-F776C9F854B3}"/>
-              </a:ext>
-            </a:extLst>
-          </p:cNvPr>
-          <p:cNvSpPr txBox="1">
-            <a:spLocks/>
-          </p:cNvSpPr>
-          <p:nvPr/>
-        </p:nvSpPr>
-        <p:spPr>
-          <a:xfrm>
-            <a:off x="1467160" y="3119853"/>
-            <a:ext cx="5916168" cy="550334"/>
-          </a:xfrm>
-          <a:prstGeom prst="rect">
-            <a:avLst/>
-          </a:prstGeom>
-        </p:spPr>
-        <p:txBody>
-          <a:bodyPr vert="horz" lIns="91440" tIns="45720" rIns="91440" bIns="45720" rtlCol="0" anchor="b">
-            <a:normAutofit/>
-          </a:bodyPr>
-          <a:lstStyle>
-            <a:lvl1pPr algn="l" defTabSz="914400" rtl="0" eaLnBrk="1" latinLnBrk="0" hangingPunct="1">
-              <a:lnSpc>
-                <a:spcPct val="90000"/>
-              </a:lnSpc>
-              <a:spcBef>
-                <a:spcPct val="0"/>
-              </a:spcBef>
-              <a:buNone/>
-              <a:defRPr sz="3600" b="1" kern="1200">
-                <a:solidFill>
-                  <a:schemeClr val="tx1"/>
-                </a:solidFill>
-                <a:latin typeface="+mj-lt"/>
-                <a:ea typeface="+mj-ea"/>
-                <a:cs typeface="+mj-cs"/>
-              </a:defRPr>
-            </a:lvl1pPr>
-          </a:lstStyle>
-          <a:p>
-            <a:r>
-              <a:rPr lang="en-US" sz="2000" b="0" dirty="0" err="1" smtClean="0"/>
-              <a:t>Unidade</a:t>
-            </a:r>
-            <a:endParaRPr lang="en-US" sz="2000" b="0" dirty="0"/>
-          </a:p>
-        </p:txBody>
-      </p:sp>
-      <p:sp>
-        <p:nvSpPr>
-          <p:cNvPr id="16" name="Retângulo 15"/>
-          <p:cNvSpPr/>
-          <p:nvPr/>
-        </p:nvSpPr>
-        <p:spPr>
-          <a:xfrm>
-            <a:off x="2689946" y="3265308"/>
-            <a:ext cx="1735298" cy="389467"/>
-          </a:xfrm>
-          <a:prstGeom prst="rect">
-            <a:avLst/>
-          </a:prstGeom>
-          <a:solidFill>
-            <a:schemeClr val="bg1"/>
-          </a:solidFill>
-        </p:spPr>
-        <p:style>
-          <a:lnRef idx="2">
-            <a:schemeClr val="accent6"/>
-          </a:lnRef>
-          <a:fillRef idx="1">
-            <a:schemeClr val="lt1"/>
-          </a:fillRef>
-          <a:effectRef idx="0">
-            <a:schemeClr val="accent6"/>
-          </a:effectRef>
-          <a:fontRef idx="minor">
-            <a:schemeClr val="dk1"/>
-          </a:fontRef>
-        </p:style>
-        <p:txBody>
-          <a:bodyPr rtlCol="0" anchor="ctr"/>
-          <a:lstStyle/>
-          <a:p>
-            <a:pPr algn="ctr"/>
-            <a:endParaRPr lang="pt-BR" dirty="0"/>
-          </a:p>
-        </p:txBody>
-      </p:sp>
-      <p:sp>
-        <p:nvSpPr>
-          <p:cNvPr id="9" name="Triângulo isósceles 8"/>
-          <p:cNvSpPr/>
-          <p:nvPr/>
-        </p:nvSpPr>
-        <p:spPr>
-          <a:xfrm rot="10800000">
-            <a:off x="4188178" y="3318281"/>
-            <a:ext cx="237066" cy="283520"/>
-          </a:xfrm>
-          <a:prstGeom prst="triangle">
-            <a:avLst/>
-          </a:prstGeom>
-        </p:spPr>
-        <p:style>
-          <a:lnRef idx="2">
-            <a:schemeClr val="dk1">
-              <a:shade val="50000"/>
-            </a:schemeClr>
-          </a:lnRef>
-          <a:fillRef idx="1">
-            <a:schemeClr val="dk1"/>
-          </a:fillRef>
-          <a:effectRef idx="0">
-            <a:schemeClr val="dk1"/>
-          </a:effectRef>
-          <a:fontRef idx="minor">
-            <a:schemeClr val="lt1"/>
-          </a:fontRef>
-        </p:style>
-        <p:txBody>
-          <a:bodyPr rtlCol="0" anchor="ctr"/>
-          <a:lstStyle/>
-          <a:p>
-            <a:pPr algn="ctr"/>
-            <a:endParaRPr lang="pt-BR"/>
-          </a:p>
-        </p:txBody>
-      </p:sp>
-      <p:sp>
-        <p:nvSpPr>
           <p:cNvPr id="17" name="Retângulo Arredondado 16"/>
           <p:cNvSpPr/>
           <p:nvPr/>
@@ -14558,7 +14677,7 @@
     </p:spTree>
     <p:extLst>
       <p:ext uri="{BB962C8B-B14F-4D97-AF65-F5344CB8AC3E}">
-        <p14:creationId xmlns:p14="http://schemas.microsoft.com/office/powerpoint/2010/main" val="1358796605"/>
+        <p14:creationId xmlns:p14="http://schemas.microsoft.com/office/powerpoint/2010/main" val="2054591216"/>
       </p:ext>
     </p:extLst>
   </p:cSld>
@@ -14604,7 +14723,7 @@
                 <a16:creationId xmlns:a16="http://schemas.microsoft.com/office/drawing/2014/main" id="{5E8D3B17-7638-DFD3-18E4-8A6D611749CF}"/>
               </a:ext>
               <a:ext uri="{C183D7F6-B498-43B3-948B-1728B52AA6E4}">
-                <adec:decorative xmlns="" xmlns:adec="http://schemas.microsoft.com/office/drawing/2017/decorative" val="1"/>
+                <adec:decorative xmlns:adec="http://schemas.microsoft.com/office/drawing/2017/decorative" xmlns="" val="1"/>
               </a:ext>
             </a:extLst>
           </p:cNvPr>
@@ -14677,6 +14796,873 @@
           <p:cNvPr id="2" name="Título 1">
             <a:extLst>
               <a:ext uri="{FF2B5EF4-FFF2-40B4-BE49-F238E27FC236}">
+                <a16:creationId xmlns:a16="http://schemas.microsoft.com/office/drawing/2014/main" id="{52C8C7F8-6A55-1DF8-3A33-F776C9F854B3}"/>
+              </a:ext>
+            </a:extLst>
+          </p:cNvPr>
+          <p:cNvSpPr>
+            <a:spLocks noGrp="1"/>
+          </p:cNvSpPr>
+          <p:nvPr>
+            <p:ph type="title"/>
+          </p:nvPr>
+        </p:nvSpPr>
+        <p:spPr>
+          <a:xfrm>
+            <a:off x="2917771" y="-695454"/>
+            <a:ext cx="5916168" cy="1527048"/>
+          </a:xfrm>
+        </p:spPr>
+        <p:txBody>
+          <a:bodyPr vert="horz" lIns="91440" tIns="45720" rIns="91440" bIns="45720" rtlCol="0" anchor="b">
+            <a:normAutofit/>
+          </a:bodyPr>
+          <a:lstStyle/>
+          <a:p>
+            <a:r>
+              <a:rPr lang="en-US" b="0" kern="1200" dirty="0" err="1" smtClean="0">
+                <a:solidFill>
+                  <a:schemeClr val="tx1"/>
+                </a:solidFill>
+                <a:latin typeface="+mj-lt"/>
+                <a:ea typeface="+mj-ea"/>
+                <a:cs typeface="+mj-cs"/>
+              </a:rPr>
+              <a:t>Tela</a:t>
+            </a:r>
+            <a:r>
+              <a:rPr lang="en-US" b="0" kern="1200" dirty="0" smtClean="0">
+                <a:solidFill>
+                  <a:schemeClr val="tx1"/>
+                </a:solidFill>
+                <a:latin typeface="+mj-lt"/>
+                <a:ea typeface="+mj-ea"/>
+                <a:cs typeface="+mj-cs"/>
+              </a:rPr>
+              <a:t> </a:t>
+            </a:r>
+            <a:r>
+              <a:rPr lang="en-US" b="0" kern="1200" dirty="0" err="1" smtClean="0">
+                <a:solidFill>
+                  <a:schemeClr val="tx1"/>
+                </a:solidFill>
+                <a:latin typeface="+mj-lt"/>
+                <a:ea typeface="+mj-ea"/>
+                <a:cs typeface="+mj-cs"/>
+              </a:rPr>
+              <a:t>Produto</a:t>
+            </a:r>
+            <a:endParaRPr lang="en-US" b="0" kern="1200" dirty="0">
+              <a:solidFill>
+                <a:schemeClr val="tx1"/>
+              </a:solidFill>
+              <a:latin typeface="+mj-lt"/>
+              <a:ea typeface="+mj-ea"/>
+              <a:cs typeface="+mj-cs"/>
+            </a:endParaRPr>
+          </a:p>
+        </p:txBody>
+      </p:sp>
+      <p:sp>
+        <p:nvSpPr>
+          <p:cNvPr id="7" name="Título 1">
+            <a:extLst>
+              <a:ext uri="{FF2B5EF4-FFF2-40B4-BE49-F238E27FC236}">
+                <a16:creationId xmlns:a16="http://schemas.microsoft.com/office/drawing/2014/main" id="{F08859EF-E25E-52C0-C024-DE22738F8749}"/>
+              </a:ext>
+            </a:extLst>
+          </p:cNvPr>
+          <p:cNvSpPr txBox="1">
+            <a:spLocks/>
+          </p:cNvSpPr>
+          <p:nvPr/>
+        </p:nvSpPr>
+        <p:spPr>
+          <a:xfrm>
+            <a:off x="414841" y="-695454"/>
+            <a:ext cx="5916168" cy="1527048"/>
+          </a:xfrm>
+          <a:prstGeom prst="rect">
+            <a:avLst/>
+          </a:prstGeom>
+        </p:spPr>
+        <p:txBody>
+          <a:bodyPr vert="horz" lIns="91440" tIns="45720" rIns="91440" bIns="45720" rtlCol="0" anchor="b">
+            <a:normAutofit/>
+          </a:bodyPr>
+          <a:lstStyle>
+            <a:lvl1pPr algn="l" defTabSz="914400" rtl="0" eaLnBrk="1" latinLnBrk="0" hangingPunct="1">
+              <a:lnSpc>
+                <a:spcPct val="90000"/>
+              </a:lnSpc>
+              <a:spcBef>
+                <a:spcPct val="0"/>
+              </a:spcBef>
+              <a:buNone/>
+              <a:defRPr sz="3600" b="1" kern="1200">
+                <a:solidFill>
+                  <a:schemeClr val="tx1"/>
+                </a:solidFill>
+                <a:latin typeface="+mj-lt"/>
+                <a:ea typeface="+mj-ea"/>
+                <a:cs typeface="+mj-cs"/>
+              </a:defRPr>
+            </a:lvl1pPr>
+          </a:lstStyle>
+          <a:p>
+            <a:r>
+              <a:rPr lang="en-US" dirty="0"/>
+              <a:t>Wireframe</a:t>
+            </a:r>
+          </a:p>
+        </p:txBody>
+      </p:sp>
+      <p:sp>
+        <p:nvSpPr>
+          <p:cNvPr id="4" name="Retângulo 3"/>
+          <p:cNvSpPr/>
+          <p:nvPr/>
+        </p:nvSpPr>
+        <p:spPr>
+          <a:xfrm>
+            <a:off x="1044222" y="1224844"/>
+            <a:ext cx="10193866" cy="5317067"/>
+          </a:xfrm>
+          <a:prstGeom prst="rect">
+            <a:avLst/>
+          </a:prstGeom>
+        </p:spPr>
+        <p:style>
+          <a:lnRef idx="2">
+            <a:schemeClr val="accent1"/>
+          </a:lnRef>
+          <a:fillRef idx="1">
+            <a:schemeClr val="lt1"/>
+          </a:fillRef>
+          <a:effectRef idx="0">
+            <a:schemeClr val="accent1"/>
+          </a:effectRef>
+          <a:fontRef idx="minor">
+            <a:schemeClr val="dk1"/>
+          </a:fontRef>
+        </p:style>
+        <p:txBody>
+          <a:bodyPr rtlCol="0" anchor="ctr"/>
+          <a:lstStyle/>
+          <a:p>
+            <a:pPr algn="ctr"/>
+            <a:endParaRPr lang="pt-BR" dirty="0"/>
+          </a:p>
+        </p:txBody>
+      </p:sp>
+      <p:sp>
+        <p:nvSpPr>
+          <p:cNvPr id="8" name="Retângulo 7"/>
+          <p:cNvSpPr/>
+          <p:nvPr/>
+        </p:nvSpPr>
+        <p:spPr>
+          <a:xfrm>
+            <a:off x="1044222" y="1224844"/>
+            <a:ext cx="10193866" cy="389467"/>
+          </a:xfrm>
+          <a:prstGeom prst="rect">
+            <a:avLst/>
+          </a:prstGeom>
+        </p:spPr>
+        <p:style>
+          <a:lnRef idx="2">
+            <a:schemeClr val="accent6"/>
+          </a:lnRef>
+          <a:fillRef idx="1">
+            <a:schemeClr val="lt1"/>
+          </a:fillRef>
+          <a:effectRef idx="0">
+            <a:schemeClr val="accent6"/>
+          </a:effectRef>
+          <a:fontRef idx="minor">
+            <a:schemeClr val="dk1"/>
+          </a:fontRef>
+        </p:style>
+        <p:txBody>
+          <a:bodyPr rtlCol="0" anchor="ctr"/>
+          <a:lstStyle/>
+          <a:p>
+            <a:pPr algn="ctr"/>
+            <a:endParaRPr lang="pt-BR" dirty="0"/>
+          </a:p>
+        </p:txBody>
+      </p:sp>
+      <p:sp>
+        <p:nvSpPr>
+          <p:cNvPr id="6" name="Elipse 5"/>
+          <p:cNvSpPr/>
+          <p:nvPr/>
+        </p:nvSpPr>
+        <p:spPr>
+          <a:xfrm>
+            <a:off x="10803466" y="1255888"/>
+            <a:ext cx="293511" cy="302204"/>
+          </a:xfrm>
+          <a:prstGeom prst="ellipse">
+            <a:avLst/>
+          </a:prstGeom>
+        </p:spPr>
+        <p:style>
+          <a:lnRef idx="2">
+            <a:schemeClr val="accent3">
+              <a:shade val="50000"/>
+            </a:schemeClr>
+          </a:lnRef>
+          <a:fillRef idx="1">
+            <a:schemeClr val="accent3"/>
+          </a:fillRef>
+          <a:effectRef idx="0">
+            <a:schemeClr val="accent3"/>
+          </a:effectRef>
+          <a:fontRef idx="minor">
+            <a:schemeClr val="lt1"/>
+          </a:fontRef>
+        </p:style>
+        <p:txBody>
+          <a:bodyPr rtlCol="0" anchor="ctr"/>
+          <a:lstStyle/>
+          <a:p>
+            <a:pPr algn="ctr"/>
+            <a:r>
+              <a:rPr lang="pt-BR" dirty="0" smtClean="0"/>
+              <a:t>x</a:t>
+            </a:r>
+            <a:endParaRPr lang="pt-BR" dirty="0"/>
+          </a:p>
+        </p:txBody>
+      </p:sp>
+      <p:sp>
+        <p:nvSpPr>
+          <p:cNvPr id="11" name="Retângulo 10"/>
+          <p:cNvSpPr/>
+          <p:nvPr/>
+        </p:nvSpPr>
+        <p:spPr>
+          <a:xfrm>
+            <a:off x="2689946" y="2201558"/>
+            <a:ext cx="1735298" cy="389467"/>
+          </a:xfrm>
+          <a:prstGeom prst="rect">
+            <a:avLst/>
+          </a:prstGeom>
+          <a:solidFill>
+            <a:schemeClr val="bg1">
+              <a:lumMod val="85000"/>
+            </a:schemeClr>
+          </a:solidFill>
+        </p:spPr>
+        <p:style>
+          <a:lnRef idx="2">
+            <a:schemeClr val="accent6"/>
+          </a:lnRef>
+          <a:fillRef idx="1">
+            <a:schemeClr val="lt1"/>
+          </a:fillRef>
+          <a:effectRef idx="0">
+            <a:schemeClr val="accent6"/>
+          </a:effectRef>
+          <a:fontRef idx="minor">
+            <a:schemeClr val="dk1"/>
+          </a:fontRef>
+        </p:style>
+        <p:txBody>
+          <a:bodyPr rtlCol="0" anchor="ctr"/>
+          <a:lstStyle/>
+          <a:p>
+            <a:pPr algn="ctr"/>
+            <a:endParaRPr lang="pt-BR" dirty="0"/>
+          </a:p>
+        </p:txBody>
+      </p:sp>
+      <p:sp>
+        <p:nvSpPr>
+          <p:cNvPr id="12" name="Título 1">
+            <a:extLst>
+              <a:ext uri="{FF2B5EF4-FFF2-40B4-BE49-F238E27FC236}">
+                <a16:creationId xmlns:a16="http://schemas.microsoft.com/office/drawing/2014/main" id="{52C8C7F8-6A55-1DF8-3A33-F776C9F854B3}"/>
+              </a:ext>
+            </a:extLst>
+          </p:cNvPr>
+          <p:cNvSpPr txBox="1">
+            <a:spLocks/>
+          </p:cNvSpPr>
+          <p:nvPr/>
+        </p:nvSpPr>
+        <p:spPr>
+          <a:xfrm>
+            <a:off x="1557459" y="1063977"/>
+            <a:ext cx="5916168" cy="1527048"/>
+          </a:xfrm>
+          <a:prstGeom prst="rect">
+            <a:avLst/>
+          </a:prstGeom>
+        </p:spPr>
+        <p:txBody>
+          <a:bodyPr vert="horz" lIns="91440" tIns="45720" rIns="91440" bIns="45720" rtlCol="0" anchor="b">
+            <a:normAutofit/>
+          </a:bodyPr>
+          <a:lstStyle>
+            <a:lvl1pPr algn="l" defTabSz="914400" rtl="0" eaLnBrk="1" latinLnBrk="0" hangingPunct="1">
+              <a:lnSpc>
+                <a:spcPct val="90000"/>
+              </a:lnSpc>
+              <a:spcBef>
+                <a:spcPct val="0"/>
+              </a:spcBef>
+              <a:buNone/>
+              <a:defRPr sz="3600" b="1" kern="1200">
+                <a:solidFill>
+                  <a:schemeClr val="tx1"/>
+                </a:solidFill>
+                <a:latin typeface="+mj-lt"/>
+                <a:ea typeface="+mj-ea"/>
+                <a:cs typeface="+mj-cs"/>
+              </a:defRPr>
+            </a:lvl1pPr>
+          </a:lstStyle>
+          <a:p>
+            <a:r>
+              <a:rPr lang="en-US" sz="2000" b="0" dirty="0" err="1" smtClean="0"/>
+              <a:t>Código</a:t>
+            </a:r>
+            <a:endParaRPr lang="en-US" sz="2000" b="0" dirty="0"/>
+          </a:p>
+        </p:txBody>
+      </p:sp>
+      <p:sp>
+        <p:nvSpPr>
+          <p:cNvPr id="13" name="Título 1">
+            <a:extLst>
+              <a:ext uri="{FF2B5EF4-FFF2-40B4-BE49-F238E27FC236}">
+                <a16:creationId xmlns:a16="http://schemas.microsoft.com/office/drawing/2014/main" id="{52C8C7F8-6A55-1DF8-3A33-F776C9F854B3}"/>
+              </a:ext>
+            </a:extLst>
+          </p:cNvPr>
+          <p:cNvSpPr txBox="1">
+            <a:spLocks/>
+          </p:cNvSpPr>
+          <p:nvPr/>
+        </p:nvSpPr>
+        <p:spPr>
+          <a:xfrm>
+            <a:off x="1286538" y="2580272"/>
+            <a:ext cx="5916168" cy="550334"/>
+          </a:xfrm>
+          <a:prstGeom prst="rect">
+            <a:avLst/>
+          </a:prstGeom>
+        </p:spPr>
+        <p:txBody>
+          <a:bodyPr vert="horz" lIns="91440" tIns="45720" rIns="91440" bIns="45720" rtlCol="0" anchor="b">
+            <a:normAutofit/>
+          </a:bodyPr>
+          <a:lstStyle>
+            <a:lvl1pPr algn="l" defTabSz="914400" rtl="0" eaLnBrk="1" latinLnBrk="0" hangingPunct="1">
+              <a:lnSpc>
+                <a:spcPct val="90000"/>
+              </a:lnSpc>
+              <a:spcBef>
+                <a:spcPct val="0"/>
+              </a:spcBef>
+              <a:buNone/>
+              <a:defRPr sz="3600" b="1" kern="1200">
+                <a:solidFill>
+                  <a:schemeClr val="tx1"/>
+                </a:solidFill>
+                <a:latin typeface="+mj-lt"/>
+                <a:ea typeface="+mj-ea"/>
+                <a:cs typeface="+mj-cs"/>
+              </a:defRPr>
+            </a:lvl1pPr>
+          </a:lstStyle>
+          <a:p>
+            <a:r>
+              <a:rPr lang="en-US" sz="2000" b="0" dirty="0" err="1" smtClean="0"/>
+              <a:t>Descrição</a:t>
+            </a:r>
+            <a:endParaRPr lang="en-US" sz="2000" b="0" dirty="0"/>
+          </a:p>
+        </p:txBody>
+      </p:sp>
+      <p:sp>
+        <p:nvSpPr>
+          <p:cNvPr id="14" name="Retângulo 13"/>
+          <p:cNvSpPr/>
+          <p:nvPr/>
+        </p:nvSpPr>
+        <p:spPr>
+          <a:xfrm>
+            <a:off x="2689945" y="2730386"/>
+            <a:ext cx="5325165" cy="389467"/>
+          </a:xfrm>
+          <a:prstGeom prst="rect">
+            <a:avLst/>
+          </a:prstGeom>
+          <a:solidFill>
+            <a:srgbClr val="92D050"/>
+          </a:solidFill>
+        </p:spPr>
+        <p:style>
+          <a:lnRef idx="2">
+            <a:schemeClr val="accent1">
+              <a:shade val="50000"/>
+            </a:schemeClr>
+          </a:lnRef>
+          <a:fillRef idx="1">
+            <a:schemeClr val="accent1"/>
+          </a:fillRef>
+          <a:effectRef idx="0">
+            <a:schemeClr val="accent1"/>
+          </a:effectRef>
+          <a:fontRef idx="minor">
+            <a:schemeClr val="lt1"/>
+          </a:fontRef>
+        </p:style>
+        <p:txBody>
+          <a:bodyPr rtlCol="0" anchor="ctr"/>
+          <a:lstStyle/>
+          <a:p>
+            <a:r>
+              <a:rPr lang="pt-BR" dirty="0" smtClean="0"/>
+              <a:t>Café </a:t>
+            </a:r>
+            <a:r>
+              <a:rPr lang="pt-BR" dirty="0" err="1" smtClean="0"/>
+              <a:t>Estan</a:t>
+            </a:r>
+            <a:endParaRPr lang="pt-BR" dirty="0"/>
+          </a:p>
+        </p:txBody>
+      </p:sp>
+      <p:sp>
+        <p:nvSpPr>
+          <p:cNvPr id="15" name="Título 1">
+            <a:extLst>
+              <a:ext uri="{FF2B5EF4-FFF2-40B4-BE49-F238E27FC236}">
+                <a16:creationId xmlns:a16="http://schemas.microsoft.com/office/drawing/2014/main" id="{52C8C7F8-6A55-1DF8-3A33-F776C9F854B3}"/>
+              </a:ext>
+            </a:extLst>
+          </p:cNvPr>
+          <p:cNvSpPr txBox="1">
+            <a:spLocks/>
+          </p:cNvSpPr>
+          <p:nvPr/>
+        </p:nvSpPr>
+        <p:spPr>
+          <a:xfrm>
+            <a:off x="1467160" y="3119853"/>
+            <a:ext cx="5916168" cy="550334"/>
+          </a:xfrm>
+          <a:prstGeom prst="rect">
+            <a:avLst/>
+          </a:prstGeom>
+        </p:spPr>
+        <p:txBody>
+          <a:bodyPr vert="horz" lIns="91440" tIns="45720" rIns="91440" bIns="45720" rtlCol="0" anchor="b">
+            <a:normAutofit/>
+          </a:bodyPr>
+          <a:lstStyle>
+            <a:lvl1pPr algn="l" defTabSz="914400" rtl="0" eaLnBrk="1" latinLnBrk="0" hangingPunct="1">
+              <a:lnSpc>
+                <a:spcPct val="90000"/>
+              </a:lnSpc>
+              <a:spcBef>
+                <a:spcPct val="0"/>
+              </a:spcBef>
+              <a:buNone/>
+              <a:defRPr sz="3600" b="1" kern="1200">
+                <a:solidFill>
+                  <a:schemeClr val="tx1"/>
+                </a:solidFill>
+                <a:latin typeface="+mj-lt"/>
+                <a:ea typeface="+mj-ea"/>
+                <a:cs typeface="+mj-cs"/>
+              </a:defRPr>
+            </a:lvl1pPr>
+          </a:lstStyle>
+          <a:p>
+            <a:r>
+              <a:rPr lang="en-US" sz="2000" b="0" dirty="0" err="1" smtClean="0"/>
+              <a:t>Unidade</a:t>
+            </a:r>
+            <a:endParaRPr lang="en-US" sz="2000" b="0" dirty="0"/>
+          </a:p>
+        </p:txBody>
+      </p:sp>
+      <p:sp>
+        <p:nvSpPr>
+          <p:cNvPr id="16" name="Retângulo 15"/>
+          <p:cNvSpPr/>
+          <p:nvPr/>
+        </p:nvSpPr>
+        <p:spPr>
+          <a:xfrm>
+            <a:off x="2689946" y="3265308"/>
+            <a:ext cx="1735298" cy="389467"/>
+          </a:xfrm>
+          <a:prstGeom prst="rect">
+            <a:avLst/>
+          </a:prstGeom>
+          <a:solidFill>
+            <a:schemeClr val="bg1"/>
+          </a:solidFill>
+        </p:spPr>
+        <p:style>
+          <a:lnRef idx="2">
+            <a:schemeClr val="accent6"/>
+          </a:lnRef>
+          <a:fillRef idx="1">
+            <a:schemeClr val="lt1"/>
+          </a:fillRef>
+          <a:effectRef idx="0">
+            <a:schemeClr val="accent6"/>
+          </a:effectRef>
+          <a:fontRef idx="minor">
+            <a:schemeClr val="dk1"/>
+          </a:fontRef>
+        </p:style>
+        <p:txBody>
+          <a:bodyPr rtlCol="0" anchor="ctr"/>
+          <a:lstStyle/>
+          <a:p>
+            <a:pPr algn="ctr"/>
+            <a:endParaRPr lang="pt-BR" dirty="0"/>
+          </a:p>
+        </p:txBody>
+      </p:sp>
+      <p:sp>
+        <p:nvSpPr>
+          <p:cNvPr id="9" name="Triângulo isósceles 8"/>
+          <p:cNvSpPr/>
+          <p:nvPr/>
+        </p:nvSpPr>
+        <p:spPr>
+          <a:xfrm rot="10800000">
+            <a:off x="4188178" y="3318281"/>
+            <a:ext cx="237066" cy="283520"/>
+          </a:xfrm>
+          <a:prstGeom prst="triangle">
+            <a:avLst/>
+          </a:prstGeom>
+        </p:spPr>
+        <p:style>
+          <a:lnRef idx="2">
+            <a:schemeClr val="dk1">
+              <a:shade val="50000"/>
+            </a:schemeClr>
+          </a:lnRef>
+          <a:fillRef idx="1">
+            <a:schemeClr val="dk1"/>
+          </a:fillRef>
+          <a:effectRef idx="0">
+            <a:schemeClr val="dk1"/>
+          </a:effectRef>
+          <a:fontRef idx="minor">
+            <a:schemeClr val="lt1"/>
+          </a:fontRef>
+        </p:style>
+        <p:txBody>
+          <a:bodyPr rtlCol="0" anchor="ctr"/>
+          <a:lstStyle/>
+          <a:p>
+            <a:pPr algn="ctr"/>
+            <a:endParaRPr lang="pt-BR"/>
+          </a:p>
+        </p:txBody>
+      </p:sp>
+      <p:sp>
+        <p:nvSpPr>
+          <p:cNvPr id="17" name="Retângulo Arredondado 16"/>
+          <p:cNvSpPr/>
+          <p:nvPr/>
+        </p:nvSpPr>
+        <p:spPr>
+          <a:xfrm>
+            <a:off x="6953249" y="5048250"/>
+            <a:ext cx="1190625" cy="314325"/>
+          </a:xfrm>
+          <a:prstGeom prst="roundRect">
+            <a:avLst/>
+          </a:prstGeom>
+        </p:spPr>
+        <p:style>
+          <a:lnRef idx="2">
+            <a:schemeClr val="accent1">
+              <a:shade val="50000"/>
+            </a:schemeClr>
+          </a:lnRef>
+          <a:fillRef idx="1">
+            <a:schemeClr val="accent1"/>
+          </a:fillRef>
+          <a:effectRef idx="0">
+            <a:schemeClr val="accent1"/>
+          </a:effectRef>
+          <a:fontRef idx="minor">
+            <a:schemeClr val="lt1"/>
+          </a:fontRef>
+        </p:style>
+        <p:txBody>
+          <a:bodyPr rtlCol="0" anchor="ctr"/>
+          <a:lstStyle/>
+          <a:p>
+            <a:pPr algn="ctr"/>
+            <a:r>
+              <a:rPr lang="pt-BR" dirty="0" smtClean="0"/>
+              <a:t>Salvar</a:t>
+            </a:r>
+            <a:endParaRPr lang="pt-BR" dirty="0"/>
+          </a:p>
+        </p:txBody>
+      </p:sp>
+      <p:sp>
+        <p:nvSpPr>
+          <p:cNvPr id="18" name="Retângulo Arredondado 17"/>
+          <p:cNvSpPr/>
+          <p:nvPr/>
+        </p:nvSpPr>
+        <p:spPr>
+          <a:xfrm>
+            <a:off x="5735696" y="5048249"/>
+            <a:ext cx="1190625" cy="314325"/>
+          </a:xfrm>
+          <a:prstGeom prst="roundRect">
+            <a:avLst/>
+          </a:prstGeom>
+        </p:spPr>
+        <p:style>
+          <a:lnRef idx="2">
+            <a:schemeClr val="accent3">
+              <a:shade val="50000"/>
+            </a:schemeClr>
+          </a:lnRef>
+          <a:fillRef idx="1">
+            <a:schemeClr val="accent3"/>
+          </a:fillRef>
+          <a:effectRef idx="0">
+            <a:schemeClr val="accent3"/>
+          </a:effectRef>
+          <a:fontRef idx="minor">
+            <a:schemeClr val="lt1"/>
+          </a:fontRef>
+        </p:style>
+        <p:txBody>
+          <a:bodyPr rtlCol="0" anchor="ctr"/>
+          <a:lstStyle/>
+          <a:p>
+            <a:pPr algn="ctr"/>
+            <a:r>
+              <a:rPr lang="pt-BR" dirty="0" smtClean="0"/>
+              <a:t>Cancelar</a:t>
+            </a:r>
+            <a:endParaRPr lang="pt-BR" dirty="0"/>
+          </a:p>
+        </p:txBody>
+      </p:sp>
+      <p:sp>
+        <p:nvSpPr>
+          <p:cNvPr id="19" name="Retângulo Arredondado 18"/>
+          <p:cNvSpPr/>
+          <p:nvPr/>
+        </p:nvSpPr>
+        <p:spPr>
+          <a:xfrm>
+            <a:off x="4425244" y="5048248"/>
+            <a:ext cx="1190625" cy="314325"/>
+          </a:xfrm>
+          <a:prstGeom prst="roundRect">
+            <a:avLst/>
+          </a:prstGeom>
+          <a:solidFill>
+            <a:srgbClr val="00B0F0"/>
+          </a:solidFill>
+        </p:spPr>
+        <p:style>
+          <a:lnRef idx="2">
+            <a:schemeClr val="accent1">
+              <a:shade val="50000"/>
+            </a:schemeClr>
+          </a:lnRef>
+          <a:fillRef idx="1">
+            <a:schemeClr val="accent1"/>
+          </a:fillRef>
+          <a:effectRef idx="0">
+            <a:schemeClr val="accent1"/>
+          </a:effectRef>
+          <a:fontRef idx="minor">
+            <a:schemeClr val="lt1"/>
+          </a:fontRef>
+        </p:style>
+        <p:txBody>
+          <a:bodyPr rtlCol="0" anchor="ctr"/>
+          <a:lstStyle/>
+          <a:p>
+            <a:pPr algn="ctr"/>
+            <a:r>
+              <a:rPr lang="pt-BR" dirty="0" smtClean="0"/>
+              <a:t>Voltar</a:t>
+            </a:r>
+            <a:endParaRPr lang="pt-BR" dirty="0"/>
+          </a:p>
+        </p:txBody>
+      </p:sp>
+      <p:sp>
+        <p:nvSpPr>
+          <p:cNvPr id="21" name="CaixaDeTexto 20"/>
+          <p:cNvSpPr txBox="1"/>
+          <p:nvPr/>
+        </p:nvSpPr>
+        <p:spPr>
+          <a:xfrm>
+            <a:off x="9415640" y="3205335"/>
+            <a:ext cx="1781175" cy="1169551"/>
+          </a:xfrm>
+          <a:prstGeom prst="rect">
+            <a:avLst/>
+          </a:prstGeom>
+          <a:noFill/>
+        </p:spPr>
+        <p:txBody>
+          <a:bodyPr wrap="square" rtlCol="0">
+            <a:spAutoFit/>
+          </a:bodyPr>
+          <a:lstStyle/>
+          <a:p>
+            <a:r>
+              <a:rPr lang="pt-BR" sz="1400" dirty="0" smtClean="0"/>
+              <a:t>Quando em modo edição e o cursor estiver no campo o fundo deve ficar verde.</a:t>
+            </a:r>
+            <a:endParaRPr lang="pt-BR" sz="1400" dirty="0"/>
+          </a:p>
+        </p:txBody>
+      </p:sp>
+    </p:spTree>
+    <p:extLst>
+      <p:ext uri="{BB962C8B-B14F-4D97-AF65-F5344CB8AC3E}">
+        <p14:creationId xmlns:p14="http://schemas.microsoft.com/office/powerpoint/2010/main" val="1358796605"/>
+      </p:ext>
+    </p:extLst>
+  </p:cSld>
+  <p:clrMapOvr>
+    <a:masterClrMapping/>
+  </p:clrMapOvr>
+  <p:transition>
+    <p:fade/>
+  </p:transition>
+</p:sld>
+</file>
+
+<file path=ppt/slides/slide22.xml><?xml version="1.0" encoding="utf-8"?>
+<p:sld xmlns:a="http://schemas.openxmlformats.org/drawingml/2006/main" xmlns:r="http://schemas.openxmlformats.org/officeDocument/2006/relationships" xmlns:p="http://schemas.openxmlformats.org/presentationml/2006/main">
+  <p:cSld>
+    <p:bg>
+      <p:bgPr>
+        <a:solidFill>
+          <a:schemeClr val="bg1"/>
+        </a:solidFill>
+        <a:effectLst/>
+      </p:bgPr>
+    </p:bg>
+    <p:spTree>
+      <p:nvGrpSpPr>
+        <p:cNvPr id="1" name=""/>
+        <p:cNvGrpSpPr/>
+        <p:nvPr/>
+      </p:nvGrpSpPr>
+      <p:grpSpPr>
+        <a:xfrm>
+          <a:off x="0" y="0"/>
+          <a:ext cx="0" cy="0"/>
+          <a:chOff x="0" y="0"/>
+          <a:chExt cx="0" cy="0"/>
+        </a:xfrm>
+      </p:grpSpPr>
+      <p:sp useBgFill="1">
+        <p:nvSpPr>
+          <p:cNvPr id="10" name="Rectangle 9">
+            <a:extLst>
+              <a:ext uri="{FF2B5EF4-FFF2-40B4-BE49-F238E27FC236}">
+                <a16:creationId xmlns:a16="http://schemas.microsoft.com/office/drawing/2014/main" id="{5E8D3B17-7638-DFD3-18E4-8A6D611749CF}"/>
+              </a:ext>
+              <a:ext uri="{C183D7F6-B498-43B3-948B-1728B52AA6E4}">
+                <adec:decorative xmlns:adec="http://schemas.microsoft.com/office/drawing/2017/decorative" xmlns="" val="1"/>
+              </a:ext>
+            </a:extLst>
+          </p:cNvPr>
+          <p:cNvSpPr>
+            <a:spLocks noGrp="1" noRot="1" noChangeAspect="1" noMove="1" noResize="1" noEditPoints="1" noAdjustHandles="1" noChangeArrowheads="1" noChangeShapeType="1" noTextEdit="1"/>
+          </p:cNvSpPr>
+          <p:nvPr>
+            <p:extLst>
+              <p:ext uri="{386F3935-93C4-4BCD-93E2-E3B085C9AB24}">
+                <p16:designElem xmlns:p16="http://schemas.microsoft.com/office/powerpoint/2015/main" val="1"/>
+              </p:ext>
+            </p:extLst>
+          </p:nvPr>
+        </p:nvSpPr>
+        <p:spPr>
+          <a:xfrm>
+            <a:off x="0" y="0"/>
+            <a:ext cx="12192000" cy="6858000"/>
+          </a:xfrm>
+          <a:prstGeom prst="rect">
+            <a:avLst/>
+          </a:prstGeom>
+          <a:ln w="12700" cap="flat" cmpd="sng" algn="ctr">
+            <a:noFill/>
+            <a:prstDash val="solid"/>
+            <a:miter lim="800000"/>
+          </a:ln>
+          <a:effectLst/>
+          <a:extLst>
+            <a:ext uri="{91240B29-F687-4F45-9708-019B960494DF}">
+              <a14:hiddenLine xmlns:a14="http://schemas.microsoft.com/office/drawing/2010/main" w="12700" cap="flat" cmpd="sng" algn="ctr">
+                <a:solidFill>
+                  <a:schemeClr val="accent1">
+                    <a:shade val="15000"/>
+                  </a:schemeClr>
+                </a:solidFill>
+                <a:prstDash val="solid"/>
+                <a:miter lim="800000"/>
+              </a14:hiddenLine>
+            </a:ext>
+          </a:extLst>
+        </p:spPr>
+        <p:style>
+          <a:lnRef idx="2">
+            <a:schemeClr val="accent1">
+              <a:shade val="15000"/>
+            </a:schemeClr>
+          </a:lnRef>
+          <a:fillRef idx="1">
+            <a:schemeClr val="accent1"/>
+          </a:fillRef>
+          <a:effectRef idx="0">
+            <a:schemeClr val="accent1"/>
+          </a:effectRef>
+          <a:fontRef idx="minor">
+            <a:schemeClr val="lt1"/>
+          </a:fontRef>
+        </p:style>
+        <p:txBody>
+          <a:bodyPr rtlCol="0" anchor="ctr"/>
+          <a:lstStyle/>
+          <a:p>
+            <a:pPr algn="ctr"/>
+            <a:endParaRPr lang="en-US"/>
+          </a:p>
+        </p:txBody>
+      </p:sp>
+      <p:sp>
+        <p:nvSpPr>
+          <p:cNvPr id="2" name="Título 1">
+            <a:extLst>
+              <a:ext uri="{FF2B5EF4-FFF2-40B4-BE49-F238E27FC236}">
                 <a16:creationId xmlns:a16="http://schemas.microsoft.com/office/drawing/2014/main" id="{37D9284D-EDF1-4C67-C63F-C7E773F77885}"/>
               </a:ext>
             </a:extLst>
@@ -14741,7 +15727,7 @@
             <p:ph sz="half" idx="2"/>
             <p:extLst>
               <p:ext uri="{E7BDC344-281C-4309-B0C6-D0EE65EED2A8}">
-                <p202:designPr xmlns="" xmlns:p202="http://schemas.microsoft.com/office/powerpoint/2020/02/main">
+                <p202:designPr xmlns:p202="http://schemas.microsoft.com/office/powerpoint/2020/02/main" xmlns="">
                   <p202:designTagLst>
                     <p202:designTag name="ARCH:1:CLS" val="InformationBlock"/>
                     <p202:designTag name="ARCH:1:VSVAR" val="TitledTextBox"/>
@@ -14967,7 +15953,7 @@
                 <a16:creationId xmlns:a16="http://schemas.microsoft.com/office/drawing/2014/main" id="{5E8D3B17-7638-DFD3-18E4-8A6D611749CF}"/>
               </a:ext>
               <a:ext uri="{C183D7F6-B498-43B3-948B-1728B52AA6E4}">
-                <adec:decorative xmlns="" xmlns:adec="http://schemas.microsoft.com/office/drawing/2017/decorative" val="1"/>
+                <adec:decorative xmlns:adec="http://schemas.microsoft.com/office/drawing/2017/decorative" xmlns="" val="1"/>
               </a:ext>
             </a:extLst>
           </p:cNvPr>
@@ -15094,7 +16080,7 @@
             <p:ph sz="half" idx="2"/>
             <p:extLst>
               <p:ext uri="{E7BDC344-281C-4309-B0C6-D0EE65EED2A8}">
-                <p202:designPr xmlns="" xmlns:p202="http://schemas.microsoft.com/office/powerpoint/2020/02/main">
+                <p202:designPr xmlns:p202="http://schemas.microsoft.com/office/powerpoint/2020/02/main" xmlns="">
                   <p202:designTagLst>
                     <p202:designTag name="ARCH:1:CLS" val="InformationBlock"/>
                     <p202:designTag name="ARCH:1:VSVAR" val="TitledTextBox"/>
@@ -15411,7 +16397,7 @@
                 <a16:creationId xmlns:a16="http://schemas.microsoft.com/office/drawing/2014/main" id="{E1D40FB4-97DC-F5FF-9E7A-C10E078A1532}"/>
               </a:ext>
               <a:ext uri="{C183D7F6-B498-43B3-948B-1728B52AA6E4}">
-                <adec:decorative xmlns="" xmlns:adec="http://schemas.microsoft.com/office/drawing/2017/decorative" val="1"/>
+                <adec:decorative xmlns:adec="http://schemas.microsoft.com/office/drawing/2017/decorative" xmlns="" val="1"/>
               </a:ext>
             </a:extLst>
           </p:cNvPr>
@@ -15541,7 +16527,7 @@
             <p:ph sz="half" idx="2"/>
             <p:extLst>
               <p:ext uri="{E7BDC344-281C-4309-B0C6-D0EE65EED2A8}">
-                <p202:designPr xmlns="" xmlns:p202="http://schemas.microsoft.com/office/powerpoint/2020/02/main">
+                <p202:designPr xmlns:p202="http://schemas.microsoft.com/office/powerpoint/2020/02/main" xmlns="">
                   <p202:designTagLst>
                     <p202:designTag name="ARCH:1:CLS" val="InformationBlock"/>
                     <p202:designTag name="ARCH:1:VSVAR" val="TitledTextBox"/>
@@ -15799,7 +16785,7 @@
                 <a16:creationId xmlns:a16="http://schemas.microsoft.com/office/drawing/2014/main" id="{A51D6A68-C3BD-3399-CCA8-A7290FC8E09C}"/>
               </a:ext>
               <a:ext uri="{C183D7F6-B498-43B3-948B-1728B52AA6E4}">
-                <adec:decorative xmlns="" xmlns:adec="http://schemas.microsoft.com/office/drawing/2017/decorative" val="1"/>
+                <adec:decorative xmlns:adec="http://schemas.microsoft.com/office/drawing/2017/decorative" xmlns="" val="1"/>
               </a:ext>
             </a:extLst>
           </p:cNvPr>
@@ -15927,7 +16913,7 @@
             <p:ph sz="half" idx="2"/>
             <p:extLst>
               <p:ext uri="{E7BDC344-281C-4309-B0C6-D0EE65EED2A8}">
-                <p202:designPr xmlns="" xmlns:p202="http://schemas.microsoft.com/office/powerpoint/2020/02/main">
+                <p202:designPr xmlns:p202="http://schemas.microsoft.com/office/powerpoint/2020/02/main" xmlns="">
                   <p202:designTagLst>
                     <p202:designTag name="ARCH:1:CLS" val="InformationBlock"/>
                     <p202:designTag name="ARCH:1:VSVAR" val="TitledTextBox"/>
@@ -16185,7 +17171,7 @@
                 <a16:creationId xmlns:a16="http://schemas.microsoft.com/office/drawing/2014/main" id="{7F39A533-5E9C-439F-5CF1-06FFAB778C1F}"/>
               </a:ext>
               <a:ext uri="{C183D7F6-B498-43B3-948B-1728B52AA6E4}">
-                <adec:decorative xmlns="" xmlns:adec="http://schemas.microsoft.com/office/drawing/2017/decorative" val="1"/>
+                <adec:decorative xmlns:adec="http://schemas.microsoft.com/office/drawing/2017/decorative" xmlns="" val="1"/>
               </a:ext>
             </a:extLst>
           </p:cNvPr>
@@ -16313,7 +17299,7 @@
             <p:ph sz="half" idx="2"/>
             <p:extLst>
               <p:ext uri="{E7BDC344-281C-4309-B0C6-D0EE65EED2A8}">
-                <p202:designPr xmlns="" xmlns:p202="http://schemas.microsoft.com/office/powerpoint/2020/02/main">
+                <p202:designPr xmlns:p202="http://schemas.microsoft.com/office/powerpoint/2020/02/main" xmlns="">
                   <p202:designTagLst>
                     <p202:designTag name="ARCH:1:CLS" val="InformationBlock"/>
                     <p202:designTag name="ARCH:1:VSVAR" val="TitledTextBox"/>
@@ -16586,7 +17572,7 @@
                 <a16:creationId xmlns:a16="http://schemas.microsoft.com/office/drawing/2014/main" id="{A82A2D76-411A-C189-4AD9-642686996848}"/>
               </a:ext>
               <a:ext uri="{C183D7F6-B498-43B3-948B-1728B52AA6E4}">
-                <adec:decorative xmlns="" xmlns:adec="http://schemas.microsoft.com/office/drawing/2017/decorative" val="1"/>
+                <adec:decorative xmlns:adec="http://schemas.microsoft.com/office/drawing/2017/decorative" xmlns="" val="1"/>
               </a:ext>
             </a:extLst>
           </p:cNvPr>
@@ -16714,7 +17700,7 @@
             <p:ph sz="half" idx="2"/>
             <p:extLst>
               <p:ext uri="{E7BDC344-281C-4309-B0C6-D0EE65EED2A8}">
-                <p202:designPr xmlns="" xmlns:p202="http://schemas.microsoft.com/office/powerpoint/2020/02/main">
+                <p202:designPr xmlns:p202="http://schemas.microsoft.com/office/powerpoint/2020/02/main" xmlns="">
                   <p202:designTagLst>
                     <p202:designTag name="ARCH:1:CLS" val="InformationBlock"/>
                     <p202:designTag name="ARCH:1:VSVAR" val="TitledTextBox"/>
@@ -16975,7 +17961,7 @@
                 <a16:creationId xmlns:a16="http://schemas.microsoft.com/office/drawing/2014/main" id="{E482AA53-DA69-E258-8B64-8F8CE86FCDD4}"/>
               </a:ext>
               <a:ext uri="{C183D7F6-B498-43B3-948B-1728B52AA6E4}">
-                <adec:decorative xmlns="" xmlns:adec="http://schemas.microsoft.com/office/drawing/2017/decorative" val="1"/>
+                <adec:decorative xmlns:adec="http://schemas.microsoft.com/office/drawing/2017/decorative" xmlns="" val="1"/>
               </a:ext>
             </a:extLst>
           </p:cNvPr>
@@ -17103,7 +18089,7 @@
             <p:ph sz="half" idx="2"/>
             <p:extLst>
               <p:ext uri="{E7BDC344-281C-4309-B0C6-D0EE65EED2A8}">
-                <p202:designPr xmlns="" xmlns:p202="http://schemas.microsoft.com/office/powerpoint/2020/02/main">
+                <p202:designPr xmlns:p202="http://schemas.microsoft.com/office/powerpoint/2020/02/main" xmlns="">
                   <p202:designTagLst>
                     <p202:designTag name="ARCH:1:CLS" val="InformationBlock"/>
                     <p202:designTag name="ARCH:1:VSVAR" val="TitledTextBox"/>
@@ -17379,7 +18365,7 @@
                 <a16:creationId xmlns:a16="http://schemas.microsoft.com/office/drawing/2014/main" id="{5C27E16A-554C-D4AC-900E-AA69DDAEDE03}"/>
               </a:ext>
               <a:ext uri="{C183D7F6-B498-43B3-948B-1728B52AA6E4}">
-                <adec:decorative xmlns="" xmlns:adec="http://schemas.microsoft.com/office/drawing/2017/decorative" val="1"/>
+                <adec:decorative xmlns:adec="http://schemas.microsoft.com/office/drawing/2017/decorative" xmlns="" val="1"/>
               </a:ext>
             </a:extLst>
           </p:cNvPr>
@@ -17507,7 +18493,7 @@
             <p:ph sz="half" idx="2"/>
             <p:extLst>
               <p:ext uri="{E7BDC344-281C-4309-B0C6-D0EE65EED2A8}">
-                <p202:designPr xmlns="" xmlns:p202="http://schemas.microsoft.com/office/powerpoint/2020/02/main">
+                <p202:designPr xmlns:p202="http://schemas.microsoft.com/office/powerpoint/2020/02/main" xmlns="">
                   <p202:designTagLst>
                     <p202:designTag name="ARCH:1:CLS" val="InformationBlock"/>
                     <p202:designTag name="ARCH:1:VSVAR" val="TitledTextBox"/>

--- a/Documentacao/ModelagemSistema_TemplateInicial.pptx
+++ b/Documentacao/ModelagemSistema_TemplateInicial.pptx
@@ -5,7 +5,7 @@
     <p:sldMasterId id="2147483660" r:id="rId1"/>
   </p:sldMasterIdLst>
   <p:notesMasterIdLst>
-    <p:notesMasterId r:id="rId24"/>
+    <p:notesMasterId r:id="rId26"/>
   </p:notesMasterIdLst>
   <p:sldIdLst>
     <p:sldId id="2561" r:id="rId2"/>
@@ -24,12 +24,14 @@
     <p:sldId id="2590" r:id="rId15"/>
     <p:sldId id="2584" r:id="rId16"/>
     <p:sldId id="2585" r:id="rId17"/>
-    <p:sldId id="2567" r:id="rId18"/>
-    <p:sldId id="2568" r:id="rId19"/>
-    <p:sldId id="2586" r:id="rId20"/>
-    <p:sldId id="2589" r:id="rId21"/>
-    <p:sldId id="2588" r:id="rId22"/>
-    <p:sldId id="2569" r:id="rId23"/>
+    <p:sldId id="2591" r:id="rId18"/>
+    <p:sldId id="2592" r:id="rId19"/>
+    <p:sldId id="2567" r:id="rId20"/>
+    <p:sldId id="2568" r:id="rId21"/>
+    <p:sldId id="2586" r:id="rId22"/>
+    <p:sldId id="2589" r:id="rId23"/>
+    <p:sldId id="2588" r:id="rId24"/>
+    <p:sldId id="2569" r:id="rId25"/>
   </p:sldIdLst>
   <p:sldSz cx="12192000" cy="6858000"/>
   <p:notesSz cx="6858000" cy="9144000"/>
@@ -218,7 +220,7 @@
           <a:p>
             <a:fld id="{93DDA81E-B6DD-4CA0-9C2D-B0C27B95DC2C}" type="datetimeFigureOut">
               <a:rPr lang="pt-BR" smtClean="0"/>
-              <a:t>03/02/2025</a:t>
+              <a:t>13/02/2025</a:t>
             </a:fld>
             <a:endParaRPr lang="pt-BR"/>
           </a:p>
@@ -1222,7 +1224,13 @@
   <p:cSld>
     <p:spTree>
       <p:nvGrpSpPr>
-        <p:cNvPr id="1" name=""/>
+        <p:cNvPr id="1" name="">
+          <a:extLst>
+            <a:ext uri="{FF2B5EF4-FFF2-40B4-BE49-F238E27FC236}">
+              <a16:creationId xmlns:a16="http://schemas.microsoft.com/office/drawing/2014/main" id="{5E758249-486C-768F-A9A2-E1C45FF9A004}"/>
+            </a:ext>
+          </a:extLst>
+        </p:cNvPr>
         <p:cNvGrpSpPr/>
         <p:nvPr/>
       </p:nvGrpSpPr>
@@ -1236,7 +1244,13 @@
       </p:grpSpPr>
       <p:sp>
         <p:nvSpPr>
-          <p:cNvPr id="2" name="Espaço Reservado para Imagem de Slide 1"/>
+          <p:cNvPr id="2" name="Espaço Reservado para Imagem de Slide 1">
+            <a:extLst>
+              <a:ext uri="{FF2B5EF4-FFF2-40B4-BE49-F238E27FC236}">
+                <a16:creationId xmlns:a16="http://schemas.microsoft.com/office/drawing/2014/main" id="{893D3064-37E2-A08B-B67E-D0BDF678B537}"/>
+              </a:ext>
+            </a:extLst>
+          </p:cNvPr>
           <p:cNvSpPr>
             <a:spLocks noGrp="1" noRot="1" noChangeAspect="1"/>
           </p:cNvSpPr>
@@ -1248,7 +1262,13 @@
       </p:sp>
       <p:sp>
         <p:nvSpPr>
-          <p:cNvPr id="3" name="Espaço Reservado para Anotações 2"/>
+          <p:cNvPr id="3" name="Espaço Reservado para Anotações 2">
+            <a:extLst>
+              <a:ext uri="{FF2B5EF4-FFF2-40B4-BE49-F238E27FC236}">
+                <a16:creationId xmlns:a16="http://schemas.microsoft.com/office/drawing/2014/main" id="{509255BE-D866-6F4C-1785-B44C4C921F5A}"/>
+              </a:ext>
+            </a:extLst>
+          </p:cNvPr>
           <p:cNvSpPr>
             <a:spLocks noGrp="1"/>
           </p:cNvSpPr>
@@ -1263,14 +1283,20 @@
           <a:p>
             <a:r>
               <a:rPr lang="pt-BR"/>
-              <a:t>Os requisitos funcionais definem as ações que o sistema deve ser capaz de realizar. Neste slide, listaremos os principais requisitos funcionais, incluindo funções como cadastro de usuários, geração de relatórios e consulta de dados.</a:t>
-            </a:r>
-          </a:p>
-        </p:txBody>
-      </p:sp>
-      <p:sp>
-        <p:nvSpPr>
-          <p:cNvPr id="4" name="Espaço Reservado para Número de Slide 3"/>
+              <a:t>O Diagrama Entidade-Relacionamento (DER) é uma ferramenta visual que descreve a estrutura do banco de dados do sistema. Ele ilustra as principais entidades, seus atributos e os relacionamentos entre elas, ajudando a entender a lógica do banco de dados.</a:t>
+            </a:r>
+          </a:p>
+        </p:txBody>
+      </p:sp>
+      <p:sp>
+        <p:nvSpPr>
+          <p:cNvPr id="4" name="Espaço Reservado para Número de Slide 3">
+            <a:extLst>
+              <a:ext uri="{FF2B5EF4-FFF2-40B4-BE49-F238E27FC236}">
+                <a16:creationId xmlns:a16="http://schemas.microsoft.com/office/drawing/2014/main" id="{9733254D-078E-0492-BCD8-F2990DC2CCFA}"/>
+              </a:ext>
+            </a:extLst>
+          </p:cNvPr>
           <p:cNvSpPr>
             <a:spLocks noGrp="1"/>
           </p:cNvSpPr>
@@ -1294,7 +1320,7 @@
     </p:spTree>
     <p:extLst>
       <p:ext uri="{BB962C8B-B14F-4D97-AF65-F5344CB8AC3E}">
-        <p14:creationId xmlns:p14="http://schemas.microsoft.com/office/powerpoint/2010/main" val="3164768469"/>
+        <p14:creationId xmlns:p14="http://schemas.microsoft.com/office/powerpoint/2010/main" val="3640393636"/>
       </p:ext>
     </p:extLst>
   </p:cSld>
@@ -1309,7 +1335,13 @@
   <p:cSld>
     <p:spTree>
       <p:nvGrpSpPr>
-        <p:cNvPr id="1" name=""/>
+        <p:cNvPr id="1" name="">
+          <a:extLst>
+            <a:ext uri="{FF2B5EF4-FFF2-40B4-BE49-F238E27FC236}">
+              <a16:creationId xmlns:a16="http://schemas.microsoft.com/office/drawing/2014/main" id="{5E758249-486C-768F-A9A2-E1C45FF9A004}"/>
+            </a:ext>
+          </a:extLst>
+        </p:cNvPr>
         <p:cNvGrpSpPr/>
         <p:nvPr/>
       </p:nvGrpSpPr>
@@ -1323,7 +1355,13 @@
       </p:grpSpPr>
       <p:sp>
         <p:nvSpPr>
-          <p:cNvPr id="2" name="Espaço Reservado para Imagem de Slide 1"/>
+          <p:cNvPr id="2" name="Espaço Reservado para Imagem de Slide 1">
+            <a:extLst>
+              <a:ext uri="{FF2B5EF4-FFF2-40B4-BE49-F238E27FC236}">
+                <a16:creationId xmlns:a16="http://schemas.microsoft.com/office/drawing/2014/main" id="{893D3064-37E2-A08B-B67E-D0BDF678B537}"/>
+              </a:ext>
+            </a:extLst>
+          </p:cNvPr>
           <p:cNvSpPr>
             <a:spLocks noGrp="1" noRot="1" noChangeAspect="1"/>
           </p:cNvSpPr>
@@ -1335,7 +1373,13 @@
       </p:sp>
       <p:sp>
         <p:nvSpPr>
-          <p:cNvPr id="3" name="Espaço Reservado para Anotações 2"/>
+          <p:cNvPr id="3" name="Espaço Reservado para Anotações 2">
+            <a:extLst>
+              <a:ext uri="{FF2B5EF4-FFF2-40B4-BE49-F238E27FC236}">
+                <a16:creationId xmlns:a16="http://schemas.microsoft.com/office/drawing/2014/main" id="{509255BE-D866-6F4C-1785-B44C4C921F5A}"/>
+              </a:ext>
+            </a:extLst>
+          </p:cNvPr>
           <p:cNvSpPr>
             <a:spLocks noGrp="1"/>
           </p:cNvSpPr>
@@ -1350,14 +1394,20 @@
           <a:p>
             <a:r>
               <a:rPr lang="pt-BR"/>
-              <a:t>Aqui, detalharemos alguns exemplos de requisitos funcionais, como 'O sistema deve permitir que o usuário faça login com credenciais válidas' e 'O sistema deve gerar relatórios mensais de vendas'. Estes requisitos são cruciais para orientar o desenvolvimento do sistema.</a:t>
-            </a:r>
-          </a:p>
-        </p:txBody>
-      </p:sp>
-      <p:sp>
-        <p:nvSpPr>
-          <p:cNvPr id="4" name="Espaço Reservado para Número de Slide 3"/>
+              <a:t>O Diagrama Entidade-Relacionamento (DER) é uma ferramenta visual que descreve a estrutura do banco de dados do sistema. Ele ilustra as principais entidades, seus atributos e os relacionamentos entre elas, ajudando a entender a lógica do banco de dados.</a:t>
+            </a:r>
+          </a:p>
+        </p:txBody>
+      </p:sp>
+      <p:sp>
+        <p:nvSpPr>
+          <p:cNvPr id="4" name="Espaço Reservado para Número de Slide 3">
+            <a:extLst>
+              <a:ext uri="{FF2B5EF4-FFF2-40B4-BE49-F238E27FC236}">
+                <a16:creationId xmlns:a16="http://schemas.microsoft.com/office/drawing/2014/main" id="{9733254D-078E-0492-BCD8-F2990DC2CCFA}"/>
+              </a:ext>
+            </a:extLst>
+          </p:cNvPr>
           <p:cNvSpPr>
             <a:spLocks noGrp="1"/>
           </p:cNvSpPr>
@@ -1381,7 +1431,7 @@
     </p:spTree>
     <p:extLst>
       <p:ext uri="{BB962C8B-B14F-4D97-AF65-F5344CB8AC3E}">
-        <p14:creationId xmlns:p14="http://schemas.microsoft.com/office/powerpoint/2010/main" val="3441075504"/>
+        <p14:creationId xmlns:p14="http://schemas.microsoft.com/office/powerpoint/2010/main" val="1883102815"/>
       </p:ext>
     </p:extLst>
   </p:cSld>
@@ -1437,7 +1487,7 @@
           <a:p>
             <a:r>
               <a:rPr lang="pt-BR"/>
-              <a:t>Aqui, detalharemos alguns exemplos de requisitos funcionais, como 'O sistema deve permitir que o usuário faça login com credenciais válidas' e 'O sistema deve gerar relatórios mensais de vendas'. Estes requisitos são cruciais para orientar o desenvolvimento do sistema.</a:t>
+              <a:t>Os requisitos funcionais definem as ações que o sistema deve ser capaz de realizar. Neste slide, listaremos os principais requisitos funcionais, incluindo funções como cadastro de usuários, geração de relatórios e consulta de dados.</a:t>
             </a:r>
           </a:p>
         </p:txBody>
@@ -1468,7 +1518,7 @@
     </p:spTree>
     <p:extLst>
       <p:ext uri="{BB962C8B-B14F-4D97-AF65-F5344CB8AC3E}">
-        <p14:creationId xmlns:p14="http://schemas.microsoft.com/office/powerpoint/2010/main" val="1244176758"/>
+        <p14:creationId xmlns:p14="http://schemas.microsoft.com/office/powerpoint/2010/main" val="3164768469"/>
       </p:ext>
     </p:extLst>
   </p:cSld>
@@ -1555,7 +1605,7 @@
     </p:spTree>
     <p:extLst>
       <p:ext uri="{BB962C8B-B14F-4D97-AF65-F5344CB8AC3E}">
-        <p14:creationId xmlns:p14="http://schemas.microsoft.com/office/powerpoint/2010/main" val="3040480131"/>
+        <p14:creationId xmlns:p14="http://schemas.microsoft.com/office/powerpoint/2010/main" val="3441075504"/>
       </p:ext>
     </p:extLst>
   </p:cSld>
@@ -1729,7 +1779,7 @@
     </p:spTree>
     <p:extLst>
       <p:ext uri="{BB962C8B-B14F-4D97-AF65-F5344CB8AC3E}">
-        <p14:creationId xmlns:p14="http://schemas.microsoft.com/office/powerpoint/2010/main" val="68550778"/>
+        <p14:creationId xmlns:p14="http://schemas.microsoft.com/office/powerpoint/2010/main" val="1244176758"/>
       </p:ext>
     </p:extLst>
   </p:cSld>
@@ -1785,7 +1835,7 @@
           <a:p>
             <a:r>
               <a:rPr lang="pt-BR"/>
-              <a:t>Os requisitos não funcionais definem as características do sistema, como desempenho, segurança e usabilidade. Neste slide, discutiremos os principais requisitos não funcionais que o sistema deve atender.</a:t>
+              <a:t>Aqui, detalharemos alguns exemplos de requisitos funcionais, como 'O sistema deve permitir que o usuário faça login com credenciais válidas' e 'O sistema deve gerar relatórios mensais de vendas'. Estes requisitos são cruciais para orientar o desenvolvimento do sistema.</a:t>
             </a:r>
           </a:p>
         </p:txBody>
@@ -1808,6 +1858,180 @@
             <a:fld id="{92E3E85D-1FC8-4645-A278-0F485466CD94}" type="slidenum">
               <a:rPr lang="pt-BR" smtClean="0"/>
               <a:t>22</a:t>
+            </a:fld>
+            <a:endParaRPr lang="pt-BR"/>
+          </a:p>
+        </p:txBody>
+      </p:sp>
+    </p:spTree>
+    <p:extLst>
+      <p:ext uri="{BB962C8B-B14F-4D97-AF65-F5344CB8AC3E}">
+        <p14:creationId xmlns:p14="http://schemas.microsoft.com/office/powerpoint/2010/main" val="3040480131"/>
+      </p:ext>
+    </p:extLst>
+  </p:cSld>
+  <p:clrMapOvr>
+    <a:masterClrMapping/>
+  </p:clrMapOvr>
+</p:notes>
+</file>
+
+<file path=ppt/notesSlides/notesSlide22.xml><?xml version="1.0" encoding="utf-8"?>
+<p:notes xmlns:a="http://schemas.openxmlformats.org/drawingml/2006/main" xmlns:r="http://schemas.openxmlformats.org/officeDocument/2006/relationships" xmlns:p="http://schemas.openxmlformats.org/presentationml/2006/main">
+  <p:cSld>
+    <p:spTree>
+      <p:nvGrpSpPr>
+        <p:cNvPr id="1" name=""/>
+        <p:cNvGrpSpPr/>
+        <p:nvPr/>
+      </p:nvGrpSpPr>
+      <p:grpSpPr>
+        <a:xfrm>
+          <a:off x="0" y="0"/>
+          <a:ext cx="0" cy="0"/>
+          <a:chOff x="0" y="0"/>
+          <a:chExt cx="0" cy="0"/>
+        </a:xfrm>
+      </p:grpSpPr>
+      <p:sp>
+        <p:nvSpPr>
+          <p:cNvPr id="2" name="Espaço Reservado para Imagem de Slide 1"/>
+          <p:cNvSpPr>
+            <a:spLocks noGrp="1" noRot="1" noChangeAspect="1"/>
+          </p:cNvSpPr>
+          <p:nvPr>
+            <p:ph type="sldImg"/>
+          </p:nvPr>
+        </p:nvSpPr>
+        <p:spPr/>
+      </p:sp>
+      <p:sp>
+        <p:nvSpPr>
+          <p:cNvPr id="3" name="Espaço Reservado para Anotações 2"/>
+          <p:cNvSpPr>
+            <a:spLocks noGrp="1"/>
+          </p:cNvSpPr>
+          <p:nvPr>
+            <p:ph type="body" idx="1"/>
+          </p:nvPr>
+        </p:nvSpPr>
+        <p:spPr/>
+        <p:txBody>
+          <a:bodyPr/>
+          <a:lstStyle/>
+          <a:p>
+            <a:r>
+              <a:rPr lang="pt-BR"/>
+              <a:t>Aqui, detalharemos alguns exemplos de requisitos funcionais, como 'O sistema deve permitir que o usuário faça login com credenciais válidas' e 'O sistema deve gerar relatórios mensais de vendas'. Estes requisitos são cruciais para orientar o desenvolvimento do sistema.</a:t>
+            </a:r>
+          </a:p>
+        </p:txBody>
+      </p:sp>
+      <p:sp>
+        <p:nvSpPr>
+          <p:cNvPr id="4" name="Espaço Reservado para Número de Slide 3"/>
+          <p:cNvSpPr>
+            <a:spLocks noGrp="1"/>
+          </p:cNvSpPr>
+          <p:nvPr>
+            <p:ph type="sldNum" sz="quarter" idx="5"/>
+          </p:nvPr>
+        </p:nvSpPr>
+        <p:spPr/>
+        <p:txBody>
+          <a:bodyPr/>
+          <a:lstStyle/>
+          <a:p>
+            <a:fld id="{92E3E85D-1FC8-4645-A278-0F485466CD94}" type="slidenum">
+              <a:rPr lang="pt-BR" smtClean="0"/>
+              <a:t>23</a:t>
+            </a:fld>
+            <a:endParaRPr lang="pt-BR"/>
+          </a:p>
+        </p:txBody>
+      </p:sp>
+    </p:spTree>
+    <p:extLst>
+      <p:ext uri="{BB962C8B-B14F-4D97-AF65-F5344CB8AC3E}">
+        <p14:creationId xmlns:p14="http://schemas.microsoft.com/office/powerpoint/2010/main" val="68550778"/>
+      </p:ext>
+    </p:extLst>
+  </p:cSld>
+  <p:clrMapOvr>
+    <a:masterClrMapping/>
+  </p:clrMapOvr>
+</p:notes>
+</file>
+
+<file path=ppt/notesSlides/notesSlide23.xml><?xml version="1.0" encoding="utf-8"?>
+<p:notes xmlns:a="http://schemas.openxmlformats.org/drawingml/2006/main" xmlns:r="http://schemas.openxmlformats.org/officeDocument/2006/relationships" xmlns:p="http://schemas.openxmlformats.org/presentationml/2006/main">
+  <p:cSld>
+    <p:spTree>
+      <p:nvGrpSpPr>
+        <p:cNvPr id="1" name=""/>
+        <p:cNvGrpSpPr/>
+        <p:nvPr/>
+      </p:nvGrpSpPr>
+      <p:grpSpPr>
+        <a:xfrm>
+          <a:off x="0" y="0"/>
+          <a:ext cx="0" cy="0"/>
+          <a:chOff x="0" y="0"/>
+          <a:chExt cx="0" cy="0"/>
+        </a:xfrm>
+      </p:grpSpPr>
+      <p:sp>
+        <p:nvSpPr>
+          <p:cNvPr id="2" name="Espaço Reservado para Imagem de Slide 1"/>
+          <p:cNvSpPr>
+            <a:spLocks noGrp="1" noRot="1" noChangeAspect="1"/>
+          </p:cNvSpPr>
+          <p:nvPr>
+            <p:ph type="sldImg"/>
+          </p:nvPr>
+        </p:nvSpPr>
+        <p:spPr/>
+      </p:sp>
+      <p:sp>
+        <p:nvSpPr>
+          <p:cNvPr id="3" name="Espaço Reservado para Anotações 2"/>
+          <p:cNvSpPr>
+            <a:spLocks noGrp="1"/>
+          </p:cNvSpPr>
+          <p:nvPr>
+            <p:ph type="body" idx="1"/>
+          </p:nvPr>
+        </p:nvSpPr>
+        <p:spPr/>
+        <p:txBody>
+          <a:bodyPr/>
+          <a:lstStyle/>
+          <a:p>
+            <a:r>
+              <a:rPr lang="pt-BR"/>
+              <a:t>Os requisitos não funcionais definem as características do sistema, como desempenho, segurança e usabilidade. Neste slide, discutiremos os principais requisitos não funcionais que o sistema deve atender.</a:t>
+            </a:r>
+          </a:p>
+        </p:txBody>
+      </p:sp>
+      <p:sp>
+        <p:nvSpPr>
+          <p:cNvPr id="4" name="Espaço Reservado para Número de Slide 3"/>
+          <p:cNvSpPr>
+            <a:spLocks noGrp="1"/>
+          </p:cNvSpPr>
+          <p:nvPr>
+            <p:ph type="sldNum" sz="quarter" idx="5"/>
+          </p:nvPr>
+        </p:nvSpPr>
+        <p:spPr/>
+        <p:txBody>
+          <a:bodyPr/>
+          <a:lstStyle/>
+          <a:p>
+            <a:fld id="{92E3E85D-1FC8-4645-A278-0F485466CD94}" type="slidenum">
+              <a:rPr lang="pt-BR" smtClean="0"/>
+              <a:t>24</a:t>
             </a:fld>
             <a:endParaRPr lang="pt-BR"/>
           </a:p>
@@ -2732,7 +2956,7 @@
           <a:p>
             <a:fld id="{C128FA71-3A18-48C0-980F-4B68F7F63042}" type="datetime1">
               <a:rPr lang="en-US" smtClean="0"/>
-              <a:t>2/3/2025</a:t>
+              <a:t>2/13/2025</a:t>
             </a:fld>
             <a:endParaRPr lang="en-US"/>
           </a:p>
@@ -2940,7 +3164,7 @@
           <a:p>
             <a:fld id="{7104EDB3-C0E8-45F8-9E1D-1B6C8D1880C0}" type="datetime1">
               <a:rPr lang="en-US" smtClean="0"/>
-              <a:t>2/3/2025</a:t>
+              <a:t>2/13/2025</a:t>
             </a:fld>
             <a:endParaRPr lang="en-US"/>
           </a:p>
@@ -3150,7 +3374,7 @@
           <a:p>
             <a:fld id="{9CF0EC4B-54ED-4041-B552-9BA760FA3DBA}" type="datetime1">
               <a:rPr lang="en-US" smtClean="0"/>
-              <a:t>2/3/2025</a:t>
+              <a:t>2/13/2025</a:t>
             </a:fld>
             <a:endParaRPr lang="en-US"/>
           </a:p>
@@ -3348,7 +3572,7 @@
           <a:p>
             <a:fld id="{51C1210E-201E-4473-82AC-2466F5386C38}" type="datetime1">
               <a:rPr lang="en-US" smtClean="0"/>
-              <a:t>2/3/2025</a:t>
+              <a:t>2/13/2025</a:t>
             </a:fld>
             <a:endParaRPr lang="en-US"/>
           </a:p>
@@ -3626,7 +3850,7 @@
           <a:p>
             <a:fld id="{B01EA198-6CAB-4B8F-B93F-1F9C8C4B6CE7}" type="datetime1">
               <a:rPr lang="en-US" smtClean="0"/>
-              <a:t>2/3/2025</a:t>
+              <a:t>2/13/2025</a:t>
             </a:fld>
             <a:endParaRPr lang="en-US"/>
           </a:p>
@@ -3898,7 +4122,7 @@
           <a:p>
             <a:fld id="{CA06041F-4525-44D5-AA4F-332294BF1F56}" type="datetime1">
               <a:rPr lang="en-US" smtClean="0"/>
-              <a:t>2/3/2025</a:t>
+              <a:t>2/13/2025</a:t>
             </a:fld>
             <a:endParaRPr lang="en-US"/>
           </a:p>
@@ -4322,7 +4546,7 @@
           <a:p>
             <a:fld id="{F9557091-BBDF-4EB9-BA6B-2BB67AC4FC0F}" type="datetime1">
               <a:rPr lang="en-US" smtClean="0"/>
-              <a:t>2/3/2025</a:t>
+              <a:t>2/13/2025</a:t>
             </a:fld>
             <a:endParaRPr lang="en-US"/>
           </a:p>
@@ -4463,7 +4687,7 @@
           <a:p>
             <a:fld id="{2D6B226B-77A6-410C-9796-083F278E0125}" type="datetime1">
               <a:rPr lang="en-US" smtClean="0"/>
-              <a:t>2/3/2025</a:t>
+              <a:t>2/13/2025</a:t>
             </a:fld>
             <a:endParaRPr lang="en-US"/>
           </a:p>
@@ -4576,7 +4800,7 @@
           <a:p>
             <a:fld id="{A23A578B-D289-4C40-8593-3D356C49DA58}" type="datetime1">
               <a:rPr lang="en-US" smtClean="0"/>
-              <a:t>2/3/2025</a:t>
+              <a:t>2/13/2025</a:t>
             </a:fld>
             <a:endParaRPr lang="en-US"/>
           </a:p>
@@ -4895,7 +5119,7 @@
           <a:p>
             <a:fld id="{713DFAE3-14DB-48A7-A80F-80DDB072CE3D}" type="datetime1">
               <a:rPr lang="en-US" smtClean="0"/>
-              <a:t>2/3/2025</a:t>
+              <a:t>2/13/2025</a:t>
             </a:fld>
             <a:endParaRPr lang="en-US"/>
           </a:p>
@@ -5189,7 +5413,7 @@
           <a:p>
             <a:fld id="{92C5EAEF-6478-4102-8F5D-A5FE9FC97ACB}" type="datetime1">
               <a:rPr lang="en-US" smtClean="0"/>
-              <a:t>2/3/2025</a:t>
+              <a:t>2/13/2025</a:t>
             </a:fld>
             <a:endParaRPr lang="en-US"/>
           </a:p>
@@ -5430,7 +5654,7 @@
           <a:p>
             <a:fld id="{67F45AC6-C491-4585-A584-9CE2AF7D5500}" type="datetime1">
               <a:rPr lang="en-US" smtClean="0"/>
-              <a:t>2/3/2025</a:t>
+              <a:t>2/13/2025</a:t>
             </a:fld>
             <a:endParaRPr lang="en-US"/>
           </a:p>
@@ -8196,6 +8420,9 @@
           <a:prstGeom prst="rect">
             <a:avLst/>
           </a:prstGeom>
+          <a:solidFill>
+            <a:schemeClr val="accent2"/>
+          </a:solidFill>
         </p:spPr>
         <p:style>
           <a:lnRef idx="2">
@@ -8245,6 +8472,9 @@
           <a:prstGeom prst="rect">
             <a:avLst/>
           </a:prstGeom>
+          <a:solidFill>
+            <a:schemeClr val="accent2"/>
+          </a:solidFill>
         </p:spPr>
         <p:style>
           <a:lnRef idx="2">
@@ -8294,6 +8524,9 @@
           <a:prstGeom prst="diamond">
             <a:avLst/>
           </a:prstGeom>
+          <a:solidFill>
+            <a:schemeClr val="accent2"/>
+          </a:solidFill>
         </p:spPr>
         <p:style>
           <a:lnRef idx="2">
@@ -8489,6 +8722,9 @@
           <a:prstGeom prst="rect">
             <a:avLst/>
           </a:prstGeom>
+          <a:solidFill>
+            <a:schemeClr val="accent2"/>
+          </a:solidFill>
         </p:spPr>
         <p:style>
           <a:lnRef idx="2">
@@ -8539,6 +8775,9 @@
           <a:prstGeom prst="rect">
             <a:avLst/>
           </a:prstGeom>
+          <a:solidFill>
+            <a:schemeClr val="accent2"/>
+          </a:solidFill>
         </p:spPr>
         <p:style>
           <a:lnRef idx="2">
@@ -8589,6 +8828,9 @@
           <a:prstGeom prst="rect">
             <a:avLst/>
           </a:prstGeom>
+          <a:solidFill>
+            <a:schemeClr val="accent2"/>
+          </a:solidFill>
         </p:spPr>
         <p:style>
           <a:lnRef idx="2">
@@ -8639,6 +8881,9 @@
           <a:prstGeom prst="rect">
             <a:avLst/>
           </a:prstGeom>
+          <a:solidFill>
+            <a:schemeClr val="accent2"/>
+          </a:solidFill>
         </p:spPr>
         <p:style>
           <a:lnRef idx="2">
@@ -8689,6 +8934,9 @@
           <a:prstGeom prst="rect">
             <a:avLst/>
           </a:prstGeom>
+          <a:solidFill>
+            <a:schemeClr val="accent2"/>
+          </a:solidFill>
         </p:spPr>
         <p:style>
           <a:lnRef idx="2">
@@ -8739,6 +8987,9 @@
           <a:prstGeom prst="rect">
             <a:avLst/>
           </a:prstGeom>
+          <a:solidFill>
+            <a:schemeClr val="accent2"/>
+          </a:solidFill>
         </p:spPr>
         <p:style>
           <a:lnRef idx="2">
@@ -8789,6 +9040,9 @@
           <a:prstGeom prst="diamond">
             <a:avLst/>
           </a:prstGeom>
+          <a:solidFill>
+            <a:schemeClr val="accent2"/>
+          </a:solidFill>
         </p:spPr>
         <p:style>
           <a:lnRef idx="2">
@@ -8835,6 +9089,9 @@
           <a:prstGeom prst="diamond">
             <a:avLst/>
           </a:prstGeom>
+          <a:solidFill>
+            <a:schemeClr val="accent2"/>
+          </a:solidFill>
         </p:spPr>
         <p:style>
           <a:lnRef idx="2">
@@ -8881,6 +9138,9 @@
           <a:prstGeom prst="diamond">
             <a:avLst/>
           </a:prstGeom>
+          <a:solidFill>
+            <a:schemeClr val="accent2"/>
+          </a:solidFill>
         </p:spPr>
         <p:style>
           <a:lnRef idx="2">
@@ -8927,6 +9187,9 @@
           <a:prstGeom prst="diamond">
             <a:avLst/>
           </a:prstGeom>
+          <a:solidFill>
+            <a:schemeClr val="accent2"/>
+          </a:solidFill>
         </p:spPr>
         <p:style>
           <a:lnRef idx="2">
@@ -8973,6 +9236,9 @@
           <a:prstGeom prst="diamond">
             <a:avLst/>
           </a:prstGeom>
+          <a:solidFill>
+            <a:schemeClr val="accent2"/>
+          </a:solidFill>
         </p:spPr>
         <p:style>
           <a:lnRef idx="2">
@@ -9237,6 +9503,9 @@
           <a:prstGeom prst="diamond">
             <a:avLst/>
           </a:prstGeom>
+          <a:solidFill>
+            <a:schemeClr val="accent2"/>
+          </a:solidFill>
         </p:spPr>
         <p:style>
           <a:lnRef idx="2">
@@ -12095,7 +12364,13 @@
     </p:bg>
     <p:spTree>
       <p:nvGrpSpPr>
-        <p:cNvPr id="1" name=""/>
+        <p:cNvPr id="1" name="">
+          <a:extLst>
+            <a:ext uri="{FF2B5EF4-FFF2-40B4-BE49-F238E27FC236}">
+              <a16:creationId xmlns:a16="http://schemas.microsoft.com/office/drawing/2014/main" id="{ABC8E265-4279-B925-FBC6-668AF72F0DCF}"/>
+            </a:ext>
+          </a:extLst>
+        </p:cNvPr>
         <p:cNvGrpSpPr/>
         <p:nvPr/>
       </p:nvGrpSpPr>
@@ -12112,7 +12387,7 @@
           <p:cNvPr id="10" name="Rectangle 9">
             <a:extLst>
               <a:ext uri="{FF2B5EF4-FFF2-40B4-BE49-F238E27FC236}">
-                <a16:creationId xmlns:a16="http://schemas.microsoft.com/office/drawing/2014/main" id="{5E8D3B17-7638-DFD3-18E4-8A6D611749CF}"/>
+                <a16:creationId xmlns:a16="http://schemas.microsoft.com/office/drawing/2014/main" id="{8450EF29-A29A-9417-2B09-074C04064425}"/>
               </a:ext>
               <a:ext uri="{C183D7F6-B498-43B3-948B-1728B52AA6E4}">
                 <adec:decorative xmlns:adec="http://schemas.microsoft.com/office/drawing/2017/decorative" xmlns="" val="1"/>
@@ -12188,7 +12463,7 @@
           <p:cNvPr id="2" name="Título 1">
             <a:extLst>
               <a:ext uri="{FF2B5EF4-FFF2-40B4-BE49-F238E27FC236}">
-                <a16:creationId xmlns:a16="http://schemas.microsoft.com/office/drawing/2014/main" id="{D4CDB794-FD66-B57C-5DB2-D14CF7301A4E}"/>
+                <a16:creationId xmlns:a16="http://schemas.microsoft.com/office/drawing/2014/main" id="{4088EF13-93E0-2A25-DAC4-430EED1B9C18}"/>
               </a:ext>
             </a:extLst>
           </p:cNvPr>
@@ -12201,8 +12476,8 @@
         </p:nvSpPr>
         <p:spPr>
           <a:xfrm>
-            <a:off x="1022295" y="2665927"/>
-            <a:ext cx="5916168" cy="919938"/>
+            <a:off x="468503" y="0"/>
+            <a:ext cx="10517176" cy="1527048"/>
           </a:xfrm>
         </p:spPr>
         <p:txBody>
@@ -12211,17 +12486,516 @@
           </a:bodyPr>
           <a:lstStyle/>
           <a:p>
-            <a:r>
-              <a:rPr lang="en-US" dirty="0"/>
-              <a:t>Wireframe</a:t>
-            </a:r>
-            <a:endParaRPr lang="en-US" b="1" kern="1200" dirty="0">
-              <a:solidFill>
-                <a:schemeClr val="tx1"/>
-              </a:solidFill>
-              <a:latin typeface="+mj-lt"/>
-              <a:ea typeface="+mj-ea"/>
-              <a:cs typeface="+mj-cs"/>
+            <a:pPr>
+              <a:spcBef>
+                <a:spcPts val="2500"/>
+              </a:spcBef>
+            </a:pPr>
+            <a:r>
+              <a:rPr lang="pt-BR" dirty="0">
+                <a:latin typeface="Arial" panose="020B0604020202020204" pitchFamily="34" charset="0"/>
+                <a:cs typeface="Arial" panose="020B0604020202020204" pitchFamily="34" charset="0"/>
+              </a:rPr>
+              <a:t>DICIONÁRIO DE </a:t>
+            </a:r>
+            <a:r>
+              <a:rPr lang="pt-BR" dirty="0" smtClean="0">
+                <a:latin typeface="Arial" panose="020B0604020202020204" pitchFamily="34" charset="0"/>
+                <a:cs typeface="Arial" panose="020B0604020202020204" pitchFamily="34" charset="0"/>
+              </a:rPr>
+              <a:t>DADOS </a:t>
+            </a:r>
+            <a:r>
+              <a:rPr lang="pt-BR" dirty="0">
+                <a:latin typeface="Arial" panose="020B0604020202020204" pitchFamily="34" charset="0"/>
+                <a:cs typeface="Arial" panose="020B0604020202020204" pitchFamily="34" charset="0"/>
+              </a:rPr>
+              <a:t>[</a:t>
+            </a:r>
+            <a:r>
+              <a:rPr lang="pt-BR" dirty="0" smtClean="0">
+                <a:latin typeface="Arial" panose="020B0604020202020204" pitchFamily="34" charset="0"/>
+                <a:cs typeface="Arial" panose="020B0604020202020204" pitchFamily="34" charset="0"/>
+              </a:rPr>
+              <a:t>R01]</a:t>
+            </a:r>
+            <a:endParaRPr lang="pt-BR" sz="3600" dirty="0">
+              <a:latin typeface="Arial" panose="020B0604020202020204" pitchFamily="34" charset="0"/>
+              <a:cs typeface="Arial" panose="020B0604020202020204" pitchFamily="34" charset="0"/>
+            </a:endParaRPr>
+          </a:p>
+        </p:txBody>
+      </p:sp>
+      <p:graphicFrame>
+        <p:nvGraphicFramePr>
+          <p:cNvPr id="9" name="Espaço Reservado para Conteúdo 8">
+            <a:extLst>
+              <a:ext uri="{FF2B5EF4-FFF2-40B4-BE49-F238E27FC236}">
+                <a16:creationId xmlns:a16="http://schemas.microsoft.com/office/drawing/2014/main" id="{AE6A2ECC-39B2-D582-178A-3B96D8FBBBF5}"/>
+              </a:ext>
+            </a:extLst>
+          </p:cNvPr>
+          <p:cNvGraphicFramePr>
+            <a:graphicFrameLocks noGrp="1"/>
+          </p:cNvGraphicFramePr>
+          <p:nvPr>
+            <p:ph sz="half" idx="2"/>
+            <p:extLst>
+              <p:ext uri="{D42A27DB-BD31-4B8C-83A1-F6EECF244321}">
+                <p14:modId xmlns:p14="http://schemas.microsoft.com/office/powerpoint/2010/main" val="1304435578"/>
+              </p:ext>
+            </p:extLst>
+          </p:nvPr>
+        </p:nvGraphicFramePr>
+        <p:xfrm>
+          <a:off x="566670" y="2250628"/>
+          <a:ext cx="10071279" cy="3014510"/>
+        </p:xfrm>
+        <a:graphic>
+          <a:graphicData uri="http://schemas.openxmlformats.org/drawingml/2006/table">
+            <a:tbl>
+              <a:tblPr firstRow="1" bandRow="1">
+                <a:tableStyleId>{5C22544A-7EE6-4342-B048-85BDC9FD1C3A}</a:tableStyleId>
+              </a:tblPr>
+              <a:tblGrid>
+                <a:gridCol w="3357093">
+                  <a:extLst>
+                    <a:ext uri="{9D8B030D-6E8A-4147-A177-3AD203B41FA5}">
+                      <a16:colId xmlns:a16="http://schemas.microsoft.com/office/drawing/2014/main" val="1759235190"/>
+                    </a:ext>
+                  </a:extLst>
+                </a:gridCol>
+                <a:gridCol w="3357093">
+                  <a:extLst>
+                    <a:ext uri="{9D8B030D-6E8A-4147-A177-3AD203B41FA5}">
+                      <a16:colId xmlns:a16="http://schemas.microsoft.com/office/drawing/2014/main" val="2611790632"/>
+                    </a:ext>
+                  </a:extLst>
+                </a:gridCol>
+                <a:gridCol w="3357093">
+                  <a:extLst>
+                    <a:ext uri="{9D8B030D-6E8A-4147-A177-3AD203B41FA5}">
+                      <a16:colId xmlns:a16="http://schemas.microsoft.com/office/drawing/2014/main" val="2783851260"/>
+                    </a:ext>
+                  </a:extLst>
+                </a:gridCol>
+              </a:tblGrid>
+              <a:tr h="370840">
+                <a:tc>
+                  <a:txBody>
+                    <a:bodyPr/>
+                    <a:lstStyle/>
+                    <a:p>
+                      <a:r>
+                        <a:rPr lang="pt-BR" dirty="0"/>
+                        <a:t>Campo</a:t>
+                      </a:r>
+                    </a:p>
+                  </a:txBody>
+                  <a:tcPr/>
+                </a:tc>
+                <a:tc>
+                  <a:txBody>
+                    <a:bodyPr/>
+                    <a:lstStyle/>
+                    <a:p>
+                      <a:r>
+                        <a:rPr lang="pt-BR" dirty="0"/>
+                        <a:t>Tipo de Dados</a:t>
+                      </a:r>
+                    </a:p>
+                  </a:txBody>
+                  <a:tcPr/>
+                </a:tc>
+                <a:tc>
+                  <a:txBody>
+                    <a:bodyPr/>
+                    <a:lstStyle/>
+                    <a:p>
+                      <a:r>
+                        <a:rPr lang="pt-BR" dirty="0"/>
+                        <a:t>OBS</a:t>
+                      </a:r>
+                    </a:p>
+                  </a:txBody>
+                  <a:tcPr/>
+                </a:tc>
+                <a:extLst>
+                  <a:ext uri="{0D108BD9-81ED-4DB2-BD59-A6C34878D82A}">
+                    <a16:rowId xmlns:a16="http://schemas.microsoft.com/office/drawing/2014/main" val="996086151"/>
+                  </a:ext>
+                </a:extLst>
+              </a:tr>
+              <a:tr h="370840">
+                <a:tc>
+                  <a:txBody>
+                    <a:bodyPr/>
+                    <a:lstStyle/>
+                    <a:p>
+                      <a:r>
+                        <a:rPr lang="pt-BR" dirty="0"/>
+                        <a:t>Código</a:t>
+                      </a:r>
+                    </a:p>
+                  </a:txBody>
+                  <a:tcPr/>
+                </a:tc>
+                <a:tc>
+                  <a:txBody>
+                    <a:bodyPr/>
+                    <a:lstStyle/>
+                    <a:p>
+                      <a:r>
+                        <a:rPr lang="pt-BR" dirty="0" err="1"/>
+                        <a:t>Int</a:t>
+                      </a:r>
+                      <a:endParaRPr lang="pt-BR" dirty="0"/>
+                    </a:p>
+                  </a:txBody>
+                  <a:tcPr/>
+                </a:tc>
+                <a:tc>
+                  <a:txBody>
+                    <a:bodyPr/>
+                    <a:lstStyle/>
+                    <a:p>
+                      <a:r>
+                        <a:rPr lang="pt-BR" dirty="0"/>
+                        <a:t>Chave Primária</a:t>
+                      </a:r>
+                    </a:p>
+                  </a:txBody>
+                  <a:tcPr/>
+                </a:tc>
+                <a:extLst>
+                  <a:ext uri="{0D108BD9-81ED-4DB2-BD59-A6C34878D82A}">
+                    <a16:rowId xmlns:a16="http://schemas.microsoft.com/office/drawing/2014/main" val="1004326904"/>
+                  </a:ext>
+                </a:extLst>
+              </a:tr>
+              <a:tr h="370840">
+                <a:tc>
+                  <a:txBody>
+                    <a:bodyPr/>
+                    <a:lstStyle/>
+                    <a:p>
+                      <a:r>
+                        <a:rPr lang="pt-BR" dirty="0" err="1" smtClean="0"/>
+                        <a:t>DataEntrada</a:t>
+                      </a:r>
+                      <a:endParaRPr lang="pt-BR" dirty="0"/>
+                    </a:p>
+                  </a:txBody>
+                  <a:tcPr/>
+                </a:tc>
+                <a:tc>
+                  <a:txBody>
+                    <a:bodyPr/>
+                    <a:lstStyle/>
+                    <a:p>
+                      <a:r>
+                        <a:rPr lang="pt-BR" dirty="0" err="1" smtClean="0"/>
+                        <a:t>datetime</a:t>
+                      </a:r>
+                      <a:endParaRPr lang="pt-BR" dirty="0"/>
+                    </a:p>
+                  </a:txBody>
+                  <a:tcPr/>
+                </a:tc>
+                <a:tc>
+                  <a:txBody>
+                    <a:bodyPr/>
+                    <a:lstStyle/>
+                    <a:p>
+                      <a:endParaRPr lang="pt-BR" dirty="0"/>
+                    </a:p>
+                  </a:txBody>
+                  <a:tcPr/>
+                </a:tc>
+                <a:extLst>
+                  <a:ext uri="{0D108BD9-81ED-4DB2-BD59-A6C34878D82A}">
+                    <a16:rowId xmlns:a16="http://schemas.microsoft.com/office/drawing/2014/main" val="1354368322"/>
+                  </a:ext>
+                </a:extLst>
+              </a:tr>
+              <a:tr h="418630">
+                <a:tc>
+                  <a:txBody>
+                    <a:bodyPr/>
+                    <a:lstStyle/>
+                    <a:p>
+                      <a:r>
+                        <a:rPr lang="pt-BR" dirty="0" err="1" smtClean="0"/>
+                        <a:t>CodigoFornecedor</a:t>
+                      </a:r>
+                      <a:endParaRPr lang="pt-BR" dirty="0"/>
+                    </a:p>
+                  </a:txBody>
+                  <a:tcPr/>
+                </a:tc>
+                <a:tc>
+                  <a:txBody>
+                    <a:bodyPr/>
+                    <a:lstStyle/>
+                    <a:p>
+                      <a:r>
+                        <a:rPr lang="pt-BR" dirty="0" err="1" smtClean="0"/>
+                        <a:t>int</a:t>
+                      </a:r>
+                      <a:endParaRPr lang="pt-BR" dirty="0"/>
+                    </a:p>
+                  </a:txBody>
+                  <a:tcPr/>
+                </a:tc>
+                <a:tc>
+                  <a:txBody>
+                    <a:bodyPr/>
+                    <a:lstStyle/>
+                    <a:p>
+                      <a:endParaRPr lang="pt-BR" dirty="0"/>
+                    </a:p>
+                  </a:txBody>
+                  <a:tcPr/>
+                </a:tc>
+                <a:extLst>
+                  <a:ext uri="{0D108BD9-81ED-4DB2-BD59-A6C34878D82A}">
+                    <a16:rowId xmlns:a16="http://schemas.microsoft.com/office/drawing/2014/main" val="275426533"/>
+                  </a:ext>
+                </a:extLst>
+              </a:tr>
+              <a:tr h="370840">
+                <a:tc>
+                  <a:txBody>
+                    <a:bodyPr/>
+                    <a:lstStyle/>
+                    <a:p>
+                      <a:r>
+                        <a:rPr lang="pt-BR" dirty="0" err="1" smtClean="0"/>
+                        <a:t>Observacao</a:t>
+                      </a:r>
+                      <a:endParaRPr lang="pt-BR" dirty="0"/>
+                    </a:p>
+                  </a:txBody>
+                  <a:tcPr/>
+                </a:tc>
+                <a:tc>
+                  <a:txBody>
+                    <a:bodyPr/>
+                    <a:lstStyle/>
+                    <a:p>
+                      <a:r>
+                        <a:rPr lang="pt-BR" dirty="0" err="1" smtClean="0"/>
+                        <a:t>Varchar</a:t>
+                      </a:r>
+                      <a:r>
+                        <a:rPr lang="pt-BR" dirty="0" smtClean="0"/>
+                        <a:t>(1000)</a:t>
+                      </a:r>
+                      <a:endParaRPr lang="pt-BR" dirty="0"/>
+                    </a:p>
+                  </a:txBody>
+                  <a:tcPr/>
+                </a:tc>
+                <a:tc>
+                  <a:txBody>
+                    <a:bodyPr/>
+                    <a:lstStyle/>
+                    <a:p>
+                      <a:endParaRPr lang="pt-BR" dirty="0"/>
+                    </a:p>
+                  </a:txBody>
+                  <a:tcPr/>
+                </a:tc>
+                <a:extLst>
+                  <a:ext uri="{0D108BD9-81ED-4DB2-BD59-A6C34878D82A}">
+                    <a16:rowId xmlns:a16="http://schemas.microsoft.com/office/drawing/2014/main" val="2790910923"/>
+                  </a:ext>
+                </a:extLst>
+              </a:tr>
+              <a:tr h="370840">
+                <a:tc>
+                  <a:txBody>
+                    <a:bodyPr/>
+                    <a:lstStyle/>
+                    <a:p>
+                      <a:endParaRPr lang="pt-BR" dirty="0"/>
+                    </a:p>
+                  </a:txBody>
+                  <a:tcPr/>
+                </a:tc>
+                <a:tc>
+                  <a:txBody>
+                    <a:bodyPr/>
+                    <a:lstStyle/>
+                    <a:p>
+                      <a:endParaRPr lang="pt-BR" dirty="0"/>
+                    </a:p>
+                  </a:txBody>
+                  <a:tcPr/>
+                </a:tc>
+                <a:tc>
+                  <a:txBody>
+                    <a:bodyPr/>
+                    <a:lstStyle/>
+                    <a:p>
+                      <a:endParaRPr lang="pt-BR" dirty="0"/>
+                    </a:p>
+                  </a:txBody>
+                  <a:tcPr/>
+                </a:tc>
+                <a:extLst>
+                  <a:ext uri="{0D108BD9-81ED-4DB2-BD59-A6C34878D82A}">
+                    <a16:rowId xmlns:a16="http://schemas.microsoft.com/office/drawing/2014/main" val="1929395480"/>
+                  </a:ext>
+                </a:extLst>
+              </a:tr>
+              <a:tr h="370840">
+                <a:tc>
+                  <a:txBody>
+                    <a:bodyPr/>
+                    <a:lstStyle/>
+                    <a:p>
+                      <a:endParaRPr lang="pt-BR" dirty="0"/>
+                    </a:p>
+                  </a:txBody>
+                  <a:tcPr/>
+                </a:tc>
+                <a:tc>
+                  <a:txBody>
+                    <a:bodyPr/>
+                    <a:lstStyle/>
+                    <a:p>
+                      <a:endParaRPr lang="pt-BR" dirty="0"/>
+                    </a:p>
+                  </a:txBody>
+                  <a:tcPr/>
+                </a:tc>
+                <a:tc>
+                  <a:txBody>
+                    <a:bodyPr/>
+                    <a:lstStyle/>
+                    <a:p>
+                      <a:endParaRPr lang="pt-BR" dirty="0"/>
+                    </a:p>
+                  </a:txBody>
+                  <a:tcPr/>
+                </a:tc>
+                <a:extLst>
+                  <a:ext uri="{0D108BD9-81ED-4DB2-BD59-A6C34878D82A}">
+                    <a16:rowId xmlns:a16="http://schemas.microsoft.com/office/drawing/2014/main" val="2940149528"/>
+                  </a:ext>
+                </a:extLst>
+              </a:tr>
+              <a:tr h="370840">
+                <a:tc>
+                  <a:txBody>
+                    <a:bodyPr/>
+                    <a:lstStyle/>
+                    <a:p>
+                      <a:endParaRPr lang="pt-BR" dirty="0"/>
+                    </a:p>
+                  </a:txBody>
+                  <a:tcPr/>
+                </a:tc>
+                <a:tc>
+                  <a:txBody>
+                    <a:bodyPr/>
+                    <a:lstStyle/>
+                    <a:p>
+                      <a:endParaRPr lang="pt-BR" dirty="0"/>
+                    </a:p>
+                  </a:txBody>
+                  <a:tcPr/>
+                </a:tc>
+                <a:tc>
+                  <a:txBody>
+                    <a:bodyPr/>
+                    <a:lstStyle/>
+                    <a:p>
+                      <a:endParaRPr lang="pt-BR" dirty="0"/>
+                    </a:p>
+                  </a:txBody>
+                  <a:tcPr/>
+                </a:tc>
+                <a:extLst>
+                  <a:ext uri="{0D108BD9-81ED-4DB2-BD59-A6C34878D82A}">
+                    <a16:rowId xmlns:a16="http://schemas.microsoft.com/office/drawing/2014/main" val="1116382274"/>
+                  </a:ext>
+                </a:extLst>
+              </a:tr>
+            </a:tbl>
+          </a:graphicData>
+        </a:graphic>
+      </p:graphicFrame>
+      <p:sp>
+        <p:nvSpPr>
+          <p:cNvPr id="11" name="Título 1">
+            <a:extLst>
+              <a:ext uri="{FF2B5EF4-FFF2-40B4-BE49-F238E27FC236}">
+                <a16:creationId xmlns:a16="http://schemas.microsoft.com/office/drawing/2014/main" id="{0229AC0A-F8EF-158B-5D49-B06E1612EEDE}"/>
+              </a:ext>
+            </a:extLst>
+          </p:cNvPr>
+          <p:cNvSpPr txBox="1">
+            <a:spLocks/>
+          </p:cNvSpPr>
+          <p:nvPr/>
+        </p:nvSpPr>
+        <p:spPr>
+          <a:xfrm>
+            <a:off x="468503" y="763524"/>
+            <a:ext cx="10517176" cy="1527048"/>
+          </a:xfrm>
+          <a:prstGeom prst="rect">
+            <a:avLst/>
+          </a:prstGeom>
+        </p:spPr>
+        <p:txBody>
+          <a:bodyPr vert="horz" lIns="91440" tIns="45720" rIns="91440" bIns="45720" rtlCol="0" anchor="b">
+            <a:normAutofit/>
+          </a:bodyPr>
+          <a:lstStyle>
+            <a:lvl1pPr algn="l" defTabSz="914400" rtl="0" eaLnBrk="1" latinLnBrk="0" hangingPunct="1">
+              <a:lnSpc>
+                <a:spcPct val="90000"/>
+              </a:lnSpc>
+              <a:spcBef>
+                <a:spcPct val="0"/>
+              </a:spcBef>
+              <a:buNone/>
+              <a:defRPr sz="3600" b="1" kern="1200">
+                <a:solidFill>
+                  <a:schemeClr val="tx1"/>
+                </a:solidFill>
+                <a:latin typeface="+mj-lt"/>
+                <a:ea typeface="+mj-ea"/>
+                <a:cs typeface="+mj-cs"/>
+              </a:defRPr>
+            </a:lvl1pPr>
+          </a:lstStyle>
+          <a:p>
+            <a:pPr>
+              <a:spcBef>
+                <a:spcPts val="2500"/>
+              </a:spcBef>
+            </a:pPr>
+            <a:r>
+              <a:rPr lang="pt-BR" sz="1600" dirty="0">
+                <a:latin typeface="Arial" panose="020B0604020202020204" pitchFamily="34" charset="0"/>
+                <a:cs typeface="Arial" panose="020B0604020202020204" pitchFamily="34" charset="0"/>
+              </a:rPr>
+              <a:t>Tabela </a:t>
+            </a:r>
+            <a:r>
+              <a:rPr lang="pt-BR" sz="1600" dirty="0" smtClean="0">
+                <a:latin typeface="Arial" panose="020B0604020202020204" pitchFamily="34" charset="0"/>
+                <a:cs typeface="Arial" panose="020B0604020202020204" pitchFamily="34" charset="0"/>
+              </a:rPr>
+              <a:t>Entrada</a:t>
+            </a:r>
+            <a:endParaRPr lang="pt-BR" sz="1600" dirty="0">
+              <a:latin typeface="Arial" panose="020B0604020202020204" pitchFamily="34" charset="0"/>
+              <a:cs typeface="Arial" panose="020B0604020202020204" pitchFamily="34" charset="0"/>
             </a:endParaRPr>
           </a:p>
         </p:txBody>
@@ -12229,7 +13003,7 @@
     </p:spTree>
     <p:extLst>
       <p:ext uri="{BB962C8B-B14F-4D97-AF65-F5344CB8AC3E}">
-        <p14:creationId xmlns:p14="http://schemas.microsoft.com/office/powerpoint/2010/main" val="827370966"/>
+        <p14:creationId xmlns:p14="http://schemas.microsoft.com/office/powerpoint/2010/main" val="1746059493"/>
       </p:ext>
     </p:extLst>
   </p:cSld>
@@ -12239,6 +13013,13 @@
   <p:transition>
     <p:fade/>
   </p:transition>
+  <p:timing>
+    <p:tnLst>
+      <p:par>
+        <p:cTn id="1" dur="indefinite" restart="never" nodeType="tmRoot"/>
+      </p:par>
+    </p:tnLst>
+  </p:timing>
 </p:sld>
 </file>
 
@@ -12255,7 +13036,13 @@
     </p:bg>
     <p:spTree>
       <p:nvGrpSpPr>
-        <p:cNvPr id="1" name=""/>
+        <p:cNvPr id="1" name="">
+          <a:extLst>
+            <a:ext uri="{FF2B5EF4-FFF2-40B4-BE49-F238E27FC236}">
+              <a16:creationId xmlns:a16="http://schemas.microsoft.com/office/drawing/2014/main" id="{ABC8E265-4279-B925-FBC6-668AF72F0DCF}"/>
+            </a:ext>
+          </a:extLst>
+        </p:cNvPr>
         <p:cNvGrpSpPr/>
         <p:nvPr/>
       </p:nvGrpSpPr>
@@ -12272,7 +13059,7 @@
           <p:cNvPr id="10" name="Rectangle 9">
             <a:extLst>
               <a:ext uri="{FF2B5EF4-FFF2-40B4-BE49-F238E27FC236}">
-                <a16:creationId xmlns:a16="http://schemas.microsoft.com/office/drawing/2014/main" id="{5E8D3B17-7638-DFD3-18E4-8A6D611749CF}"/>
+                <a16:creationId xmlns:a16="http://schemas.microsoft.com/office/drawing/2014/main" id="{8450EF29-A29A-9417-2B09-074C04064425}"/>
               </a:ext>
               <a:ext uri="{C183D7F6-B498-43B3-948B-1728B52AA6E4}">
                 <adec:decorative xmlns:adec="http://schemas.microsoft.com/office/drawing/2017/decorative" xmlns="" val="1"/>
@@ -12343,43 +13130,12 @@
           </a:p>
         </p:txBody>
       </p:sp>
-      <p:pic>
-        <p:nvPicPr>
-          <p:cNvPr id="5" name="Espaço Reservado para Conteúdo 4" descr="Formulário web de login">
-            <a:extLst>
-              <a:ext uri="{FF2B5EF4-FFF2-40B4-BE49-F238E27FC236}">
-                <a16:creationId xmlns:a16="http://schemas.microsoft.com/office/drawing/2014/main" id="{9574661C-9C71-44C7-9C38-D5812FB73B79}"/>
-              </a:ext>
-            </a:extLst>
-          </p:cNvPr>
-          <p:cNvPicPr>
-            <a:picLocks noGrp="1" noChangeAspect="1"/>
-          </p:cNvPicPr>
-          <p:nvPr>
-            <p:ph sz="half" idx="1"/>
-          </p:nvPr>
-        </p:nvPicPr>
-        <p:blipFill>
-          <a:blip r:embed="rId3"/>
-          <a:srcRect l="27263" r="22617" b="1"/>
-          <a:stretch/>
-        </p:blipFill>
-        <p:spPr>
-          <a:xfrm>
-            <a:off x="1403817" y="1133346"/>
-            <a:ext cx="3748431" cy="5235252"/>
-          </a:xfrm>
-          <a:prstGeom prst="rect">
-            <a:avLst/>
-          </a:prstGeom>
-        </p:spPr>
-      </p:pic>
       <p:sp>
         <p:nvSpPr>
           <p:cNvPr id="2" name="Título 1">
             <a:extLst>
               <a:ext uri="{FF2B5EF4-FFF2-40B4-BE49-F238E27FC236}">
-                <a16:creationId xmlns:a16="http://schemas.microsoft.com/office/drawing/2014/main" id="{52C8C7F8-6A55-1DF8-3A33-F776C9F854B3}"/>
+                <a16:creationId xmlns:a16="http://schemas.microsoft.com/office/drawing/2014/main" id="{4088EF13-93E0-2A25-DAC4-430EED1B9C18}"/>
               </a:ext>
             </a:extLst>
           </p:cNvPr>
@@ -12392,8 +13148,8 @@
         </p:nvSpPr>
         <p:spPr>
           <a:xfrm>
-            <a:off x="5209415" y="218946"/>
-            <a:ext cx="5916168" cy="1527048"/>
+            <a:off x="468503" y="0"/>
+            <a:ext cx="10517176" cy="1527048"/>
           </a:xfrm>
         </p:spPr>
         <p:txBody>
@@ -12402,26 +13158,465 @@
           </a:bodyPr>
           <a:lstStyle/>
           <a:p>
-            <a:r>
-              <a:rPr lang="en-US" b="0" kern="1200" dirty="0">
-                <a:solidFill>
-                  <a:schemeClr val="tx1"/>
-                </a:solidFill>
-                <a:latin typeface="+mj-lt"/>
-                <a:ea typeface="+mj-ea"/>
-                <a:cs typeface="+mj-cs"/>
+            <a:pPr>
+              <a:spcBef>
+                <a:spcPts val="2500"/>
+              </a:spcBef>
+            </a:pPr>
+            <a:r>
+              <a:rPr lang="pt-BR" dirty="0">
+                <a:latin typeface="Arial" panose="020B0604020202020204" pitchFamily="34" charset="0"/>
+                <a:cs typeface="Arial" panose="020B0604020202020204" pitchFamily="34" charset="0"/>
               </a:rPr>
-              <a:t>Tela de Login</a:t>
-            </a:r>
-          </a:p>
-        </p:txBody>
-      </p:sp>
-      <p:sp>
-        <p:nvSpPr>
-          <p:cNvPr id="7" name="Título 1">
-            <a:extLst>
-              <a:ext uri="{FF2B5EF4-FFF2-40B4-BE49-F238E27FC236}">
-                <a16:creationId xmlns:a16="http://schemas.microsoft.com/office/drawing/2014/main" id="{F08859EF-E25E-52C0-C024-DE22738F8749}"/>
+              <a:t>DICIONÁRIO DE </a:t>
+            </a:r>
+            <a:r>
+              <a:rPr lang="pt-BR" dirty="0" smtClean="0">
+                <a:latin typeface="Arial" panose="020B0604020202020204" pitchFamily="34" charset="0"/>
+                <a:cs typeface="Arial" panose="020B0604020202020204" pitchFamily="34" charset="0"/>
+              </a:rPr>
+              <a:t>DADOS </a:t>
+            </a:r>
+            <a:r>
+              <a:rPr lang="pt-BR" dirty="0">
+                <a:latin typeface="Arial" panose="020B0604020202020204" pitchFamily="34" charset="0"/>
+                <a:cs typeface="Arial" panose="020B0604020202020204" pitchFamily="34" charset="0"/>
+              </a:rPr>
+              <a:t>[</a:t>
+            </a:r>
+            <a:r>
+              <a:rPr lang="pt-BR" dirty="0" smtClean="0">
+                <a:latin typeface="Arial" panose="020B0604020202020204" pitchFamily="34" charset="0"/>
+                <a:cs typeface="Arial" panose="020B0604020202020204" pitchFamily="34" charset="0"/>
+              </a:rPr>
+              <a:t>R01]</a:t>
+            </a:r>
+            <a:endParaRPr lang="pt-BR" sz="3600" dirty="0">
+              <a:latin typeface="Arial" panose="020B0604020202020204" pitchFamily="34" charset="0"/>
+              <a:cs typeface="Arial" panose="020B0604020202020204" pitchFamily="34" charset="0"/>
+            </a:endParaRPr>
+          </a:p>
+        </p:txBody>
+      </p:sp>
+      <p:graphicFrame>
+        <p:nvGraphicFramePr>
+          <p:cNvPr id="9" name="Espaço Reservado para Conteúdo 8">
+            <a:extLst>
+              <a:ext uri="{FF2B5EF4-FFF2-40B4-BE49-F238E27FC236}">
+                <a16:creationId xmlns:a16="http://schemas.microsoft.com/office/drawing/2014/main" id="{AE6A2ECC-39B2-D582-178A-3B96D8FBBBF5}"/>
+              </a:ext>
+            </a:extLst>
+          </p:cNvPr>
+          <p:cNvGraphicFramePr>
+            <a:graphicFrameLocks noGrp="1"/>
+          </p:cNvGraphicFramePr>
+          <p:nvPr>
+            <p:ph sz="half" idx="2"/>
+            <p:extLst>
+              <p:ext uri="{D42A27DB-BD31-4B8C-83A1-F6EECF244321}">
+                <p14:modId xmlns:p14="http://schemas.microsoft.com/office/powerpoint/2010/main" val="1308543067"/>
+              </p:ext>
+            </p:extLst>
+          </p:nvPr>
+        </p:nvGraphicFramePr>
+        <p:xfrm>
+          <a:off x="566670" y="2250628"/>
+          <a:ext cx="10071279" cy="2966720"/>
+        </p:xfrm>
+        <a:graphic>
+          <a:graphicData uri="http://schemas.openxmlformats.org/drawingml/2006/table">
+            <a:tbl>
+              <a:tblPr firstRow="1" bandRow="1">
+                <a:tableStyleId>{5C22544A-7EE6-4342-B048-85BDC9FD1C3A}</a:tableStyleId>
+              </a:tblPr>
+              <a:tblGrid>
+                <a:gridCol w="3357093">
+                  <a:extLst>
+                    <a:ext uri="{9D8B030D-6E8A-4147-A177-3AD203B41FA5}">
+                      <a16:colId xmlns:a16="http://schemas.microsoft.com/office/drawing/2014/main" val="1759235190"/>
+                    </a:ext>
+                  </a:extLst>
+                </a:gridCol>
+                <a:gridCol w="3357093">
+                  <a:extLst>
+                    <a:ext uri="{9D8B030D-6E8A-4147-A177-3AD203B41FA5}">
+                      <a16:colId xmlns:a16="http://schemas.microsoft.com/office/drawing/2014/main" val="2611790632"/>
+                    </a:ext>
+                  </a:extLst>
+                </a:gridCol>
+                <a:gridCol w="3357093">
+                  <a:extLst>
+                    <a:ext uri="{9D8B030D-6E8A-4147-A177-3AD203B41FA5}">
+                      <a16:colId xmlns:a16="http://schemas.microsoft.com/office/drawing/2014/main" val="2783851260"/>
+                    </a:ext>
+                  </a:extLst>
+                </a:gridCol>
+              </a:tblGrid>
+              <a:tr h="370840">
+                <a:tc>
+                  <a:txBody>
+                    <a:bodyPr/>
+                    <a:lstStyle/>
+                    <a:p>
+                      <a:r>
+                        <a:rPr lang="pt-BR" dirty="0"/>
+                        <a:t>Campo</a:t>
+                      </a:r>
+                    </a:p>
+                  </a:txBody>
+                  <a:tcPr/>
+                </a:tc>
+                <a:tc>
+                  <a:txBody>
+                    <a:bodyPr/>
+                    <a:lstStyle/>
+                    <a:p>
+                      <a:r>
+                        <a:rPr lang="pt-BR" dirty="0"/>
+                        <a:t>Tipo de Dados</a:t>
+                      </a:r>
+                    </a:p>
+                  </a:txBody>
+                  <a:tcPr/>
+                </a:tc>
+                <a:tc>
+                  <a:txBody>
+                    <a:bodyPr/>
+                    <a:lstStyle/>
+                    <a:p>
+                      <a:r>
+                        <a:rPr lang="pt-BR" dirty="0"/>
+                        <a:t>OBS</a:t>
+                      </a:r>
+                    </a:p>
+                  </a:txBody>
+                  <a:tcPr/>
+                </a:tc>
+                <a:extLst>
+                  <a:ext uri="{0D108BD9-81ED-4DB2-BD59-A6C34878D82A}">
+                    <a16:rowId xmlns:a16="http://schemas.microsoft.com/office/drawing/2014/main" val="996086151"/>
+                  </a:ext>
+                </a:extLst>
+              </a:tr>
+              <a:tr h="370840">
+                <a:tc>
+                  <a:txBody>
+                    <a:bodyPr/>
+                    <a:lstStyle/>
+                    <a:p>
+                      <a:r>
+                        <a:rPr lang="pt-BR" dirty="0"/>
+                        <a:t>Código</a:t>
+                      </a:r>
+                    </a:p>
+                  </a:txBody>
+                  <a:tcPr/>
+                </a:tc>
+                <a:tc>
+                  <a:txBody>
+                    <a:bodyPr/>
+                    <a:lstStyle/>
+                    <a:p>
+                      <a:r>
+                        <a:rPr lang="pt-BR" dirty="0" err="1"/>
+                        <a:t>Int</a:t>
+                      </a:r>
+                      <a:endParaRPr lang="pt-BR" dirty="0"/>
+                    </a:p>
+                  </a:txBody>
+                  <a:tcPr/>
+                </a:tc>
+                <a:tc>
+                  <a:txBody>
+                    <a:bodyPr/>
+                    <a:lstStyle/>
+                    <a:p>
+                      <a:r>
+                        <a:rPr lang="pt-BR" dirty="0"/>
+                        <a:t>Chave Primária</a:t>
+                      </a:r>
+                    </a:p>
+                  </a:txBody>
+                  <a:tcPr/>
+                </a:tc>
+                <a:extLst>
+                  <a:ext uri="{0D108BD9-81ED-4DB2-BD59-A6C34878D82A}">
+                    <a16:rowId xmlns:a16="http://schemas.microsoft.com/office/drawing/2014/main" val="1004326904"/>
+                  </a:ext>
+                </a:extLst>
+              </a:tr>
+              <a:tr h="370840">
+                <a:tc>
+                  <a:txBody>
+                    <a:bodyPr/>
+                    <a:lstStyle/>
+                    <a:p>
+                      <a:r>
+                        <a:rPr lang="pt-BR" dirty="0" err="1" smtClean="0"/>
+                        <a:t>CodigoProduto</a:t>
+                      </a:r>
+                      <a:endParaRPr lang="pt-BR" dirty="0"/>
+                    </a:p>
+                  </a:txBody>
+                  <a:tcPr/>
+                </a:tc>
+                <a:tc>
+                  <a:txBody>
+                    <a:bodyPr/>
+                    <a:lstStyle/>
+                    <a:p>
+                      <a:r>
+                        <a:rPr lang="pt-BR" dirty="0" err="1" smtClean="0"/>
+                        <a:t>Int</a:t>
+                      </a:r>
+                      <a:endParaRPr lang="pt-BR" dirty="0"/>
+                    </a:p>
+                  </a:txBody>
+                  <a:tcPr/>
+                </a:tc>
+                <a:tc>
+                  <a:txBody>
+                    <a:bodyPr/>
+                    <a:lstStyle/>
+                    <a:p>
+                      <a:endParaRPr lang="pt-BR" dirty="0"/>
+                    </a:p>
+                  </a:txBody>
+                  <a:tcPr/>
+                </a:tc>
+                <a:extLst>
+                  <a:ext uri="{0D108BD9-81ED-4DB2-BD59-A6C34878D82A}">
+                    <a16:rowId xmlns:a16="http://schemas.microsoft.com/office/drawing/2014/main" val="1354368322"/>
+                  </a:ext>
+                </a:extLst>
+              </a:tr>
+              <a:tr h="370840">
+                <a:tc>
+                  <a:txBody>
+                    <a:bodyPr/>
+                    <a:lstStyle/>
+                    <a:p>
+                      <a:r>
+                        <a:rPr lang="pt-BR" dirty="0" err="1" smtClean="0"/>
+                        <a:t>CodigoEntrada</a:t>
+                      </a:r>
+                      <a:endParaRPr lang="pt-BR" dirty="0"/>
+                    </a:p>
+                  </a:txBody>
+                  <a:tcPr/>
+                </a:tc>
+                <a:tc>
+                  <a:txBody>
+                    <a:bodyPr/>
+                    <a:lstStyle/>
+                    <a:p>
+                      <a:r>
+                        <a:rPr lang="pt-BR" dirty="0" err="1" smtClean="0"/>
+                        <a:t>int</a:t>
+                      </a:r>
+                      <a:endParaRPr lang="pt-BR" dirty="0"/>
+                    </a:p>
+                  </a:txBody>
+                  <a:tcPr/>
+                </a:tc>
+                <a:tc>
+                  <a:txBody>
+                    <a:bodyPr/>
+                    <a:lstStyle/>
+                    <a:p>
+                      <a:endParaRPr lang="pt-BR" dirty="0"/>
+                    </a:p>
+                  </a:txBody>
+                  <a:tcPr/>
+                </a:tc>
+                <a:extLst>
+                  <a:ext uri="{0D108BD9-81ED-4DB2-BD59-A6C34878D82A}">
+                    <a16:rowId xmlns:a16="http://schemas.microsoft.com/office/drawing/2014/main" val="275426533"/>
+                  </a:ext>
+                </a:extLst>
+              </a:tr>
+              <a:tr h="370840">
+                <a:tc>
+                  <a:txBody>
+                    <a:bodyPr/>
+                    <a:lstStyle/>
+                    <a:p>
+                      <a:r>
+                        <a:rPr lang="pt-BR" dirty="0" smtClean="0"/>
+                        <a:t>Quantidade</a:t>
+                      </a:r>
+                      <a:endParaRPr lang="pt-BR" dirty="0"/>
+                    </a:p>
+                  </a:txBody>
+                  <a:tcPr/>
+                </a:tc>
+                <a:tc>
+                  <a:txBody>
+                    <a:bodyPr/>
+                    <a:lstStyle/>
+                    <a:p>
+                      <a:r>
+                        <a:rPr lang="pt-BR" dirty="0" err="1" smtClean="0"/>
+                        <a:t>Int</a:t>
+                      </a:r>
+                      <a:endParaRPr lang="pt-BR" dirty="0"/>
+                    </a:p>
+                  </a:txBody>
+                  <a:tcPr/>
+                </a:tc>
+                <a:tc>
+                  <a:txBody>
+                    <a:bodyPr/>
+                    <a:lstStyle/>
+                    <a:p>
+                      <a:endParaRPr lang="pt-BR" dirty="0"/>
+                    </a:p>
+                  </a:txBody>
+                  <a:tcPr/>
+                </a:tc>
+                <a:extLst>
+                  <a:ext uri="{0D108BD9-81ED-4DB2-BD59-A6C34878D82A}">
+                    <a16:rowId xmlns:a16="http://schemas.microsoft.com/office/drawing/2014/main" val="2790910923"/>
+                  </a:ext>
+                </a:extLst>
+              </a:tr>
+              <a:tr h="370840">
+                <a:tc>
+                  <a:txBody>
+                    <a:bodyPr/>
+                    <a:lstStyle/>
+                    <a:p>
+                      <a:r>
+                        <a:rPr lang="pt-BR" dirty="0" err="1" smtClean="0"/>
+                        <a:t>Preco</a:t>
+                      </a:r>
+                      <a:endParaRPr lang="pt-BR" dirty="0"/>
+                    </a:p>
+                  </a:txBody>
+                  <a:tcPr/>
+                </a:tc>
+                <a:tc>
+                  <a:txBody>
+                    <a:bodyPr/>
+                    <a:lstStyle/>
+                    <a:p>
+                      <a:r>
+                        <a:rPr lang="pt-BR" dirty="0" smtClean="0"/>
+                        <a:t>Double</a:t>
+                      </a:r>
+                      <a:endParaRPr lang="pt-BR" dirty="0"/>
+                    </a:p>
+                  </a:txBody>
+                  <a:tcPr/>
+                </a:tc>
+                <a:tc>
+                  <a:txBody>
+                    <a:bodyPr/>
+                    <a:lstStyle/>
+                    <a:p>
+                      <a:endParaRPr lang="pt-BR" dirty="0"/>
+                    </a:p>
+                  </a:txBody>
+                  <a:tcPr/>
+                </a:tc>
+                <a:extLst>
+                  <a:ext uri="{0D108BD9-81ED-4DB2-BD59-A6C34878D82A}">
+                    <a16:rowId xmlns:a16="http://schemas.microsoft.com/office/drawing/2014/main" val="1929395480"/>
+                  </a:ext>
+                </a:extLst>
+              </a:tr>
+              <a:tr h="370840">
+                <a:tc>
+                  <a:txBody>
+                    <a:bodyPr/>
+                    <a:lstStyle/>
+                    <a:p>
+                      <a:r>
+                        <a:rPr lang="pt-BR" dirty="0" smtClean="0"/>
+                        <a:t>Total</a:t>
+                      </a:r>
+                      <a:endParaRPr lang="pt-BR" dirty="0"/>
+                    </a:p>
+                  </a:txBody>
+                  <a:tcPr/>
+                </a:tc>
+                <a:tc>
+                  <a:txBody>
+                    <a:bodyPr/>
+                    <a:lstStyle/>
+                    <a:p>
+                      <a:r>
+                        <a:rPr lang="pt-BR" dirty="0" smtClean="0"/>
+                        <a:t>Double</a:t>
+                      </a:r>
+                      <a:endParaRPr lang="pt-BR" dirty="0"/>
+                    </a:p>
+                  </a:txBody>
+                  <a:tcPr/>
+                </a:tc>
+                <a:tc>
+                  <a:txBody>
+                    <a:bodyPr/>
+                    <a:lstStyle/>
+                    <a:p>
+                      <a:endParaRPr lang="pt-BR" dirty="0"/>
+                    </a:p>
+                  </a:txBody>
+                  <a:tcPr/>
+                </a:tc>
+                <a:extLst>
+                  <a:ext uri="{0D108BD9-81ED-4DB2-BD59-A6C34878D82A}">
+                    <a16:rowId xmlns:a16="http://schemas.microsoft.com/office/drawing/2014/main" val="2940149528"/>
+                  </a:ext>
+                </a:extLst>
+              </a:tr>
+              <a:tr h="370840">
+                <a:tc>
+                  <a:txBody>
+                    <a:bodyPr/>
+                    <a:lstStyle/>
+                    <a:p>
+                      <a:endParaRPr lang="pt-BR" dirty="0"/>
+                    </a:p>
+                  </a:txBody>
+                  <a:tcPr/>
+                </a:tc>
+                <a:tc>
+                  <a:txBody>
+                    <a:bodyPr/>
+                    <a:lstStyle/>
+                    <a:p>
+                      <a:endParaRPr lang="pt-BR" dirty="0"/>
+                    </a:p>
+                  </a:txBody>
+                  <a:tcPr/>
+                </a:tc>
+                <a:tc>
+                  <a:txBody>
+                    <a:bodyPr/>
+                    <a:lstStyle/>
+                    <a:p>
+                      <a:endParaRPr lang="pt-BR" dirty="0"/>
+                    </a:p>
+                  </a:txBody>
+                  <a:tcPr/>
+                </a:tc>
+                <a:extLst>
+                  <a:ext uri="{0D108BD9-81ED-4DB2-BD59-A6C34878D82A}">
+                    <a16:rowId xmlns:a16="http://schemas.microsoft.com/office/drawing/2014/main" val="1116382274"/>
+                  </a:ext>
+                </a:extLst>
+              </a:tr>
+            </a:tbl>
+          </a:graphicData>
+        </a:graphic>
+      </p:graphicFrame>
+      <p:sp>
+        <p:nvSpPr>
+          <p:cNvPr id="11" name="Título 1">
+            <a:extLst>
+              <a:ext uri="{FF2B5EF4-FFF2-40B4-BE49-F238E27FC236}">
+                <a16:creationId xmlns:a16="http://schemas.microsoft.com/office/drawing/2014/main" id="{0229AC0A-F8EF-158B-5D49-B06E1612EEDE}"/>
               </a:ext>
             </a:extLst>
           </p:cNvPr>
@@ -12432,8 +13627,8 @@
         </p:nvSpPr>
         <p:spPr>
           <a:xfrm>
-            <a:off x="414841" y="-695454"/>
-            <a:ext cx="5916168" cy="1527048"/>
+            <a:off x="468503" y="763524"/>
+            <a:ext cx="10517176" cy="1527048"/>
           </a:xfrm>
           <a:prstGeom prst="rect">
             <a:avLst/>
@@ -12463,17 +13658,36 @@
             </a:lvl1pPr>
           </a:lstStyle>
           <a:p>
-            <a:r>
-              <a:rPr lang="en-US" dirty="0"/>
-              <a:t>Wireframe</a:t>
-            </a:r>
+            <a:pPr>
+              <a:spcBef>
+                <a:spcPts val="2500"/>
+              </a:spcBef>
+            </a:pPr>
+            <a:r>
+              <a:rPr lang="pt-BR" sz="1600" dirty="0">
+                <a:latin typeface="Arial" panose="020B0604020202020204" pitchFamily="34" charset="0"/>
+                <a:cs typeface="Arial" panose="020B0604020202020204" pitchFamily="34" charset="0"/>
+              </a:rPr>
+              <a:t>Tabela </a:t>
+            </a:r>
+            <a:r>
+              <a:rPr lang="pt-BR" sz="1600" dirty="0" err="1" smtClean="0">
+                <a:latin typeface="Arial" panose="020B0604020202020204" pitchFamily="34" charset="0"/>
+                <a:cs typeface="Arial" panose="020B0604020202020204" pitchFamily="34" charset="0"/>
+              </a:rPr>
+              <a:t>ItensEntrada</a:t>
+            </a:r>
+            <a:endParaRPr lang="pt-BR" sz="1600" dirty="0">
+              <a:latin typeface="Arial" panose="020B0604020202020204" pitchFamily="34" charset="0"/>
+              <a:cs typeface="Arial" panose="020B0604020202020204" pitchFamily="34" charset="0"/>
+            </a:endParaRPr>
           </a:p>
         </p:txBody>
       </p:sp>
     </p:spTree>
     <p:extLst>
       <p:ext uri="{BB962C8B-B14F-4D97-AF65-F5344CB8AC3E}">
-        <p14:creationId xmlns:p14="http://schemas.microsoft.com/office/powerpoint/2010/main" val="1037557683"/>
+        <p14:creationId xmlns:p14="http://schemas.microsoft.com/office/powerpoint/2010/main" val="698005730"/>
       </p:ext>
     </p:extLst>
   </p:cSld>
@@ -12483,6 +13697,13 @@
   <p:transition>
     <p:fade/>
   </p:transition>
+  <p:timing>
+    <p:tnLst>
+      <p:par>
+        <p:cTn id="1" dur="indefinite" restart="never" nodeType="tmRoot"/>
+      </p:par>
+    </p:tnLst>
+  </p:timing>
 </p:sld>
 </file>
 
@@ -12592,7 +13813,7 @@
           <p:cNvPr id="2" name="Título 1">
             <a:extLst>
               <a:ext uri="{FF2B5EF4-FFF2-40B4-BE49-F238E27FC236}">
-                <a16:creationId xmlns:a16="http://schemas.microsoft.com/office/drawing/2014/main" id="{52C8C7F8-6A55-1DF8-3A33-F776C9F854B3}"/>
+                <a16:creationId xmlns:a16="http://schemas.microsoft.com/office/drawing/2014/main" id="{D4CDB794-FD66-B57C-5DB2-D14CF7301A4E}"/>
               </a:ext>
             </a:extLst>
           </p:cNvPr>
@@ -12605,8 +13826,8 @@
         </p:nvSpPr>
         <p:spPr>
           <a:xfrm>
-            <a:off x="2917771" y="-695454"/>
-            <a:ext cx="5916168" cy="1527048"/>
+            <a:off x="1022295" y="2665927"/>
+            <a:ext cx="5916168" cy="919938"/>
           </a:xfrm>
         </p:spPr>
         <p:txBody>
@@ -12616,72 +13837,10 @@
           <a:lstStyle/>
           <a:p>
             <a:r>
-              <a:rPr lang="en-US" b="0" kern="1200" dirty="0" err="1" smtClean="0">
-                <a:solidFill>
-                  <a:schemeClr val="tx1"/>
-                </a:solidFill>
-                <a:latin typeface="+mj-lt"/>
-                <a:ea typeface="+mj-ea"/>
-                <a:cs typeface="+mj-cs"/>
-              </a:rPr>
-              <a:t>Tela</a:t>
-            </a:r>
-            <a:r>
-              <a:rPr lang="en-US" b="0" kern="1200" dirty="0" smtClean="0">
-                <a:solidFill>
-                  <a:schemeClr val="tx1"/>
-                </a:solidFill>
-                <a:latin typeface="+mj-lt"/>
-                <a:ea typeface="+mj-ea"/>
-                <a:cs typeface="+mj-cs"/>
-              </a:rPr>
-              <a:t> </a:t>
-            </a:r>
-            <a:r>
-              <a:rPr lang="en-US" b="0" kern="1200" dirty="0" err="1" smtClean="0">
-                <a:solidFill>
-                  <a:schemeClr val="tx1"/>
-                </a:solidFill>
-                <a:latin typeface="+mj-lt"/>
-                <a:ea typeface="+mj-ea"/>
-                <a:cs typeface="+mj-cs"/>
-              </a:rPr>
-              <a:t>Categoria</a:t>
-            </a:r>
-            <a:r>
-              <a:rPr lang="en-US" b="0" kern="1200" dirty="0" smtClean="0">
-                <a:solidFill>
-                  <a:schemeClr val="tx1"/>
-                </a:solidFill>
-                <a:latin typeface="+mj-lt"/>
-                <a:ea typeface="+mj-ea"/>
-                <a:cs typeface="+mj-cs"/>
-              </a:rPr>
-              <a:t> (</a:t>
-            </a:r>
-            <a:r>
-              <a:rPr lang="en-US" b="0" kern="1200" dirty="0" err="1" smtClean="0">
-                <a:solidFill>
-                  <a:schemeClr val="tx1"/>
-                </a:solidFill>
-                <a:latin typeface="+mj-lt"/>
-                <a:ea typeface="+mj-ea"/>
-                <a:cs typeface="+mj-cs"/>
-              </a:rPr>
-              <a:t>lista</a:t>
-            </a:r>
-            <a:r>
-              <a:rPr lang="en-US" b="0" kern="1200" dirty="0" smtClean="0">
-                <a:solidFill>
-                  <a:schemeClr val="tx1"/>
-                </a:solidFill>
-                <a:latin typeface="+mj-lt"/>
-                <a:ea typeface="+mj-ea"/>
-                <a:cs typeface="+mj-cs"/>
-              </a:rPr>
-              <a:t>)</a:t>
-            </a:r>
-            <a:endParaRPr lang="en-US" b="0" kern="1200" dirty="0">
+              <a:rPr lang="en-US" dirty="0"/>
+              <a:t>Wireframe</a:t>
+            </a:r>
+            <a:endParaRPr lang="en-US" b="1" kern="1200" dirty="0">
               <a:solidFill>
                 <a:schemeClr val="tx1"/>
               </a:solidFill>
@@ -12692,800 +13851,10 @@
           </a:p>
         </p:txBody>
       </p:sp>
-      <p:sp>
-        <p:nvSpPr>
-          <p:cNvPr id="7" name="Título 1">
-            <a:extLst>
-              <a:ext uri="{FF2B5EF4-FFF2-40B4-BE49-F238E27FC236}">
-                <a16:creationId xmlns:a16="http://schemas.microsoft.com/office/drawing/2014/main" id="{F08859EF-E25E-52C0-C024-DE22738F8749}"/>
-              </a:ext>
-            </a:extLst>
-          </p:cNvPr>
-          <p:cNvSpPr txBox="1">
-            <a:spLocks/>
-          </p:cNvSpPr>
-          <p:nvPr/>
-        </p:nvSpPr>
-        <p:spPr>
-          <a:xfrm>
-            <a:off x="414841" y="-695454"/>
-            <a:ext cx="5916168" cy="1527048"/>
-          </a:xfrm>
-          <a:prstGeom prst="rect">
-            <a:avLst/>
-          </a:prstGeom>
-        </p:spPr>
-        <p:txBody>
-          <a:bodyPr vert="horz" lIns="91440" tIns="45720" rIns="91440" bIns="45720" rtlCol="0" anchor="b">
-            <a:normAutofit/>
-          </a:bodyPr>
-          <a:lstStyle>
-            <a:lvl1pPr algn="l" defTabSz="914400" rtl="0" eaLnBrk="1" latinLnBrk="0" hangingPunct="1">
-              <a:lnSpc>
-                <a:spcPct val="90000"/>
-              </a:lnSpc>
-              <a:spcBef>
-                <a:spcPct val="0"/>
-              </a:spcBef>
-              <a:buNone/>
-              <a:defRPr sz="3600" b="1" kern="1200">
-                <a:solidFill>
-                  <a:schemeClr val="tx1"/>
-                </a:solidFill>
-                <a:latin typeface="+mj-lt"/>
-                <a:ea typeface="+mj-ea"/>
-                <a:cs typeface="+mj-cs"/>
-              </a:defRPr>
-            </a:lvl1pPr>
-          </a:lstStyle>
-          <a:p>
-            <a:r>
-              <a:rPr lang="en-US" dirty="0"/>
-              <a:t>Wireframe</a:t>
-            </a:r>
-          </a:p>
-        </p:txBody>
-      </p:sp>
-      <p:sp>
-        <p:nvSpPr>
-          <p:cNvPr id="4" name="Retângulo 3"/>
-          <p:cNvSpPr/>
-          <p:nvPr/>
-        </p:nvSpPr>
-        <p:spPr>
-          <a:xfrm>
-            <a:off x="999067" y="1224844"/>
-            <a:ext cx="10193866" cy="5317067"/>
-          </a:xfrm>
-          <a:prstGeom prst="rect">
-            <a:avLst/>
-          </a:prstGeom>
-        </p:spPr>
-        <p:style>
-          <a:lnRef idx="2">
-            <a:schemeClr val="accent1"/>
-          </a:lnRef>
-          <a:fillRef idx="1">
-            <a:schemeClr val="lt1"/>
-          </a:fillRef>
-          <a:effectRef idx="0">
-            <a:schemeClr val="accent1"/>
-          </a:effectRef>
-          <a:fontRef idx="minor">
-            <a:schemeClr val="dk1"/>
-          </a:fontRef>
-        </p:style>
-        <p:txBody>
-          <a:bodyPr rtlCol="0" anchor="ctr"/>
-          <a:lstStyle/>
-          <a:p>
-            <a:pPr algn="ctr"/>
-            <a:endParaRPr lang="pt-BR" dirty="0"/>
-          </a:p>
-        </p:txBody>
-      </p:sp>
-      <p:sp>
-        <p:nvSpPr>
-          <p:cNvPr id="8" name="Retângulo 7"/>
-          <p:cNvSpPr/>
-          <p:nvPr/>
-        </p:nvSpPr>
-        <p:spPr>
-          <a:xfrm>
-            <a:off x="1044222" y="1224844"/>
-            <a:ext cx="10193866" cy="389467"/>
-          </a:xfrm>
-          <a:prstGeom prst="rect">
-            <a:avLst/>
-          </a:prstGeom>
-        </p:spPr>
-        <p:style>
-          <a:lnRef idx="2">
-            <a:schemeClr val="accent6"/>
-          </a:lnRef>
-          <a:fillRef idx="1">
-            <a:schemeClr val="lt1"/>
-          </a:fillRef>
-          <a:effectRef idx="0">
-            <a:schemeClr val="accent6"/>
-          </a:effectRef>
-          <a:fontRef idx="minor">
-            <a:schemeClr val="dk1"/>
-          </a:fontRef>
-        </p:style>
-        <p:txBody>
-          <a:bodyPr rtlCol="0" anchor="ctr"/>
-          <a:lstStyle/>
-          <a:p>
-            <a:pPr algn="ctr"/>
-            <a:endParaRPr lang="pt-BR" dirty="0"/>
-          </a:p>
-        </p:txBody>
-      </p:sp>
-      <p:sp>
-        <p:nvSpPr>
-          <p:cNvPr id="6" name="Elipse 5"/>
-          <p:cNvSpPr/>
-          <p:nvPr/>
-        </p:nvSpPr>
-        <p:spPr>
-          <a:xfrm>
-            <a:off x="10820399" y="1319049"/>
-            <a:ext cx="293511" cy="302204"/>
-          </a:xfrm>
-          <a:prstGeom prst="ellipse">
-            <a:avLst/>
-          </a:prstGeom>
-        </p:spPr>
-        <p:style>
-          <a:lnRef idx="2">
-            <a:schemeClr val="accent3">
-              <a:shade val="50000"/>
-            </a:schemeClr>
-          </a:lnRef>
-          <a:fillRef idx="1">
-            <a:schemeClr val="accent3"/>
-          </a:fillRef>
-          <a:effectRef idx="0">
-            <a:schemeClr val="accent3"/>
-          </a:effectRef>
-          <a:fontRef idx="minor">
-            <a:schemeClr val="lt1"/>
-          </a:fontRef>
-        </p:style>
-        <p:txBody>
-          <a:bodyPr rtlCol="0" anchor="ctr"/>
-          <a:lstStyle/>
-          <a:p>
-            <a:pPr algn="ctr"/>
-            <a:r>
-              <a:rPr lang="pt-BR" dirty="0" smtClean="0"/>
-              <a:t>x</a:t>
-            </a:r>
-            <a:endParaRPr lang="pt-BR" dirty="0"/>
-          </a:p>
-        </p:txBody>
-      </p:sp>
-      <p:sp>
-        <p:nvSpPr>
-          <p:cNvPr id="11" name="Retângulo 10"/>
-          <p:cNvSpPr/>
-          <p:nvPr/>
-        </p:nvSpPr>
-        <p:spPr>
-          <a:xfrm>
-            <a:off x="1363860" y="2550550"/>
-            <a:ext cx="1735298" cy="389467"/>
-          </a:xfrm>
-          <a:prstGeom prst="rect">
-            <a:avLst/>
-          </a:prstGeom>
-          <a:solidFill>
-            <a:schemeClr val="bg1">
-              <a:lumMod val="85000"/>
-            </a:schemeClr>
-          </a:solidFill>
-        </p:spPr>
-        <p:style>
-          <a:lnRef idx="2">
-            <a:schemeClr val="accent6"/>
-          </a:lnRef>
-          <a:fillRef idx="1">
-            <a:schemeClr val="lt1"/>
-          </a:fillRef>
-          <a:effectRef idx="0">
-            <a:schemeClr val="accent6"/>
-          </a:effectRef>
-          <a:fontRef idx="minor">
-            <a:schemeClr val="dk1"/>
-          </a:fontRef>
-        </p:style>
-        <p:txBody>
-          <a:bodyPr rtlCol="0" anchor="ctr"/>
-          <a:lstStyle/>
-          <a:p>
-            <a:pPr algn="ctr"/>
-            <a:endParaRPr lang="pt-BR" dirty="0"/>
-          </a:p>
-        </p:txBody>
-      </p:sp>
-      <p:sp>
-        <p:nvSpPr>
-          <p:cNvPr id="12" name="Título 1">
-            <a:extLst>
-              <a:ext uri="{FF2B5EF4-FFF2-40B4-BE49-F238E27FC236}">
-                <a16:creationId xmlns:a16="http://schemas.microsoft.com/office/drawing/2014/main" id="{52C8C7F8-6A55-1DF8-3A33-F776C9F854B3}"/>
-              </a:ext>
-            </a:extLst>
-          </p:cNvPr>
-          <p:cNvSpPr txBox="1">
-            <a:spLocks/>
-          </p:cNvSpPr>
-          <p:nvPr/>
-        </p:nvSpPr>
-        <p:spPr>
-          <a:xfrm>
-            <a:off x="1363860" y="2562520"/>
-            <a:ext cx="5916168" cy="365528"/>
-          </a:xfrm>
-          <a:prstGeom prst="rect">
-            <a:avLst/>
-          </a:prstGeom>
-        </p:spPr>
-        <p:txBody>
-          <a:bodyPr vert="horz" lIns="91440" tIns="45720" rIns="91440" bIns="45720" rtlCol="0" anchor="b">
-            <a:normAutofit lnSpcReduction="10000"/>
-          </a:bodyPr>
-          <a:lstStyle>
-            <a:lvl1pPr algn="l" defTabSz="914400" rtl="0" eaLnBrk="1" latinLnBrk="0" hangingPunct="1">
-              <a:lnSpc>
-                <a:spcPct val="90000"/>
-              </a:lnSpc>
-              <a:spcBef>
-                <a:spcPct val="0"/>
-              </a:spcBef>
-              <a:buNone/>
-              <a:defRPr sz="3600" b="1" kern="1200">
-                <a:solidFill>
-                  <a:schemeClr val="tx1"/>
-                </a:solidFill>
-                <a:latin typeface="+mj-lt"/>
-                <a:ea typeface="+mj-ea"/>
-                <a:cs typeface="+mj-cs"/>
-              </a:defRPr>
-            </a:lvl1pPr>
-          </a:lstStyle>
-          <a:p>
-            <a:r>
-              <a:rPr lang="en-US" sz="2000" b="0" dirty="0" err="1" smtClean="0"/>
-              <a:t>Código</a:t>
-            </a:r>
-            <a:endParaRPr lang="en-US" sz="2000" b="0" dirty="0"/>
-          </a:p>
-        </p:txBody>
-      </p:sp>
-      <p:sp>
-        <p:nvSpPr>
-          <p:cNvPr id="17" name="Retângulo Arredondado 16"/>
-          <p:cNvSpPr/>
-          <p:nvPr/>
-        </p:nvSpPr>
-        <p:spPr>
-          <a:xfrm>
-            <a:off x="1363860" y="1911172"/>
-            <a:ext cx="1190625" cy="314325"/>
-          </a:xfrm>
-          <a:prstGeom prst="roundRect">
-            <a:avLst/>
-          </a:prstGeom>
-        </p:spPr>
-        <p:style>
-          <a:lnRef idx="2">
-            <a:schemeClr val="accent1">
-              <a:shade val="50000"/>
-            </a:schemeClr>
-          </a:lnRef>
-          <a:fillRef idx="1">
-            <a:schemeClr val="accent1"/>
-          </a:fillRef>
-          <a:effectRef idx="0">
-            <a:schemeClr val="accent1"/>
-          </a:effectRef>
-          <a:fontRef idx="minor">
-            <a:schemeClr val="lt1"/>
-          </a:fontRef>
-        </p:style>
-        <p:txBody>
-          <a:bodyPr rtlCol="0" anchor="ctr"/>
-          <a:lstStyle/>
-          <a:p>
-            <a:pPr algn="ctr"/>
-            <a:r>
-              <a:rPr lang="pt-BR" dirty="0" smtClean="0"/>
-              <a:t>Novo</a:t>
-            </a:r>
-            <a:endParaRPr lang="pt-BR" dirty="0"/>
-          </a:p>
-        </p:txBody>
-      </p:sp>
-      <p:sp>
-        <p:nvSpPr>
-          <p:cNvPr id="19" name="Retângulo Arredondado 18"/>
-          <p:cNvSpPr/>
-          <p:nvPr/>
-        </p:nvSpPr>
-        <p:spPr>
-          <a:xfrm>
-            <a:off x="5140384" y="4822916"/>
-            <a:ext cx="1190625" cy="314325"/>
-          </a:xfrm>
-          <a:prstGeom prst="roundRect">
-            <a:avLst/>
-          </a:prstGeom>
-          <a:solidFill>
-            <a:srgbClr val="00B0F0"/>
-          </a:solidFill>
-        </p:spPr>
-        <p:style>
-          <a:lnRef idx="2">
-            <a:schemeClr val="accent1">
-              <a:shade val="50000"/>
-            </a:schemeClr>
-          </a:lnRef>
-          <a:fillRef idx="1">
-            <a:schemeClr val="accent1"/>
-          </a:fillRef>
-          <a:effectRef idx="0">
-            <a:schemeClr val="accent1"/>
-          </a:effectRef>
-          <a:fontRef idx="minor">
-            <a:schemeClr val="lt1"/>
-          </a:fontRef>
-        </p:style>
-        <p:txBody>
-          <a:bodyPr rtlCol="0" anchor="ctr"/>
-          <a:lstStyle/>
-          <a:p>
-            <a:pPr algn="ctr"/>
-            <a:r>
-              <a:rPr lang="pt-BR" dirty="0" smtClean="0"/>
-              <a:t>Voltar</a:t>
-            </a:r>
-            <a:endParaRPr lang="pt-BR" dirty="0"/>
-          </a:p>
-        </p:txBody>
-      </p:sp>
-      <p:sp>
-        <p:nvSpPr>
-          <p:cNvPr id="20" name="Retângulo 19"/>
-          <p:cNvSpPr/>
-          <p:nvPr/>
-        </p:nvSpPr>
-        <p:spPr>
-          <a:xfrm>
-            <a:off x="3099159" y="2554776"/>
-            <a:ext cx="4803064" cy="389467"/>
-          </a:xfrm>
-          <a:prstGeom prst="rect">
-            <a:avLst/>
-          </a:prstGeom>
-          <a:solidFill>
-            <a:schemeClr val="bg1">
-              <a:lumMod val="85000"/>
-            </a:schemeClr>
-          </a:solidFill>
-        </p:spPr>
-        <p:style>
-          <a:lnRef idx="2">
-            <a:schemeClr val="accent6"/>
-          </a:lnRef>
-          <a:fillRef idx="1">
-            <a:schemeClr val="lt1"/>
-          </a:fillRef>
-          <a:effectRef idx="0">
-            <a:schemeClr val="accent6"/>
-          </a:effectRef>
-          <a:fontRef idx="minor">
-            <a:schemeClr val="dk1"/>
-          </a:fontRef>
-        </p:style>
-        <p:txBody>
-          <a:bodyPr rtlCol="0" anchor="ctr"/>
-          <a:lstStyle/>
-          <a:p>
-            <a:r>
-              <a:rPr lang="pt-BR" dirty="0" smtClean="0"/>
-              <a:t>Descrição</a:t>
-            </a:r>
-            <a:endParaRPr lang="pt-BR" dirty="0"/>
-          </a:p>
-        </p:txBody>
-      </p:sp>
-      <p:sp>
-        <p:nvSpPr>
-          <p:cNvPr id="22" name="Retângulo 21"/>
-          <p:cNvSpPr/>
-          <p:nvPr/>
-        </p:nvSpPr>
-        <p:spPr>
-          <a:xfrm>
-            <a:off x="7902223" y="2553295"/>
-            <a:ext cx="1735298" cy="389467"/>
-          </a:xfrm>
-          <a:prstGeom prst="rect">
-            <a:avLst/>
-          </a:prstGeom>
-          <a:solidFill>
-            <a:schemeClr val="bg1">
-              <a:lumMod val="85000"/>
-            </a:schemeClr>
-          </a:solidFill>
-        </p:spPr>
-        <p:style>
-          <a:lnRef idx="2">
-            <a:schemeClr val="accent6"/>
-          </a:lnRef>
-          <a:fillRef idx="1">
-            <a:schemeClr val="lt1"/>
-          </a:fillRef>
-          <a:effectRef idx="0">
-            <a:schemeClr val="accent6"/>
-          </a:effectRef>
-          <a:fontRef idx="minor">
-            <a:schemeClr val="dk1"/>
-          </a:fontRef>
-        </p:style>
-        <p:txBody>
-          <a:bodyPr rtlCol="0" anchor="ctr"/>
-          <a:lstStyle/>
-          <a:p>
-            <a:pPr algn="ctr"/>
-            <a:r>
-              <a:rPr lang="pt-BR" dirty="0" smtClean="0"/>
-              <a:t>Opções</a:t>
-            </a:r>
-            <a:endParaRPr lang="pt-BR" dirty="0"/>
-          </a:p>
-        </p:txBody>
-      </p:sp>
-      <p:sp>
-        <p:nvSpPr>
-          <p:cNvPr id="23" name="Retângulo 22"/>
-          <p:cNvSpPr/>
-          <p:nvPr/>
-        </p:nvSpPr>
-        <p:spPr>
-          <a:xfrm>
-            <a:off x="1363860" y="2949412"/>
-            <a:ext cx="1735298" cy="389467"/>
-          </a:xfrm>
-          <a:prstGeom prst="rect">
-            <a:avLst/>
-          </a:prstGeom>
-        </p:spPr>
-        <p:style>
-          <a:lnRef idx="2">
-            <a:schemeClr val="dk1"/>
-          </a:lnRef>
-          <a:fillRef idx="1">
-            <a:schemeClr val="lt1"/>
-          </a:fillRef>
-          <a:effectRef idx="0">
-            <a:schemeClr val="dk1"/>
-          </a:effectRef>
-          <a:fontRef idx="minor">
-            <a:schemeClr val="dk1"/>
-          </a:fontRef>
-        </p:style>
-        <p:txBody>
-          <a:bodyPr rtlCol="0" anchor="ctr"/>
-          <a:lstStyle/>
-          <a:p>
-            <a:pPr algn="ctr"/>
-            <a:endParaRPr lang="pt-BR" dirty="0"/>
-          </a:p>
-        </p:txBody>
-      </p:sp>
-      <p:sp>
-        <p:nvSpPr>
-          <p:cNvPr id="24" name="Título 1">
-            <a:extLst>
-              <a:ext uri="{FF2B5EF4-FFF2-40B4-BE49-F238E27FC236}">
-                <a16:creationId xmlns:a16="http://schemas.microsoft.com/office/drawing/2014/main" id="{52C8C7F8-6A55-1DF8-3A33-F776C9F854B3}"/>
-              </a:ext>
-            </a:extLst>
-          </p:cNvPr>
-          <p:cNvSpPr txBox="1">
-            <a:spLocks/>
-          </p:cNvSpPr>
-          <p:nvPr/>
-        </p:nvSpPr>
-        <p:spPr>
-          <a:xfrm>
-            <a:off x="1363860" y="2961382"/>
-            <a:ext cx="5916168" cy="365528"/>
-          </a:xfrm>
-          <a:prstGeom prst="rect">
-            <a:avLst/>
-          </a:prstGeom>
-        </p:spPr>
-        <p:style>
-          <a:lnRef idx="2">
-            <a:schemeClr val="dk1"/>
-          </a:lnRef>
-          <a:fillRef idx="1">
-            <a:schemeClr val="lt1"/>
-          </a:fillRef>
-          <a:effectRef idx="0">
-            <a:schemeClr val="dk1"/>
-          </a:effectRef>
-          <a:fontRef idx="minor">
-            <a:schemeClr val="dk1"/>
-          </a:fontRef>
-        </p:style>
-        <p:txBody>
-          <a:bodyPr vert="horz" lIns="91440" tIns="45720" rIns="91440" bIns="45720" rtlCol="0" anchor="b">
-            <a:normAutofit lnSpcReduction="10000"/>
-          </a:bodyPr>
-          <a:lstStyle>
-            <a:lvl1pPr algn="l" defTabSz="914400" rtl="0" eaLnBrk="1" latinLnBrk="0" hangingPunct="1">
-              <a:lnSpc>
-                <a:spcPct val="90000"/>
-              </a:lnSpc>
-              <a:spcBef>
-                <a:spcPct val="0"/>
-              </a:spcBef>
-              <a:buNone/>
-              <a:defRPr sz="3600" b="1" kern="1200">
-                <a:solidFill>
-                  <a:schemeClr val="tx1"/>
-                </a:solidFill>
-                <a:latin typeface="+mj-lt"/>
-                <a:ea typeface="+mj-ea"/>
-                <a:cs typeface="+mj-cs"/>
-              </a:defRPr>
-            </a:lvl1pPr>
-          </a:lstStyle>
-          <a:p>
-            <a:r>
-              <a:rPr lang="en-US" sz="2000" b="0" dirty="0" smtClean="0"/>
-              <a:t>01</a:t>
-            </a:r>
-            <a:endParaRPr lang="en-US" sz="2000" b="0" dirty="0"/>
-          </a:p>
-        </p:txBody>
-      </p:sp>
-      <p:sp>
-        <p:nvSpPr>
-          <p:cNvPr id="25" name="Retângulo 24"/>
-          <p:cNvSpPr/>
-          <p:nvPr/>
-        </p:nvSpPr>
-        <p:spPr>
-          <a:xfrm>
-            <a:off x="3099159" y="2953638"/>
-            <a:ext cx="4803064" cy="389467"/>
-          </a:xfrm>
-          <a:prstGeom prst="rect">
-            <a:avLst/>
-          </a:prstGeom>
-        </p:spPr>
-        <p:style>
-          <a:lnRef idx="2">
-            <a:schemeClr val="dk1"/>
-          </a:lnRef>
-          <a:fillRef idx="1">
-            <a:schemeClr val="lt1"/>
-          </a:fillRef>
-          <a:effectRef idx="0">
-            <a:schemeClr val="dk1"/>
-          </a:effectRef>
-          <a:fontRef idx="minor">
-            <a:schemeClr val="dk1"/>
-          </a:fontRef>
-        </p:style>
-        <p:txBody>
-          <a:bodyPr rtlCol="0" anchor="ctr"/>
-          <a:lstStyle/>
-          <a:p>
-            <a:r>
-              <a:rPr lang="pt-BR" dirty="0" smtClean="0"/>
-              <a:t>Alimentos</a:t>
-            </a:r>
-            <a:endParaRPr lang="pt-BR" dirty="0"/>
-          </a:p>
-        </p:txBody>
-      </p:sp>
-      <p:sp>
-        <p:nvSpPr>
-          <p:cNvPr id="26" name="Retângulo 25"/>
-          <p:cNvSpPr/>
-          <p:nvPr/>
-        </p:nvSpPr>
-        <p:spPr>
-          <a:xfrm>
-            <a:off x="7902223" y="2941017"/>
-            <a:ext cx="1735298" cy="402088"/>
-          </a:xfrm>
-          <a:prstGeom prst="rect">
-            <a:avLst/>
-          </a:prstGeom>
-        </p:spPr>
-        <p:style>
-          <a:lnRef idx="2">
-            <a:schemeClr val="dk1"/>
-          </a:lnRef>
-          <a:fillRef idx="1">
-            <a:schemeClr val="lt1"/>
-          </a:fillRef>
-          <a:effectRef idx="0">
-            <a:schemeClr val="dk1"/>
-          </a:effectRef>
-          <a:fontRef idx="minor">
-            <a:schemeClr val="dk1"/>
-          </a:fontRef>
-        </p:style>
-        <p:txBody>
-          <a:bodyPr rtlCol="0" anchor="ctr"/>
-          <a:lstStyle/>
-          <a:p>
-            <a:pPr algn="ctr"/>
-            <a:endParaRPr lang="pt-BR" dirty="0"/>
-          </a:p>
-        </p:txBody>
-      </p:sp>
-      <p:sp>
-        <p:nvSpPr>
-          <p:cNvPr id="27" name="Título 1">
-            <a:extLst>
-              <a:ext uri="{FF2B5EF4-FFF2-40B4-BE49-F238E27FC236}">
-                <a16:creationId xmlns:a16="http://schemas.microsoft.com/office/drawing/2014/main" id="{52C8C7F8-6A55-1DF8-3A33-F776C9F854B3}"/>
-              </a:ext>
-            </a:extLst>
-          </p:cNvPr>
-          <p:cNvSpPr txBox="1">
-            <a:spLocks/>
-          </p:cNvSpPr>
-          <p:nvPr/>
-        </p:nvSpPr>
-        <p:spPr>
-          <a:xfrm>
-            <a:off x="1363860" y="3374388"/>
-            <a:ext cx="5916168" cy="405262"/>
-          </a:xfrm>
-          <a:prstGeom prst="rect">
-            <a:avLst/>
-          </a:prstGeom>
-        </p:spPr>
-        <p:style>
-          <a:lnRef idx="2">
-            <a:schemeClr val="dk1"/>
-          </a:lnRef>
-          <a:fillRef idx="1">
-            <a:schemeClr val="lt1"/>
-          </a:fillRef>
-          <a:effectRef idx="0">
-            <a:schemeClr val="dk1"/>
-          </a:effectRef>
-          <a:fontRef idx="minor">
-            <a:schemeClr val="dk1"/>
-          </a:fontRef>
-        </p:style>
-        <p:txBody>
-          <a:bodyPr vert="horz" lIns="91440" tIns="45720" rIns="91440" bIns="45720" rtlCol="0" anchor="b">
-            <a:normAutofit/>
-          </a:bodyPr>
-          <a:lstStyle>
-            <a:lvl1pPr algn="l" defTabSz="914400" rtl="0" eaLnBrk="1" latinLnBrk="0" hangingPunct="1">
-              <a:lnSpc>
-                <a:spcPct val="90000"/>
-              </a:lnSpc>
-              <a:spcBef>
-                <a:spcPct val="0"/>
-              </a:spcBef>
-              <a:buNone/>
-              <a:defRPr sz="3600" b="1" kern="1200">
-                <a:solidFill>
-                  <a:schemeClr val="tx1"/>
-                </a:solidFill>
-                <a:latin typeface="+mj-lt"/>
-                <a:ea typeface="+mj-ea"/>
-                <a:cs typeface="+mj-cs"/>
-              </a:defRPr>
-            </a:lvl1pPr>
-          </a:lstStyle>
-          <a:p>
-            <a:r>
-              <a:rPr lang="en-US" sz="2000" b="0" dirty="0" smtClean="0"/>
-              <a:t>02</a:t>
-            </a:r>
-            <a:endParaRPr lang="en-US" sz="2000" b="0" dirty="0"/>
-          </a:p>
-        </p:txBody>
-      </p:sp>
-      <p:sp>
-        <p:nvSpPr>
-          <p:cNvPr id="28" name="Retângulo 27"/>
-          <p:cNvSpPr/>
-          <p:nvPr/>
-        </p:nvSpPr>
-        <p:spPr>
-          <a:xfrm>
-            <a:off x="3099159" y="3366644"/>
-            <a:ext cx="4803064" cy="389467"/>
-          </a:xfrm>
-          <a:prstGeom prst="rect">
-            <a:avLst/>
-          </a:prstGeom>
-        </p:spPr>
-        <p:style>
-          <a:lnRef idx="2">
-            <a:schemeClr val="dk1"/>
-          </a:lnRef>
-          <a:fillRef idx="1">
-            <a:schemeClr val="lt1"/>
-          </a:fillRef>
-          <a:effectRef idx="0">
-            <a:schemeClr val="dk1"/>
-          </a:effectRef>
-          <a:fontRef idx="minor">
-            <a:schemeClr val="dk1"/>
-          </a:fontRef>
-        </p:style>
-        <p:txBody>
-          <a:bodyPr rtlCol="0" anchor="ctr"/>
-          <a:lstStyle/>
-          <a:p>
-            <a:r>
-              <a:rPr lang="pt-BR" dirty="0" smtClean="0"/>
-              <a:t>Alimentos</a:t>
-            </a:r>
-            <a:endParaRPr lang="pt-BR" dirty="0"/>
-          </a:p>
-        </p:txBody>
-      </p:sp>
-      <p:sp>
-        <p:nvSpPr>
-          <p:cNvPr id="29" name="Retângulo 28"/>
-          <p:cNvSpPr/>
-          <p:nvPr/>
-        </p:nvSpPr>
-        <p:spPr>
-          <a:xfrm>
-            <a:off x="7902223" y="3354023"/>
-            <a:ext cx="1735298" cy="402088"/>
-          </a:xfrm>
-          <a:prstGeom prst="rect">
-            <a:avLst/>
-          </a:prstGeom>
-        </p:spPr>
-        <p:style>
-          <a:lnRef idx="2">
-            <a:schemeClr val="dk1"/>
-          </a:lnRef>
-          <a:fillRef idx="1">
-            <a:schemeClr val="lt1"/>
-          </a:fillRef>
-          <a:effectRef idx="0">
-            <a:schemeClr val="dk1"/>
-          </a:effectRef>
-          <a:fontRef idx="minor">
-            <a:schemeClr val="dk1"/>
-          </a:fontRef>
-        </p:style>
-        <p:txBody>
-          <a:bodyPr rtlCol="0" anchor="ctr"/>
-          <a:lstStyle/>
-          <a:p>
-            <a:pPr algn="ctr"/>
-            <a:endParaRPr lang="pt-BR" dirty="0"/>
-          </a:p>
-        </p:txBody>
-      </p:sp>
     </p:spTree>
     <p:extLst>
       <p:ext uri="{BB962C8B-B14F-4D97-AF65-F5344CB8AC3E}">
-        <p14:creationId xmlns:p14="http://schemas.microsoft.com/office/powerpoint/2010/main" val="1636696538"/>
+        <p14:creationId xmlns:p14="http://schemas.microsoft.com/office/powerpoint/2010/main" val="827370966"/>
       </p:ext>
     </p:extLst>
   </p:cSld>
@@ -14060,6 +14429,37 @@
           </a:p>
         </p:txBody>
       </p:sp>
+      <p:pic>
+        <p:nvPicPr>
+          <p:cNvPr id="5" name="Espaço Reservado para Conteúdo 4" descr="Formulário web de login">
+            <a:extLst>
+              <a:ext uri="{FF2B5EF4-FFF2-40B4-BE49-F238E27FC236}">
+                <a16:creationId xmlns:a16="http://schemas.microsoft.com/office/drawing/2014/main" id="{9574661C-9C71-44C7-9C38-D5812FB73B79}"/>
+              </a:ext>
+            </a:extLst>
+          </p:cNvPr>
+          <p:cNvPicPr>
+            <a:picLocks noGrp="1" noChangeAspect="1"/>
+          </p:cNvPicPr>
+          <p:nvPr>
+            <p:ph sz="half" idx="1"/>
+          </p:nvPr>
+        </p:nvPicPr>
+        <p:blipFill>
+          <a:blip r:embed="rId3"/>
+          <a:srcRect l="27263" r="22617" b="1"/>
+          <a:stretch/>
+        </p:blipFill>
+        <p:spPr>
+          <a:xfrm>
+            <a:off x="1403817" y="1133346"/>
+            <a:ext cx="3748431" cy="5235252"/>
+          </a:xfrm>
+          <a:prstGeom prst="rect">
+            <a:avLst/>
+          </a:prstGeom>
+        </p:spPr>
+      </p:pic>
       <p:sp>
         <p:nvSpPr>
           <p:cNvPr id="2" name="Título 1">
@@ -14078,7 +14478,7 @@
         </p:nvSpPr>
         <p:spPr>
           <a:xfrm>
-            <a:off x="2917771" y="-695454"/>
+            <a:off x="5209415" y="218946"/>
             <a:ext cx="5916168" cy="1527048"/>
           </a:xfrm>
         </p:spPr>
@@ -14089,7 +14489,7 @@
           <a:lstStyle/>
           <a:p>
             <a:r>
-              <a:rPr lang="en-US" b="0" kern="1200" dirty="0" err="1" smtClean="0">
+              <a:rPr lang="en-US" b="0" kern="1200" dirty="0">
                 <a:solidFill>
                   <a:schemeClr val="tx1"/>
                 </a:solidFill>
@@ -14097,38 +14497,8 @@
                 <a:ea typeface="+mj-ea"/>
                 <a:cs typeface="+mj-cs"/>
               </a:rPr>
-              <a:t>Tela</a:t>
-            </a:r>
-            <a:r>
-              <a:rPr lang="en-US" b="0" kern="1200" dirty="0" smtClean="0">
-                <a:solidFill>
-                  <a:schemeClr val="tx1"/>
-                </a:solidFill>
-                <a:latin typeface="+mj-lt"/>
-                <a:ea typeface="+mj-ea"/>
-                <a:cs typeface="+mj-cs"/>
-              </a:rPr>
-              <a:t> </a:t>
-            </a:r>
-            <a:r>
-              <a:rPr lang="en-US" b="0" kern="1200" dirty="0" err="1" smtClean="0">
-                <a:solidFill>
-                  <a:schemeClr val="tx1"/>
-                </a:solidFill>
-                <a:latin typeface="+mj-lt"/>
-                <a:ea typeface="+mj-ea"/>
-                <a:cs typeface="+mj-cs"/>
-              </a:rPr>
-              <a:t>Categoria</a:t>
-            </a:r>
-            <a:endParaRPr lang="en-US" b="0" kern="1200" dirty="0">
-              <a:solidFill>
-                <a:schemeClr val="tx1"/>
-              </a:solidFill>
-              <a:latin typeface="+mj-lt"/>
-              <a:ea typeface="+mj-ea"/>
-              <a:cs typeface="+mj-cs"/>
-            </a:endParaRPr>
+              <a:t>Tela de Login</a:t>
+            </a:r>
           </a:p>
         </p:txBody>
       </p:sp>
@@ -14186,498 +14556,10 @@
           </a:p>
         </p:txBody>
       </p:sp>
-      <p:sp>
-        <p:nvSpPr>
-          <p:cNvPr id="4" name="Retângulo 3"/>
-          <p:cNvSpPr/>
-          <p:nvPr/>
-        </p:nvSpPr>
-        <p:spPr>
-          <a:xfrm>
-            <a:off x="1044222" y="1224844"/>
-            <a:ext cx="10193866" cy="5317067"/>
-          </a:xfrm>
-          <a:prstGeom prst="rect">
-            <a:avLst/>
-          </a:prstGeom>
-        </p:spPr>
-        <p:style>
-          <a:lnRef idx="2">
-            <a:schemeClr val="accent1"/>
-          </a:lnRef>
-          <a:fillRef idx="1">
-            <a:schemeClr val="lt1"/>
-          </a:fillRef>
-          <a:effectRef idx="0">
-            <a:schemeClr val="accent1"/>
-          </a:effectRef>
-          <a:fontRef idx="minor">
-            <a:schemeClr val="dk1"/>
-          </a:fontRef>
-        </p:style>
-        <p:txBody>
-          <a:bodyPr rtlCol="0" anchor="ctr"/>
-          <a:lstStyle/>
-          <a:p>
-            <a:pPr algn="ctr"/>
-            <a:endParaRPr lang="pt-BR" dirty="0"/>
-          </a:p>
-        </p:txBody>
-      </p:sp>
-      <p:sp>
-        <p:nvSpPr>
-          <p:cNvPr id="8" name="Retângulo 7"/>
-          <p:cNvSpPr/>
-          <p:nvPr/>
-        </p:nvSpPr>
-        <p:spPr>
-          <a:xfrm>
-            <a:off x="1044222" y="1224844"/>
-            <a:ext cx="10193866" cy="389467"/>
-          </a:xfrm>
-          <a:prstGeom prst="rect">
-            <a:avLst/>
-          </a:prstGeom>
-        </p:spPr>
-        <p:style>
-          <a:lnRef idx="2">
-            <a:schemeClr val="accent6"/>
-          </a:lnRef>
-          <a:fillRef idx="1">
-            <a:schemeClr val="lt1"/>
-          </a:fillRef>
-          <a:effectRef idx="0">
-            <a:schemeClr val="accent6"/>
-          </a:effectRef>
-          <a:fontRef idx="minor">
-            <a:schemeClr val="dk1"/>
-          </a:fontRef>
-        </p:style>
-        <p:txBody>
-          <a:bodyPr rtlCol="0" anchor="ctr"/>
-          <a:lstStyle/>
-          <a:p>
-            <a:pPr algn="ctr"/>
-            <a:endParaRPr lang="pt-BR" dirty="0"/>
-          </a:p>
-        </p:txBody>
-      </p:sp>
-      <p:sp>
-        <p:nvSpPr>
-          <p:cNvPr id="6" name="Elipse 5"/>
-          <p:cNvSpPr/>
-          <p:nvPr/>
-        </p:nvSpPr>
-        <p:spPr>
-          <a:xfrm>
-            <a:off x="10803466" y="1255888"/>
-            <a:ext cx="293511" cy="302204"/>
-          </a:xfrm>
-          <a:prstGeom prst="ellipse">
-            <a:avLst/>
-          </a:prstGeom>
-        </p:spPr>
-        <p:style>
-          <a:lnRef idx="2">
-            <a:schemeClr val="accent3">
-              <a:shade val="50000"/>
-            </a:schemeClr>
-          </a:lnRef>
-          <a:fillRef idx="1">
-            <a:schemeClr val="accent3"/>
-          </a:fillRef>
-          <a:effectRef idx="0">
-            <a:schemeClr val="accent3"/>
-          </a:effectRef>
-          <a:fontRef idx="minor">
-            <a:schemeClr val="lt1"/>
-          </a:fontRef>
-        </p:style>
-        <p:txBody>
-          <a:bodyPr rtlCol="0" anchor="ctr"/>
-          <a:lstStyle/>
-          <a:p>
-            <a:pPr algn="ctr"/>
-            <a:r>
-              <a:rPr lang="pt-BR" dirty="0" smtClean="0"/>
-              <a:t>x</a:t>
-            </a:r>
-            <a:endParaRPr lang="pt-BR" dirty="0"/>
-          </a:p>
-        </p:txBody>
-      </p:sp>
-      <p:sp>
-        <p:nvSpPr>
-          <p:cNvPr id="11" name="Retângulo 10"/>
-          <p:cNvSpPr/>
-          <p:nvPr/>
-        </p:nvSpPr>
-        <p:spPr>
-          <a:xfrm>
-            <a:off x="2689946" y="2201558"/>
-            <a:ext cx="1735298" cy="389467"/>
-          </a:xfrm>
-          <a:prstGeom prst="rect">
-            <a:avLst/>
-          </a:prstGeom>
-          <a:solidFill>
-            <a:schemeClr val="bg1">
-              <a:lumMod val="85000"/>
-            </a:schemeClr>
-          </a:solidFill>
-        </p:spPr>
-        <p:style>
-          <a:lnRef idx="2">
-            <a:schemeClr val="accent6"/>
-          </a:lnRef>
-          <a:fillRef idx="1">
-            <a:schemeClr val="lt1"/>
-          </a:fillRef>
-          <a:effectRef idx="0">
-            <a:schemeClr val="accent6"/>
-          </a:effectRef>
-          <a:fontRef idx="minor">
-            <a:schemeClr val="dk1"/>
-          </a:fontRef>
-        </p:style>
-        <p:txBody>
-          <a:bodyPr rtlCol="0" anchor="ctr"/>
-          <a:lstStyle/>
-          <a:p>
-            <a:pPr algn="ctr"/>
-            <a:endParaRPr lang="pt-BR" dirty="0"/>
-          </a:p>
-        </p:txBody>
-      </p:sp>
-      <p:sp>
-        <p:nvSpPr>
-          <p:cNvPr id="12" name="Título 1">
-            <a:extLst>
-              <a:ext uri="{FF2B5EF4-FFF2-40B4-BE49-F238E27FC236}">
-                <a16:creationId xmlns:a16="http://schemas.microsoft.com/office/drawing/2014/main" id="{52C8C7F8-6A55-1DF8-3A33-F776C9F854B3}"/>
-              </a:ext>
-            </a:extLst>
-          </p:cNvPr>
-          <p:cNvSpPr txBox="1">
-            <a:spLocks/>
-          </p:cNvSpPr>
-          <p:nvPr/>
-        </p:nvSpPr>
-        <p:spPr>
-          <a:xfrm>
-            <a:off x="1557459" y="1063977"/>
-            <a:ext cx="5916168" cy="1527048"/>
-          </a:xfrm>
-          <a:prstGeom prst="rect">
-            <a:avLst/>
-          </a:prstGeom>
-        </p:spPr>
-        <p:txBody>
-          <a:bodyPr vert="horz" lIns="91440" tIns="45720" rIns="91440" bIns="45720" rtlCol="0" anchor="b">
-            <a:normAutofit/>
-          </a:bodyPr>
-          <a:lstStyle>
-            <a:lvl1pPr algn="l" defTabSz="914400" rtl="0" eaLnBrk="1" latinLnBrk="0" hangingPunct="1">
-              <a:lnSpc>
-                <a:spcPct val="90000"/>
-              </a:lnSpc>
-              <a:spcBef>
-                <a:spcPct val="0"/>
-              </a:spcBef>
-              <a:buNone/>
-              <a:defRPr sz="3600" b="1" kern="1200">
-                <a:solidFill>
-                  <a:schemeClr val="tx1"/>
-                </a:solidFill>
-                <a:latin typeface="+mj-lt"/>
-                <a:ea typeface="+mj-ea"/>
-                <a:cs typeface="+mj-cs"/>
-              </a:defRPr>
-            </a:lvl1pPr>
-          </a:lstStyle>
-          <a:p>
-            <a:r>
-              <a:rPr lang="en-US" sz="2000" b="0" dirty="0" err="1" smtClean="0"/>
-              <a:t>Código</a:t>
-            </a:r>
-            <a:endParaRPr lang="en-US" sz="2000" b="0" dirty="0"/>
-          </a:p>
-        </p:txBody>
-      </p:sp>
-      <p:sp>
-        <p:nvSpPr>
-          <p:cNvPr id="13" name="Título 1">
-            <a:extLst>
-              <a:ext uri="{FF2B5EF4-FFF2-40B4-BE49-F238E27FC236}">
-                <a16:creationId xmlns:a16="http://schemas.microsoft.com/office/drawing/2014/main" id="{52C8C7F8-6A55-1DF8-3A33-F776C9F854B3}"/>
-              </a:ext>
-            </a:extLst>
-          </p:cNvPr>
-          <p:cNvSpPr txBox="1">
-            <a:spLocks/>
-          </p:cNvSpPr>
-          <p:nvPr/>
-        </p:nvSpPr>
-        <p:spPr>
-          <a:xfrm>
-            <a:off x="1286538" y="2580272"/>
-            <a:ext cx="5916168" cy="550334"/>
-          </a:xfrm>
-          <a:prstGeom prst="rect">
-            <a:avLst/>
-          </a:prstGeom>
-        </p:spPr>
-        <p:txBody>
-          <a:bodyPr vert="horz" lIns="91440" tIns="45720" rIns="91440" bIns="45720" rtlCol="0" anchor="b">
-            <a:normAutofit/>
-          </a:bodyPr>
-          <a:lstStyle>
-            <a:lvl1pPr algn="l" defTabSz="914400" rtl="0" eaLnBrk="1" latinLnBrk="0" hangingPunct="1">
-              <a:lnSpc>
-                <a:spcPct val="90000"/>
-              </a:lnSpc>
-              <a:spcBef>
-                <a:spcPct val="0"/>
-              </a:spcBef>
-              <a:buNone/>
-              <a:defRPr sz="3600" b="1" kern="1200">
-                <a:solidFill>
-                  <a:schemeClr val="tx1"/>
-                </a:solidFill>
-                <a:latin typeface="+mj-lt"/>
-                <a:ea typeface="+mj-ea"/>
-                <a:cs typeface="+mj-cs"/>
-              </a:defRPr>
-            </a:lvl1pPr>
-          </a:lstStyle>
-          <a:p>
-            <a:r>
-              <a:rPr lang="en-US" sz="2000" b="0" dirty="0" err="1" smtClean="0"/>
-              <a:t>Descrição</a:t>
-            </a:r>
-            <a:endParaRPr lang="en-US" sz="2000" b="0" dirty="0"/>
-          </a:p>
-        </p:txBody>
-      </p:sp>
-      <p:sp>
-        <p:nvSpPr>
-          <p:cNvPr id="14" name="Retângulo 13"/>
-          <p:cNvSpPr/>
-          <p:nvPr/>
-        </p:nvSpPr>
-        <p:spPr>
-          <a:xfrm>
-            <a:off x="2689945" y="2730386"/>
-            <a:ext cx="5325165" cy="389467"/>
-          </a:xfrm>
-          <a:prstGeom prst="rect">
-            <a:avLst/>
-          </a:prstGeom>
-          <a:solidFill>
-            <a:srgbClr val="92D050"/>
-          </a:solidFill>
-        </p:spPr>
-        <p:style>
-          <a:lnRef idx="2">
-            <a:schemeClr val="accent1">
-              <a:shade val="50000"/>
-            </a:schemeClr>
-          </a:lnRef>
-          <a:fillRef idx="1">
-            <a:schemeClr val="accent1"/>
-          </a:fillRef>
-          <a:effectRef idx="0">
-            <a:schemeClr val="accent1"/>
-          </a:effectRef>
-          <a:fontRef idx="minor">
-            <a:schemeClr val="lt1"/>
-          </a:fontRef>
-        </p:style>
-        <p:txBody>
-          <a:bodyPr rtlCol="0" anchor="ctr"/>
-          <a:lstStyle/>
-          <a:p>
-            <a:r>
-              <a:rPr lang="pt-BR" dirty="0" smtClean="0"/>
-              <a:t>Café </a:t>
-            </a:r>
-            <a:r>
-              <a:rPr lang="pt-BR" dirty="0" err="1" smtClean="0"/>
-              <a:t>Estan</a:t>
-            </a:r>
-            <a:endParaRPr lang="pt-BR" dirty="0"/>
-          </a:p>
-        </p:txBody>
-      </p:sp>
-      <p:sp>
-        <p:nvSpPr>
-          <p:cNvPr id="17" name="Retângulo Arredondado 16"/>
-          <p:cNvSpPr/>
-          <p:nvPr/>
-        </p:nvSpPr>
-        <p:spPr>
-          <a:xfrm>
-            <a:off x="6953249" y="5048250"/>
-            <a:ext cx="1190625" cy="314325"/>
-          </a:xfrm>
-          <a:prstGeom prst="roundRect">
-            <a:avLst/>
-          </a:prstGeom>
-        </p:spPr>
-        <p:style>
-          <a:lnRef idx="2">
-            <a:schemeClr val="accent1">
-              <a:shade val="50000"/>
-            </a:schemeClr>
-          </a:lnRef>
-          <a:fillRef idx="1">
-            <a:schemeClr val="accent1"/>
-          </a:fillRef>
-          <a:effectRef idx="0">
-            <a:schemeClr val="accent1"/>
-          </a:effectRef>
-          <a:fontRef idx="minor">
-            <a:schemeClr val="lt1"/>
-          </a:fontRef>
-        </p:style>
-        <p:txBody>
-          <a:bodyPr rtlCol="0" anchor="ctr"/>
-          <a:lstStyle/>
-          <a:p>
-            <a:pPr algn="ctr"/>
-            <a:r>
-              <a:rPr lang="pt-BR" dirty="0" smtClean="0"/>
-              <a:t>Salvar</a:t>
-            </a:r>
-            <a:endParaRPr lang="pt-BR" dirty="0"/>
-          </a:p>
-        </p:txBody>
-      </p:sp>
-      <p:sp>
-        <p:nvSpPr>
-          <p:cNvPr id="18" name="Retângulo Arredondado 17"/>
-          <p:cNvSpPr/>
-          <p:nvPr/>
-        </p:nvSpPr>
-        <p:spPr>
-          <a:xfrm>
-            <a:off x="5735696" y="5048249"/>
-            <a:ext cx="1190625" cy="314325"/>
-          </a:xfrm>
-          <a:prstGeom prst="roundRect">
-            <a:avLst/>
-          </a:prstGeom>
-        </p:spPr>
-        <p:style>
-          <a:lnRef idx="2">
-            <a:schemeClr val="accent3">
-              <a:shade val="50000"/>
-            </a:schemeClr>
-          </a:lnRef>
-          <a:fillRef idx="1">
-            <a:schemeClr val="accent3"/>
-          </a:fillRef>
-          <a:effectRef idx="0">
-            <a:schemeClr val="accent3"/>
-          </a:effectRef>
-          <a:fontRef idx="minor">
-            <a:schemeClr val="lt1"/>
-          </a:fontRef>
-        </p:style>
-        <p:txBody>
-          <a:bodyPr rtlCol="0" anchor="ctr"/>
-          <a:lstStyle/>
-          <a:p>
-            <a:pPr algn="ctr"/>
-            <a:r>
-              <a:rPr lang="pt-BR" dirty="0" smtClean="0"/>
-              <a:t>Cancelar</a:t>
-            </a:r>
-            <a:endParaRPr lang="pt-BR" dirty="0"/>
-          </a:p>
-        </p:txBody>
-      </p:sp>
-      <p:sp>
-        <p:nvSpPr>
-          <p:cNvPr id="19" name="Retângulo Arredondado 18"/>
-          <p:cNvSpPr/>
-          <p:nvPr/>
-        </p:nvSpPr>
-        <p:spPr>
-          <a:xfrm>
-            <a:off x="4425244" y="5048248"/>
-            <a:ext cx="1190625" cy="314325"/>
-          </a:xfrm>
-          <a:prstGeom prst="roundRect">
-            <a:avLst/>
-          </a:prstGeom>
-          <a:solidFill>
-            <a:srgbClr val="00B0F0"/>
-          </a:solidFill>
-        </p:spPr>
-        <p:style>
-          <a:lnRef idx="2">
-            <a:schemeClr val="accent1">
-              <a:shade val="50000"/>
-            </a:schemeClr>
-          </a:lnRef>
-          <a:fillRef idx="1">
-            <a:schemeClr val="accent1"/>
-          </a:fillRef>
-          <a:effectRef idx="0">
-            <a:schemeClr val="accent1"/>
-          </a:effectRef>
-          <a:fontRef idx="minor">
-            <a:schemeClr val="lt1"/>
-          </a:fontRef>
-        </p:style>
-        <p:txBody>
-          <a:bodyPr rtlCol="0" anchor="ctr"/>
-          <a:lstStyle/>
-          <a:p>
-            <a:pPr algn="ctr"/>
-            <a:r>
-              <a:rPr lang="pt-BR" dirty="0" smtClean="0"/>
-              <a:t>Voltar</a:t>
-            </a:r>
-            <a:endParaRPr lang="pt-BR" dirty="0"/>
-          </a:p>
-        </p:txBody>
-      </p:sp>
-      <p:sp>
-        <p:nvSpPr>
-          <p:cNvPr id="21" name="CaixaDeTexto 20"/>
-          <p:cNvSpPr txBox="1"/>
-          <p:nvPr/>
-        </p:nvSpPr>
-        <p:spPr>
-          <a:xfrm>
-            <a:off x="9415640" y="3205335"/>
-            <a:ext cx="1781175" cy="1169551"/>
-          </a:xfrm>
-          <a:prstGeom prst="rect">
-            <a:avLst/>
-          </a:prstGeom>
-          <a:noFill/>
-        </p:spPr>
-        <p:txBody>
-          <a:bodyPr wrap="square" rtlCol="0">
-            <a:spAutoFit/>
-          </a:bodyPr>
-          <a:lstStyle/>
-          <a:p>
-            <a:r>
-              <a:rPr lang="pt-BR" sz="1400" dirty="0" smtClean="0"/>
-              <a:t>Quando em modo edição e o cursor estiver no campo o fundo deve ficar verde.</a:t>
-            </a:r>
-            <a:endParaRPr lang="pt-BR" sz="1400" dirty="0"/>
-          </a:p>
-        </p:txBody>
-      </p:sp>
     </p:spTree>
     <p:extLst>
       <p:ext uri="{BB962C8B-B14F-4D97-AF65-F5344CB8AC3E}">
-        <p14:creationId xmlns:p14="http://schemas.microsoft.com/office/powerpoint/2010/main" val="2054591216"/>
+        <p14:creationId xmlns:p14="http://schemas.microsoft.com/office/powerpoint/2010/main" val="1037557683"/>
       </p:ext>
     </p:extLst>
   </p:cSld>
@@ -14850,7 +14732,40 @@
                 <a:ea typeface="+mj-ea"/>
                 <a:cs typeface="+mj-cs"/>
               </a:rPr>
-              <a:t>Produto</a:t>
+              <a:t>Categoria</a:t>
+            </a:r>
+            <a:r>
+              <a:rPr lang="en-US" b="0" kern="1200" dirty="0" smtClean="0">
+                <a:solidFill>
+                  <a:schemeClr val="tx1"/>
+                </a:solidFill>
+                <a:latin typeface="+mj-lt"/>
+                <a:ea typeface="+mj-ea"/>
+                <a:cs typeface="+mj-cs"/>
+              </a:rPr>
+              <a:t> (</a:t>
+            </a:r>
+            <a:r>
+              <a:rPr lang="en-US" b="0" kern="1200" dirty="0" err="1" smtClean="0">
+                <a:solidFill>
+                  <a:schemeClr val="tx1"/>
+                </a:solidFill>
+                <a:latin typeface="+mj-lt"/>
+                <a:ea typeface="+mj-ea"/>
+                <a:cs typeface="+mj-cs"/>
+              </a:rPr>
+              <a:t>lista</a:t>
+            </a:r>
+            <a:r>
+              <a:rPr lang="en-US" b="0" kern="1200" dirty="0" smtClean="0">
+                <a:solidFill>
+                  <a:schemeClr val="tx1"/>
+                </a:solidFill>
+                <a:latin typeface="+mj-lt"/>
+                <a:ea typeface="+mj-ea"/>
+                <a:cs typeface="+mj-cs"/>
+              </a:rPr>
+              <a:t>)</a:t>
             </a:r>
             <a:endParaRPr lang="en-US" b="0" kern="1200" dirty="0">
               <a:solidFill>
@@ -14925,7 +14840,7 @@
         </p:nvSpPr>
         <p:spPr>
           <a:xfrm>
-            <a:off x="1044222" y="1224844"/>
+            <a:off x="999067" y="1224844"/>
             <a:ext cx="10193866" cy="5317067"/>
           </a:xfrm>
           <a:prstGeom prst="rect">
@@ -15001,7 +14916,7 @@
         </p:nvSpPr>
         <p:spPr>
           <a:xfrm>
-            <a:off x="10803466" y="1255888"/>
+            <a:off x="10820399" y="1319049"/>
             <a:ext cx="293511" cy="302204"/>
           </a:xfrm>
           <a:prstGeom prst="ellipse">
@@ -15045,7 +14960,7 @@
         </p:nvSpPr>
         <p:spPr>
           <a:xfrm>
-            <a:off x="2689946" y="2201558"/>
+            <a:off x="1363860" y="2550550"/>
             <a:ext cx="1735298" cy="389467"/>
           </a:xfrm>
           <a:prstGeom prst="rect">
@@ -15096,13 +15011,452 @@
         </p:nvSpPr>
         <p:spPr>
           <a:xfrm>
-            <a:off x="1557459" y="1063977"/>
-            <a:ext cx="5916168" cy="1527048"/>
+            <a:off x="1363860" y="2562520"/>
+            <a:ext cx="5916168" cy="365528"/>
           </a:xfrm>
           <a:prstGeom prst="rect">
             <a:avLst/>
           </a:prstGeom>
         </p:spPr>
+        <p:txBody>
+          <a:bodyPr vert="horz" lIns="91440" tIns="45720" rIns="91440" bIns="45720" rtlCol="0" anchor="b">
+            <a:normAutofit lnSpcReduction="10000"/>
+          </a:bodyPr>
+          <a:lstStyle>
+            <a:lvl1pPr algn="l" defTabSz="914400" rtl="0" eaLnBrk="1" latinLnBrk="0" hangingPunct="1">
+              <a:lnSpc>
+                <a:spcPct val="90000"/>
+              </a:lnSpc>
+              <a:spcBef>
+                <a:spcPct val="0"/>
+              </a:spcBef>
+              <a:buNone/>
+              <a:defRPr sz="3600" b="1" kern="1200">
+                <a:solidFill>
+                  <a:schemeClr val="tx1"/>
+                </a:solidFill>
+                <a:latin typeface="+mj-lt"/>
+                <a:ea typeface="+mj-ea"/>
+                <a:cs typeface="+mj-cs"/>
+              </a:defRPr>
+            </a:lvl1pPr>
+          </a:lstStyle>
+          <a:p>
+            <a:r>
+              <a:rPr lang="en-US" sz="2000" b="0" dirty="0" err="1" smtClean="0"/>
+              <a:t>Código</a:t>
+            </a:r>
+            <a:endParaRPr lang="en-US" sz="2000" b="0" dirty="0"/>
+          </a:p>
+        </p:txBody>
+      </p:sp>
+      <p:sp>
+        <p:nvSpPr>
+          <p:cNvPr id="17" name="Retângulo Arredondado 16"/>
+          <p:cNvSpPr/>
+          <p:nvPr/>
+        </p:nvSpPr>
+        <p:spPr>
+          <a:xfrm>
+            <a:off x="1363860" y="1911172"/>
+            <a:ext cx="1190625" cy="314325"/>
+          </a:xfrm>
+          <a:prstGeom prst="roundRect">
+            <a:avLst/>
+          </a:prstGeom>
+        </p:spPr>
+        <p:style>
+          <a:lnRef idx="2">
+            <a:schemeClr val="accent1">
+              <a:shade val="50000"/>
+            </a:schemeClr>
+          </a:lnRef>
+          <a:fillRef idx="1">
+            <a:schemeClr val="accent1"/>
+          </a:fillRef>
+          <a:effectRef idx="0">
+            <a:schemeClr val="accent1"/>
+          </a:effectRef>
+          <a:fontRef idx="minor">
+            <a:schemeClr val="lt1"/>
+          </a:fontRef>
+        </p:style>
+        <p:txBody>
+          <a:bodyPr rtlCol="0" anchor="ctr"/>
+          <a:lstStyle/>
+          <a:p>
+            <a:pPr algn="ctr"/>
+            <a:r>
+              <a:rPr lang="pt-BR" dirty="0" smtClean="0"/>
+              <a:t>Novo</a:t>
+            </a:r>
+            <a:endParaRPr lang="pt-BR" dirty="0"/>
+          </a:p>
+        </p:txBody>
+      </p:sp>
+      <p:sp>
+        <p:nvSpPr>
+          <p:cNvPr id="19" name="Retângulo Arredondado 18"/>
+          <p:cNvSpPr/>
+          <p:nvPr/>
+        </p:nvSpPr>
+        <p:spPr>
+          <a:xfrm>
+            <a:off x="5140384" y="4822916"/>
+            <a:ext cx="1190625" cy="314325"/>
+          </a:xfrm>
+          <a:prstGeom prst="roundRect">
+            <a:avLst/>
+          </a:prstGeom>
+          <a:solidFill>
+            <a:srgbClr val="00B0F0"/>
+          </a:solidFill>
+        </p:spPr>
+        <p:style>
+          <a:lnRef idx="2">
+            <a:schemeClr val="accent1">
+              <a:shade val="50000"/>
+            </a:schemeClr>
+          </a:lnRef>
+          <a:fillRef idx="1">
+            <a:schemeClr val="accent1"/>
+          </a:fillRef>
+          <a:effectRef idx="0">
+            <a:schemeClr val="accent1"/>
+          </a:effectRef>
+          <a:fontRef idx="minor">
+            <a:schemeClr val="lt1"/>
+          </a:fontRef>
+        </p:style>
+        <p:txBody>
+          <a:bodyPr rtlCol="0" anchor="ctr"/>
+          <a:lstStyle/>
+          <a:p>
+            <a:pPr algn="ctr"/>
+            <a:r>
+              <a:rPr lang="pt-BR" dirty="0" smtClean="0"/>
+              <a:t>Voltar</a:t>
+            </a:r>
+            <a:endParaRPr lang="pt-BR" dirty="0"/>
+          </a:p>
+        </p:txBody>
+      </p:sp>
+      <p:sp>
+        <p:nvSpPr>
+          <p:cNvPr id="20" name="Retângulo 19"/>
+          <p:cNvSpPr/>
+          <p:nvPr/>
+        </p:nvSpPr>
+        <p:spPr>
+          <a:xfrm>
+            <a:off x="3099159" y="2554776"/>
+            <a:ext cx="4803064" cy="389467"/>
+          </a:xfrm>
+          <a:prstGeom prst="rect">
+            <a:avLst/>
+          </a:prstGeom>
+          <a:solidFill>
+            <a:schemeClr val="bg1">
+              <a:lumMod val="85000"/>
+            </a:schemeClr>
+          </a:solidFill>
+        </p:spPr>
+        <p:style>
+          <a:lnRef idx="2">
+            <a:schemeClr val="accent6"/>
+          </a:lnRef>
+          <a:fillRef idx="1">
+            <a:schemeClr val="lt1"/>
+          </a:fillRef>
+          <a:effectRef idx="0">
+            <a:schemeClr val="accent6"/>
+          </a:effectRef>
+          <a:fontRef idx="minor">
+            <a:schemeClr val="dk1"/>
+          </a:fontRef>
+        </p:style>
+        <p:txBody>
+          <a:bodyPr rtlCol="0" anchor="ctr"/>
+          <a:lstStyle/>
+          <a:p>
+            <a:r>
+              <a:rPr lang="pt-BR" dirty="0" smtClean="0"/>
+              <a:t>Descrição</a:t>
+            </a:r>
+            <a:endParaRPr lang="pt-BR" dirty="0"/>
+          </a:p>
+        </p:txBody>
+      </p:sp>
+      <p:sp>
+        <p:nvSpPr>
+          <p:cNvPr id="22" name="Retângulo 21"/>
+          <p:cNvSpPr/>
+          <p:nvPr/>
+        </p:nvSpPr>
+        <p:spPr>
+          <a:xfrm>
+            <a:off x="7902223" y="2553295"/>
+            <a:ext cx="1735298" cy="389467"/>
+          </a:xfrm>
+          <a:prstGeom prst="rect">
+            <a:avLst/>
+          </a:prstGeom>
+          <a:solidFill>
+            <a:schemeClr val="bg1">
+              <a:lumMod val="85000"/>
+            </a:schemeClr>
+          </a:solidFill>
+        </p:spPr>
+        <p:style>
+          <a:lnRef idx="2">
+            <a:schemeClr val="accent6"/>
+          </a:lnRef>
+          <a:fillRef idx="1">
+            <a:schemeClr val="lt1"/>
+          </a:fillRef>
+          <a:effectRef idx="0">
+            <a:schemeClr val="accent6"/>
+          </a:effectRef>
+          <a:fontRef idx="minor">
+            <a:schemeClr val="dk1"/>
+          </a:fontRef>
+        </p:style>
+        <p:txBody>
+          <a:bodyPr rtlCol="0" anchor="ctr"/>
+          <a:lstStyle/>
+          <a:p>
+            <a:pPr algn="ctr"/>
+            <a:r>
+              <a:rPr lang="pt-BR" dirty="0" smtClean="0"/>
+              <a:t>Opções</a:t>
+            </a:r>
+            <a:endParaRPr lang="pt-BR" dirty="0"/>
+          </a:p>
+        </p:txBody>
+      </p:sp>
+      <p:sp>
+        <p:nvSpPr>
+          <p:cNvPr id="23" name="Retângulo 22"/>
+          <p:cNvSpPr/>
+          <p:nvPr/>
+        </p:nvSpPr>
+        <p:spPr>
+          <a:xfrm>
+            <a:off x="1363860" y="2949412"/>
+            <a:ext cx="1735298" cy="389467"/>
+          </a:xfrm>
+          <a:prstGeom prst="rect">
+            <a:avLst/>
+          </a:prstGeom>
+        </p:spPr>
+        <p:style>
+          <a:lnRef idx="2">
+            <a:schemeClr val="dk1"/>
+          </a:lnRef>
+          <a:fillRef idx="1">
+            <a:schemeClr val="lt1"/>
+          </a:fillRef>
+          <a:effectRef idx="0">
+            <a:schemeClr val="dk1"/>
+          </a:effectRef>
+          <a:fontRef idx="minor">
+            <a:schemeClr val="dk1"/>
+          </a:fontRef>
+        </p:style>
+        <p:txBody>
+          <a:bodyPr rtlCol="0" anchor="ctr"/>
+          <a:lstStyle/>
+          <a:p>
+            <a:pPr algn="ctr"/>
+            <a:endParaRPr lang="pt-BR" dirty="0"/>
+          </a:p>
+        </p:txBody>
+      </p:sp>
+      <p:sp>
+        <p:nvSpPr>
+          <p:cNvPr id="24" name="Título 1">
+            <a:extLst>
+              <a:ext uri="{FF2B5EF4-FFF2-40B4-BE49-F238E27FC236}">
+                <a16:creationId xmlns:a16="http://schemas.microsoft.com/office/drawing/2014/main" id="{52C8C7F8-6A55-1DF8-3A33-F776C9F854B3}"/>
+              </a:ext>
+            </a:extLst>
+          </p:cNvPr>
+          <p:cNvSpPr txBox="1">
+            <a:spLocks/>
+          </p:cNvSpPr>
+          <p:nvPr/>
+        </p:nvSpPr>
+        <p:spPr>
+          <a:xfrm>
+            <a:off x="1363860" y="2961382"/>
+            <a:ext cx="5916168" cy="365528"/>
+          </a:xfrm>
+          <a:prstGeom prst="rect">
+            <a:avLst/>
+          </a:prstGeom>
+        </p:spPr>
+        <p:style>
+          <a:lnRef idx="2">
+            <a:schemeClr val="dk1"/>
+          </a:lnRef>
+          <a:fillRef idx="1">
+            <a:schemeClr val="lt1"/>
+          </a:fillRef>
+          <a:effectRef idx="0">
+            <a:schemeClr val="dk1"/>
+          </a:effectRef>
+          <a:fontRef idx="minor">
+            <a:schemeClr val="dk1"/>
+          </a:fontRef>
+        </p:style>
+        <p:txBody>
+          <a:bodyPr vert="horz" lIns="91440" tIns="45720" rIns="91440" bIns="45720" rtlCol="0" anchor="b">
+            <a:normAutofit lnSpcReduction="10000"/>
+          </a:bodyPr>
+          <a:lstStyle>
+            <a:lvl1pPr algn="l" defTabSz="914400" rtl="0" eaLnBrk="1" latinLnBrk="0" hangingPunct="1">
+              <a:lnSpc>
+                <a:spcPct val="90000"/>
+              </a:lnSpc>
+              <a:spcBef>
+                <a:spcPct val="0"/>
+              </a:spcBef>
+              <a:buNone/>
+              <a:defRPr sz="3600" b="1" kern="1200">
+                <a:solidFill>
+                  <a:schemeClr val="tx1"/>
+                </a:solidFill>
+                <a:latin typeface="+mj-lt"/>
+                <a:ea typeface="+mj-ea"/>
+                <a:cs typeface="+mj-cs"/>
+              </a:defRPr>
+            </a:lvl1pPr>
+          </a:lstStyle>
+          <a:p>
+            <a:r>
+              <a:rPr lang="en-US" sz="2000" b="0" dirty="0" smtClean="0"/>
+              <a:t>01</a:t>
+            </a:r>
+            <a:endParaRPr lang="en-US" sz="2000" b="0" dirty="0"/>
+          </a:p>
+        </p:txBody>
+      </p:sp>
+      <p:sp>
+        <p:nvSpPr>
+          <p:cNvPr id="25" name="Retângulo 24"/>
+          <p:cNvSpPr/>
+          <p:nvPr/>
+        </p:nvSpPr>
+        <p:spPr>
+          <a:xfrm>
+            <a:off x="3099159" y="2953638"/>
+            <a:ext cx="4803064" cy="389467"/>
+          </a:xfrm>
+          <a:prstGeom prst="rect">
+            <a:avLst/>
+          </a:prstGeom>
+        </p:spPr>
+        <p:style>
+          <a:lnRef idx="2">
+            <a:schemeClr val="dk1"/>
+          </a:lnRef>
+          <a:fillRef idx="1">
+            <a:schemeClr val="lt1"/>
+          </a:fillRef>
+          <a:effectRef idx="0">
+            <a:schemeClr val="dk1"/>
+          </a:effectRef>
+          <a:fontRef idx="minor">
+            <a:schemeClr val="dk1"/>
+          </a:fontRef>
+        </p:style>
+        <p:txBody>
+          <a:bodyPr rtlCol="0" anchor="ctr"/>
+          <a:lstStyle/>
+          <a:p>
+            <a:r>
+              <a:rPr lang="pt-BR" dirty="0" smtClean="0"/>
+              <a:t>Alimentos</a:t>
+            </a:r>
+            <a:endParaRPr lang="pt-BR" dirty="0"/>
+          </a:p>
+        </p:txBody>
+      </p:sp>
+      <p:sp>
+        <p:nvSpPr>
+          <p:cNvPr id="26" name="Retângulo 25"/>
+          <p:cNvSpPr/>
+          <p:nvPr/>
+        </p:nvSpPr>
+        <p:spPr>
+          <a:xfrm>
+            <a:off x="7902223" y="2941017"/>
+            <a:ext cx="1735298" cy="402088"/>
+          </a:xfrm>
+          <a:prstGeom prst="rect">
+            <a:avLst/>
+          </a:prstGeom>
+        </p:spPr>
+        <p:style>
+          <a:lnRef idx="2">
+            <a:schemeClr val="dk1"/>
+          </a:lnRef>
+          <a:fillRef idx="1">
+            <a:schemeClr val="lt1"/>
+          </a:fillRef>
+          <a:effectRef idx="0">
+            <a:schemeClr val="dk1"/>
+          </a:effectRef>
+          <a:fontRef idx="minor">
+            <a:schemeClr val="dk1"/>
+          </a:fontRef>
+        </p:style>
+        <p:txBody>
+          <a:bodyPr rtlCol="0" anchor="ctr"/>
+          <a:lstStyle/>
+          <a:p>
+            <a:pPr algn="ctr"/>
+            <a:endParaRPr lang="pt-BR" dirty="0"/>
+          </a:p>
+        </p:txBody>
+      </p:sp>
+      <p:sp>
+        <p:nvSpPr>
+          <p:cNvPr id="27" name="Título 1">
+            <a:extLst>
+              <a:ext uri="{FF2B5EF4-FFF2-40B4-BE49-F238E27FC236}">
+                <a16:creationId xmlns:a16="http://schemas.microsoft.com/office/drawing/2014/main" id="{52C8C7F8-6A55-1DF8-3A33-F776C9F854B3}"/>
+              </a:ext>
+            </a:extLst>
+          </p:cNvPr>
+          <p:cNvSpPr txBox="1">
+            <a:spLocks/>
+          </p:cNvSpPr>
+          <p:nvPr/>
+        </p:nvSpPr>
+        <p:spPr>
+          <a:xfrm>
+            <a:off x="1363860" y="3374388"/>
+            <a:ext cx="5916168" cy="405262"/>
+          </a:xfrm>
+          <a:prstGeom prst="rect">
+            <a:avLst/>
+          </a:prstGeom>
+        </p:spPr>
+        <p:style>
+          <a:lnRef idx="2">
+            <a:schemeClr val="dk1"/>
+          </a:lnRef>
+          <a:fillRef idx="1">
+            <a:schemeClr val="lt1"/>
+          </a:fillRef>
+          <a:effectRef idx="0">
+            <a:schemeClr val="dk1"/>
+          </a:effectRef>
+          <a:fontRef idx="minor">
+            <a:schemeClr val="dk1"/>
+          </a:fontRef>
+        </p:style>
         <p:txBody>
           <a:bodyPr vert="horz" lIns="91440" tIns="45720" rIns="91440" bIns="45720" rtlCol="0" anchor="b">
             <a:normAutofit/>
@@ -15128,8 +15482,8 @@
           </a:lstStyle>
           <a:p>
             <a:r>
-              <a:rPr lang="en-US" sz="2000" b="0" dirty="0" err="1" smtClean="0"/>
-              <a:t>Código</a:t>
+              <a:rPr lang="en-US" sz="2000" b="0" dirty="0" smtClean="0"/>
+              <a:t>02</a:t>
             </a:r>
             <a:endParaRPr lang="en-US" sz="2000" b="0" dirty="0"/>
           </a:p>
@@ -15137,10 +15491,278 @@
       </p:sp>
       <p:sp>
         <p:nvSpPr>
-          <p:cNvPr id="13" name="Título 1">
+          <p:cNvPr id="28" name="Retângulo 27"/>
+          <p:cNvSpPr/>
+          <p:nvPr/>
+        </p:nvSpPr>
+        <p:spPr>
+          <a:xfrm>
+            <a:off x="3099159" y="3366644"/>
+            <a:ext cx="4803064" cy="389467"/>
+          </a:xfrm>
+          <a:prstGeom prst="rect">
+            <a:avLst/>
+          </a:prstGeom>
+        </p:spPr>
+        <p:style>
+          <a:lnRef idx="2">
+            <a:schemeClr val="dk1"/>
+          </a:lnRef>
+          <a:fillRef idx="1">
+            <a:schemeClr val="lt1"/>
+          </a:fillRef>
+          <a:effectRef idx="0">
+            <a:schemeClr val="dk1"/>
+          </a:effectRef>
+          <a:fontRef idx="minor">
+            <a:schemeClr val="dk1"/>
+          </a:fontRef>
+        </p:style>
+        <p:txBody>
+          <a:bodyPr rtlCol="0" anchor="ctr"/>
+          <a:lstStyle/>
+          <a:p>
+            <a:r>
+              <a:rPr lang="pt-BR" dirty="0" smtClean="0"/>
+              <a:t>Alimentos</a:t>
+            </a:r>
+            <a:endParaRPr lang="pt-BR" dirty="0"/>
+          </a:p>
+        </p:txBody>
+      </p:sp>
+      <p:sp>
+        <p:nvSpPr>
+          <p:cNvPr id="29" name="Retângulo 28"/>
+          <p:cNvSpPr/>
+          <p:nvPr/>
+        </p:nvSpPr>
+        <p:spPr>
+          <a:xfrm>
+            <a:off x="7902223" y="3354023"/>
+            <a:ext cx="1735298" cy="402088"/>
+          </a:xfrm>
+          <a:prstGeom prst="rect">
+            <a:avLst/>
+          </a:prstGeom>
+        </p:spPr>
+        <p:style>
+          <a:lnRef idx="2">
+            <a:schemeClr val="dk1"/>
+          </a:lnRef>
+          <a:fillRef idx="1">
+            <a:schemeClr val="lt1"/>
+          </a:fillRef>
+          <a:effectRef idx="0">
+            <a:schemeClr val="dk1"/>
+          </a:effectRef>
+          <a:fontRef idx="minor">
+            <a:schemeClr val="dk1"/>
+          </a:fontRef>
+        </p:style>
+        <p:txBody>
+          <a:bodyPr rtlCol="0" anchor="ctr"/>
+          <a:lstStyle/>
+          <a:p>
+            <a:pPr algn="ctr"/>
+            <a:endParaRPr lang="pt-BR" dirty="0"/>
+          </a:p>
+        </p:txBody>
+      </p:sp>
+    </p:spTree>
+    <p:extLst>
+      <p:ext uri="{BB962C8B-B14F-4D97-AF65-F5344CB8AC3E}">
+        <p14:creationId xmlns:p14="http://schemas.microsoft.com/office/powerpoint/2010/main" val="1636696538"/>
+      </p:ext>
+    </p:extLst>
+  </p:cSld>
+  <p:clrMapOvr>
+    <a:masterClrMapping/>
+  </p:clrMapOvr>
+  <p:transition>
+    <p:fade/>
+  </p:transition>
+</p:sld>
+</file>
+
+<file path=ppt/slides/slide22.xml><?xml version="1.0" encoding="utf-8"?>
+<p:sld xmlns:a="http://schemas.openxmlformats.org/drawingml/2006/main" xmlns:r="http://schemas.openxmlformats.org/officeDocument/2006/relationships" xmlns:p="http://schemas.openxmlformats.org/presentationml/2006/main">
+  <p:cSld>
+    <p:bg>
+      <p:bgPr>
+        <a:solidFill>
+          <a:schemeClr val="bg1"/>
+        </a:solidFill>
+        <a:effectLst/>
+      </p:bgPr>
+    </p:bg>
+    <p:spTree>
+      <p:nvGrpSpPr>
+        <p:cNvPr id="1" name=""/>
+        <p:cNvGrpSpPr/>
+        <p:nvPr/>
+      </p:nvGrpSpPr>
+      <p:grpSpPr>
+        <a:xfrm>
+          <a:off x="0" y="0"/>
+          <a:ext cx="0" cy="0"/>
+          <a:chOff x="0" y="0"/>
+          <a:chExt cx="0" cy="0"/>
+        </a:xfrm>
+      </p:grpSpPr>
+      <p:sp useBgFill="1">
+        <p:nvSpPr>
+          <p:cNvPr id="10" name="Rectangle 9">
+            <a:extLst>
+              <a:ext uri="{FF2B5EF4-FFF2-40B4-BE49-F238E27FC236}">
+                <a16:creationId xmlns:a16="http://schemas.microsoft.com/office/drawing/2014/main" id="{5E8D3B17-7638-DFD3-18E4-8A6D611749CF}"/>
+              </a:ext>
+              <a:ext uri="{C183D7F6-B498-43B3-948B-1728B52AA6E4}">
+                <adec:decorative xmlns:adec="http://schemas.microsoft.com/office/drawing/2017/decorative" xmlns="" val="1"/>
+              </a:ext>
+            </a:extLst>
+          </p:cNvPr>
+          <p:cNvSpPr>
+            <a:spLocks noGrp="1" noRot="1" noChangeAspect="1" noMove="1" noResize="1" noEditPoints="1" noAdjustHandles="1" noChangeArrowheads="1" noChangeShapeType="1" noTextEdit="1"/>
+          </p:cNvSpPr>
+          <p:nvPr>
+            <p:extLst>
+              <p:ext uri="{386F3935-93C4-4BCD-93E2-E3B085C9AB24}">
+                <p16:designElem xmlns:p16="http://schemas.microsoft.com/office/powerpoint/2015/main" val="1"/>
+              </p:ext>
+            </p:extLst>
+          </p:nvPr>
+        </p:nvSpPr>
+        <p:spPr>
+          <a:xfrm>
+            <a:off x="0" y="0"/>
+            <a:ext cx="12192000" cy="6858000"/>
+          </a:xfrm>
+          <a:prstGeom prst="rect">
+            <a:avLst/>
+          </a:prstGeom>
+          <a:ln w="12700" cap="flat" cmpd="sng" algn="ctr">
+            <a:noFill/>
+            <a:prstDash val="solid"/>
+            <a:miter lim="800000"/>
+          </a:ln>
+          <a:effectLst/>
+          <a:extLst>
+            <a:ext uri="{91240B29-F687-4F45-9708-019B960494DF}">
+              <a14:hiddenLine xmlns:a14="http://schemas.microsoft.com/office/drawing/2010/main" w="12700" cap="flat" cmpd="sng" algn="ctr">
+                <a:solidFill>
+                  <a:schemeClr val="accent1">
+                    <a:shade val="15000"/>
+                  </a:schemeClr>
+                </a:solidFill>
+                <a:prstDash val="solid"/>
+                <a:miter lim="800000"/>
+              </a14:hiddenLine>
+            </a:ext>
+          </a:extLst>
+        </p:spPr>
+        <p:style>
+          <a:lnRef idx="2">
+            <a:schemeClr val="accent1">
+              <a:shade val="15000"/>
+            </a:schemeClr>
+          </a:lnRef>
+          <a:fillRef idx="1">
+            <a:schemeClr val="accent1"/>
+          </a:fillRef>
+          <a:effectRef idx="0">
+            <a:schemeClr val="accent1"/>
+          </a:effectRef>
+          <a:fontRef idx="minor">
+            <a:schemeClr val="lt1"/>
+          </a:fontRef>
+        </p:style>
+        <p:txBody>
+          <a:bodyPr rtlCol="0" anchor="ctr"/>
+          <a:lstStyle/>
+          <a:p>
+            <a:pPr algn="ctr"/>
+            <a:endParaRPr lang="en-US"/>
+          </a:p>
+        </p:txBody>
+      </p:sp>
+      <p:sp>
+        <p:nvSpPr>
+          <p:cNvPr id="2" name="Título 1">
             <a:extLst>
               <a:ext uri="{FF2B5EF4-FFF2-40B4-BE49-F238E27FC236}">
                 <a16:creationId xmlns:a16="http://schemas.microsoft.com/office/drawing/2014/main" id="{52C8C7F8-6A55-1DF8-3A33-F776C9F854B3}"/>
+              </a:ext>
+            </a:extLst>
+          </p:cNvPr>
+          <p:cNvSpPr>
+            <a:spLocks noGrp="1"/>
+          </p:cNvSpPr>
+          <p:nvPr>
+            <p:ph type="title"/>
+          </p:nvPr>
+        </p:nvSpPr>
+        <p:spPr>
+          <a:xfrm>
+            <a:off x="2917771" y="-695454"/>
+            <a:ext cx="5916168" cy="1527048"/>
+          </a:xfrm>
+        </p:spPr>
+        <p:txBody>
+          <a:bodyPr vert="horz" lIns="91440" tIns="45720" rIns="91440" bIns="45720" rtlCol="0" anchor="b">
+            <a:normAutofit/>
+          </a:bodyPr>
+          <a:lstStyle/>
+          <a:p>
+            <a:r>
+              <a:rPr lang="en-US" b="0" kern="1200" dirty="0" err="1" smtClean="0">
+                <a:solidFill>
+                  <a:schemeClr val="tx1"/>
+                </a:solidFill>
+                <a:latin typeface="+mj-lt"/>
+                <a:ea typeface="+mj-ea"/>
+                <a:cs typeface="+mj-cs"/>
+              </a:rPr>
+              <a:t>Tela</a:t>
+            </a:r>
+            <a:r>
+              <a:rPr lang="en-US" b="0" kern="1200" dirty="0" smtClean="0">
+                <a:solidFill>
+                  <a:schemeClr val="tx1"/>
+                </a:solidFill>
+                <a:latin typeface="+mj-lt"/>
+                <a:ea typeface="+mj-ea"/>
+                <a:cs typeface="+mj-cs"/>
+              </a:rPr>
+              <a:t> </a:t>
+            </a:r>
+            <a:r>
+              <a:rPr lang="en-US" b="0" kern="1200" dirty="0" err="1" smtClean="0">
+                <a:solidFill>
+                  <a:schemeClr val="tx1"/>
+                </a:solidFill>
+                <a:latin typeface="+mj-lt"/>
+                <a:ea typeface="+mj-ea"/>
+                <a:cs typeface="+mj-cs"/>
+              </a:rPr>
+              <a:t>Categoria</a:t>
+            </a:r>
+            <a:endParaRPr lang="en-US" b="0" kern="1200" dirty="0">
+              <a:solidFill>
+                <a:schemeClr val="tx1"/>
+              </a:solidFill>
+              <a:latin typeface="+mj-lt"/>
+              <a:ea typeface="+mj-ea"/>
+              <a:cs typeface="+mj-cs"/>
+            </a:endParaRPr>
+          </a:p>
+        </p:txBody>
+      </p:sp>
+      <p:sp>
+        <p:nvSpPr>
+          <p:cNvPr id="7" name="Título 1">
+            <a:extLst>
+              <a:ext uri="{FF2B5EF4-FFF2-40B4-BE49-F238E27FC236}">
+                <a16:creationId xmlns:a16="http://schemas.microsoft.com/office/drawing/2014/main" id="{F08859EF-E25E-52C0-C024-DE22738F8749}"/>
               </a:ext>
             </a:extLst>
           </p:cNvPr>
@@ -15151,8 +15773,8 @@
         </p:nvSpPr>
         <p:spPr>
           <a:xfrm>
-            <a:off x="1286538" y="2580272"/>
-            <a:ext cx="5916168" cy="550334"/>
+            <a:off x="414841" y="-695454"/>
+            <a:ext cx="5916168" cy="1527048"/>
           </a:xfrm>
           <a:prstGeom prst="rect">
             <a:avLst/>
@@ -15183,44 +15805,116 @@
           </a:lstStyle>
           <a:p>
             <a:r>
-              <a:rPr lang="en-US" sz="2000" b="0" dirty="0" err="1" smtClean="0"/>
-              <a:t>Descrição</a:t>
-            </a:r>
-            <a:endParaRPr lang="en-US" sz="2000" b="0" dirty="0"/>
-          </a:p>
-        </p:txBody>
-      </p:sp>
-      <p:sp>
-        <p:nvSpPr>
-          <p:cNvPr id="14" name="Retângulo 13"/>
+              <a:rPr lang="en-US" dirty="0"/>
+              <a:t>Wireframe</a:t>
+            </a:r>
+          </a:p>
+        </p:txBody>
+      </p:sp>
+      <p:sp>
+        <p:nvSpPr>
+          <p:cNvPr id="4" name="Retângulo 3"/>
           <p:cNvSpPr/>
           <p:nvPr/>
         </p:nvSpPr>
         <p:spPr>
           <a:xfrm>
-            <a:off x="2689945" y="2730386"/>
-            <a:ext cx="5325165" cy="389467"/>
+            <a:off x="1044222" y="1224844"/>
+            <a:ext cx="10193866" cy="5317067"/>
           </a:xfrm>
           <a:prstGeom prst="rect">
             <a:avLst/>
           </a:prstGeom>
-          <a:solidFill>
-            <a:srgbClr val="92D050"/>
-          </a:solidFill>
         </p:spPr>
         <p:style>
           <a:lnRef idx="2">
-            <a:schemeClr val="accent1">
-              <a:shade val="50000"/>
-            </a:schemeClr>
+            <a:schemeClr val="accent1"/>
           </a:lnRef>
           <a:fillRef idx="1">
-            <a:schemeClr val="accent1"/>
+            <a:schemeClr val="lt1"/>
           </a:fillRef>
           <a:effectRef idx="0">
             <a:schemeClr val="accent1"/>
           </a:effectRef>
           <a:fontRef idx="minor">
+            <a:schemeClr val="dk1"/>
+          </a:fontRef>
+        </p:style>
+        <p:txBody>
+          <a:bodyPr rtlCol="0" anchor="ctr"/>
+          <a:lstStyle/>
+          <a:p>
+            <a:pPr algn="ctr"/>
+            <a:endParaRPr lang="pt-BR" dirty="0"/>
+          </a:p>
+        </p:txBody>
+      </p:sp>
+      <p:sp>
+        <p:nvSpPr>
+          <p:cNvPr id="8" name="Retângulo 7"/>
+          <p:cNvSpPr/>
+          <p:nvPr/>
+        </p:nvSpPr>
+        <p:spPr>
+          <a:xfrm>
+            <a:off x="1044222" y="1224844"/>
+            <a:ext cx="10193866" cy="389467"/>
+          </a:xfrm>
+          <a:prstGeom prst="rect">
+            <a:avLst/>
+          </a:prstGeom>
+        </p:spPr>
+        <p:style>
+          <a:lnRef idx="2">
+            <a:schemeClr val="accent6"/>
+          </a:lnRef>
+          <a:fillRef idx="1">
+            <a:schemeClr val="lt1"/>
+          </a:fillRef>
+          <a:effectRef idx="0">
+            <a:schemeClr val="accent6"/>
+          </a:effectRef>
+          <a:fontRef idx="minor">
+            <a:schemeClr val="dk1"/>
+          </a:fontRef>
+        </p:style>
+        <p:txBody>
+          <a:bodyPr rtlCol="0" anchor="ctr"/>
+          <a:lstStyle/>
+          <a:p>
+            <a:pPr algn="ctr"/>
+            <a:endParaRPr lang="pt-BR" dirty="0"/>
+          </a:p>
+        </p:txBody>
+      </p:sp>
+      <p:sp>
+        <p:nvSpPr>
+          <p:cNvPr id="6" name="Elipse 5"/>
+          <p:cNvSpPr/>
+          <p:nvPr/>
+        </p:nvSpPr>
+        <p:spPr>
+          <a:xfrm>
+            <a:off x="10803466" y="1255888"/>
+            <a:ext cx="293511" cy="302204"/>
+          </a:xfrm>
+          <a:prstGeom prst="ellipse">
+            <a:avLst/>
+          </a:prstGeom>
+        </p:spPr>
+        <p:style>
+          <a:lnRef idx="2">
+            <a:schemeClr val="accent3">
+              <a:shade val="50000"/>
+            </a:schemeClr>
+          </a:lnRef>
+          <a:fillRef idx="1">
+            <a:schemeClr val="accent3"/>
+          </a:fillRef>
+          <a:effectRef idx="0">
+            <a:schemeClr val="accent3"/>
+          </a:effectRef>
+          <a:fontRef idx="minor">
             <a:schemeClr val="lt1"/>
           </a:fontRef>
         </p:style>
@@ -15228,13 +15922,10 @@
           <a:bodyPr rtlCol="0" anchor="ctr"/>
           <a:lstStyle/>
           <a:p>
+            <a:pPr algn="ctr"/>
             <a:r>
               <a:rPr lang="pt-BR" dirty="0" smtClean="0"/>
-              <a:t>Café </a:t>
-            </a:r>
-            <a:r>
-              <a:rPr lang="pt-BR" dirty="0" err="1" smtClean="0"/>
-              <a:t>Estan</a:t>
+              <a:t>x</a:t>
             </a:r>
             <a:endParaRPr lang="pt-BR" dirty="0"/>
           </a:p>
@@ -15242,7 +15933,50 @@
       </p:sp>
       <p:sp>
         <p:nvSpPr>
-          <p:cNvPr id="15" name="Título 1">
+          <p:cNvPr id="11" name="Retângulo 10"/>
+          <p:cNvSpPr/>
+          <p:nvPr/>
+        </p:nvSpPr>
+        <p:spPr>
+          <a:xfrm>
+            <a:off x="2689946" y="2201558"/>
+            <a:ext cx="1735298" cy="389467"/>
+          </a:xfrm>
+          <a:prstGeom prst="rect">
+            <a:avLst/>
+          </a:prstGeom>
+          <a:solidFill>
+            <a:schemeClr val="bg1">
+              <a:lumMod val="85000"/>
+            </a:schemeClr>
+          </a:solidFill>
+        </p:spPr>
+        <p:style>
+          <a:lnRef idx="2">
+            <a:schemeClr val="accent6"/>
+          </a:lnRef>
+          <a:fillRef idx="1">
+            <a:schemeClr val="lt1"/>
+          </a:fillRef>
+          <a:effectRef idx="0">
+            <a:schemeClr val="accent6"/>
+          </a:effectRef>
+          <a:fontRef idx="minor">
+            <a:schemeClr val="dk1"/>
+          </a:fontRef>
+        </p:style>
+        <p:txBody>
+          <a:bodyPr rtlCol="0" anchor="ctr"/>
+          <a:lstStyle/>
+          <a:p>
+            <a:pPr algn="ctr"/>
+            <a:endParaRPr lang="pt-BR" dirty="0"/>
+          </a:p>
+        </p:txBody>
+      </p:sp>
+      <p:sp>
+        <p:nvSpPr>
+          <p:cNvPr id="12" name="Título 1">
             <a:extLst>
               <a:ext uri="{FF2B5EF4-FFF2-40B4-BE49-F238E27FC236}">
                 <a16:creationId xmlns:a16="http://schemas.microsoft.com/office/drawing/2014/main" id="{52C8C7F8-6A55-1DF8-3A33-F776C9F854B3}"/>
@@ -15256,8 +15990,8 @@
         </p:nvSpPr>
         <p:spPr>
           <a:xfrm>
-            <a:off x="1467160" y="3119853"/>
-            <a:ext cx="5916168" cy="550334"/>
+            <a:off x="1557459" y="1063977"/>
+            <a:ext cx="5916168" cy="1527048"/>
           </a:xfrm>
           <a:prstGeom prst="rect">
             <a:avLst/>
@@ -15289,6 +16023,897 @@
           <a:p>
             <a:r>
               <a:rPr lang="en-US" sz="2000" b="0" dirty="0" err="1" smtClean="0"/>
+              <a:t>Código</a:t>
+            </a:r>
+            <a:endParaRPr lang="en-US" sz="2000" b="0" dirty="0"/>
+          </a:p>
+        </p:txBody>
+      </p:sp>
+      <p:sp>
+        <p:nvSpPr>
+          <p:cNvPr id="13" name="Título 1">
+            <a:extLst>
+              <a:ext uri="{FF2B5EF4-FFF2-40B4-BE49-F238E27FC236}">
+                <a16:creationId xmlns:a16="http://schemas.microsoft.com/office/drawing/2014/main" id="{52C8C7F8-6A55-1DF8-3A33-F776C9F854B3}"/>
+              </a:ext>
+            </a:extLst>
+          </p:cNvPr>
+          <p:cNvSpPr txBox="1">
+            <a:spLocks/>
+          </p:cNvSpPr>
+          <p:nvPr/>
+        </p:nvSpPr>
+        <p:spPr>
+          <a:xfrm>
+            <a:off x="1286538" y="2580272"/>
+            <a:ext cx="5916168" cy="550334"/>
+          </a:xfrm>
+          <a:prstGeom prst="rect">
+            <a:avLst/>
+          </a:prstGeom>
+        </p:spPr>
+        <p:txBody>
+          <a:bodyPr vert="horz" lIns="91440" tIns="45720" rIns="91440" bIns="45720" rtlCol="0" anchor="b">
+            <a:normAutofit/>
+          </a:bodyPr>
+          <a:lstStyle>
+            <a:lvl1pPr algn="l" defTabSz="914400" rtl="0" eaLnBrk="1" latinLnBrk="0" hangingPunct="1">
+              <a:lnSpc>
+                <a:spcPct val="90000"/>
+              </a:lnSpc>
+              <a:spcBef>
+                <a:spcPct val="0"/>
+              </a:spcBef>
+              <a:buNone/>
+              <a:defRPr sz="3600" b="1" kern="1200">
+                <a:solidFill>
+                  <a:schemeClr val="tx1"/>
+                </a:solidFill>
+                <a:latin typeface="+mj-lt"/>
+                <a:ea typeface="+mj-ea"/>
+                <a:cs typeface="+mj-cs"/>
+              </a:defRPr>
+            </a:lvl1pPr>
+          </a:lstStyle>
+          <a:p>
+            <a:r>
+              <a:rPr lang="en-US" sz="2000" b="0" dirty="0" err="1" smtClean="0"/>
+              <a:t>Descrição</a:t>
+            </a:r>
+            <a:endParaRPr lang="en-US" sz="2000" b="0" dirty="0"/>
+          </a:p>
+        </p:txBody>
+      </p:sp>
+      <p:sp>
+        <p:nvSpPr>
+          <p:cNvPr id="14" name="Retângulo 13"/>
+          <p:cNvSpPr/>
+          <p:nvPr/>
+        </p:nvSpPr>
+        <p:spPr>
+          <a:xfrm>
+            <a:off x="2689945" y="2730386"/>
+            <a:ext cx="5325165" cy="389467"/>
+          </a:xfrm>
+          <a:prstGeom prst="rect">
+            <a:avLst/>
+          </a:prstGeom>
+          <a:solidFill>
+            <a:srgbClr val="92D050"/>
+          </a:solidFill>
+        </p:spPr>
+        <p:style>
+          <a:lnRef idx="2">
+            <a:schemeClr val="accent1">
+              <a:shade val="50000"/>
+            </a:schemeClr>
+          </a:lnRef>
+          <a:fillRef idx="1">
+            <a:schemeClr val="accent1"/>
+          </a:fillRef>
+          <a:effectRef idx="0">
+            <a:schemeClr val="accent1"/>
+          </a:effectRef>
+          <a:fontRef idx="minor">
+            <a:schemeClr val="lt1"/>
+          </a:fontRef>
+        </p:style>
+        <p:txBody>
+          <a:bodyPr rtlCol="0" anchor="ctr"/>
+          <a:lstStyle/>
+          <a:p>
+            <a:r>
+              <a:rPr lang="pt-BR" dirty="0" smtClean="0"/>
+              <a:t>Café </a:t>
+            </a:r>
+            <a:r>
+              <a:rPr lang="pt-BR" dirty="0" err="1" smtClean="0"/>
+              <a:t>Estan</a:t>
+            </a:r>
+            <a:endParaRPr lang="pt-BR" dirty="0"/>
+          </a:p>
+        </p:txBody>
+      </p:sp>
+      <p:sp>
+        <p:nvSpPr>
+          <p:cNvPr id="17" name="Retângulo Arredondado 16"/>
+          <p:cNvSpPr/>
+          <p:nvPr/>
+        </p:nvSpPr>
+        <p:spPr>
+          <a:xfrm>
+            <a:off x="6953249" y="5048250"/>
+            <a:ext cx="1190625" cy="314325"/>
+          </a:xfrm>
+          <a:prstGeom prst="roundRect">
+            <a:avLst/>
+          </a:prstGeom>
+        </p:spPr>
+        <p:style>
+          <a:lnRef idx="2">
+            <a:schemeClr val="accent1">
+              <a:shade val="50000"/>
+            </a:schemeClr>
+          </a:lnRef>
+          <a:fillRef idx="1">
+            <a:schemeClr val="accent1"/>
+          </a:fillRef>
+          <a:effectRef idx="0">
+            <a:schemeClr val="accent1"/>
+          </a:effectRef>
+          <a:fontRef idx="minor">
+            <a:schemeClr val="lt1"/>
+          </a:fontRef>
+        </p:style>
+        <p:txBody>
+          <a:bodyPr rtlCol="0" anchor="ctr"/>
+          <a:lstStyle/>
+          <a:p>
+            <a:pPr algn="ctr"/>
+            <a:r>
+              <a:rPr lang="pt-BR" dirty="0" smtClean="0"/>
+              <a:t>Salvar</a:t>
+            </a:r>
+            <a:endParaRPr lang="pt-BR" dirty="0"/>
+          </a:p>
+        </p:txBody>
+      </p:sp>
+      <p:sp>
+        <p:nvSpPr>
+          <p:cNvPr id="18" name="Retângulo Arredondado 17"/>
+          <p:cNvSpPr/>
+          <p:nvPr/>
+        </p:nvSpPr>
+        <p:spPr>
+          <a:xfrm>
+            <a:off x="5735696" y="5048249"/>
+            <a:ext cx="1190625" cy="314325"/>
+          </a:xfrm>
+          <a:prstGeom prst="roundRect">
+            <a:avLst/>
+          </a:prstGeom>
+        </p:spPr>
+        <p:style>
+          <a:lnRef idx="2">
+            <a:schemeClr val="accent3">
+              <a:shade val="50000"/>
+            </a:schemeClr>
+          </a:lnRef>
+          <a:fillRef idx="1">
+            <a:schemeClr val="accent3"/>
+          </a:fillRef>
+          <a:effectRef idx="0">
+            <a:schemeClr val="accent3"/>
+          </a:effectRef>
+          <a:fontRef idx="minor">
+            <a:schemeClr val="lt1"/>
+          </a:fontRef>
+        </p:style>
+        <p:txBody>
+          <a:bodyPr rtlCol="0" anchor="ctr"/>
+          <a:lstStyle/>
+          <a:p>
+            <a:pPr algn="ctr"/>
+            <a:r>
+              <a:rPr lang="pt-BR" dirty="0" smtClean="0"/>
+              <a:t>Cancelar</a:t>
+            </a:r>
+            <a:endParaRPr lang="pt-BR" dirty="0"/>
+          </a:p>
+        </p:txBody>
+      </p:sp>
+      <p:sp>
+        <p:nvSpPr>
+          <p:cNvPr id="19" name="Retângulo Arredondado 18"/>
+          <p:cNvSpPr/>
+          <p:nvPr/>
+        </p:nvSpPr>
+        <p:spPr>
+          <a:xfrm>
+            <a:off x="4425244" y="5048248"/>
+            <a:ext cx="1190625" cy="314325"/>
+          </a:xfrm>
+          <a:prstGeom prst="roundRect">
+            <a:avLst/>
+          </a:prstGeom>
+          <a:solidFill>
+            <a:srgbClr val="00B0F0"/>
+          </a:solidFill>
+        </p:spPr>
+        <p:style>
+          <a:lnRef idx="2">
+            <a:schemeClr val="accent1">
+              <a:shade val="50000"/>
+            </a:schemeClr>
+          </a:lnRef>
+          <a:fillRef idx="1">
+            <a:schemeClr val="accent1"/>
+          </a:fillRef>
+          <a:effectRef idx="0">
+            <a:schemeClr val="accent1"/>
+          </a:effectRef>
+          <a:fontRef idx="minor">
+            <a:schemeClr val="lt1"/>
+          </a:fontRef>
+        </p:style>
+        <p:txBody>
+          <a:bodyPr rtlCol="0" anchor="ctr"/>
+          <a:lstStyle/>
+          <a:p>
+            <a:pPr algn="ctr"/>
+            <a:r>
+              <a:rPr lang="pt-BR" dirty="0" smtClean="0"/>
+              <a:t>Voltar</a:t>
+            </a:r>
+            <a:endParaRPr lang="pt-BR" dirty="0"/>
+          </a:p>
+        </p:txBody>
+      </p:sp>
+      <p:sp>
+        <p:nvSpPr>
+          <p:cNvPr id="21" name="CaixaDeTexto 20"/>
+          <p:cNvSpPr txBox="1"/>
+          <p:nvPr/>
+        </p:nvSpPr>
+        <p:spPr>
+          <a:xfrm>
+            <a:off x="9415640" y="3205335"/>
+            <a:ext cx="1781175" cy="1169551"/>
+          </a:xfrm>
+          <a:prstGeom prst="rect">
+            <a:avLst/>
+          </a:prstGeom>
+          <a:noFill/>
+        </p:spPr>
+        <p:txBody>
+          <a:bodyPr wrap="square" rtlCol="0">
+            <a:spAutoFit/>
+          </a:bodyPr>
+          <a:lstStyle/>
+          <a:p>
+            <a:r>
+              <a:rPr lang="pt-BR" sz="1400" dirty="0" smtClean="0"/>
+              <a:t>Quando em modo edição e o cursor estiver no campo o fundo deve ficar verde.</a:t>
+            </a:r>
+            <a:endParaRPr lang="pt-BR" sz="1400" dirty="0"/>
+          </a:p>
+        </p:txBody>
+      </p:sp>
+    </p:spTree>
+    <p:extLst>
+      <p:ext uri="{BB962C8B-B14F-4D97-AF65-F5344CB8AC3E}">
+        <p14:creationId xmlns:p14="http://schemas.microsoft.com/office/powerpoint/2010/main" val="2054591216"/>
+      </p:ext>
+    </p:extLst>
+  </p:cSld>
+  <p:clrMapOvr>
+    <a:masterClrMapping/>
+  </p:clrMapOvr>
+  <p:transition>
+    <p:fade/>
+  </p:transition>
+</p:sld>
+</file>
+
+<file path=ppt/slides/slide23.xml><?xml version="1.0" encoding="utf-8"?>
+<p:sld xmlns:a="http://schemas.openxmlformats.org/drawingml/2006/main" xmlns:r="http://schemas.openxmlformats.org/officeDocument/2006/relationships" xmlns:p="http://schemas.openxmlformats.org/presentationml/2006/main">
+  <p:cSld>
+    <p:bg>
+      <p:bgPr>
+        <a:solidFill>
+          <a:schemeClr val="bg1"/>
+        </a:solidFill>
+        <a:effectLst/>
+      </p:bgPr>
+    </p:bg>
+    <p:spTree>
+      <p:nvGrpSpPr>
+        <p:cNvPr id="1" name=""/>
+        <p:cNvGrpSpPr/>
+        <p:nvPr/>
+      </p:nvGrpSpPr>
+      <p:grpSpPr>
+        <a:xfrm>
+          <a:off x="0" y="0"/>
+          <a:ext cx="0" cy="0"/>
+          <a:chOff x="0" y="0"/>
+          <a:chExt cx="0" cy="0"/>
+        </a:xfrm>
+      </p:grpSpPr>
+      <p:sp useBgFill="1">
+        <p:nvSpPr>
+          <p:cNvPr id="10" name="Rectangle 9">
+            <a:extLst>
+              <a:ext uri="{FF2B5EF4-FFF2-40B4-BE49-F238E27FC236}">
+                <a16:creationId xmlns:a16="http://schemas.microsoft.com/office/drawing/2014/main" id="{5E8D3B17-7638-DFD3-18E4-8A6D611749CF}"/>
+              </a:ext>
+              <a:ext uri="{C183D7F6-B498-43B3-948B-1728B52AA6E4}">
+                <adec:decorative xmlns:adec="http://schemas.microsoft.com/office/drawing/2017/decorative" xmlns="" val="1"/>
+              </a:ext>
+            </a:extLst>
+          </p:cNvPr>
+          <p:cNvSpPr>
+            <a:spLocks noGrp="1" noRot="1" noChangeAspect="1" noMove="1" noResize="1" noEditPoints="1" noAdjustHandles="1" noChangeArrowheads="1" noChangeShapeType="1" noTextEdit="1"/>
+          </p:cNvSpPr>
+          <p:nvPr>
+            <p:extLst>
+              <p:ext uri="{386F3935-93C4-4BCD-93E2-E3B085C9AB24}">
+                <p16:designElem xmlns:p16="http://schemas.microsoft.com/office/powerpoint/2015/main" val="1"/>
+              </p:ext>
+            </p:extLst>
+          </p:nvPr>
+        </p:nvSpPr>
+        <p:spPr>
+          <a:xfrm>
+            <a:off x="0" y="0"/>
+            <a:ext cx="12192000" cy="6858000"/>
+          </a:xfrm>
+          <a:prstGeom prst="rect">
+            <a:avLst/>
+          </a:prstGeom>
+          <a:ln w="12700" cap="flat" cmpd="sng" algn="ctr">
+            <a:noFill/>
+            <a:prstDash val="solid"/>
+            <a:miter lim="800000"/>
+          </a:ln>
+          <a:effectLst/>
+          <a:extLst>
+            <a:ext uri="{91240B29-F687-4F45-9708-019B960494DF}">
+              <a14:hiddenLine xmlns:a14="http://schemas.microsoft.com/office/drawing/2010/main" w="12700" cap="flat" cmpd="sng" algn="ctr">
+                <a:solidFill>
+                  <a:schemeClr val="accent1">
+                    <a:shade val="15000"/>
+                  </a:schemeClr>
+                </a:solidFill>
+                <a:prstDash val="solid"/>
+                <a:miter lim="800000"/>
+              </a14:hiddenLine>
+            </a:ext>
+          </a:extLst>
+        </p:spPr>
+        <p:style>
+          <a:lnRef idx="2">
+            <a:schemeClr val="accent1">
+              <a:shade val="15000"/>
+            </a:schemeClr>
+          </a:lnRef>
+          <a:fillRef idx="1">
+            <a:schemeClr val="accent1"/>
+          </a:fillRef>
+          <a:effectRef idx="0">
+            <a:schemeClr val="accent1"/>
+          </a:effectRef>
+          <a:fontRef idx="minor">
+            <a:schemeClr val="lt1"/>
+          </a:fontRef>
+        </p:style>
+        <p:txBody>
+          <a:bodyPr rtlCol="0" anchor="ctr"/>
+          <a:lstStyle/>
+          <a:p>
+            <a:pPr algn="ctr"/>
+            <a:endParaRPr lang="en-US"/>
+          </a:p>
+        </p:txBody>
+      </p:sp>
+      <p:sp>
+        <p:nvSpPr>
+          <p:cNvPr id="2" name="Título 1">
+            <a:extLst>
+              <a:ext uri="{FF2B5EF4-FFF2-40B4-BE49-F238E27FC236}">
+                <a16:creationId xmlns:a16="http://schemas.microsoft.com/office/drawing/2014/main" id="{52C8C7F8-6A55-1DF8-3A33-F776C9F854B3}"/>
+              </a:ext>
+            </a:extLst>
+          </p:cNvPr>
+          <p:cNvSpPr>
+            <a:spLocks noGrp="1"/>
+          </p:cNvSpPr>
+          <p:nvPr>
+            <p:ph type="title"/>
+          </p:nvPr>
+        </p:nvSpPr>
+        <p:spPr>
+          <a:xfrm>
+            <a:off x="2917771" y="-695454"/>
+            <a:ext cx="5916168" cy="1527048"/>
+          </a:xfrm>
+        </p:spPr>
+        <p:txBody>
+          <a:bodyPr vert="horz" lIns="91440" tIns="45720" rIns="91440" bIns="45720" rtlCol="0" anchor="b">
+            <a:normAutofit/>
+          </a:bodyPr>
+          <a:lstStyle/>
+          <a:p>
+            <a:r>
+              <a:rPr lang="en-US" b="0" kern="1200" dirty="0" err="1" smtClean="0">
+                <a:solidFill>
+                  <a:schemeClr val="tx1"/>
+                </a:solidFill>
+                <a:latin typeface="+mj-lt"/>
+                <a:ea typeface="+mj-ea"/>
+                <a:cs typeface="+mj-cs"/>
+              </a:rPr>
+              <a:t>Tela</a:t>
+            </a:r>
+            <a:r>
+              <a:rPr lang="en-US" b="0" kern="1200" dirty="0" smtClean="0">
+                <a:solidFill>
+                  <a:schemeClr val="tx1"/>
+                </a:solidFill>
+                <a:latin typeface="+mj-lt"/>
+                <a:ea typeface="+mj-ea"/>
+                <a:cs typeface="+mj-cs"/>
+              </a:rPr>
+              <a:t> </a:t>
+            </a:r>
+            <a:r>
+              <a:rPr lang="en-US" b="0" kern="1200" dirty="0" err="1" smtClean="0">
+                <a:solidFill>
+                  <a:schemeClr val="tx1"/>
+                </a:solidFill>
+                <a:latin typeface="+mj-lt"/>
+                <a:ea typeface="+mj-ea"/>
+                <a:cs typeface="+mj-cs"/>
+              </a:rPr>
+              <a:t>Produto</a:t>
+            </a:r>
+            <a:endParaRPr lang="en-US" b="0" kern="1200" dirty="0">
+              <a:solidFill>
+                <a:schemeClr val="tx1"/>
+              </a:solidFill>
+              <a:latin typeface="+mj-lt"/>
+              <a:ea typeface="+mj-ea"/>
+              <a:cs typeface="+mj-cs"/>
+            </a:endParaRPr>
+          </a:p>
+        </p:txBody>
+      </p:sp>
+      <p:sp>
+        <p:nvSpPr>
+          <p:cNvPr id="7" name="Título 1">
+            <a:extLst>
+              <a:ext uri="{FF2B5EF4-FFF2-40B4-BE49-F238E27FC236}">
+                <a16:creationId xmlns:a16="http://schemas.microsoft.com/office/drawing/2014/main" id="{F08859EF-E25E-52C0-C024-DE22738F8749}"/>
+              </a:ext>
+            </a:extLst>
+          </p:cNvPr>
+          <p:cNvSpPr txBox="1">
+            <a:spLocks/>
+          </p:cNvSpPr>
+          <p:nvPr/>
+        </p:nvSpPr>
+        <p:spPr>
+          <a:xfrm>
+            <a:off x="414841" y="-695454"/>
+            <a:ext cx="5916168" cy="1527048"/>
+          </a:xfrm>
+          <a:prstGeom prst="rect">
+            <a:avLst/>
+          </a:prstGeom>
+        </p:spPr>
+        <p:txBody>
+          <a:bodyPr vert="horz" lIns="91440" tIns="45720" rIns="91440" bIns="45720" rtlCol="0" anchor="b">
+            <a:normAutofit/>
+          </a:bodyPr>
+          <a:lstStyle>
+            <a:lvl1pPr algn="l" defTabSz="914400" rtl="0" eaLnBrk="1" latinLnBrk="0" hangingPunct="1">
+              <a:lnSpc>
+                <a:spcPct val="90000"/>
+              </a:lnSpc>
+              <a:spcBef>
+                <a:spcPct val="0"/>
+              </a:spcBef>
+              <a:buNone/>
+              <a:defRPr sz="3600" b="1" kern="1200">
+                <a:solidFill>
+                  <a:schemeClr val="tx1"/>
+                </a:solidFill>
+                <a:latin typeface="+mj-lt"/>
+                <a:ea typeface="+mj-ea"/>
+                <a:cs typeface="+mj-cs"/>
+              </a:defRPr>
+            </a:lvl1pPr>
+          </a:lstStyle>
+          <a:p>
+            <a:r>
+              <a:rPr lang="en-US" dirty="0"/>
+              <a:t>Wireframe</a:t>
+            </a:r>
+          </a:p>
+        </p:txBody>
+      </p:sp>
+      <p:sp>
+        <p:nvSpPr>
+          <p:cNvPr id="4" name="Retângulo 3"/>
+          <p:cNvSpPr/>
+          <p:nvPr/>
+        </p:nvSpPr>
+        <p:spPr>
+          <a:xfrm>
+            <a:off x="1044222" y="1224844"/>
+            <a:ext cx="10193866" cy="5317067"/>
+          </a:xfrm>
+          <a:prstGeom prst="rect">
+            <a:avLst/>
+          </a:prstGeom>
+        </p:spPr>
+        <p:style>
+          <a:lnRef idx="2">
+            <a:schemeClr val="accent1"/>
+          </a:lnRef>
+          <a:fillRef idx="1">
+            <a:schemeClr val="lt1"/>
+          </a:fillRef>
+          <a:effectRef idx="0">
+            <a:schemeClr val="accent1"/>
+          </a:effectRef>
+          <a:fontRef idx="minor">
+            <a:schemeClr val="dk1"/>
+          </a:fontRef>
+        </p:style>
+        <p:txBody>
+          <a:bodyPr rtlCol="0" anchor="ctr"/>
+          <a:lstStyle/>
+          <a:p>
+            <a:pPr algn="ctr"/>
+            <a:endParaRPr lang="pt-BR" dirty="0"/>
+          </a:p>
+        </p:txBody>
+      </p:sp>
+      <p:sp>
+        <p:nvSpPr>
+          <p:cNvPr id="8" name="Retângulo 7"/>
+          <p:cNvSpPr/>
+          <p:nvPr/>
+        </p:nvSpPr>
+        <p:spPr>
+          <a:xfrm>
+            <a:off x="1044222" y="1224844"/>
+            <a:ext cx="10193866" cy="389467"/>
+          </a:xfrm>
+          <a:prstGeom prst="rect">
+            <a:avLst/>
+          </a:prstGeom>
+        </p:spPr>
+        <p:style>
+          <a:lnRef idx="2">
+            <a:schemeClr val="accent6"/>
+          </a:lnRef>
+          <a:fillRef idx="1">
+            <a:schemeClr val="lt1"/>
+          </a:fillRef>
+          <a:effectRef idx="0">
+            <a:schemeClr val="accent6"/>
+          </a:effectRef>
+          <a:fontRef idx="minor">
+            <a:schemeClr val="dk1"/>
+          </a:fontRef>
+        </p:style>
+        <p:txBody>
+          <a:bodyPr rtlCol="0" anchor="ctr"/>
+          <a:lstStyle/>
+          <a:p>
+            <a:pPr algn="ctr"/>
+            <a:endParaRPr lang="pt-BR" dirty="0"/>
+          </a:p>
+        </p:txBody>
+      </p:sp>
+      <p:sp>
+        <p:nvSpPr>
+          <p:cNvPr id="6" name="Elipse 5"/>
+          <p:cNvSpPr/>
+          <p:nvPr/>
+        </p:nvSpPr>
+        <p:spPr>
+          <a:xfrm>
+            <a:off x="10803466" y="1255888"/>
+            <a:ext cx="293511" cy="302204"/>
+          </a:xfrm>
+          <a:prstGeom prst="ellipse">
+            <a:avLst/>
+          </a:prstGeom>
+        </p:spPr>
+        <p:style>
+          <a:lnRef idx="2">
+            <a:schemeClr val="accent3">
+              <a:shade val="50000"/>
+            </a:schemeClr>
+          </a:lnRef>
+          <a:fillRef idx="1">
+            <a:schemeClr val="accent3"/>
+          </a:fillRef>
+          <a:effectRef idx="0">
+            <a:schemeClr val="accent3"/>
+          </a:effectRef>
+          <a:fontRef idx="minor">
+            <a:schemeClr val="lt1"/>
+          </a:fontRef>
+        </p:style>
+        <p:txBody>
+          <a:bodyPr rtlCol="0" anchor="ctr"/>
+          <a:lstStyle/>
+          <a:p>
+            <a:pPr algn="ctr"/>
+            <a:r>
+              <a:rPr lang="pt-BR" dirty="0" smtClean="0"/>
+              <a:t>x</a:t>
+            </a:r>
+            <a:endParaRPr lang="pt-BR" dirty="0"/>
+          </a:p>
+        </p:txBody>
+      </p:sp>
+      <p:sp>
+        <p:nvSpPr>
+          <p:cNvPr id="11" name="Retângulo 10"/>
+          <p:cNvSpPr/>
+          <p:nvPr/>
+        </p:nvSpPr>
+        <p:spPr>
+          <a:xfrm>
+            <a:off x="2689946" y="2201558"/>
+            <a:ext cx="1735298" cy="389467"/>
+          </a:xfrm>
+          <a:prstGeom prst="rect">
+            <a:avLst/>
+          </a:prstGeom>
+          <a:solidFill>
+            <a:schemeClr val="bg1">
+              <a:lumMod val="85000"/>
+            </a:schemeClr>
+          </a:solidFill>
+        </p:spPr>
+        <p:style>
+          <a:lnRef idx="2">
+            <a:schemeClr val="accent6"/>
+          </a:lnRef>
+          <a:fillRef idx="1">
+            <a:schemeClr val="lt1"/>
+          </a:fillRef>
+          <a:effectRef idx="0">
+            <a:schemeClr val="accent6"/>
+          </a:effectRef>
+          <a:fontRef idx="minor">
+            <a:schemeClr val="dk1"/>
+          </a:fontRef>
+        </p:style>
+        <p:txBody>
+          <a:bodyPr rtlCol="0" anchor="ctr"/>
+          <a:lstStyle/>
+          <a:p>
+            <a:pPr algn="ctr"/>
+            <a:endParaRPr lang="pt-BR" dirty="0"/>
+          </a:p>
+        </p:txBody>
+      </p:sp>
+      <p:sp>
+        <p:nvSpPr>
+          <p:cNvPr id="12" name="Título 1">
+            <a:extLst>
+              <a:ext uri="{FF2B5EF4-FFF2-40B4-BE49-F238E27FC236}">
+                <a16:creationId xmlns:a16="http://schemas.microsoft.com/office/drawing/2014/main" id="{52C8C7F8-6A55-1DF8-3A33-F776C9F854B3}"/>
+              </a:ext>
+            </a:extLst>
+          </p:cNvPr>
+          <p:cNvSpPr txBox="1">
+            <a:spLocks/>
+          </p:cNvSpPr>
+          <p:nvPr/>
+        </p:nvSpPr>
+        <p:spPr>
+          <a:xfrm>
+            <a:off x="1557459" y="1063977"/>
+            <a:ext cx="5916168" cy="1527048"/>
+          </a:xfrm>
+          <a:prstGeom prst="rect">
+            <a:avLst/>
+          </a:prstGeom>
+        </p:spPr>
+        <p:txBody>
+          <a:bodyPr vert="horz" lIns="91440" tIns="45720" rIns="91440" bIns="45720" rtlCol="0" anchor="b">
+            <a:normAutofit/>
+          </a:bodyPr>
+          <a:lstStyle>
+            <a:lvl1pPr algn="l" defTabSz="914400" rtl="0" eaLnBrk="1" latinLnBrk="0" hangingPunct="1">
+              <a:lnSpc>
+                <a:spcPct val="90000"/>
+              </a:lnSpc>
+              <a:spcBef>
+                <a:spcPct val="0"/>
+              </a:spcBef>
+              <a:buNone/>
+              <a:defRPr sz="3600" b="1" kern="1200">
+                <a:solidFill>
+                  <a:schemeClr val="tx1"/>
+                </a:solidFill>
+                <a:latin typeface="+mj-lt"/>
+                <a:ea typeface="+mj-ea"/>
+                <a:cs typeface="+mj-cs"/>
+              </a:defRPr>
+            </a:lvl1pPr>
+          </a:lstStyle>
+          <a:p>
+            <a:r>
+              <a:rPr lang="en-US" sz="2000" b="0" dirty="0" err="1" smtClean="0"/>
+              <a:t>Código</a:t>
+            </a:r>
+            <a:endParaRPr lang="en-US" sz="2000" b="0" dirty="0"/>
+          </a:p>
+        </p:txBody>
+      </p:sp>
+      <p:sp>
+        <p:nvSpPr>
+          <p:cNvPr id="13" name="Título 1">
+            <a:extLst>
+              <a:ext uri="{FF2B5EF4-FFF2-40B4-BE49-F238E27FC236}">
+                <a16:creationId xmlns:a16="http://schemas.microsoft.com/office/drawing/2014/main" id="{52C8C7F8-6A55-1DF8-3A33-F776C9F854B3}"/>
+              </a:ext>
+            </a:extLst>
+          </p:cNvPr>
+          <p:cNvSpPr txBox="1">
+            <a:spLocks/>
+          </p:cNvSpPr>
+          <p:nvPr/>
+        </p:nvSpPr>
+        <p:spPr>
+          <a:xfrm>
+            <a:off x="1286538" y="2580272"/>
+            <a:ext cx="5916168" cy="550334"/>
+          </a:xfrm>
+          <a:prstGeom prst="rect">
+            <a:avLst/>
+          </a:prstGeom>
+        </p:spPr>
+        <p:txBody>
+          <a:bodyPr vert="horz" lIns="91440" tIns="45720" rIns="91440" bIns="45720" rtlCol="0" anchor="b">
+            <a:normAutofit/>
+          </a:bodyPr>
+          <a:lstStyle>
+            <a:lvl1pPr algn="l" defTabSz="914400" rtl="0" eaLnBrk="1" latinLnBrk="0" hangingPunct="1">
+              <a:lnSpc>
+                <a:spcPct val="90000"/>
+              </a:lnSpc>
+              <a:spcBef>
+                <a:spcPct val="0"/>
+              </a:spcBef>
+              <a:buNone/>
+              <a:defRPr sz="3600" b="1" kern="1200">
+                <a:solidFill>
+                  <a:schemeClr val="tx1"/>
+                </a:solidFill>
+                <a:latin typeface="+mj-lt"/>
+                <a:ea typeface="+mj-ea"/>
+                <a:cs typeface="+mj-cs"/>
+              </a:defRPr>
+            </a:lvl1pPr>
+          </a:lstStyle>
+          <a:p>
+            <a:r>
+              <a:rPr lang="en-US" sz="2000" b="0" dirty="0" err="1" smtClean="0"/>
+              <a:t>Descrição</a:t>
+            </a:r>
+            <a:endParaRPr lang="en-US" sz="2000" b="0" dirty="0"/>
+          </a:p>
+        </p:txBody>
+      </p:sp>
+      <p:sp>
+        <p:nvSpPr>
+          <p:cNvPr id="14" name="Retângulo 13"/>
+          <p:cNvSpPr/>
+          <p:nvPr/>
+        </p:nvSpPr>
+        <p:spPr>
+          <a:xfrm>
+            <a:off x="2689945" y="2730386"/>
+            <a:ext cx="5325165" cy="389467"/>
+          </a:xfrm>
+          <a:prstGeom prst="rect">
+            <a:avLst/>
+          </a:prstGeom>
+          <a:solidFill>
+            <a:srgbClr val="92D050"/>
+          </a:solidFill>
+        </p:spPr>
+        <p:style>
+          <a:lnRef idx="2">
+            <a:schemeClr val="accent1">
+              <a:shade val="50000"/>
+            </a:schemeClr>
+          </a:lnRef>
+          <a:fillRef idx="1">
+            <a:schemeClr val="accent1"/>
+          </a:fillRef>
+          <a:effectRef idx="0">
+            <a:schemeClr val="accent1"/>
+          </a:effectRef>
+          <a:fontRef idx="minor">
+            <a:schemeClr val="lt1"/>
+          </a:fontRef>
+        </p:style>
+        <p:txBody>
+          <a:bodyPr rtlCol="0" anchor="ctr"/>
+          <a:lstStyle/>
+          <a:p>
+            <a:r>
+              <a:rPr lang="pt-BR" dirty="0" smtClean="0"/>
+              <a:t>Café </a:t>
+            </a:r>
+            <a:r>
+              <a:rPr lang="pt-BR" dirty="0" err="1" smtClean="0"/>
+              <a:t>Estan</a:t>
+            </a:r>
+            <a:endParaRPr lang="pt-BR" dirty="0"/>
+          </a:p>
+        </p:txBody>
+      </p:sp>
+      <p:sp>
+        <p:nvSpPr>
+          <p:cNvPr id="15" name="Título 1">
+            <a:extLst>
+              <a:ext uri="{FF2B5EF4-FFF2-40B4-BE49-F238E27FC236}">
+                <a16:creationId xmlns:a16="http://schemas.microsoft.com/office/drawing/2014/main" id="{52C8C7F8-6A55-1DF8-3A33-F776C9F854B3}"/>
+              </a:ext>
+            </a:extLst>
+          </p:cNvPr>
+          <p:cNvSpPr txBox="1">
+            <a:spLocks/>
+          </p:cNvSpPr>
+          <p:nvPr/>
+        </p:nvSpPr>
+        <p:spPr>
+          <a:xfrm>
+            <a:off x="1467160" y="3119853"/>
+            <a:ext cx="5916168" cy="550334"/>
+          </a:xfrm>
+          <a:prstGeom prst="rect">
+            <a:avLst/>
+          </a:prstGeom>
+        </p:spPr>
+        <p:txBody>
+          <a:bodyPr vert="horz" lIns="91440" tIns="45720" rIns="91440" bIns="45720" rtlCol="0" anchor="b">
+            <a:normAutofit/>
+          </a:bodyPr>
+          <a:lstStyle>
+            <a:lvl1pPr algn="l" defTabSz="914400" rtl="0" eaLnBrk="1" latinLnBrk="0" hangingPunct="1">
+              <a:lnSpc>
+                <a:spcPct val="90000"/>
+              </a:lnSpc>
+              <a:spcBef>
+                <a:spcPct val="0"/>
+              </a:spcBef>
+              <a:buNone/>
+              <a:defRPr sz="3600" b="1" kern="1200">
+                <a:solidFill>
+                  <a:schemeClr val="tx1"/>
+                </a:solidFill>
+                <a:latin typeface="+mj-lt"/>
+                <a:ea typeface="+mj-ea"/>
+                <a:cs typeface="+mj-cs"/>
+              </a:defRPr>
+            </a:lvl1pPr>
+          </a:lstStyle>
+          <a:p>
+            <a:r>
+              <a:rPr lang="en-US" sz="2000" b="0" dirty="0" err="1" smtClean="0"/>
               <a:t>Unidade</a:t>
             </a:r>
             <a:endParaRPr lang="en-US" sz="2000" b="0" dirty="0"/>
@@ -15557,7 +17182,7 @@
 </p:sld>
 </file>
 
-<file path=ppt/slides/slide22.xml><?xml version="1.0" encoding="utf-8"?>
+<file path=ppt/slides/slide24.xml><?xml version="1.0" encoding="utf-8"?>
 <p:sld xmlns:a="http://schemas.openxmlformats.org/drawingml/2006/main" xmlns:r="http://schemas.openxmlformats.org/officeDocument/2006/relationships" xmlns:p="http://schemas.openxmlformats.org/presentationml/2006/main">
   <p:cSld>
     <p:bg>
